--- a/Hot-Topic-Detection.pptx
+++ b/Hot-Topic-Detection.pptx
@@ -5,28 +5,27 @@
     <p:sldMasterId id="2147483660" r:id="rId1"/>
   </p:sldMasterIdLst>
   <p:notesMasterIdLst>
-    <p:notesMasterId r:id="rId21"/>
+    <p:notesMasterId r:id="rId20"/>
   </p:notesMasterIdLst>
   <p:sldIdLst>
     <p:sldId id="256" r:id="rId2"/>
     <p:sldId id="257" r:id="rId3"/>
     <p:sldId id="258" r:id="rId4"/>
     <p:sldId id="259" r:id="rId5"/>
-    <p:sldId id="260" r:id="rId6"/>
-    <p:sldId id="262" r:id="rId7"/>
-    <p:sldId id="263" r:id="rId8"/>
-    <p:sldId id="264" r:id="rId9"/>
-    <p:sldId id="265" r:id="rId10"/>
-    <p:sldId id="266" r:id="rId11"/>
-    <p:sldId id="267" r:id="rId12"/>
-    <p:sldId id="268" r:id="rId13"/>
-    <p:sldId id="269" r:id="rId14"/>
-    <p:sldId id="270" r:id="rId15"/>
-    <p:sldId id="271" r:id="rId16"/>
-    <p:sldId id="274" r:id="rId17"/>
-    <p:sldId id="275" r:id="rId18"/>
-    <p:sldId id="276" r:id="rId19"/>
-    <p:sldId id="277" r:id="rId20"/>
+    <p:sldId id="284" r:id="rId6"/>
+    <p:sldId id="260" r:id="rId7"/>
+    <p:sldId id="278" r:id="rId8"/>
+    <p:sldId id="279" r:id="rId9"/>
+    <p:sldId id="280" r:id="rId10"/>
+    <p:sldId id="283" r:id="rId11"/>
+    <p:sldId id="262" r:id="rId12"/>
+    <p:sldId id="286" r:id="rId13"/>
+    <p:sldId id="263" r:id="rId14"/>
+    <p:sldId id="264" r:id="rId15"/>
+    <p:sldId id="265" r:id="rId16"/>
+    <p:sldId id="288" r:id="rId17"/>
+    <p:sldId id="287" r:id="rId18"/>
+    <p:sldId id="285" r:id="rId19"/>
   </p:sldIdLst>
   <p:sldSz cx="12192000" cy="6858000"/>
   <p:notesSz cx="6858000" cy="9144000"/>
@@ -215,7 +214,7 @@
           <a:p>
             <a:fld id="{6EBBD1C7-ADD3-504D-BCDB-B42CF5CE97FC}" type="datetimeFigureOut">
               <a:rPr kumimoji="1" lang="zh-TW" altLang="en-US" smtClean="0"/>
-              <a:t>2016/4/11</a:t>
+              <a:t>2016/5/11</a:t>
             </a:fld>
             <a:endParaRPr kumimoji="1" lang="zh-TW" altLang="en-US"/>
           </a:p>
@@ -566,7 +565,7 @@
           <a:p>
             <a:fld id="{5C0E8D25-4743-8548-92C1-84EF04EA4DC0}" type="slidenum">
               <a:rPr kumimoji="1" lang="zh-TW" altLang="en-US" smtClean="0"/>
-              <a:t>7</a:t>
+              <a:t>13</a:t>
             </a:fld>
             <a:endParaRPr kumimoji="1" lang="zh-TW" altLang="en-US"/>
           </a:p>
@@ -576,762 +575,6 @@
     <p:extLst>
       <p:ext uri="{BB962C8B-B14F-4D97-AF65-F5344CB8AC3E}">
         <p14:creationId xmlns:p14="http://schemas.microsoft.com/office/powerpoint/2010/main" val="1656478042"/>
-      </p:ext>
-    </p:extLst>
-  </p:cSld>
-  <p:clrMapOvr>
-    <a:masterClrMapping/>
-  </p:clrMapOvr>
-</p:notes>
-</file>
-
-<file path=ppt/notesSlides/notesSlide10.xml><?xml version="1.0" encoding="utf-8"?>
-<p:notes xmlns:a="http://schemas.openxmlformats.org/drawingml/2006/main" xmlns:r="http://schemas.openxmlformats.org/officeDocument/2006/relationships" xmlns:p="http://schemas.openxmlformats.org/presentationml/2006/main">
-  <p:cSld>
-    <p:spTree>
-      <p:nvGrpSpPr>
-        <p:cNvPr id="1" name=""/>
-        <p:cNvGrpSpPr/>
-        <p:nvPr/>
-      </p:nvGrpSpPr>
-      <p:grpSpPr>
-        <a:xfrm>
-          <a:off x="0" y="0"/>
-          <a:ext cx="0" cy="0"/>
-          <a:chOff x="0" y="0"/>
-          <a:chExt cx="0" cy="0"/>
-        </a:xfrm>
-      </p:grpSpPr>
-      <p:sp>
-        <p:nvSpPr>
-          <p:cNvPr id="2" name="投影片圖像版面配置區 1"/>
-          <p:cNvSpPr>
-            <a:spLocks noGrp="1" noRot="1" noChangeAspect="1"/>
-          </p:cNvSpPr>
-          <p:nvPr>
-            <p:ph type="sldImg"/>
-          </p:nvPr>
-        </p:nvSpPr>
-        <p:spPr/>
-      </p:sp>
-      <p:sp>
-        <p:nvSpPr>
-          <p:cNvPr id="3" name="備忘稿版面配置區 2"/>
-          <p:cNvSpPr>
-            <a:spLocks noGrp="1"/>
-          </p:cNvSpPr>
-          <p:nvPr>
-            <p:ph type="body" idx="1"/>
-          </p:nvPr>
-        </p:nvSpPr>
-        <p:spPr/>
-        <p:txBody>
-          <a:bodyPr/>
-          <a:lstStyle/>
-          <a:p>
-            <a:endParaRPr lang="zh-TW" altLang="en-US" dirty="0"/>
-          </a:p>
-        </p:txBody>
-      </p:sp>
-      <p:sp>
-        <p:nvSpPr>
-          <p:cNvPr id="4" name="投影片編號版面配置區 3"/>
-          <p:cNvSpPr>
-            <a:spLocks noGrp="1"/>
-          </p:cNvSpPr>
-          <p:nvPr>
-            <p:ph type="sldNum" sz="quarter" idx="10"/>
-          </p:nvPr>
-        </p:nvSpPr>
-        <p:spPr/>
-        <p:txBody>
-          <a:bodyPr/>
-          <a:lstStyle/>
-          <a:p>
-            <a:fld id="{5C0E8D25-4743-8548-92C1-84EF04EA4DC0}" type="slidenum">
-              <a:rPr kumimoji="1" lang="zh-TW" altLang="en-US" smtClean="0"/>
-              <a:t>18</a:t>
-            </a:fld>
-            <a:endParaRPr kumimoji="1" lang="zh-TW" altLang="en-US"/>
-          </a:p>
-        </p:txBody>
-      </p:sp>
-    </p:spTree>
-    <p:extLst>
-      <p:ext uri="{BB962C8B-B14F-4D97-AF65-F5344CB8AC3E}">
-        <p14:creationId xmlns:p14="http://schemas.microsoft.com/office/powerpoint/2010/main" val="3235226228"/>
-      </p:ext>
-    </p:extLst>
-  </p:cSld>
-  <p:clrMapOvr>
-    <a:masterClrMapping/>
-  </p:clrMapOvr>
-</p:notes>
-</file>
-
-<file path=ppt/notesSlides/notesSlide2.xml><?xml version="1.0" encoding="utf-8"?>
-<p:notes xmlns:a="http://schemas.openxmlformats.org/drawingml/2006/main" xmlns:r="http://schemas.openxmlformats.org/officeDocument/2006/relationships" xmlns:p="http://schemas.openxmlformats.org/presentationml/2006/main">
-  <p:cSld>
-    <p:spTree>
-      <p:nvGrpSpPr>
-        <p:cNvPr id="1" name=""/>
-        <p:cNvGrpSpPr/>
-        <p:nvPr/>
-      </p:nvGrpSpPr>
-      <p:grpSpPr>
-        <a:xfrm>
-          <a:off x="0" y="0"/>
-          <a:ext cx="0" cy="0"/>
-          <a:chOff x="0" y="0"/>
-          <a:chExt cx="0" cy="0"/>
-        </a:xfrm>
-      </p:grpSpPr>
-      <p:sp>
-        <p:nvSpPr>
-          <p:cNvPr id="2" name="投影片圖像版面配置區 1"/>
-          <p:cNvSpPr>
-            <a:spLocks noGrp="1" noRot="1" noChangeAspect="1"/>
-          </p:cNvSpPr>
-          <p:nvPr>
-            <p:ph type="sldImg"/>
-          </p:nvPr>
-        </p:nvSpPr>
-        <p:spPr/>
-      </p:sp>
-      <p:sp>
-        <p:nvSpPr>
-          <p:cNvPr id="3" name="備忘稿版面配置區 2"/>
-          <p:cNvSpPr>
-            <a:spLocks noGrp="1"/>
-          </p:cNvSpPr>
-          <p:nvPr>
-            <p:ph type="body" idx="1"/>
-          </p:nvPr>
-        </p:nvSpPr>
-        <p:spPr/>
-        <p:txBody>
-          <a:bodyPr/>
-          <a:lstStyle/>
-          <a:p>
-            <a:endParaRPr lang="zh-TW" altLang="en-US" dirty="0"/>
-          </a:p>
-        </p:txBody>
-      </p:sp>
-      <p:sp>
-        <p:nvSpPr>
-          <p:cNvPr id="4" name="投影片編號版面配置區 3"/>
-          <p:cNvSpPr>
-            <a:spLocks noGrp="1"/>
-          </p:cNvSpPr>
-          <p:nvPr>
-            <p:ph type="sldNum" sz="quarter" idx="10"/>
-          </p:nvPr>
-        </p:nvSpPr>
-        <p:spPr/>
-        <p:txBody>
-          <a:bodyPr/>
-          <a:lstStyle/>
-          <a:p>
-            <a:fld id="{5C0E8D25-4743-8548-92C1-84EF04EA4DC0}" type="slidenum">
-              <a:rPr kumimoji="1" lang="zh-TW" altLang="en-US" smtClean="0"/>
-              <a:t>10</a:t>
-            </a:fld>
-            <a:endParaRPr kumimoji="1" lang="zh-TW" altLang="en-US"/>
-          </a:p>
-        </p:txBody>
-      </p:sp>
-    </p:spTree>
-    <p:extLst>
-      <p:ext uri="{BB962C8B-B14F-4D97-AF65-F5344CB8AC3E}">
-        <p14:creationId xmlns:p14="http://schemas.microsoft.com/office/powerpoint/2010/main" val="3930003950"/>
-      </p:ext>
-    </p:extLst>
-  </p:cSld>
-  <p:clrMapOvr>
-    <a:masterClrMapping/>
-  </p:clrMapOvr>
-</p:notes>
-</file>
-
-<file path=ppt/notesSlides/notesSlide3.xml><?xml version="1.0" encoding="utf-8"?>
-<p:notes xmlns:a="http://schemas.openxmlformats.org/drawingml/2006/main" xmlns:r="http://schemas.openxmlformats.org/officeDocument/2006/relationships" xmlns:p="http://schemas.openxmlformats.org/presentationml/2006/main">
-  <p:cSld>
-    <p:spTree>
-      <p:nvGrpSpPr>
-        <p:cNvPr id="1" name=""/>
-        <p:cNvGrpSpPr/>
-        <p:nvPr/>
-      </p:nvGrpSpPr>
-      <p:grpSpPr>
-        <a:xfrm>
-          <a:off x="0" y="0"/>
-          <a:ext cx="0" cy="0"/>
-          <a:chOff x="0" y="0"/>
-          <a:chExt cx="0" cy="0"/>
-        </a:xfrm>
-      </p:grpSpPr>
-      <p:sp>
-        <p:nvSpPr>
-          <p:cNvPr id="2" name="投影片圖像版面配置區 1"/>
-          <p:cNvSpPr>
-            <a:spLocks noGrp="1" noRot="1" noChangeAspect="1"/>
-          </p:cNvSpPr>
-          <p:nvPr>
-            <p:ph type="sldImg"/>
-          </p:nvPr>
-        </p:nvSpPr>
-        <p:spPr/>
-      </p:sp>
-      <p:sp>
-        <p:nvSpPr>
-          <p:cNvPr id="3" name="備忘稿版面配置區 2"/>
-          <p:cNvSpPr>
-            <a:spLocks noGrp="1"/>
-          </p:cNvSpPr>
-          <p:nvPr>
-            <p:ph type="body" idx="1"/>
-          </p:nvPr>
-        </p:nvSpPr>
-        <p:spPr/>
-        <p:txBody>
-          <a:bodyPr/>
-          <a:lstStyle/>
-          <a:p>
-            <a:endParaRPr lang="zh-TW" altLang="en-US" dirty="0"/>
-          </a:p>
-        </p:txBody>
-      </p:sp>
-      <p:sp>
-        <p:nvSpPr>
-          <p:cNvPr id="4" name="投影片編號版面配置區 3"/>
-          <p:cNvSpPr>
-            <a:spLocks noGrp="1"/>
-          </p:cNvSpPr>
-          <p:nvPr>
-            <p:ph type="sldNum" sz="quarter" idx="10"/>
-          </p:nvPr>
-        </p:nvSpPr>
-        <p:spPr/>
-        <p:txBody>
-          <a:bodyPr/>
-          <a:lstStyle/>
-          <a:p>
-            <a:fld id="{5C0E8D25-4743-8548-92C1-84EF04EA4DC0}" type="slidenum">
-              <a:rPr kumimoji="1" lang="zh-TW" altLang="en-US" smtClean="0"/>
-              <a:t>11</a:t>
-            </a:fld>
-            <a:endParaRPr kumimoji="1" lang="zh-TW" altLang="en-US"/>
-          </a:p>
-        </p:txBody>
-      </p:sp>
-    </p:spTree>
-    <p:extLst>
-      <p:ext uri="{BB962C8B-B14F-4D97-AF65-F5344CB8AC3E}">
-        <p14:creationId xmlns:p14="http://schemas.microsoft.com/office/powerpoint/2010/main" val="2400648341"/>
-      </p:ext>
-    </p:extLst>
-  </p:cSld>
-  <p:clrMapOvr>
-    <a:masterClrMapping/>
-  </p:clrMapOvr>
-</p:notes>
-</file>
-
-<file path=ppt/notesSlides/notesSlide4.xml><?xml version="1.0" encoding="utf-8"?>
-<p:notes xmlns:a="http://schemas.openxmlformats.org/drawingml/2006/main" xmlns:r="http://schemas.openxmlformats.org/officeDocument/2006/relationships" xmlns:p="http://schemas.openxmlformats.org/presentationml/2006/main">
-  <p:cSld>
-    <p:spTree>
-      <p:nvGrpSpPr>
-        <p:cNvPr id="1" name=""/>
-        <p:cNvGrpSpPr/>
-        <p:nvPr/>
-      </p:nvGrpSpPr>
-      <p:grpSpPr>
-        <a:xfrm>
-          <a:off x="0" y="0"/>
-          <a:ext cx="0" cy="0"/>
-          <a:chOff x="0" y="0"/>
-          <a:chExt cx="0" cy="0"/>
-        </a:xfrm>
-      </p:grpSpPr>
-      <p:sp>
-        <p:nvSpPr>
-          <p:cNvPr id="2" name="投影片圖像版面配置區 1"/>
-          <p:cNvSpPr>
-            <a:spLocks noGrp="1" noRot="1" noChangeAspect="1"/>
-          </p:cNvSpPr>
-          <p:nvPr>
-            <p:ph type="sldImg"/>
-          </p:nvPr>
-        </p:nvSpPr>
-        <p:spPr/>
-      </p:sp>
-      <p:sp>
-        <p:nvSpPr>
-          <p:cNvPr id="3" name="備忘稿版面配置區 2"/>
-          <p:cNvSpPr>
-            <a:spLocks noGrp="1"/>
-          </p:cNvSpPr>
-          <p:nvPr>
-            <p:ph type="body" idx="1"/>
-          </p:nvPr>
-        </p:nvSpPr>
-        <p:spPr/>
-        <p:txBody>
-          <a:bodyPr/>
-          <a:lstStyle/>
-          <a:p>
-            <a:endParaRPr lang="zh-TW" altLang="en-US" dirty="0"/>
-          </a:p>
-        </p:txBody>
-      </p:sp>
-      <p:sp>
-        <p:nvSpPr>
-          <p:cNvPr id="4" name="投影片編號版面配置區 3"/>
-          <p:cNvSpPr>
-            <a:spLocks noGrp="1"/>
-          </p:cNvSpPr>
-          <p:nvPr>
-            <p:ph type="sldNum" sz="quarter" idx="10"/>
-          </p:nvPr>
-        </p:nvSpPr>
-        <p:spPr/>
-        <p:txBody>
-          <a:bodyPr/>
-          <a:lstStyle/>
-          <a:p>
-            <a:fld id="{5C0E8D25-4743-8548-92C1-84EF04EA4DC0}" type="slidenum">
-              <a:rPr kumimoji="1" lang="zh-TW" altLang="en-US" smtClean="0"/>
-              <a:t>12</a:t>
-            </a:fld>
-            <a:endParaRPr kumimoji="1" lang="zh-TW" altLang="en-US"/>
-          </a:p>
-        </p:txBody>
-      </p:sp>
-    </p:spTree>
-    <p:extLst>
-      <p:ext uri="{BB962C8B-B14F-4D97-AF65-F5344CB8AC3E}">
-        <p14:creationId xmlns:p14="http://schemas.microsoft.com/office/powerpoint/2010/main" val="687529469"/>
-      </p:ext>
-    </p:extLst>
-  </p:cSld>
-  <p:clrMapOvr>
-    <a:masterClrMapping/>
-  </p:clrMapOvr>
-</p:notes>
-</file>
-
-<file path=ppt/notesSlides/notesSlide5.xml><?xml version="1.0" encoding="utf-8"?>
-<p:notes xmlns:a="http://schemas.openxmlformats.org/drawingml/2006/main" xmlns:r="http://schemas.openxmlformats.org/officeDocument/2006/relationships" xmlns:p="http://schemas.openxmlformats.org/presentationml/2006/main">
-  <p:cSld>
-    <p:spTree>
-      <p:nvGrpSpPr>
-        <p:cNvPr id="1" name=""/>
-        <p:cNvGrpSpPr/>
-        <p:nvPr/>
-      </p:nvGrpSpPr>
-      <p:grpSpPr>
-        <a:xfrm>
-          <a:off x="0" y="0"/>
-          <a:ext cx="0" cy="0"/>
-          <a:chOff x="0" y="0"/>
-          <a:chExt cx="0" cy="0"/>
-        </a:xfrm>
-      </p:grpSpPr>
-      <p:sp>
-        <p:nvSpPr>
-          <p:cNvPr id="2" name="投影片圖像版面配置區 1"/>
-          <p:cNvSpPr>
-            <a:spLocks noGrp="1" noRot="1" noChangeAspect="1"/>
-          </p:cNvSpPr>
-          <p:nvPr>
-            <p:ph type="sldImg"/>
-          </p:nvPr>
-        </p:nvSpPr>
-        <p:spPr/>
-      </p:sp>
-      <p:sp>
-        <p:nvSpPr>
-          <p:cNvPr id="3" name="備忘稿版面配置區 2"/>
-          <p:cNvSpPr>
-            <a:spLocks noGrp="1"/>
-          </p:cNvSpPr>
-          <p:nvPr>
-            <p:ph type="body" idx="1"/>
-          </p:nvPr>
-        </p:nvSpPr>
-        <p:spPr/>
-        <p:txBody>
-          <a:bodyPr/>
-          <a:lstStyle/>
-          <a:p>
-            <a:endParaRPr lang="zh-TW" altLang="en-US" dirty="0"/>
-          </a:p>
-        </p:txBody>
-      </p:sp>
-      <p:sp>
-        <p:nvSpPr>
-          <p:cNvPr id="4" name="投影片編號版面配置區 3"/>
-          <p:cNvSpPr>
-            <a:spLocks noGrp="1"/>
-          </p:cNvSpPr>
-          <p:nvPr>
-            <p:ph type="sldNum" sz="quarter" idx="10"/>
-          </p:nvPr>
-        </p:nvSpPr>
-        <p:spPr/>
-        <p:txBody>
-          <a:bodyPr/>
-          <a:lstStyle/>
-          <a:p>
-            <a:fld id="{5C0E8D25-4743-8548-92C1-84EF04EA4DC0}" type="slidenum">
-              <a:rPr kumimoji="1" lang="zh-TW" altLang="en-US" smtClean="0"/>
-              <a:t>13</a:t>
-            </a:fld>
-            <a:endParaRPr kumimoji="1" lang="zh-TW" altLang="en-US"/>
-          </a:p>
-        </p:txBody>
-      </p:sp>
-    </p:spTree>
-    <p:extLst>
-      <p:ext uri="{BB962C8B-B14F-4D97-AF65-F5344CB8AC3E}">
-        <p14:creationId xmlns:p14="http://schemas.microsoft.com/office/powerpoint/2010/main" val="3738271412"/>
-      </p:ext>
-    </p:extLst>
-  </p:cSld>
-  <p:clrMapOvr>
-    <a:masterClrMapping/>
-  </p:clrMapOvr>
-</p:notes>
-</file>
-
-<file path=ppt/notesSlides/notesSlide6.xml><?xml version="1.0" encoding="utf-8"?>
-<p:notes xmlns:a="http://schemas.openxmlformats.org/drawingml/2006/main" xmlns:r="http://schemas.openxmlformats.org/officeDocument/2006/relationships" xmlns:p="http://schemas.openxmlformats.org/presentationml/2006/main">
-  <p:cSld>
-    <p:spTree>
-      <p:nvGrpSpPr>
-        <p:cNvPr id="1" name=""/>
-        <p:cNvGrpSpPr/>
-        <p:nvPr/>
-      </p:nvGrpSpPr>
-      <p:grpSpPr>
-        <a:xfrm>
-          <a:off x="0" y="0"/>
-          <a:ext cx="0" cy="0"/>
-          <a:chOff x="0" y="0"/>
-          <a:chExt cx="0" cy="0"/>
-        </a:xfrm>
-      </p:grpSpPr>
-      <p:sp>
-        <p:nvSpPr>
-          <p:cNvPr id="2" name="投影片圖像版面配置區 1"/>
-          <p:cNvSpPr>
-            <a:spLocks noGrp="1" noRot="1" noChangeAspect="1"/>
-          </p:cNvSpPr>
-          <p:nvPr>
-            <p:ph type="sldImg"/>
-          </p:nvPr>
-        </p:nvSpPr>
-        <p:spPr/>
-      </p:sp>
-      <p:sp>
-        <p:nvSpPr>
-          <p:cNvPr id="3" name="備忘稿版面配置區 2"/>
-          <p:cNvSpPr>
-            <a:spLocks noGrp="1"/>
-          </p:cNvSpPr>
-          <p:nvPr>
-            <p:ph type="body" idx="1"/>
-          </p:nvPr>
-        </p:nvSpPr>
-        <p:spPr/>
-        <p:txBody>
-          <a:bodyPr/>
-          <a:lstStyle/>
-          <a:p>
-            <a:endParaRPr lang="zh-TW" altLang="en-US" dirty="0"/>
-          </a:p>
-        </p:txBody>
-      </p:sp>
-      <p:sp>
-        <p:nvSpPr>
-          <p:cNvPr id="4" name="投影片編號版面配置區 3"/>
-          <p:cNvSpPr>
-            <a:spLocks noGrp="1"/>
-          </p:cNvSpPr>
-          <p:nvPr>
-            <p:ph type="sldNum" sz="quarter" idx="10"/>
-          </p:nvPr>
-        </p:nvSpPr>
-        <p:spPr/>
-        <p:txBody>
-          <a:bodyPr/>
-          <a:lstStyle/>
-          <a:p>
-            <a:fld id="{5C0E8D25-4743-8548-92C1-84EF04EA4DC0}" type="slidenum">
-              <a:rPr kumimoji="1" lang="zh-TW" altLang="en-US" smtClean="0"/>
-              <a:t>14</a:t>
-            </a:fld>
-            <a:endParaRPr kumimoji="1" lang="zh-TW" altLang="en-US"/>
-          </a:p>
-        </p:txBody>
-      </p:sp>
-    </p:spTree>
-    <p:extLst>
-      <p:ext uri="{BB962C8B-B14F-4D97-AF65-F5344CB8AC3E}">
-        <p14:creationId xmlns:p14="http://schemas.microsoft.com/office/powerpoint/2010/main" val="4027294865"/>
-      </p:ext>
-    </p:extLst>
-  </p:cSld>
-  <p:clrMapOvr>
-    <a:masterClrMapping/>
-  </p:clrMapOvr>
-</p:notes>
-</file>
-
-<file path=ppt/notesSlides/notesSlide7.xml><?xml version="1.0" encoding="utf-8"?>
-<p:notes xmlns:a="http://schemas.openxmlformats.org/drawingml/2006/main" xmlns:r="http://schemas.openxmlformats.org/officeDocument/2006/relationships" xmlns:p="http://schemas.openxmlformats.org/presentationml/2006/main">
-  <p:cSld>
-    <p:spTree>
-      <p:nvGrpSpPr>
-        <p:cNvPr id="1" name=""/>
-        <p:cNvGrpSpPr/>
-        <p:nvPr/>
-      </p:nvGrpSpPr>
-      <p:grpSpPr>
-        <a:xfrm>
-          <a:off x="0" y="0"/>
-          <a:ext cx="0" cy="0"/>
-          <a:chOff x="0" y="0"/>
-          <a:chExt cx="0" cy="0"/>
-        </a:xfrm>
-      </p:grpSpPr>
-      <p:sp>
-        <p:nvSpPr>
-          <p:cNvPr id="2" name="投影片圖像版面配置區 1"/>
-          <p:cNvSpPr>
-            <a:spLocks noGrp="1" noRot="1" noChangeAspect="1"/>
-          </p:cNvSpPr>
-          <p:nvPr>
-            <p:ph type="sldImg"/>
-          </p:nvPr>
-        </p:nvSpPr>
-        <p:spPr/>
-      </p:sp>
-      <p:sp>
-        <p:nvSpPr>
-          <p:cNvPr id="3" name="備忘稿版面配置區 2"/>
-          <p:cNvSpPr>
-            <a:spLocks noGrp="1"/>
-          </p:cNvSpPr>
-          <p:nvPr>
-            <p:ph type="body" idx="1"/>
-          </p:nvPr>
-        </p:nvSpPr>
-        <p:spPr/>
-        <p:txBody>
-          <a:bodyPr/>
-          <a:lstStyle/>
-          <a:p>
-            <a:endParaRPr lang="zh-TW" altLang="en-US" dirty="0"/>
-          </a:p>
-        </p:txBody>
-      </p:sp>
-      <p:sp>
-        <p:nvSpPr>
-          <p:cNvPr id="4" name="投影片編號版面配置區 3"/>
-          <p:cNvSpPr>
-            <a:spLocks noGrp="1"/>
-          </p:cNvSpPr>
-          <p:nvPr>
-            <p:ph type="sldNum" sz="quarter" idx="10"/>
-          </p:nvPr>
-        </p:nvSpPr>
-        <p:spPr/>
-        <p:txBody>
-          <a:bodyPr/>
-          <a:lstStyle/>
-          <a:p>
-            <a:fld id="{5C0E8D25-4743-8548-92C1-84EF04EA4DC0}" type="slidenum">
-              <a:rPr kumimoji="1" lang="zh-TW" altLang="en-US" smtClean="0"/>
-              <a:t>15</a:t>
-            </a:fld>
-            <a:endParaRPr kumimoji="1" lang="zh-TW" altLang="en-US"/>
-          </a:p>
-        </p:txBody>
-      </p:sp>
-    </p:spTree>
-    <p:extLst>
-      <p:ext uri="{BB962C8B-B14F-4D97-AF65-F5344CB8AC3E}">
-        <p14:creationId xmlns:p14="http://schemas.microsoft.com/office/powerpoint/2010/main" val="710047958"/>
-      </p:ext>
-    </p:extLst>
-  </p:cSld>
-  <p:clrMapOvr>
-    <a:masterClrMapping/>
-  </p:clrMapOvr>
-</p:notes>
-</file>
-
-<file path=ppt/notesSlides/notesSlide8.xml><?xml version="1.0" encoding="utf-8"?>
-<p:notes xmlns:a="http://schemas.openxmlformats.org/drawingml/2006/main" xmlns:r="http://schemas.openxmlformats.org/officeDocument/2006/relationships" xmlns:p="http://schemas.openxmlformats.org/presentationml/2006/main">
-  <p:cSld>
-    <p:spTree>
-      <p:nvGrpSpPr>
-        <p:cNvPr id="1" name=""/>
-        <p:cNvGrpSpPr/>
-        <p:nvPr/>
-      </p:nvGrpSpPr>
-      <p:grpSpPr>
-        <a:xfrm>
-          <a:off x="0" y="0"/>
-          <a:ext cx="0" cy="0"/>
-          <a:chOff x="0" y="0"/>
-          <a:chExt cx="0" cy="0"/>
-        </a:xfrm>
-      </p:grpSpPr>
-      <p:sp>
-        <p:nvSpPr>
-          <p:cNvPr id="2" name="投影片圖像版面配置區 1"/>
-          <p:cNvSpPr>
-            <a:spLocks noGrp="1" noRot="1" noChangeAspect="1"/>
-          </p:cNvSpPr>
-          <p:nvPr>
-            <p:ph type="sldImg"/>
-          </p:nvPr>
-        </p:nvSpPr>
-        <p:spPr/>
-      </p:sp>
-      <p:sp>
-        <p:nvSpPr>
-          <p:cNvPr id="3" name="備忘稿版面配置區 2"/>
-          <p:cNvSpPr>
-            <a:spLocks noGrp="1"/>
-          </p:cNvSpPr>
-          <p:nvPr>
-            <p:ph type="body" idx="1"/>
-          </p:nvPr>
-        </p:nvSpPr>
-        <p:spPr/>
-        <p:txBody>
-          <a:bodyPr/>
-          <a:lstStyle/>
-          <a:p>
-            <a:endParaRPr lang="zh-TW" altLang="en-US" dirty="0"/>
-          </a:p>
-        </p:txBody>
-      </p:sp>
-      <p:sp>
-        <p:nvSpPr>
-          <p:cNvPr id="4" name="投影片編號版面配置區 3"/>
-          <p:cNvSpPr>
-            <a:spLocks noGrp="1"/>
-          </p:cNvSpPr>
-          <p:nvPr>
-            <p:ph type="sldNum" sz="quarter" idx="10"/>
-          </p:nvPr>
-        </p:nvSpPr>
-        <p:spPr/>
-        <p:txBody>
-          <a:bodyPr/>
-          <a:lstStyle/>
-          <a:p>
-            <a:fld id="{5C0E8D25-4743-8548-92C1-84EF04EA4DC0}" type="slidenum">
-              <a:rPr kumimoji="1" lang="zh-TW" altLang="en-US" smtClean="0"/>
-              <a:t>16</a:t>
-            </a:fld>
-            <a:endParaRPr kumimoji="1" lang="zh-TW" altLang="en-US"/>
-          </a:p>
-        </p:txBody>
-      </p:sp>
-    </p:spTree>
-    <p:extLst>
-      <p:ext uri="{BB962C8B-B14F-4D97-AF65-F5344CB8AC3E}">
-        <p14:creationId xmlns:p14="http://schemas.microsoft.com/office/powerpoint/2010/main" val="282476034"/>
-      </p:ext>
-    </p:extLst>
-  </p:cSld>
-  <p:clrMapOvr>
-    <a:masterClrMapping/>
-  </p:clrMapOvr>
-</p:notes>
-</file>
-
-<file path=ppt/notesSlides/notesSlide9.xml><?xml version="1.0" encoding="utf-8"?>
-<p:notes xmlns:a="http://schemas.openxmlformats.org/drawingml/2006/main" xmlns:r="http://schemas.openxmlformats.org/officeDocument/2006/relationships" xmlns:p="http://schemas.openxmlformats.org/presentationml/2006/main">
-  <p:cSld>
-    <p:spTree>
-      <p:nvGrpSpPr>
-        <p:cNvPr id="1" name=""/>
-        <p:cNvGrpSpPr/>
-        <p:nvPr/>
-      </p:nvGrpSpPr>
-      <p:grpSpPr>
-        <a:xfrm>
-          <a:off x="0" y="0"/>
-          <a:ext cx="0" cy="0"/>
-          <a:chOff x="0" y="0"/>
-          <a:chExt cx="0" cy="0"/>
-        </a:xfrm>
-      </p:grpSpPr>
-      <p:sp>
-        <p:nvSpPr>
-          <p:cNvPr id="2" name="投影片圖像版面配置區 1"/>
-          <p:cNvSpPr>
-            <a:spLocks noGrp="1" noRot="1" noChangeAspect="1"/>
-          </p:cNvSpPr>
-          <p:nvPr>
-            <p:ph type="sldImg"/>
-          </p:nvPr>
-        </p:nvSpPr>
-        <p:spPr/>
-      </p:sp>
-      <p:sp>
-        <p:nvSpPr>
-          <p:cNvPr id="3" name="備忘稿版面配置區 2"/>
-          <p:cNvSpPr>
-            <a:spLocks noGrp="1"/>
-          </p:cNvSpPr>
-          <p:nvPr>
-            <p:ph type="body" idx="1"/>
-          </p:nvPr>
-        </p:nvSpPr>
-        <p:spPr/>
-        <p:txBody>
-          <a:bodyPr/>
-          <a:lstStyle/>
-          <a:p>
-            <a:endParaRPr lang="zh-TW" altLang="en-US" dirty="0"/>
-          </a:p>
-        </p:txBody>
-      </p:sp>
-      <p:sp>
-        <p:nvSpPr>
-          <p:cNvPr id="4" name="投影片編號版面配置區 3"/>
-          <p:cNvSpPr>
-            <a:spLocks noGrp="1"/>
-          </p:cNvSpPr>
-          <p:nvPr>
-            <p:ph type="sldNum" sz="quarter" idx="10"/>
-          </p:nvPr>
-        </p:nvSpPr>
-        <p:spPr/>
-        <p:txBody>
-          <a:bodyPr/>
-          <a:lstStyle/>
-          <a:p>
-            <a:fld id="{5C0E8D25-4743-8548-92C1-84EF04EA4DC0}" type="slidenum">
-              <a:rPr kumimoji="1" lang="zh-TW" altLang="en-US" smtClean="0"/>
-              <a:t>17</a:t>
-            </a:fld>
-            <a:endParaRPr kumimoji="1" lang="zh-TW" altLang="en-US"/>
-          </a:p>
-        </p:txBody>
-      </p:sp>
-    </p:spTree>
-    <p:extLst>
-      <p:ext uri="{BB962C8B-B14F-4D97-AF65-F5344CB8AC3E}">
-        <p14:creationId xmlns:p14="http://schemas.microsoft.com/office/powerpoint/2010/main" val="3743732538"/>
       </p:ext>
     </p:extLst>
   </p:cSld>
@@ -1472,7 +715,7 @@
           <a:p>
             <a:fld id="{07D37549-EB1B-4775-A7CD-5FCE3CE0385F}" type="datetimeFigureOut">
               <a:rPr lang="zh-TW" altLang="en-US" smtClean="0"/>
-              <a:t>2016/4/11</a:t>
+              <a:t>2016/5/11</a:t>
             </a:fld>
             <a:endParaRPr lang="zh-TW" altLang="en-US"/>
           </a:p>
@@ -1642,7 +885,7 @@
           <a:p>
             <a:fld id="{07D37549-EB1B-4775-A7CD-5FCE3CE0385F}" type="datetimeFigureOut">
               <a:rPr lang="zh-TW" altLang="en-US" smtClean="0"/>
-              <a:t>2016/4/11</a:t>
+              <a:t>2016/5/11</a:t>
             </a:fld>
             <a:endParaRPr lang="zh-TW" altLang="en-US"/>
           </a:p>
@@ -1822,7 +1065,7 @@
           <a:p>
             <a:fld id="{07D37549-EB1B-4775-A7CD-5FCE3CE0385F}" type="datetimeFigureOut">
               <a:rPr lang="zh-TW" altLang="en-US" smtClean="0"/>
-              <a:t>2016/4/11</a:t>
+              <a:t>2016/5/11</a:t>
             </a:fld>
             <a:endParaRPr lang="zh-TW" altLang="en-US"/>
           </a:p>
@@ -1992,7 +1235,7 @@
           <a:p>
             <a:fld id="{07D37549-EB1B-4775-A7CD-5FCE3CE0385F}" type="datetimeFigureOut">
               <a:rPr lang="zh-TW" altLang="en-US" smtClean="0"/>
-              <a:t>2016/4/11</a:t>
+              <a:t>2016/5/11</a:t>
             </a:fld>
             <a:endParaRPr lang="zh-TW" altLang="en-US"/>
           </a:p>
@@ -2238,7 +1481,7 @@
           <a:p>
             <a:fld id="{07D37549-EB1B-4775-A7CD-5FCE3CE0385F}" type="datetimeFigureOut">
               <a:rPr lang="zh-TW" altLang="en-US" smtClean="0"/>
-              <a:t>2016/4/11</a:t>
+              <a:t>2016/5/11</a:t>
             </a:fld>
             <a:endParaRPr lang="zh-TW" altLang="en-US"/>
           </a:p>
@@ -2470,7 +1713,7 @@
           <a:p>
             <a:fld id="{07D37549-EB1B-4775-A7CD-5FCE3CE0385F}" type="datetimeFigureOut">
               <a:rPr lang="zh-TW" altLang="en-US" smtClean="0"/>
-              <a:t>2016/4/11</a:t>
+              <a:t>2016/5/11</a:t>
             </a:fld>
             <a:endParaRPr lang="zh-TW" altLang="en-US"/>
           </a:p>
@@ -2837,7 +2080,7 @@
           <a:p>
             <a:fld id="{07D37549-EB1B-4775-A7CD-5FCE3CE0385F}" type="datetimeFigureOut">
               <a:rPr lang="zh-TW" altLang="en-US" smtClean="0"/>
-              <a:t>2016/4/11</a:t>
+              <a:t>2016/5/11</a:t>
             </a:fld>
             <a:endParaRPr lang="zh-TW" altLang="en-US"/>
           </a:p>
@@ -2955,7 +2198,7 @@
           <a:p>
             <a:fld id="{07D37549-EB1B-4775-A7CD-5FCE3CE0385F}" type="datetimeFigureOut">
               <a:rPr lang="zh-TW" altLang="en-US" smtClean="0"/>
-              <a:t>2016/4/11</a:t>
+              <a:t>2016/5/11</a:t>
             </a:fld>
             <a:endParaRPr lang="zh-TW" altLang="en-US"/>
           </a:p>
@@ -3050,7 +2293,7 @@
           <a:p>
             <a:fld id="{07D37549-EB1B-4775-A7CD-5FCE3CE0385F}" type="datetimeFigureOut">
               <a:rPr lang="zh-TW" altLang="en-US" smtClean="0"/>
-              <a:t>2016/4/11</a:t>
+              <a:t>2016/5/11</a:t>
             </a:fld>
             <a:endParaRPr lang="zh-TW" altLang="en-US"/>
           </a:p>
@@ -3327,7 +2570,7 @@
           <a:p>
             <a:fld id="{07D37549-EB1B-4775-A7CD-5FCE3CE0385F}" type="datetimeFigureOut">
               <a:rPr lang="zh-TW" altLang="en-US" smtClean="0"/>
-              <a:t>2016/4/11</a:t>
+              <a:t>2016/5/11</a:t>
             </a:fld>
             <a:endParaRPr lang="zh-TW" altLang="en-US"/>
           </a:p>
@@ -3584,7 +2827,7 @@
           <a:p>
             <a:fld id="{07D37549-EB1B-4775-A7CD-5FCE3CE0385F}" type="datetimeFigureOut">
               <a:rPr lang="zh-TW" altLang="en-US" smtClean="0"/>
-              <a:t>2016/4/11</a:t>
+              <a:t>2016/5/11</a:t>
             </a:fld>
             <a:endParaRPr lang="zh-TW" altLang="en-US"/>
           </a:p>
@@ -3797,7 +3040,7 @@
           <a:p>
             <a:fld id="{07D37549-EB1B-4775-A7CD-5FCE3CE0385F}" type="datetimeFigureOut">
               <a:rPr lang="zh-TW" altLang="en-US" smtClean="0"/>
-              <a:t>2016/4/11</a:t>
+              <a:t>2016/5/11</a:t>
             </a:fld>
             <a:endParaRPr lang="zh-TW" altLang="en-US"/>
           </a:p>
@@ -4221,6 +3464,13 @@
               <a:rPr lang="en-US" altLang="zh-TW" dirty="0" smtClean="0"/>
               <a:t>Hot Topic Detection</a:t>
             </a:r>
+            <a:br>
+              <a:rPr lang="en-US" altLang="zh-TW" dirty="0" smtClean="0"/>
+            </a:br>
+            <a:r>
+              <a:rPr lang="en-US" altLang="zh-TW" dirty="0" smtClean="0"/>
+              <a:t>Based on Word2Vec</a:t>
+            </a:r>
             <a:endParaRPr lang="zh-TW" altLang="en-US" dirty="0"/>
           </a:p>
         </p:txBody>
@@ -4283,7 +3533,7 @@
       </p:grpSpPr>
       <p:sp>
         <p:nvSpPr>
-          <p:cNvPr id="2" name="標題 1"/>
+          <p:cNvPr id="4" name="標題 3"/>
           <p:cNvSpPr>
             <a:spLocks noGrp="1"/>
           </p:cNvSpPr>
@@ -4298,11 +3548,7 @@
           <a:p>
             <a:r>
               <a:rPr lang="en-US" altLang="zh-TW" dirty="0" smtClean="0"/>
-              <a:t>LDA</a:t>
-            </a:r>
-            <a:r>
-              <a:rPr lang="zh-TW" altLang="en-US" dirty="0" smtClean="0"/>
-              <a:t>實驗</a:t>
+              <a:t>Topic Clustering Part</a:t>
             </a:r>
             <a:endParaRPr lang="zh-TW" altLang="en-US" dirty="0"/>
           </a:p>
@@ -4310,12 +3556,12 @@
       </p:sp>
       <p:sp>
         <p:nvSpPr>
-          <p:cNvPr id="3" name="內容版面配置區 2"/>
-          <p:cNvSpPr>
-            <a:spLocks noGrp="1"/>
-          </p:cNvSpPr>
-          <p:nvPr>
-            <p:ph idx="1"/>
+          <p:cNvPr id="5" name="文字版面配置區 4"/>
+          <p:cNvSpPr>
+            <a:spLocks noGrp="1"/>
+          </p:cNvSpPr>
+          <p:nvPr>
+            <p:ph type="body" idx="1"/>
           </p:nvPr>
         </p:nvSpPr>
         <p:spPr/>
@@ -4323,84 +3569,14 @@
           <a:bodyPr/>
           <a:lstStyle/>
           <a:p>
-            <a:r>
-              <a:rPr lang="zh-TW" altLang="en-US" dirty="0" smtClean="0"/>
-              <a:t>以</a:t>
-            </a:r>
-            <a:r>
-              <a:rPr lang="en-US" altLang="zh-TW" dirty="0" smtClean="0"/>
-              <a:t>N</a:t>
-            </a:r>
-            <a:r>
-              <a:rPr lang="zh-TW" altLang="en-US" dirty="0" smtClean="0"/>
-              <a:t>個關鍵字作為</a:t>
-            </a:r>
-            <a:r>
-              <a:rPr lang="en-US" altLang="zh-TW" dirty="0" smtClean="0"/>
-              <a:t>topic</a:t>
-            </a:r>
-            <a:r>
-              <a:rPr lang="zh-TW" altLang="en-US" dirty="0" smtClean="0"/>
-              <a:t>搜尋</a:t>
-            </a:r>
-            <a:r>
-              <a:rPr lang="en-US" altLang="zh-TW" dirty="0" smtClean="0"/>
-              <a:t>PTT</a:t>
-            </a:r>
-            <a:r>
-              <a:rPr lang="zh-TW" altLang="en-US" dirty="0" smtClean="0"/>
-              <a:t>文章，並用文章內容及標題來建立</a:t>
-            </a:r>
-            <a:r>
-              <a:rPr lang="en-US" altLang="zh-TW" dirty="0" smtClean="0"/>
-              <a:t>LDA model</a:t>
-            </a:r>
-          </a:p>
-          <a:p>
-            <a:endParaRPr lang="en-US" altLang="zh-TW" dirty="0" smtClean="0"/>
-          </a:p>
-          <a:p>
-            <a:r>
-              <a:rPr lang="en-US" altLang="zh-TW" dirty="0" err="1" smtClean="0"/>
-              <a:t>Jieba</a:t>
-            </a:r>
-            <a:r>
-              <a:rPr lang="zh-TW" altLang="en-US" dirty="0" smtClean="0"/>
-              <a:t>斷詞</a:t>
-            </a:r>
-            <a:r>
-              <a:rPr lang="en-US" altLang="zh-TW" dirty="0" smtClean="0"/>
-              <a:t>(</a:t>
-            </a:r>
-            <a:r>
-              <a:rPr lang="zh-TW" altLang="en-US" dirty="0" smtClean="0"/>
-              <a:t>未使用自訂字典</a:t>
-            </a:r>
-            <a:r>
-              <a:rPr lang="en-US" altLang="zh-TW" dirty="0" smtClean="0"/>
-              <a:t>)</a:t>
-            </a:r>
-          </a:p>
-          <a:p>
-            <a:endParaRPr lang="en-US" altLang="zh-TW" dirty="0" smtClean="0"/>
-          </a:p>
-          <a:p>
-            <a:r>
-              <a:rPr lang="zh-TW" altLang="en-US" dirty="0" smtClean="0"/>
-              <a:t>挑出詞頻前一百的中文字以及標點符號作為</a:t>
-            </a:r>
-            <a:r>
-              <a:rPr lang="en-US" altLang="zh-TW" dirty="0" err="1" smtClean="0"/>
-              <a:t>Stopwords</a:t>
-            </a:r>
-            <a:endParaRPr lang="zh-TW" altLang="en-US" dirty="0"/>
+            <a:endParaRPr lang="zh-TW" altLang="en-US"/>
           </a:p>
         </p:txBody>
       </p:sp>
     </p:spTree>
     <p:extLst>
       <p:ext uri="{BB962C8B-B14F-4D97-AF65-F5344CB8AC3E}">
-        <p14:creationId xmlns:p14="http://schemas.microsoft.com/office/powerpoint/2010/main" val="190237692"/>
+        <p14:creationId xmlns:p14="http://schemas.microsoft.com/office/powerpoint/2010/main" val="3680522617"/>
       </p:ext>
     </p:extLst>
   </p:cSld>
@@ -4443,344 +3619,460 @@
           <a:lstStyle/>
           <a:p>
             <a:r>
-              <a:rPr lang="en-US" altLang="zh-TW" dirty="0" smtClean="0"/>
-              <a:t>LDA</a:t>
-            </a:r>
-            <a:r>
               <a:rPr lang="zh-TW" altLang="en-US" dirty="0" smtClean="0"/>
-              <a:t>實驗結果 </a:t>
-            </a:r>
-            <a:r>
-              <a:rPr lang="en-US" altLang="zh-TW" dirty="0" smtClean="0"/>
-              <a:t>–</a:t>
-            </a:r>
+              <a:t> </a:t>
+            </a:r>
+            <a:endParaRPr lang="zh-TW" altLang="en-US" dirty="0"/>
+          </a:p>
+        </p:txBody>
+      </p:sp>
+      <p:sp>
+        <p:nvSpPr>
+          <p:cNvPr id="3" name="內容版面配置區 2"/>
+          <p:cNvSpPr>
+            <a:spLocks noGrp="1"/>
+          </p:cNvSpPr>
+          <p:nvPr>
+            <p:ph idx="1"/>
+          </p:nvPr>
+        </p:nvSpPr>
+        <p:spPr/>
+        <p:txBody>
+          <a:bodyPr/>
+          <a:lstStyle/>
+          <a:p>
+            <a:endParaRPr lang="en-US" altLang="zh-TW" dirty="0" smtClean="0"/>
+          </a:p>
+          <a:p>
             <a:r>
               <a:rPr lang="zh-TW" altLang="en-US" dirty="0" smtClean="0"/>
-              <a:t> 以巴拿馬為關鍵字</a:t>
+              <a:t>以八卦版一天的文章作為資料</a:t>
+            </a:r>
+            <a:r>
+              <a:rPr lang="en-US" altLang="zh-TW" dirty="0" smtClean="0"/>
+              <a:t>(</a:t>
+            </a:r>
+            <a:r>
+              <a:rPr lang="zh-TW" altLang="en-US" dirty="0" smtClean="0"/>
+              <a:t>約兩千篇</a:t>
             </a:r>
             <a:endParaRPr lang="zh-TW" altLang="en-US" dirty="0"/>
           </a:p>
-        </p:txBody>
-      </p:sp>
-      <p:sp>
-        <p:nvSpPr>
-          <p:cNvPr id="3" name="內容版面配置區 2"/>
-          <p:cNvSpPr>
-            <a:spLocks noGrp="1"/>
-          </p:cNvSpPr>
-          <p:nvPr>
-            <p:ph idx="1"/>
-          </p:nvPr>
-        </p:nvSpPr>
-        <p:spPr/>
-        <p:txBody>
-          <a:bodyPr/>
-          <a:lstStyle/>
-          <a:p>
-            <a:r>
-              <a:rPr lang="en-US" altLang="zh-TW" dirty="0" smtClean="0"/>
-              <a:t>10:['</a:t>
-            </a:r>
-            <a:r>
-              <a:rPr lang="zh-TW" altLang="en-US" dirty="0"/>
-              <a:t>中國</a:t>
-            </a:r>
+          <a:p>
+            <a:endParaRPr lang="zh-TW" altLang="en-US" dirty="0"/>
+          </a:p>
+        </p:txBody>
+      </p:sp>
+      <p:sp>
+        <p:nvSpPr>
+          <p:cNvPr id="4" name="矩形 3"/>
+          <p:cNvSpPr/>
+          <p:nvPr/>
+        </p:nvSpPr>
+        <p:spPr>
+          <a:xfrm>
+            <a:off x="838200" y="550821"/>
+            <a:ext cx="1691014" cy="1139869"/>
+          </a:xfrm>
+          <a:prstGeom prst="rect">
+            <a:avLst/>
+          </a:prstGeom>
+          <a:solidFill>
+            <a:schemeClr val="accent1"/>
+          </a:solidFill>
+        </p:spPr>
+        <p:style>
+          <a:lnRef idx="2">
+            <a:schemeClr val="accent1">
+              <a:shade val="50000"/>
+            </a:schemeClr>
+          </a:lnRef>
+          <a:fillRef idx="1">
+            <a:schemeClr val="accent1"/>
+          </a:fillRef>
+          <a:effectRef idx="0">
+            <a:schemeClr val="accent1"/>
+          </a:effectRef>
+          <a:fontRef idx="minor">
+            <a:schemeClr val="lt1"/>
+          </a:fontRef>
+        </p:style>
+        <p:txBody>
+          <a:bodyPr rtlCol="0" anchor="ctr"/>
+          <a:lstStyle/>
+          <a:p>
+            <a:pPr algn="ctr"/>
+            <a:r>
+              <a:rPr lang="en-US" altLang="zh-TW" dirty="0" smtClean="0"/>
+              <a:t>Articles</a:t>
+            </a:r>
+            <a:endParaRPr lang="zh-TW" altLang="en-US" dirty="0"/>
+          </a:p>
+        </p:txBody>
+      </p:sp>
+      <p:sp>
+        <p:nvSpPr>
+          <p:cNvPr id="5" name="矩形 4"/>
+          <p:cNvSpPr/>
+          <p:nvPr/>
+        </p:nvSpPr>
+        <p:spPr>
+          <a:xfrm>
+            <a:off x="5147416" y="550819"/>
+            <a:ext cx="1691014" cy="1139869"/>
+          </a:xfrm>
+          <a:prstGeom prst="rect">
+            <a:avLst/>
+          </a:prstGeom>
+          <a:solidFill>
+            <a:schemeClr val="accent1">
+              <a:lumMod val="50000"/>
+            </a:schemeClr>
+          </a:solidFill>
+        </p:spPr>
+        <p:style>
+          <a:lnRef idx="2">
+            <a:schemeClr val="accent1">
+              <a:shade val="50000"/>
+            </a:schemeClr>
+          </a:lnRef>
+          <a:fillRef idx="1">
+            <a:schemeClr val="accent1"/>
+          </a:fillRef>
+          <a:effectRef idx="0">
+            <a:schemeClr val="accent1"/>
+          </a:effectRef>
+          <a:fontRef idx="minor">
+            <a:schemeClr val="lt1"/>
+          </a:fontRef>
+        </p:style>
+        <p:txBody>
+          <a:bodyPr rtlCol="0" anchor="ctr"/>
+          <a:lstStyle/>
+          <a:p>
+            <a:pPr algn="ctr"/>
             <a:r>
               <a:rPr lang="en-US" altLang="zh-TW" dirty="0"/>
-              <a:t>', '</a:t>
-            </a:r>
-            <a:r>
-              <a:rPr lang="zh-TW" altLang="en-US" dirty="0"/>
-              <a:t>文件</a:t>
-            </a:r>
-            <a:r>
+              <a:t>Article Vector</a:t>
+            </a:r>
+            <a:br>
               <a:rPr lang="en-US" altLang="zh-TW" dirty="0"/>
-              <a:t>', '</a:t>
-            </a:r>
-            <a:r>
-              <a:rPr lang="zh-TW" altLang="en-US" dirty="0"/>
-              <a:t>巴拿馬</a:t>
-            </a:r>
+            </a:br>
             <a:r>
               <a:rPr lang="en-US" altLang="zh-TW" dirty="0"/>
-              <a:t>', '</a:t>
-            </a:r>
-            <a:r>
-              <a:rPr lang="zh-TW" altLang="en-US" dirty="0"/>
-              <a:t>常委</a:t>
-            </a:r>
+              <a:t>Computing</a:t>
+            </a:r>
+            <a:endParaRPr lang="zh-TW" altLang="en-US" dirty="0"/>
+          </a:p>
+        </p:txBody>
+      </p:sp>
+      <p:cxnSp>
+        <p:nvCxnSpPr>
+          <p:cNvPr id="6" name="直線單箭頭接點 5"/>
+          <p:cNvCxnSpPr>
+            <a:stCxn id="4" idx="3"/>
+            <a:endCxn id="11" idx="1"/>
+          </p:cNvCxnSpPr>
+          <p:nvPr/>
+        </p:nvCxnSpPr>
+        <p:spPr>
+          <a:xfrm flipV="1">
+            <a:off x="2529214" y="1120754"/>
+            <a:ext cx="463594" cy="2"/>
+          </a:xfrm>
+          <a:prstGeom prst="straightConnector1">
+            <a:avLst/>
+          </a:prstGeom>
+          <a:ln>
+            <a:tailEnd type="triangle"/>
+          </a:ln>
+        </p:spPr>
+        <p:style>
+          <a:lnRef idx="1">
+            <a:schemeClr val="accent1"/>
+          </a:lnRef>
+          <a:fillRef idx="0">
+            <a:schemeClr val="accent1"/>
+          </a:fillRef>
+          <a:effectRef idx="0">
+            <a:schemeClr val="accent1"/>
+          </a:effectRef>
+          <a:fontRef idx="minor">
+            <a:schemeClr val="tx1"/>
+          </a:fontRef>
+        </p:style>
+      </p:cxnSp>
+      <p:sp>
+        <p:nvSpPr>
+          <p:cNvPr id="7" name="矩形 6"/>
+          <p:cNvSpPr/>
+          <p:nvPr/>
+        </p:nvSpPr>
+        <p:spPr>
+          <a:xfrm>
+            <a:off x="7302024" y="550819"/>
+            <a:ext cx="1691014" cy="1139869"/>
+          </a:xfrm>
+          <a:prstGeom prst="rect">
+            <a:avLst/>
+          </a:prstGeom>
+          <a:solidFill>
+            <a:schemeClr val="accent1">
+              <a:lumMod val="50000"/>
+            </a:schemeClr>
+          </a:solidFill>
+        </p:spPr>
+        <p:style>
+          <a:lnRef idx="2">
+            <a:schemeClr val="accent1">
+              <a:shade val="50000"/>
+            </a:schemeClr>
+          </a:lnRef>
+          <a:fillRef idx="1">
+            <a:schemeClr val="accent1"/>
+          </a:fillRef>
+          <a:effectRef idx="0">
+            <a:schemeClr val="accent1"/>
+          </a:effectRef>
+          <a:fontRef idx="minor">
+            <a:schemeClr val="lt1"/>
+          </a:fontRef>
+        </p:style>
+        <p:txBody>
+          <a:bodyPr rtlCol="0" anchor="ctr"/>
+          <a:lstStyle/>
+          <a:p>
+            <a:pPr algn="ctr"/>
             <a:r>
               <a:rPr lang="en-US" altLang="zh-TW" dirty="0"/>
-              <a:t>', '</a:t>
-            </a:r>
-            <a:r>
-              <a:rPr lang="zh-TW" altLang="en-US" dirty="0"/>
-              <a:t>中共</a:t>
-            </a:r>
-            <a:r>
-              <a:rPr lang="en-US" altLang="zh-TW" dirty="0"/>
-              <a:t>', '</a:t>
-            </a:r>
-            <a:r>
-              <a:rPr lang="zh-TW" altLang="en-US" dirty="0"/>
-              <a:t>海外</a:t>
-            </a:r>
-            <a:r>
-              <a:rPr lang="en-US" altLang="zh-TW" dirty="0"/>
-              <a:t>', '</a:t>
-            </a:r>
-            <a:r>
-              <a:rPr lang="zh-TW" altLang="en-US" dirty="0"/>
-              <a:t>高層</a:t>
-            </a:r>
-            <a:r>
-              <a:rPr lang="en-US" altLang="zh-TW" dirty="0"/>
-              <a:t>', '</a:t>
-            </a:r>
-            <a:r>
-              <a:rPr lang="zh-TW" altLang="en-US" dirty="0"/>
-              <a:t>新聞</a:t>
-            </a:r>
-            <a:r>
-              <a:rPr lang="en-US" altLang="zh-TW" dirty="0"/>
-              <a:t>', '</a:t>
-            </a:r>
-            <a:r>
-              <a:rPr lang="zh-TW" altLang="en-US" dirty="0"/>
-              <a:t>召開</a:t>
-            </a:r>
-            <a:r>
-              <a:rPr lang="en-US" altLang="zh-TW" dirty="0" smtClean="0"/>
-              <a:t>']</a:t>
-            </a:r>
-          </a:p>
-          <a:p>
-            <a:r>
-              <a:rPr lang="en-US" altLang="zh-TW" dirty="0"/>
-              <a:t>20:['</a:t>
-            </a:r>
-            <a:r>
-              <a:rPr lang="zh-TW" altLang="en-US" dirty="0"/>
-              <a:t>巴拿馬</a:t>
-            </a:r>
-            <a:r>
-              <a:rPr lang="en-US" altLang="zh-TW" dirty="0"/>
-              <a:t>', '</a:t>
-            </a:r>
-            <a:r>
-              <a:rPr lang="zh-TW" altLang="en-US" dirty="0"/>
-              <a:t>文件</a:t>
-            </a:r>
-            <a:r>
-              <a:rPr lang="en-US" altLang="zh-TW" dirty="0"/>
-              <a:t>', '</a:t>
-            </a:r>
-            <a:r>
-              <a:rPr lang="zh-TW" altLang="en-US" dirty="0"/>
-              <a:t>中國</a:t>
-            </a:r>
-            <a:r>
-              <a:rPr lang="en-US" altLang="zh-TW" dirty="0"/>
-              <a:t>', '</a:t>
-            </a:r>
-            <a:r>
-              <a:rPr lang="zh-TW" altLang="en-US" dirty="0"/>
-              <a:t>常委</a:t>
-            </a:r>
-            <a:r>
-              <a:rPr lang="en-US" altLang="zh-TW" dirty="0"/>
-              <a:t>', '</a:t>
-            </a:r>
-            <a:r>
-              <a:rPr lang="zh-TW" altLang="en-US" dirty="0"/>
-              <a:t>新聞</a:t>
-            </a:r>
-            <a:r>
-              <a:rPr lang="en-US" altLang="zh-TW" dirty="0"/>
-              <a:t>', '</a:t>
-            </a:r>
-            <a:r>
-              <a:rPr lang="zh-TW" altLang="en-US" dirty="0"/>
-              <a:t>（</a:t>
-            </a:r>
-            <a:r>
-              <a:rPr lang="en-US" altLang="zh-TW" dirty="0"/>
-              <a:t>', '</a:t>
-            </a:r>
-            <a:r>
-              <a:rPr lang="zh-TW" altLang="en-US" dirty="0"/>
-              <a:t>中共</a:t>
-            </a:r>
-            <a:r>
-              <a:rPr lang="en-US" altLang="zh-TW" dirty="0"/>
-              <a:t>', '</a:t>
-            </a:r>
-            <a:r>
-              <a:rPr lang="zh-TW" altLang="en-US" dirty="0"/>
-              <a:t>報告</a:t>
-            </a:r>
-            <a:r>
-              <a:rPr lang="en-US" altLang="zh-TW" dirty="0"/>
-              <a:t>', '</a:t>
-            </a:r>
-            <a:r>
-              <a:rPr lang="zh-TW" altLang="en-US" dirty="0"/>
-              <a:t>離岸</a:t>
-            </a:r>
-            <a:r>
-              <a:rPr lang="en-US" altLang="zh-TW" dirty="0" smtClean="0"/>
-              <a:t>']</a:t>
-            </a:r>
-          </a:p>
-          <a:p>
-            <a:r>
-              <a:rPr lang="en-US" altLang="zh-TW" dirty="0" smtClean="0"/>
-              <a:t>50:['</a:t>
-            </a:r>
-            <a:r>
-              <a:rPr lang="zh-TW" altLang="en-US" dirty="0"/>
-              <a:t>巴拿馬</a:t>
-            </a:r>
-            <a:r>
-              <a:rPr lang="en-US" altLang="zh-TW" dirty="0"/>
-              <a:t>', '</a:t>
-            </a:r>
-            <a:r>
-              <a:rPr lang="zh-TW" altLang="en-US" dirty="0"/>
-              <a:t>文件</a:t>
-            </a:r>
-            <a:r>
-              <a:rPr lang="en-US" altLang="zh-TW" dirty="0"/>
-              <a:t>', '</a:t>
-            </a:r>
-            <a:r>
-              <a:rPr lang="zh-TW" altLang="en-US" dirty="0"/>
-              <a:t>中國</a:t>
-            </a:r>
-            <a:r>
-              <a:rPr lang="en-US" altLang="zh-TW" dirty="0"/>
-              <a:t>', '</a:t>
-            </a:r>
-            <a:r>
-              <a:rPr lang="zh-TW" altLang="en-US" dirty="0"/>
-              <a:t>（</a:t>
-            </a:r>
-            <a:r>
-              <a:rPr lang="en-US" altLang="zh-TW" dirty="0"/>
-              <a:t>', '</a:t>
-            </a:r>
-            <a:r>
-              <a:rPr lang="zh-TW" altLang="en-US" dirty="0"/>
-              <a:t>海外</a:t>
-            </a:r>
-            <a:r>
-              <a:rPr lang="en-US" altLang="zh-TW" dirty="0"/>
-              <a:t>', '</a:t>
-            </a:r>
-            <a:r>
-              <a:rPr lang="zh-TW" altLang="en-US" dirty="0"/>
-              <a:t>資料</a:t>
-            </a:r>
-            <a:r>
-              <a:rPr lang="en-US" altLang="zh-TW" dirty="0"/>
-              <a:t>', '</a:t>
-            </a:r>
-            <a:r>
-              <a:rPr lang="zh-TW" altLang="en-US" dirty="0"/>
-              <a:t>新聞</a:t>
-            </a:r>
-            <a:r>
-              <a:rPr lang="en-US" altLang="zh-TW" dirty="0"/>
-              <a:t>', '》', '</a:t>
-            </a:r>
-            <a:r>
-              <a:rPr lang="zh-TW" altLang="en-US" dirty="0"/>
-              <a:t>調查</a:t>
-            </a:r>
-            <a:r>
-              <a:rPr lang="en-US" altLang="zh-TW" dirty="0" smtClean="0"/>
-              <a:t>']</a:t>
-            </a:r>
-          </a:p>
-          <a:p>
-            <a:r>
-              <a:rPr lang="en-US" altLang="zh-TW" dirty="0"/>
-              <a:t>100:['</a:t>
-            </a:r>
-            <a:r>
-              <a:rPr lang="zh-TW" altLang="en-US" dirty="0"/>
-              <a:t>巴拿馬</a:t>
-            </a:r>
-            <a:r>
-              <a:rPr lang="en-US" altLang="zh-TW" dirty="0"/>
-              <a:t>', '</a:t>
-            </a:r>
-            <a:r>
-              <a:rPr lang="zh-TW" altLang="en-US" dirty="0"/>
-              <a:t>文件</a:t>
-            </a:r>
-            <a:r>
-              <a:rPr lang="en-US" altLang="zh-TW" dirty="0"/>
-              <a:t>', '</a:t>
-            </a:r>
-            <a:r>
-              <a:rPr lang="zh-TW" altLang="en-US" dirty="0"/>
-              <a:t>（</a:t>
-            </a:r>
-            <a:r>
-              <a:rPr lang="en-US" altLang="zh-TW" dirty="0"/>
-              <a:t>', '</a:t>
-            </a:r>
-            <a:r>
-              <a:rPr lang="zh-TW" altLang="en-US" dirty="0"/>
-              <a:t>中國</a:t>
-            </a:r>
-            <a:r>
-              <a:rPr lang="en-US" altLang="zh-TW" dirty="0"/>
-              <a:t>', '</a:t>
-            </a:r>
-            <a:r>
-              <a:rPr lang="zh-TW" altLang="en-US" dirty="0"/>
-              <a:t>新聞</a:t>
-            </a:r>
-            <a:r>
-              <a:rPr lang="en-US" altLang="zh-TW" dirty="0"/>
-              <a:t>', '</a:t>
-            </a:r>
-            <a:r>
-              <a:rPr lang="zh-TW" altLang="en-US" dirty="0"/>
-              <a:t>資料</a:t>
-            </a:r>
-            <a:r>
-              <a:rPr lang="en-US" altLang="zh-TW" dirty="0"/>
-              <a:t>', 'ICIJ', '</a:t>
-            </a:r>
-            <a:r>
-              <a:rPr lang="zh-TW" altLang="en-US" dirty="0"/>
-              <a:t>海外</a:t>
-            </a:r>
-            <a:r>
-              <a:rPr lang="en-US" altLang="zh-TW" dirty="0"/>
-              <a:t>', '》']</a:t>
-            </a:r>
-            <a:endParaRPr lang="en-US" altLang="zh-TW" dirty="0" smtClean="0"/>
-          </a:p>
-          <a:p>
-            <a:pPr lvl="1"/>
+              <a:t>Clustering</a:t>
+            </a:r>
             <a:endParaRPr lang="zh-TW" altLang="en-US" dirty="0"/>
           </a:p>
         </p:txBody>
       </p:sp>
+      <p:cxnSp>
+        <p:nvCxnSpPr>
+          <p:cNvPr id="8" name="直線單箭頭接點 7"/>
+          <p:cNvCxnSpPr>
+            <a:stCxn id="5" idx="3"/>
+            <a:endCxn id="7" idx="1"/>
+          </p:cNvCxnSpPr>
+          <p:nvPr/>
+        </p:nvCxnSpPr>
+        <p:spPr>
+          <a:xfrm>
+            <a:off x="6838430" y="1120754"/>
+            <a:ext cx="463594" cy="0"/>
+          </a:xfrm>
+          <a:prstGeom prst="straightConnector1">
+            <a:avLst/>
+          </a:prstGeom>
+          <a:ln>
+            <a:tailEnd type="triangle"/>
+          </a:ln>
+        </p:spPr>
+        <p:style>
+          <a:lnRef idx="1">
+            <a:schemeClr val="accent1"/>
+          </a:lnRef>
+          <a:fillRef idx="0">
+            <a:schemeClr val="accent1"/>
+          </a:fillRef>
+          <a:effectRef idx="0">
+            <a:schemeClr val="accent1"/>
+          </a:effectRef>
+          <a:fontRef idx="minor">
+            <a:schemeClr val="tx1"/>
+          </a:fontRef>
+        </p:style>
+      </p:cxnSp>
+      <p:sp>
+        <p:nvSpPr>
+          <p:cNvPr id="9" name="矩形 8"/>
+          <p:cNvSpPr/>
+          <p:nvPr/>
+        </p:nvSpPr>
+        <p:spPr>
+          <a:xfrm>
+            <a:off x="9456632" y="550819"/>
+            <a:ext cx="1691014" cy="1139869"/>
+          </a:xfrm>
+          <a:prstGeom prst="rect">
+            <a:avLst/>
+          </a:prstGeom>
+          <a:solidFill>
+            <a:schemeClr val="accent1">
+              <a:lumMod val="50000"/>
+            </a:schemeClr>
+          </a:solidFill>
+        </p:spPr>
+        <p:style>
+          <a:lnRef idx="2">
+            <a:schemeClr val="accent1">
+              <a:shade val="50000"/>
+            </a:schemeClr>
+          </a:lnRef>
+          <a:fillRef idx="1">
+            <a:schemeClr val="accent1"/>
+          </a:fillRef>
+          <a:effectRef idx="0">
+            <a:schemeClr val="accent1"/>
+          </a:effectRef>
+          <a:fontRef idx="minor">
+            <a:schemeClr val="lt1"/>
+          </a:fontRef>
+        </p:style>
+        <p:txBody>
+          <a:bodyPr rtlCol="0" anchor="ctr"/>
+          <a:lstStyle/>
+          <a:p>
+            <a:pPr algn="ctr"/>
+            <a:r>
+              <a:rPr lang="en-US" altLang="zh-TW" dirty="0" smtClean="0"/>
+              <a:t>Hotness Computing</a:t>
+            </a:r>
+            <a:endParaRPr lang="zh-TW" altLang="en-US" dirty="0"/>
+          </a:p>
+        </p:txBody>
+      </p:sp>
+      <p:cxnSp>
+        <p:nvCxnSpPr>
+          <p:cNvPr id="10" name="直線單箭頭接點 9"/>
+          <p:cNvCxnSpPr>
+            <a:stCxn id="7" idx="3"/>
+            <a:endCxn id="9" idx="1"/>
+          </p:cNvCxnSpPr>
+          <p:nvPr/>
+        </p:nvCxnSpPr>
+        <p:spPr>
+          <a:xfrm>
+            <a:off x="8993038" y="1120754"/>
+            <a:ext cx="463594" cy="0"/>
+          </a:xfrm>
+          <a:prstGeom prst="straightConnector1">
+            <a:avLst/>
+          </a:prstGeom>
+          <a:ln>
+            <a:tailEnd type="triangle"/>
+          </a:ln>
+        </p:spPr>
+        <p:style>
+          <a:lnRef idx="1">
+            <a:schemeClr val="accent1"/>
+          </a:lnRef>
+          <a:fillRef idx="0">
+            <a:schemeClr val="accent1"/>
+          </a:fillRef>
+          <a:effectRef idx="0">
+            <a:schemeClr val="accent1"/>
+          </a:effectRef>
+          <a:fontRef idx="minor">
+            <a:schemeClr val="tx1"/>
+          </a:fontRef>
+        </p:style>
+      </p:cxnSp>
+      <p:sp>
+        <p:nvSpPr>
+          <p:cNvPr id="11" name="矩形 10"/>
+          <p:cNvSpPr/>
+          <p:nvPr/>
+        </p:nvSpPr>
+        <p:spPr>
+          <a:xfrm>
+            <a:off x="2992808" y="550819"/>
+            <a:ext cx="1691014" cy="1139869"/>
+          </a:xfrm>
+          <a:prstGeom prst="rect">
+            <a:avLst/>
+          </a:prstGeom>
+          <a:solidFill>
+            <a:schemeClr val="accent1">
+              <a:lumMod val="50000"/>
+            </a:schemeClr>
+          </a:solidFill>
+        </p:spPr>
+        <p:style>
+          <a:lnRef idx="2">
+            <a:schemeClr val="accent1">
+              <a:shade val="50000"/>
+            </a:schemeClr>
+          </a:lnRef>
+          <a:fillRef idx="1">
+            <a:schemeClr val="accent1"/>
+          </a:fillRef>
+          <a:effectRef idx="0">
+            <a:schemeClr val="accent1"/>
+          </a:effectRef>
+          <a:fontRef idx="minor">
+            <a:schemeClr val="lt1"/>
+          </a:fontRef>
+        </p:style>
+        <p:txBody>
+          <a:bodyPr rtlCol="0" anchor="ctr"/>
+          <a:lstStyle/>
+          <a:p>
+            <a:pPr algn="ctr"/>
+            <a:r>
+              <a:rPr lang="en-US" altLang="zh-TW" dirty="0" smtClean="0"/>
+              <a:t>Model</a:t>
+            </a:r>
+          </a:p>
+        </p:txBody>
+      </p:sp>
+      <p:cxnSp>
+        <p:nvCxnSpPr>
+          <p:cNvPr id="12" name="直線單箭頭接點 11"/>
+          <p:cNvCxnSpPr>
+            <a:stCxn id="11" idx="3"/>
+            <a:endCxn id="5" idx="1"/>
+          </p:cNvCxnSpPr>
+          <p:nvPr/>
+        </p:nvCxnSpPr>
+        <p:spPr>
+          <a:xfrm>
+            <a:off x="4683822" y="1120754"/>
+            <a:ext cx="463594" cy="0"/>
+          </a:xfrm>
+          <a:prstGeom prst="straightConnector1">
+            <a:avLst/>
+          </a:prstGeom>
+          <a:ln>
+            <a:tailEnd type="triangle"/>
+          </a:ln>
+        </p:spPr>
+        <p:style>
+          <a:lnRef idx="1">
+            <a:schemeClr val="accent1"/>
+          </a:lnRef>
+          <a:fillRef idx="0">
+            <a:schemeClr val="accent1"/>
+          </a:fillRef>
+          <a:effectRef idx="0">
+            <a:schemeClr val="accent1"/>
+          </a:effectRef>
+          <a:fontRef idx="minor">
+            <a:schemeClr val="tx1"/>
+          </a:fontRef>
+        </p:style>
+      </p:cxnSp>
     </p:spTree>
     <p:extLst>
       <p:ext uri="{BB962C8B-B14F-4D97-AF65-F5344CB8AC3E}">
-        <p14:creationId xmlns:p14="http://schemas.microsoft.com/office/powerpoint/2010/main" val="2747702878"/>
+        <p14:creationId xmlns:p14="http://schemas.microsoft.com/office/powerpoint/2010/main" val="3919225279"/>
       </p:ext>
     </p:extLst>
   </p:cSld>
   <p:clrMapOvr>
     <a:masterClrMapping/>
   </p:clrMapOvr>
+  <p:timing>
+    <p:tnLst>
+      <p:par>
+        <p:cTn id="1" dur="indefinite" restart="never" nodeType="tmRoot"/>
+      </p:par>
+    </p:tnLst>
+  </p:timing>
 </p:sld>
 </file>
 
@@ -4817,28 +4109,38 @@
           <a:lstStyle/>
           <a:p>
             <a:r>
-              <a:rPr lang="en-US" altLang="zh-TW" dirty="0" smtClean="0"/>
-              <a:t>LDA</a:t>
-            </a:r>
-            <a:r>
               <a:rPr lang="zh-TW" altLang="en-US" dirty="0" smtClean="0"/>
-              <a:t>實驗結果 </a:t>
-            </a:r>
-            <a:r>
-              <a:rPr lang="en-US" altLang="zh-TW" dirty="0" smtClean="0"/>
-              <a:t>–</a:t>
-            </a:r>
+              <a:t> </a:t>
+            </a:r>
+            <a:endParaRPr lang="zh-TW" altLang="en-US" dirty="0"/>
+          </a:p>
+        </p:txBody>
+      </p:sp>
+      <p:sp>
+        <p:nvSpPr>
+          <p:cNvPr id="3" name="內容版面配置區 2"/>
+          <p:cNvSpPr>
+            <a:spLocks noGrp="1"/>
+          </p:cNvSpPr>
+          <p:nvPr>
+            <p:ph idx="1"/>
+          </p:nvPr>
+        </p:nvSpPr>
+        <p:spPr/>
+        <p:txBody>
+          <a:bodyPr/>
+          <a:lstStyle/>
+          <a:p>
+            <a:endParaRPr lang="en-US" altLang="zh-TW" dirty="0" smtClean="0"/>
+          </a:p>
+          <a:p>
             <a:r>
               <a:rPr lang="zh-TW" altLang="en-US" dirty="0" smtClean="0"/>
-              <a:t> 以隨</a:t>
-            </a:r>
-            <a:r>
-              <a:rPr lang="zh-TW" altLang="en-US" dirty="0"/>
-              <a:t>機</a:t>
-            </a:r>
-            <a:r>
-              <a:rPr lang="zh-TW" altLang="en-US" dirty="0" smtClean="0"/>
-              <a:t>為關鍵字</a:t>
+              <a:t>使用預先訓練好的</a:t>
+            </a:r>
+            <a:r>
+              <a:rPr lang="en-US" altLang="zh-TW" dirty="0" smtClean="0"/>
+              <a:t>word2vec Model</a:t>
             </a:r>
             <a:endParaRPr lang="zh-TW" altLang="en-US" dirty="0"/>
           </a:p>
@@ -4846,345 +4148,414 @@
       </p:sp>
       <p:sp>
         <p:nvSpPr>
-          <p:cNvPr id="3" name="內容版面配置區 2"/>
-          <p:cNvSpPr>
-            <a:spLocks noGrp="1"/>
-          </p:cNvSpPr>
-          <p:nvPr>
-            <p:ph idx="1"/>
-          </p:nvPr>
-        </p:nvSpPr>
-        <p:spPr/>
-        <p:txBody>
-          <a:bodyPr/>
-          <a:lstStyle/>
-          <a:p>
+          <p:cNvPr id="4" name="矩形 3"/>
+          <p:cNvSpPr/>
+          <p:nvPr/>
+        </p:nvSpPr>
+        <p:spPr>
+          <a:xfrm>
+            <a:off x="838200" y="550821"/>
+            <a:ext cx="1691014" cy="1139869"/>
+          </a:xfrm>
+          <a:prstGeom prst="rect">
+            <a:avLst/>
+          </a:prstGeom>
+          <a:solidFill>
+            <a:schemeClr val="accent1">
+              <a:lumMod val="50000"/>
+            </a:schemeClr>
+          </a:solidFill>
+        </p:spPr>
+        <p:style>
+          <a:lnRef idx="2">
+            <a:schemeClr val="accent1">
+              <a:shade val="50000"/>
+            </a:schemeClr>
+          </a:lnRef>
+          <a:fillRef idx="1">
+            <a:schemeClr val="accent1"/>
+          </a:fillRef>
+          <a:effectRef idx="0">
+            <a:schemeClr val="accent1"/>
+          </a:effectRef>
+          <a:fontRef idx="minor">
+            <a:schemeClr val="lt1"/>
+          </a:fontRef>
+        </p:style>
+        <p:txBody>
+          <a:bodyPr rtlCol="0" anchor="ctr"/>
+          <a:lstStyle/>
+          <a:p>
+            <a:pPr algn="ctr"/>
+            <a:r>
+              <a:rPr lang="en-US" altLang="zh-TW" dirty="0" smtClean="0"/>
+              <a:t>Articles</a:t>
+            </a:r>
+            <a:endParaRPr lang="zh-TW" altLang="en-US" dirty="0"/>
+          </a:p>
+        </p:txBody>
+      </p:sp>
+      <p:sp>
+        <p:nvSpPr>
+          <p:cNvPr id="5" name="矩形 4"/>
+          <p:cNvSpPr/>
+          <p:nvPr/>
+        </p:nvSpPr>
+        <p:spPr>
+          <a:xfrm>
+            <a:off x="5147416" y="550819"/>
+            <a:ext cx="1691014" cy="1139869"/>
+          </a:xfrm>
+          <a:prstGeom prst="rect">
+            <a:avLst/>
+          </a:prstGeom>
+          <a:solidFill>
+            <a:schemeClr val="accent1">
+              <a:lumMod val="50000"/>
+            </a:schemeClr>
+          </a:solidFill>
+        </p:spPr>
+        <p:style>
+          <a:lnRef idx="2">
+            <a:schemeClr val="accent1">
+              <a:shade val="50000"/>
+            </a:schemeClr>
+          </a:lnRef>
+          <a:fillRef idx="1">
+            <a:schemeClr val="accent1"/>
+          </a:fillRef>
+          <a:effectRef idx="0">
+            <a:schemeClr val="accent1"/>
+          </a:effectRef>
+          <a:fontRef idx="minor">
+            <a:schemeClr val="lt1"/>
+          </a:fontRef>
+        </p:style>
+        <p:txBody>
+          <a:bodyPr rtlCol="0" anchor="ctr"/>
+          <a:lstStyle/>
+          <a:p>
+            <a:pPr algn="ctr"/>
             <a:r>
               <a:rPr lang="en-US" altLang="zh-TW" dirty="0"/>
-              <a:t>10:['</a:t>
-            </a:r>
-            <a:r>
-              <a:rPr lang="zh-TW" altLang="en-US" dirty="0"/>
-              <a:t>隨機</a:t>
-            </a:r>
-            <a:r>
+              <a:t>Article Vector</a:t>
+            </a:r>
+            <a:br>
               <a:rPr lang="en-US" altLang="zh-TW" dirty="0"/>
-              <a:t>', '</a:t>
-            </a:r>
-            <a:r>
-              <a:rPr lang="zh-TW" altLang="en-US" dirty="0"/>
-              <a:t>殺</a:t>
-            </a:r>
+            </a:br>
             <a:r>
               <a:rPr lang="en-US" altLang="zh-TW" dirty="0"/>
-              <a:t>', '</a:t>
-            </a:r>
-            <a:r>
-              <a:rPr lang="zh-TW" altLang="en-US" dirty="0"/>
-              <a:t>砍</a:t>
-            </a:r>
+              <a:t>Computing</a:t>
+            </a:r>
+            <a:endParaRPr lang="zh-TW" altLang="en-US" dirty="0"/>
+          </a:p>
+        </p:txBody>
+      </p:sp>
+      <p:cxnSp>
+        <p:nvCxnSpPr>
+          <p:cNvPr id="6" name="直線單箭頭接點 5"/>
+          <p:cNvCxnSpPr>
+            <a:stCxn id="4" idx="3"/>
+            <a:endCxn id="11" idx="1"/>
+          </p:cNvCxnSpPr>
+          <p:nvPr/>
+        </p:nvCxnSpPr>
+        <p:spPr>
+          <a:xfrm flipV="1">
+            <a:off x="2529214" y="1120754"/>
+            <a:ext cx="463594" cy="2"/>
+          </a:xfrm>
+          <a:prstGeom prst="straightConnector1">
+            <a:avLst/>
+          </a:prstGeom>
+          <a:ln>
+            <a:tailEnd type="triangle"/>
+          </a:ln>
+        </p:spPr>
+        <p:style>
+          <a:lnRef idx="1">
+            <a:schemeClr val="accent1"/>
+          </a:lnRef>
+          <a:fillRef idx="0">
+            <a:schemeClr val="accent1"/>
+          </a:fillRef>
+          <a:effectRef idx="0">
+            <a:schemeClr val="accent1"/>
+          </a:effectRef>
+          <a:fontRef idx="minor">
+            <a:schemeClr val="tx1"/>
+          </a:fontRef>
+        </p:style>
+      </p:cxnSp>
+      <p:sp>
+        <p:nvSpPr>
+          <p:cNvPr id="7" name="矩形 6"/>
+          <p:cNvSpPr/>
+          <p:nvPr/>
+        </p:nvSpPr>
+        <p:spPr>
+          <a:xfrm>
+            <a:off x="7302024" y="550819"/>
+            <a:ext cx="1691014" cy="1139869"/>
+          </a:xfrm>
+          <a:prstGeom prst="rect">
+            <a:avLst/>
+          </a:prstGeom>
+          <a:solidFill>
+            <a:schemeClr val="accent1">
+              <a:lumMod val="50000"/>
+            </a:schemeClr>
+          </a:solidFill>
+        </p:spPr>
+        <p:style>
+          <a:lnRef idx="2">
+            <a:schemeClr val="accent1">
+              <a:shade val="50000"/>
+            </a:schemeClr>
+          </a:lnRef>
+          <a:fillRef idx="1">
+            <a:schemeClr val="accent1"/>
+          </a:fillRef>
+          <a:effectRef idx="0">
+            <a:schemeClr val="accent1"/>
+          </a:effectRef>
+          <a:fontRef idx="minor">
+            <a:schemeClr val="lt1"/>
+          </a:fontRef>
+        </p:style>
+        <p:txBody>
+          <a:bodyPr rtlCol="0" anchor="ctr"/>
+          <a:lstStyle/>
+          <a:p>
+            <a:pPr algn="ctr"/>
             <a:r>
               <a:rPr lang="en-US" altLang="zh-TW" dirty="0"/>
-              <a:t>', '</a:t>
-            </a:r>
-            <a:r>
-              <a:rPr lang="zh-TW" altLang="en-US" dirty="0"/>
-              <a:t>男子</a:t>
-            </a:r>
-            <a:r>
-              <a:rPr lang="en-US" altLang="zh-TW" dirty="0"/>
-              <a:t>', '</a:t>
-            </a:r>
-            <a:r>
-              <a:rPr lang="zh-TW" altLang="en-US" dirty="0"/>
-              <a:t>新聞</a:t>
-            </a:r>
-            <a:r>
-              <a:rPr lang="en-US" altLang="zh-TW" dirty="0"/>
-              <a:t>', '</a:t>
-            </a:r>
-            <a:r>
-              <a:rPr lang="zh-TW" altLang="en-US" dirty="0"/>
-              <a:t>持刀</a:t>
-            </a:r>
-            <a:r>
-              <a:rPr lang="en-US" altLang="zh-TW" dirty="0"/>
-              <a:t>', '</a:t>
-            </a:r>
-            <a:r>
-              <a:rPr lang="zh-TW" altLang="en-US" dirty="0"/>
-              <a:t>完整</a:t>
-            </a:r>
-            <a:r>
-              <a:rPr lang="en-US" altLang="zh-TW" dirty="0"/>
-              <a:t>', '</a:t>
-            </a:r>
-            <a:r>
-              <a:rPr lang="zh-TW" altLang="en-US" dirty="0"/>
-              <a:t>殺童</a:t>
-            </a:r>
-            <a:r>
-              <a:rPr lang="en-US" altLang="zh-TW" dirty="0"/>
-              <a:t>', '</a:t>
-            </a:r>
-            <a:r>
-              <a:rPr lang="zh-TW" altLang="en-US" dirty="0"/>
-              <a:t>鬧事</a:t>
-            </a:r>
-            <a:r>
-              <a:rPr lang="en-US" altLang="zh-TW" dirty="0" smtClean="0"/>
-              <a:t>']</a:t>
-            </a:r>
-          </a:p>
-          <a:p>
-            <a:r>
-              <a:rPr lang="en-US" altLang="zh-TW" dirty="0"/>
-              <a:t>20:['</a:t>
-            </a:r>
-            <a:r>
-              <a:rPr lang="zh-TW" altLang="en-US" dirty="0"/>
-              <a:t>隨機</a:t>
-            </a:r>
-            <a:r>
-              <a:rPr lang="en-US" altLang="zh-TW" dirty="0"/>
-              <a:t>', '</a:t>
-            </a:r>
-            <a:r>
-              <a:rPr lang="zh-TW" altLang="en-US" dirty="0"/>
-              <a:t>社會</a:t>
-            </a:r>
-            <a:r>
-              <a:rPr lang="en-US" altLang="zh-TW" dirty="0"/>
-              <a:t>', '</a:t>
-            </a:r>
-            <a:r>
-              <a:rPr lang="zh-TW" altLang="en-US" dirty="0"/>
-              <a:t>殺</a:t>
-            </a:r>
-            <a:r>
-              <a:rPr lang="en-US" altLang="zh-TW" dirty="0"/>
-              <a:t>', '</a:t>
-            </a:r>
-            <a:r>
-              <a:rPr lang="zh-TW" altLang="en-US" dirty="0"/>
-              <a:t>教育</a:t>
-            </a:r>
-            <a:r>
-              <a:rPr lang="en-US" altLang="zh-TW" dirty="0"/>
-              <a:t>', '</a:t>
-            </a:r>
-            <a:r>
-              <a:rPr lang="zh-TW" altLang="en-US" dirty="0"/>
-              <a:t>新聞</a:t>
-            </a:r>
-            <a:r>
-              <a:rPr lang="en-US" altLang="zh-TW" dirty="0"/>
-              <a:t>', '</a:t>
-            </a:r>
-            <a:r>
-              <a:rPr lang="zh-TW" altLang="en-US" dirty="0"/>
-              <a:t>事件</a:t>
-            </a:r>
-            <a:r>
-              <a:rPr lang="en-US" altLang="zh-TW" dirty="0"/>
-              <a:t>', '</a:t>
-            </a:r>
-            <a:r>
-              <a:rPr lang="zh-TW" altLang="en-US" dirty="0"/>
-              <a:t>完整</a:t>
-            </a:r>
-            <a:r>
-              <a:rPr lang="en-US" altLang="zh-TW" dirty="0"/>
-              <a:t>', '</a:t>
-            </a:r>
-            <a:r>
-              <a:rPr lang="zh-TW" altLang="en-US" dirty="0"/>
-              <a:t>泡</a:t>
-            </a:r>
-            <a:r>
-              <a:rPr lang="en-US" altLang="zh-TW" dirty="0"/>
-              <a:t>', '</a:t>
-            </a:r>
-            <a:r>
-              <a:rPr lang="zh-TW" altLang="en-US" dirty="0"/>
-              <a:t>小孩</a:t>
-            </a:r>
-            <a:r>
-              <a:rPr lang="en-US" altLang="zh-TW" dirty="0"/>
-              <a:t>']</a:t>
-            </a:r>
-            <a:endParaRPr lang="en-US" altLang="zh-TW" dirty="0" smtClean="0"/>
-          </a:p>
-          <a:p>
-            <a:r>
-              <a:rPr lang="en-US" altLang="zh-TW" dirty="0"/>
-              <a:t>50:['</a:t>
-            </a:r>
-            <a:r>
-              <a:rPr lang="zh-TW" altLang="en-US" dirty="0"/>
-              <a:t>殺</a:t>
-            </a:r>
-            <a:r>
-              <a:rPr lang="en-US" altLang="zh-TW" dirty="0"/>
-              <a:t>', '</a:t>
-            </a:r>
-            <a:r>
-              <a:rPr lang="zh-TW" altLang="en-US" dirty="0"/>
-              <a:t>隨機</a:t>
-            </a:r>
-            <a:r>
-              <a:rPr lang="en-US" altLang="zh-TW" dirty="0"/>
-              <a:t>', '</a:t>
-            </a:r>
-            <a:r>
-              <a:rPr lang="zh-TW" altLang="en-US" dirty="0"/>
-              <a:t>社會</a:t>
-            </a:r>
-            <a:r>
-              <a:rPr lang="en-US" altLang="zh-TW" dirty="0"/>
-              <a:t>', '</a:t>
-            </a:r>
-            <a:r>
-              <a:rPr lang="zh-TW" altLang="en-US" dirty="0"/>
-              <a:t>這個</a:t>
-            </a:r>
-            <a:r>
-              <a:rPr lang="en-US" altLang="zh-TW" dirty="0"/>
-              <a:t>', '</a:t>
-            </a:r>
-            <a:r>
-              <a:rPr lang="zh-TW" altLang="en-US" dirty="0"/>
-              <a:t>事件</a:t>
-            </a:r>
-            <a:r>
-              <a:rPr lang="en-US" altLang="zh-TW" dirty="0"/>
-              <a:t>', '</a:t>
-            </a:r>
-            <a:r>
-              <a:rPr lang="zh-TW" altLang="en-US" dirty="0"/>
-              <a:t>新聞</a:t>
-            </a:r>
-            <a:r>
-              <a:rPr lang="en-US" altLang="zh-TW" dirty="0"/>
-              <a:t>', '</a:t>
-            </a:r>
-            <a:r>
-              <a:rPr lang="zh-TW" altLang="en-US" dirty="0"/>
-              <a:t>發生</a:t>
-            </a:r>
-            <a:r>
-              <a:rPr lang="en-US" altLang="zh-TW" dirty="0"/>
-              <a:t>', '</a:t>
-            </a:r>
-            <a:r>
-              <a:rPr lang="zh-TW" altLang="en-US" dirty="0"/>
-              <a:t>教育</a:t>
-            </a:r>
-            <a:r>
-              <a:rPr lang="en-US" altLang="zh-TW" dirty="0"/>
-              <a:t>', '</a:t>
-            </a:r>
-            <a:r>
-              <a:rPr lang="zh-TW" altLang="en-US" dirty="0"/>
-              <a:t>死刑</a:t>
-            </a:r>
-            <a:r>
-              <a:rPr lang="en-US" altLang="zh-TW" dirty="0"/>
-              <a:t>']</a:t>
-            </a:r>
-            <a:endParaRPr lang="en-US" altLang="zh-TW" dirty="0" smtClean="0"/>
-          </a:p>
-          <a:p>
-            <a:r>
-              <a:rPr lang="en-US" altLang="zh-TW" dirty="0"/>
-              <a:t>100:['</a:t>
-            </a:r>
-            <a:r>
-              <a:rPr lang="zh-TW" altLang="en-US" dirty="0"/>
-              <a:t>殺</a:t>
-            </a:r>
-            <a:r>
-              <a:rPr lang="en-US" altLang="zh-TW" dirty="0"/>
-              <a:t>', '</a:t>
-            </a:r>
-            <a:r>
-              <a:rPr lang="zh-TW" altLang="en-US" dirty="0"/>
-              <a:t>隨機</a:t>
-            </a:r>
-            <a:r>
-              <a:rPr lang="en-US" altLang="zh-TW" dirty="0"/>
-              <a:t>', '</a:t>
-            </a:r>
-            <a:r>
-              <a:rPr lang="zh-TW" altLang="en-US" dirty="0"/>
-              <a:t>社會</a:t>
-            </a:r>
-            <a:r>
-              <a:rPr lang="en-US" altLang="zh-TW" dirty="0"/>
-              <a:t>', '</a:t>
-            </a:r>
-            <a:r>
-              <a:rPr lang="zh-TW" altLang="en-US" dirty="0"/>
-              <a:t>死刑</a:t>
-            </a:r>
-            <a:r>
-              <a:rPr lang="en-US" altLang="zh-TW" dirty="0"/>
-              <a:t>', '</a:t>
-            </a:r>
-            <a:r>
-              <a:rPr lang="zh-TW" altLang="en-US" dirty="0"/>
-              <a:t>事件</a:t>
-            </a:r>
-            <a:r>
-              <a:rPr lang="en-US" altLang="zh-TW" dirty="0"/>
-              <a:t>', '</a:t>
-            </a:r>
-            <a:r>
-              <a:rPr lang="zh-TW" altLang="en-US" dirty="0"/>
-              <a:t>發生</a:t>
-            </a:r>
-            <a:r>
-              <a:rPr lang="en-US" altLang="zh-TW" dirty="0"/>
-              <a:t>', '</a:t>
-            </a:r>
-            <a:r>
-              <a:rPr lang="zh-TW" altLang="en-US" dirty="0"/>
-              <a:t>死</a:t>
-            </a:r>
-            <a:r>
-              <a:rPr lang="en-US" altLang="zh-TW" dirty="0"/>
-              <a:t>', '</a:t>
-            </a:r>
-            <a:r>
-              <a:rPr lang="zh-TW" altLang="en-US" dirty="0"/>
-              <a:t>教育</a:t>
-            </a:r>
-            <a:r>
-              <a:rPr lang="en-US" altLang="zh-TW" dirty="0"/>
-              <a:t>', '</a:t>
-            </a:r>
-            <a:r>
-              <a:rPr lang="zh-TW" altLang="en-US" dirty="0"/>
-              <a:t>新聞</a:t>
-            </a:r>
-            <a:r>
-              <a:rPr lang="en-US" altLang="zh-TW" dirty="0"/>
-              <a:t>']</a:t>
+              <a:t>Clustering</a:t>
             </a:r>
             <a:endParaRPr lang="zh-TW" altLang="en-US" dirty="0"/>
           </a:p>
         </p:txBody>
       </p:sp>
+      <p:cxnSp>
+        <p:nvCxnSpPr>
+          <p:cNvPr id="8" name="直線單箭頭接點 7"/>
+          <p:cNvCxnSpPr>
+            <a:stCxn id="5" idx="3"/>
+            <a:endCxn id="7" idx="1"/>
+          </p:cNvCxnSpPr>
+          <p:nvPr/>
+        </p:nvCxnSpPr>
+        <p:spPr>
+          <a:xfrm>
+            <a:off x="6838430" y="1120754"/>
+            <a:ext cx="463594" cy="0"/>
+          </a:xfrm>
+          <a:prstGeom prst="straightConnector1">
+            <a:avLst/>
+          </a:prstGeom>
+          <a:ln>
+            <a:tailEnd type="triangle"/>
+          </a:ln>
+        </p:spPr>
+        <p:style>
+          <a:lnRef idx="1">
+            <a:schemeClr val="accent1"/>
+          </a:lnRef>
+          <a:fillRef idx="0">
+            <a:schemeClr val="accent1"/>
+          </a:fillRef>
+          <a:effectRef idx="0">
+            <a:schemeClr val="accent1"/>
+          </a:effectRef>
+          <a:fontRef idx="minor">
+            <a:schemeClr val="tx1"/>
+          </a:fontRef>
+        </p:style>
+      </p:cxnSp>
+      <p:sp>
+        <p:nvSpPr>
+          <p:cNvPr id="9" name="矩形 8"/>
+          <p:cNvSpPr/>
+          <p:nvPr/>
+        </p:nvSpPr>
+        <p:spPr>
+          <a:xfrm>
+            <a:off x="9456632" y="550819"/>
+            <a:ext cx="1691014" cy="1139869"/>
+          </a:xfrm>
+          <a:prstGeom prst="rect">
+            <a:avLst/>
+          </a:prstGeom>
+          <a:solidFill>
+            <a:schemeClr val="accent1">
+              <a:lumMod val="50000"/>
+            </a:schemeClr>
+          </a:solidFill>
+        </p:spPr>
+        <p:style>
+          <a:lnRef idx="2">
+            <a:schemeClr val="accent1">
+              <a:shade val="50000"/>
+            </a:schemeClr>
+          </a:lnRef>
+          <a:fillRef idx="1">
+            <a:schemeClr val="accent1"/>
+          </a:fillRef>
+          <a:effectRef idx="0">
+            <a:schemeClr val="accent1"/>
+          </a:effectRef>
+          <a:fontRef idx="minor">
+            <a:schemeClr val="lt1"/>
+          </a:fontRef>
+        </p:style>
+        <p:txBody>
+          <a:bodyPr rtlCol="0" anchor="ctr"/>
+          <a:lstStyle/>
+          <a:p>
+            <a:pPr algn="ctr"/>
+            <a:r>
+              <a:rPr lang="en-US" altLang="zh-TW" dirty="0" smtClean="0"/>
+              <a:t>Hotness Computing</a:t>
+            </a:r>
+            <a:endParaRPr lang="zh-TW" altLang="en-US" dirty="0"/>
+          </a:p>
+        </p:txBody>
+      </p:sp>
+      <p:cxnSp>
+        <p:nvCxnSpPr>
+          <p:cNvPr id="10" name="直線單箭頭接點 9"/>
+          <p:cNvCxnSpPr>
+            <a:stCxn id="7" idx="3"/>
+            <a:endCxn id="9" idx="1"/>
+          </p:cNvCxnSpPr>
+          <p:nvPr/>
+        </p:nvCxnSpPr>
+        <p:spPr>
+          <a:xfrm>
+            <a:off x="8993038" y="1120754"/>
+            <a:ext cx="463594" cy="0"/>
+          </a:xfrm>
+          <a:prstGeom prst="straightConnector1">
+            <a:avLst/>
+          </a:prstGeom>
+          <a:ln>
+            <a:tailEnd type="triangle"/>
+          </a:ln>
+        </p:spPr>
+        <p:style>
+          <a:lnRef idx="1">
+            <a:schemeClr val="accent1"/>
+          </a:lnRef>
+          <a:fillRef idx="0">
+            <a:schemeClr val="accent1"/>
+          </a:fillRef>
+          <a:effectRef idx="0">
+            <a:schemeClr val="accent1"/>
+          </a:effectRef>
+          <a:fontRef idx="minor">
+            <a:schemeClr val="tx1"/>
+          </a:fontRef>
+        </p:style>
+      </p:cxnSp>
+      <p:sp>
+        <p:nvSpPr>
+          <p:cNvPr id="11" name="矩形 10"/>
+          <p:cNvSpPr/>
+          <p:nvPr/>
+        </p:nvSpPr>
+        <p:spPr>
+          <a:xfrm>
+            <a:off x="2992808" y="550819"/>
+            <a:ext cx="1691014" cy="1139869"/>
+          </a:xfrm>
+          <a:prstGeom prst="rect">
+            <a:avLst/>
+          </a:prstGeom>
+          <a:solidFill>
+            <a:schemeClr val="accent1"/>
+          </a:solidFill>
+        </p:spPr>
+        <p:style>
+          <a:lnRef idx="2">
+            <a:schemeClr val="accent1">
+              <a:shade val="50000"/>
+            </a:schemeClr>
+          </a:lnRef>
+          <a:fillRef idx="1">
+            <a:schemeClr val="accent1"/>
+          </a:fillRef>
+          <a:effectRef idx="0">
+            <a:schemeClr val="accent1"/>
+          </a:effectRef>
+          <a:fontRef idx="minor">
+            <a:schemeClr val="lt1"/>
+          </a:fontRef>
+        </p:style>
+        <p:txBody>
+          <a:bodyPr rtlCol="0" anchor="ctr"/>
+          <a:lstStyle/>
+          <a:p>
+            <a:pPr algn="ctr"/>
+            <a:r>
+              <a:rPr lang="en-US" altLang="zh-TW" dirty="0" smtClean="0"/>
+              <a:t>Model</a:t>
+            </a:r>
+          </a:p>
+        </p:txBody>
+      </p:sp>
+      <p:cxnSp>
+        <p:nvCxnSpPr>
+          <p:cNvPr id="12" name="直線單箭頭接點 11"/>
+          <p:cNvCxnSpPr>
+            <a:stCxn id="11" idx="3"/>
+            <a:endCxn id="5" idx="1"/>
+          </p:cNvCxnSpPr>
+          <p:nvPr/>
+        </p:nvCxnSpPr>
+        <p:spPr>
+          <a:xfrm>
+            <a:off x="4683822" y="1120754"/>
+            <a:ext cx="463594" cy="0"/>
+          </a:xfrm>
+          <a:prstGeom prst="straightConnector1">
+            <a:avLst/>
+          </a:prstGeom>
+          <a:ln>
+            <a:tailEnd type="triangle"/>
+          </a:ln>
+        </p:spPr>
+        <p:style>
+          <a:lnRef idx="1">
+            <a:schemeClr val="accent1"/>
+          </a:lnRef>
+          <a:fillRef idx="0">
+            <a:schemeClr val="accent1"/>
+          </a:fillRef>
+          <a:effectRef idx="0">
+            <a:schemeClr val="accent1"/>
+          </a:effectRef>
+          <a:fontRef idx="minor">
+            <a:schemeClr val="tx1"/>
+          </a:fontRef>
+        </p:style>
+      </p:cxnSp>
     </p:spTree>
     <p:extLst>
       <p:ext uri="{BB962C8B-B14F-4D97-AF65-F5344CB8AC3E}">
-        <p14:creationId xmlns:p14="http://schemas.microsoft.com/office/powerpoint/2010/main" val="3166562342"/>
+        <p14:creationId xmlns:p14="http://schemas.microsoft.com/office/powerpoint/2010/main" val="2204908292"/>
       </p:ext>
     </p:extLst>
   </p:cSld>
   <p:clrMapOvr>
     <a:masterClrMapping/>
   </p:clrMapOvr>
+  <p:timing>
+    <p:tnLst>
+      <p:par>
+        <p:cTn id="1" dur="indefinite" restart="never" nodeType="tmRoot"/>
+      </p:par>
+    </p:tnLst>
+  </p:timing>
 </p:sld>
 </file>
 
@@ -5221,20 +4592,159 @@
           <a:lstStyle/>
           <a:p>
             <a:r>
-              <a:rPr lang="en-US" altLang="zh-TW" dirty="0" smtClean="0"/>
-              <a:t>LDA</a:t>
-            </a:r>
-            <a:r>
               <a:rPr lang="zh-TW" altLang="en-US" dirty="0" smtClean="0"/>
-              <a:t>實驗結果 </a:t>
-            </a:r>
-            <a:r>
-              <a:rPr lang="en-US" altLang="zh-TW" dirty="0" smtClean="0"/>
-              <a:t>–</a:t>
-            </a:r>
+              <a:t> </a:t>
+            </a:r>
+            <a:endParaRPr lang="zh-TW" altLang="en-US" dirty="0"/>
+          </a:p>
+        </p:txBody>
+      </p:sp>
+      <p:sp>
+        <p:nvSpPr>
+          <p:cNvPr id="3" name="內容版面配置區 2"/>
+          <p:cNvSpPr>
+            <a:spLocks noGrp="1"/>
+          </p:cNvSpPr>
+          <p:nvPr>
+            <p:ph idx="1"/>
+          </p:nvPr>
+        </p:nvSpPr>
+        <p:spPr/>
+        <p:txBody>
+          <a:bodyPr/>
+          <a:lstStyle/>
+          <a:p>
+            <a:endParaRPr lang="en-US" altLang="zh-TW" dirty="0" smtClean="0"/>
+          </a:p>
+          <a:p>
             <a:r>
               <a:rPr lang="zh-TW" altLang="en-US" dirty="0" smtClean="0"/>
-              <a:t> 以慈濟為關鍵字</a:t>
+              <a:t>以文章標題作為主</a:t>
+            </a:r>
+            <a:endParaRPr lang="en-US" altLang="zh-TW" dirty="0" smtClean="0"/>
+          </a:p>
+          <a:p>
+            <a:pPr lvl="1"/>
+            <a:r>
+              <a:rPr lang="zh-TW" altLang="en-US" dirty="0" smtClean="0"/>
+              <a:t>標題斷詞並去除</a:t>
+            </a:r>
+            <a:r>
+              <a:rPr lang="en-US" altLang="zh-TW" dirty="0" err="1" smtClean="0"/>
+              <a:t>stopword</a:t>
+            </a:r>
+            <a:r>
+              <a:rPr lang="zh-TW" altLang="en-US" dirty="0" smtClean="0"/>
+              <a:t>以及八卦板特定標題格式</a:t>
+            </a:r>
+            <a:endParaRPr lang="en-US" altLang="zh-TW" dirty="0" smtClean="0"/>
+          </a:p>
+          <a:p>
+            <a:pPr lvl="1"/>
+            <a:r>
+              <a:rPr lang="zh-TW" altLang="en-US" dirty="0" smtClean="0"/>
+              <a:t>將斷好的詞分別去查詢對應的</a:t>
+            </a:r>
+            <a:r>
+              <a:rPr lang="en-US" altLang="zh-TW" dirty="0" smtClean="0"/>
+              <a:t>vector</a:t>
+            </a:r>
+          </a:p>
+          <a:p>
+            <a:pPr lvl="1"/>
+            <a:r>
+              <a:rPr lang="zh-TW" altLang="en-US" dirty="0" smtClean="0"/>
+              <a:t>將對應的</a:t>
+            </a:r>
+            <a:r>
+              <a:rPr lang="en-US" altLang="zh-TW" dirty="0" smtClean="0"/>
+              <a:t>vector</a:t>
+            </a:r>
+            <a:r>
+              <a:rPr lang="zh-TW" altLang="en-US" dirty="0" smtClean="0"/>
+              <a:t>相加取平均並正規化代表此文章</a:t>
+            </a:r>
+            <a:endParaRPr lang="en-US" altLang="zh-TW" dirty="0" smtClean="0"/>
+          </a:p>
+          <a:p>
+            <a:endParaRPr lang="en-US" altLang="zh-TW" dirty="0"/>
+          </a:p>
+          <a:p>
+            <a:r>
+              <a:rPr lang="zh-TW" altLang="en-US" dirty="0" smtClean="0"/>
+              <a:t>以文章內容為輔</a:t>
+            </a:r>
+            <a:r>
+              <a:rPr lang="zh-TW" altLang="en-US" dirty="0"/>
+              <a:t> </a:t>
+            </a:r>
+            <a:r>
+              <a:rPr lang="en-US" altLang="zh-TW" dirty="0" smtClean="0"/>
+              <a:t>(</a:t>
+            </a:r>
+            <a:r>
+              <a:rPr lang="zh-TW" altLang="en-US" dirty="0" smtClean="0"/>
+              <a:t>未實作</a:t>
+            </a:r>
+            <a:r>
+              <a:rPr lang="en-US" altLang="zh-TW" dirty="0" smtClean="0"/>
+              <a:t>)</a:t>
+            </a:r>
+          </a:p>
+          <a:p>
+            <a:pPr lvl="1"/>
+            <a:endParaRPr lang="en-US" altLang="zh-TW" dirty="0" smtClean="0"/>
+          </a:p>
+          <a:p>
+            <a:pPr lvl="1"/>
+            <a:endParaRPr lang="en-US" altLang="zh-TW" dirty="0"/>
+          </a:p>
+        </p:txBody>
+      </p:sp>
+      <p:sp>
+        <p:nvSpPr>
+          <p:cNvPr id="4" name="矩形 3"/>
+          <p:cNvSpPr/>
+          <p:nvPr/>
+        </p:nvSpPr>
+        <p:spPr>
+          <a:xfrm>
+            <a:off x="838200" y="550821"/>
+            <a:ext cx="1691014" cy="1139869"/>
+          </a:xfrm>
+          <a:prstGeom prst="rect">
+            <a:avLst/>
+          </a:prstGeom>
+          <a:solidFill>
+            <a:schemeClr val="accent1">
+              <a:lumMod val="50000"/>
+            </a:schemeClr>
+          </a:solidFill>
+        </p:spPr>
+        <p:style>
+          <a:lnRef idx="2">
+            <a:schemeClr val="accent1">
+              <a:shade val="50000"/>
+            </a:schemeClr>
+          </a:lnRef>
+          <a:fillRef idx="1">
+            <a:schemeClr val="accent1"/>
+          </a:fillRef>
+          <a:effectRef idx="0">
+            <a:schemeClr val="accent1"/>
+          </a:effectRef>
+          <a:fontRef idx="minor">
+            <a:schemeClr val="lt1"/>
+          </a:fontRef>
+        </p:style>
+        <p:txBody>
+          <a:bodyPr rtlCol="0" anchor="ctr"/>
+          <a:lstStyle/>
+          <a:p>
+            <a:pPr algn="ctr"/>
+            <a:r>
+              <a:rPr lang="en-US" altLang="zh-TW" dirty="0" smtClean="0"/>
+              <a:t>Articles</a:t>
             </a:r>
             <a:endParaRPr lang="zh-TW" altLang="en-US" dirty="0"/>
           </a:p>
@@ -5242,327 +4752,372 @@
       </p:sp>
       <p:sp>
         <p:nvSpPr>
-          <p:cNvPr id="3" name="內容版面配置區 2"/>
-          <p:cNvSpPr>
-            <a:spLocks noGrp="1"/>
-          </p:cNvSpPr>
-          <p:nvPr>
-            <p:ph idx="1"/>
-          </p:nvPr>
-        </p:nvSpPr>
-        <p:spPr/>
-        <p:txBody>
-          <a:bodyPr/>
-          <a:lstStyle/>
-          <a:p>
+          <p:cNvPr id="5" name="矩形 4"/>
+          <p:cNvSpPr/>
+          <p:nvPr/>
+        </p:nvSpPr>
+        <p:spPr>
+          <a:xfrm>
+            <a:off x="5147416" y="550819"/>
+            <a:ext cx="1691014" cy="1139869"/>
+          </a:xfrm>
+          <a:prstGeom prst="rect">
+            <a:avLst/>
+          </a:prstGeom>
+          <a:solidFill>
+            <a:schemeClr val="accent1"/>
+          </a:solidFill>
+        </p:spPr>
+        <p:style>
+          <a:lnRef idx="2">
+            <a:schemeClr val="accent1">
+              <a:shade val="50000"/>
+            </a:schemeClr>
+          </a:lnRef>
+          <a:fillRef idx="1">
+            <a:schemeClr val="accent1"/>
+          </a:fillRef>
+          <a:effectRef idx="0">
+            <a:schemeClr val="accent1"/>
+          </a:effectRef>
+          <a:fontRef idx="minor">
+            <a:schemeClr val="lt1"/>
+          </a:fontRef>
+        </p:style>
+        <p:txBody>
+          <a:bodyPr rtlCol="0" anchor="ctr"/>
+          <a:lstStyle/>
+          <a:p>
+            <a:pPr algn="ctr"/>
             <a:r>
               <a:rPr lang="en-US" altLang="zh-TW" dirty="0"/>
-              <a:t>10:['</a:t>
-            </a:r>
-            <a:r>
-              <a:rPr lang="zh-TW" altLang="en-US" dirty="0"/>
-              <a:t>慈濟</a:t>
-            </a:r>
-            <a:r>
+              <a:t>Article Vector</a:t>
+            </a:r>
+            <a:br>
               <a:rPr lang="en-US" altLang="zh-TW" dirty="0"/>
-              <a:t>', '</a:t>
-            </a:r>
-            <a:r>
-              <a:rPr lang="zh-TW" altLang="en-US" dirty="0"/>
-              <a:t>隨身</a:t>
-            </a:r>
+            </a:br>
             <a:r>
               <a:rPr lang="en-US" altLang="zh-TW" dirty="0"/>
-              <a:t>', '</a:t>
-            </a:r>
-            <a:r>
-              <a:rPr lang="zh-TW" altLang="en-US" dirty="0"/>
-              <a:t>垃圾</a:t>
-            </a:r>
+              <a:t>Computing</a:t>
+            </a:r>
+            <a:endParaRPr lang="zh-TW" altLang="en-US" dirty="0"/>
+          </a:p>
+        </p:txBody>
+      </p:sp>
+      <p:cxnSp>
+        <p:nvCxnSpPr>
+          <p:cNvPr id="6" name="直線單箭頭接點 5"/>
+          <p:cNvCxnSpPr>
+            <a:stCxn id="4" idx="3"/>
+            <a:endCxn id="11" idx="1"/>
+          </p:cNvCxnSpPr>
+          <p:nvPr/>
+        </p:nvCxnSpPr>
+        <p:spPr>
+          <a:xfrm flipV="1">
+            <a:off x="2529214" y="1120754"/>
+            <a:ext cx="463594" cy="2"/>
+          </a:xfrm>
+          <a:prstGeom prst="straightConnector1">
+            <a:avLst/>
+          </a:prstGeom>
+          <a:ln>
+            <a:tailEnd type="triangle"/>
+          </a:ln>
+        </p:spPr>
+        <p:style>
+          <a:lnRef idx="1">
+            <a:schemeClr val="accent1"/>
+          </a:lnRef>
+          <a:fillRef idx="0">
+            <a:schemeClr val="accent1"/>
+          </a:fillRef>
+          <a:effectRef idx="0">
+            <a:schemeClr val="accent1"/>
+          </a:effectRef>
+          <a:fontRef idx="minor">
+            <a:schemeClr val="tx1"/>
+          </a:fontRef>
+        </p:style>
+      </p:cxnSp>
+      <p:sp>
+        <p:nvSpPr>
+          <p:cNvPr id="7" name="矩形 6"/>
+          <p:cNvSpPr/>
+          <p:nvPr/>
+        </p:nvSpPr>
+        <p:spPr>
+          <a:xfrm>
+            <a:off x="7302024" y="550819"/>
+            <a:ext cx="1691014" cy="1139869"/>
+          </a:xfrm>
+          <a:prstGeom prst="rect">
+            <a:avLst/>
+          </a:prstGeom>
+          <a:solidFill>
+            <a:schemeClr val="accent1">
+              <a:lumMod val="50000"/>
+            </a:schemeClr>
+          </a:solidFill>
+        </p:spPr>
+        <p:style>
+          <a:lnRef idx="2">
+            <a:schemeClr val="accent1">
+              <a:shade val="50000"/>
+            </a:schemeClr>
+          </a:lnRef>
+          <a:fillRef idx="1">
+            <a:schemeClr val="accent1"/>
+          </a:fillRef>
+          <a:effectRef idx="0">
+            <a:schemeClr val="accent1"/>
+          </a:effectRef>
+          <a:fontRef idx="minor">
+            <a:schemeClr val="lt1"/>
+          </a:fontRef>
+        </p:style>
+        <p:txBody>
+          <a:bodyPr rtlCol="0" anchor="ctr"/>
+          <a:lstStyle/>
+          <a:p>
+            <a:pPr algn="ctr"/>
             <a:r>
               <a:rPr lang="en-US" altLang="zh-TW" dirty="0"/>
-              <a:t>', '</a:t>
-            </a:r>
-            <a:r>
-              <a:rPr lang="zh-TW" altLang="en-US" dirty="0"/>
-              <a:t>碟</a:t>
-            </a:r>
-            <a:r>
-              <a:rPr lang="en-US" altLang="zh-TW" dirty="0"/>
-              <a:t>', '</a:t>
-            </a:r>
-            <a:r>
-              <a:rPr lang="zh-TW" altLang="en-US" dirty="0"/>
-              <a:t>新聞</a:t>
-            </a:r>
-            <a:r>
-              <a:rPr lang="en-US" altLang="zh-TW" dirty="0"/>
-              <a:t>', '311', '</a:t>
-            </a:r>
-            <a:r>
-              <a:rPr lang="zh-TW" altLang="en-US" dirty="0"/>
-              <a:t>買</a:t>
-            </a:r>
-            <a:r>
-              <a:rPr lang="en-US" altLang="zh-TW" dirty="0"/>
-              <a:t>', '</a:t>
-            </a:r>
-            <a:r>
-              <a:rPr lang="zh-TW" altLang="en-US" dirty="0"/>
-              <a:t>回收</a:t>
-            </a:r>
-            <a:r>
-              <a:rPr lang="en-US" altLang="zh-TW" dirty="0"/>
-              <a:t>', '</a:t>
-            </a:r>
-            <a:r>
-              <a:rPr lang="zh-TW" altLang="en-US" dirty="0"/>
-              <a:t>拍</a:t>
-            </a:r>
-            <a:r>
-              <a:rPr lang="en-US" altLang="zh-TW" dirty="0" smtClean="0"/>
-              <a:t>']</a:t>
-            </a:r>
-          </a:p>
-          <a:p>
-            <a:r>
-              <a:rPr lang="en-US" altLang="zh-TW" dirty="0"/>
-              <a:t>20:['</a:t>
-            </a:r>
-            <a:r>
-              <a:rPr lang="zh-TW" altLang="en-US" dirty="0"/>
-              <a:t>慈濟</a:t>
-            </a:r>
-            <a:r>
-              <a:rPr lang="en-US" altLang="zh-TW" dirty="0"/>
-              <a:t>', '</a:t>
-            </a:r>
-            <a:r>
-              <a:rPr lang="zh-TW" altLang="en-US" dirty="0"/>
-              <a:t>隨身</a:t>
-            </a:r>
-            <a:r>
-              <a:rPr lang="en-US" altLang="zh-TW" dirty="0"/>
-              <a:t>', '</a:t>
-            </a:r>
-            <a:r>
-              <a:rPr lang="zh-TW" altLang="en-US" dirty="0"/>
-              <a:t>碟</a:t>
-            </a:r>
-            <a:r>
-              <a:rPr lang="en-US" altLang="zh-TW" dirty="0"/>
-              <a:t>', '</a:t>
-            </a:r>
-            <a:r>
-              <a:rPr lang="zh-TW" altLang="en-US" dirty="0"/>
-              <a:t>新聞</a:t>
-            </a:r>
-            <a:r>
-              <a:rPr lang="en-US" altLang="zh-TW" dirty="0"/>
-              <a:t>', '</a:t>
-            </a:r>
-            <a:r>
-              <a:rPr lang="zh-TW" altLang="en-US" dirty="0"/>
-              <a:t>垃圾</a:t>
-            </a:r>
-            <a:r>
-              <a:rPr lang="en-US" altLang="zh-TW" dirty="0"/>
-              <a:t>', '</a:t>
-            </a:r>
-            <a:r>
-              <a:rPr lang="zh-TW" altLang="en-US" dirty="0"/>
-              <a:t>回收</a:t>
-            </a:r>
-            <a:r>
-              <a:rPr lang="en-US" altLang="zh-TW" dirty="0"/>
-              <a:t>', '</a:t>
-            </a:r>
-            <a:r>
-              <a:rPr lang="zh-TW" altLang="en-US" dirty="0"/>
-              <a:t>買</a:t>
-            </a:r>
-            <a:r>
-              <a:rPr lang="en-US" altLang="zh-TW" dirty="0"/>
-              <a:t>', '</a:t>
-            </a:r>
-            <a:r>
-              <a:rPr lang="zh-TW" altLang="en-US" dirty="0"/>
-              <a:t>錢</a:t>
-            </a:r>
-            <a:r>
-              <a:rPr lang="en-US" altLang="zh-TW" dirty="0"/>
-              <a:t>', '</a:t>
-            </a:r>
-            <a:r>
-              <a:rPr lang="zh-TW" altLang="en-US" dirty="0"/>
-              <a:t>跟</a:t>
-            </a:r>
-            <a:r>
-              <a:rPr lang="en-US" altLang="zh-TW" dirty="0"/>
-              <a:t>']</a:t>
-            </a:r>
-          </a:p>
-          <a:p>
-            <a:r>
-              <a:rPr lang="en-US" altLang="zh-TW" dirty="0"/>
-              <a:t>50:['</a:t>
-            </a:r>
-            <a:r>
-              <a:rPr lang="zh-TW" altLang="en-US" dirty="0"/>
-              <a:t>慈濟</a:t>
-            </a:r>
-            <a:r>
-              <a:rPr lang="en-US" altLang="zh-TW" dirty="0"/>
-              <a:t>', '</a:t>
-            </a:r>
-            <a:r>
-              <a:rPr lang="zh-TW" altLang="en-US" dirty="0"/>
-              <a:t>新聞</a:t>
-            </a:r>
-            <a:r>
-              <a:rPr lang="en-US" altLang="zh-TW" dirty="0"/>
-              <a:t>', '</a:t>
-            </a:r>
-            <a:r>
-              <a:rPr lang="zh-TW" altLang="en-US" dirty="0"/>
-              <a:t>隨身</a:t>
-            </a:r>
-            <a:r>
-              <a:rPr lang="en-US" altLang="zh-TW" dirty="0"/>
-              <a:t>', '</a:t>
-            </a:r>
-            <a:r>
-              <a:rPr lang="zh-TW" altLang="en-US" dirty="0"/>
-              <a:t>跟</a:t>
-            </a:r>
-            <a:r>
-              <a:rPr lang="en-US" altLang="zh-TW" dirty="0"/>
-              <a:t>', '</a:t>
-            </a:r>
-            <a:r>
-              <a:rPr lang="zh-TW" altLang="en-US" dirty="0"/>
-              <a:t>碟</a:t>
-            </a:r>
-            <a:r>
-              <a:rPr lang="en-US" altLang="zh-TW" dirty="0"/>
-              <a:t>', '</a:t>
-            </a:r>
-            <a:r>
-              <a:rPr lang="zh-TW" altLang="en-US" dirty="0"/>
-              <a:t>回收</a:t>
-            </a:r>
-            <a:r>
-              <a:rPr lang="en-US" altLang="zh-TW" dirty="0"/>
-              <a:t>', '</a:t>
-            </a:r>
-            <a:r>
-              <a:rPr lang="zh-TW" altLang="en-US" dirty="0"/>
-              <a:t>大家</a:t>
-            </a:r>
-            <a:r>
-              <a:rPr lang="en-US" altLang="zh-TW" dirty="0"/>
-              <a:t>', '</a:t>
-            </a:r>
-            <a:r>
-              <a:rPr lang="zh-TW" altLang="en-US" dirty="0"/>
-              <a:t>垃圾</a:t>
-            </a:r>
-            <a:r>
-              <a:rPr lang="en-US" altLang="zh-TW" dirty="0"/>
-              <a:t>', '</a:t>
-            </a:r>
-            <a:r>
-              <a:rPr lang="zh-TW" altLang="en-US" dirty="0"/>
-              <a:t>錢</a:t>
-            </a:r>
-            <a:r>
-              <a:rPr lang="en-US" altLang="zh-TW" dirty="0"/>
-              <a:t>']</a:t>
-            </a:r>
-          </a:p>
-          <a:p>
-            <a:r>
-              <a:rPr lang="en-US" altLang="zh-TW" dirty="0"/>
-              <a:t>100:['</a:t>
-            </a:r>
-            <a:r>
-              <a:rPr lang="zh-TW" altLang="en-US" dirty="0"/>
-              <a:t>慈濟</a:t>
-            </a:r>
-            <a:r>
-              <a:rPr lang="en-US" altLang="zh-TW" dirty="0"/>
-              <a:t>', ',', '</a:t>
-            </a:r>
-            <a:r>
-              <a:rPr lang="zh-TW" altLang="en-US" dirty="0"/>
-              <a:t>新聞</a:t>
-            </a:r>
-            <a:r>
-              <a:rPr lang="en-US" altLang="zh-TW" dirty="0"/>
-              <a:t>', '</a:t>
-            </a:r>
-            <a:r>
-              <a:rPr lang="zh-TW" altLang="en-US" dirty="0"/>
-              <a:t>回收</a:t>
-            </a:r>
-            <a:r>
-              <a:rPr lang="en-US" altLang="zh-TW" dirty="0"/>
-              <a:t>', '</a:t>
-            </a:r>
-            <a:r>
-              <a:rPr lang="zh-TW" altLang="en-US" dirty="0"/>
-              <a:t>跟</a:t>
-            </a:r>
-            <a:r>
-              <a:rPr lang="en-US" altLang="zh-TW" dirty="0"/>
-              <a:t>', '</a:t>
-            </a:r>
-            <a:r>
-              <a:rPr lang="zh-TW" altLang="en-US" dirty="0"/>
-              <a:t>錢</a:t>
-            </a:r>
-            <a:r>
-              <a:rPr lang="en-US" altLang="zh-TW" dirty="0"/>
-              <a:t>', '</a:t>
-            </a:r>
-            <a:r>
-              <a:rPr lang="zh-TW" altLang="en-US" dirty="0"/>
-              <a:t>大家</a:t>
-            </a:r>
-            <a:r>
-              <a:rPr lang="en-US" altLang="zh-TW" dirty="0"/>
-              <a:t>', '</a:t>
-            </a:r>
-            <a:r>
-              <a:rPr lang="zh-TW" altLang="en-US" dirty="0"/>
-              <a:t>隨身</a:t>
-            </a:r>
-            <a:r>
-              <a:rPr lang="en-US" altLang="zh-TW" dirty="0"/>
-              <a:t>', '</a:t>
-            </a:r>
-            <a:r>
-              <a:rPr lang="zh-TW" altLang="en-US" dirty="0"/>
-              <a:t>完整</a:t>
-            </a:r>
-            <a:r>
-              <a:rPr lang="en-US" altLang="zh-TW" dirty="0"/>
-              <a:t>']</a:t>
+              <a:t>Clustering</a:t>
             </a:r>
             <a:endParaRPr lang="zh-TW" altLang="en-US" dirty="0"/>
           </a:p>
         </p:txBody>
       </p:sp>
+      <p:cxnSp>
+        <p:nvCxnSpPr>
+          <p:cNvPr id="8" name="直線單箭頭接點 7"/>
+          <p:cNvCxnSpPr>
+            <a:stCxn id="5" idx="3"/>
+            <a:endCxn id="7" idx="1"/>
+          </p:cNvCxnSpPr>
+          <p:nvPr/>
+        </p:nvCxnSpPr>
+        <p:spPr>
+          <a:xfrm>
+            <a:off x="6838430" y="1120754"/>
+            <a:ext cx="463594" cy="0"/>
+          </a:xfrm>
+          <a:prstGeom prst="straightConnector1">
+            <a:avLst/>
+          </a:prstGeom>
+          <a:ln>
+            <a:tailEnd type="triangle"/>
+          </a:ln>
+        </p:spPr>
+        <p:style>
+          <a:lnRef idx="1">
+            <a:schemeClr val="accent1"/>
+          </a:lnRef>
+          <a:fillRef idx="0">
+            <a:schemeClr val="accent1"/>
+          </a:fillRef>
+          <a:effectRef idx="0">
+            <a:schemeClr val="accent1"/>
+          </a:effectRef>
+          <a:fontRef idx="minor">
+            <a:schemeClr val="tx1"/>
+          </a:fontRef>
+        </p:style>
+      </p:cxnSp>
+      <p:sp>
+        <p:nvSpPr>
+          <p:cNvPr id="9" name="矩形 8"/>
+          <p:cNvSpPr/>
+          <p:nvPr/>
+        </p:nvSpPr>
+        <p:spPr>
+          <a:xfrm>
+            <a:off x="9456632" y="550819"/>
+            <a:ext cx="1691014" cy="1139869"/>
+          </a:xfrm>
+          <a:prstGeom prst="rect">
+            <a:avLst/>
+          </a:prstGeom>
+          <a:solidFill>
+            <a:schemeClr val="accent1">
+              <a:lumMod val="50000"/>
+            </a:schemeClr>
+          </a:solidFill>
+        </p:spPr>
+        <p:style>
+          <a:lnRef idx="2">
+            <a:schemeClr val="accent1">
+              <a:shade val="50000"/>
+            </a:schemeClr>
+          </a:lnRef>
+          <a:fillRef idx="1">
+            <a:schemeClr val="accent1"/>
+          </a:fillRef>
+          <a:effectRef idx="0">
+            <a:schemeClr val="accent1"/>
+          </a:effectRef>
+          <a:fontRef idx="minor">
+            <a:schemeClr val="lt1"/>
+          </a:fontRef>
+        </p:style>
+        <p:txBody>
+          <a:bodyPr rtlCol="0" anchor="ctr"/>
+          <a:lstStyle/>
+          <a:p>
+            <a:pPr algn="ctr"/>
+            <a:r>
+              <a:rPr lang="en-US" altLang="zh-TW" dirty="0" smtClean="0"/>
+              <a:t>Hotness Computing</a:t>
+            </a:r>
+            <a:endParaRPr lang="zh-TW" altLang="en-US" dirty="0"/>
+          </a:p>
+        </p:txBody>
+      </p:sp>
+      <p:cxnSp>
+        <p:nvCxnSpPr>
+          <p:cNvPr id="10" name="直線單箭頭接點 9"/>
+          <p:cNvCxnSpPr>
+            <a:stCxn id="7" idx="3"/>
+            <a:endCxn id="9" idx="1"/>
+          </p:cNvCxnSpPr>
+          <p:nvPr/>
+        </p:nvCxnSpPr>
+        <p:spPr>
+          <a:xfrm>
+            <a:off x="8993038" y="1120754"/>
+            <a:ext cx="463594" cy="0"/>
+          </a:xfrm>
+          <a:prstGeom prst="straightConnector1">
+            <a:avLst/>
+          </a:prstGeom>
+          <a:ln>
+            <a:tailEnd type="triangle"/>
+          </a:ln>
+        </p:spPr>
+        <p:style>
+          <a:lnRef idx="1">
+            <a:schemeClr val="accent1"/>
+          </a:lnRef>
+          <a:fillRef idx="0">
+            <a:schemeClr val="accent1"/>
+          </a:fillRef>
+          <a:effectRef idx="0">
+            <a:schemeClr val="accent1"/>
+          </a:effectRef>
+          <a:fontRef idx="minor">
+            <a:schemeClr val="tx1"/>
+          </a:fontRef>
+        </p:style>
+      </p:cxnSp>
+      <p:sp>
+        <p:nvSpPr>
+          <p:cNvPr id="11" name="矩形 10"/>
+          <p:cNvSpPr/>
+          <p:nvPr/>
+        </p:nvSpPr>
+        <p:spPr>
+          <a:xfrm>
+            <a:off x="2992808" y="550819"/>
+            <a:ext cx="1691014" cy="1139869"/>
+          </a:xfrm>
+          <a:prstGeom prst="rect">
+            <a:avLst/>
+          </a:prstGeom>
+          <a:solidFill>
+            <a:schemeClr val="accent1">
+              <a:lumMod val="50000"/>
+            </a:schemeClr>
+          </a:solidFill>
+        </p:spPr>
+        <p:style>
+          <a:lnRef idx="2">
+            <a:schemeClr val="accent1">
+              <a:shade val="50000"/>
+            </a:schemeClr>
+          </a:lnRef>
+          <a:fillRef idx="1">
+            <a:schemeClr val="accent1"/>
+          </a:fillRef>
+          <a:effectRef idx="0">
+            <a:schemeClr val="accent1"/>
+          </a:effectRef>
+          <a:fontRef idx="minor">
+            <a:schemeClr val="lt1"/>
+          </a:fontRef>
+        </p:style>
+        <p:txBody>
+          <a:bodyPr rtlCol="0" anchor="ctr"/>
+          <a:lstStyle/>
+          <a:p>
+            <a:pPr algn="ctr"/>
+            <a:r>
+              <a:rPr lang="en-US" altLang="zh-TW" dirty="0" smtClean="0"/>
+              <a:t>Keyword</a:t>
+            </a:r>
+            <a:br>
+              <a:rPr lang="en-US" altLang="zh-TW" dirty="0" smtClean="0"/>
+            </a:br>
+            <a:r>
+              <a:rPr lang="en-US" altLang="zh-TW" dirty="0" smtClean="0"/>
+              <a:t>Selection</a:t>
+            </a:r>
+          </a:p>
+        </p:txBody>
+      </p:sp>
+      <p:cxnSp>
+        <p:nvCxnSpPr>
+          <p:cNvPr id="12" name="直線單箭頭接點 11"/>
+          <p:cNvCxnSpPr>
+            <a:stCxn id="11" idx="3"/>
+            <a:endCxn id="5" idx="1"/>
+          </p:cNvCxnSpPr>
+          <p:nvPr/>
+        </p:nvCxnSpPr>
+        <p:spPr>
+          <a:xfrm>
+            <a:off x="4683822" y="1120754"/>
+            <a:ext cx="463594" cy="0"/>
+          </a:xfrm>
+          <a:prstGeom prst="straightConnector1">
+            <a:avLst/>
+          </a:prstGeom>
+          <a:ln>
+            <a:tailEnd type="triangle"/>
+          </a:ln>
+        </p:spPr>
+        <p:style>
+          <a:lnRef idx="1">
+            <a:schemeClr val="accent1"/>
+          </a:lnRef>
+          <a:fillRef idx="0">
+            <a:schemeClr val="accent1"/>
+          </a:fillRef>
+          <a:effectRef idx="0">
+            <a:schemeClr val="accent1"/>
+          </a:effectRef>
+          <a:fontRef idx="minor">
+            <a:schemeClr val="tx1"/>
+          </a:fontRef>
+        </p:style>
+      </p:cxnSp>
     </p:spTree>
     <p:extLst>
       <p:ext uri="{BB962C8B-B14F-4D97-AF65-F5344CB8AC3E}">
-        <p14:creationId xmlns:p14="http://schemas.microsoft.com/office/powerpoint/2010/main" val="1166885062"/>
+        <p14:creationId xmlns:p14="http://schemas.microsoft.com/office/powerpoint/2010/main" val="2218174632"/>
       </p:ext>
     </p:extLst>
   </p:cSld>
   <p:clrMapOvr>
     <a:masterClrMapping/>
   </p:clrMapOvr>
+  <p:timing>
+    <p:tnLst>
+      <p:par>
+        <p:cTn id="1" dur="indefinite" restart="never" nodeType="tmRoot"/>
+      </p:par>
+    </p:tnLst>
+  </p:timing>
 </p:sld>
 </file>
 
@@ -5599,20 +5154,120 @@
           <a:lstStyle/>
           <a:p>
             <a:r>
-              <a:rPr lang="en-US" altLang="zh-TW" dirty="0" smtClean="0"/>
-              <a:t>LDA</a:t>
-            </a:r>
-            <a:r>
               <a:rPr lang="zh-TW" altLang="en-US" dirty="0" smtClean="0"/>
-              <a:t>實驗結果 </a:t>
-            </a:r>
-            <a:r>
-              <a:rPr lang="en-US" altLang="zh-TW" dirty="0" smtClean="0"/>
-              <a:t>–</a:t>
-            </a:r>
+              <a:t> </a:t>
+            </a:r>
+            <a:endParaRPr lang="zh-TW" altLang="en-US" dirty="0"/>
+          </a:p>
+        </p:txBody>
+      </p:sp>
+      <p:sp>
+        <p:nvSpPr>
+          <p:cNvPr id="3" name="內容版面配置區 2"/>
+          <p:cNvSpPr>
+            <a:spLocks noGrp="1"/>
+          </p:cNvSpPr>
+          <p:nvPr>
+            <p:ph idx="1"/>
+          </p:nvPr>
+        </p:nvSpPr>
+        <p:spPr/>
+        <p:txBody>
+          <a:bodyPr/>
+          <a:lstStyle/>
+          <a:p>
+            <a:endParaRPr lang="en-US" altLang="zh-TW" dirty="0" smtClean="0"/>
+          </a:p>
+          <a:p>
             <a:r>
               <a:rPr lang="zh-TW" altLang="en-US" dirty="0" smtClean="0"/>
-              <a:t> 以慈濟為關鍵字</a:t>
+              <a:t>話題由一群文章組成，每一個話題可以用一個像量來表示</a:t>
+            </a:r>
+            <a:endParaRPr lang="en-US" altLang="zh-TW" dirty="0" smtClean="0"/>
+          </a:p>
+          <a:p>
+            <a:r>
+              <a:rPr lang="zh-TW" altLang="en-US" dirty="0" smtClean="0"/>
+              <a:t>定義一個門檻值，對每一篇文章找出最相近的話題，若相似度大於門檻值則將文章歸類在該話題，若小於門檻值則視為新的話題</a:t>
+            </a:r>
+            <a:endParaRPr lang="en-US" altLang="zh-TW" dirty="0" smtClean="0"/>
+          </a:p>
+          <a:p>
+            <a:r>
+              <a:rPr lang="zh-TW" altLang="en-US" dirty="0" smtClean="0"/>
+              <a:t>相似度 </a:t>
+            </a:r>
+            <a:r>
+              <a:rPr lang="en-US" altLang="zh-TW" dirty="0" smtClean="0"/>
+              <a:t>=</a:t>
+            </a:r>
+            <a:r>
+              <a:rPr lang="zh-TW" altLang="en-US" dirty="0" smtClean="0"/>
+              <a:t> </a:t>
+            </a:r>
+            <a:r>
+              <a:rPr lang="en-US" altLang="zh-TW" dirty="0" smtClean="0"/>
+              <a:t>vector(article) dot vector(topic)</a:t>
+            </a:r>
+          </a:p>
+          <a:p>
+            <a:r>
+              <a:rPr lang="en-US" altLang="zh-TW" dirty="0" smtClean="0"/>
+              <a:t>Vector(topic) = Mean of Vector(article)</a:t>
+            </a:r>
+          </a:p>
+          <a:p>
+            <a:endParaRPr lang="en-US" altLang="zh-TW" dirty="0"/>
+          </a:p>
+          <a:p>
+            <a:endParaRPr lang="en-US" altLang="zh-TW" dirty="0" smtClean="0"/>
+          </a:p>
+        </p:txBody>
+      </p:sp>
+      <p:sp>
+        <p:nvSpPr>
+          <p:cNvPr id="4" name="矩形 3"/>
+          <p:cNvSpPr/>
+          <p:nvPr/>
+        </p:nvSpPr>
+        <p:spPr>
+          <a:xfrm>
+            <a:off x="838200" y="550821"/>
+            <a:ext cx="1691014" cy="1139869"/>
+          </a:xfrm>
+          <a:prstGeom prst="rect">
+            <a:avLst/>
+          </a:prstGeom>
+          <a:solidFill>
+            <a:schemeClr val="accent1">
+              <a:lumMod val="50000"/>
+            </a:schemeClr>
+          </a:solidFill>
+        </p:spPr>
+        <p:style>
+          <a:lnRef idx="2">
+            <a:schemeClr val="accent1">
+              <a:shade val="50000"/>
+            </a:schemeClr>
+          </a:lnRef>
+          <a:fillRef idx="1">
+            <a:schemeClr val="accent1"/>
+          </a:fillRef>
+          <a:effectRef idx="0">
+            <a:schemeClr val="accent1"/>
+          </a:effectRef>
+          <a:fontRef idx="minor">
+            <a:schemeClr val="lt1"/>
+          </a:fontRef>
+        </p:style>
+        <p:txBody>
+          <a:bodyPr rtlCol="0" anchor="ctr"/>
+          <a:lstStyle/>
+          <a:p>
+            <a:pPr algn="ctr"/>
+            <a:r>
+              <a:rPr lang="en-US" altLang="zh-TW" dirty="0" smtClean="0"/>
+              <a:t>Articles</a:t>
             </a:r>
             <a:endParaRPr lang="zh-TW" altLang="en-US" dirty="0"/>
           </a:p>
@@ -5620,327 +5275,377 @@
       </p:sp>
       <p:sp>
         <p:nvSpPr>
-          <p:cNvPr id="3" name="內容版面配置區 2"/>
-          <p:cNvSpPr>
-            <a:spLocks noGrp="1"/>
-          </p:cNvSpPr>
-          <p:nvPr>
-            <p:ph idx="1"/>
-          </p:nvPr>
-        </p:nvSpPr>
-        <p:spPr/>
-        <p:txBody>
-          <a:bodyPr/>
-          <a:lstStyle/>
-          <a:p>
+          <p:cNvPr id="5" name="矩形 4"/>
+          <p:cNvSpPr/>
+          <p:nvPr/>
+        </p:nvSpPr>
+        <p:spPr>
+          <a:xfrm>
+            <a:off x="5147416" y="550819"/>
+            <a:ext cx="1691014" cy="1139869"/>
+          </a:xfrm>
+          <a:prstGeom prst="rect">
+            <a:avLst/>
+          </a:prstGeom>
+          <a:solidFill>
+            <a:schemeClr val="accent1">
+              <a:lumMod val="50000"/>
+            </a:schemeClr>
+          </a:solidFill>
+        </p:spPr>
+        <p:style>
+          <a:lnRef idx="2">
+            <a:schemeClr val="accent1">
+              <a:shade val="50000"/>
+            </a:schemeClr>
+          </a:lnRef>
+          <a:fillRef idx="1">
+            <a:schemeClr val="accent1"/>
+          </a:fillRef>
+          <a:effectRef idx="0">
+            <a:schemeClr val="accent1"/>
+          </a:effectRef>
+          <a:fontRef idx="minor">
+            <a:schemeClr val="lt1"/>
+          </a:fontRef>
+        </p:style>
+        <p:txBody>
+          <a:bodyPr rtlCol="0" anchor="ctr"/>
+          <a:lstStyle/>
+          <a:p>
+            <a:pPr algn="ctr"/>
             <a:r>
               <a:rPr lang="en-US" altLang="zh-TW" dirty="0"/>
-              <a:t>10:['</a:t>
-            </a:r>
-            <a:r>
-              <a:rPr lang="zh-TW" altLang="en-US" dirty="0"/>
-              <a:t>慈濟</a:t>
-            </a:r>
-            <a:r>
+              <a:t>Article Vector</a:t>
+            </a:r>
+            <a:br>
               <a:rPr lang="en-US" altLang="zh-TW" dirty="0"/>
-              <a:t>', '</a:t>
-            </a:r>
-            <a:r>
-              <a:rPr lang="zh-TW" altLang="en-US" dirty="0"/>
-              <a:t>隨身</a:t>
-            </a:r>
+            </a:br>
             <a:r>
               <a:rPr lang="en-US" altLang="zh-TW" dirty="0"/>
-              <a:t>', '</a:t>
-            </a:r>
-            <a:r>
-              <a:rPr lang="zh-TW" altLang="en-US" dirty="0"/>
-              <a:t>垃圾</a:t>
-            </a:r>
+              <a:t>Computing</a:t>
+            </a:r>
+            <a:endParaRPr lang="zh-TW" altLang="en-US" dirty="0"/>
+          </a:p>
+        </p:txBody>
+      </p:sp>
+      <p:cxnSp>
+        <p:nvCxnSpPr>
+          <p:cNvPr id="6" name="直線單箭頭接點 5"/>
+          <p:cNvCxnSpPr>
+            <a:stCxn id="4" idx="3"/>
+            <a:endCxn id="11" idx="1"/>
+          </p:cNvCxnSpPr>
+          <p:nvPr/>
+        </p:nvCxnSpPr>
+        <p:spPr>
+          <a:xfrm flipV="1">
+            <a:off x="2529214" y="1120754"/>
+            <a:ext cx="463594" cy="2"/>
+          </a:xfrm>
+          <a:prstGeom prst="straightConnector1">
+            <a:avLst/>
+          </a:prstGeom>
+          <a:ln>
+            <a:tailEnd type="triangle"/>
+          </a:ln>
+        </p:spPr>
+        <p:style>
+          <a:lnRef idx="1">
+            <a:schemeClr val="accent1"/>
+          </a:lnRef>
+          <a:fillRef idx="0">
+            <a:schemeClr val="accent1"/>
+          </a:fillRef>
+          <a:effectRef idx="0">
+            <a:schemeClr val="accent1"/>
+          </a:effectRef>
+          <a:fontRef idx="minor">
+            <a:schemeClr val="tx1"/>
+          </a:fontRef>
+        </p:style>
+      </p:cxnSp>
+      <p:sp>
+        <p:nvSpPr>
+          <p:cNvPr id="7" name="矩形 6"/>
+          <p:cNvSpPr/>
+          <p:nvPr/>
+        </p:nvSpPr>
+        <p:spPr>
+          <a:xfrm>
+            <a:off x="7302024" y="550819"/>
+            <a:ext cx="1691014" cy="1139869"/>
+          </a:xfrm>
+          <a:prstGeom prst="rect">
+            <a:avLst/>
+          </a:prstGeom>
+          <a:solidFill>
+            <a:schemeClr val="accent1"/>
+          </a:solidFill>
+          <a:ln>
+            <a:solidFill>
+              <a:schemeClr val="accent1"/>
+            </a:solidFill>
+          </a:ln>
+        </p:spPr>
+        <p:style>
+          <a:lnRef idx="2">
+            <a:schemeClr val="accent1">
+              <a:shade val="50000"/>
+            </a:schemeClr>
+          </a:lnRef>
+          <a:fillRef idx="1">
+            <a:schemeClr val="accent1"/>
+          </a:fillRef>
+          <a:effectRef idx="0">
+            <a:schemeClr val="accent1"/>
+          </a:effectRef>
+          <a:fontRef idx="minor">
+            <a:schemeClr val="lt1"/>
+          </a:fontRef>
+        </p:style>
+        <p:txBody>
+          <a:bodyPr rtlCol="0" anchor="ctr"/>
+          <a:lstStyle/>
+          <a:p>
+            <a:pPr algn="ctr"/>
             <a:r>
               <a:rPr lang="en-US" altLang="zh-TW" dirty="0"/>
-              <a:t>', '</a:t>
-            </a:r>
-            <a:r>
-              <a:rPr lang="zh-TW" altLang="en-US" dirty="0"/>
-              <a:t>碟</a:t>
-            </a:r>
-            <a:r>
-              <a:rPr lang="en-US" altLang="zh-TW" dirty="0"/>
-              <a:t>', '</a:t>
-            </a:r>
-            <a:r>
-              <a:rPr lang="zh-TW" altLang="en-US" dirty="0"/>
-              <a:t>新聞</a:t>
-            </a:r>
-            <a:r>
-              <a:rPr lang="en-US" altLang="zh-TW" dirty="0"/>
-              <a:t>', '311', '</a:t>
-            </a:r>
-            <a:r>
-              <a:rPr lang="zh-TW" altLang="en-US" dirty="0"/>
-              <a:t>買</a:t>
-            </a:r>
-            <a:r>
-              <a:rPr lang="en-US" altLang="zh-TW" dirty="0"/>
-              <a:t>', '</a:t>
-            </a:r>
-            <a:r>
-              <a:rPr lang="zh-TW" altLang="en-US" dirty="0"/>
-              <a:t>回收</a:t>
-            </a:r>
-            <a:r>
-              <a:rPr lang="en-US" altLang="zh-TW" dirty="0"/>
-              <a:t>', '</a:t>
-            </a:r>
-            <a:r>
-              <a:rPr lang="zh-TW" altLang="en-US" dirty="0"/>
-              <a:t>拍</a:t>
-            </a:r>
-            <a:r>
-              <a:rPr lang="en-US" altLang="zh-TW" dirty="0" smtClean="0"/>
-              <a:t>']</a:t>
-            </a:r>
-          </a:p>
-          <a:p>
-            <a:r>
-              <a:rPr lang="en-US" altLang="zh-TW" dirty="0"/>
-              <a:t>20:['</a:t>
-            </a:r>
-            <a:r>
-              <a:rPr lang="zh-TW" altLang="en-US" dirty="0"/>
-              <a:t>慈濟</a:t>
-            </a:r>
-            <a:r>
-              <a:rPr lang="en-US" altLang="zh-TW" dirty="0"/>
-              <a:t>', '</a:t>
-            </a:r>
-            <a:r>
-              <a:rPr lang="zh-TW" altLang="en-US" dirty="0"/>
-              <a:t>隨身</a:t>
-            </a:r>
-            <a:r>
-              <a:rPr lang="en-US" altLang="zh-TW" dirty="0"/>
-              <a:t>', '</a:t>
-            </a:r>
-            <a:r>
-              <a:rPr lang="zh-TW" altLang="en-US" dirty="0"/>
-              <a:t>碟</a:t>
-            </a:r>
-            <a:r>
-              <a:rPr lang="en-US" altLang="zh-TW" dirty="0"/>
-              <a:t>', '</a:t>
-            </a:r>
-            <a:r>
-              <a:rPr lang="zh-TW" altLang="en-US" dirty="0"/>
-              <a:t>新聞</a:t>
-            </a:r>
-            <a:r>
-              <a:rPr lang="en-US" altLang="zh-TW" dirty="0"/>
-              <a:t>', '</a:t>
-            </a:r>
-            <a:r>
-              <a:rPr lang="zh-TW" altLang="en-US" dirty="0"/>
-              <a:t>垃圾</a:t>
-            </a:r>
-            <a:r>
-              <a:rPr lang="en-US" altLang="zh-TW" dirty="0"/>
-              <a:t>', '</a:t>
-            </a:r>
-            <a:r>
-              <a:rPr lang="zh-TW" altLang="en-US" dirty="0"/>
-              <a:t>回收</a:t>
-            </a:r>
-            <a:r>
-              <a:rPr lang="en-US" altLang="zh-TW" dirty="0"/>
-              <a:t>', '</a:t>
-            </a:r>
-            <a:r>
-              <a:rPr lang="zh-TW" altLang="en-US" dirty="0"/>
-              <a:t>買</a:t>
-            </a:r>
-            <a:r>
-              <a:rPr lang="en-US" altLang="zh-TW" dirty="0"/>
-              <a:t>', '</a:t>
-            </a:r>
-            <a:r>
-              <a:rPr lang="zh-TW" altLang="en-US" dirty="0"/>
-              <a:t>錢</a:t>
-            </a:r>
-            <a:r>
-              <a:rPr lang="en-US" altLang="zh-TW" dirty="0"/>
-              <a:t>', '</a:t>
-            </a:r>
-            <a:r>
-              <a:rPr lang="zh-TW" altLang="en-US" dirty="0"/>
-              <a:t>跟</a:t>
-            </a:r>
-            <a:r>
-              <a:rPr lang="en-US" altLang="zh-TW" dirty="0"/>
-              <a:t>']</a:t>
-            </a:r>
-          </a:p>
-          <a:p>
-            <a:r>
-              <a:rPr lang="en-US" altLang="zh-TW" dirty="0"/>
-              <a:t>50:['</a:t>
-            </a:r>
-            <a:r>
-              <a:rPr lang="zh-TW" altLang="en-US" dirty="0"/>
-              <a:t>慈濟</a:t>
-            </a:r>
-            <a:r>
-              <a:rPr lang="en-US" altLang="zh-TW" dirty="0"/>
-              <a:t>', '</a:t>
-            </a:r>
-            <a:r>
-              <a:rPr lang="zh-TW" altLang="en-US" dirty="0"/>
-              <a:t>新聞</a:t>
-            </a:r>
-            <a:r>
-              <a:rPr lang="en-US" altLang="zh-TW" dirty="0"/>
-              <a:t>', '</a:t>
-            </a:r>
-            <a:r>
-              <a:rPr lang="zh-TW" altLang="en-US" dirty="0"/>
-              <a:t>隨身</a:t>
-            </a:r>
-            <a:r>
-              <a:rPr lang="en-US" altLang="zh-TW" dirty="0"/>
-              <a:t>', '</a:t>
-            </a:r>
-            <a:r>
-              <a:rPr lang="zh-TW" altLang="en-US" dirty="0"/>
-              <a:t>跟</a:t>
-            </a:r>
-            <a:r>
-              <a:rPr lang="en-US" altLang="zh-TW" dirty="0"/>
-              <a:t>', '</a:t>
-            </a:r>
-            <a:r>
-              <a:rPr lang="zh-TW" altLang="en-US" dirty="0"/>
-              <a:t>碟</a:t>
-            </a:r>
-            <a:r>
-              <a:rPr lang="en-US" altLang="zh-TW" dirty="0"/>
-              <a:t>', '</a:t>
-            </a:r>
-            <a:r>
-              <a:rPr lang="zh-TW" altLang="en-US" dirty="0"/>
-              <a:t>回收</a:t>
-            </a:r>
-            <a:r>
-              <a:rPr lang="en-US" altLang="zh-TW" dirty="0"/>
-              <a:t>', '</a:t>
-            </a:r>
-            <a:r>
-              <a:rPr lang="zh-TW" altLang="en-US" dirty="0"/>
-              <a:t>大家</a:t>
-            </a:r>
-            <a:r>
-              <a:rPr lang="en-US" altLang="zh-TW" dirty="0"/>
-              <a:t>', '</a:t>
-            </a:r>
-            <a:r>
-              <a:rPr lang="zh-TW" altLang="en-US" dirty="0"/>
-              <a:t>垃圾</a:t>
-            </a:r>
-            <a:r>
-              <a:rPr lang="en-US" altLang="zh-TW" dirty="0"/>
-              <a:t>', '</a:t>
-            </a:r>
-            <a:r>
-              <a:rPr lang="zh-TW" altLang="en-US" dirty="0"/>
-              <a:t>錢</a:t>
-            </a:r>
-            <a:r>
-              <a:rPr lang="en-US" altLang="zh-TW" dirty="0"/>
-              <a:t>']</a:t>
-            </a:r>
-          </a:p>
-          <a:p>
-            <a:r>
-              <a:rPr lang="en-US" altLang="zh-TW" dirty="0"/>
-              <a:t>100:['</a:t>
-            </a:r>
-            <a:r>
-              <a:rPr lang="zh-TW" altLang="en-US" dirty="0"/>
-              <a:t>慈濟</a:t>
-            </a:r>
-            <a:r>
-              <a:rPr lang="en-US" altLang="zh-TW" dirty="0"/>
-              <a:t>', ',', '</a:t>
-            </a:r>
-            <a:r>
-              <a:rPr lang="zh-TW" altLang="en-US" dirty="0"/>
-              <a:t>新聞</a:t>
-            </a:r>
-            <a:r>
-              <a:rPr lang="en-US" altLang="zh-TW" dirty="0"/>
-              <a:t>', '</a:t>
-            </a:r>
-            <a:r>
-              <a:rPr lang="zh-TW" altLang="en-US" dirty="0"/>
-              <a:t>回收</a:t>
-            </a:r>
-            <a:r>
-              <a:rPr lang="en-US" altLang="zh-TW" dirty="0"/>
-              <a:t>', '</a:t>
-            </a:r>
-            <a:r>
-              <a:rPr lang="zh-TW" altLang="en-US" dirty="0"/>
-              <a:t>跟</a:t>
-            </a:r>
-            <a:r>
-              <a:rPr lang="en-US" altLang="zh-TW" dirty="0"/>
-              <a:t>', '</a:t>
-            </a:r>
-            <a:r>
-              <a:rPr lang="zh-TW" altLang="en-US" dirty="0"/>
-              <a:t>錢</a:t>
-            </a:r>
-            <a:r>
-              <a:rPr lang="en-US" altLang="zh-TW" dirty="0"/>
-              <a:t>', '</a:t>
-            </a:r>
-            <a:r>
-              <a:rPr lang="zh-TW" altLang="en-US" dirty="0"/>
-              <a:t>大家</a:t>
-            </a:r>
-            <a:r>
-              <a:rPr lang="en-US" altLang="zh-TW" dirty="0"/>
-              <a:t>', '</a:t>
-            </a:r>
-            <a:r>
-              <a:rPr lang="zh-TW" altLang="en-US" dirty="0"/>
-              <a:t>隨身</a:t>
-            </a:r>
-            <a:r>
-              <a:rPr lang="en-US" altLang="zh-TW" dirty="0"/>
-              <a:t>', '</a:t>
-            </a:r>
-            <a:r>
-              <a:rPr lang="zh-TW" altLang="en-US" dirty="0"/>
-              <a:t>完整</a:t>
-            </a:r>
-            <a:r>
-              <a:rPr lang="en-US" altLang="zh-TW" dirty="0"/>
-              <a:t>']</a:t>
+              <a:t>Clustering</a:t>
             </a:r>
             <a:endParaRPr lang="zh-TW" altLang="en-US" dirty="0"/>
           </a:p>
         </p:txBody>
       </p:sp>
+      <p:cxnSp>
+        <p:nvCxnSpPr>
+          <p:cNvPr id="8" name="直線單箭頭接點 7"/>
+          <p:cNvCxnSpPr>
+            <a:stCxn id="5" idx="3"/>
+            <a:endCxn id="7" idx="1"/>
+          </p:cNvCxnSpPr>
+          <p:nvPr/>
+        </p:nvCxnSpPr>
+        <p:spPr>
+          <a:xfrm>
+            <a:off x="6838430" y="1120754"/>
+            <a:ext cx="463594" cy="0"/>
+          </a:xfrm>
+          <a:prstGeom prst="straightConnector1">
+            <a:avLst/>
+          </a:prstGeom>
+          <a:ln>
+            <a:tailEnd type="triangle"/>
+          </a:ln>
+        </p:spPr>
+        <p:style>
+          <a:lnRef idx="1">
+            <a:schemeClr val="accent1"/>
+          </a:lnRef>
+          <a:fillRef idx="0">
+            <a:schemeClr val="accent1"/>
+          </a:fillRef>
+          <a:effectRef idx="0">
+            <a:schemeClr val="accent1"/>
+          </a:effectRef>
+          <a:fontRef idx="minor">
+            <a:schemeClr val="tx1"/>
+          </a:fontRef>
+        </p:style>
+      </p:cxnSp>
+      <p:sp>
+        <p:nvSpPr>
+          <p:cNvPr id="9" name="矩形 8"/>
+          <p:cNvSpPr/>
+          <p:nvPr/>
+        </p:nvSpPr>
+        <p:spPr>
+          <a:xfrm>
+            <a:off x="9456632" y="550819"/>
+            <a:ext cx="1691014" cy="1139869"/>
+          </a:xfrm>
+          <a:prstGeom prst="rect">
+            <a:avLst/>
+          </a:prstGeom>
+          <a:solidFill>
+            <a:schemeClr val="accent1">
+              <a:lumMod val="50000"/>
+            </a:schemeClr>
+          </a:solidFill>
+        </p:spPr>
+        <p:style>
+          <a:lnRef idx="2">
+            <a:schemeClr val="accent1">
+              <a:shade val="50000"/>
+            </a:schemeClr>
+          </a:lnRef>
+          <a:fillRef idx="1">
+            <a:schemeClr val="accent1"/>
+          </a:fillRef>
+          <a:effectRef idx="0">
+            <a:schemeClr val="accent1"/>
+          </a:effectRef>
+          <a:fontRef idx="minor">
+            <a:schemeClr val="lt1"/>
+          </a:fontRef>
+        </p:style>
+        <p:txBody>
+          <a:bodyPr rtlCol="0" anchor="ctr"/>
+          <a:lstStyle/>
+          <a:p>
+            <a:pPr algn="ctr"/>
+            <a:r>
+              <a:rPr lang="en-US" altLang="zh-TW" dirty="0" smtClean="0"/>
+              <a:t>Hotness Computing</a:t>
+            </a:r>
+            <a:endParaRPr lang="zh-TW" altLang="en-US" dirty="0"/>
+          </a:p>
+        </p:txBody>
+      </p:sp>
+      <p:cxnSp>
+        <p:nvCxnSpPr>
+          <p:cNvPr id="10" name="直線單箭頭接點 9"/>
+          <p:cNvCxnSpPr>
+            <a:stCxn id="7" idx="3"/>
+            <a:endCxn id="9" idx="1"/>
+          </p:cNvCxnSpPr>
+          <p:nvPr/>
+        </p:nvCxnSpPr>
+        <p:spPr>
+          <a:xfrm>
+            <a:off x="8993038" y="1120754"/>
+            <a:ext cx="463594" cy="0"/>
+          </a:xfrm>
+          <a:prstGeom prst="straightConnector1">
+            <a:avLst/>
+          </a:prstGeom>
+          <a:ln>
+            <a:tailEnd type="triangle"/>
+          </a:ln>
+        </p:spPr>
+        <p:style>
+          <a:lnRef idx="1">
+            <a:schemeClr val="accent1"/>
+          </a:lnRef>
+          <a:fillRef idx="0">
+            <a:schemeClr val="accent1"/>
+          </a:fillRef>
+          <a:effectRef idx="0">
+            <a:schemeClr val="accent1"/>
+          </a:effectRef>
+          <a:fontRef idx="minor">
+            <a:schemeClr val="tx1"/>
+          </a:fontRef>
+        </p:style>
+      </p:cxnSp>
+      <p:sp>
+        <p:nvSpPr>
+          <p:cNvPr id="11" name="矩形 10"/>
+          <p:cNvSpPr/>
+          <p:nvPr/>
+        </p:nvSpPr>
+        <p:spPr>
+          <a:xfrm>
+            <a:off x="2992808" y="550819"/>
+            <a:ext cx="1691014" cy="1139869"/>
+          </a:xfrm>
+          <a:prstGeom prst="rect">
+            <a:avLst/>
+          </a:prstGeom>
+          <a:solidFill>
+            <a:schemeClr val="accent1">
+              <a:lumMod val="50000"/>
+            </a:schemeClr>
+          </a:solidFill>
+        </p:spPr>
+        <p:style>
+          <a:lnRef idx="2">
+            <a:schemeClr val="accent1">
+              <a:shade val="50000"/>
+            </a:schemeClr>
+          </a:lnRef>
+          <a:fillRef idx="1">
+            <a:schemeClr val="accent1"/>
+          </a:fillRef>
+          <a:effectRef idx="0">
+            <a:schemeClr val="accent1"/>
+          </a:effectRef>
+          <a:fontRef idx="minor">
+            <a:schemeClr val="lt1"/>
+          </a:fontRef>
+        </p:style>
+        <p:txBody>
+          <a:bodyPr rtlCol="0" anchor="ctr"/>
+          <a:lstStyle/>
+          <a:p>
+            <a:pPr algn="ctr"/>
+            <a:r>
+              <a:rPr lang="en-US" altLang="zh-TW" dirty="0" smtClean="0"/>
+              <a:t>Keyword</a:t>
+            </a:r>
+            <a:br>
+              <a:rPr lang="en-US" altLang="zh-TW" dirty="0" smtClean="0"/>
+            </a:br>
+            <a:r>
+              <a:rPr lang="en-US" altLang="zh-TW" dirty="0" smtClean="0"/>
+              <a:t>Selection</a:t>
+            </a:r>
+          </a:p>
+        </p:txBody>
+      </p:sp>
+      <p:cxnSp>
+        <p:nvCxnSpPr>
+          <p:cNvPr id="12" name="直線單箭頭接點 11"/>
+          <p:cNvCxnSpPr>
+            <a:stCxn id="11" idx="3"/>
+            <a:endCxn id="5" idx="1"/>
+          </p:cNvCxnSpPr>
+          <p:nvPr/>
+        </p:nvCxnSpPr>
+        <p:spPr>
+          <a:xfrm>
+            <a:off x="4683822" y="1120754"/>
+            <a:ext cx="463594" cy="0"/>
+          </a:xfrm>
+          <a:prstGeom prst="straightConnector1">
+            <a:avLst/>
+          </a:prstGeom>
+          <a:ln>
+            <a:tailEnd type="triangle"/>
+          </a:ln>
+        </p:spPr>
+        <p:style>
+          <a:lnRef idx="1">
+            <a:schemeClr val="accent1"/>
+          </a:lnRef>
+          <a:fillRef idx="0">
+            <a:schemeClr val="accent1"/>
+          </a:fillRef>
+          <a:effectRef idx="0">
+            <a:schemeClr val="accent1"/>
+          </a:effectRef>
+          <a:fontRef idx="minor">
+            <a:schemeClr val="tx1"/>
+          </a:fontRef>
+        </p:style>
+      </p:cxnSp>
     </p:spTree>
     <p:extLst>
       <p:ext uri="{BB962C8B-B14F-4D97-AF65-F5344CB8AC3E}">
-        <p14:creationId xmlns:p14="http://schemas.microsoft.com/office/powerpoint/2010/main" val="1943087105"/>
+        <p14:creationId xmlns:p14="http://schemas.microsoft.com/office/powerpoint/2010/main" val="1994891475"/>
       </p:ext>
     </p:extLst>
   </p:cSld>
   <p:clrMapOvr>
     <a:masterClrMapping/>
   </p:clrMapOvr>
+  <p:timing>
+    <p:tnLst>
+      <p:par>
+        <p:cTn id="1" dur="indefinite" restart="never" nodeType="tmRoot"/>
+      </p:par>
+    </p:tnLst>
+  </p:timing>
 </p:sld>
 </file>
 
@@ -5977,342 +5682,475 @@
           <a:lstStyle/>
           <a:p>
             <a:r>
-              <a:rPr lang="en-US" altLang="zh-TW" dirty="0" smtClean="0"/>
-              <a:t>LDA</a:t>
-            </a:r>
-            <a:r>
-              <a:rPr lang="zh-TW" altLang="en-US" dirty="0" smtClean="0"/>
-              <a:t>實驗結果 </a:t>
-            </a:r>
-            <a:r>
-              <a:rPr lang="en-US" altLang="zh-TW" dirty="0" smtClean="0"/>
-              <a:t>–</a:t>
-            </a:r>
-            <a:r>
-              <a:rPr lang="zh-TW" altLang="en-US" dirty="0" smtClean="0"/>
-              <a:t> 其他討論串</a:t>
-            </a:r>
-            <a:endParaRPr lang="zh-TW" altLang="en-US" dirty="0"/>
-          </a:p>
-        </p:txBody>
-      </p:sp>
-      <p:sp>
-        <p:nvSpPr>
-          <p:cNvPr id="3" name="內容版面配置區 2"/>
-          <p:cNvSpPr>
-            <a:spLocks noGrp="1"/>
-          </p:cNvSpPr>
-          <p:nvPr>
-            <p:ph idx="1"/>
-          </p:nvPr>
-        </p:nvSpPr>
-        <p:spPr/>
-        <p:txBody>
-          <a:bodyPr>
-            <a:normAutofit/>
-          </a:bodyPr>
-          <a:lstStyle/>
-          <a:p>
-            <a:r>
-              <a:rPr lang="zh-TW" altLang="en-US" dirty="0"/>
-              <a:t>系上邊緣人的一天 </a:t>
-            </a:r>
-            <a:r>
-              <a:rPr lang="en-US" altLang="zh-TW" dirty="0"/>
-              <a:t>: </a:t>
-            </a:r>
-            <a:r>
-              <a:rPr lang="en-US" altLang="zh-TW" dirty="0" smtClean="0"/>
-              <a:t>68</a:t>
-            </a:r>
-          </a:p>
-          <a:p>
-            <a:pPr marL="457200" lvl="1" indent="0">
-              <a:buNone/>
-            </a:pPr>
-            <a:r>
-              <a:rPr lang="en-US" altLang="zh-TW" dirty="0" smtClean="0"/>
-              <a:t>['</a:t>
-            </a:r>
-            <a:r>
-              <a:rPr lang="zh-TW" altLang="en-US" dirty="0"/>
-              <a:t>邊緣</a:t>
-            </a:r>
-            <a:r>
-              <a:rPr lang="en-US" altLang="zh-TW" dirty="0"/>
-              <a:t>', '</a:t>
-            </a:r>
-            <a:r>
-              <a:rPr lang="zh-TW" altLang="en-US" dirty="0"/>
-              <a:t>跟</a:t>
-            </a:r>
-            <a:r>
-              <a:rPr lang="en-US" altLang="zh-TW" dirty="0"/>
-              <a:t>', '</a:t>
-            </a:r>
-            <a:r>
-              <a:rPr lang="zh-TW" altLang="en-US" dirty="0"/>
-              <a:t>一天</a:t>
-            </a:r>
-            <a:r>
-              <a:rPr lang="en-US" altLang="zh-TW" dirty="0"/>
-              <a:t>', '</a:t>
-            </a:r>
-            <a:r>
-              <a:rPr lang="zh-TW" altLang="en-US" dirty="0"/>
-              <a:t>系上</a:t>
-            </a:r>
-            <a:r>
-              <a:rPr lang="en-US" altLang="zh-TW" dirty="0"/>
-              <a:t>', '</a:t>
-            </a:r>
-            <a:r>
-              <a:rPr lang="zh-TW" altLang="en-US" dirty="0"/>
-              <a:t>吃</a:t>
-            </a:r>
-            <a:r>
-              <a:rPr lang="en-US" altLang="zh-TW" dirty="0"/>
-              <a:t>', '</a:t>
-            </a:r>
-            <a:r>
-              <a:rPr lang="zh-TW" altLang="en-US" dirty="0"/>
-              <a:t>一個</a:t>
-            </a:r>
-            <a:r>
-              <a:rPr lang="en-US" altLang="zh-TW" dirty="0"/>
-              <a:t>', '</a:t>
-            </a:r>
-            <a:r>
-              <a:rPr lang="zh-TW" altLang="en-US" dirty="0"/>
-              <a:t>知道</a:t>
-            </a:r>
-            <a:r>
-              <a:rPr lang="en-US" altLang="zh-TW" dirty="0"/>
-              <a:t>', '</a:t>
-            </a:r>
-            <a:r>
-              <a:rPr lang="zh-TW" altLang="en-US" dirty="0"/>
-              <a:t>課</a:t>
-            </a:r>
-            <a:r>
-              <a:rPr lang="en-US" altLang="zh-TW" dirty="0"/>
-              <a:t>', '</a:t>
-            </a:r>
-            <a:r>
-              <a:rPr lang="zh-TW" altLang="en-US" dirty="0"/>
-              <a:t>時候</a:t>
-            </a:r>
-            <a:r>
-              <a:rPr lang="en-US" altLang="zh-TW" dirty="0"/>
-              <a:t>']</a:t>
-            </a:r>
-          </a:p>
-          <a:p>
-            <a:endParaRPr lang="en-US" altLang="zh-TW" dirty="0" smtClean="0"/>
-          </a:p>
-          <a:p>
-            <a:r>
-              <a:rPr lang="zh-TW" altLang="en-US" dirty="0" smtClean="0"/>
-              <a:t>和田光司</a:t>
-            </a:r>
-            <a:r>
-              <a:rPr lang="en-US" altLang="zh-TW" dirty="0" smtClean="0"/>
-              <a:t>:</a:t>
-            </a:r>
-            <a:r>
               <a:rPr lang="zh-TW" altLang="en-US" dirty="0" smtClean="0"/>
               <a:t> </a:t>
             </a:r>
-            <a:r>
-              <a:rPr lang="en-US" altLang="zh-TW" dirty="0" smtClean="0"/>
-              <a:t>9</a:t>
-            </a:r>
-          </a:p>
-          <a:p>
-            <a:pPr marL="457200" lvl="1" indent="0">
-              <a:buNone/>
-            </a:pPr>
-            <a:r>
-              <a:rPr lang="en-US" altLang="zh-TW" dirty="0" smtClean="0"/>
-              <a:t>['</a:t>
-            </a:r>
-            <a:r>
-              <a:rPr lang="zh-TW" altLang="en-US" dirty="0"/>
-              <a:t>和田</a:t>
-            </a:r>
+            <a:endParaRPr lang="zh-TW" altLang="en-US" dirty="0"/>
+          </a:p>
+        </p:txBody>
+      </p:sp>
+      <p:sp>
+        <p:nvSpPr>
+          <p:cNvPr id="3" name="內容版面配置區 2"/>
+          <p:cNvSpPr>
+            <a:spLocks noGrp="1"/>
+          </p:cNvSpPr>
+          <p:nvPr>
+            <p:ph idx="1"/>
+          </p:nvPr>
+        </p:nvSpPr>
+        <p:spPr/>
+        <p:txBody>
+          <a:bodyPr/>
+          <a:lstStyle/>
+          <a:p>
+            <a:endParaRPr lang="en-US" altLang="zh-TW" dirty="0" smtClean="0"/>
+          </a:p>
+          <a:p>
+            <a:r>
+              <a:rPr lang="en-US" altLang="zh-TW" dirty="0" smtClean="0"/>
+              <a:t>(</a:t>
+            </a:r>
+            <a:r>
+              <a:rPr lang="zh-TW" altLang="en-US" dirty="0" smtClean="0"/>
+              <a:t>未實作</a:t>
+            </a:r>
+            <a:r>
+              <a:rPr lang="en-US" altLang="zh-TW" dirty="0" smtClean="0"/>
+              <a:t>)</a:t>
+            </a:r>
+          </a:p>
+          <a:p>
+            <a:r>
+              <a:rPr lang="zh-TW" altLang="en-US" dirty="0" smtClean="0"/>
+              <a:t>統計話題內各文章的推噓文計算熱度</a:t>
+            </a:r>
+            <a:endParaRPr lang="en-US" altLang="zh-TW" dirty="0" smtClean="0"/>
+          </a:p>
+        </p:txBody>
+      </p:sp>
+      <p:sp>
+        <p:nvSpPr>
+          <p:cNvPr id="4" name="矩形 3"/>
+          <p:cNvSpPr/>
+          <p:nvPr/>
+        </p:nvSpPr>
+        <p:spPr>
+          <a:xfrm>
+            <a:off x="838200" y="550821"/>
+            <a:ext cx="1691014" cy="1139869"/>
+          </a:xfrm>
+          <a:prstGeom prst="rect">
+            <a:avLst/>
+          </a:prstGeom>
+          <a:solidFill>
+            <a:schemeClr val="accent1">
+              <a:lumMod val="50000"/>
+            </a:schemeClr>
+          </a:solidFill>
+        </p:spPr>
+        <p:style>
+          <a:lnRef idx="2">
+            <a:schemeClr val="accent1">
+              <a:shade val="50000"/>
+            </a:schemeClr>
+          </a:lnRef>
+          <a:fillRef idx="1">
+            <a:schemeClr val="accent1"/>
+          </a:fillRef>
+          <a:effectRef idx="0">
+            <a:schemeClr val="accent1"/>
+          </a:effectRef>
+          <a:fontRef idx="minor">
+            <a:schemeClr val="lt1"/>
+          </a:fontRef>
+        </p:style>
+        <p:txBody>
+          <a:bodyPr rtlCol="0" anchor="ctr"/>
+          <a:lstStyle/>
+          <a:p>
+            <a:pPr algn="ctr"/>
+            <a:r>
+              <a:rPr lang="en-US" altLang="zh-TW" dirty="0" smtClean="0"/>
+              <a:t>Articles</a:t>
+            </a:r>
+            <a:endParaRPr lang="zh-TW" altLang="en-US" dirty="0"/>
+          </a:p>
+        </p:txBody>
+      </p:sp>
+      <p:sp>
+        <p:nvSpPr>
+          <p:cNvPr id="5" name="矩形 4"/>
+          <p:cNvSpPr/>
+          <p:nvPr/>
+        </p:nvSpPr>
+        <p:spPr>
+          <a:xfrm>
+            <a:off x="5147416" y="550819"/>
+            <a:ext cx="1691014" cy="1139869"/>
+          </a:xfrm>
+          <a:prstGeom prst="rect">
+            <a:avLst/>
+          </a:prstGeom>
+          <a:solidFill>
+            <a:schemeClr val="accent1">
+              <a:lumMod val="50000"/>
+            </a:schemeClr>
+          </a:solidFill>
+        </p:spPr>
+        <p:style>
+          <a:lnRef idx="2">
+            <a:schemeClr val="accent1">
+              <a:shade val="50000"/>
+            </a:schemeClr>
+          </a:lnRef>
+          <a:fillRef idx="1">
+            <a:schemeClr val="accent1"/>
+          </a:fillRef>
+          <a:effectRef idx="0">
+            <a:schemeClr val="accent1"/>
+          </a:effectRef>
+          <a:fontRef idx="minor">
+            <a:schemeClr val="lt1"/>
+          </a:fontRef>
+        </p:style>
+        <p:txBody>
+          <a:bodyPr rtlCol="0" anchor="ctr"/>
+          <a:lstStyle/>
+          <a:p>
+            <a:pPr algn="ctr"/>
             <a:r>
               <a:rPr lang="en-US" altLang="zh-TW" dirty="0"/>
-              <a:t>', '</a:t>
-            </a:r>
-            <a:r>
-              <a:rPr lang="zh-TW" altLang="en-US" dirty="0"/>
-              <a:t>光司</a:t>
-            </a:r>
-            <a:r>
+              <a:t>Article Vector</a:t>
+            </a:r>
+            <a:br>
               <a:rPr lang="en-US" altLang="zh-TW" dirty="0"/>
-              <a:t>', '</a:t>
-            </a:r>
-            <a:r>
-              <a:rPr lang="zh-TW" altLang="en-US" dirty="0"/>
-              <a:t>數碼</a:t>
-            </a:r>
+            </a:br>
             <a:r>
               <a:rPr lang="en-US" altLang="zh-TW" dirty="0"/>
-              <a:t>', '</a:t>
-            </a:r>
-            <a:r>
-              <a:rPr lang="zh-TW" altLang="en-US" dirty="0"/>
-              <a:t>寶貝</a:t>
-            </a:r>
+              <a:t>Computing</a:t>
+            </a:r>
+            <a:endParaRPr lang="zh-TW" altLang="en-US" dirty="0"/>
+          </a:p>
+        </p:txBody>
+      </p:sp>
+      <p:cxnSp>
+        <p:nvCxnSpPr>
+          <p:cNvPr id="6" name="直線單箭頭接點 5"/>
+          <p:cNvCxnSpPr>
+            <a:stCxn id="4" idx="3"/>
+            <a:endCxn id="11" idx="1"/>
+          </p:cNvCxnSpPr>
+          <p:nvPr/>
+        </p:nvCxnSpPr>
+        <p:spPr>
+          <a:xfrm flipV="1">
+            <a:off x="2529214" y="1120754"/>
+            <a:ext cx="463594" cy="2"/>
+          </a:xfrm>
+          <a:prstGeom prst="straightConnector1">
+            <a:avLst/>
+          </a:prstGeom>
+          <a:ln>
+            <a:tailEnd type="triangle"/>
+          </a:ln>
+        </p:spPr>
+        <p:style>
+          <a:lnRef idx="1">
+            <a:schemeClr val="accent1"/>
+          </a:lnRef>
+          <a:fillRef idx="0">
+            <a:schemeClr val="accent1"/>
+          </a:fillRef>
+          <a:effectRef idx="0">
+            <a:schemeClr val="accent1"/>
+          </a:effectRef>
+          <a:fontRef idx="minor">
+            <a:schemeClr val="tx1"/>
+          </a:fontRef>
+        </p:style>
+      </p:cxnSp>
+      <p:sp>
+        <p:nvSpPr>
+          <p:cNvPr id="7" name="矩形 6"/>
+          <p:cNvSpPr/>
+          <p:nvPr/>
+        </p:nvSpPr>
+        <p:spPr>
+          <a:xfrm>
+            <a:off x="7302024" y="550819"/>
+            <a:ext cx="1691014" cy="1139869"/>
+          </a:xfrm>
+          <a:prstGeom prst="rect">
+            <a:avLst/>
+          </a:prstGeom>
+          <a:solidFill>
+            <a:schemeClr val="accent1">
+              <a:lumMod val="50000"/>
+            </a:schemeClr>
+          </a:solidFill>
+          <a:ln>
+            <a:solidFill>
+              <a:schemeClr val="accent1"/>
+            </a:solidFill>
+          </a:ln>
+        </p:spPr>
+        <p:style>
+          <a:lnRef idx="2">
+            <a:schemeClr val="accent1">
+              <a:shade val="50000"/>
+            </a:schemeClr>
+          </a:lnRef>
+          <a:fillRef idx="1">
+            <a:schemeClr val="accent1"/>
+          </a:fillRef>
+          <a:effectRef idx="0">
+            <a:schemeClr val="accent1"/>
+          </a:effectRef>
+          <a:fontRef idx="minor">
+            <a:schemeClr val="lt1"/>
+          </a:fontRef>
+        </p:style>
+        <p:txBody>
+          <a:bodyPr rtlCol="0" anchor="ctr"/>
+          <a:lstStyle/>
+          <a:p>
+            <a:pPr algn="ctr"/>
             <a:r>
               <a:rPr lang="en-US" altLang="zh-TW" dirty="0"/>
-              <a:t>', '</a:t>
-            </a:r>
-            <a:r>
-              <a:rPr lang="ja-JP" altLang="en-US" dirty="0"/>
-              <a:t>ウ</a:t>
-            </a:r>
-            <a:r>
-              <a:rPr lang="en-US" altLang="ja-JP" dirty="0"/>
-              <a:t>', '◤', '</a:t>
-            </a:r>
-            <a:r>
-              <a:rPr lang="ja-JP" altLang="en-US" dirty="0"/>
-              <a:t>ベ</a:t>
-            </a:r>
-            <a:r>
-              <a:rPr lang="en-US" altLang="ja-JP" dirty="0"/>
-              <a:t>', '</a:t>
-            </a:r>
-            <a:r>
-              <a:rPr lang="en-US" altLang="zh-TW" dirty="0"/>
-              <a:t>OP', '</a:t>
-            </a:r>
-            <a:r>
-              <a:rPr lang="zh-TW" altLang="en-US" dirty="0"/>
-              <a:t>聽</a:t>
-            </a:r>
-            <a:r>
-              <a:rPr lang="en-US" altLang="zh-TW" dirty="0" smtClean="0"/>
-              <a:t>']</a:t>
-            </a:r>
-          </a:p>
-          <a:p>
-            <a:pPr lvl="1"/>
-            <a:endParaRPr lang="en-US" altLang="zh-TW" dirty="0"/>
-          </a:p>
-          <a:p>
-            <a:r>
-              <a:rPr lang="zh-TW" altLang="en-US" dirty="0"/>
-              <a:t>林鳳營 </a:t>
-            </a:r>
-            <a:r>
-              <a:rPr lang="en-US" altLang="zh-TW" dirty="0"/>
-              <a:t>: </a:t>
-            </a:r>
-            <a:r>
-              <a:rPr lang="en-US" altLang="zh-TW" dirty="0" smtClean="0"/>
-              <a:t>200</a:t>
-            </a:r>
-          </a:p>
-          <a:p>
-            <a:pPr lvl="1"/>
-            <a:r>
-              <a:rPr lang="en-US" altLang="zh-TW" dirty="0"/>
-              <a:t>['</a:t>
-            </a:r>
-            <a:r>
-              <a:rPr lang="zh-TW" altLang="en-US" dirty="0"/>
-              <a:t>林鳳營</a:t>
-            </a:r>
-            <a:r>
-              <a:rPr lang="en-US" altLang="zh-TW" dirty="0"/>
-              <a:t>', '</a:t>
-            </a:r>
-            <a:r>
-              <a:rPr lang="zh-TW" altLang="en-US" dirty="0"/>
-              <a:t>味全</a:t>
-            </a:r>
-            <a:r>
-              <a:rPr lang="en-US" altLang="zh-TW" dirty="0"/>
-              <a:t>', '</a:t>
-            </a:r>
-            <a:r>
-              <a:rPr lang="zh-TW" altLang="en-US" dirty="0"/>
-              <a:t>買</a:t>
-            </a:r>
-            <a:r>
-              <a:rPr lang="en-US" altLang="zh-TW" dirty="0"/>
-              <a:t>', '</a:t>
-            </a:r>
-            <a:r>
-              <a:rPr lang="zh-TW" altLang="en-US" dirty="0"/>
-              <a:t>秒</a:t>
-            </a:r>
-            <a:r>
-              <a:rPr lang="en-US" altLang="zh-TW" dirty="0"/>
-              <a:t>', '</a:t>
-            </a:r>
-            <a:r>
-              <a:rPr lang="zh-TW" altLang="en-US" dirty="0"/>
-              <a:t>退</a:t>
-            </a:r>
-            <a:r>
-              <a:rPr lang="en-US" altLang="zh-TW" dirty="0"/>
-              <a:t>', '</a:t>
-            </a:r>
-            <a:r>
-              <a:rPr lang="zh-TW" altLang="en-US" dirty="0"/>
-              <a:t>網友</a:t>
-            </a:r>
-            <a:r>
-              <a:rPr lang="en-US" altLang="zh-TW" dirty="0"/>
-              <a:t>', '</a:t>
-            </a:r>
-            <a:r>
-              <a:rPr lang="zh-TW" altLang="en-US" dirty="0"/>
-              <a:t>跟</a:t>
-            </a:r>
-            <a:r>
-              <a:rPr lang="en-US" altLang="zh-TW" dirty="0"/>
-              <a:t>', '</a:t>
-            </a:r>
-            <a:r>
-              <a:rPr lang="zh-TW" altLang="en-US" dirty="0"/>
-              <a:t>新</a:t>
-            </a:r>
-            <a:r>
-              <a:rPr lang="en-US" altLang="zh-TW" dirty="0"/>
-              <a:t>', '</a:t>
-            </a:r>
-            <a:r>
-              <a:rPr lang="zh-TW" altLang="en-US" dirty="0"/>
-              <a:t>頂</a:t>
-            </a:r>
-            <a:r>
-              <a:rPr lang="en-US" altLang="zh-TW" dirty="0"/>
-              <a:t>']</a:t>
-            </a:r>
-            <a:endParaRPr lang="en-US" altLang="zh-TW" dirty="0" smtClean="0"/>
-          </a:p>
-          <a:p>
-            <a:pPr marL="457200" lvl="1" indent="0">
-              <a:buNone/>
-            </a:pPr>
-            <a:endParaRPr lang="en-US" altLang="zh-TW" dirty="0"/>
-          </a:p>
-        </p:txBody>
-      </p:sp>
+              <a:t>Clustering</a:t>
+            </a:r>
+            <a:endParaRPr lang="zh-TW" altLang="en-US" dirty="0"/>
+          </a:p>
+        </p:txBody>
+      </p:sp>
+      <p:cxnSp>
+        <p:nvCxnSpPr>
+          <p:cNvPr id="8" name="直線單箭頭接點 7"/>
+          <p:cNvCxnSpPr>
+            <a:stCxn id="5" idx="3"/>
+            <a:endCxn id="7" idx="1"/>
+          </p:cNvCxnSpPr>
+          <p:nvPr/>
+        </p:nvCxnSpPr>
+        <p:spPr>
+          <a:xfrm>
+            <a:off x="6838430" y="1120754"/>
+            <a:ext cx="463594" cy="0"/>
+          </a:xfrm>
+          <a:prstGeom prst="straightConnector1">
+            <a:avLst/>
+          </a:prstGeom>
+          <a:ln>
+            <a:tailEnd type="triangle"/>
+          </a:ln>
+        </p:spPr>
+        <p:style>
+          <a:lnRef idx="1">
+            <a:schemeClr val="accent1"/>
+          </a:lnRef>
+          <a:fillRef idx="0">
+            <a:schemeClr val="accent1"/>
+          </a:fillRef>
+          <a:effectRef idx="0">
+            <a:schemeClr val="accent1"/>
+          </a:effectRef>
+          <a:fontRef idx="minor">
+            <a:schemeClr val="tx1"/>
+          </a:fontRef>
+        </p:style>
+      </p:cxnSp>
+      <p:sp>
+        <p:nvSpPr>
+          <p:cNvPr id="9" name="矩形 8"/>
+          <p:cNvSpPr/>
+          <p:nvPr/>
+        </p:nvSpPr>
+        <p:spPr>
+          <a:xfrm>
+            <a:off x="9456632" y="550819"/>
+            <a:ext cx="1691014" cy="1139869"/>
+          </a:xfrm>
+          <a:prstGeom prst="rect">
+            <a:avLst/>
+          </a:prstGeom>
+          <a:solidFill>
+            <a:schemeClr val="accent1"/>
+          </a:solidFill>
+        </p:spPr>
+        <p:style>
+          <a:lnRef idx="2">
+            <a:schemeClr val="accent1">
+              <a:shade val="50000"/>
+            </a:schemeClr>
+          </a:lnRef>
+          <a:fillRef idx="1">
+            <a:schemeClr val="accent1"/>
+          </a:fillRef>
+          <a:effectRef idx="0">
+            <a:schemeClr val="accent1"/>
+          </a:effectRef>
+          <a:fontRef idx="minor">
+            <a:schemeClr val="lt1"/>
+          </a:fontRef>
+        </p:style>
+        <p:txBody>
+          <a:bodyPr rtlCol="0" anchor="ctr"/>
+          <a:lstStyle/>
+          <a:p>
+            <a:pPr algn="ctr"/>
+            <a:r>
+              <a:rPr lang="en-US" altLang="zh-TW" dirty="0" smtClean="0"/>
+              <a:t>Hotness Computing</a:t>
+            </a:r>
+            <a:endParaRPr lang="zh-TW" altLang="en-US" dirty="0"/>
+          </a:p>
+        </p:txBody>
+      </p:sp>
+      <p:cxnSp>
+        <p:nvCxnSpPr>
+          <p:cNvPr id="10" name="直線單箭頭接點 9"/>
+          <p:cNvCxnSpPr>
+            <a:stCxn id="7" idx="3"/>
+            <a:endCxn id="9" idx="1"/>
+          </p:cNvCxnSpPr>
+          <p:nvPr/>
+        </p:nvCxnSpPr>
+        <p:spPr>
+          <a:xfrm>
+            <a:off x="8993038" y="1120754"/>
+            <a:ext cx="463594" cy="0"/>
+          </a:xfrm>
+          <a:prstGeom prst="straightConnector1">
+            <a:avLst/>
+          </a:prstGeom>
+          <a:ln>
+            <a:tailEnd type="triangle"/>
+          </a:ln>
+        </p:spPr>
+        <p:style>
+          <a:lnRef idx="1">
+            <a:schemeClr val="accent1"/>
+          </a:lnRef>
+          <a:fillRef idx="0">
+            <a:schemeClr val="accent1"/>
+          </a:fillRef>
+          <a:effectRef idx="0">
+            <a:schemeClr val="accent1"/>
+          </a:effectRef>
+          <a:fontRef idx="minor">
+            <a:schemeClr val="tx1"/>
+          </a:fontRef>
+        </p:style>
+      </p:cxnSp>
+      <p:sp>
+        <p:nvSpPr>
+          <p:cNvPr id="11" name="矩形 10"/>
+          <p:cNvSpPr/>
+          <p:nvPr/>
+        </p:nvSpPr>
+        <p:spPr>
+          <a:xfrm>
+            <a:off x="2992808" y="550819"/>
+            <a:ext cx="1691014" cy="1139869"/>
+          </a:xfrm>
+          <a:prstGeom prst="rect">
+            <a:avLst/>
+          </a:prstGeom>
+          <a:solidFill>
+            <a:schemeClr val="accent1">
+              <a:lumMod val="50000"/>
+            </a:schemeClr>
+          </a:solidFill>
+        </p:spPr>
+        <p:style>
+          <a:lnRef idx="2">
+            <a:schemeClr val="accent1">
+              <a:shade val="50000"/>
+            </a:schemeClr>
+          </a:lnRef>
+          <a:fillRef idx="1">
+            <a:schemeClr val="accent1"/>
+          </a:fillRef>
+          <a:effectRef idx="0">
+            <a:schemeClr val="accent1"/>
+          </a:effectRef>
+          <a:fontRef idx="minor">
+            <a:schemeClr val="lt1"/>
+          </a:fontRef>
+        </p:style>
+        <p:txBody>
+          <a:bodyPr rtlCol="0" anchor="ctr"/>
+          <a:lstStyle/>
+          <a:p>
+            <a:pPr algn="ctr"/>
+            <a:r>
+              <a:rPr lang="en-US" altLang="zh-TW" dirty="0" smtClean="0"/>
+              <a:t>Keyword</a:t>
+            </a:r>
+            <a:br>
+              <a:rPr lang="en-US" altLang="zh-TW" dirty="0" smtClean="0"/>
+            </a:br>
+            <a:r>
+              <a:rPr lang="en-US" altLang="zh-TW" dirty="0" smtClean="0"/>
+              <a:t>Selection</a:t>
+            </a:r>
+          </a:p>
+        </p:txBody>
+      </p:sp>
+      <p:cxnSp>
+        <p:nvCxnSpPr>
+          <p:cNvPr id="12" name="直線單箭頭接點 11"/>
+          <p:cNvCxnSpPr>
+            <a:stCxn id="11" idx="3"/>
+            <a:endCxn id="5" idx="1"/>
+          </p:cNvCxnSpPr>
+          <p:nvPr/>
+        </p:nvCxnSpPr>
+        <p:spPr>
+          <a:xfrm>
+            <a:off x="4683822" y="1120754"/>
+            <a:ext cx="463594" cy="0"/>
+          </a:xfrm>
+          <a:prstGeom prst="straightConnector1">
+            <a:avLst/>
+          </a:prstGeom>
+          <a:ln>
+            <a:tailEnd type="triangle"/>
+          </a:ln>
+        </p:spPr>
+        <p:style>
+          <a:lnRef idx="1">
+            <a:schemeClr val="accent1"/>
+          </a:lnRef>
+          <a:fillRef idx="0">
+            <a:schemeClr val="accent1"/>
+          </a:fillRef>
+          <a:effectRef idx="0">
+            <a:schemeClr val="accent1"/>
+          </a:effectRef>
+          <a:fontRef idx="minor">
+            <a:schemeClr val="tx1"/>
+          </a:fontRef>
+        </p:style>
+      </p:cxnSp>
     </p:spTree>
     <p:extLst>
       <p:ext uri="{BB962C8B-B14F-4D97-AF65-F5344CB8AC3E}">
-        <p14:creationId xmlns:p14="http://schemas.microsoft.com/office/powerpoint/2010/main" val="2018781903"/>
+        <p14:creationId xmlns:p14="http://schemas.microsoft.com/office/powerpoint/2010/main" val="495927893"/>
       </p:ext>
     </p:extLst>
   </p:cSld>
   <p:clrMapOvr>
     <a:masterClrMapping/>
   </p:clrMapOvr>
+  <p:timing>
+    <p:tnLst>
+      <p:par>
+        <p:cTn id="1" dur="indefinite" restart="never" nodeType="tmRoot"/>
+      </p:par>
+    </p:tnLst>
+  </p:timing>
 </p:sld>
 </file>
 
@@ -6350,380 +6188,84 @@
           <a:p>
             <a:r>
               <a:rPr lang="en-US" altLang="zh-TW" dirty="0" smtClean="0"/>
-              <a:t>LDA</a:t>
-            </a:r>
+              <a:t>Result – 2016/05/10</a:t>
+            </a:r>
+            <a:endParaRPr lang="zh-TW" altLang="en-US" dirty="0"/>
+          </a:p>
+        </p:txBody>
+      </p:sp>
+      <p:sp>
+        <p:nvSpPr>
+          <p:cNvPr id="3" name="內容版面配置區 2"/>
+          <p:cNvSpPr>
+            <a:spLocks noGrp="1"/>
+          </p:cNvSpPr>
+          <p:nvPr>
+            <p:ph idx="1"/>
+          </p:nvPr>
+        </p:nvSpPr>
+        <p:spPr/>
+        <p:txBody>
+          <a:bodyPr/>
+          <a:lstStyle/>
+          <a:p>
+            <a:r>
+              <a:rPr lang="en-US" altLang="zh-TW" dirty="0"/>
+              <a:t>total articles :  2000</a:t>
+            </a:r>
+          </a:p>
+          <a:p>
+            <a:r>
+              <a:rPr lang="en-US" altLang="zh-TW" dirty="0" smtClean="0"/>
+              <a:t>un-repeat </a:t>
+            </a:r>
+            <a:r>
+              <a:rPr lang="en-US" altLang="zh-TW" dirty="0"/>
+              <a:t>titles :  1434</a:t>
+            </a:r>
+          </a:p>
+          <a:p>
+            <a:r>
+              <a:rPr lang="en-US" altLang="zh-TW" dirty="0" smtClean="0"/>
+              <a:t>total </a:t>
+            </a:r>
+            <a:r>
+              <a:rPr lang="en-US" altLang="zh-TW" dirty="0"/>
+              <a:t>clustering :  553</a:t>
+            </a:r>
+          </a:p>
+          <a:p>
+            <a:r>
+              <a:rPr lang="en-US" altLang="zh-TW" dirty="0" smtClean="0"/>
+              <a:t>Clustering maximum size </a:t>
+            </a:r>
+            <a:r>
+              <a:rPr lang="en-US" altLang="zh-TW" dirty="0"/>
+              <a:t>:  50</a:t>
+            </a:r>
+          </a:p>
+          <a:p>
+            <a:r>
+              <a:rPr lang="en-US" altLang="zh-TW" dirty="0" smtClean="0"/>
+              <a:t>Clustering with only on article : 223</a:t>
+            </a:r>
+          </a:p>
+          <a:p>
             <a:r>
               <a:rPr lang="zh-TW" altLang="en-US" dirty="0" smtClean="0"/>
-              <a:t>實驗結果 </a:t>
-            </a:r>
-            <a:r>
-              <a:rPr lang="en-US" altLang="zh-TW" dirty="0" smtClean="0"/>
-              <a:t>–</a:t>
+              <a:t>人工認定有</a:t>
+            </a:r>
+            <a:r>
+              <a:rPr lang="en-US" altLang="zh-TW" dirty="0" smtClean="0"/>
+              <a:t>174</a:t>
             </a:r>
             <a:r>
               <a:rPr lang="zh-TW" altLang="en-US" dirty="0" smtClean="0"/>
-              <a:t> 兩個主題串</a:t>
-            </a:r>
-            <a:endParaRPr lang="zh-TW" altLang="en-US" dirty="0"/>
-          </a:p>
-        </p:txBody>
-      </p:sp>
-      <p:sp>
-        <p:nvSpPr>
-          <p:cNvPr id="3" name="內容版面配置區 2"/>
-          <p:cNvSpPr>
-            <a:spLocks noGrp="1"/>
-          </p:cNvSpPr>
-          <p:nvPr>
-            <p:ph idx="1"/>
-          </p:nvPr>
-        </p:nvSpPr>
-        <p:spPr/>
-        <p:txBody>
-          <a:bodyPr>
-            <a:normAutofit/>
-          </a:bodyPr>
-          <a:lstStyle/>
-          <a:p>
-            <a:r>
-              <a:rPr lang="zh-TW" altLang="en-US" dirty="0" smtClean="0"/>
-              <a:t>隨機、巴拿馬  </a:t>
-            </a:r>
-            <a:r>
-              <a:rPr lang="en-US" altLang="zh-TW" dirty="0" smtClean="0"/>
-              <a:t>:</a:t>
-            </a:r>
-            <a:r>
-              <a:rPr lang="zh-TW" altLang="en-US" dirty="0" smtClean="0"/>
-              <a:t> 各</a:t>
-            </a:r>
-            <a:r>
-              <a:rPr lang="en-US" altLang="zh-TW" dirty="0" smtClean="0"/>
-              <a:t>50</a:t>
-            </a:r>
-            <a:r>
-              <a:rPr lang="zh-TW" altLang="en-US" dirty="0" smtClean="0"/>
-              <a:t>篇</a:t>
-            </a:r>
-            <a:endParaRPr lang="en-US" altLang="zh-TW" dirty="0" smtClean="0"/>
-          </a:p>
-          <a:p>
-            <a:pPr marL="457200" lvl="1" indent="0">
-              <a:buNone/>
-            </a:pPr>
-            <a:r>
-              <a:rPr lang="en-US" altLang="zh-TW" dirty="0"/>
-              <a:t>['</a:t>
-            </a:r>
-            <a:r>
-              <a:rPr lang="zh-TW" altLang="en-US" dirty="0"/>
-              <a:t>巴拿馬</a:t>
-            </a:r>
-            <a:r>
-              <a:rPr lang="en-US" altLang="zh-TW" dirty="0"/>
-              <a:t>', '</a:t>
-            </a:r>
-            <a:r>
-              <a:rPr lang="zh-TW" altLang="en-US" dirty="0"/>
-              <a:t>文件</a:t>
-            </a:r>
-            <a:r>
-              <a:rPr lang="en-US" altLang="zh-TW" dirty="0"/>
-              <a:t>', '</a:t>
-            </a:r>
-            <a:r>
-              <a:rPr lang="zh-TW" altLang="en-US" dirty="0"/>
-              <a:t>殺</a:t>
-            </a:r>
-            <a:r>
-              <a:rPr lang="en-US" altLang="zh-TW" dirty="0"/>
-              <a:t>', '</a:t>
-            </a:r>
-            <a:r>
-              <a:rPr lang="zh-TW" altLang="en-US" dirty="0"/>
-              <a:t>中國</a:t>
-            </a:r>
-            <a:r>
-              <a:rPr lang="en-US" altLang="zh-TW" dirty="0"/>
-              <a:t>', '</a:t>
-            </a:r>
-            <a:r>
-              <a:rPr lang="zh-TW" altLang="en-US" dirty="0"/>
-              <a:t>隨機</a:t>
-            </a:r>
-            <a:r>
-              <a:rPr lang="en-US" altLang="zh-TW" dirty="0"/>
-              <a:t>', '</a:t>
-            </a:r>
-            <a:r>
-              <a:rPr lang="zh-TW" altLang="en-US" dirty="0"/>
-              <a:t>（</a:t>
-            </a:r>
-            <a:r>
-              <a:rPr lang="en-US" altLang="zh-TW" dirty="0"/>
-              <a:t>', '</a:t>
-            </a:r>
-            <a:r>
-              <a:rPr lang="zh-TW" altLang="en-US" dirty="0"/>
-              <a:t>完整</a:t>
-            </a:r>
-            <a:r>
-              <a:rPr lang="en-US" altLang="zh-TW" dirty="0"/>
-              <a:t>', '》', '</a:t>
-            </a:r>
-            <a:r>
-              <a:rPr lang="zh-TW" altLang="en-US" dirty="0"/>
-              <a:t>新聞</a:t>
-            </a:r>
-            <a:r>
-              <a:rPr lang="en-US" altLang="zh-TW" dirty="0"/>
-              <a:t>']</a:t>
-            </a:r>
-          </a:p>
-          <a:p>
-            <a:pPr marL="457200" lvl="1" indent="0">
-              <a:buNone/>
-            </a:pPr>
-            <a:r>
-              <a:rPr lang="en-US" altLang="zh-TW" dirty="0"/>
-              <a:t>['</a:t>
-            </a:r>
-            <a:r>
-              <a:rPr lang="zh-TW" altLang="en-US" dirty="0"/>
-              <a:t>巴拿馬</a:t>
-            </a:r>
-            <a:r>
-              <a:rPr lang="en-US" altLang="zh-TW" dirty="0"/>
-              <a:t>', '</a:t>
-            </a:r>
-            <a:r>
-              <a:rPr lang="zh-TW" altLang="en-US" dirty="0"/>
-              <a:t>殺</a:t>
-            </a:r>
-            <a:r>
-              <a:rPr lang="en-US" altLang="zh-TW" dirty="0"/>
-              <a:t>', '</a:t>
-            </a:r>
-            <a:r>
-              <a:rPr lang="zh-TW" altLang="en-US" dirty="0"/>
-              <a:t>文件</a:t>
-            </a:r>
-            <a:r>
-              <a:rPr lang="en-US" altLang="zh-TW" dirty="0"/>
-              <a:t>', '</a:t>
-            </a:r>
-            <a:r>
-              <a:rPr lang="zh-TW" altLang="en-US" dirty="0"/>
-              <a:t>隨機</a:t>
-            </a:r>
-            <a:r>
-              <a:rPr lang="en-US" altLang="zh-TW" dirty="0"/>
-              <a:t>', '</a:t>
-            </a:r>
-            <a:r>
-              <a:rPr lang="zh-TW" altLang="en-US" dirty="0"/>
-              <a:t>新聞</a:t>
-            </a:r>
-            <a:r>
-              <a:rPr lang="en-US" altLang="zh-TW" dirty="0"/>
-              <a:t>', '</a:t>
-            </a:r>
-            <a:r>
-              <a:rPr lang="zh-TW" altLang="en-US" dirty="0"/>
-              <a:t>社會</a:t>
-            </a:r>
-            <a:r>
-              <a:rPr lang="en-US" altLang="zh-TW" dirty="0"/>
-              <a:t>', '</a:t>
-            </a:r>
-            <a:r>
-              <a:rPr lang="zh-TW" altLang="en-US" dirty="0"/>
-              <a:t>中國</a:t>
-            </a:r>
-            <a:r>
-              <a:rPr lang="en-US" altLang="zh-TW" dirty="0"/>
-              <a:t>', '》', '</a:t>
-            </a:r>
-            <a:r>
-              <a:rPr lang="zh-TW" altLang="en-US" dirty="0"/>
-              <a:t>海外</a:t>
-            </a:r>
-            <a:r>
-              <a:rPr lang="en-US" altLang="zh-TW" dirty="0"/>
-              <a:t>']</a:t>
-            </a:r>
-          </a:p>
-          <a:p>
-            <a:pPr lvl="1"/>
-            <a:endParaRPr lang="en-US" altLang="zh-TW" dirty="0" smtClean="0"/>
-          </a:p>
-          <a:p>
-            <a:r>
-              <a:rPr lang="zh-TW" altLang="en-US" dirty="0" smtClean="0"/>
-              <a:t>慈濟、王建民  </a:t>
-            </a:r>
-            <a:r>
-              <a:rPr lang="en-US" altLang="zh-TW" dirty="0" smtClean="0"/>
-              <a:t>:</a:t>
-            </a:r>
-            <a:r>
-              <a:rPr lang="zh-TW" altLang="en-US" dirty="0" smtClean="0"/>
-              <a:t> 各</a:t>
-            </a:r>
-            <a:r>
-              <a:rPr lang="en-US" altLang="zh-TW" dirty="0" smtClean="0"/>
-              <a:t>100</a:t>
-            </a:r>
-            <a:r>
-              <a:rPr lang="zh-TW" altLang="en-US" dirty="0" smtClean="0"/>
-              <a:t>篇</a:t>
-            </a:r>
-            <a:endParaRPr lang="en-US" altLang="zh-TW" dirty="0" smtClean="0"/>
-          </a:p>
-          <a:p>
-            <a:pPr marL="457200" lvl="1" indent="0">
-              <a:buNone/>
-            </a:pPr>
-            <a:r>
-              <a:rPr lang="en-US" altLang="zh-TW" dirty="0"/>
-              <a:t>['</a:t>
-            </a:r>
-            <a:r>
-              <a:rPr lang="zh-TW" altLang="en-US" dirty="0"/>
-              <a:t>文件</a:t>
-            </a:r>
-            <a:r>
-              <a:rPr lang="en-US" altLang="zh-TW" dirty="0"/>
-              <a:t>', '</a:t>
-            </a:r>
-            <a:r>
-              <a:rPr lang="zh-TW" altLang="en-US" dirty="0"/>
-              <a:t>殺</a:t>
-            </a:r>
-            <a:r>
-              <a:rPr lang="en-US" altLang="zh-TW" dirty="0"/>
-              <a:t>', '</a:t>
-            </a:r>
-            <a:r>
-              <a:rPr lang="zh-TW" altLang="en-US" dirty="0"/>
-              <a:t>巴拿馬</a:t>
-            </a:r>
-            <a:r>
-              <a:rPr lang="en-US" altLang="zh-TW" dirty="0"/>
-              <a:t>', '</a:t>
-            </a:r>
-            <a:r>
-              <a:rPr lang="zh-TW" altLang="en-US" dirty="0"/>
-              <a:t>隨機</a:t>
-            </a:r>
-            <a:r>
-              <a:rPr lang="en-US" altLang="zh-TW" dirty="0"/>
-              <a:t>', '</a:t>
-            </a:r>
-            <a:r>
-              <a:rPr lang="zh-TW" altLang="en-US" dirty="0"/>
-              <a:t>（</a:t>
-            </a:r>
-            <a:r>
-              <a:rPr lang="en-US" altLang="zh-TW" dirty="0"/>
-              <a:t>', '</a:t>
-            </a:r>
-            <a:r>
-              <a:rPr lang="zh-TW" altLang="en-US" dirty="0"/>
-              <a:t>新聞</a:t>
-            </a:r>
-            <a:r>
-              <a:rPr lang="en-US" altLang="zh-TW" dirty="0"/>
-              <a:t>', '</a:t>
-            </a:r>
-            <a:r>
-              <a:rPr lang="zh-TW" altLang="en-US" dirty="0"/>
-              <a:t>社會</a:t>
-            </a:r>
-            <a:r>
-              <a:rPr lang="en-US" altLang="zh-TW" dirty="0"/>
-              <a:t>', '</a:t>
-            </a:r>
-            <a:r>
-              <a:rPr lang="zh-TW" altLang="en-US" dirty="0"/>
-              <a:t>資料</a:t>
-            </a:r>
-            <a:r>
-              <a:rPr lang="en-US" altLang="zh-TW" dirty="0"/>
-              <a:t>', '</a:t>
-            </a:r>
-            <a:r>
-              <a:rPr lang="zh-TW" altLang="en-US" dirty="0"/>
-              <a:t>中國</a:t>
-            </a:r>
-            <a:r>
-              <a:rPr lang="en-US" altLang="zh-TW" dirty="0"/>
-              <a:t>']</a:t>
-            </a:r>
-          </a:p>
-          <a:p>
-            <a:pPr marL="457200" lvl="1" indent="0">
-              <a:buNone/>
-            </a:pPr>
-            <a:r>
-              <a:rPr lang="en-US" altLang="zh-TW" dirty="0"/>
-              <a:t>['</a:t>
-            </a:r>
-            <a:r>
-              <a:rPr lang="zh-TW" altLang="en-US" dirty="0"/>
-              <a:t>巴拿馬</a:t>
-            </a:r>
-            <a:r>
-              <a:rPr lang="en-US" altLang="zh-TW" dirty="0"/>
-              <a:t>', '</a:t>
-            </a:r>
-            <a:r>
-              <a:rPr lang="zh-TW" altLang="en-US" dirty="0"/>
-              <a:t>殺</a:t>
-            </a:r>
-            <a:r>
-              <a:rPr lang="en-US" altLang="zh-TW" dirty="0"/>
-              <a:t>', '</a:t>
-            </a:r>
-            <a:r>
-              <a:rPr lang="zh-TW" altLang="en-US" dirty="0"/>
-              <a:t>文件</a:t>
-            </a:r>
-            <a:r>
-              <a:rPr lang="en-US" altLang="zh-TW" dirty="0"/>
-              <a:t>', '</a:t>
-            </a:r>
-            <a:r>
-              <a:rPr lang="zh-TW" altLang="en-US" dirty="0"/>
-              <a:t>隨機</a:t>
-            </a:r>
-            <a:r>
-              <a:rPr lang="en-US" altLang="zh-TW" dirty="0"/>
-              <a:t>', '</a:t>
-            </a:r>
-            <a:r>
-              <a:rPr lang="zh-TW" altLang="en-US" dirty="0"/>
-              <a:t>新聞</a:t>
-            </a:r>
-            <a:r>
-              <a:rPr lang="en-US" altLang="zh-TW" dirty="0"/>
-              <a:t>', '</a:t>
-            </a:r>
-            <a:r>
-              <a:rPr lang="zh-TW" altLang="en-US" dirty="0"/>
-              <a:t>（</a:t>
-            </a:r>
-            <a:r>
-              <a:rPr lang="en-US" altLang="zh-TW" dirty="0"/>
-              <a:t>', '</a:t>
-            </a:r>
-            <a:r>
-              <a:rPr lang="zh-TW" altLang="en-US" dirty="0"/>
-              <a:t>社會</a:t>
-            </a:r>
-            <a:r>
-              <a:rPr lang="en-US" altLang="zh-TW" dirty="0"/>
-              <a:t>', '》', ',']</a:t>
+              <a:t>個群分類效果不好</a:t>
+            </a:r>
+            <a:r>
+              <a:rPr lang="en-US" altLang="zh-TW" dirty="0" smtClean="0"/>
+              <a:t>(31%)</a:t>
             </a:r>
           </a:p>
         </p:txBody>
@@ -6731,7 +6273,7 @@
     </p:spTree>
     <p:extLst>
       <p:ext uri="{BB962C8B-B14F-4D97-AF65-F5344CB8AC3E}">
-        <p14:creationId xmlns:p14="http://schemas.microsoft.com/office/powerpoint/2010/main" val="2521549780"/>
+        <p14:creationId xmlns:p14="http://schemas.microsoft.com/office/powerpoint/2010/main" val="2444501049"/>
       </p:ext>
     </p:extLst>
   </p:cSld>
@@ -6774,20 +6316,12 @@
           <a:lstStyle/>
           <a:p>
             <a:r>
-              <a:rPr lang="en-US" altLang="zh-TW" dirty="0" smtClean="0"/>
-              <a:t>LDA</a:t>
-            </a:r>
-            <a:r>
               <a:rPr lang="zh-TW" altLang="en-US" dirty="0" smtClean="0"/>
-              <a:t>實驗結果 </a:t>
-            </a:r>
-            <a:r>
-              <a:rPr lang="en-US" altLang="zh-TW" dirty="0" smtClean="0"/>
-              <a:t>–</a:t>
+              <a:t>目前遇到的困難</a:t>
             </a:r>
             <a:r>
               <a:rPr lang="zh-TW" altLang="en-US" dirty="0" smtClean="0"/>
-              <a:t> 兩個主題串</a:t>
+              <a:t>與限制</a:t>
             </a:r>
             <a:endParaRPr lang="zh-TW" altLang="en-US" dirty="0"/>
           </a:p>
@@ -6805,370 +6339,30 @@
         </p:nvSpPr>
         <p:spPr/>
         <p:txBody>
-          <a:bodyPr>
-            <a:normAutofit/>
-          </a:bodyPr>
-          <a:lstStyle/>
-          <a:p>
-            <a:r>
-              <a:rPr lang="zh-TW" altLang="en-US" dirty="0"/>
-              <a:t>慈濟、</a:t>
-            </a:r>
+          <a:bodyPr/>
+          <a:lstStyle/>
+          <a:p>
             <a:r>
               <a:rPr lang="zh-TW" altLang="en-US" dirty="0" smtClean="0"/>
-              <a:t>王建民 </a:t>
-            </a:r>
-            <a:r>
-              <a:rPr lang="en-US" altLang="zh-TW" dirty="0" smtClean="0"/>
-              <a:t>:</a:t>
+              <a:t>當標題斷詞後出現新詞，</a:t>
+            </a:r>
+            <a:r>
+              <a:rPr lang="en-US" altLang="zh-TW" dirty="0" smtClean="0"/>
+              <a:t>model</a:t>
             </a:r>
             <a:r>
               <a:rPr lang="zh-TW" altLang="en-US" dirty="0" smtClean="0"/>
-              <a:t> 各</a:t>
-            </a:r>
-            <a:r>
-              <a:rPr lang="en-US" altLang="zh-TW" dirty="0" smtClean="0"/>
-              <a:t>50</a:t>
-            </a:r>
+              <a:t>無法找到對應的</a:t>
+            </a:r>
+            <a:r>
+              <a:rPr lang="en-US" altLang="zh-TW" dirty="0" smtClean="0"/>
+              <a:t>vector</a:t>
+            </a:r>
+          </a:p>
+          <a:p>
             <a:r>
               <a:rPr lang="zh-TW" altLang="en-US" dirty="0" smtClean="0"/>
-              <a:t>篇</a:t>
-            </a:r>
-            <a:endParaRPr lang="en-US" altLang="zh-TW" dirty="0" smtClean="0"/>
-          </a:p>
-          <a:p>
-            <a:pPr marL="457200" lvl="1" indent="0">
-              <a:buNone/>
-            </a:pPr>
-            <a:r>
-              <a:rPr lang="en-US" altLang="zh-TW" dirty="0"/>
-              <a:t>['</a:t>
-            </a:r>
-            <a:r>
-              <a:rPr lang="zh-TW" altLang="en-US" dirty="0"/>
-              <a:t>慈濟</a:t>
-            </a:r>
-            <a:r>
-              <a:rPr lang="en-US" altLang="zh-TW" dirty="0"/>
-              <a:t>', '</a:t>
-            </a:r>
-            <a:r>
-              <a:rPr lang="zh-TW" altLang="en-US" dirty="0"/>
-              <a:t>王建民</a:t>
-            </a:r>
-            <a:r>
-              <a:rPr lang="en-US" altLang="zh-TW" dirty="0"/>
-              <a:t>', '</a:t>
-            </a:r>
-            <a:r>
-              <a:rPr lang="zh-TW" altLang="en-US" dirty="0"/>
-              <a:t>大聯盟</a:t>
-            </a:r>
-            <a:r>
-              <a:rPr lang="en-US" altLang="zh-TW" dirty="0"/>
-              <a:t>', '</a:t>
-            </a:r>
-            <a:r>
-              <a:rPr lang="zh-TW" altLang="en-US" dirty="0"/>
-              <a:t>新聞</a:t>
-            </a:r>
-            <a:r>
-              <a:rPr lang="en-US" altLang="zh-TW" dirty="0"/>
-              <a:t>', '</a:t>
-            </a:r>
-            <a:r>
-              <a:rPr lang="zh-TW" altLang="en-US" dirty="0"/>
-              <a:t>皇家</a:t>
-            </a:r>
-            <a:r>
-              <a:rPr lang="en-US" altLang="zh-TW" dirty="0"/>
-              <a:t>', ',', '</a:t>
-            </a:r>
-            <a:r>
-              <a:rPr lang="zh-TW" altLang="en-US" dirty="0"/>
-              <a:t>投手</a:t>
-            </a:r>
-            <a:r>
-              <a:rPr lang="en-US" altLang="zh-TW" dirty="0"/>
-              <a:t>', '</a:t>
-            </a:r>
-            <a:r>
-              <a:rPr lang="zh-TW" altLang="en-US" dirty="0"/>
-              <a:t>（</a:t>
-            </a:r>
-            <a:r>
-              <a:rPr lang="en-US" altLang="zh-TW" dirty="0"/>
-              <a:t>', '</a:t>
-            </a:r>
-            <a:r>
-              <a:rPr lang="zh-TW" altLang="en-US" dirty="0"/>
-              <a:t>希望</a:t>
-            </a:r>
-            <a:r>
-              <a:rPr lang="en-US" altLang="zh-TW" dirty="0"/>
-              <a:t>']</a:t>
-            </a:r>
-          </a:p>
-          <a:p>
-            <a:pPr marL="457200" lvl="1" indent="0">
-              <a:buNone/>
-            </a:pPr>
-            <a:r>
-              <a:rPr lang="en-US" altLang="zh-TW" dirty="0"/>
-              <a:t>['</a:t>
-            </a:r>
-            <a:r>
-              <a:rPr lang="zh-TW" altLang="en-US" dirty="0"/>
-              <a:t>王建民</a:t>
-            </a:r>
-            <a:r>
-              <a:rPr lang="en-US" altLang="zh-TW" dirty="0"/>
-              <a:t>', '</a:t>
-            </a:r>
-            <a:r>
-              <a:rPr lang="zh-TW" altLang="en-US" dirty="0"/>
-              <a:t>慈濟</a:t>
-            </a:r>
-            <a:r>
-              <a:rPr lang="en-US" altLang="zh-TW" dirty="0"/>
-              <a:t>', '</a:t>
-            </a:r>
-            <a:r>
-              <a:rPr lang="zh-TW" altLang="en-US" dirty="0"/>
-              <a:t>新聞</a:t>
-            </a:r>
-            <a:r>
-              <a:rPr lang="en-US" altLang="zh-TW" dirty="0"/>
-              <a:t>', '</a:t>
-            </a:r>
-            <a:r>
-              <a:rPr lang="zh-TW" altLang="en-US" dirty="0"/>
-              <a:t>大聯盟</a:t>
-            </a:r>
-            <a:r>
-              <a:rPr lang="en-US" altLang="zh-TW" dirty="0"/>
-              <a:t>', '</a:t>
-            </a:r>
-            <a:r>
-              <a:rPr lang="zh-TW" altLang="en-US" dirty="0"/>
-              <a:t>（</a:t>
-            </a:r>
-            <a:r>
-              <a:rPr lang="en-US" altLang="zh-TW" dirty="0"/>
-              <a:t>', '</a:t>
-            </a:r>
-            <a:r>
-              <a:rPr lang="zh-TW" altLang="en-US" dirty="0"/>
-              <a:t>隨身</a:t>
-            </a:r>
-            <a:r>
-              <a:rPr lang="en-US" altLang="zh-TW" dirty="0"/>
-              <a:t>', '</a:t>
-            </a:r>
-            <a:r>
-              <a:rPr lang="zh-TW" altLang="en-US" dirty="0"/>
-              <a:t>完整</a:t>
-            </a:r>
-            <a:r>
-              <a:rPr lang="en-US" altLang="zh-TW" dirty="0"/>
-              <a:t>', '</a:t>
-            </a:r>
-            <a:r>
-              <a:rPr lang="zh-TW" altLang="en-US" dirty="0"/>
-              <a:t>碟</a:t>
-            </a:r>
-            <a:r>
-              <a:rPr lang="en-US" altLang="zh-TW" dirty="0"/>
-              <a:t>', '</a:t>
-            </a:r>
-            <a:r>
-              <a:rPr lang="zh-TW" altLang="en-US" dirty="0"/>
-              <a:t>跟</a:t>
-            </a:r>
-            <a:r>
-              <a:rPr lang="en-US" altLang="zh-TW" dirty="0"/>
-              <a:t>']</a:t>
-            </a:r>
-          </a:p>
-          <a:p>
-            <a:pPr marL="457200" lvl="1" indent="0">
-              <a:buNone/>
-            </a:pPr>
-            <a:endParaRPr lang="en-US" altLang="zh-TW" dirty="0" smtClean="0"/>
-          </a:p>
-          <a:p>
-            <a:pPr marL="457200" lvl="1" indent="0">
-              <a:buNone/>
-            </a:pPr>
-            <a:endParaRPr lang="en-US" altLang="zh-TW" dirty="0" smtClean="0"/>
-          </a:p>
-          <a:p>
-            <a:r>
-              <a:rPr lang="zh-TW" altLang="en-US" dirty="0" smtClean="0"/>
-              <a:t>慈濟、王建民 </a:t>
-            </a:r>
-            <a:r>
-              <a:rPr lang="en-US" altLang="zh-TW" dirty="0" smtClean="0"/>
-              <a:t>:</a:t>
-            </a:r>
-            <a:r>
-              <a:rPr lang="zh-TW" altLang="en-US" dirty="0" smtClean="0"/>
-              <a:t> 各</a:t>
-            </a:r>
-            <a:r>
-              <a:rPr lang="en-US" altLang="zh-TW" dirty="0" smtClean="0"/>
-              <a:t>100</a:t>
-            </a:r>
-            <a:r>
-              <a:rPr lang="zh-TW" altLang="en-US" dirty="0" smtClean="0"/>
-              <a:t>篇</a:t>
-            </a:r>
-            <a:endParaRPr lang="en-US" altLang="zh-TW" dirty="0" smtClean="0"/>
-          </a:p>
-          <a:p>
-            <a:pPr marL="457200" lvl="1" indent="0">
-              <a:buNone/>
-            </a:pPr>
-            <a:r>
-              <a:rPr lang="en-US" altLang="zh-TW" dirty="0"/>
-              <a:t>['</a:t>
-            </a:r>
-            <a:r>
-              <a:rPr lang="zh-TW" altLang="en-US" dirty="0"/>
-              <a:t>王建民</a:t>
-            </a:r>
-            <a:r>
-              <a:rPr lang="en-US" altLang="zh-TW" dirty="0"/>
-              <a:t>', '</a:t>
-            </a:r>
-            <a:r>
-              <a:rPr lang="zh-TW" altLang="en-US" dirty="0"/>
-              <a:t>慈濟</a:t>
-            </a:r>
-            <a:r>
-              <a:rPr lang="en-US" altLang="zh-TW" dirty="0"/>
-              <a:t>', '</a:t>
-            </a:r>
-            <a:r>
-              <a:rPr lang="zh-TW" altLang="en-US" dirty="0"/>
-              <a:t>新聞</a:t>
-            </a:r>
-            <a:r>
-              <a:rPr lang="en-US" altLang="zh-TW" dirty="0"/>
-              <a:t>', '</a:t>
-            </a:r>
-            <a:r>
-              <a:rPr lang="zh-TW" altLang="en-US" dirty="0"/>
-              <a:t>（</a:t>
-            </a:r>
-            <a:r>
-              <a:rPr lang="en-US" altLang="zh-TW" dirty="0"/>
-              <a:t>', '</a:t>
-            </a:r>
-            <a:r>
-              <a:rPr lang="zh-TW" altLang="en-US" dirty="0"/>
-              <a:t>皇家</a:t>
-            </a:r>
-            <a:r>
-              <a:rPr lang="en-US" altLang="zh-TW" dirty="0"/>
-              <a:t>', '</a:t>
-            </a:r>
-            <a:r>
-              <a:rPr lang="zh-TW" altLang="en-US" dirty="0"/>
-              <a:t>大聯盟</a:t>
-            </a:r>
-            <a:r>
-              <a:rPr lang="en-US" altLang="zh-TW" dirty="0"/>
-              <a:t>', '</a:t>
-            </a:r>
-            <a:r>
-              <a:rPr lang="zh-TW" altLang="en-US" dirty="0"/>
-              <a:t>投手</a:t>
-            </a:r>
-            <a:r>
-              <a:rPr lang="en-US" altLang="zh-TW" dirty="0"/>
-              <a:t>', '</a:t>
-            </a:r>
-            <a:r>
-              <a:rPr lang="zh-TW" altLang="en-US" dirty="0"/>
-              <a:t>完整</a:t>
-            </a:r>
-            <a:r>
-              <a:rPr lang="en-US" altLang="zh-TW" dirty="0"/>
-              <a:t>', ',']</a:t>
-            </a:r>
-          </a:p>
-          <a:p>
-            <a:pPr marL="457200" lvl="1" indent="0">
-              <a:buNone/>
-            </a:pPr>
-            <a:r>
-              <a:rPr lang="en-US" altLang="zh-TW" dirty="0"/>
-              <a:t>['</a:t>
-            </a:r>
-            <a:r>
-              <a:rPr lang="zh-TW" altLang="en-US" dirty="0"/>
-              <a:t>慈濟</a:t>
-            </a:r>
-            <a:r>
-              <a:rPr lang="en-US" altLang="zh-TW" dirty="0"/>
-              <a:t>', '</a:t>
-            </a:r>
-            <a:r>
-              <a:rPr lang="zh-TW" altLang="en-US" dirty="0"/>
-              <a:t>王建民</a:t>
-            </a:r>
-            <a:r>
-              <a:rPr lang="en-US" altLang="zh-TW" dirty="0"/>
-              <a:t>', ',', '</a:t>
-            </a:r>
-            <a:r>
-              <a:rPr lang="zh-TW" altLang="en-US" dirty="0"/>
-              <a:t>大聯盟</a:t>
-            </a:r>
-            <a:r>
-              <a:rPr lang="en-US" altLang="zh-TW" dirty="0"/>
-              <a:t>', '</a:t>
-            </a:r>
-            <a:r>
-              <a:rPr lang="zh-TW" altLang="en-US" dirty="0"/>
-              <a:t>新聞</a:t>
-            </a:r>
-            <a:r>
-              <a:rPr lang="en-US" altLang="zh-TW" dirty="0"/>
-              <a:t>', '</a:t>
-            </a:r>
-            <a:r>
-              <a:rPr lang="zh-TW" altLang="en-US" dirty="0"/>
-              <a:t>（</a:t>
-            </a:r>
-            <a:r>
-              <a:rPr lang="en-US" altLang="zh-TW" dirty="0"/>
-              <a:t>', '</a:t>
-            </a:r>
-            <a:r>
-              <a:rPr lang="zh-TW" altLang="en-US" dirty="0"/>
-              <a:t>皇家</a:t>
-            </a:r>
-            <a:r>
-              <a:rPr lang="en-US" altLang="zh-TW" dirty="0"/>
-              <a:t>', '</a:t>
-            </a:r>
-            <a:r>
-              <a:rPr lang="zh-TW" altLang="en-US" dirty="0"/>
-              <a:t>完整</a:t>
-            </a:r>
-            <a:r>
-              <a:rPr lang="en-US" altLang="zh-TW" dirty="0"/>
-              <a:t>', '</a:t>
-            </a:r>
-            <a:r>
-              <a:rPr lang="zh-TW" altLang="en-US" dirty="0"/>
-              <a:t>投手</a:t>
-            </a:r>
-            <a:r>
-              <a:rPr lang="en-US" altLang="zh-TW" dirty="0"/>
-              <a:t>']</a:t>
+              <a:t>該如何驗證效果</a:t>
             </a:r>
             <a:endParaRPr lang="en-US" altLang="zh-TW" dirty="0" smtClean="0"/>
           </a:p>
@@ -7177,7 +6371,7 @@
     </p:spTree>
     <p:extLst>
       <p:ext uri="{BB962C8B-B14F-4D97-AF65-F5344CB8AC3E}">
-        <p14:creationId xmlns:p14="http://schemas.microsoft.com/office/powerpoint/2010/main" val="235901321"/>
+        <p14:creationId xmlns:p14="http://schemas.microsoft.com/office/powerpoint/2010/main" val="2659016056"/>
       </p:ext>
     </p:extLst>
   </p:cSld>
@@ -7206,7 +6400,7 @@
       </p:grpSpPr>
       <p:sp>
         <p:nvSpPr>
-          <p:cNvPr id="2" name="標題 1"/>
+          <p:cNvPr id="4" name="標題 3"/>
           <p:cNvSpPr>
             <a:spLocks noGrp="1"/>
           </p:cNvSpPr>
@@ -7221,19 +6415,7 @@
           <a:p>
             <a:r>
               <a:rPr lang="en-US" altLang="zh-TW" dirty="0" smtClean="0"/>
-              <a:t>LDA</a:t>
-            </a:r>
-            <a:r>
-              <a:rPr lang="zh-TW" altLang="en-US" dirty="0" smtClean="0"/>
-              <a:t>實驗結果 </a:t>
-            </a:r>
-            <a:r>
-              <a:rPr lang="en-US" altLang="zh-TW" dirty="0" smtClean="0"/>
-              <a:t>–</a:t>
-            </a:r>
-            <a:r>
-              <a:rPr lang="zh-TW" altLang="en-US" dirty="0" smtClean="0"/>
-              <a:t> 多個主題串</a:t>
+              <a:t>Q&amp;A</a:t>
             </a:r>
             <a:endParaRPr lang="zh-TW" altLang="en-US" dirty="0"/>
           </a:p>
@@ -7241,827 +6423,27 @@
       </p:sp>
       <p:sp>
         <p:nvSpPr>
-          <p:cNvPr id="3" name="內容版面配置區 2"/>
-          <p:cNvSpPr>
-            <a:spLocks noGrp="1"/>
-          </p:cNvSpPr>
-          <p:nvPr>
-            <p:ph idx="1"/>
+          <p:cNvPr id="5" name="文字版面配置區 4"/>
+          <p:cNvSpPr>
+            <a:spLocks noGrp="1"/>
+          </p:cNvSpPr>
+          <p:nvPr>
+            <p:ph type="body" idx="1"/>
           </p:nvPr>
         </p:nvSpPr>
         <p:spPr/>
         <p:txBody>
-          <a:bodyPr>
-            <a:normAutofit lnSpcReduction="10000"/>
-          </a:bodyPr>
-          <a:lstStyle/>
-          <a:p>
-            <a:r>
-              <a:rPr lang="zh-TW" altLang="en-US" dirty="0" smtClean="0"/>
-              <a:t>隨機、慈</a:t>
-            </a:r>
-            <a:r>
-              <a:rPr lang="zh-TW" altLang="en-US" dirty="0"/>
-              <a:t>濟</a:t>
-            </a:r>
-            <a:r>
-              <a:rPr lang="zh-TW" altLang="en-US" dirty="0" smtClean="0"/>
-              <a:t>、巴拿馬 </a:t>
-            </a:r>
-            <a:r>
-              <a:rPr lang="en-US" altLang="zh-TW" dirty="0" smtClean="0"/>
-              <a:t>:</a:t>
-            </a:r>
-            <a:r>
-              <a:rPr lang="zh-TW" altLang="en-US" dirty="0" smtClean="0"/>
-              <a:t> 各</a:t>
-            </a:r>
-            <a:r>
-              <a:rPr lang="en-US" altLang="zh-TW" dirty="0" smtClean="0"/>
-              <a:t>100</a:t>
-            </a:r>
-            <a:r>
-              <a:rPr lang="zh-TW" altLang="en-US" dirty="0" smtClean="0"/>
-              <a:t>篇</a:t>
-            </a:r>
-            <a:endParaRPr lang="en-US" altLang="zh-TW" dirty="0" smtClean="0"/>
-          </a:p>
-          <a:p>
-            <a:pPr marL="457200" lvl="1" indent="0">
-              <a:buNone/>
-            </a:pPr>
-            <a:r>
-              <a:rPr lang="en-US" altLang="zh-TW" dirty="0"/>
-              <a:t>['</a:t>
-            </a:r>
-            <a:r>
-              <a:rPr lang="zh-TW" altLang="en-US" dirty="0"/>
-              <a:t>巴拿馬</a:t>
-            </a:r>
-            <a:r>
-              <a:rPr lang="en-US" altLang="zh-TW" dirty="0"/>
-              <a:t>', '</a:t>
-            </a:r>
-            <a:r>
-              <a:rPr lang="zh-TW" altLang="en-US" dirty="0"/>
-              <a:t>慈濟</a:t>
-            </a:r>
-            <a:r>
-              <a:rPr lang="en-US" altLang="zh-TW" dirty="0"/>
-              <a:t>', '</a:t>
-            </a:r>
-            <a:r>
-              <a:rPr lang="zh-TW" altLang="en-US" dirty="0"/>
-              <a:t>文件</a:t>
-            </a:r>
-            <a:r>
-              <a:rPr lang="en-US" altLang="zh-TW" dirty="0"/>
-              <a:t>', '</a:t>
-            </a:r>
-            <a:r>
-              <a:rPr lang="zh-TW" altLang="en-US" dirty="0"/>
-              <a:t>社會</a:t>
-            </a:r>
-            <a:r>
-              <a:rPr lang="en-US" altLang="zh-TW" dirty="0"/>
-              <a:t>', '</a:t>
-            </a:r>
-            <a:r>
-              <a:rPr lang="zh-TW" altLang="en-US" dirty="0"/>
-              <a:t>（</a:t>
-            </a:r>
-            <a:r>
-              <a:rPr lang="en-US" altLang="zh-TW" dirty="0"/>
-              <a:t>', '</a:t>
-            </a:r>
-            <a:r>
-              <a:rPr lang="zh-TW" altLang="en-US" dirty="0"/>
-              <a:t>殺</a:t>
-            </a:r>
-            <a:r>
-              <a:rPr lang="en-US" altLang="zh-TW" dirty="0"/>
-              <a:t>', '</a:t>
-            </a:r>
-            <a:r>
-              <a:rPr lang="zh-TW" altLang="en-US" dirty="0"/>
-              <a:t>隨機</a:t>
-            </a:r>
-            <a:r>
-              <a:rPr lang="en-US" altLang="zh-TW" dirty="0"/>
-              <a:t>', ',', '</a:t>
-            </a:r>
-            <a:r>
-              <a:rPr lang="zh-TW" altLang="en-US" dirty="0"/>
-              <a:t>新聞</a:t>
-            </a:r>
-            <a:r>
-              <a:rPr lang="en-US" altLang="zh-TW" dirty="0"/>
-              <a:t>']</a:t>
-            </a:r>
-          </a:p>
-          <a:p>
-            <a:pPr marL="457200" lvl="1" indent="0">
-              <a:buNone/>
-            </a:pPr>
-            <a:r>
-              <a:rPr lang="en-US" altLang="zh-TW" dirty="0"/>
-              <a:t>['</a:t>
-            </a:r>
-            <a:r>
-              <a:rPr lang="zh-TW" altLang="en-US" dirty="0"/>
-              <a:t>慈濟</a:t>
-            </a:r>
-            <a:r>
-              <a:rPr lang="en-US" altLang="zh-TW" dirty="0"/>
-              <a:t>', '</a:t>
-            </a:r>
-            <a:r>
-              <a:rPr lang="zh-TW" altLang="en-US" dirty="0"/>
-              <a:t>殺</a:t>
-            </a:r>
-            <a:r>
-              <a:rPr lang="en-US" altLang="zh-TW" dirty="0"/>
-              <a:t>', '</a:t>
-            </a:r>
-            <a:r>
-              <a:rPr lang="zh-TW" altLang="en-US" dirty="0"/>
-              <a:t>文件</a:t>
-            </a:r>
-            <a:r>
-              <a:rPr lang="en-US" altLang="zh-TW" dirty="0"/>
-              <a:t>', '</a:t>
-            </a:r>
-            <a:r>
-              <a:rPr lang="zh-TW" altLang="en-US" dirty="0"/>
-              <a:t>巴拿馬</a:t>
-            </a:r>
-            <a:r>
-              <a:rPr lang="en-US" altLang="zh-TW" dirty="0"/>
-              <a:t>', '</a:t>
-            </a:r>
-            <a:r>
-              <a:rPr lang="zh-TW" altLang="en-US" dirty="0"/>
-              <a:t>隨機</a:t>
-            </a:r>
-            <a:r>
-              <a:rPr lang="en-US" altLang="zh-TW" dirty="0"/>
-              <a:t>', '</a:t>
-            </a:r>
-            <a:r>
-              <a:rPr lang="zh-TW" altLang="en-US" dirty="0"/>
-              <a:t>新聞</a:t>
-            </a:r>
-            <a:r>
-              <a:rPr lang="en-US" altLang="zh-TW" dirty="0"/>
-              <a:t>', ',', '》', '</a:t>
-            </a:r>
-            <a:r>
-              <a:rPr lang="zh-TW" altLang="en-US" dirty="0"/>
-              <a:t>完整</a:t>
-            </a:r>
-            <a:r>
-              <a:rPr lang="en-US" altLang="zh-TW" dirty="0"/>
-              <a:t>']</a:t>
-            </a:r>
-          </a:p>
-          <a:p>
-            <a:pPr marL="457200" lvl="1" indent="0">
-              <a:buNone/>
-            </a:pPr>
-            <a:r>
-              <a:rPr lang="en-US" altLang="zh-TW" dirty="0"/>
-              <a:t>['</a:t>
-            </a:r>
-            <a:r>
-              <a:rPr lang="zh-TW" altLang="en-US" dirty="0"/>
-              <a:t>慈濟</a:t>
-            </a:r>
-            <a:r>
-              <a:rPr lang="en-US" altLang="zh-TW" dirty="0"/>
-              <a:t>', '</a:t>
-            </a:r>
-            <a:r>
-              <a:rPr lang="zh-TW" altLang="en-US" dirty="0"/>
-              <a:t>文件</a:t>
-            </a:r>
-            <a:r>
-              <a:rPr lang="en-US" altLang="zh-TW" dirty="0"/>
-              <a:t>', '</a:t>
-            </a:r>
-            <a:r>
-              <a:rPr lang="zh-TW" altLang="en-US" dirty="0"/>
-              <a:t>新聞</a:t>
-            </a:r>
-            <a:r>
-              <a:rPr lang="en-US" altLang="zh-TW" dirty="0"/>
-              <a:t>', '</a:t>
-            </a:r>
-            <a:r>
-              <a:rPr lang="zh-TW" altLang="en-US" dirty="0"/>
-              <a:t>巴拿馬</a:t>
-            </a:r>
-            <a:r>
-              <a:rPr lang="en-US" altLang="zh-TW" dirty="0"/>
-              <a:t>', '</a:t>
-            </a:r>
-            <a:r>
-              <a:rPr lang="zh-TW" altLang="en-US" dirty="0"/>
-              <a:t>殺</a:t>
-            </a:r>
-            <a:r>
-              <a:rPr lang="en-US" altLang="zh-TW" dirty="0"/>
-              <a:t>', '</a:t>
-            </a:r>
-            <a:r>
-              <a:rPr lang="zh-TW" altLang="en-US" dirty="0"/>
-              <a:t>（</a:t>
-            </a:r>
-            <a:r>
-              <a:rPr lang="en-US" altLang="zh-TW" dirty="0"/>
-              <a:t>', '</a:t>
-            </a:r>
-            <a:r>
-              <a:rPr lang="zh-TW" altLang="en-US" dirty="0"/>
-              <a:t>隨機</a:t>
-            </a:r>
-            <a:r>
-              <a:rPr lang="en-US" altLang="zh-TW" dirty="0"/>
-              <a:t>', '</a:t>
-            </a:r>
-            <a:r>
-              <a:rPr lang="zh-TW" altLang="en-US" dirty="0"/>
-              <a:t>中國</a:t>
-            </a:r>
-            <a:r>
-              <a:rPr lang="en-US" altLang="zh-TW" dirty="0"/>
-              <a:t>', '</a:t>
-            </a:r>
-            <a:r>
-              <a:rPr lang="zh-TW" altLang="en-US" dirty="0"/>
-              <a:t>社會</a:t>
-            </a:r>
-            <a:r>
-              <a:rPr lang="en-US" altLang="zh-TW" dirty="0"/>
-              <a:t>']</a:t>
-            </a:r>
-            <a:endParaRPr lang="en-US" altLang="zh-TW" dirty="0" smtClean="0"/>
-          </a:p>
-          <a:p>
-            <a:pPr marL="457200" lvl="1" indent="0">
-              <a:buNone/>
-            </a:pPr>
-            <a:endParaRPr lang="en-US" altLang="zh-TW" dirty="0" smtClean="0"/>
-          </a:p>
-          <a:p>
-            <a:r>
-              <a:rPr lang="zh-TW" altLang="en-US" dirty="0" smtClean="0"/>
-              <a:t>王建民、柯文哲、和</a:t>
-            </a:r>
-            <a:r>
-              <a:rPr lang="zh-TW" altLang="en-US" dirty="0"/>
-              <a:t>田光</a:t>
-            </a:r>
-            <a:r>
-              <a:rPr lang="zh-TW" altLang="en-US" dirty="0" smtClean="0"/>
-              <a:t>司、義美、統神 </a:t>
-            </a:r>
-            <a:r>
-              <a:rPr lang="en-US" altLang="zh-TW" dirty="0" smtClean="0"/>
-              <a:t>:</a:t>
-            </a:r>
-            <a:r>
-              <a:rPr lang="zh-TW" altLang="en-US" dirty="0" smtClean="0"/>
-              <a:t> 各</a:t>
-            </a:r>
-            <a:r>
-              <a:rPr lang="en-US" altLang="zh-TW" dirty="0" smtClean="0"/>
-              <a:t>9</a:t>
-            </a:r>
-            <a:r>
-              <a:rPr lang="zh-TW" altLang="en-US" dirty="0" smtClean="0"/>
-              <a:t>篇</a:t>
-            </a:r>
-            <a:endParaRPr lang="en-US" altLang="zh-TW" dirty="0" smtClean="0"/>
-          </a:p>
-          <a:p>
-            <a:pPr marL="457200" lvl="1" indent="0">
-              <a:buNone/>
-            </a:pPr>
-            <a:r>
-              <a:rPr lang="en-US" altLang="zh-TW" dirty="0"/>
-              <a:t>['</a:t>
-            </a:r>
-            <a:r>
-              <a:rPr lang="zh-TW" altLang="en-US" dirty="0"/>
-              <a:t>王建民</a:t>
-            </a:r>
-            <a:r>
-              <a:rPr lang="en-US" altLang="zh-TW" dirty="0"/>
-              <a:t>', '</a:t>
-            </a:r>
-            <a:r>
-              <a:rPr lang="zh-TW" altLang="en-US" dirty="0"/>
-              <a:t>和田</a:t>
-            </a:r>
-            <a:r>
-              <a:rPr lang="en-US" altLang="zh-TW" dirty="0"/>
-              <a:t>', '</a:t>
-            </a:r>
-            <a:r>
-              <a:rPr lang="zh-TW" altLang="en-US" dirty="0"/>
-              <a:t>光司</a:t>
-            </a:r>
-            <a:r>
-              <a:rPr lang="en-US" altLang="zh-TW" dirty="0"/>
-              <a:t>', '</a:t>
-            </a:r>
-            <a:r>
-              <a:rPr lang="zh-TW" altLang="en-US" dirty="0"/>
-              <a:t>統神</a:t>
-            </a:r>
-            <a:r>
-              <a:rPr lang="en-US" altLang="zh-TW" dirty="0"/>
-              <a:t>', '</a:t>
-            </a:r>
-            <a:r>
-              <a:rPr lang="zh-TW" altLang="en-US" dirty="0"/>
-              <a:t>流浪</a:t>
-            </a:r>
-            <a:r>
-              <a:rPr lang="en-US" altLang="zh-TW" dirty="0"/>
-              <a:t>', '</a:t>
-            </a:r>
-            <a:r>
-              <a:rPr lang="zh-TW" altLang="en-US" dirty="0"/>
-              <a:t>實況</a:t>
-            </a:r>
-            <a:r>
-              <a:rPr lang="en-US" altLang="zh-TW" dirty="0"/>
-              <a:t>', '</a:t>
-            </a:r>
-            <a:r>
-              <a:rPr lang="zh-TW" altLang="en-US" dirty="0"/>
-              <a:t>日</a:t>
-            </a:r>
-            <a:r>
-              <a:rPr lang="en-US" altLang="zh-TW" dirty="0"/>
-              <a:t>', '</a:t>
-            </a:r>
-            <a:r>
-              <a:rPr lang="zh-TW" altLang="en-US" dirty="0"/>
-              <a:t>看</a:t>
-            </a:r>
-            <a:r>
-              <a:rPr lang="en-US" altLang="zh-TW" dirty="0"/>
-              <a:t>', '</a:t>
-            </a:r>
-            <a:r>
-              <a:rPr lang="zh-TW" altLang="en-US" dirty="0"/>
-              <a:t>大家</a:t>
-            </a:r>
-            <a:r>
-              <a:rPr lang="en-US" altLang="zh-TW" dirty="0"/>
-              <a:t>']</a:t>
-            </a:r>
-          </a:p>
-          <a:p>
-            <a:pPr marL="457200" lvl="1" indent="0">
-              <a:buNone/>
-            </a:pPr>
-            <a:r>
-              <a:rPr lang="en-US" altLang="zh-TW" dirty="0"/>
-              <a:t>['</a:t>
-            </a:r>
-            <a:r>
-              <a:rPr lang="zh-TW" altLang="en-US" dirty="0"/>
-              <a:t>統神</a:t>
-            </a:r>
-            <a:r>
-              <a:rPr lang="en-US" altLang="zh-TW" dirty="0"/>
-              <a:t>', '</a:t>
-            </a:r>
-            <a:r>
-              <a:rPr lang="zh-TW" altLang="en-US" dirty="0"/>
-              <a:t>和田</a:t>
-            </a:r>
-            <a:r>
-              <a:rPr lang="en-US" altLang="zh-TW" dirty="0"/>
-              <a:t>', '</a:t>
-            </a:r>
-            <a:r>
-              <a:rPr lang="zh-TW" altLang="en-US" dirty="0"/>
-              <a:t>新聞</a:t>
-            </a:r>
-            <a:r>
-              <a:rPr lang="en-US" altLang="zh-TW" dirty="0"/>
-              <a:t>', '</a:t>
-            </a:r>
-            <a:r>
-              <a:rPr lang="zh-TW" altLang="en-US" dirty="0"/>
-              <a:t>實況</a:t>
-            </a:r>
-            <a:r>
-              <a:rPr lang="en-US" altLang="zh-TW" dirty="0"/>
-              <a:t>', '</a:t>
-            </a:r>
-            <a:r>
-              <a:rPr lang="zh-TW" altLang="en-US" dirty="0"/>
-              <a:t>看</a:t>
-            </a:r>
-            <a:r>
-              <a:rPr lang="en-US" altLang="zh-TW" dirty="0"/>
-              <a:t>', '</a:t>
-            </a:r>
-            <a:r>
-              <a:rPr lang="zh-TW" altLang="en-US" dirty="0"/>
-              <a:t>完整</a:t>
-            </a:r>
-            <a:r>
-              <a:rPr lang="en-US" altLang="zh-TW" dirty="0"/>
-              <a:t>', '</a:t>
-            </a:r>
-            <a:r>
-              <a:rPr lang="zh-TW" altLang="en-US" dirty="0"/>
-              <a:t>啦</a:t>
-            </a:r>
-            <a:r>
-              <a:rPr lang="en-US" altLang="zh-TW" dirty="0"/>
-              <a:t>', '</a:t>
-            </a:r>
-            <a:r>
-              <a:rPr lang="zh-TW" altLang="en-US" dirty="0"/>
-              <a:t>吃</a:t>
-            </a:r>
-            <a:r>
-              <a:rPr lang="en-US" altLang="zh-TW" dirty="0"/>
-              <a:t>', '</a:t>
-            </a:r>
-            <a:r>
-              <a:rPr lang="zh-TW" altLang="en-US" dirty="0"/>
-              <a:t>柯文</a:t>
-            </a:r>
-            <a:r>
-              <a:rPr lang="en-US" altLang="zh-TW" dirty="0"/>
-              <a:t>']</a:t>
-            </a:r>
-          </a:p>
-          <a:p>
-            <a:pPr marL="457200" lvl="1" indent="0">
-              <a:buNone/>
-            </a:pPr>
-            <a:r>
-              <a:rPr lang="en-US" altLang="zh-TW" dirty="0"/>
-              <a:t>['</a:t>
-            </a:r>
-            <a:r>
-              <a:rPr lang="zh-TW" altLang="en-US" dirty="0"/>
-              <a:t>柯文</a:t>
-            </a:r>
-            <a:r>
-              <a:rPr lang="en-US" altLang="zh-TW" dirty="0"/>
-              <a:t>', '</a:t>
-            </a:r>
-            <a:r>
-              <a:rPr lang="zh-TW" altLang="en-US" dirty="0"/>
-              <a:t>統神</a:t>
-            </a:r>
-            <a:r>
-              <a:rPr lang="en-US" altLang="zh-TW" dirty="0"/>
-              <a:t>', '</a:t>
-            </a:r>
-            <a:r>
-              <a:rPr lang="zh-TW" altLang="en-US" dirty="0"/>
-              <a:t>新聞</a:t>
-            </a:r>
-            <a:r>
-              <a:rPr lang="en-US" altLang="zh-TW" dirty="0"/>
-              <a:t>', '</a:t>
-            </a:r>
-            <a:r>
-              <a:rPr lang="zh-TW" altLang="en-US" dirty="0"/>
-              <a:t>哲</a:t>
-            </a:r>
-            <a:r>
-              <a:rPr lang="en-US" altLang="zh-TW" dirty="0"/>
-              <a:t>', '</a:t>
-            </a:r>
-            <a:r>
-              <a:rPr lang="zh-TW" altLang="en-US" dirty="0"/>
-              <a:t>完整</a:t>
-            </a:r>
-            <a:r>
-              <a:rPr lang="en-US" altLang="zh-TW" dirty="0"/>
-              <a:t>', '</a:t>
-            </a:r>
-            <a:r>
-              <a:rPr lang="zh-TW" altLang="en-US" dirty="0"/>
-              <a:t>巨蛋</a:t>
-            </a:r>
-            <a:r>
-              <a:rPr lang="en-US" altLang="zh-TW" dirty="0"/>
-              <a:t>', '</a:t>
-            </a:r>
-            <a:r>
-              <a:rPr lang="zh-TW" altLang="en-US" dirty="0"/>
-              <a:t>多</a:t>
-            </a:r>
-            <a:r>
-              <a:rPr lang="en-US" altLang="zh-TW" dirty="0"/>
-              <a:t>', '</a:t>
-            </a:r>
-            <a:r>
-              <a:rPr lang="zh-TW" altLang="en-US" dirty="0"/>
-              <a:t>吃</a:t>
-            </a:r>
-            <a:r>
-              <a:rPr lang="en-US" altLang="zh-TW" dirty="0"/>
-              <a:t>', '</a:t>
-            </a:r>
-            <a:r>
-              <a:rPr lang="zh-TW" altLang="en-US" dirty="0"/>
-              <a:t>大家</a:t>
-            </a:r>
-            <a:r>
-              <a:rPr lang="en-US" altLang="zh-TW" dirty="0"/>
-              <a:t>']</a:t>
-            </a:r>
-          </a:p>
-          <a:p>
-            <a:pPr marL="457200" lvl="1" indent="0">
-              <a:buNone/>
-            </a:pPr>
-            <a:r>
-              <a:rPr lang="en-US" altLang="zh-TW" dirty="0"/>
-              <a:t>['</a:t>
-            </a:r>
-            <a:r>
-              <a:rPr lang="zh-TW" altLang="en-US" dirty="0"/>
-              <a:t>王建民</a:t>
-            </a:r>
-            <a:r>
-              <a:rPr lang="en-US" altLang="zh-TW" dirty="0"/>
-              <a:t>', '</a:t>
-            </a:r>
-            <a:r>
-              <a:rPr lang="zh-TW" altLang="en-US" dirty="0"/>
-              <a:t>新聞</a:t>
-            </a:r>
-            <a:r>
-              <a:rPr lang="en-US" altLang="zh-TW" dirty="0"/>
-              <a:t>', '</a:t>
-            </a:r>
-            <a:r>
-              <a:rPr lang="zh-TW" altLang="en-US" dirty="0"/>
-              <a:t>和田</a:t>
-            </a:r>
-            <a:r>
-              <a:rPr lang="en-US" altLang="zh-TW" dirty="0"/>
-              <a:t>', '</a:t>
-            </a:r>
-            <a:r>
-              <a:rPr lang="zh-TW" altLang="en-US" dirty="0"/>
-              <a:t>數碼</a:t>
-            </a:r>
-            <a:r>
-              <a:rPr lang="en-US" altLang="zh-TW" dirty="0"/>
-              <a:t>', '</a:t>
-            </a:r>
-            <a:r>
-              <a:rPr lang="zh-TW" altLang="en-US" dirty="0"/>
-              <a:t>光司</a:t>
-            </a:r>
-            <a:r>
-              <a:rPr lang="en-US" altLang="zh-TW" dirty="0"/>
-              <a:t>', '</a:t>
-            </a:r>
-            <a:r>
-              <a:rPr lang="zh-TW" altLang="en-US" dirty="0"/>
-              <a:t>完整</a:t>
-            </a:r>
-            <a:r>
-              <a:rPr lang="en-US" altLang="zh-TW" dirty="0"/>
-              <a:t>', '</a:t>
-            </a:r>
-            <a:r>
-              <a:rPr lang="zh-TW" altLang="en-US" dirty="0"/>
-              <a:t>統神</a:t>
-            </a:r>
-            <a:r>
-              <a:rPr lang="en-US" altLang="zh-TW" dirty="0"/>
-              <a:t>', '</a:t>
-            </a:r>
-            <a:r>
-              <a:rPr lang="zh-TW" altLang="en-US" dirty="0"/>
-              <a:t>實況</a:t>
-            </a:r>
-            <a:r>
-              <a:rPr lang="en-US" altLang="zh-TW" dirty="0"/>
-              <a:t>', '</a:t>
-            </a:r>
-            <a:r>
-              <a:rPr lang="zh-TW" altLang="en-US" dirty="0"/>
-              <a:t>吃</a:t>
-            </a:r>
-            <a:r>
-              <a:rPr lang="en-US" altLang="zh-TW" dirty="0"/>
-              <a:t>']</a:t>
-            </a:r>
-          </a:p>
-          <a:p>
-            <a:pPr marL="457200" lvl="1" indent="0">
-              <a:buNone/>
-            </a:pPr>
-            <a:r>
-              <a:rPr lang="en-US" altLang="zh-TW" dirty="0"/>
-              <a:t>['</a:t>
-            </a:r>
-            <a:r>
-              <a:rPr lang="zh-TW" altLang="en-US" dirty="0"/>
-              <a:t>王建民</a:t>
-            </a:r>
-            <a:r>
-              <a:rPr lang="en-US" altLang="zh-TW" dirty="0"/>
-              <a:t>', '</a:t>
-            </a:r>
-            <a:r>
-              <a:rPr lang="zh-TW" altLang="en-US" dirty="0"/>
-              <a:t>皇家</a:t>
-            </a:r>
-            <a:r>
-              <a:rPr lang="en-US" altLang="zh-TW" dirty="0"/>
-              <a:t>', '</a:t>
-            </a:r>
-            <a:r>
-              <a:rPr lang="zh-TW" altLang="en-US" dirty="0"/>
-              <a:t>柯文</a:t>
-            </a:r>
-            <a:r>
-              <a:rPr lang="en-US" altLang="zh-TW" dirty="0"/>
-              <a:t>', '</a:t>
-            </a:r>
-            <a:r>
-              <a:rPr lang="zh-TW" altLang="en-US" dirty="0"/>
-              <a:t>新聞</a:t>
-            </a:r>
-            <a:r>
-              <a:rPr lang="en-US" altLang="zh-TW" dirty="0"/>
-              <a:t>', '</a:t>
-            </a:r>
-            <a:r>
-              <a:rPr lang="zh-TW" altLang="en-US" dirty="0"/>
-              <a:t>哲</a:t>
-            </a:r>
-            <a:r>
-              <a:rPr lang="en-US" altLang="zh-TW" dirty="0"/>
-              <a:t>', '</a:t>
-            </a:r>
-            <a:r>
-              <a:rPr lang="zh-TW" altLang="en-US" dirty="0"/>
-              <a:t>有人</a:t>
-            </a:r>
-            <a:r>
-              <a:rPr lang="en-US" altLang="zh-TW" dirty="0"/>
-              <a:t>', '</a:t>
-            </a:r>
-            <a:r>
-              <a:rPr lang="zh-TW" altLang="en-US" dirty="0"/>
-              <a:t>三振</a:t>
-            </a:r>
-            <a:r>
-              <a:rPr lang="en-US" altLang="zh-TW" dirty="0"/>
-              <a:t>', '</a:t>
-            </a:r>
-            <a:r>
-              <a:rPr lang="zh-TW" altLang="en-US" dirty="0"/>
-              <a:t>（</a:t>
-            </a:r>
-            <a:r>
-              <a:rPr lang="en-US" altLang="zh-TW" dirty="0"/>
-              <a:t>', '</a:t>
-            </a:r>
-            <a:r>
-              <a:rPr lang="zh-TW" altLang="en-US" dirty="0"/>
-              <a:t>報導</a:t>
-            </a:r>
-            <a:r>
-              <a:rPr lang="en-US" altLang="zh-TW" dirty="0"/>
-              <a:t>']</a:t>
-            </a:r>
-            <a:endParaRPr lang="en-US" altLang="zh-TW" dirty="0" smtClean="0"/>
+          <a:bodyPr/>
+          <a:lstStyle/>
+          <a:p>
+            <a:endParaRPr lang="zh-TW" altLang="en-US"/>
           </a:p>
         </p:txBody>
       </p:sp>
     </p:spTree>
     <p:extLst>
       <p:ext uri="{BB962C8B-B14F-4D97-AF65-F5344CB8AC3E}">
-        <p14:creationId xmlns:p14="http://schemas.microsoft.com/office/powerpoint/2010/main" val="1112389639"/>
-      </p:ext>
-    </p:extLst>
-  </p:cSld>
-  <p:clrMapOvr>
-    <a:masterClrMapping/>
-  </p:clrMapOvr>
-</p:sld>
-</file>
-
-<file path=ppt/slides/slide19.xml><?xml version="1.0" encoding="utf-8"?>
-<p:sld xmlns:a="http://schemas.openxmlformats.org/drawingml/2006/main" xmlns:r="http://schemas.openxmlformats.org/officeDocument/2006/relationships" xmlns:p="http://schemas.openxmlformats.org/presentationml/2006/main">
-  <p:cSld>
-    <p:spTree>
-      <p:nvGrpSpPr>
-        <p:cNvPr id="1" name=""/>
-        <p:cNvGrpSpPr/>
-        <p:nvPr/>
-      </p:nvGrpSpPr>
-      <p:grpSpPr>
-        <a:xfrm>
-          <a:off x="0" y="0"/>
-          <a:ext cx="0" cy="0"/>
-          <a:chOff x="0" y="0"/>
-          <a:chExt cx="0" cy="0"/>
-        </a:xfrm>
-      </p:grpSpPr>
-      <p:sp>
-        <p:nvSpPr>
-          <p:cNvPr id="2" name="標題 1"/>
-          <p:cNvSpPr>
-            <a:spLocks noGrp="1"/>
-          </p:cNvSpPr>
-          <p:nvPr>
-            <p:ph type="title"/>
-          </p:nvPr>
-        </p:nvSpPr>
-        <p:spPr/>
-        <p:txBody>
-          <a:bodyPr/>
-          <a:lstStyle/>
-          <a:p>
-            <a:r>
-              <a:rPr lang="en-US" altLang="zh-TW" dirty="0" smtClean="0"/>
-              <a:t>LDA</a:t>
-            </a:r>
-            <a:r>
-              <a:rPr lang="zh-TW" altLang="en-US" dirty="0" smtClean="0"/>
-              <a:t>實驗總結</a:t>
-            </a:r>
-            <a:endParaRPr lang="zh-TW" altLang="en-US" dirty="0"/>
-          </a:p>
-        </p:txBody>
-      </p:sp>
-      <p:sp>
-        <p:nvSpPr>
-          <p:cNvPr id="3" name="內容版面配置區 2"/>
-          <p:cNvSpPr>
-            <a:spLocks noGrp="1"/>
-          </p:cNvSpPr>
-          <p:nvPr>
-            <p:ph idx="1"/>
-          </p:nvPr>
-        </p:nvSpPr>
-        <p:spPr/>
-        <p:txBody>
-          <a:bodyPr/>
-          <a:lstStyle/>
-          <a:p>
-            <a:r>
-              <a:rPr lang="zh-TW" altLang="en-US" dirty="0" smtClean="0"/>
-              <a:t>對單一主題討論串找出關鍵字效果不錯，不過對於多個主題討論串效果相當有限</a:t>
-            </a:r>
-            <a:endParaRPr lang="en-US" altLang="zh-TW" dirty="0" smtClean="0"/>
-          </a:p>
-          <a:p>
-            <a:endParaRPr lang="en-US" altLang="zh-TW" dirty="0"/>
-          </a:p>
-          <a:p>
-            <a:r>
-              <a:rPr lang="zh-TW" altLang="en-US" dirty="0" smtClean="0"/>
-              <a:t>相同討論串的篇數越多</a:t>
-            </a:r>
-            <a:r>
-              <a:rPr lang="en-US" altLang="zh-TW" dirty="0" smtClean="0"/>
-              <a:t>model</a:t>
-            </a:r>
-            <a:r>
-              <a:rPr lang="zh-TW" altLang="en-US" dirty="0" smtClean="0"/>
-              <a:t>出來的效果會越好，但前提是文章彼此之間時間不能差太多</a:t>
-            </a:r>
-            <a:endParaRPr lang="en-US" altLang="zh-TW" dirty="0" smtClean="0"/>
-          </a:p>
-          <a:p>
-            <a:endParaRPr lang="en-US" altLang="zh-TW" dirty="0"/>
-          </a:p>
-          <a:p>
-            <a:endParaRPr lang="en-US" altLang="zh-TW" dirty="0" smtClean="0"/>
-          </a:p>
-          <a:p>
-            <a:endParaRPr lang="zh-TW" altLang="en-US" dirty="0"/>
-          </a:p>
-        </p:txBody>
-      </p:sp>
-    </p:spTree>
-    <p:extLst>
-      <p:ext uri="{BB962C8B-B14F-4D97-AF65-F5344CB8AC3E}">
-        <p14:creationId xmlns:p14="http://schemas.microsoft.com/office/powerpoint/2010/main" val="530411930"/>
+        <p14:creationId xmlns:p14="http://schemas.microsoft.com/office/powerpoint/2010/main" val="1492193003"/>
       </p:ext>
     </p:extLst>
   </p:cSld>
@@ -8351,7 +6733,7 @@
         </p:nvSpPr>
         <p:spPr>
           <a:xfrm>
-            <a:off x="838200" y="2244519"/>
+            <a:off x="837749" y="1825622"/>
             <a:ext cx="1691014" cy="1139869"/>
           </a:xfrm>
           <a:prstGeom prst="rect">
@@ -8395,7 +6777,7 @@
         </p:nvSpPr>
         <p:spPr>
           <a:xfrm>
-            <a:off x="5147416" y="2244517"/>
+            <a:off x="2861846" y="3266001"/>
             <a:ext cx="1691014" cy="1139869"/>
           </a:xfrm>
           <a:prstGeom prst="rect">
@@ -8425,14 +6807,7 @@
             <a:pPr algn="ctr"/>
             <a:r>
               <a:rPr lang="en-US" altLang="zh-TW" dirty="0" smtClean="0"/>
-              <a:t>Relevance</a:t>
-            </a:r>
-          </a:p>
-          <a:p>
-            <a:pPr algn="ctr"/>
-            <a:r>
-              <a:rPr lang="en-US" altLang="zh-TW" dirty="0" smtClean="0"/>
-              <a:t>Computing</a:t>
+              <a:t>Training</a:t>
             </a:r>
             <a:endParaRPr lang="zh-TW" altLang="en-US" dirty="0"/>
           </a:p>
@@ -8448,9 +6823,9 @@
           <p:nvPr/>
         </p:nvCxnSpPr>
         <p:spPr>
-          <a:xfrm flipV="1">
-            <a:off x="2529214" y="2814452"/>
-            <a:ext cx="463594" cy="2"/>
+          <a:xfrm>
+            <a:off x="2528763" y="2395557"/>
+            <a:ext cx="333083" cy="0"/>
           </a:xfrm>
           <a:prstGeom prst="straightConnector1">
             <a:avLst/>
@@ -8482,7 +6857,7 @@
         </p:nvSpPr>
         <p:spPr>
           <a:xfrm>
-            <a:off x="7302024" y="2244517"/>
+            <a:off x="2861846" y="4706380"/>
             <a:ext cx="1691014" cy="1139869"/>
           </a:xfrm>
           <a:prstGeom prst="rect">
@@ -8512,48 +6887,19 @@
             <a:pPr algn="ctr"/>
             <a:r>
               <a:rPr lang="en-US" altLang="zh-TW" dirty="0" smtClean="0"/>
-              <a:t>Topic Modeling</a:t>
+              <a:t>Word2Vec</a:t>
+            </a:r>
+          </a:p>
+          <a:p>
+            <a:pPr algn="ctr"/>
+            <a:r>
+              <a:rPr lang="en-US" altLang="zh-TW" dirty="0" smtClean="0"/>
+              <a:t>Model</a:t>
             </a:r>
             <a:endParaRPr lang="zh-TW" altLang="en-US" dirty="0"/>
           </a:p>
         </p:txBody>
       </p:sp>
-      <p:cxnSp>
-        <p:nvCxnSpPr>
-          <p:cNvPr id="14" name="直線單箭頭接點 13"/>
-          <p:cNvCxnSpPr>
-            <a:stCxn id="8" idx="3"/>
-            <a:endCxn id="13" idx="1"/>
-          </p:cNvCxnSpPr>
-          <p:nvPr/>
-        </p:nvCxnSpPr>
-        <p:spPr>
-          <a:xfrm>
-            <a:off x="6838430" y="2814452"/>
-            <a:ext cx="463594" cy="0"/>
-          </a:xfrm>
-          <a:prstGeom prst="straightConnector1">
-            <a:avLst/>
-          </a:prstGeom>
-          <a:ln>
-            <a:tailEnd type="triangle"/>
-          </a:ln>
-        </p:spPr>
-        <p:style>
-          <a:lnRef idx="1">
-            <a:schemeClr val="accent1"/>
-          </a:lnRef>
-          <a:fillRef idx="0">
-            <a:schemeClr val="accent1"/>
-          </a:fillRef>
-          <a:effectRef idx="0">
-            <a:schemeClr val="accent1"/>
-          </a:effectRef>
-          <a:fontRef idx="minor">
-            <a:schemeClr val="tx1"/>
-          </a:fontRef>
-        </p:style>
-      </p:cxnSp>
       <p:sp>
         <p:nvSpPr>
           <p:cNvPr id="29" name="矩形 28"/>
@@ -8562,7 +6908,7 @@
         </p:nvSpPr>
         <p:spPr>
           <a:xfrm>
-            <a:off x="9456632" y="2244517"/>
+            <a:off x="9496790" y="4706379"/>
             <a:ext cx="1691014" cy="1139869"/>
           </a:xfrm>
           <a:prstGeom prst="rect">
@@ -8598,42 +6944,6 @@
           </a:p>
         </p:txBody>
       </p:sp>
-      <p:cxnSp>
-        <p:nvCxnSpPr>
-          <p:cNvPr id="33" name="直線單箭頭接點 32"/>
-          <p:cNvCxnSpPr>
-            <a:stCxn id="13" idx="3"/>
-            <a:endCxn id="29" idx="1"/>
-          </p:cNvCxnSpPr>
-          <p:nvPr/>
-        </p:nvCxnSpPr>
-        <p:spPr>
-          <a:xfrm>
-            <a:off x="8993038" y="2814452"/>
-            <a:ext cx="463594" cy="0"/>
-          </a:xfrm>
-          <a:prstGeom prst="straightConnector1">
-            <a:avLst/>
-          </a:prstGeom>
-          <a:ln>
-            <a:tailEnd type="triangle"/>
-          </a:ln>
-        </p:spPr>
-        <p:style>
-          <a:lnRef idx="1">
-            <a:schemeClr val="accent1"/>
-          </a:lnRef>
-          <a:fillRef idx="0">
-            <a:schemeClr val="accent1"/>
-          </a:fillRef>
-          <a:effectRef idx="0">
-            <a:schemeClr val="accent1"/>
-          </a:effectRef>
-          <a:fontRef idx="minor">
-            <a:schemeClr val="tx1"/>
-          </a:fontRef>
-        </p:style>
-      </p:cxnSp>
       <p:sp>
         <p:nvSpPr>
           <p:cNvPr id="18" name="矩形 17"/>
@@ -8642,7 +6952,7 @@
         </p:nvSpPr>
         <p:spPr>
           <a:xfrm>
-            <a:off x="2992808" y="2244517"/>
+            <a:off x="2861846" y="1825622"/>
             <a:ext cx="1691014" cy="1139869"/>
           </a:xfrm>
           <a:prstGeom prst="rect">
@@ -8672,14 +6982,14 @@
             <a:pPr algn="ctr"/>
             <a:r>
               <a:rPr lang="en-US" altLang="zh-TW" dirty="0" smtClean="0"/>
-              <a:t>Keyword</a:t>
-            </a:r>
-            <a:br>
-              <a:rPr lang="en-US" altLang="zh-TW" dirty="0" smtClean="0"/>
-            </a:br>
-            <a:r>
-              <a:rPr lang="en-US" altLang="zh-TW" dirty="0" smtClean="0"/>
-              <a:t>Selection</a:t>
+              <a:t>Train Data</a:t>
+            </a:r>
+          </a:p>
+          <a:p>
+            <a:pPr algn="ctr"/>
+            <a:r>
+              <a:rPr lang="en-US" altLang="zh-TW" dirty="0" smtClean="0"/>
+              <a:t>Preprocessing</a:t>
             </a:r>
           </a:p>
         </p:txBody>
@@ -8688,17 +6998,288 @@
         <p:nvCxnSpPr>
           <p:cNvPr id="30" name="直線單箭頭接點 29"/>
           <p:cNvCxnSpPr>
-            <a:stCxn id="18" idx="3"/>
-            <a:endCxn id="8" idx="1"/>
+            <a:stCxn id="18" idx="2"/>
+            <a:endCxn id="8" idx="0"/>
           </p:cNvCxnSpPr>
           <p:nvPr/>
         </p:nvCxnSpPr>
         <p:spPr>
           <a:xfrm>
-            <a:off x="4683822" y="2814452"/>
-            <a:ext cx="463594" cy="0"/>
+            <a:off x="3707353" y="2965491"/>
+            <a:ext cx="0" cy="300510"/>
           </a:xfrm>
           <a:prstGeom prst="straightConnector1">
+            <a:avLst/>
+          </a:prstGeom>
+          <a:ln>
+            <a:tailEnd type="triangle"/>
+          </a:ln>
+        </p:spPr>
+        <p:style>
+          <a:lnRef idx="1">
+            <a:schemeClr val="accent1"/>
+          </a:lnRef>
+          <a:fillRef idx="0">
+            <a:schemeClr val="accent1"/>
+          </a:fillRef>
+          <a:effectRef idx="0">
+            <a:schemeClr val="accent1"/>
+          </a:effectRef>
+          <a:fontRef idx="minor">
+            <a:schemeClr val="tx1"/>
+          </a:fontRef>
+        </p:style>
+      </p:cxnSp>
+      <p:sp>
+        <p:nvSpPr>
+          <p:cNvPr id="22" name="矩形 21"/>
+          <p:cNvSpPr/>
+          <p:nvPr/>
+        </p:nvSpPr>
+        <p:spPr>
+          <a:xfrm>
+            <a:off x="5073494" y="4706380"/>
+            <a:ext cx="1691014" cy="1139869"/>
+          </a:xfrm>
+          <a:prstGeom prst="rect">
+            <a:avLst/>
+          </a:prstGeom>
+        </p:spPr>
+        <p:style>
+          <a:lnRef idx="2">
+            <a:schemeClr val="accent1">
+              <a:shade val="50000"/>
+            </a:schemeClr>
+          </a:lnRef>
+          <a:fillRef idx="1">
+            <a:schemeClr val="accent1"/>
+          </a:fillRef>
+          <a:effectRef idx="0">
+            <a:schemeClr val="accent1"/>
+          </a:effectRef>
+          <a:fontRef idx="minor">
+            <a:schemeClr val="lt1"/>
+          </a:fontRef>
+        </p:style>
+        <p:txBody>
+          <a:bodyPr rtlCol="0" anchor="ctr"/>
+          <a:lstStyle/>
+          <a:p>
+            <a:pPr algn="ctr"/>
+            <a:r>
+              <a:rPr lang="en-US" altLang="zh-TW" dirty="0" smtClean="0"/>
+              <a:t>Article Vector</a:t>
+            </a:r>
+            <a:br>
+              <a:rPr lang="en-US" altLang="zh-TW" dirty="0" smtClean="0"/>
+            </a:br>
+            <a:r>
+              <a:rPr lang="en-US" altLang="zh-TW" dirty="0" smtClean="0"/>
+              <a:t>Computing</a:t>
+            </a:r>
+            <a:endParaRPr lang="zh-TW" altLang="en-US" dirty="0"/>
+          </a:p>
+        </p:txBody>
+      </p:sp>
+      <p:sp>
+        <p:nvSpPr>
+          <p:cNvPr id="24" name="矩形 23"/>
+          <p:cNvSpPr/>
+          <p:nvPr/>
+        </p:nvSpPr>
+        <p:spPr>
+          <a:xfrm>
+            <a:off x="7285142" y="4706380"/>
+            <a:ext cx="1691014" cy="1139869"/>
+          </a:xfrm>
+          <a:prstGeom prst="rect">
+            <a:avLst/>
+          </a:prstGeom>
+        </p:spPr>
+        <p:style>
+          <a:lnRef idx="2">
+            <a:schemeClr val="accent1">
+              <a:shade val="50000"/>
+            </a:schemeClr>
+          </a:lnRef>
+          <a:fillRef idx="1">
+            <a:schemeClr val="accent1"/>
+          </a:fillRef>
+          <a:effectRef idx="0">
+            <a:schemeClr val="accent1"/>
+          </a:effectRef>
+          <a:fontRef idx="minor">
+            <a:schemeClr val="lt1"/>
+          </a:fontRef>
+        </p:style>
+        <p:txBody>
+          <a:bodyPr rtlCol="0" anchor="ctr"/>
+          <a:lstStyle/>
+          <a:p>
+            <a:pPr algn="ctr"/>
+            <a:r>
+              <a:rPr lang="en-US" altLang="zh-TW" dirty="0" smtClean="0"/>
+              <a:t>Clustering</a:t>
+            </a:r>
+            <a:endParaRPr lang="zh-TW" altLang="en-US" dirty="0"/>
+          </a:p>
+        </p:txBody>
+      </p:sp>
+      <p:cxnSp>
+        <p:nvCxnSpPr>
+          <p:cNvPr id="57" name="直線單箭頭接點 56"/>
+          <p:cNvCxnSpPr>
+            <a:endCxn id="13" idx="0"/>
+          </p:cNvCxnSpPr>
+          <p:nvPr/>
+        </p:nvCxnSpPr>
+        <p:spPr>
+          <a:xfrm>
+            <a:off x="3707353" y="4405871"/>
+            <a:ext cx="0" cy="300509"/>
+          </a:xfrm>
+          <a:prstGeom prst="straightConnector1">
+            <a:avLst/>
+          </a:prstGeom>
+          <a:ln>
+            <a:tailEnd type="triangle"/>
+          </a:ln>
+        </p:spPr>
+        <p:style>
+          <a:lnRef idx="1">
+            <a:schemeClr val="accent1"/>
+          </a:lnRef>
+          <a:fillRef idx="0">
+            <a:schemeClr val="accent1"/>
+          </a:fillRef>
+          <a:effectRef idx="0">
+            <a:schemeClr val="accent1"/>
+          </a:effectRef>
+          <a:fontRef idx="minor">
+            <a:schemeClr val="tx1"/>
+          </a:fontRef>
+        </p:style>
+      </p:cxnSp>
+      <p:cxnSp>
+        <p:nvCxnSpPr>
+          <p:cNvPr id="60" name="直線單箭頭接點 59"/>
+          <p:cNvCxnSpPr>
+            <a:stCxn id="13" idx="3"/>
+          </p:cNvCxnSpPr>
+          <p:nvPr/>
+        </p:nvCxnSpPr>
+        <p:spPr>
+          <a:xfrm flipV="1">
+            <a:off x="4552860" y="5276313"/>
+            <a:ext cx="520634" cy="2"/>
+          </a:xfrm>
+          <a:prstGeom prst="straightConnector1">
+            <a:avLst/>
+          </a:prstGeom>
+          <a:ln>
+            <a:tailEnd type="triangle"/>
+          </a:ln>
+        </p:spPr>
+        <p:style>
+          <a:lnRef idx="1">
+            <a:schemeClr val="accent1"/>
+          </a:lnRef>
+          <a:fillRef idx="0">
+            <a:schemeClr val="accent1"/>
+          </a:fillRef>
+          <a:effectRef idx="0">
+            <a:schemeClr val="accent1"/>
+          </a:effectRef>
+          <a:fontRef idx="minor">
+            <a:schemeClr val="tx1"/>
+          </a:fontRef>
+        </p:style>
+      </p:cxnSp>
+      <p:cxnSp>
+        <p:nvCxnSpPr>
+          <p:cNvPr id="63" name="直線單箭頭接點 62"/>
+          <p:cNvCxnSpPr>
+            <a:endCxn id="24" idx="1"/>
+          </p:cNvCxnSpPr>
+          <p:nvPr/>
+        </p:nvCxnSpPr>
+        <p:spPr>
+          <a:xfrm>
+            <a:off x="6764508" y="5276311"/>
+            <a:ext cx="520634" cy="4"/>
+          </a:xfrm>
+          <a:prstGeom prst="straightConnector1">
+            <a:avLst/>
+          </a:prstGeom>
+          <a:ln>
+            <a:tailEnd type="triangle"/>
+          </a:ln>
+        </p:spPr>
+        <p:style>
+          <a:lnRef idx="1">
+            <a:schemeClr val="accent1"/>
+          </a:lnRef>
+          <a:fillRef idx="0">
+            <a:schemeClr val="accent1"/>
+          </a:fillRef>
+          <a:effectRef idx="0">
+            <a:schemeClr val="accent1"/>
+          </a:effectRef>
+          <a:fontRef idx="minor">
+            <a:schemeClr val="tx1"/>
+          </a:fontRef>
+        </p:style>
+      </p:cxnSp>
+      <p:cxnSp>
+        <p:nvCxnSpPr>
+          <p:cNvPr id="64" name="直線單箭頭接點 63"/>
+          <p:cNvCxnSpPr>
+            <a:stCxn id="24" idx="3"/>
+          </p:cNvCxnSpPr>
+          <p:nvPr/>
+        </p:nvCxnSpPr>
+        <p:spPr>
+          <a:xfrm flipV="1">
+            <a:off x="8976156" y="5276311"/>
+            <a:ext cx="520634" cy="4"/>
+          </a:xfrm>
+          <a:prstGeom prst="straightConnector1">
+            <a:avLst/>
+          </a:prstGeom>
+          <a:ln>
+            <a:tailEnd type="triangle"/>
+          </a:ln>
+        </p:spPr>
+        <p:style>
+          <a:lnRef idx="1">
+            <a:schemeClr val="accent1"/>
+          </a:lnRef>
+          <a:fillRef idx="0">
+            <a:schemeClr val="accent1"/>
+          </a:fillRef>
+          <a:effectRef idx="0">
+            <a:schemeClr val="accent1"/>
+          </a:effectRef>
+          <a:fontRef idx="minor">
+            <a:schemeClr val="tx1"/>
+          </a:fontRef>
+        </p:style>
+      </p:cxnSp>
+      <p:cxnSp>
+        <p:nvCxnSpPr>
+          <p:cNvPr id="75" name="肘形接點 74"/>
+          <p:cNvCxnSpPr>
+            <a:stCxn id="6" idx="2"/>
+            <a:endCxn id="13" idx="1"/>
+          </p:cNvCxnSpPr>
+          <p:nvPr/>
+        </p:nvCxnSpPr>
+        <p:spPr>
+          <a:xfrm rot="16200000" flipH="1">
+            <a:off x="1117139" y="3531608"/>
+            <a:ext cx="2310824" cy="1178590"/>
+          </a:xfrm>
+          <a:prstGeom prst="bentConnector2">
             <a:avLst/>
           </a:prstGeom>
           <a:ln>
@@ -8759,7 +7340,7 @@
       </p:grpSpPr>
       <p:sp>
         <p:nvSpPr>
-          <p:cNvPr id="2" name="標題 1"/>
+          <p:cNvPr id="4" name="標題 3"/>
           <p:cNvSpPr>
             <a:spLocks noGrp="1"/>
           </p:cNvSpPr>
@@ -8773,8 +7354,8 @@
           <a:lstStyle/>
           <a:p>
             <a:r>
-              <a:rPr lang="zh-TW" altLang="en-US" dirty="0" smtClean="0"/>
-              <a:t> </a:t>
+              <a:rPr lang="en-US" altLang="zh-TW" dirty="0" smtClean="0"/>
+              <a:t>Training Part</a:t>
             </a:r>
             <a:endParaRPr lang="zh-TW" altLang="en-US" dirty="0"/>
           </a:p>
@@ -8782,12 +7363,12 @@
       </p:sp>
       <p:sp>
         <p:nvSpPr>
-          <p:cNvPr id="3" name="內容版面配置區 2"/>
-          <p:cNvSpPr>
-            <a:spLocks noGrp="1"/>
-          </p:cNvSpPr>
-          <p:nvPr>
-            <p:ph idx="1"/>
+          <p:cNvPr id="5" name="文字版面配置區 4"/>
+          <p:cNvSpPr>
+            <a:spLocks noGrp="1"/>
+          </p:cNvSpPr>
+          <p:nvPr>
+            <p:ph type="body" idx="1"/>
           </p:nvPr>
         </p:nvSpPr>
         <p:spPr/>
@@ -8795,439 +7376,20 @@
           <a:bodyPr/>
           <a:lstStyle/>
           <a:p>
-            <a:endParaRPr lang="en-US" altLang="zh-TW" dirty="0" smtClean="0"/>
-          </a:p>
-          <a:p>
-            <a:r>
-              <a:rPr lang="zh-TW" altLang="en-US" dirty="0" smtClean="0"/>
-              <a:t>以</a:t>
-            </a:r>
-            <a:r>
-              <a:rPr lang="en-US" altLang="zh-TW" dirty="0" smtClean="0"/>
-              <a:t>PTT</a:t>
-            </a:r>
-            <a:r>
-              <a:rPr lang="zh-TW" altLang="en-US" dirty="0" smtClean="0"/>
-              <a:t> 八卦版的文章為資料來源</a:t>
-            </a:r>
-            <a:endParaRPr lang="zh-TW" altLang="en-US" dirty="0"/>
-          </a:p>
-        </p:txBody>
-      </p:sp>
-      <p:sp>
-        <p:nvSpPr>
-          <p:cNvPr id="4" name="矩形 3"/>
-          <p:cNvSpPr/>
-          <p:nvPr/>
-        </p:nvSpPr>
-        <p:spPr>
-          <a:xfrm>
-            <a:off x="838200" y="550821"/>
-            <a:ext cx="1691014" cy="1139869"/>
-          </a:xfrm>
-          <a:prstGeom prst="rect">
-            <a:avLst/>
-          </a:prstGeom>
-        </p:spPr>
-        <p:style>
-          <a:lnRef idx="2">
-            <a:schemeClr val="accent1">
-              <a:shade val="50000"/>
-            </a:schemeClr>
-          </a:lnRef>
-          <a:fillRef idx="1">
-            <a:schemeClr val="accent1"/>
-          </a:fillRef>
-          <a:effectRef idx="0">
-            <a:schemeClr val="accent1"/>
-          </a:effectRef>
-          <a:fontRef idx="minor">
-            <a:schemeClr val="lt1"/>
-          </a:fontRef>
-        </p:style>
-        <p:txBody>
-          <a:bodyPr rtlCol="0" anchor="ctr"/>
-          <a:lstStyle/>
-          <a:p>
-            <a:pPr algn="ctr"/>
-            <a:r>
-              <a:rPr lang="en-US" altLang="zh-TW" dirty="0" smtClean="0"/>
-              <a:t>Articles</a:t>
-            </a:r>
-            <a:endParaRPr lang="zh-TW" altLang="en-US" dirty="0"/>
-          </a:p>
-        </p:txBody>
-      </p:sp>
-      <p:sp>
-        <p:nvSpPr>
-          <p:cNvPr id="5" name="矩形 4"/>
-          <p:cNvSpPr/>
-          <p:nvPr/>
-        </p:nvSpPr>
-        <p:spPr>
-          <a:xfrm>
-            <a:off x="5147416" y="550819"/>
-            <a:ext cx="1691014" cy="1139869"/>
-          </a:xfrm>
-          <a:prstGeom prst="rect">
-            <a:avLst/>
-          </a:prstGeom>
-          <a:solidFill>
-            <a:schemeClr val="accent1">
-              <a:lumMod val="50000"/>
-            </a:schemeClr>
-          </a:solidFill>
-        </p:spPr>
-        <p:style>
-          <a:lnRef idx="2">
-            <a:schemeClr val="accent1">
-              <a:shade val="50000"/>
-            </a:schemeClr>
-          </a:lnRef>
-          <a:fillRef idx="1">
-            <a:schemeClr val="accent1"/>
-          </a:fillRef>
-          <a:effectRef idx="0">
-            <a:schemeClr val="accent1"/>
-          </a:effectRef>
-          <a:fontRef idx="minor">
-            <a:schemeClr val="lt1"/>
-          </a:fontRef>
-        </p:style>
-        <p:txBody>
-          <a:bodyPr rtlCol="0" anchor="ctr"/>
-          <a:lstStyle/>
-          <a:p>
-            <a:pPr algn="ctr"/>
-            <a:r>
-              <a:rPr lang="en-US" altLang="zh-TW" dirty="0" smtClean="0"/>
-              <a:t>Relevance</a:t>
-            </a:r>
-          </a:p>
-          <a:p>
-            <a:pPr algn="ctr"/>
-            <a:r>
-              <a:rPr lang="en-US" altLang="zh-TW" dirty="0" smtClean="0"/>
-              <a:t>Computing</a:t>
-            </a:r>
-            <a:endParaRPr lang="zh-TW" altLang="en-US" dirty="0"/>
-          </a:p>
-        </p:txBody>
-      </p:sp>
-      <p:cxnSp>
-        <p:nvCxnSpPr>
-          <p:cNvPr id="6" name="直線單箭頭接點 5"/>
-          <p:cNvCxnSpPr>
-            <a:stCxn id="4" idx="3"/>
-            <a:endCxn id="11" idx="1"/>
-          </p:cNvCxnSpPr>
-          <p:nvPr/>
-        </p:nvCxnSpPr>
-        <p:spPr>
-          <a:xfrm flipV="1">
-            <a:off x="2529214" y="1120754"/>
-            <a:ext cx="463594" cy="2"/>
-          </a:xfrm>
-          <a:prstGeom prst="straightConnector1">
-            <a:avLst/>
-          </a:prstGeom>
-          <a:ln>
-            <a:tailEnd type="triangle"/>
-          </a:ln>
-        </p:spPr>
-        <p:style>
-          <a:lnRef idx="1">
-            <a:schemeClr val="accent1"/>
-          </a:lnRef>
-          <a:fillRef idx="0">
-            <a:schemeClr val="accent1"/>
-          </a:fillRef>
-          <a:effectRef idx="0">
-            <a:schemeClr val="accent1"/>
-          </a:effectRef>
-          <a:fontRef idx="minor">
-            <a:schemeClr val="tx1"/>
-          </a:fontRef>
-        </p:style>
-      </p:cxnSp>
-      <p:sp>
-        <p:nvSpPr>
-          <p:cNvPr id="7" name="矩形 6"/>
-          <p:cNvSpPr/>
-          <p:nvPr/>
-        </p:nvSpPr>
-        <p:spPr>
-          <a:xfrm>
-            <a:off x="7302024" y="550819"/>
-            <a:ext cx="1691014" cy="1139869"/>
-          </a:xfrm>
-          <a:prstGeom prst="rect">
-            <a:avLst/>
-          </a:prstGeom>
-          <a:solidFill>
-            <a:schemeClr val="accent1">
-              <a:lumMod val="50000"/>
-            </a:schemeClr>
-          </a:solidFill>
-        </p:spPr>
-        <p:style>
-          <a:lnRef idx="2">
-            <a:schemeClr val="accent1">
-              <a:shade val="50000"/>
-            </a:schemeClr>
-          </a:lnRef>
-          <a:fillRef idx="1">
-            <a:schemeClr val="accent1"/>
-          </a:fillRef>
-          <a:effectRef idx="0">
-            <a:schemeClr val="accent1"/>
-          </a:effectRef>
-          <a:fontRef idx="minor">
-            <a:schemeClr val="lt1"/>
-          </a:fontRef>
-        </p:style>
-        <p:txBody>
-          <a:bodyPr rtlCol="0" anchor="ctr"/>
-          <a:lstStyle/>
-          <a:p>
-            <a:pPr algn="ctr"/>
-            <a:r>
-              <a:rPr lang="en-US" altLang="zh-TW" dirty="0" smtClean="0"/>
-              <a:t>Topic Modeling</a:t>
-            </a:r>
-            <a:endParaRPr lang="zh-TW" altLang="en-US" dirty="0"/>
-          </a:p>
-        </p:txBody>
-      </p:sp>
-      <p:cxnSp>
-        <p:nvCxnSpPr>
-          <p:cNvPr id="8" name="直線單箭頭接點 7"/>
-          <p:cNvCxnSpPr>
-            <a:stCxn id="5" idx="3"/>
-            <a:endCxn id="7" idx="1"/>
-          </p:cNvCxnSpPr>
-          <p:nvPr/>
-        </p:nvCxnSpPr>
-        <p:spPr>
-          <a:xfrm>
-            <a:off x="6838430" y="1120754"/>
-            <a:ext cx="463594" cy="0"/>
-          </a:xfrm>
-          <a:prstGeom prst="straightConnector1">
-            <a:avLst/>
-          </a:prstGeom>
-          <a:ln>
-            <a:tailEnd type="triangle"/>
-          </a:ln>
-        </p:spPr>
-        <p:style>
-          <a:lnRef idx="1">
-            <a:schemeClr val="accent1"/>
-          </a:lnRef>
-          <a:fillRef idx="0">
-            <a:schemeClr val="accent1"/>
-          </a:fillRef>
-          <a:effectRef idx="0">
-            <a:schemeClr val="accent1"/>
-          </a:effectRef>
-          <a:fontRef idx="minor">
-            <a:schemeClr val="tx1"/>
-          </a:fontRef>
-        </p:style>
-      </p:cxnSp>
-      <p:sp>
-        <p:nvSpPr>
-          <p:cNvPr id="9" name="矩形 8"/>
-          <p:cNvSpPr/>
-          <p:nvPr/>
-        </p:nvSpPr>
-        <p:spPr>
-          <a:xfrm>
-            <a:off x="9456632" y="550819"/>
-            <a:ext cx="1691014" cy="1139869"/>
-          </a:xfrm>
-          <a:prstGeom prst="rect">
-            <a:avLst/>
-          </a:prstGeom>
-          <a:solidFill>
-            <a:schemeClr val="accent1">
-              <a:lumMod val="50000"/>
-            </a:schemeClr>
-          </a:solidFill>
-        </p:spPr>
-        <p:style>
-          <a:lnRef idx="2">
-            <a:schemeClr val="accent1">
-              <a:shade val="50000"/>
-            </a:schemeClr>
-          </a:lnRef>
-          <a:fillRef idx="1">
-            <a:schemeClr val="accent1"/>
-          </a:fillRef>
-          <a:effectRef idx="0">
-            <a:schemeClr val="accent1"/>
-          </a:effectRef>
-          <a:fontRef idx="minor">
-            <a:schemeClr val="lt1"/>
-          </a:fontRef>
-        </p:style>
-        <p:txBody>
-          <a:bodyPr rtlCol="0" anchor="ctr"/>
-          <a:lstStyle/>
-          <a:p>
-            <a:pPr algn="ctr"/>
-            <a:r>
-              <a:rPr lang="en-US" altLang="zh-TW" dirty="0" smtClean="0"/>
-              <a:t>Hotness Computing</a:t>
-            </a:r>
-            <a:endParaRPr lang="zh-TW" altLang="en-US" dirty="0"/>
-          </a:p>
-        </p:txBody>
-      </p:sp>
-      <p:cxnSp>
-        <p:nvCxnSpPr>
-          <p:cNvPr id="10" name="直線單箭頭接點 9"/>
-          <p:cNvCxnSpPr>
-            <a:stCxn id="7" idx="3"/>
-            <a:endCxn id="9" idx="1"/>
-          </p:cNvCxnSpPr>
-          <p:nvPr/>
-        </p:nvCxnSpPr>
-        <p:spPr>
-          <a:xfrm>
-            <a:off x="8993038" y="1120754"/>
-            <a:ext cx="463594" cy="0"/>
-          </a:xfrm>
-          <a:prstGeom prst="straightConnector1">
-            <a:avLst/>
-          </a:prstGeom>
-          <a:ln>
-            <a:tailEnd type="triangle"/>
-          </a:ln>
-        </p:spPr>
-        <p:style>
-          <a:lnRef idx="1">
-            <a:schemeClr val="accent1"/>
-          </a:lnRef>
-          <a:fillRef idx="0">
-            <a:schemeClr val="accent1"/>
-          </a:fillRef>
-          <a:effectRef idx="0">
-            <a:schemeClr val="accent1"/>
-          </a:effectRef>
-          <a:fontRef idx="minor">
-            <a:schemeClr val="tx1"/>
-          </a:fontRef>
-        </p:style>
-      </p:cxnSp>
-      <p:sp>
-        <p:nvSpPr>
-          <p:cNvPr id="11" name="矩形 10"/>
-          <p:cNvSpPr/>
-          <p:nvPr/>
-        </p:nvSpPr>
-        <p:spPr>
-          <a:xfrm>
-            <a:off x="2992808" y="550819"/>
-            <a:ext cx="1691014" cy="1139869"/>
-          </a:xfrm>
-          <a:prstGeom prst="rect">
-            <a:avLst/>
-          </a:prstGeom>
-          <a:solidFill>
-            <a:schemeClr val="accent1">
-              <a:lumMod val="50000"/>
-            </a:schemeClr>
-          </a:solidFill>
-        </p:spPr>
-        <p:style>
-          <a:lnRef idx="2">
-            <a:schemeClr val="accent1">
-              <a:shade val="50000"/>
-            </a:schemeClr>
-          </a:lnRef>
-          <a:fillRef idx="1">
-            <a:schemeClr val="accent1"/>
-          </a:fillRef>
-          <a:effectRef idx="0">
-            <a:schemeClr val="accent1"/>
-          </a:effectRef>
-          <a:fontRef idx="minor">
-            <a:schemeClr val="lt1"/>
-          </a:fontRef>
-        </p:style>
-        <p:txBody>
-          <a:bodyPr rtlCol="0" anchor="ctr"/>
-          <a:lstStyle/>
-          <a:p>
-            <a:pPr algn="ctr"/>
-            <a:r>
-              <a:rPr lang="en-US" altLang="zh-TW" dirty="0" smtClean="0"/>
-              <a:t>Keyword</a:t>
-            </a:r>
-            <a:br>
-              <a:rPr lang="en-US" altLang="zh-TW" dirty="0" smtClean="0"/>
-            </a:br>
-            <a:r>
-              <a:rPr lang="en-US" altLang="zh-TW" dirty="0" smtClean="0"/>
-              <a:t>Selection</a:t>
-            </a:r>
-          </a:p>
-        </p:txBody>
-      </p:sp>
-      <p:cxnSp>
-        <p:nvCxnSpPr>
-          <p:cNvPr id="12" name="直線單箭頭接點 11"/>
-          <p:cNvCxnSpPr>
-            <a:stCxn id="11" idx="3"/>
-            <a:endCxn id="5" idx="1"/>
-          </p:cNvCxnSpPr>
-          <p:nvPr/>
-        </p:nvCxnSpPr>
-        <p:spPr>
-          <a:xfrm>
-            <a:off x="4683822" y="1120754"/>
-            <a:ext cx="463594" cy="0"/>
-          </a:xfrm>
-          <a:prstGeom prst="straightConnector1">
-            <a:avLst/>
-          </a:prstGeom>
-          <a:ln>
-            <a:tailEnd type="triangle"/>
-          </a:ln>
-        </p:spPr>
-        <p:style>
-          <a:lnRef idx="1">
-            <a:schemeClr val="accent1"/>
-          </a:lnRef>
-          <a:fillRef idx="0">
-            <a:schemeClr val="accent1"/>
-          </a:fillRef>
-          <a:effectRef idx="0">
-            <a:schemeClr val="accent1"/>
-          </a:effectRef>
-          <a:fontRef idx="minor">
-            <a:schemeClr val="tx1"/>
-          </a:fontRef>
-        </p:style>
-      </p:cxnSp>
+            <a:endParaRPr lang="zh-TW" altLang="en-US"/>
+          </a:p>
+        </p:txBody>
+      </p:sp>
     </p:spTree>
     <p:extLst>
       <p:ext uri="{BB962C8B-B14F-4D97-AF65-F5344CB8AC3E}">
-        <p14:creationId xmlns:p14="http://schemas.microsoft.com/office/powerpoint/2010/main" val="158754373"/>
+        <p14:creationId xmlns:p14="http://schemas.microsoft.com/office/powerpoint/2010/main" val="1241001"/>
       </p:ext>
     </p:extLst>
   </p:cSld>
   <p:clrMapOvr>
     <a:masterClrMapping/>
   </p:clrMapOvr>
-  <p:timing>
-    <p:tnLst>
-      <p:par>
-        <p:cTn id="1" dur="indefinite" restart="never" nodeType="tmRoot"/>
-      </p:par>
-    </p:tnLst>
-  </p:timing>
 </p:sld>
 </file>
 
@@ -9291,58 +7453,51 @@
           <a:p>
             <a:r>
               <a:rPr lang="zh-TW" altLang="en-US" dirty="0" smtClean="0"/>
-              <a:t>挑選文章對應的關鍵字</a:t>
+              <a:t>以</a:t>
+            </a:r>
+            <a:r>
+              <a:rPr lang="en-US" altLang="zh-TW" dirty="0" smtClean="0"/>
+              <a:t>PTT</a:t>
+            </a:r>
+            <a:r>
+              <a:rPr lang="zh-TW" altLang="en-US" dirty="0" smtClean="0"/>
+              <a:t> 八卦版的文章為資料來源</a:t>
             </a:r>
             <a:endParaRPr lang="en-US" altLang="zh-TW" dirty="0" smtClean="0"/>
           </a:p>
           <a:p>
-            <a:pPr lvl="1"/>
+            <a:r>
+              <a:rPr lang="en-US" altLang="zh-TW" dirty="0" smtClean="0"/>
+              <a:t>2014/04/04</a:t>
+            </a:r>
             <a:r>
               <a:rPr lang="zh-TW" altLang="en-US" dirty="0" smtClean="0"/>
-              <a:t>文章標題</a:t>
-            </a:r>
-            <a:r>
-              <a:rPr lang="zh-TW" altLang="en-US" dirty="0"/>
-              <a:t>挑出名詞</a:t>
-            </a:r>
-            <a:endParaRPr lang="en-US" altLang="zh-TW" dirty="0"/>
-          </a:p>
-          <a:p>
-            <a:pPr lvl="1"/>
-            <a:r>
-              <a:rPr lang="zh-TW" altLang="en-US" dirty="0"/>
-              <a:t>從內文斷詞後詞頻較高</a:t>
+              <a:t> </a:t>
+            </a:r>
+            <a:r>
+              <a:rPr lang="en-US" altLang="zh-TW" dirty="0" smtClean="0"/>
+              <a:t>~</a:t>
             </a:r>
             <a:r>
               <a:rPr lang="zh-TW" altLang="en-US" dirty="0" smtClean="0"/>
-              <a:t>的名詞</a:t>
-            </a:r>
-            <a:endParaRPr lang="en-US" altLang="zh-TW" dirty="0" smtClean="0"/>
-          </a:p>
-          <a:p>
-            <a:pPr lvl="1"/>
+              <a:t> </a:t>
+            </a:r>
+            <a:r>
+              <a:rPr lang="en-US" altLang="zh-TW" dirty="0" smtClean="0"/>
+              <a:t>2016/05/10</a:t>
+            </a:r>
             <a:r>
               <a:rPr lang="zh-TW" altLang="en-US" dirty="0" smtClean="0"/>
-              <a:t>其他關鍵字擷取的技術</a:t>
-            </a:r>
-            <a:r>
-              <a:rPr lang="en-US" altLang="zh-TW" dirty="0" smtClean="0"/>
-              <a:t>(</a:t>
+              <a:t> 約</a:t>
+            </a:r>
+            <a:r>
+              <a:rPr lang="en-US" altLang="zh-TW" dirty="0" smtClean="0"/>
+              <a:t>82</a:t>
             </a:r>
             <a:r>
               <a:rPr lang="zh-TW" altLang="en-US" dirty="0" smtClean="0"/>
-              <a:t>待</a:t>
-            </a:r>
-            <a:r>
-              <a:rPr lang="en-US" altLang="zh-TW" dirty="0" smtClean="0"/>
-              <a:t>survey)</a:t>
-            </a:r>
-            <a:endParaRPr lang="zh-TW" altLang="en-US" dirty="0"/>
-          </a:p>
-          <a:p>
-            <a:endParaRPr lang="zh-TW" altLang="en-US" dirty="0"/>
-          </a:p>
-          <a:p>
+              <a:t>萬篇文章</a:t>
+            </a:r>
             <a:endParaRPr lang="zh-TW" altLang="en-US" dirty="0"/>
           </a:p>
         </p:txBody>
@@ -9361,11 +7516,6 @@
           <a:prstGeom prst="rect">
             <a:avLst/>
           </a:prstGeom>
-          <a:solidFill>
-            <a:schemeClr val="accent1">
-              <a:lumMod val="50000"/>
-            </a:schemeClr>
-          </a:solidFill>
         </p:spPr>
         <p:style>
           <a:lnRef idx="2">
@@ -9404,7 +7554,7 @@
         </p:nvSpPr>
         <p:spPr>
           <a:xfrm>
-            <a:off x="5147416" y="550819"/>
+            <a:off x="5674954" y="550818"/>
             <a:ext cx="1691014" cy="1139869"/>
           </a:xfrm>
           <a:prstGeom prst="rect">
@@ -9439,14 +7589,7 @@
             <a:pPr algn="ctr"/>
             <a:r>
               <a:rPr lang="en-US" altLang="zh-TW" dirty="0" smtClean="0"/>
-              <a:t>Relevance</a:t>
-            </a:r>
-          </a:p>
-          <a:p>
-            <a:pPr algn="ctr"/>
-            <a:r>
-              <a:rPr lang="en-US" altLang="zh-TW" dirty="0" smtClean="0"/>
-              <a:t>Computing</a:t>
+              <a:t>Training</a:t>
             </a:r>
             <a:endParaRPr lang="zh-TW" altLang="en-US" dirty="0"/>
           </a:p>
@@ -9464,7 +7607,7 @@
         <p:spPr>
           <a:xfrm flipV="1">
             <a:off x="2529214" y="1120754"/>
-            <a:ext cx="463594" cy="2"/>
+            <a:ext cx="727363" cy="2"/>
           </a:xfrm>
           <a:prstGeom prst="straightConnector1">
             <a:avLst/>
@@ -9496,7 +7639,7 @@
         </p:nvSpPr>
         <p:spPr>
           <a:xfrm>
-            <a:off x="7302024" y="550819"/>
+            <a:off x="8093331" y="550818"/>
             <a:ext cx="1691014" cy="1139869"/>
           </a:xfrm>
           <a:prstGeom prst="rect">
@@ -9531,7 +7674,7 @@
             <a:pPr algn="ctr"/>
             <a:r>
               <a:rPr lang="en-US" altLang="zh-TW" dirty="0" smtClean="0"/>
-              <a:t>Topic Modeling</a:t>
+              <a:t>Model</a:t>
             </a:r>
             <a:endParaRPr lang="zh-TW" altLang="en-US" dirty="0"/>
           </a:p>
@@ -9548,8 +7691,8 @@
         </p:nvCxnSpPr>
         <p:spPr>
           <a:xfrm>
-            <a:off x="6838430" y="1120754"/>
-            <a:ext cx="463594" cy="0"/>
+            <a:off x="7365968" y="1120753"/>
+            <a:ext cx="727363" cy="0"/>
           </a:xfrm>
           <a:prstGeom prst="straightConnector1">
             <a:avLst/>
@@ -9575,13 +7718,13 @@
       </p:cxnSp>
       <p:sp>
         <p:nvSpPr>
-          <p:cNvPr id="9" name="矩形 8"/>
+          <p:cNvPr id="11" name="矩形 10"/>
           <p:cNvSpPr/>
           <p:nvPr/>
         </p:nvSpPr>
         <p:spPr>
           <a:xfrm>
-            <a:off x="9456632" y="550819"/>
+            <a:off x="3256577" y="550819"/>
             <a:ext cx="1691014" cy="1139869"/>
           </a:xfrm>
           <a:prstGeom prst="rect">
@@ -9616,97 +7759,22 @@
             <a:pPr algn="ctr"/>
             <a:r>
               <a:rPr lang="en-US" altLang="zh-TW" dirty="0" smtClean="0"/>
-              <a:t>Hotness Computing</a:t>
-            </a:r>
-            <a:endParaRPr lang="zh-TW" altLang="en-US" dirty="0"/>
-          </a:p>
-        </p:txBody>
-      </p:sp>
-      <p:cxnSp>
-        <p:nvCxnSpPr>
-          <p:cNvPr id="10" name="直線單箭頭接點 9"/>
-          <p:cNvCxnSpPr>
-            <a:stCxn id="7" idx="3"/>
-            <a:endCxn id="9" idx="1"/>
-          </p:cNvCxnSpPr>
-          <p:nvPr/>
-        </p:nvCxnSpPr>
-        <p:spPr>
-          <a:xfrm>
-            <a:off x="8993038" y="1120754"/>
-            <a:ext cx="463594" cy="0"/>
-          </a:xfrm>
-          <a:prstGeom prst="straightConnector1">
-            <a:avLst/>
-          </a:prstGeom>
-          <a:ln>
-            <a:tailEnd type="triangle"/>
-          </a:ln>
-        </p:spPr>
-        <p:style>
-          <a:lnRef idx="1">
-            <a:schemeClr val="accent1"/>
-          </a:lnRef>
-          <a:fillRef idx="0">
-            <a:schemeClr val="accent1"/>
-          </a:fillRef>
-          <a:effectRef idx="0">
-            <a:schemeClr val="accent1"/>
-          </a:effectRef>
-          <a:fontRef idx="minor">
-            <a:schemeClr val="tx1"/>
-          </a:fontRef>
-        </p:style>
-      </p:cxnSp>
-      <p:sp>
-        <p:nvSpPr>
-          <p:cNvPr id="11" name="矩形 10"/>
-          <p:cNvSpPr/>
-          <p:nvPr/>
-        </p:nvSpPr>
-        <p:spPr>
-          <a:xfrm>
-            <a:off x="2992808" y="550819"/>
-            <a:ext cx="1691014" cy="1139869"/>
-          </a:xfrm>
-          <a:prstGeom prst="rect">
-            <a:avLst/>
-          </a:prstGeom>
-          <a:solidFill>
-            <a:schemeClr val="accent1"/>
-          </a:solidFill>
-        </p:spPr>
-        <p:style>
-          <a:lnRef idx="2">
-            <a:schemeClr val="accent1">
-              <a:shade val="50000"/>
-            </a:schemeClr>
-          </a:lnRef>
-          <a:fillRef idx="1">
-            <a:schemeClr val="accent1"/>
-          </a:fillRef>
-          <a:effectRef idx="0">
-            <a:schemeClr val="accent1"/>
-          </a:effectRef>
-          <a:fontRef idx="minor">
-            <a:schemeClr val="lt1"/>
-          </a:fontRef>
-        </p:style>
-        <p:txBody>
-          <a:bodyPr rtlCol="0" anchor="ctr"/>
-          <a:lstStyle/>
+              <a:t>Train</a:t>
+            </a:r>
+            <a:r>
+              <a:rPr lang="zh-TW" altLang="en-US" dirty="0" smtClean="0"/>
+              <a:t> </a:t>
+            </a:r>
+            <a:r>
+              <a:rPr lang="en-US" altLang="zh-TW" dirty="0" smtClean="0"/>
+              <a:t>Data</a:t>
+            </a:r>
+          </a:p>
           <a:p>
             <a:pPr algn="ctr"/>
             <a:r>
               <a:rPr lang="en-US" altLang="zh-TW" dirty="0" smtClean="0"/>
-              <a:t>Keyword</a:t>
-            </a:r>
-            <a:br>
-              <a:rPr lang="en-US" altLang="zh-TW" dirty="0" smtClean="0"/>
-            </a:br>
-            <a:r>
-              <a:rPr lang="en-US" altLang="zh-TW" dirty="0" smtClean="0"/>
-              <a:t>Selection</a:t>
+              <a:t>Preprocessing</a:t>
             </a:r>
           </a:p>
         </p:txBody>
@@ -9721,9 +7789,9 @@
           <p:nvPr/>
         </p:nvCxnSpPr>
         <p:spPr>
-          <a:xfrm>
-            <a:off x="4683822" y="1120754"/>
-            <a:ext cx="463594" cy="0"/>
+          <a:xfrm flipV="1">
+            <a:off x="4947591" y="1120753"/>
+            <a:ext cx="727363" cy="1"/>
           </a:xfrm>
           <a:prstGeom prst="straightConnector1">
             <a:avLst/>
@@ -9750,7 +7818,7 @@
     </p:spTree>
     <p:extLst>
       <p:ext uri="{BB962C8B-B14F-4D97-AF65-F5344CB8AC3E}">
-        <p14:creationId xmlns:p14="http://schemas.microsoft.com/office/powerpoint/2010/main" val="3919225279"/>
+        <p14:creationId xmlns:p14="http://schemas.microsoft.com/office/powerpoint/2010/main" val="158754373"/>
       </p:ext>
     </p:extLst>
   </p:cSld>
@@ -9827,33 +7895,33 @@
           <a:p>
             <a:r>
               <a:rPr lang="zh-TW" altLang="en-US" dirty="0" smtClean="0"/>
-              <a:t>將每一篇文章視為不同主題</a:t>
+              <a:t>取文章標題以及文章內文當訓練資料</a:t>
             </a:r>
             <a:endParaRPr lang="en-US" altLang="zh-TW" dirty="0" smtClean="0"/>
           </a:p>
           <a:p>
             <a:r>
               <a:rPr lang="zh-TW" altLang="en-US" dirty="0" smtClean="0"/>
-              <a:t>計算主題之間關鍵字的關聯性</a:t>
+              <a:t>內文部分濾除引言、網址、以及其它非相關資訊</a:t>
             </a:r>
             <a:endParaRPr lang="en-US" altLang="zh-TW" dirty="0" smtClean="0"/>
           </a:p>
           <a:p>
             <a:r>
               <a:rPr lang="zh-TW" altLang="en-US" dirty="0" smtClean="0"/>
-              <a:t>若關聯性高於一定值可以視為這兩個主題是相關的</a:t>
+              <a:t>內文斷句</a:t>
             </a:r>
             <a:endParaRPr lang="en-US" altLang="zh-TW" dirty="0" smtClean="0"/>
           </a:p>
           <a:p>
             <a:r>
               <a:rPr lang="zh-TW" altLang="en-US" dirty="0" smtClean="0"/>
-              <a:t>重複計算主題關聯性來估算的主題個數</a:t>
+              <a:t>句子移除標點及特殊符號後進行斷詞</a:t>
             </a:r>
             <a:endParaRPr lang="en-US" altLang="zh-TW" dirty="0" smtClean="0"/>
           </a:p>
           <a:p>
-            <a:endParaRPr lang="zh-TW" altLang="en-US" dirty="0"/>
+            <a:endParaRPr lang="en-US" altLang="zh-TW" dirty="0" smtClean="0"/>
           </a:p>
         </p:txBody>
       </p:sp>
@@ -9914,14 +7982,16 @@
         </p:nvSpPr>
         <p:spPr>
           <a:xfrm>
-            <a:off x="5147416" y="550819"/>
+            <a:off x="5674954" y="550818"/>
             <a:ext cx="1691014" cy="1139869"/>
           </a:xfrm>
           <a:prstGeom prst="rect">
             <a:avLst/>
           </a:prstGeom>
           <a:solidFill>
-            <a:schemeClr val="accent1"/>
+            <a:schemeClr val="accent1">
+              <a:lumMod val="50000"/>
+            </a:schemeClr>
           </a:solidFill>
         </p:spPr>
         <p:style>
@@ -9947,14 +8017,7 @@
             <a:pPr algn="ctr"/>
             <a:r>
               <a:rPr lang="en-US" altLang="zh-TW" dirty="0" smtClean="0"/>
-              <a:t>Relevance</a:t>
-            </a:r>
-          </a:p>
-          <a:p>
-            <a:pPr algn="ctr"/>
-            <a:r>
-              <a:rPr lang="en-US" altLang="zh-TW" dirty="0" smtClean="0"/>
-              <a:t>Computing</a:t>
+              <a:t>Training</a:t>
             </a:r>
             <a:endParaRPr lang="zh-TW" altLang="en-US" dirty="0"/>
           </a:p>
@@ -9972,7 +8035,7 @@
         <p:spPr>
           <a:xfrm flipV="1">
             <a:off x="2529214" y="1120754"/>
-            <a:ext cx="463594" cy="2"/>
+            <a:ext cx="727363" cy="2"/>
           </a:xfrm>
           <a:prstGeom prst="straightConnector1">
             <a:avLst/>
@@ -10004,7 +8067,7 @@
         </p:nvSpPr>
         <p:spPr>
           <a:xfrm>
-            <a:off x="7302024" y="550819"/>
+            <a:off x="8093331" y="550818"/>
             <a:ext cx="1691014" cy="1139869"/>
           </a:xfrm>
           <a:prstGeom prst="rect">
@@ -10039,7 +8102,7 @@
             <a:pPr algn="ctr"/>
             <a:r>
               <a:rPr lang="en-US" altLang="zh-TW" dirty="0" smtClean="0"/>
-              <a:t>Topic Modeling</a:t>
+              <a:t>Model</a:t>
             </a:r>
             <a:endParaRPr lang="zh-TW" altLang="en-US" dirty="0"/>
           </a:p>
@@ -10056,8 +8119,8 @@
         </p:nvCxnSpPr>
         <p:spPr>
           <a:xfrm>
-            <a:off x="6838430" y="1120754"/>
-            <a:ext cx="463594" cy="0"/>
+            <a:off x="7365968" y="1120753"/>
+            <a:ext cx="727363" cy="0"/>
           </a:xfrm>
           <a:prstGeom prst="straightConnector1">
             <a:avLst/>
@@ -10083,22 +8146,20 @@
       </p:cxnSp>
       <p:sp>
         <p:nvSpPr>
-          <p:cNvPr id="9" name="矩形 8"/>
+          <p:cNvPr id="11" name="矩形 10"/>
           <p:cNvSpPr/>
           <p:nvPr/>
         </p:nvSpPr>
         <p:spPr>
           <a:xfrm>
-            <a:off x="9456632" y="550819"/>
+            <a:off x="3256577" y="550819"/>
             <a:ext cx="1691014" cy="1139869"/>
           </a:xfrm>
           <a:prstGeom prst="rect">
             <a:avLst/>
           </a:prstGeom>
           <a:solidFill>
-            <a:schemeClr val="accent1">
-              <a:lumMod val="50000"/>
-            </a:schemeClr>
+            <a:schemeClr val="accent1"/>
           </a:solidFill>
         </p:spPr>
         <p:style>
@@ -10124,99 +8185,22 @@
             <a:pPr algn="ctr"/>
             <a:r>
               <a:rPr lang="en-US" altLang="zh-TW" dirty="0" smtClean="0"/>
-              <a:t>Hotness Computing</a:t>
-            </a:r>
-            <a:endParaRPr lang="zh-TW" altLang="en-US" dirty="0"/>
-          </a:p>
-        </p:txBody>
-      </p:sp>
-      <p:cxnSp>
-        <p:nvCxnSpPr>
-          <p:cNvPr id="10" name="直線單箭頭接點 9"/>
-          <p:cNvCxnSpPr>
-            <a:stCxn id="7" idx="3"/>
-            <a:endCxn id="9" idx="1"/>
-          </p:cNvCxnSpPr>
-          <p:nvPr/>
-        </p:nvCxnSpPr>
-        <p:spPr>
-          <a:xfrm>
-            <a:off x="8993038" y="1120754"/>
-            <a:ext cx="463594" cy="0"/>
-          </a:xfrm>
-          <a:prstGeom prst="straightConnector1">
-            <a:avLst/>
-          </a:prstGeom>
-          <a:ln>
-            <a:tailEnd type="triangle"/>
-          </a:ln>
-        </p:spPr>
-        <p:style>
-          <a:lnRef idx="1">
-            <a:schemeClr val="accent1"/>
-          </a:lnRef>
-          <a:fillRef idx="0">
-            <a:schemeClr val="accent1"/>
-          </a:fillRef>
-          <a:effectRef idx="0">
-            <a:schemeClr val="accent1"/>
-          </a:effectRef>
-          <a:fontRef idx="minor">
-            <a:schemeClr val="tx1"/>
-          </a:fontRef>
-        </p:style>
-      </p:cxnSp>
-      <p:sp>
-        <p:nvSpPr>
-          <p:cNvPr id="11" name="矩形 10"/>
-          <p:cNvSpPr/>
-          <p:nvPr/>
-        </p:nvSpPr>
-        <p:spPr>
-          <a:xfrm>
-            <a:off x="2992808" y="550819"/>
-            <a:ext cx="1691014" cy="1139869"/>
-          </a:xfrm>
-          <a:prstGeom prst="rect">
-            <a:avLst/>
-          </a:prstGeom>
-          <a:solidFill>
-            <a:schemeClr val="accent1">
-              <a:lumMod val="50000"/>
-            </a:schemeClr>
-          </a:solidFill>
-        </p:spPr>
-        <p:style>
-          <a:lnRef idx="2">
-            <a:schemeClr val="accent1">
-              <a:shade val="50000"/>
-            </a:schemeClr>
-          </a:lnRef>
-          <a:fillRef idx="1">
-            <a:schemeClr val="accent1"/>
-          </a:fillRef>
-          <a:effectRef idx="0">
-            <a:schemeClr val="accent1"/>
-          </a:effectRef>
-          <a:fontRef idx="minor">
-            <a:schemeClr val="lt1"/>
-          </a:fontRef>
-        </p:style>
-        <p:txBody>
-          <a:bodyPr rtlCol="0" anchor="ctr"/>
-          <a:lstStyle/>
+              <a:t>Train</a:t>
+            </a:r>
+            <a:r>
+              <a:rPr lang="zh-TW" altLang="en-US" dirty="0" smtClean="0"/>
+              <a:t> </a:t>
+            </a:r>
+            <a:r>
+              <a:rPr lang="en-US" altLang="zh-TW" dirty="0" smtClean="0"/>
+              <a:t>Data</a:t>
+            </a:r>
+          </a:p>
           <a:p>
             <a:pPr algn="ctr"/>
             <a:r>
               <a:rPr lang="en-US" altLang="zh-TW" dirty="0" smtClean="0"/>
-              <a:t>Keyword</a:t>
-            </a:r>
-            <a:br>
-              <a:rPr lang="en-US" altLang="zh-TW" dirty="0" smtClean="0"/>
-            </a:br>
-            <a:r>
-              <a:rPr lang="en-US" altLang="zh-TW" dirty="0" smtClean="0"/>
-              <a:t>Selection</a:t>
+              <a:t>Preprocessing</a:t>
             </a:r>
           </a:p>
         </p:txBody>
@@ -10231,9 +8215,9 @@
           <p:nvPr/>
         </p:nvCxnSpPr>
         <p:spPr>
-          <a:xfrm>
-            <a:off x="4683822" y="1120754"/>
-            <a:ext cx="463594" cy="0"/>
+          <a:xfrm flipV="1">
+            <a:off x="4947591" y="1120753"/>
+            <a:ext cx="727363" cy="1"/>
           </a:xfrm>
           <a:prstGeom prst="straightConnector1">
             <a:avLst/>
@@ -10260,7 +8244,7 @@
     </p:spTree>
     <p:extLst>
       <p:ext uri="{BB962C8B-B14F-4D97-AF65-F5344CB8AC3E}">
-        <p14:creationId xmlns:p14="http://schemas.microsoft.com/office/powerpoint/2010/main" val="2218174632"/>
+        <p14:creationId xmlns:p14="http://schemas.microsoft.com/office/powerpoint/2010/main" val="1675122020"/>
       </p:ext>
     </p:extLst>
   </p:cSld>
@@ -10336,20 +8320,21 @@
           </a:p>
           <a:p>
             <a:r>
-              <a:rPr lang="zh-TW" altLang="en-US" dirty="0" smtClean="0"/>
-              <a:t>以前一步驟計算出來的主題個數跑</a:t>
-            </a:r>
-            <a:r>
-              <a:rPr lang="en-US" altLang="zh-TW" dirty="0" smtClean="0"/>
-              <a:t>LDA</a:t>
-            </a:r>
-          </a:p>
-          <a:p>
-            <a:r>
-              <a:rPr lang="zh-TW" altLang="en-US" dirty="0" smtClean="0"/>
-              <a:t>這裡會得到主題清單以及主題對應的關鍵字</a:t>
-            </a:r>
-            <a:endParaRPr lang="zh-TW" altLang="en-US" dirty="0"/>
+              <a:rPr lang="en-US" altLang="zh-TW" dirty="0" smtClean="0"/>
+              <a:t>CBOW vs Skip Gram</a:t>
+            </a:r>
+          </a:p>
+          <a:p>
+            <a:r>
+              <a:rPr lang="en-US" altLang="zh-TW" dirty="0" smtClean="0"/>
+              <a:t>Vector size</a:t>
+            </a:r>
+          </a:p>
+          <a:p>
+            <a:r>
+              <a:rPr lang="en-US" altLang="zh-TW" dirty="0" smtClean="0"/>
+              <a:t>Min Count</a:t>
+            </a:r>
           </a:p>
         </p:txBody>
       </p:sp>
@@ -10410,16 +8395,14 @@
         </p:nvSpPr>
         <p:spPr>
           <a:xfrm>
-            <a:off x="5147416" y="550819"/>
+            <a:off x="5674954" y="550818"/>
             <a:ext cx="1691014" cy="1139869"/>
           </a:xfrm>
           <a:prstGeom prst="rect">
             <a:avLst/>
           </a:prstGeom>
           <a:solidFill>
-            <a:schemeClr val="accent1">
-              <a:lumMod val="50000"/>
-            </a:schemeClr>
+            <a:schemeClr val="accent1"/>
           </a:solidFill>
         </p:spPr>
         <p:style>
@@ -10445,14 +8428,7 @@
             <a:pPr algn="ctr"/>
             <a:r>
               <a:rPr lang="en-US" altLang="zh-TW" dirty="0" smtClean="0"/>
-              <a:t>Relevance</a:t>
-            </a:r>
-          </a:p>
-          <a:p>
-            <a:pPr algn="ctr"/>
-            <a:r>
-              <a:rPr lang="en-US" altLang="zh-TW" dirty="0" smtClean="0"/>
-              <a:t>Computing</a:t>
+              <a:t>Training</a:t>
             </a:r>
             <a:endParaRPr lang="zh-TW" altLang="en-US" dirty="0"/>
           </a:p>
@@ -10470,7 +8446,7 @@
         <p:spPr>
           <a:xfrm flipV="1">
             <a:off x="2529214" y="1120754"/>
-            <a:ext cx="463594" cy="2"/>
+            <a:ext cx="727363" cy="2"/>
           </a:xfrm>
           <a:prstGeom prst="straightConnector1">
             <a:avLst/>
@@ -10502,20 +8478,17 @@
         </p:nvSpPr>
         <p:spPr>
           <a:xfrm>
-            <a:off x="7302024" y="550819"/>
+            <a:off x="8093331" y="550818"/>
             <a:ext cx="1691014" cy="1139869"/>
           </a:xfrm>
           <a:prstGeom prst="rect">
             <a:avLst/>
           </a:prstGeom>
           <a:solidFill>
-            <a:schemeClr val="accent1"/>
+            <a:schemeClr val="accent1">
+              <a:lumMod val="50000"/>
+            </a:schemeClr>
           </a:solidFill>
-          <a:ln>
-            <a:solidFill>
-              <a:schemeClr val="accent1"/>
-            </a:solidFill>
-          </a:ln>
         </p:spPr>
         <p:style>
           <a:lnRef idx="2">
@@ -10540,7 +8513,7 @@
             <a:pPr algn="ctr"/>
             <a:r>
               <a:rPr lang="en-US" altLang="zh-TW" dirty="0" smtClean="0"/>
-              <a:t>Topic Modeling</a:t>
+              <a:t>Model</a:t>
             </a:r>
             <a:endParaRPr lang="zh-TW" altLang="en-US" dirty="0"/>
           </a:p>
@@ -10557,8 +8530,8 @@
         </p:nvCxnSpPr>
         <p:spPr>
           <a:xfrm>
-            <a:off x="6838430" y="1120754"/>
-            <a:ext cx="463594" cy="0"/>
+            <a:off x="7365968" y="1120753"/>
+            <a:ext cx="727363" cy="0"/>
           </a:xfrm>
           <a:prstGeom prst="straightConnector1">
             <a:avLst/>
@@ -10584,13 +8557,13 @@
       </p:cxnSp>
       <p:sp>
         <p:nvSpPr>
-          <p:cNvPr id="9" name="矩形 8"/>
+          <p:cNvPr id="11" name="矩形 10"/>
           <p:cNvSpPr/>
           <p:nvPr/>
         </p:nvSpPr>
         <p:spPr>
           <a:xfrm>
-            <a:off x="9456632" y="550819"/>
+            <a:off x="3256577" y="550819"/>
             <a:ext cx="1691014" cy="1139869"/>
           </a:xfrm>
           <a:prstGeom prst="rect">
@@ -10625,99 +8598,22 @@
             <a:pPr algn="ctr"/>
             <a:r>
               <a:rPr lang="en-US" altLang="zh-TW" dirty="0" smtClean="0"/>
-              <a:t>Hotness Computing</a:t>
-            </a:r>
-            <a:endParaRPr lang="zh-TW" altLang="en-US" dirty="0"/>
-          </a:p>
-        </p:txBody>
-      </p:sp>
-      <p:cxnSp>
-        <p:nvCxnSpPr>
-          <p:cNvPr id="10" name="直線單箭頭接點 9"/>
-          <p:cNvCxnSpPr>
-            <a:stCxn id="7" idx="3"/>
-            <a:endCxn id="9" idx="1"/>
-          </p:cNvCxnSpPr>
-          <p:nvPr/>
-        </p:nvCxnSpPr>
-        <p:spPr>
-          <a:xfrm>
-            <a:off x="8993038" y="1120754"/>
-            <a:ext cx="463594" cy="0"/>
-          </a:xfrm>
-          <a:prstGeom prst="straightConnector1">
-            <a:avLst/>
-          </a:prstGeom>
-          <a:ln>
-            <a:tailEnd type="triangle"/>
-          </a:ln>
-        </p:spPr>
-        <p:style>
-          <a:lnRef idx="1">
-            <a:schemeClr val="accent1"/>
-          </a:lnRef>
-          <a:fillRef idx="0">
-            <a:schemeClr val="accent1"/>
-          </a:fillRef>
-          <a:effectRef idx="0">
-            <a:schemeClr val="accent1"/>
-          </a:effectRef>
-          <a:fontRef idx="minor">
-            <a:schemeClr val="tx1"/>
-          </a:fontRef>
-        </p:style>
-      </p:cxnSp>
-      <p:sp>
-        <p:nvSpPr>
-          <p:cNvPr id="11" name="矩形 10"/>
-          <p:cNvSpPr/>
-          <p:nvPr/>
-        </p:nvSpPr>
-        <p:spPr>
-          <a:xfrm>
-            <a:off x="2992808" y="550819"/>
-            <a:ext cx="1691014" cy="1139869"/>
-          </a:xfrm>
-          <a:prstGeom prst="rect">
-            <a:avLst/>
-          </a:prstGeom>
-          <a:solidFill>
-            <a:schemeClr val="accent1">
-              <a:lumMod val="50000"/>
-            </a:schemeClr>
-          </a:solidFill>
-        </p:spPr>
-        <p:style>
-          <a:lnRef idx="2">
-            <a:schemeClr val="accent1">
-              <a:shade val="50000"/>
-            </a:schemeClr>
-          </a:lnRef>
-          <a:fillRef idx="1">
-            <a:schemeClr val="accent1"/>
-          </a:fillRef>
-          <a:effectRef idx="0">
-            <a:schemeClr val="accent1"/>
-          </a:effectRef>
-          <a:fontRef idx="minor">
-            <a:schemeClr val="lt1"/>
-          </a:fontRef>
-        </p:style>
-        <p:txBody>
-          <a:bodyPr rtlCol="0" anchor="ctr"/>
-          <a:lstStyle/>
+              <a:t>Train</a:t>
+            </a:r>
+            <a:r>
+              <a:rPr lang="zh-TW" altLang="en-US" dirty="0" smtClean="0"/>
+              <a:t> </a:t>
+            </a:r>
+            <a:r>
+              <a:rPr lang="en-US" altLang="zh-TW" dirty="0" smtClean="0"/>
+              <a:t>Data</a:t>
+            </a:r>
+          </a:p>
           <a:p>
             <a:pPr algn="ctr"/>
             <a:r>
               <a:rPr lang="en-US" altLang="zh-TW" dirty="0" smtClean="0"/>
-              <a:t>Keyword</a:t>
-            </a:r>
-            <a:br>
-              <a:rPr lang="en-US" altLang="zh-TW" dirty="0" smtClean="0"/>
-            </a:br>
-            <a:r>
-              <a:rPr lang="en-US" altLang="zh-TW" dirty="0" smtClean="0"/>
-              <a:t>Selection</a:t>
+              <a:t>Preprocessing</a:t>
             </a:r>
           </a:p>
         </p:txBody>
@@ -10732,9 +8628,9 @@
           <p:nvPr/>
         </p:nvCxnSpPr>
         <p:spPr>
-          <a:xfrm>
-            <a:off x="4683822" y="1120754"/>
-            <a:ext cx="463594" cy="0"/>
+          <a:xfrm flipV="1">
+            <a:off x="4947591" y="1120753"/>
+            <a:ext cx="727363" cy="1"/>
           </a:xfrm>
           <a:prstGeom prst="straightConnector1">
             <a:avLst/>
@@ -10761,7 +8657,7 @@
     </p:spTree>
     <p:extLst>
       <p:ext uri="{BB962C8B-B14F-4D97-AF65-F5344CB8AC3E}">
-        <p14:creationId xmlns:p14="http://schemas.microsoft.com/office/powerpoint/2010/main" val="1994891475"/>
+        <p14:creationId xmlns:p14="http://schemas.microsoft.com/office/powerpoint/2010/main" val="4088785453"/>
       </p:ext>
     </p:extLst>
   </p:cSld>
@@ -10838,16 +8734,17 @@
           <a:p>
             <a:r>
               <a:rPr lang="zh-TW" altLang="en-US" dirty="0" smtClean="0"/>
-              <a:t>統計各文章的推噓文以及同標題回應文章計算出熱度</a:t>
+              <a:t>包含</a:t>
+            </a:r>
+            <a:r>
+              <a:rPr lang="en-US" altLang="zh-TW" dirty="0" smtClean="0"/>
+              <a:t>1398775</a:t>
+            </a:r>
+            <a:r>
+              <a:rPr lang="zh-TW" altLang="en-US" dirty="0" smtClean="0"/>
+              <a:t>個詞彙</a:t>
             </a:r>
             <a:endParaRPr lang="en-US" altLang="zh-TW" dirty="0" smtClean="0"/>
-          </a:p>
-          <a:p>
-            <a:r>
-              <a:rPr lang="zh-TW" altLang="en-US" dirty="0" smtClean="0"/>
-              <a:t>把文章熱度對應該主題的熱度</a:t>
-            </a:r>
-            <a:endParaRPr lang="zh-TW" altLang="en-US" dirty="0"/>
           </a:p>
         </p:txBody>
       </p:sp>
@@ -10908,7 +8805,7 @@
         </p:nvSpPr>
         <p:spPr>
           <a:xfrm>
-            <a:off x="5147416" y="550819"/>
+            <a:off x="5674954" y="550818"/>
             <a:ext cx="1691014" cy="1139869"/>
           </a:xfrm>
           <a:prstGeom prst="rect">
@@ -10943,14 +8840,7 @@
             <a:pPr algn="ctr"/>
             <a:r>
               <a:rPr lang="en-US" altLang="zh-TW" dirty="0" smtClean="0"/>
-              <a:t>Relevance</a:t>
-            </a:r>
-          </a:p>
-          <a:p>
-            <a:pPr algn="ctr"/>
-            <a:r>
-              <a:rPr lang="en-US" altLang="zh-TW" dirty="0" smtClean="0"/>
-              <a:t>Computing</a:t>
+              <a:t>Training</a:t>
             </a:r>
             <a:endParaRPr lang="zh-TW" altLang="en-US" dirty="0"/>
           </a:p>
@@ -10968,7 +8858,7 @@
         <p:spPr>
           <a:xfrm flipV="1">
             <a:off x="2529214" y="1120754"/>
-            <a:ext cx="463594" cy="2"/>
+            <a:ext cx="727363" cy="2"/>
           </a:xfrm>
           <a:prstGeom prst="straightConnector1">
             <a:avLst/>
@@ -11000,22 +8890,15 @@
         </p:nvSpPr>
         <p:spPr>
           <a:xfrm>
-            <a:off x="7302024" y="550819"/>
+            <a:off x="8093331" y="550818"/>
             <a:ext cx="1691014" cy="1139869"/>
           </a:xfrm>
           <a:prstGeom prst="rect">
             <a:avLst/>
           </a:prstGeom>
           <a:solidFill>
-            <a:schemeClr val="accent1">
-              <a:lumMod val="50000"/>
-            </a:schemeClr>
+            <a:schemeClr val="accent1"/>
           </a:solidFill>
-          <a:ln>
-            <a:solidFill>
-              <a:schemeClr val="accent1"/>
-            </a:solidFill>
-          </a:ln>
         </p:spPr>
         <p:style>
           <a:lnRef idx="2">
@@ -11040,7 +8923,7 @@
             <a:pPr algn="ctr"/>
             <a:r>
               <a:rPr lang="en-US" altLang="zh-TW" dirty="0" smtClean="0"/>
-              <a:t>Topic Modeling</a:t>
+              <a:t>Model</a:t>
             </a:r>
             <a:endParaRPr lang="zh-TW" altLang="en-US" dirty="0"/>
           </a:p>
@@ -11057,8 +8940,8 @@
         </p:nvCxnSpPr>
         <p:spPr>
           <a:xfrm>
-            <a:off x="6838430" y="1120754"/>
-            <a:ext cx="463594" cy="0"/>
+            <a:off x="7365968" y="1120753"/>
+            <a:ext cx="727363" cy="0"/>
           </a:xfrm>
           <a:prstGeom prst="straightConnector1">
             <a:avLst/>
@@ -11084,20 +8967,22 @@
       </p:cxnSp>
       <p:sp>
         <p:nvSpPr>
-          <p:cNvPr id="9" name="矩形 8"/>
+          <p:cNvPr id="11" name="矩形 10"/>
           <p:cNvSpPr/>
           <p:nvPr/>
         </p:nvSpPr>
         <p:spPr>
           <a:xfrm>
-            <a:off x="9456632" y="550819"/>
+            <a:off x="3256577" y="550819"/>
             <a:ext cx="1691014" cy="1139869"/>
           </a:xfrm>
           <a:prstGeom prst="rect">
             <a:avLst/>
           </a:prstGeom>
           <a:solidFill>
-            <a:schemeClr val="accent1"/>
+            <a:schemeClr val="accent1">
+              <a:lumMod val="50000"/>
+            </a:schemeClr>
           </a:solidFill>
         </p:spPr>
         <p:style>
@@ -11123,99 +9008,22 @@
             <a:pPr algn="ctr"/>
             <a:r>
               <a:rPr lang="en-US" altLang="zh-TW" dirty="0" smtClean="0"/>
-              <a:t>Hotness Computing</a:t>
-            </a:r>
-            <a:endParaRPr lang="zh-TW" altLang="en-US" dirty="0"/>
-          </a:p>
-        </p:txBody>
-      </p:sp>
-      <p:cxnSp>
-        <p:nvCxnSpPr>
-          <p:cNvPr id="10" name="直線單箭頭接點 9"/>
-          <p:cNvCxnSpPr>
-            <a:stCxn id="7" idx="3"/>
-            <a:endCxn id="9" idx="1"/>
-          </p:cNvCxnSpPr>
-          <p:nvPr/>
-        </p:nvCxnSpPr>
-        <p:spPr>
-          <a:xfrm>
-            <a:off x="8993038" y="1120754"/>
-            <a:ext cx="463594" cy="0"/>
-          </a:xfrm>
-          <a:prstGeom prst="straightConnector1">
-            <a:avLst/>
-          </a:prstGeom>
-          <a:ln>
-            <a:tailEnd type="triangle"/>
-          </a:ln>
-        </p:spPr>
-        <p:style>
-          <a:lnRef idx="1">
-            <a:schemeClr val="accent1"/>
-          </a:lnRef>
-          <a:fillRef idx="0">
-            <a:schemeClr val="accent1"/>
-          </a:fillRef>
-          <a:effectRef idx="0">
-            <a:schemeClr val="accent1"/>
-          </a:effectRef>
-          <a:fontRef idx="minor">
-            <a:schemeClr val="tx1"/>
-          </a:fontRef>
-        </p:style>
-      </p:cxnSp>
-      <p:sp>
-        <p:nvSpPr>
-          <p:cNvPr id="11" name="矩形 10"/>
-          <p:cNvSpPr/>
-          <p:nvPr/>
-        </p:nvSpPr>
-        <p:spPr>
-          <a:xfrm>
-            <a:off x="2992808" y="550819"/>
-            <a:ext cx="1691014" cy="1139869"/>
-          </a:xfrm>
-          <a:prstGeom prst="rect">
-            <a:avLst/>
-          </a:prstGeom>
-          <a:solidFill>
-            <a:schemeClr val="accent1">
-              <a:lumMod val="50000"/>
-            </a:schemeClr>
-          </a:solidFill>
-        </p:spPr>
-        <p:style>
-          <a:lnRef idx="2">
-            <a:schemeClr val="accent1">
-              <a:shade val="50000"/>
-            </a:schemeClr>
-          </a:lnRef>
-          <a:fillRef idx="1">
-            <a:schemeClr val="accent1"/>
-          </a:fillRef>
-          <a:effectRef idx="0">
-            <a:schemeClr val="accent1"/>
-          </a:effectRef>
-          <a:fontRef idx="minor">
-            <a:schemeClr val="lt1"/>
-          </a:fontRef>
-        </p:style>
-        <p:txBody>
-          <a:bodyPr rtlCol="0" anchor="ctr"/>
-          <a:lstStyle/>
+              <a:t>Train</a:t>
+            </a:r>
+            <a:r>
+              <a:rPr lang="zh-TW" altLang="en-US" dirty="0" smtClean="0"/>
+              <a:t> </a:t>
+            </a:r>
+            <a:r>
+              <a:rPr lang="en-US" altLang="zh-TW" dirty="0" smtClean="0"/>
+              <a:t>Data</a:t>
+            </a:r>
+          </a:p>
           <a:p>
             <a:pPr algn="ctr"/>
             <a:r>
               <a:rPr lang="en-US" altLang="zh-TW" dirty="0" smtClean="0"/>
-              <a:t>Keyword</a:t>
-            </a:r>
-            <a:br>
-              <a:rPr lang="en-US" altLang="zh-TW" dirty="0" smtClean="0"/>
-            </a:br>
-            <a:r>
-              <a:rPr lang="en-US" altLang="zh-TW" dirty="0" smtClean="0"/>
-              <a:t>Selection</a:t>
+              <a:t>Preprocessing</a:t>
             </a:r>
           </a:p>
         </p:txBody>
@@ -11230,9 +9038,9 @@
           <p:nvPr/>
         </p:nvCxnSpPr>
         <p:spPr>
-          <a:xfrm>
-            <a:off x="4683822" y="1120754"/>
-            <a:ext cx="463594" cy="0"/>
+          <a:xfrm flipV="1">
+            <a:off x="4947591" y="1120753"/>
+            <a:ext cx="727363" cy="1"/>
           </a:xfrm>
           <a:prstGeom prst="straightConnector1">
             <a:avLst/>
@@ -11259,7 +9067,7 @@
     </p:spTree>
     <p:extLst>
       <p:ext uri="{BB962C8B-B14F-4D97-AF65-F5344CB8AC3E}">
-        <p14:creationId xmlns:p14="http://schemas.microsoft.com/office/powerpoint/2010/main" val="495927893"/>
+        <p14:creationId xmlns:p14="http://schemas.microsoft.com/office/powerpoint/2010/main" val="2399091153"/>
       </p:ext>
     </p:extLst>
   </p:cSld>

--- a/Hot-Topic-Detection.pptx
+++ b/Hot-Topic-Detection.pptx
@@ -5,7 +5,7 @@
     <p:sldMasterId id="2147483660" r:id="rId1"/>
   </p:sldMasterIdLst>
   <p:notesMasterIdLst>
-    <p:notesMasterId r:id="rId20"/>
+    <p:notesMasterId r:id="rId39"/>
   </p:notesMasterIdLst>
   <p:sldIdLst>
     <p:sldId id="256" r:id="rId2"/>
@@ -22,10 +22,29 @@
     <p:sldId id="286" r:id="rId13"/>
     <p:sldId id="263" r:id="rId14"/>
     <p:sldId id="264" r:id="rId15"/>
-    <p:sldId id="265" r:id="rId16"/>
-    <p:sldId id="288" r:id="rId17"/>
-    <p:sldId id="287" r:id="rId18"/>
-    <p:sldId id="285" r:id="rId19"/>
+    <p:sldId id="289" r:id="rId16"/>
+    <p:sldId id="290" r:id="rId17"/>
+    <p:sldId id="291" r:id="rId18"/>
+    <p:sldId id="265" r:id="rId19"/>
+    <p:sldId id="292" r:id="rId20"/>
+    <p:sldId id="294" r:id="rId21"/>
+    <p:sldId id="295" r:id="rId22"/>
+    <p:sldId id="288" r:id="rId23"/>
+    <p:sldId id="297" r:id="rId24"/>
+    <p:sldId id="293" r:id="rId25"/>
+    <p:sldId id="296" r:id="rId26"/>
+    <p:sldId id="299" r:id="rId27"/>
+    <p:sldId id="298" r:id="rId28"/>
+    <p:sldId id="300" r:id="rId29"/>
+    <p:sldId id="301" r:id="rId30"/>
+    <p:sldId id="306" r:id="rId31"/>
+    <p:sldId id="302" r:id="rId32"/>
+    <p:sldId id="303" r:id="rId33"/>
+    <p:sldId id="307" r:id="rId34"/>
+    <p:sldId id="304" r:id="rId35"/>
+    <p:sldId id="305" r:id="rId36"/>
+    <p:sldId id="287" r:id="rId37"/>
+    <p:sldId id="285" r:id="rId38"/>
   </p:sldIdLst>
   <p:sldSz cx="12192000" cy="6858000"/>
   <p:notesSz cx="6858000" cy="9144000"/>
@@ -132,6 +151,1651 @@
 </p:presentation>
 </file>
 
+<file path=ppt/charts/chart1.xml><?xml version="1.0" encoding="utf-8"?>
+<c:chartSpace xmlns:c="http://schemas.openxmlformats.org/drawingml/2006/chart" xmlns:a="http://schemas.openxmlformats.org/drawingml/2006/main" xmlns:r="http://schemas.openxmlformats.org/officeDocument/2006/relationships" xmlns:c16r2="http://schemas.microsoft.com/office/drawing/2015/06/chart">
+  <c:date1904 val="0"/>
+  <c:lang val="zh-TW"/>
+  <c:roundedCorners val="0"/>
+  <mc:AlternateContent xmlns:mc="http://schemas.openxmlformats.org/markup-compatibility/2006">
+    <mc:Choice xmlns:c14="http://schemas.microsoft.com/office/drawing/2007/8/2/chart" Requires="c14">
+      <c14:style val="102"/>
+    </mc:Choice>
+    <mc:Fallback>
+      <c:style val="2"/>
+    </mc:Fallback>
+  </mc:AlternateContent>
+  <c:chart>
+    <c:autoTitleDeleted val="1"/>
+    <c:plotArea>
+      <c:layout/>
+      <c:lineChart>
+        <c:grouping val="standard"/>
+        <c:varyColors val="0"/>
+        <c:ser>
+          <c:idx val="0"/>
+          <c:order val="0"/>
+          <c:tx>
+            <c:strRef>
+              <c:f>'algorithm2  100 sampling'!$B$1</c:f>
+              <c:strCache>
+                <c:ptCount val="1"/>
+                <c:pt idx="0">
+                  <c:v>completeness</c:v>
+                </c:pt>
+              </c:strCache>
+            </c:strRef>
+          </c:tx>
+          <c:spPr>
+            <a:ln w="28575" cap="rnd">
+              <a:solidFill>
+                <a:schemeClr val="accent1"/>
+              </a:solidFill>
+              <a:round/>
+            </a:ln>
+            <a:effectLst/>
+          </c:spPr>
+          <c:marker>
+            <c:symbol val="circle"/>
+            <c:size val="5"/>
+            <c:spPr>
+              <a:solidFill>
+                <a:schemeClr val="accent1"/>
+              </a:solidFill>
+              <a:ln w="9525">
+                <a:solidFill>
+                  <a:schemeClr val="accent1"/>
+                </a:solidFill>
+              </a:ln>
+              <a:effectLst/>
+            </c:spPr>
+          </c:marker>
+          <c:cat>
+            <c:numRef>
+              <c:f>'algorithm2  100 sampling'!$A$2:$A$16</c:f>
+              <c:numCache>
+                <c:formatCode>General</c:formatCode>
+                <c:ptCount val="15"/>
+                <c:pt idx="0">
+                  <c:v>0.5</c:v>
+                </c:pt>
+                <c:pt idx="1">
+                  <c:v>0.51</c:v>
+                </c:pt>
+                <c:pt idx="2">
+                  <c:v>0.52</c:v>
+                </c:pt>
+                <c:pt idx="3">
+                  <c:v>0.53</c:v>
+                </c:pt>
+                <c:pt idx="4">
+                  <c:v>0.54</c:v>
+                </c:pt>
+                <c:pt idx="5">
+                  <c:v>0.55000000000000004</c:v>
+                </c:pt>
+                <c:pt idx="6">
+                  <c:v>0.56000000000000005</c:v>
+                </c:pt>
+                <c:pt idx="7">
+                  <c:v>0.56999999999999995</c:v>
+                </c:pt>
+                <c:pt idx="8">
+                  <c:v>0.57999999999999996</c:v>
+                </c:pt>
+                <c:pt idx="9">
+                  <c:v>0.59</c:v>
+                </c:pt>
+                <c:pt idx="10">
+                  <c:v>0.6</c:v>
+                </c:pt>
+                <c:pt idx="11">
+                  <c:v>0.61</c:v>
+                </c:pt>
+                <c:pt idx="12">
+                  <c:v>0.62</c:v>
+                </c:pt>
+                <c:pt idx="13">
+                  <c:v>0.63</c:v>
+                </c:pt>
+                <c:pt idx="14">
+                  <c:v>0.64</c:v>
+                </c:pt>
+              </c:numCache>
+            </c:numRef>
+          </c:cat>
+          <c:val>
+            <c:numRef>
+              <c:f>'algorithm2  100 sampling'!$B$2:$B$16</c:f>
+              <c:numCache>
+                <c:formatCode>General</c:formatCode>
+                <c:ptCount val="15"/>
+                <c:pt idx="0">
+                  <c:v>0.93</c:v>
+                </c:pt>
+                <c:pt idx="1">
+                  <c:v>0.93</c:v>
+                </c:pt>
+                <c:pt idx="2">
+                  <c:v>0.93</c:v>
+                </c:pt>
+                <c:pt idx="3">
+                  <c:v>0.93</c:v>
+                </c:pt>
+                <c:pt idx="4">
+                  <c:v>0.92</c:v>
+                </c:pt>
+                <c:pt idx="5">
+                  <c:v>0.91</c:v>
+                </c:pt>
+                <c:pt idx="6">
+                  <c:v>0.91</c:v>
+                </c:pt>
+                <c:pt idx="7">
+                  <c:v>0.9</c:v>
+                </c:pt>
+                <c:pt idx="8">
+                  <c:v>0.89</c:v>
+                </c:pt>
+                <c:pt idx="9">
+                  <c:v>0.87</c:v>
+                </c:pt>
+                <c:pt idx="10">
+                  <c:v>0.86</c:v>
+                </c:pt>
+                <c:pt idx="11">
+                  <c:v>0.85</c:v>
+                </c:pt>
+                <c:pt idx="12">
+                  <c:v>0.83</c:v>
+                </c:pt>
+                <c:pt idx="13">
+                  <c:v>0.81</c:v>
+                </c:pt>
+                <c:pt idx="14">
+                  <c:v>0.79</c:v>
+                </c:pt>
+              </c:numCache>
+            </c:numRef>
+          </c:val>
+          <c:smooth val="0"/>
+          <c:extLst>
+            <c:ext xmlns:c16="http://schemas.microsoft.com/office/drawing/2014/chart" uri="{C3380CC4-5D6E-409C-BE32-E72D297353CC}">
+              <c16:uniqueId val="{00000000-38E7-4F80-8616-4EAE8C5C3702}"/>
+            </c:ext>
+          </c:extLst>
+        </c:ser>
+        <c:ser>
+          <c:idx val="1"/>
+          <c:order val="1"/>
+          <c:tx>
+            <c:strRef>
+              <c:f>'algorithm2  100 sampling'!$C$1</c:f>
+              <c:strCache>
+                <c:ptCount val="1"/>
+                <c:pt idx="0">
+                  <c:v>homogeneity</c:v>
+                </c:pt>
+              </c:strCache>
+            </c:strRef>
+          </c:tx>
+          <c:spPr>
+            <a:ln w="28575" cap="rnd">
+              <a:solidFill>
+                <a:schemeClr val="accent2"/>
+              </a:solidFill>
+              <a:round/>
+            </a:ln>
+            <a:effectLst/>
+          </c:spPr>
+          <c:marker>
+            <c:symbol val="circle"/>
+            <c:size val="5"/>
+            <c:spPr>
+              <a:solidFill>
+                <a:schemeClr val="accent2"/>
+              </a:solidFill>
+              <a:ln w="9525">
+                <a:solidFill>
+                  <a:schemeClr val="accent2"/>
+                </a:solidFill>
+              </a:ln>
+              <a:effectLst/>
+            </c:spPr>
+          </c:marker>
+          <c:cat>
+            <c:numRef>
+              <c:f>'algorithm2  100 sampling'!$A$2:$A$16</c:f>
+              <c:numCache>
+                <c:formatCode>General</c:formatCode>
+                <c:ptCount val="15"/>
+                <c:pt idx="0">
+                  <c:v>0.5</c:v>
+                </c:pt>
+                <c:pt idx="1">
+                  <c:v>0.51</c:v>
+                </c:pt>
+                <c:pt idx="2">
+                  <c:v>0.52</c:v>
+                </c:pt>
+                <c:pt idx="3">
+                  <c:v>0.53</c:v>
+                </c:pt>
+                <c:pt idx="4">
+                  <c:v>0.54</c:v>
+                </c:pt>
+                <c:pt idx="5">
+                  <c:v>0.55000000000000004</c:v>
+                </c:pt>
+                <c:pt idx="6">
+                  <c:v>0.56000000000000005</c:v>
+                </c:pt>
+                <c:pt idx="7">
+                  <c:v>0.56999999999999995</c:v>
+                </c:pt>
+                <c:pt idx="8">
+                  <c:v>0.57999999999999996</c:v>
+                </c:pt>
+                <c:pt idx="9">
+                  <c:v>0.59</c:v>
+                </c:pt>
+                <c:pt idx="10">
+                  <c:v>0.6</c:v>
+                </c:pt>
+                <c:pt idx="11">
+                  <c:v>0.61</c:v>
+                </c:pt>
+                <c:pt idx="12">
+                  <c:v>0.62</c:v>
+                </c:pt>
+                <c:pt idx="13">
+                  <c:v>0.63</c:v>
+                </c:pt>
+                <c:pt idx="14">
+                  <c:v>0.64</c:v>
+                </c:pt>
+              </c:numCache>
+            </c:numRef>
+          </c:cat>
+          <c:val>
+            <c:numRef>
+              <c:f>'algorithm2  100 sampling'!$C$2:$C$16</c:f>
+              <c:numCache>
+                <c:formatCode>General</c:formatCode>
+                <c:ptCount val="15"/>
+                <c:pt idx="0">
+                  <c:v>0.88</c:v>
+                </c:pt>
+                <c:pt idx="1">
+                  <c:v>0.9</c:v>
+                </c:pt>
+                <c:pt idx="2">
+                  <c:v>0.9</c:v>
+                </c:pt>
+                <c:pt idx="3">
+                  <c:v>0.92</c:v>
+                </c:pt>
+                <c:pt idx="4">
+                  <c:v>0.93</c:v>
+                </c:pt>
+                <c:pt idx="5">
+                  <c:v>0.94</c:v>
+                </c:pt>
+                <c:pt idx="6">
+                  <c:v>0.95</c:v>
+                </c:pt>
+                <c:pt idx="7">
+                  <c:v>0.95</c:v>
+                </c:pt>
+                <c:pt idx="8">
+                  <c:v>0.95</c:v>
+                </c:pt>
+                <c:pt idx="9">
+                  <c:v>0.96</c:v>
+                </c:pt>
+                <c:pt idx="10">
+                  <c:v>0.96</c:v>
+                </c:pt>
+                <c:pt idx="11">
+                  <c:v>0.97</c:v>
+                </c:pt>
+                <c:pt idx="12">
+                  <c:v>0.97</c:v>
+                </c:pt>
+                <c:pt idx="13">
+                  <c:v>0.97</c:v>
+                </c:pt>
+                <c:pt idx="14">
+                  <c:v>0.98</c:v>
+                </c:pt>
+              </c:numCache>
+            </c:numRef>
+          </c:val>
+          <c:smooth val="0"/>
+          <c:extLst>
+            <c:ext xmlns:c16="http://schemas.microsoft.com/office/drawing/2014/chart" uri="{C3380CC4-5D6E-409C-BE32-E72D297353CC}">
+              <c16:uniqueId val="{00000001-38E7-4F80-8616-4EAE8C5C3702}"/>
+            </c:ext>
+          </c:extLst>
+        </c:ser>
+        <c:ser>
+          <c:idx val="2"/>
+          <c:order val="2"/>
+          <c:tx>
+            <c:strRef>
+              <c:f>'algorithm2  100 sampling'!$D$1</c:f>
+              <c:strCache>
+                <c:ptCount val="1"/>
+                <c:pt idx="0">
+                  <c:v>mutual_info</c:v>
+                </c:pt>
+              </c:strCache>
+            </c:strRef>
+          </c:tx>
+          <c:spPr>
+            <a:ln w="28575" cap="rnd">
+              <a:solidFill>
+                <a:schemeClr val="accent3"/>
+              </a:solidFill>
+              <a:round/>
+            </a:ln>
+            <a:effectLst/>
+          </c:spPr>
+          <c:marker>
+            <c:symbol val="circle"/>
+            <c:size val="5"/>
+            <c:spPr>
+              <a:solidFill>
+                <a:schemeClr val="accent3"/>
+              </a:solidFill>
+              <a:ln w="9525">
+                <a:solidFill>
+                  <a:schemeClr val="accent3"/>
+                </a:solidFill>
+              </a:ln>
+              <a:effectLst/>
+            </c:spPr>
+          </c:marker>
+          <c:cat>
+            <c:numRef>
+              <c:f>'algorithm2  100 sampling'!$A$2:$A$16</c:f>
+              <c:numCache>
+                <c:formatCode>General</c:formatCode>
+                <c:ptCount val="15"/>
+                <c:pt idx="0">
+                  <c:v>0.5</c:v>
+                </c:pt>
+                <c:pt idx="1">
+                  <c:v>0.51</c:v>
+                </c:pt>
+                <c:pt idx="2">
+                  <c:v>0.52</c:v>
+                </c:pt>
+                <c:pt idx="3">
+                  <c:v>0.53</c:v>
+                </c:pt>
+                <c:pt idx="4">
+                  <c:v>0.54</c:v>
+                </c:pt>
+                <c:pt idx="5">
+                  <c:v>0.55000000000000004</c:v>
+                </c:pt>
+                <c:pt idx="6">
+                  <c:v>0.56000000000000005</c:v>
+                </c:pt>
+                <c:pt idx="7">
+                  <c:v>0.56999999999999995</c:v>
+                </c:pt>
+                <c:pt idx="8">
+                  <c:v>0.57999999999999996</c:v>
+                </c:pt>
+                <c:pt idx="9">
+                  <c:v>0.59</c:v>
+                </c:pt>
+                <c:pt idx="10">
+                  <c:v>0.6</c:v>
+                </c:pt>
+                <c:pt idx="11">
+                  <c:v>0.61</c:v>
+                </c:pt>
+                <c:pt idx="12">
+                  <c:v>0.62</c:v>
+                </c:pt>
+                <c:pt idx="13">
+                  <c:v>0.63</c:v>
+                </c:pt>
+                <c:pt idx="14">
+                  <c:v>0.64</c:v>
+                </c:pt>
+              </c:numCache>
+            </c:numRef>
+          </c:cat>
+          <c:val>
+            <c:numRef>
+              <c:f>'algorithm2  100 sampling'!$D$2:$D$16</c:f>
+              <c:numCache>
+                <c:formatCode>General</c:formatCode>
+                <c:ptCount val="15"/>
+                <c:pt idx="0">
+                  <c:v>0.87</c:v>
+                </c:pt>
+                <c:pt idx="1">
+                  <c:v>0.89</c:v>
+                </c:pt>
+                <c:pt idx="2">
+                  <c:v>0.9</c:v>
+                </c:pt>
+                <c:pt idx="3">
+                  <c:v>0.91</c:v>
+                </c:pt>
+                <c:pt idx="4">
+                  <c:v>0.92</c:v>
+                </c:pt>
+                <c:pt idx="5">
+                  <c:v>0.91</c:v>
+                </c:pt>
+                <c:pt idx="6">
+                  <c:v>0.9</c:v>
+                </c:pt>
+                <c:pt idx="7">
+                  <c:v>0.89</c:v>
+                </c:pt>
+                <c:pt idx="8">
+                  <c:v>0.89</c:v>
+                </c:pt>
+                <c:pt idx="9">
+                  <c:v>0.87</c:v>
+                </c:pt>
+                <c:pt idx="10">
+                  <c:v>0.85</c:v>
+                </c:pt>
+                <c:pt idx="11">
+                  <c:v>0.84</c:v>
+                </c:pt>
+                <c:pt idx="12">
+                  <c:v>0.82</c:v>
+                </c:pt>
+                <c:pt idx="13">
+                  <c:v>0.8</c:v>
+                </c:pt>
+                <c:pt idx="14">
+                  <c:v>0.78</c:v>
+                </c:pt>
+              </c:numCache>
+            </c:numRef>
+          </c:val>
+          <c:smooth val="0"/>
+          <c:extLst>
+            <c:ext xmlns:c16="http://schemas.microsoft.com/office/drawing/2014/chart" uri="{C3380CC4-5D6E-409C-BE32-E72D297353CC}">
+              <c16:uniqueId val="{00000002-38E7-4F80-8616-4EAE8C5C3702}"/>
+            </c:ext>
+          </c:extLst>
+        </c:ser>
+        <c:ser>
+          <c:idx val="3"/>
+          <c:order val="3"/>
+          <c:tx>
+            <c:strRef>
+              <c:f>'algorithm2  100 sampling'!$E$1</c:f>
+              <c:strCache>
+                <c:ptCount val="1"/>
+                <c:pt idx="0">
+                  <c:v>rand</c:v>
+                </c:pt>
+              </c:strCache>
+            </c:strRef>
+          </c:tx>
+          <c:spPr>
+            <a:ln w="28575" cap="rnd">
+              <a:solidFill>
+                <a:schemeClr val="accent4"/>
+              </a:solidFill>
+              <a:round/>
+            </a:ln>
+            <a:effectLst/>
+          </c:spPr>
+          <c:marker>
+            <c:symbol val="circle"/>
+            <c:size val="5"/>
+            <c:spPr>
+              <a:solidFill>
+                <a:schemeClr val="accent4"/>
+              </a:solidFill>
+              <a:ln w="9525">
+                <a:solidFill>
+                  <a:schemeClr val="accent4"/>
+                </a:solidFill>
+              </a:ln>
+              <a:effectLst/>
+            </c:spPr>
+          </c:marker>
+          <c:cat>
+            <c:numRef>
+              <c:f>'algorithm2  100 sampling'!$A$2:$A$16</c:f>
+              <c:numCache>
+                <c:formatCode>General</c:formatCode>
+                <c:ptCount val="15"/>
+                <c:pt idx="0">
+                  <c:v>0.5</c:v>
+                </c:pt>
+                <c:pt idx="1">
+                  <c:v>0.51</c:v>
+                </c:pt>
+                <c:pt idx="2">
+                  <c:v>0.52</c:v>
+                </c:pt>
+                <c:pt idx="3">
+                  <c:v>0.53</c:v>
+                </c:pt>
+                <c:pt idx="4">
+                  <c:v>0.54</c:v>
+                </c:pt>
+                <c:pt idx="5">
+                  <c:v>0.55000000000000004</c:v>
+                </c:pt>
+                <c:pt idx="6">
+                  <c:v>0.56000000000000005</c:v>
+                </c:pt>
+                <c:pt idx="7">
+                  <c:v>0.56999999999999995</c:v>
+                </c:pt>
+                <c:pt idx="8">
+                  <c:v>0.57999999999999996</c:v>
+                </c:pt>
+                <c:pt idx="9">
+                  <c:v>0.59</c:v>
+                </c:pt>
+                <c:pt idx="10">
+                  <c:v>0.6</c:v>
+                </c:pt>
+                <c:pt idx="11">
+                  <c:v>0.61</c:v>
+                </c:pt>
+                <c:pt idx="12">
+                  <c:v>0.62</c:v>
+                </c:pt>
+                <c:pt idx="13">
+                  <c:v>0.63</c:v>
+                </c:pt>
+                <c:pt idx="14">
+                  <c:v>0.64</c:v>
+                </c:pt>
+              </c:numCache>
+            </c:numRef>
+          </c:cat>
+          <c:val>
+            <c:numRef>
+              <c:f>'algorithm2  100 sampling'!$E$2:$E$16</c:f>
+              <c:numCache>
+                <c:formatCode>General</c:formatCode>
+                <c:ptCount val="15"/>
+                <c:pt idx="0">
+                  <c:v>0.82</c:v>
+                </c:pt>
+                <c:pt idx="1">
+                  <c:v>0.86</c:v>
+                </c:pt>
+                <c:pt idx="2">
+                  <c:v>0.87</c:v>
+                </c:pt>
+                <c:pt idx="3">
+                  <c:v>0.88</c:v>
+                </c:pt>
+                <c:pt idx="4">
+                  <c:v>0.9</c:v>
+                </c:pt>
+                <c:pt idx="5">
+                  <c:v>0.91</c:v>
+                </c:pt>
+                <c:pt idx="6">
+                  <c:v>0.91</c:v>
+                </c:pt>
+                <c:pt idx="7">
+                  <c:v>0.91</c:v>
+                </c:pt>
+                <c:pt idx="8">
+                  <c:v>0.9</c:v>
+                </c:pt>
+                <c:pt idx="9">
+                  <c:v>0.89</c:v>
+                </c:pt>
+                <c:pt idx="10">
+                  <c:v>0.87</c:v>
+                </c:pt>
+                <c:pt idx="11">
+                  <c:v>0.86</c:v>
+                </c:pt>
+                <c:pt idx="12">
+                  <c:v>0.84</c:v>
+                </c:pt>
+                <c:pt idx="13">
+                  <c:v>0.82</c:v>
+                </c:pt>
+                <c:pt idx="14">
+                  <c:v>0.8</c:v>
+                </c:pt>
+              </c:numCache>
+            </c:numRef>
+          </c:val>
+          <c:smooth val="0"/>
+          <c:extLst>
+            <c:ext xmlns:c16="http://schemas.microsoft.com/office/drawing/2014/chart" uri="{C3380CC4-5D6E-409C-BE32-E72D297353CC}">
+              <c16:uniqueId val="{00000003-38E7-4F80-8616-4EAE8C5C3702}"/>
+            </c:ext>
+          </c:extLst>
+        </c:ser>
+        <c:ser>
+          <c:idx val="4"/>
+          <c:order val="4"/>
+          <c:tx>
+            <c:strRef>
+              <c:f>'algorithm2  100 sampling'!$F$1</c:f>
+              <c:strCache>
+                <c:ptCount val="1"/>
+                <c:pt idx="0">
+                  <c:v>v_measure</c:v>
+                </c:pt>
+              </c:strCache>
+            </c:strRef>
+          </c:tx>
+          <c:spPr>
+            <a:ln w="28575" cap="rnd">
+              <a:solidFill>
+                <a:schemeClr val="accent5"/>
+              </a:solidFill>
+              <a:round/>
+            </a:ln>
+            <a:effectLst/>
+          </c:spPr>
+          <c:marker>
+            <c:symbol val="circle"/>
+            <c:size val="5"/>
+            <c:spPr>
+              <a:solidFill>
+                <a:schemeClr val="accent5"/>
+              </a:solidFill>
+              <a:ln w="9525">
+                <a:solidFill>
+                  <a:schemeClr val="accent5"/>
+                </a:solidFill>
+              </a:ln>
+              <a:effectLst/>
+            </c:spPr>
+          </c:marker>
+          <c:cat>
+            <c:numRef>
+              <c:f>'algorithm2  100 sampling'!$A$2:$A$16</c:f>
+              <c:numCache>
+                <c:formatCode>General</c:formatCode>
+                <c:ptCount val="15"/>
+                <c:pt idx="0">
+                  <c:v>0.5</c:v>
+                </c:pt>
+                <c:pt idx="1">
+                  <c:v>0.51</c:v>
+                </c:pt>
+                <c:pt idx="2">
+                  <c:v>0.52</c:v>
+                </c:pt>
+                <c:pt idx="3">
+                  <c:v>0.53</c:v>
+                </c:pt>
+                <c:pt idx="4">
+                  <c:v>0.54</c:v>
+                </c:pt>
+                <c:pt idx="5">
+                  <c:v>0.55000000000000004</c:v>
+                </c:pt>
+                <c:pt idx="6">
+                  <c:v>0.56000000000000005</c:v>
+                </c:pt>
+                <c:pt idx="7">
+                  <c:v>0.56999999999999995</c:v>
+                </c:pt>
+                <c:pt idx="8">
+                  <c:v>0.57999999999999996</c:v>
+                </c:pt>
+                <c:pt idx="9">
+                  <c:v>0.59</c:v>
+                </c:pt>
+                <c:pt idx="10">
+                  <c:v>0.6</c:v>
+                </c:pt>
+                <c:pt idx="11">
+                  <c:v>0.61</c:v>
+                </c:pt>
+                <c:pt idx="12">
+                  <c:v>0.62</c:v>
+                </c:pt>
+                <c:pt idx="13">
+                  <c:v>0.63</c:v>
+                </c:pt>
+                <c:pt idx="14">
+                  <c:v>0.64</c:v>
+                </c:pt>
+              </c:numCache>
+            </c:numRef>
+          </c:cat>
+          <c:val>
+            <c:numRef>
+              <c:f>'algorithm2  100 sampling'!$F$2:$F$16</c:f>
+              <c:numCache>
+                <c:formatCode>General</c:formatCode>
+                <c:ptCount val="15"/>
+                <c:pt idx="0">
+                  <c:v>0.9</c:v>
+                </c:pt>
+                <c:pt idx="1">
+                  <c:v>0.91</c:v>
+                </c:pt>
+                <c:pt idx="2">
+                  <c:v>0.92</c:v>
+                </c:pt>
+                <c:pt idx="3">
+                  <c:v>0.92</c:v>
+                </c:pt>
+                <c:pt idx="4">
+                  <c:v>0.93</c:v>
+                </c:pt>
+                <c:pt idx="5">
+                  <c:v>0.93</c:v>
+                </c:pt>
+                <c:pt idx="6">
+                  <c:v>0.93</c:v>
+                </c:pt>
+                <c:pt idx="7">
+                  <c:v>0.92</c:v>
+                </c:pt>
+                <c:pt idx="8">
+                  <c:v>0.92</c:v>
+                </c:pt>
+                <c:pt idx="9">
+                  <c:v>0.91</c:v>
+                </c:pt>
+                <c:pt idx="10">
+                  <c:v>0.91</c:v>
+                </c:pt>
+                <c:pt idx="11">
+                  <c:v>0.9</c:v>
+                </c:pt>
+                <c:pt idx="12">
+                  <c:v>0.89</c:v>
+                </c:pt>
+                <c:pt idx="13">
+                  <c:v>0.88</c:v>
+                </c:pt>
+                <c:pt idx="14">
+                  <c:v>0.88</c:v>
+                </c:pt>
+              </c:numCache>
+            </c:numRef>
+          </c:val>
+          <c:smooth val="0"/>
+          <c:extLst>
+            <c:ext xmlns:c16="http://schemas.microsoft.com/office/drawing/2014/chart" uri="{C3380CC4-5D6E-409C-BE32-E72D297353CC}">
+              <c16:uniqueId val="{00000004-38E7-4F80-8616-4EAE8C5C3702}"/>
+            </c:ext>
+          </c:extLst>
+        </c:ser>
+        <c:dLbls>
+          <c:showLegendKey val="0"/>
+          <c:showVal val="0"/>
+          <c:showCatName val="0"/>
+          <c:showSerName val="0"/>
+          <c:showPercent val="0"/>
+          <c:showBubbleSize val="0"/>
+        </c:dLbls>
+        <c:marker val="1"/>
+        <c:smooth val="0"/>
+        <c:axId val="662873855"/>
+        <c:axId val="662881343"/>
+      </c:lineChart>
+      <c:catAx>
+        <c:axId val="662873855"/>
+        <c:scaling>
+          <c:orientation val="minMax"/>
+        </c:scaling>
+        <c:delete val="0"/>
+        <c:axPos val="b"/>
+        <c:majorGridlines>
+          <c:spPr>
+            <a:ln w="9525" cap="flat" cmpd="sng" algn="ctr">
+              <a:solidFill>
+                <a:schemeClr val="tx1">
+                  <a:lumMod val="15000"/>
+                  <a:lumOff val="85000"/>
+                </a:schemeClr>
+              </a:solidFill>
+              <a:round/>
+            </a:ln>
+            <a:effectLst/>
+          </c:spPr>
+        </c:majorGridlines>
+        <c:title>
+          <c:tx>
+            <c:rich>
+              <a:bodyPr rot="0" spcFirstLastPara="1" vertOverflow="ellipsis" vert="horz" wrap="square" anchor="ctr" anchorCtr="1"/>
+              <a:lstStyle/>
+              <a:p>
+                <a:pPr>
+                  <a:defRPr sz="1000" b="0" i="0" u="none" strike="noStrike" kern="1200" baseline="0">
+                    <a:solidFill>
+                      <a:schemeClr val="tx1">
+                        <a:lumMod val="65000"/>
+                        <a:lumOff val="35000"/>
+                      </a:schemeClr>
+                    </a:solidFill>
+                    <a:latin typeface="+mn-lt"/>
+                    <a:ea typeface="+mn-ea"/>
+                    <a:cs typeface="+mn-cs"/>
+                  </a:defRPr>
+                </a:pPr>
+                <a:r>
+                  <a:rPr lang="en-US" altLang="zh-TW"/>
+                  <a:t>threshold</a:t>
+                </a:r>
+                <a:endParaRPr lang="zh-TW" altLang="en-US"/>
+              </a:p>
+            </c:rich>
+          </c:tx>
+          <c:layout/>
+          <c:overlay val="0"/>
+          <c:spPr>
+            <a:noFill/>
+            <a:ln>
+              <a:noFill/>
+            </a:ln>
+            <a:effectLst/>
+          </c:spPr>
+          <c:txPr>
+            <a:bodyPr rot="0" spcFirstLastPara="1" vertOverflow="ellipsis" vert="horz" wrap="square" anchor="ctr" anchorCtr="1"/>
+            <a:lstStyle/>
+            <a:p>
+              <a:pPr>
+                <a:defRPr sz="1000" b="0" i="0" u="none" strike="noStrike" kern="1200" baseline="0">
+                  <a:solidFill>
+                    <a:schemeClr val="tx1">
+                      <a:lumMod val="65000"/>
+                      <a:lumOff val="35000"/>
+                    </a:schemeClr>
+                  </a:solidFill>
+                  <a:latin typeface="+mn-lt"/>
+                  <a:ea typeface="+mn-ea"/>
+                  <a:cs typeface="+mn-cs"/>
+                </a:defRPr>
+              </a:pPr>
+              <a:endParaRPr lang="zh-TW"/>
+            </a:p>
+          </c:txPr>
+        </c:title>
+        <c:numFmt formatCode="General" sourceLinked="1"/>
+        <c:majorTickMark val="none"/>
+        <c:minorTickMark val="none"/>
+        <c:tickLblPos val="nextTo"/>
+        <c:spPr>
+          <a:noFill/>
+          <a:ln w="9525" cap="flat" cmpd="sng" algn="ctr">
+            <a:solidFill>
+              <a:schemeClr val="tx1">
+                <a:lumMod val="15000"/>
+                <a:lumOff val="85000"/>
+              </a:schemeClr>
+            </a:solidFill>
+            <a:round/>
+          </a:ln>
+          <a:effectLst/>
+        </c:spPr>
+        <c:txPr>
+          <a:bodyPr rot="-60000000" spcFirstLastPara="1" vertOverflow="ellipsis" vert="horz" wrap="square" anchor="ctr" anchorCtr="1"/>
+          <a:lstStyle/>
+          <a:p>
+            <a:pPr>
+              <a:defRPr sz="900" b="0" i="0" u="none" strike="noStrike" kern="1200" baseline="0">
+                <a:solidFill>
+                  <a:schemeClr val="tx1">
+                    <a:lumMod val="65000"/>
+                    <a:lumOff val="35000"/>
+                  </a:schemeClr>
+                </a:solidFill>
+                <a:latin typeface="+mn-lt"/>
+                <a:ea typeface="+mn-ea"/>
+                <a:cs typeface="+mn-cs"/>
+              </a:defRPr>
+            </a:pPr>
+            <a:endParaRPr lang="zh-TW"/>
+          </a:p>
+        </c:txPr>
+        <c:crossAx val="662881343"/>
+        <c:crosses val="autoZero"/>
+        <c:auto val="1"/>
+        <c:lblAlgn val="ctr"/>
+        <c:lblOffset val="100"/>
+        <c:noMultiLvlLbl val="0"/>
+      </c:catAx>
+      <c:valAx>
+        <c:axId val="662881343"/>
+        <c:scaling>
+          <c:orientation val="minMax"/>
+          <c:min val="0.75000000000000011"/>
+        </c:scaling>
+        <c:delete val="0"/>
+        <c:axPos val="l"/>
+        <c:majorGridlines>
+          <c:spPr>
+            <a:ln w="9525" cap="flat" cmpd="sng" algn="ctr">
+              <a:solidFill>
+                <a:schemeClr val="tx1">
+                  <a:lumMod val="15000"/>
+                  <a:lumOff val="85000"/>
+                </a:schemeClr>
+              </a:solidFill>
+              <a:round/>
+            </a:ln>
+            <a:effectLst/>
+          </c:spPr>
+        </c:majorGridlines>
+        <c:title>
+          <c:tx>
+            <c:rich>
+              <a:bodyPr rot="-5400000" spcFirstLastPara="1" vertOverflow="ellipsis" vert="horz" wrap="square" anchor="ctr" anchorCtr="1"/>
+              <a:lstStyle/>
+              <a:p>
+                <a:pPr>
+                  <a:defRPr sz="1000" b="0" i="0" u="none" strike="noStrike" kern="1200" baseline="0">
+                    <a:solidFill>
+                      <a:schemeClr val="tx1">
+                        <a:lumMod val="65000"/>
+                        <a:lumOff val="35000"/>
+                      </a:schemeClr>
+                    </a:solidFill>
+                    <a:latin typeface="+mn-lt"/>
+                    <a:ea typeface="+mn-ea"/>
+                    <a:cs typeface="+mn-cs"/>
+                  </a:defRPr>
+                </a:pPr>
+                <a:r>
+                  <a:rPr lang="zh-TW" altLang="en-US"/>
+                  <a:t>分數</a:t>
+                </a:r>
+              </a:p>
+            </c:rich>
+          </c:tx>
+          <c:layout/>
+          <c:overlay val="0"/>
+          <c:spPr>
+            <a:noFill/>
+            <a:ln>
+              <a:noFill/>
+            </a:ln>
+            <a:effectLst/>
+          </c:spPr>
+          <c:txPr>
+            <a:bodyPr rot="-5400000" spcFirstLastPara="1" vertOverflow="ellipsis" vert="horz" wrap="square" anchor="ctr" anchorCtr="1"/>
+            <a:lstStyle/>
+            <a:p>
+              <a:pPr>
+                <a:defRPr sz="1000" b="0" i="0" u="none" strike="noStrike" kern="1200" baseline="0">
+                  <a:solidFill>
+                    <a:schemeClr val="tx1">
+                      <a:lumMod val="65000"/>
+                      <a:lumOff val="35000"/>
+                    </a:schemeClr>
+                  </a:solidFill>
+                  <a:latin typeface="+mn-lt"/>
+                  <a:ea typeface="+mn-ea"/>
+                  <a:cs typeface="+mn-cs"/>
+                </a:defRPr>
+              </a:pPr>
+              <a:endParaRPr lang="zh-TW"/>
+            </a:p>
+          </c:txPr>
+        </c:title>
+        <c:numFmt formatCode="General" sourceLinked="1"/>
+        <c:majorTickMark val="none"/>
+        <c:minorTickMark val="none"/>
+        <c:tickLblPos val="nextTo"/>
+        <c:spPr>
+          <a:noFill/>
+          <a:ln>
+            <a:solidFill>
+              <a:schemeClr val="accent1"/>
+            </a:solidFill>
+          </a:ln>
+          <a:effectLst/>
+        </c:spPr>
+        <c:txPr>
+          <a:bodyPr rot="-60000000" spcFirstLastPara="1" vertOverflow="ellipsis" vert="horz" wrap="square" anchor="ctr" anchorCtr="1"/>
+          <a:lstStyle/>
+          <a:p>
+            <a:pPr>
+              <a:defRPr sz="900" b="0" i="0" u="none" strike="noStrike" kern="1200" baseline="0">
+                <a:solidFill>
+                  <a:schemeClr val="tx1">
+                    <a:lumMod val="65000"/>
+                    <a:lumOff val="35000"/>
+                  </a:schemeClr>
+                </a:solidFill>
+                <a:latin typeface="+mn-lt"/>
+                <a:ea typeface="+mn-ea"/>
+                <a:cs typeface="+mn-cs"/>
+              </a:defRPr>
+            </a:pPr>
+            <a:endParaRPr lang="zh-TW"/>
+          </a:p>
+        </c:txPr>
+        <c:crossAx val="662873855"/>
+        <c:crosses val="autoZero"/>
+        <c:crossBetween val="between"/>
+      </c:valAx>
+      <c:spPr>
+        <a:noFill/>
+        <a:ln>
+          <a:noFill/>
+        </a:ln>
+        <a:effectLst/>
+      </c:spPr>
+    </c:plotArea>
+    <c:legend>
+      <c:legendPos val="t"/>
+      <c:layout/>
+      <c:overlay val="0"/>
+      <c:spPr>
+        <a:noFill/>
+        <a:ln>
+          <a:noFill/>
+        </a:ln>
+        <a:effectLst/>
+      </c:spPr>
+      <c:txPr>
+        <a:bodyPr rot="0" spcFirstLastPara="1" vertOverflow="ellipsis" vert="horz" wrap="square" anchor="ctr" anchorCtr="1"/>
+        <a:lstStyle/>
+        <a:p>
+          <a:pPr>
+            <a:defRPr sz="900" b="0" i="0" u="none" strike="noStrike" kern="1200" baseline="0">
+              <a:solidFill>
+                <a:schemeClr val="tx1">
+                  <a:lumMod val="65000"/>
+                  <a:lumOff val="35000"/>
+                </a:schemeClr>
+              </a:solidFill>
+              <a:latin typeface="+mn-lt"/>
+              <a:ea typeface="+mn-ea"/>
+              <a:cs typeface="+mn-cs"/>
+            </a:defRPr>
+          </a:pPr>
+          <a:endParaRPr lang="zh-TW"/>
+        </a:p>
+      </c:txPr>
+    </c:legend>
+    <c:plotVisOnly val="1"/>
+    <c:dispBlanksAs val="gap"/>
+    <c:showDLblsOverMax val="0"/>
+  </c:chart>
+  <c:spPr>
+    <a:noFill/>
+    <a:ln>
+      <a:noFill/>
+    </a:ln>
+    <a:effectLst/>
+  </c:spPr>
+  <c:txPr>
+    <a:bodyPr/>
+    <a:lstStyle/>
+    <a:p>
+      <a:pPr>
+        <a:defRPr/>
+      </a:pPr>
+      <a:endParaRPr lang="zh-TW"/>
+    </a:p>
+  </c:txPr>
+  <c:externalData r:id="rId3">
+    <c:autoUpdate val="0"/>
+  </c:externalData>
+</c:chartSpace>
+</file>
+
+<file path=ppt/charts/colors1.xml><?xml version="1.0" encoding="utf-8"?>
+<cs:colorStyle xmlns:cs="http://schemas.microsoft.com/office/drawing/2012/chartStyle" xmlns:a="http://schemas.openxmlformats.org/drawingml/2006/main" meth="cycle" id="10">
+  <a:schemeClr val="accent1"/>
+  <a:schemeClr val="accent2"/>
+  <a:schemeClr val="accent3"/>
+  <a:schemeClr val="accent4"/>
+  <a:schemeClr val="accent5"/>
+  <a:schemeClr val="accent6"/>
+  <cs:variation/>
+  <cs:variation>
+    <a:lumMod val="60000"/>
+  </cs:variation>
+  <cs:variation>
+    <a:lumMod val="80000"/>
+    <a:lumOff val="20000"/>
+  </cs:variation>
+  <cs:variation>
+    <a:lumMod val="80000"/>
+  </cs:variation>
+  <cs:variation>
+    <a:lumMod val="60000"/>
+    <a:lumOff val="40000"/>
+  </cs:variation>
+  <cs:variation>
+    <a:lumMod val="50000"/>
+  </cs:variation>
+  <cs:variation>
+    <a:lumMod val="70000"/>
+    <a:lumOff val="30000"/>
+  </cs:variation>
+  <cs:variation>
+    <a:lumMod val="70000"/>
+  </cs:variation>
+  <cs:variation>
+    <a:lumMod val="50000"/>
+    <a:lumOff val="50000"/>
+  </cs:variation>
+</cs:colorStyle>
+</file>
+
+<file path=ppt/charts/style1.xml><?xml version="1.0" encoding="utf-8"?>
+<cs:chartStyle xmlns:cs="http://schemas.microsoft.com/office/drawing/2012/chartStyle" xmlns:a="http://schemas.openxmlformats.org/drawingml/2006/main" id="332">
+  <cs:axisTitle>
+    <cs:lnRef idx="0"/>
+    <cs:fillRef idx="0"/>
+    <cs:effectRef idx="0"/>
+    <cs:fontRef idx="minor">
+      <a:schemeClr val="tx1">
+        <a:lumMod val="65000"/>
+        <a:lumOff val="35000"/>
+      </a:schemeClr>
+    </cs:fontRef>
+    <cs:defRPr sz="1000" kern="1200"/>
+  </cs:axisTitle>
+  <cs:categoryAxis>
+    <cs:lnRef idx="0"/>
+    <cs:fillRef idx="0"/>
+    <cs:effectRef idx="0"/>
+    <cs:fontRef idx="minor">
+      <a:schemeClr val="tx1">
+        <a:lumMod val="65000"/>
+        <a:lumOff val="35000"/>
+      </a:schemeClr>
+    </cs:fontRef>
+    <cs:spPr>
+      <a:ln w="9525" cap="flat" cmpd="sng" algn="ctr">
+        <a:solidFill>
+          <a:schemeClr val="tx1">
+            <a:lumMod val="15000"/>
+            <a:lumOff val="85000"/>
+          </a:schemeClr>
+        </a:solidFill>
+        <a:round/>
+      </a:ln>
+    </cs:spPr>
+    <cs:defRPr sz="900" kern="1200"/>
+  </cs:categoryAxis>
+  <cs:chartArea mods="allowNoFillOverride allowNoLineOverride">
+    <cs:lnRef idx="0"/>
+    <cs:fillRef idx="0"/>
+    <cs:effectRef idx="0"/>
+    <cs:fontRef idx="minor">
+      <a:schemeClr val="tx1"/>
+    </cs:fontRef>
+    <cs:spPr>
+      <a:solidFill>
+        <a:schemeClr val="bg1"/>
+      </a:solidFill>
+      <a:ln w="9525" cap="flat" cmpd="sng" algn="ctr">
+        <a:solidFill>
+          <a:schemeClr val="tx1">
+            <a:lumMod val="15000"/>
+            <a:lumOff val="85000"/>
+          </a:schemeClr>
+        </a:solidFill>
+        <a:round/>
+      </a:ln>
+    </cs:spPr>
+    <cs:defRPr sz="1000" kern="1200"/>
+  </cs:chartArea>
+  <cs:dataLabel>
+    <cs:lnRef idx="0"/>
+    <cs:fillRef idx="0"/>
+    <cs:effectRef idx="0"/>
+    <cs:fontRef idx="minor">
+      <a:schemeClr val="tx1">
+        <a:lumMod val="75000"/>
+        <a:lumOff val="25000"/>
+      </a:schemeClr>
+    </cs:fontRef>
+    <cs:defRPr sz="900" kern="1200"/>
+  </cs:dataLabel>
+  <cs:dataLabelCallout>
+    <cs:lnRef idx="0"/>
+    <cs:fillRef idx="0"/>
+    <cs:effectRef idx="0"/>
+    <cs:fontRef idx="minor">
+      <a:schemeClr val="dk1">
+        <a:lumMod val="65000"/>
+        <a:lumOff val="35000"/>
+      </a:schemeClr>
+    </cs:fontRef>
+    <cs:spPr>
+      <a:solidFill>
+        <a:schemeClr val="lt1"/>
+      </a:solidFill>
+      <a:ln>
+        <a:solidFill>
+          <a:schemeClr val="dk1">
+            <a:lumMod val="25000"/>
+            <a:lumOff val="75000"/>
+          </a:schemeClr>
+        </a:solidFill>
+      </a:ln>
+    </cs:spPr>
+    <cs:defRPr sz="900" kern="1200"/>
+    <cs:bodyPr rot="0" spcFirstLastPara="1" vertOverflow="clip" horzOverflow="clip" vert="horz" wrap="square" lIns="36576" tIns="18288" rIns="36576" bIns="18288" anchor="ctr" anchorCtr="1">
+      <a:spAutoFit/>
+    </cs:bodyPr>
+  </cs:dataLabelCallout>
+  <cs:dataPoint>
+    <cs:lnRef idx="0"/>
+    <cs:fillRef idx="1">
+      <cs:styleClr val="auto"/>
+    </cs:fillRef>
+    <cs:effectRef idx="0"/>
+    <cs:fontRef idx="minor">
+      <a:schemeClr val="tx1"/>
+    </cs:fontRef>
+  </cs:dataPoint>
+  <cs:dataPoint3D>
+    <cs:lnRef idx="0"/>
+    <cs:fillRef idx="1">
+      <cs:styleClr val="auto"/>
+    </cs:fillRef>
+    <cs:effectRef idx="0"/>
+    <cs:fontRef idx="minor">
+      <a:schemeClr val="tx1"/>
+    </cs:fontRef>
+  </cs:dataPoint3D>
+  <cs:dataPointLine>
+    <cs:lnRef idx="0">
+      <cs:styleClr val="auto"/>
+    </cs:lnRef>
+    <cs:fillRef idx="1"/>
+    <cs:effectRef idx="0"/>
+    <cs:fontRef idx="minor">
+      <a:schemeClr val="tx1"/>
+    </cs:fontRef>
+    <cs:spPr>
+      <a:ln w="28575" cap="rnd">
+        <a:solidFill>
+          <a:schemeClr val="phClr"/>
+        </a:solidFill>
+        <a:round/>
+      </a:ln>
+    </cs:spPr>
+  </cs:dataPointLine>
+  <cs:dataPointMarker>
+    <cs:lnRef idx="0">
+      <cs:styleClr val="auto"/>
+    </cs:lnRef>
+    <cs:fillRef idx="1">
+      <cs:styleClr val="auto"/>
+    </cs:fillRef>
+    <cs:effectRef idx="0"/>
+    <cs:fontRef idx="minor">
+      <a:schemeClr val="tx1"/>
+    </cs:fontRef>
+    <cs:spPr>
+      <a:ln w="9525">
+        <a:solidFill>
+          <a:schemeClr val="phClr"/>
+        </a:solidFill>
+      </a:ln>
+    </cs:spPr>
+  </cs:dataPointMarker>
+  <cs:dataPointMarkerLayout symbol="circle" size="5"/>
+  <cs:dataPointWireframe>
+    <cs:lnRef idx="0">
+      <cs:styleClr val="auto"/>
+    </cs:lnRef>
+    <cs:fillRef idx="1"/>
+    <cs:effectRef idx="0"/>
+    <cs:fontRef idx="minor">
+      <a:schemeClr val="tx1"/>
+    </cs:fontRef>
+    <cs:spPr>
+      <a:ln w="9525" cap="rnd">
+        <a:solidFill>
+          <a:schemeClr val="phClr"/>
+        </a:solidFill>
+        <a:round/>
+      </a:ln>
+    </cs:spPr>
+  </cs:dataPointWireframe>
+  <cs:dataTable>
+    <cs:lnRef idx="0"/>
+    <cs:fillRef idx="0"/>
+    <cs:effectRef idx="0"/>
+    <cs:fontRef idx="minor">
+      <a:schemeClr val="tx1">
+        <a:lumMod val="65000"/>
+        <a:lumOff val="35000"/>
+      </a:schemeClr>
+    </cs:fontRef>
+    <cs:spPr>
+      <a:noFill/>
+      <a:ln w="9525" cap="flat" cmpd="sng" algn="ctr">
+        <a:solidFill>
+          <a:schemeClr val="tx1">
+            <a:lumMod val="15000"/>
+            <a:lumOff val="85000"/>
+          </a:schemeClr>
+        </a:solidFill>
+        <a:round/>
+      </a:ln>
+    </cs:spPr>
+    <cs:defRPr sz="900" kern="1200"/>
+  </cs:dataTable>
+  <cs:downBar>
+    <cs:lnRef idx="0"/>
+    <cs:fillRef idx="0"/>
+    <cs:effectRef idx="0"/>
+    <cs:fontRef idx="minor">
+      <a:schemeClr val="dk1"/>
+    </cs:fontRef>
+    <cs:spPr>
+      <a:solidFill>
+        <a:schemeClr val="dk1">
+          <a:lumMod val="65000"/>
+          <a:lumOff val="35000"/>
+        </a:schemeClr>
+      </a:solidFill>
+      <a:ln w="9525">
+        <a:solidFill>
+          <a:schemeClr val="tx1">
+            <a:lumMod val="65000"/>
+            <a:lumOff val="35000"/>
+          </a:schemeClr>
+        </a:solidFill>
+      </a:ln>
+    </cs:spPr>
+  </cs:downBar>
+  <cs:dropLine>
+    <cs:lnRef idx="0"/>
+    <cs:fillRef idx="0"/>
+    <cs:effectRef idx="0"/>
+    <cs:fontRef idx="minor">
+      <a:schemeClr val="tx1"/>
+    </cs:fontRef>
+    <cs:spPr>
+      <a:ln w="9525" cap="flat" cmpd="sng" algn="ctr">
+        <a:solidFill>
+          <a:schemeClr val="tx1">
+            <a:lumMod val="35000"/>
+            <a:lumOff val="65000"/>
+          </a:schemeClr>
+        </a:solidFill>
+        <a:round/>
+      </a:ln>
+    </cs:spPr>
+  </cs:dropLine>
+  <cs:errorBar>
+    <cs:lnRef idx="0"/>
+    <cs:fillRef idx="0"/>
+    <cs:effectRef idx="0"/>
+    <cs:fontRef idx="minor">
+      <a:schemeClr val="tx1"/>
+    </cs:fontRef>
+    <cs:spPr>
+      <a:ln w="9525" cap="flat" cmpd="sng" algn="ctr">
+        <a:solidFill>
+          <a:schemeClr val="tx1">
+            <a:lumMod val="65000"/>
+            <a:lumOff val="35000"/>
+          </a:schemeClr>
+        </a:solidFill>
+        <a:round/>
+      </a:ln>
+    </cs:spPr>
+  </cs:errorBar>
+  <cs:floor>
+    <cs:lnRef idx="0"/>
+    <cs:fillRef idx="0"/>
+    <cs:effectRef idx="0"/>
+    <cs:fontRef idx="minor">
+      <a:schemeClr val="tx1"/>
+    </cs:fontRef>
+    <cs:spPr>
+      <a:noFill/>
+      <a:ln>
+        <a:noFill/>
+      </a:ln>
+    </cs:spPr>
+  </cs:floor>
+  <cs:gridlineMajor>
+    <cs:lnRef idx="0"/>
+    <cs:fillRef idx="0"/>
+    <cs:effectRef idx="0"/>
+    <cs:fontRef idx="minor">
+      <a:schemeClr val="tx1"/>
+    </cs:fontRef>
+    <cs:spPr>
+      <a:ln w="9525" cap="flat" cmpd="sng" algn="ctr">
+        <a:solidFill>
+          <a:schemeClr val="tx1">
+            <a:lumMod val="15000"/>
+            <a:lumOff val="85000"/>
+          </a:schemeClr>
+        </a:solidFill>
+        <a:round/>
+      </a:ln>
+    </cs:spPr>
+  </cs:gridlineMajor>
+  <cs:gridlineMinor>
+    <cs:lnRef idx="0"/>
+    <cs:fillRef idx="0"/>
+    <cs:effectRef idx="0"/>
+    <cs:fontRef idx="minor">
+      <a:schemeClr val="tx1"/>
+    </cs:fontRef>
+    <cs:spPr>
+      <a:ln w="9525" cap="flat" cmpd="sng" algn="ctr">
+        <a:solidFill>
+          <a:schemeClr val="tx1">
+            <a:lumMod val="5000"/>
+            <a:lumOff val="95000"/>
+          </a:schemeClr>
+        </a:solidFill>
+        <a:round/>
+      </a:ln>
+    </cs:spPr>
+  </cs:gridlineMinor>
+  <cs:hiLoLine>
+    <cs:lnRef idx="0"/>
+    <cs:fillRef idx="0"/>
+    <cs:effectRef idx="0"/>
+    <cs:fontRef idx="minor">
+      <a:schemeClr val="tx1"/>
+    </cs:fontRef>
+    <cs:spPr>
+      <a:ln w="9525" cap="flat" cmpd="sng" algn="ctr">
+        <a:solidFill>
+          <a:schemeClr val="tx1">
+            <a:lumMod val="75000"/>
+            <a:lumOff val="25000"/>
+          </a:schemeClr>
+        </a:solidFill>
+        <a:round/>
+      </a:ln>
+    </cs:spPr>
+  </cs:hiLoLine>
+  <cs:leaderLine>
+    <cs:lnRef idx="0"/>
+    <cs:fillRef idx="0"/>
+    <cs:effectRef idx="0"/>
+    <cs:fontRef idx="minor">
+      <a:schemeClr val="tx1"/>
+    </cs:fontRef>
+    <cs:spPr>
+      <a:ln w="9525" cap="flat" cmpd="sng" algn="ctr">
+        <a:solidFill>
+          <a:schemeClr val="tx1">
+            <a:lumMod val="35000"/>
+            <a:lumOff val="65000"/>
+          </a:schemeClr>
+        </a:solidFill>
+        <a:round/>
+      </a:ln>
+    </cs:spPr>
+  </cs:leaderLine>
+  <cs:legend>
+    <cs:lnRef idx="0"/>
+    <cs:fillRef idx="0"/>
+    <cs:effectRef idx="0"/>
+    <cs:fontRef idx="minor">
+      <a:schemeClr val="tx1">
+        <a:lumMod val="65000"/>
+        <a:lumOff val="35000"/>
+      </a:schemeClr>
+    </cs:fontRef>
+    <cs:defRPr sz="900" kern="1200"/>
+  </cs:legend>
+  <cs:plotArea mods="allowNoFillOverride allowNoLineOverride">
+    <cs:lnRef idx="0"/>
+    <cs:fillRef idx="0"/>
+    <cs:effectRef idx="0"/>
+    <cs:fontRef idx="minor">
+      <a:schemeClr val="tx1"/>
+    </cs:fontRef>
+  </cs:plotArea>
+  <cs:plotArea3D mods="allowNoFillOverride allowNoLineOverride">
+    <cs:lnRef idx="0"/>
+    <cs:fillRef idx="0"/>
+    <cs:effectRef idx="0"/>
+    <cs:fontRef idx="minor">
+      <a:schemeClr val="tx1"/>
+    </cs:fontRef>
+  </cs:plotArea3D>
+  <cs:seriesAxis>
+    <cs:lnRef idx="0"/>
+    <cs:fillRef idx="0"/>
+    <cs:effectRef idx="0"/>
+    <cs:fontRef idx="minor">
+      <a:schemeClr val="tx1">
+        <a:lumMod val="65000"/>
+        <a:lumOff val="35000"/>
+      </a:schemeClr>
+    </cs:fontRef>
+    <cs:defRPr sz="900" kern="1200"/>
+  </cs:seriesAxis>
+  <cs:seriesLine>
+    <cs:lnRef idx="0"/>
+    <cs:fillRef idx="0"/>
+    <cs:effectRef idx="0"/>
+    <cs:fontRef idx="minor">
+      <a:schemeClr val="tx1"/>
+    </cs:fontRef>
+    <cs:spPr>
+      <a:ln w="9525" cap="flat" cmpd="sng" algn="ctr">
+        <a:solidFill>
+          <a:schemeClr val="tx1">
+            <a:lumMod val="35000"/>
+            <a:lumOff val="65000"/>
+          </a:schemeClr>
+        </a:solidFill>
+        <a:round/>
+      </a:ln>
+    </cs:spPr>
+  </cs:seriesLine>
+  <cs:title>
+    <cs:lnRef idx="0"/>
+    <cs:fillRef idx="0"/>
+    <cs:effectRef idx="0"/>
+    <cs:fontRef idx="minor">
+      <a:schemeClr val="tx1">
+        <a:lumMod val="65000"/>
+        <a:lumOff val="35000"/>
+      </a:schemeClr>
+    </cs:fontRef>
+    <cs:defRPr sz="1400" b="0" kern="1200" spc="0" baseline="0"/>
+  </cs:title>
+  <cs:trendline>
+    <cs:lnRef idx="0">
+      <cs:styleClr val="auto"/>
+    </cs:lnRef>
+    <cs:fillRef idx="0"/>
+    <cs:effectRef idx="0"/>
+    <cs:fontRef idx="minor">
+      <a:schemeClr val="tx1"/>
+    </cs:fontRef>
+    <cs:spPr>
+      <a:ln w="19050" cap="rnd">
+        <a:solidFill>
+          <a:schemeClr val="phClr"/>
+        </a:solidFill>
+        <a:prstDash val="sysDot"/>
+      </a:ln>
+    </cs:spPr>
+  </cs:trendline>
+  <cs:trendlineLabel>
+    <cs:lnRef idx="0"/>
+    <cs:fillRef idx="0"/>
+    <cs:effectRef idx="0"/>
+    <cs:fontRef idx="minor">
+      <a:schemeClr val="tx1">
+        <a:lumMod val="65000"/>
+        <a:lumOff val="35000"/>
+      </a:schemeClr>
+    </cs:fontRef>
+    <cs:defRPr sz="900" kern="1200"/>
+  </cs:trendlineLabel>
+  <cs:upBar>
+    <cs:lnRef idx="0"/>
+    <cs:fillRef idx="0"/>
+    <cs:effectRef idx="0"/>
+    <cs:fontRef idx="minor">
+      <a:schemeClr val="dk1"/>
+    </cs:fontRef>
+    <cs:spPr>
+      <a:solidFill>
+        <a:schemeClr val="lt1"/>
+      </a:solidFill>
+      <a:ln w="9525">
+        <a:solidFill>
+          <a:schemeClr val="tx1">
+            <a:lumMod val="15000"/>
+            <a:lumOff val="85000"/>
+          </a:schemeClr>
+        </a:solidFill>
+      </a:ln>
+    </cs:spPr>
+  </cs:upBar>
+  <cs:valueAxis>
+    <cs:lnRef idx="0"/>
+    <cs:fillRef idx="0"/>
+    <cs:effectRef idx="0"/>
+    <cs:fontRef idx="minor">
+      <a:schemeClr val="tx1">
+        <a:lumMod val="65000"/>
+        <a:lumOff val="35000"/>
+      </a:schemeClr>
+    </cs:fontRef>
+    <cs:defRPr sz="900" kern="1200"/>
+  </cs:valueAxis>
+  <cs:wall>
+    <cs:lnRef idx="0"/>
+    <cs:fillRef idx="0"/>
+    <cs:effectRef idx="0"/>
+    <cs:fontRef idx="minor">
+      <a:schemeClr val="tx1"/>
+    </cs:fontRef>
+    <cs:spPr>
+      <a:noFill/>
+      <a:ln>
+        <a:noFill/>
+      </a:ln>
+    </cs:spPr>
+  </cs:wall>
+</cs:chartStyle>
+</file>
+
 <file path=ppt/notesMasters/notesMaster1.xml><?xml version="1.0" encoding="utf-8"?>
 <p:notesMaster xmlns:a="http://schemas.openxmlformats.org/drawingml/2006/main" xmlns:r="http://schemas.openxmlformats.org/officeDocument/2006/relationships" xmlns:p="http://schemas.openxmlformats.org/presentationml/2006/main">
   <p:cSld>
@@ -214,7 +1878,7 @@
           <a:p>
             <a:fld id="{6EBBD1C7-ADD3-504D-BCDB-B42CF5CE97FC}" type="datetimeFigureOut">
               <a:rPr kumimoji="1" lang="zh-TW" altLang="en-US" smtClean="0"/>
-              <a:t>2016/5/11</a:t>
+              <a:t>2016/5/26</a:t>
             </a:fld>
             <a:endParaRPr kumimoji="1" lang="zh-TW" altLang="en-US"/>
           </a:p>
@@ -584,6 +2248,668 @@
 </p:notes>
 </file>
 
+<file path=ppt/notesSlides/notesSlide2.xml><?xml version="1.0" encoding="utf-8"?>
+<p:notes xmlns:a="http://schemas.openxmlformats.org/drawingml/2006/main" xmlns:r="http://schemas.openxmlformats.org/officeDocument/2006/relationships" xmlns:p="http://schemas.openxmlformats.org/presentationml/2006/main">
+  <p:cSld>
+    <p:spTree>
+      <p:nvGrpSpPr>
+        <p:cNvPr id="1" name=""/>
+        <p:cNvGrpSpPr/>
+        <p:nvPr/>
+      </p:nvGrpSpPr>
+      <p:grpSpPr>
+        <a:xfrm>
+          <a:off x="0" y="0"/>
+          <a:ext cx="0" cy="0"/>
+          <a:chOff x="0" y="0"/>
+          <a:chExt cx="0" cy="0"/>
+        </a:xfrm>
+      </p:grpSpPr>
+      <p:sp>
+        <p:nvSpPr>
+          <p:cNvPr id="2" name="投影片圖像版面配置區 1"/>
+          <p:cNvSpPr>
+            <a:spLocks noGrp="1" noRot="1" noChangeAspect="1"/>
+          </p:cNvSpPr>
+          <p:nvPr>
+            <p:ph type="sldImg"/>
+          </p:nvPr>
+        </p:nvSpPr>
+        <p:spPr/>
+      </p:sp>
+      <p:sp>
+        <p:nvSpPr>
+          <p:cNvPr id="3" name="備忘稿版面配置區 2"/>
+          <p:cNvSpPr>
+            <a:spLocks noGrp="1"/>
+          </p:cNvSpPr>
+          <p:nvPr>
+            <p:ph type="body" idx="1"/>
+          </p:nvPr>
+        </p:nvSpPr>
+        <p:spPr/>
+        <p:txBody>
+          <a:bodyPr/>
+          <a:lstStyle/>
+          <a:p>
+            <a:endParaRPr lang="zh-TW" altLang="en-US" dirty="0"/>
+          </a:p>
+        </p:txBody>
+      </p:sp>
+      <p:sp>
+        <p:nvSpPr>
+          <p:cNvPr id="4" name="投影片編號版面配置區 3"/>
+          <p:cNvSpPr>
+            <a:spLocks noGrp="1"/>
+          </p:cNvSpPr>
+          <p:nvPr>
+            <p:ph type="sldNum" sz="quarter" idx="10"/>
+          </p:nvPr>
+        </p:nvSpPr>
+        <p:spPr/>
+        <p:txBody>
+          <a:bodyPr/>
+          <a:lstStyle/>
+          <a:p>
+            <a:fld id="{5C0E8D25-4743-8548-92C1-84EF04EA4DC0}" type="slidenum">
+              <a:rPr kumimoji="1" lang="zh-TW" altLang="en-US" smtClean="0"/>
+              <a:t>21</a:t>
+            </a:fld>
+            <a:endParaRPr kumimoji="1" lang="zh-TW" altLang="en-US"/>
+          </a:p>
+        </p:txBody>
+      </p:sp>
+    </p:spTree>
+    <p:extLst>
+      <p:ext uri="{BB962C8B-B14F-4D97-AF65-F5344CB8AC3E}">
+        <p14:creationId xmlns:p14="http://schemas.microsoft.com/office/powerpoint/2010/main" val="512796031"/>
+      </p:ext>
+    </p:extLst>
+  </p:cSld>
+  <p:clrMapOvr>
+    <a:masterClrMapping/>
+  </p:clrMapOvr>
+</p:notes>
+</file>
+
+<file path=ppt/notesSlides/notesSlide3.xml><?xml version="1.0" encoding="utf-8"?>
+<p:notes xmlns:a="http://schemas.openxmlformats.org/drawingml/2006/main" xmlns:r="http://schemas.openxmlformats.org/officeDocument/2006/relationships" xmlns:p="http://schemas.openxmlformats.org/presentationml/2006/main">
+  <p:cSld>
+    <p:spTree>
+      <p:nvGrpSpPr>
+        <p:cNvPr id="1" name=""/>
+        <p:cNvGrpSpPr/>
+        <p:nvPr/>
+      </p:nvGrpSpPr>
+      <p:grpSpPr>
+        <a:xfrm>
+          <a:off x="0" y="0"/>
+          <a:ext cx="0" cy="0"/>
+          <a:chOff x="0" y="0"/>
+          <a:chExt cx="0" cy="0"/>
+        </a:xfrm>
+      </p:grpSpPr>
+      <p:sp>
+        <p:nvSpPr>
+          <p:cNvPr id="2" name="投影片圖像版面配置區 1"/>
+          <p:cNvSpPr>
+            <a:spLocks noGrp="1" noRot="1" noChangeAspect="1"/>
+          </p:cNvSpPr>
+          <p:nvPr>
+            <p:ph type="sldImg"/>
+          </p:nvPr>
+        </p:nvSpPr>
+        <p:spPr/>
+      </p:sp>
+      <p:sp>
+        <p:nvSpPr>
+          <p:cNvPr id="3" name="備忘稿版面配置區 2"/>
+          <p:cNvSpPr>
+            <a:spLocks noGrp="1"/>
+          </p:cNvSpPr>
+          <p:nvPr>
+            <p:ph type="body" idx="1"/>
+          </p:nvPr>
+        </p:nvSpPr>
+        <p:spPr/>
+        <p:txBody>
+          <a:bodyPr/>
+          <a:lstStyle/>
+          <a:p>
+            <a:r>
+              <a:rPr lang="zh-TW" altLang="en-US" dirty="0" smtClean="0"/>
+              <a:t>方法一 </a:t>
+            </a:r>
+            <a:r>
+              <a:rPr lang="en-US" altLang="zh-TW" dirty="0" smtClean="0"/>
+              <a:t>Threshold </a:t>
+            </a:r>
+            <a:r>
+              <a:rPr lang="zh-TW" altLang="en-US" dirty="0" smtClean="0"/>
+              <a:t>在 </a:t>
+            </a:r>
+            <a:r>
+              <a:rPr lang="en-US" altLang="zh-TW" dirty="0" smtClean="0"/>
+              <a:t>0.55</a:t>
+            </a:r>
+            <a:r>
+              <a:rPr lang="zh-TW" altLang="en-US" dirty="0" smtClean="0"/>
+              <a:t> 各項指標較好</a:t>
+            </a:r>
+            <a:endParaRPr lang="en-US" altLang="zh-TW" dirty="0" smtClean="0"/>
+          </a:p>
+        </p:txBody>
+      </p:sp>
+      <p:sp>
+        <p:nvSpPr>
+          <p:cNvPr id="4" name="投影片編號版面配置區 3"/>
+          <p:cNvSpPr>
+            <a:spLocks noGrp="1"/>
+          </p:cNvSpPr>
+          <p:nvPr>
+            <p:ph type="sldNum" sz="quarter" idx="10"/>
+          </p:nvPr>
+        </p:nvSpPr>
+        <p:spPr/>
+        <p:txBody>
+          <a:bodyPr/>
+          <a:lstStyle/>
+          <a:p>
+            <a:fld id="{5C0E8D25-4743-8548-92C1-84EF04EA4DC0}" type="slidenum">
+              <a:rPr kumimoji="1" lang="zh-TW" altLang="en-US" smtClean="0"/>
+              <a:t>23</a:t>
+            </a:fld>
+            <a:endParaRPr kumimoji="1" lang="zh-TW" altLang="en-US"/>
+          </a:p>
+        </p:txBody>
+      </p:sp>
+    </p:spTree>
+    <p:extLst>
+      <p:ext uri="{BB962C8B-B14F-4D97-AF65-F5344CB8AC3E}">
+        <p14:creationId xmlns:p14="http://schemas.microsoft.com/office/powerpoint/2010/main" val="875875853"/>
+      </p:ext>
+    </p:extLst>
+  </p:cSld>
+  <p:clrMapOvr>
+    <a:masterClrMapping/>
+  </p:clrMapOvr>
+</p:notes>
+</file>
+
+<file path=ppt/notesSlides/notesSlide4.xml><?xml version="1.0" encoding="utf-8"?>
+<p:notes xmlns:a="http://schemas.openxmlformats.org/drawingml/2006/main" xmlns:r="http://schemas.openxmlformats.org/officeDocument/2006/relationships" xmlns:p="http://schemas.openxmlformats.org/presentationml/2006/main">
+  <p:cSld>
+    <p:spTree>
+      <p:nvGrpSpPr>
+        <p:cNvPr id="1" name=""/>
+        <p:cNvGrpSpPr/>
+        <p:nvPr/>
+      </p:nvGrpSpPr>
+      <p:grpSpPr>
+        <a:xfrm>
+          <a:off x="0" y="0"/>
+          <a:ext cx="0" cy="0"/>
+          <a:chOff x="0" y="0"/>
+          <a:chExt cx="0" cy="0"/>
+        </a:xfrm>
+      </p:grpSpPr>
+      <p:sp>
+        <p:nvSpPr>
+          <p:cNvPr id="2" name="投影片圖像版面配置區 1"/>
+          <p:cNvSpPr>
+            <a:spLocks noGrp="1" noRot="1" noChangeAspect="1"/>
+          </p:cNvSpPr>
+          <p:nvPr>
+            <p:ph type="sldImg"/>
+          </p:nvPr>
+        </p:nvSpPr>
+        <p:spPr/>
+      </p:sp>
+      <p:sp>
+        <p:nvSpPr>
+          <p:cNvPr id="3" name="備忘稿版面配置區 2"/>
+          <p:cNvSpPr>
+            <a:spLocks noGrp="1"/>
+          </p:cNvSpPr>
+          <p:nvPr>
+            <p:ph type="body" idx="1"/>
+          </p:nvPr>
+        </p:nvSpPr>
+        <p:spPr/>
+        <p:txBody>
+          <a:bodyPr/>
+          <a:lstStyle/>
+          <a:p>
+            <a:r>
+              <a:rPr lang="zh-TW" altLang="en-US" dirty="0" smtClean="0"/>
+              <a:t>方法一 </a:t>
+            </a:r>
+            <a:r>
+              <a:rPr lang="en-US" altLang="zh-TW" dirty="0" smtClean="0"/>
+              <a:t>Threshold </a:t>
+            </a:r>
+            <a:r>
+              <a:rPr lang="zh-TW" altLang="en-US" dirty="0" smtClean="0"/>
+              <a:t>在 </a:t>
+            </a:r>
+            <a:r>
+              <a:rPr lang="en-US" altLang="zh-TW" dirty="0" smtClean="0"/>
+              <a:t>0.55</a:t>
+            </a:r>
+            <a:r>
+              <a:rPr lang="zh-TW" altLang="en-US" dirty="0" smtClean="0"/>
+              <a:t> 各項指標較好</a:t>
+            </a:r>
+            <a:r>
+              <a:rPr lang="en-US" altLang="zh-TW" dirty="0" smtClean="0"/>
+              <a:t/>
+            </a:r>
+            <a:br>
+              <a:rPr lang="en-US" altLang="zh-TW" dirty="0" smtClean="0"/>
+            </a:br>
+            <a:r>
+              <a:rPr lang="zh-TW" altLang="en-US" dirty="0" smtClean="0"/>
+              <a:t>此圖每一點都是平均分數，並無法呈現該方法對於不同資料的穩定度</a:t>
+            </a:r>
+            <a:r>
+              <a:rPr lang="en-US" altLang="zh-TW" dirty="0" smtClean="0"/>
+              <a:t>(</a:t>
+            </a:r>
+            <a:r>
+              <a:rPr lang="zh-TW" altLang="en-US" dirty="0" smtClean="0"/>
+              <a:t>也許該改用盒狀圖顯示標準差</a:t>
+            </a:r>
+            <a:r>
+              <a:rPr lang="en-US" altLang="zh-TW" dirty="0" smtClean="0"/>
+              <a:t>?</a:t>
+            </a:r>
+          </a:p>
+        </p:txBody>
+      </p:sp>
+      <p:sp>
+        <p:nvSpPr>
+          <p:cNvPr id="4" name="投影片編號版面配置區 3"/>
+          <p:cNvSpPr>
+            <a:spLocks noGrp="1"/>
+          </p:cNvSpPr>
+          <p:nvPr>
+            <p:ph type="sldNum" sz="quarter" idx="10"/>
+          </p:nvPr>
+        </p:nvSpPr>
+        <p:spPr/>
+        <p:txBody>
+          <a:bodyPr/>
+          <a:lstStyle/>
+          <a:p>
+            <a:fld id="{5C0E8D25-4743-8548-92C1-84EF04EA4DC0}" type="slidenum">
+              <a:rPr kumimoji="1" lang="zh-TW" altLang="en-US" smtClean="0"/>
+              <a:t>24</a:t>
+            </a:fld>
+            <a:endParaRPr kumimoji="1" lang="zh-TW" altLang="en-US"/>
+          </a:p>
+        </p:txBody>
+      </p:sp>
+    </p:spTree>
+    <p:extLst>
+      <p:ext uri="{BB962C8B-B14F-4D97-AF65-F5344CB8AC3E}">
+        <p14:creationId xmlns:p14="http://schemas.microsoft.com/office/powerpoint/2010/main" val="2654781371"/>
+      </p:ext>
+    </p:extLst>
+  </p:cSld>
+  <p:clrMapOvr>
+    <a:masterClrMapping/>
+  </p:clrMapOvr>
+</p:notes>
+</file>
+
+<file path=ppt/notesSlides/notesSlide5.xml><?xml version="1.0" encoding="utf-8"?>
+<p:notes xmlns:a="http://schemas.openxmlformats.org/drawingml/2006/main" xmlns:r="http://schemas.openxmlformats.org/officeDocument/2006/relationships" xmlns:p="http://schemas.openxmlformats.org/presentationml/2006/main">
+  <p:cSld>
+    <p:spTree>
+      <p:nvGrpSpPr>
+        <p:cNvPr id="1" name=""/>
+        <p:cNvGrpSpPr/>
+        <p:nvPr/>
+      </p:nvGrpSpPr>
+      <p:grpSpPr>
+        <a:xfrm>
+          <a:off x="0" y="0"/>
+          <a:ext cx="0" cy="0"/>
+          <a:chOff x="0" y="0"/>
+          <a:chExt cx="0" cy="0"/>
+        </a:xfrm>
+      </p:grpSpPr>
+      <p:sp>
+        <p:nvSpPr>
+          <p:cNvPr id="2" name="投影片圖像版面配置區 1"/>
+          <p:cNvSpPr>
+            <a:spLocks noGrp="1" noRot="1" noChangeAspect="1"/>
+          </p:cNvSpPr>
+          <p:nvPr>
+            <p:ph type="sldImg"/>
+          </p:nvPr>
+        </p:nvSpPr>
+        <p:spPr/>
+      </p:sp>
+      <p:sp>
+        <p:nvSpPr>
+          <p:cNvPr id="3" name="備忘稿版面配置區 2"/>
+          <p:cNvSpPr>
+            <a:spLocks noGrp="1"/>
+          </p:cNvSpPr>
+          <p:nvPr>
+            <p:ph type="body" idx="1"/>
+          </p:nvPr>
+        </p:nvSpPr>
+        <p:spPr/>
+        <p:txBody>
+          <a:bodyPr/>
+          <a:lstStyle/>
+          <a:p>
+            <a:r>
+              <a:rPr lang="zh-TW" altLang="en-US" dirty="0" smtClean="0"/>
+              <a:t>標較好</a:t>
+            </a:r>
+            <a:endParaRPr lang="en-US" altLang="zh-TW" dirty="0" smtClean="0"/>
+          </a:p>
+        </p:txBody>
+      </p:sp>
+      <p:sp>
+        <p:nvSpPr>
+          <p:cNvPr id="4" name="投影片編號版面配置區 3"/>
+          <p:cNvSpPr>
+            <a:spLocks noGrp="1"/>
+          </p:cNvSpPr>
+          <p:nvPr>
+            <p:ph type="sldNum" sz="quarter" idx="10"/>
+          </p:nvPr>
+        </p:nvSpPr>
+        <p:spPr/>
+        <p:txBody>
+          <a:bodyPr/>
+          <a:lstStyle/>
+          <a:p>
+            <a:fld id="{5C0E8D25-4743-8548-92C1-84EF04EA4DC0}" type="slidenum">
+              <a:rPr kumimoji="1" lang="zh-TW" altLang="en-US" smtClean="0"/>
+              <a:t>25</a:t>
+            </a:fld>
+            <a:endParaRPr kumimoji="1" lang="zh-TW" altLang="en-US"/>
+          </a:p>
+        </p:txBody>
+      </p:sp>
+    </p:spTree>
+    <p:extLst>
+      <p:ext uri="{BB962C8B-B14F-4D97-AF65-F5344CB8AC3E}">
+        <p14:creationId xmlns:p14="http://schemas.microsoft.com/office/powerpoint/2010/main" val="3060632017"/>
+      </p:ext>
+    </p:extLst>
+  </p:cSld>
+  <p:clrMapOvr>
+    <a:masterClrMapping/>
+  </p:clrMapOvr>
+</p:notes>
+</file>
+
+<file path=ppt/notesSlides/notesSlide6.xml><?xml version="1.0" encoding="utf-8"?>
+<p:notes xmlns:a="http://schemas.openxmlformats.org/drawingml/2006/main" xmlns:r="http://schemas.openxmlformats.org/officeDocument/2006/relationships" xmlns:p="http://schemas.openxmlformats.org/presentationml/2006/main">
+  <p:cSld>
+    <p:spTree>
+      <p:nvGrpSpPr>
+        <p:cNvPr id="1" name=""/>
+        <p:cNvGrpSpPr/>
+        <p:nvPr/>
+      </p:nvGrpSpPr>
+      <p:grpSpPr>
+        <a:xfrm>
+          <a:off x="0" y="0"/>
+          <a:ext cx="0" cy="0"/>
+          <a:chOff x="0" y="0"/>
+          <a:chExt cx="0" cy="0"/>
+        </a:xfrm>
+      </p:grpSpPr>
+      <p:sp>
+        <p:nvSpPr>
+          <p:cNvPr id="2" name="投影片圖像版面配置區 1"/>
+          <p:cNvSpPr>
+            <a:spLocks noGrp="1" noRot="1" noChangeAspect="1"/>
+          </p:cNvSpPr>
+          <p:nvPr>
+            <p:ph type="sldImg"/>
+          </p:nvPr>
+        </p:nvSpPr>
+        <p:spPr/>
+      </p:sp>
+      <p:sp>
+        <p:nvSpPr>
+          <p:cNvPr id="3" name="備忘稿版面配置區 2"/>
+          <p:cNvSpPr>
+            <a:spLocks noGrp="1"/>
+          </p:cNvSpPr>
+          <p:nvPr>
+            <p:ph type="body" idx="1"/>
+          </p:nvPr>
+        </p:nvSpPr>
+        <p:spPr/>
+        <p:txBody>
+          <a:bodyPr/>
+          <a:lstStyle/>
+          <a:p>
+            <a:r>
+              <a:rPr lang="zh-TW" altLang="en-US" dirty="0" smtClean="0"/>
+              <a:t>標較好</a:t>
+            </a:r>
+            <a:endParaRPr lang="en-US" altLang="zh-TW" dirty="0" smtClean="0"/>
+          </a:p>
+        </p:txBody>
+      </p:sp>
+      <p:sp>
+        <p:nvSpPr>
+          <p:cNvPr id="4" name="投影片編號版面配置區 3"/>
+          <p:cNvSpPr>
+            <a:spLocks noGrp="1"/>
+          </p:cNvSpPr>
+          <p:nvPr>
+            <p:ph type="sldNum" sz="quarter" idx="10"/>
+          </p:nvPr>
+        </p:nvSpPr>
+        <p:spPr/>
+        <p:txBody>
+          <a:bodyPr/>
+          <a:lstStyle/>
+          <a:p>
+            <a:fld id="{5C0E8D25-4743-8548-92C1-84EF04EA4DC0}" type="slidenum">
+              <a:rPr kumimoji="1" lang="zh-TW" altLang="en-US" smtClean="0"/>
+              <a:t>26</a:t>
+            </a:fld>
+            <a:endParaRPr kumimoji="1" lang="zh-TW" altLang="en-US"/>
+          </a:p>
+        </p:txBody>
+      </p:sp>
+    </p:spTree>
+    <p:extLst>
+      <p:ext uri="{BB962C8B-B14F-4D97-AF65-F5344CB8AC3E}">
+        <p14:creationId xmlns:p14="http://schemas.microsoft.com/office/powerpoint/2010/main" val="1406188801"/>
+      </p:ext>
+    </p:extLst>
+  </p:cSld>
+  <p:clrMapOvr>
+    <a:masterClrMapping/>
+  </p:clrMapOvr>
+</p:notes>
+</file>
+
+<file path=ppt/notesSlides/notesSlide7.xml><?xml version="1.0" encoding="utf-8"?>
+<p:notes xmlns:a="http://schemas.openxmlformats.org/drawingml/2006/main" xmlns:r="http://schemas.openxmlformats.org/officeDocument/2006/relationships" xmlns:p="http://schemas.openxmlformats.org/presentationml/2006/main">
+  <p:cSld>
+    <p:spTree>
+      <p:nvGrpSpPr>
+        <p:cNvPr id="1" name=""/>
+        <p:cNvGrpSpPr/>
+        <p:nvPr/>
+      </p:nvGrpSpPr>
+      <p:grpSpPr>
+        <a:xfrm>
+          <a:off x="0" y="0"/>
+          <a:ext cx="0" cy="0"/>
+          <a:chOff x="0" y="0"/>
+          <a:chExt cx="0" cy="0"/>
+        </a:xfrm>
+      </p:grpSpPr>
+      <p:sp>
+        <p:nvSpPr>
+          <p:cNvPr id="2" name="投影片圖像版面配置區 1"/>
+          <p:cNvSpPr>
+            <a:spLocks noGrp="1" noRot="1" noChangeAspect="1"/>
+          </p:cNvSpPr>
+          <p:nvPr>
+            <p:ph type="sldImg"/>
+          </p:nvPr>
+        </p:nvSpPr>
+        <p:spPr/>
+      </p:sp>
+      <p:sp>
+        <p:nvSpPr>
+          <p:cNvPr id="3" name="備忘稿版面配置區 2"/>
+          <p:cNvSpPr>
+            <a:spLocks noGrp="1"/>
+          </p:cNvSpPr>
+          <p:nvPr>
+            <p:ph type="body" idx="1"/>
+          </p:nvPr>
+        </p:nvSpPr>
+        <p:spPr/>
+        <p:txBody>
+          <a:bodyPr/>
+          <a:lstStyle/>
+          <a:p>
+            <a:endParaRPr lang="en-US" altLang="zh-TW" dirty="0" smtClean="0"/>
+          </a:p>
+        </p:txBody>
+      </p:sp>
+      <p:sp>
+        <p:nvSpPr>
+          <p:cNvPr id="4" name="投影片編號版面配置區 3"/>
+          <p:cNvSpPr>
+            <a:spLocks noGrp="1"/>
+          </p:cNvSpPr>
+          <p:nvPr>
+            <p:ph type="sldNum" sz="quarter" idx="10"/>
+          </p:nvPr>
+        </p:nvSpPr>
+        <p:spPr/>
+        <p:txBody>
+          <a:bodyPr/>
+          <a:lstStyle/>
+          <a:p>
+            <a:fld id="{5C0E8D25-4743-8548-92C1-84EF04EA4DC0}" type="slidenum">
+              <a:rPr kumimoji="1" lang="zh-TW" altLang="en-US" smtClean="0"/>
+              <a:t>27</a:t>
+            </a:fld>
+            <a:endParaRPr kumimoji="1" lang="zh-TW" altLang="en-US"/>
+          </a:p>
+        </p:txBody>
+      </p:sp>
+    </p:spTree>
+    <p:extLst>
+      <p:ext uri="{BB962C8B-B14F-4D97-AF65-F5344CB8AC3E}">
+        <p14:creationId xmlns:p14="http://schemas.microsoft.com/office/powerpoint/2010/main" val="1523134839"/>
+      </p:ext>
+    </p:extLst>
+  </p:cSld>
+  <p:clrMapOvr>
+    <a:masterClrMapping/>
+  </p:clrMapOvr>
+</p:notes>
+</file>
+
+<file path=ppt/notesSlides/notesSlide8.xml><?xml version="1.0" encoding="utf-8"?>
+<p:notes xmlns:a="http://schemas.openxmlformats.org/drawingml/2006/main" xmlns:r="http://schemas.openxmlformats.org/officeDocument/2006/relationships" xmlns:p="http://schemas.openxmlformats.org/presentationml/2006/main">
+  <p:cSld>
+    <p:spTree>
+      <p:nvGrpSpPr>
+        <p:cNvPr id="1" name=""/>
+        <p:cNvGrpSpPr/>
+        <p:nvPr/>
+      </p:nvGrpSpPr>
+      <p:grpSpPr>
+        <a:xfrm>
+          <a:off x="0" y="0"/>
+          <a:ext cx="0" cy="0"/>
+          <a:chOff x="0" y="0"/>
+          <a:chExt cx="0" cy="0"/>
+        </a:xfrm>
+      </p:grpSpPr>
+      <p:sp>
+        <p:nvSpPr>
+          <p:cNvPr id="2" name="投影片圖像版面配置區 1"/>
+          <p:cNvSpPr>
+            <a:spLocks noGrp="1" noRot="1" noChangeAspect="1"/>
+          </p:cNvSpPr>
+          <p:nvPr>
+            <p:ph type="sldImg"/>
+          </p:nvPr>
+        </p:nvSpPr>
+        <p:spPr/>
+      </p:sp>
+      <p:sp>
+        <p:nvSpPr>
+          <p:cNvPr id="3" name="備忘稿版面配置區 2"/>
+          <p:cNvSpPr>
+            <a:spLocks noGrp="1"/>
+          </p:cNvSpPr>
+          <p:nvPr>
+            <p:ph type="body" idx="1"/>
+          </p:nvPr>
+        </p:nvSpPr>
+        <p:spPr/>
+        <p:txBody>
+          <a:bodyPr/>
+          <a:lstStyle/>
+          <a:p>
+            <a:r>
+              <a:rPr lang="zh-TW" altLang="en-US" dirty="0" smtClean="0"/>
+              <a:t>標較好</a:t>
+            </a:r>
+            <a:endParaRPr lang="en-US" altLang="zh-TW" dirty="0" smtClean="0"/>
+          </a:p>
+        </p:txBody>
+      </p:sp>
+      <p:sp>
+        <p:nvSpPr>
+          <p:cNvPr id="4" name="投影片編號版面配置區 3"/>
+          <p:cNvSpPr>
+            <a:spLocks noGrp="1"/>
+          </p:cNvSpPr>
+          <p:nvPr>
+            <p:ph type="sldNum" sz="quarter" idx="10"/>
+          </p:nvPr>
+        </p:nvSpPr>
+        <p:spPr/>
+        <p:txBody>
+          <a:bodyPr/>
+          <a:lstStyle/>
+          <a:p>
+            <a:fld id="{5C0E8D25-4743-8548-92C1-84EF04EA4DC0}" type="slidenum">
+              <a:rPr kumimoji="1" lang="zh-TW" altLang="en-US" smtClean="0"/>
+              <a:t>28</a:t>
+            </a:fld>
+            <a:endParaRPr kumimoji="1" lang="zh-TW" altLang="en-US"/>
+          </a:p>
+        </p:txBody>
+      </p:sp>
+    </p:spTree>
+    <p:extLst>
+      <p:ext uri="{BB962C8B-B14F-4D97-AF65-F5344CB8AC3E}">
+        <p14:creationId xmlns:p14="http://schemas.microsoft.com/office/powerpoint/2010/main" val="277621473"/>
+      </p:ext>
+    </p:extLst>
+  </p:cSld>
+  <p:clrMapOvr>
+    <a:masterClrMapping/>
+  </p:clrMapOvr>
+</p:notes>
+</file>
+
 <file path=ppt/slideLayouts/slideLayout1.xml><?xml version="1.0" encoding="utf-8"?>
 <p:sldLayout xmlns:a="http://schemas.openxmlformats.org/drawingml/2006/main" xmlns:r="http://schemas.openxmlformats.org/officeDocument/2006/relationships" xmlns:p="http://schemas.openxmlformats.org/presentationml/2006/main" type="title" preserve="1">
   <p:cSld name="標題投影片">
@@ -715,7 +3041,7 @@
           <a:p>
             <a:fld id="{07D37549-EB1B-4775-A7CD-5FCE3CE0385F}" type="datetimeFigureOut">
               <a:rPr lang="zh-TW" altLang="en-US" smtClean="0"/>
-              <a:t>2016/5/11</a:t>
+              <a:t>2016/5/26</a:t>
             </a:fld>
             <a:endParaRPr lang="zh-TW" altLang="en-US"/>
           </a:p>
@@ -885,7 +3211,7 @@
           <a:p>
             <a:fld id="{07D37549-EB1B-4775-A7CD-5FCE3CE0385F}" type="datetimeFigureOut">
               <a:rPr lang="zh-TW" altLang="en-US" smtClean="0"/>
-              <a:t>2016/5/11</a:t>
+              <a:t>2016/5/26</a:t>
             </a:fld>
             <a:endParaRPr lang="zh-TW" altLang="en-US"/>
           </a:p>
@@ -1065,7 +3391,7 @@
           <a:p>
             <a:fld id="{07D37549-EB1B-4775-A7CD-5FCE3CE0385F}" type="datetimeFigureOut">
               <a:rPr lang="zh-TW" altLang="en-US" smtClean="0"/>
-              <a:t>2016/5/11</a:t>
+              <a:t>2016/5/26</a:t>
             </a:fld>
             <a:endParaRPr lang="zh-TW" altLang="en-US"/>
           </a:p>
@@ -1235,7 +3561,7 @@
           <a:p>
             <a:fld id="{07D37549-EB1B-4775-A7CD-5FCE3CE0385F}" type="datetimeFigureOut">
               <a:rPr lang="zh-TW" altLang="en-US" smtClean="0"/>
-              <a:t>2016/5/11</a:t>
+              <a:t>2016/5/26</a:t>
             </a:fld>
             <a:endParaRPr lang="zh-TW" altLang="en-US"/>
           </a:p>
@@ -1481,7 +3807,7 @@
           <a:p>
             <a:fld id="{07D37549-EB1B-4775-A7CD-5FCE3CE0385F}" type="datetimeFigureOut">
               <a:rPr lang="zh-TW" altLang="en-US" smtClean="0"/>
-              <a:t>2016/5/11</a:t>
+              <a:t>2016/5/26</a:t>
             </a:fld>
             <a:endParaRPr lang="zh-TW" altLang="en-US"/>
           </a:p>
@@ -1713,7 +4039,7 @@
           <a:p>
             <a:fld id="{07D37549-EB1B-4775-A7CD-5FCE3CE0385F}" type="datetimeFigureOut">
               <a:rPr lang="zh-TW" altLang="en-US" smtClean="0"/>
-              <a:t>2016/5/11</a:t>
+              <a:t>2016/5/26</a:t>
             </a:fld>
             <a:endParaRPr lang="zh-TW" altLang="en-US"/>
           </a:p>
@@ -2080,7 +4406,7 @@
           <a:p>
             <a:fld id="{07D37549-EB1B-4775-A7CD-5FCE3CE0385F}" type="datetimeFigureOut">
               <a:rPr lang="zh-TW" altLang="en-US" smtClean="0"/>
-              <a:t>2016/5/11</a:t>
+              <a:t>2016/5/26</a:t>
             </a:fld>
             <a:endParaRPr lang="zh-TW" altLang="en-US"/>
           </a:p>
@@ -2198,7 +4524,7 @@
           <a:p>
             <a:fld id="{07D37549-EB1B-4775-A7CD-5FCE3CE0385F}" type="datetimeFigureOut">
               <a:rPr lang="zh-TW" altLang="en-US" smtClean="0"/>
-              <a:t>2016/5/11</a:t>
+              <a:t>2016/5/26</a:t>
             </a:fld>
             <a:endParaRPr lang="zh-TW" altLang="en-US"/>
           </a:p>
@@ -2293,7 +4619,7 @@
           <a:p>
             <a:fld id="{07D37549-EB1B-4775-A7CD-5FCE3CE0385F}" type="datetimeFigureOut">
               <a:rPr lang="zh-TW" altLang="en-US" smtClean="0"/>
-              <a:t>2016/5/11</a:t>
+              <a:t>2016/5/26</a:t>
             </a:fld>
             <a:endParaRPr lang="zh-TW" altLang="en-US"/>
           </a:p>
@@ -2570,7 +4896,7 @@
           <a:p>
             <a:fld id="{07D37549-EB1B-4775-A7CD-5FCE3CE0385F}" type="datetimeFigureOut">
               <a:rPr lang="zh-TW" altLang="en-US" smtClean="0"/>
-              <a:t>2016/5/11</a:t>
+              <a:t>2016/5/26</a:t>
             </a:fld>
             <a:endParaRPr lang="zh-TW" altLang="en-US"/>
           </a:p>
@@ -2827,7 +5153,7 @@
           <a:p>
             <a:fld id="{07D37549-EB1B-4775-A7CD-5FCE3CE0385F}" type="datetimeFigureOut">
               <a:rPr lang="zh-TW" altLang="en-US" smtClean="0"/>
-              <a:t>2016/5/11</a:t>
+              <a:t>2016/5/26</a:t>
             </a:fld>
             <a:endParaRPr lang="zh-TW" altLang="en-US"/>
           </a:p>
@@ -3040,7 +5366,7 @@
           <a:p>
             <a:fld id="{07D37549-EB1B-4775-A7CD-5FCE3CE0385F}" type="datetimeFigureOut">
               <a:rPr lang="zh-TW" altLang="en-US" smtClean="0"/>
-              <a:t>2016/5/11</a:t>
+              <a:t>2016/5/26</a:t>
             </a:fld>
             <a:endParaRPr lang="zh-TW" altLang="en-US"/>
           </a:p>
@@ -3490,6 +5816,10 @@
           <a:bodyPr/>
           <a:lstStyle/>
           <a:p>
+            <a:r>
+              <a:rPr lang="zh-TW" altLang="en-US" dirty="0" smtClean="0"/>
+              <a:t>熱門主題偵測</a:t>
+            </a:r>
             <a:endParaRPr lang="zh-TW" altLang="en-US" dirty="0"/>
           </a:p>
         </p:txBody>
@@ -4627,11 +6957,15 @@
             <a:pPr lvl="1"/>
             <a:r>
               <a:rPr lang="zh-TW" altLang="en-US" dirty="0" smtClean="0"/>
-              <a:t>標題斷詞並去除</a:t>
+              <a:t>標題斷詞並去除 </a:t>
             </a:r>
             <a:r>
               <a:rPr lang="en-US" altLang="zh-TW" dirty="0" err="1" smtClean="0"/>
-              <a:t>stopword</a:t>
+              <a:t>Stopwords</a:t>
+            </a:r>
+            <a:r>
+              <a:rPr lang="en-US" altLang="zh-TW" dirty="0" smtClean="0"/>
+              <a:t> </a:t>
             </a:r>
             <a:r>
               <a:rPr lang="zh-TW" altLang="en-US" dirty="0" smtClean="0"/>
@@ -4674,22 +7008,39 @@
               <a:rPr lang="zh-TW" altLang="en-US" dirty="0" smtClean="0"/>
               <a:t>以文章內容為輔</a:t>
             </a:r>
-            <a:r>
-              <a:rPr lang="zh-TW" altLang="en-US" dirty="0"/>
-              <a:t> </a:t>
-            </a:r>
-            <a:r>
-              <a:rPr lang="en-US" altLang="zh-TW" dirty="0" smtClean="0"/>
-              <a:t>(</a:t>
-            </a:r>
-            <a:r>
-              <a:rPr lang="zh-TW" altLang="en-US" dirty="0" smtClean="0"/>
-              <a:t>未實作</a:t>
-            </a:r>
-            <a:r>
-              <a:rPr lang="en-US" altLang="zh-TW" dirty="0" smtClean="0"/>
-              <a:t>)</a:t>
-            </a:r>
+            <a:endParaRPr lang="en-US" altLang="zh-TW" dirty="0"/>
+          </a:p>
+          <a:p>
+            <a:pPr lvl="1"/>
+            <a:r>
+              <a:rPr lang="zh-TW" altLang="en-US" dirty="0" smtClean="0"/>
+              <a:t>利用</a:t>
+            </a:r>
+            <a:r>
+              <a:rPr lang="en-US" altLang="zh-TW" dirty="0" smtClean="0"/>
+              <a:t>LDA</a:t>
+            </a:r>
+            <a:r>
+              <a:rPr lang="zh-TW" altLang="en-US" dirty="0" smtClean="0"/>
+              <a:t>擷取內文關鍵字</a:t>
+            </a:r>
+            <a:endParaRPr lang="en-US" altLang="zh-TW" dirty="0" smtClean="0"/>
+          </a:p>
+          <a:p>
+            <a:pPr lvl="1"/>
+            <a:r>
+              <a:rPr lang="zh-TW" altLang="en-US" dirty="0" smtClean="0"/>
+              <a:t>取前十關鍵字查詢對應</a:t>
+            </a:r>
+            <a:r>
+              <a:rPr lang="en-US" altLang="zh-TW" dirty="0" smtClean="0"/>
+              <a:t>vector</a:t>
+            </a:r>
+            <a:r>
+              <a:rPr lang="zh-TW" altLang="en-US" dirty="0" smtClean="0"/>
+              <a:t>取平均代表此文章內容</a:t>
+            </a:r>
+            <a:endParaRPr lang="en-US" altLang="zh-TW" dirty="0" smtClean="0"/>
           </a:p>
           <a:p>
             <a:pPr lvl="1"/>
@@ -5181,42 +7532,15 @@
           <a:p>
             <a:r>
               <a:rPr lang="zh-TW" altLang="en-US" dirty="0" smtClean="0"/>
-              <a:t>話題由一群文章組成，每一個話題可以用一個像量來表示</a:t>
+              <a:t>話題由一群文章組成，每一個話題可以用一個向量來表示</a:t>
             </a:r>
             <a:endParaRPr lang="en-US" altLang="zh-TW" dirty="0" smtClean="0"/>
           </a:p>
           <a:p>
             <a:r>
               <a:rPr lang="zh-TW" altLang="en-US" dirty="0" smtClean="0"/>
-              <a:t>定義一個門檻值，對每一篇文章找出最相近的話題，若相似度大於門檻值則將文章歸類在該話題，若小於門檻值則視為新的話題</a:t>
-            </a:r>
-            <a:endParaRPr lang="en-US" altLang="zh-TW" dirty="0" smtClean="0"/>
-          </a:p>
-          <a:p>
-            <a:r>
-              <a:rPr lang="zh-TW" altLang="en-US" dirty="0" smtClean="0"/>
-              <a:t>相似度 </a:t>
-            </a:r>
-            <a:r>
-              <a:rPr lang="en-US" altLang="zh-TW" dirty="0" smtClean="0"/>
-              <a:t>=</a:t>
-            </a:r>
-            <a:r>
-              <a:rPr lang="zh-TW" altLang="en-US" dirty="0" smtClean="0"/>
-              <a:t> </a:t>
-            </a:r>
-            <a:r>
-              <a:rPr lang="en-US" altLang="zh-TW" dirty="0" smtClean="0"/>
-              <a:t>vector(article) dot vector(topic)</a:t>
-            </a:r>
-          </a:p>
-          <a:p>
-            <a:r>
-              <a:rPr lang="en-US" altLang="zh-TW" dirty="0" smtClean="0"/>
-              <a:t>Vector(topic) = Mean of Vector(article)</a:t>
-            </a:r>
-          </a:p>
-          <a:p>
+              <a:t>定義一個門檻值，將含有相同標題的文章視為同一話題，對每一話題找出與該話題最為相似的話題，若相似度大於門檻值則將兩個話題合併，若相似度小於門檻值，則將話題移到分群完畢的清單，重複直到所有話題合併完畢</a:t>
+            </a:r>
             <a:endParaRPr lang="en-US" altLang="zh-TW" dirty="0"/>
           </a:p>
           <a:p>
@@ -5708,12 +8032,16 @@
           </a:p>
           <a:p>
             <a:r>
+              <a:rPr lang="zh-TW" altLang="en-US" dirty="0" smtClean="0"/>
+              <a:t>方法一 </a:t>
+            </a:r>
+            <a:r>
               <a:rPr lang="en-US" altLang="zh-TW" dirty="0" smtClean="0"/>
               <a:t>(</a:t>
             </a:r>
             <a:r>
               <a:rPr lang="zh-TW" altLang="en-US" dirty="0" smtClean="0"/>
-              <a:t>未實作</a:t>
+              <a:t>只依據標題來分群</a:t>
             </a:r>
             <a:r>
               <a:rPr lang="en-US" altLang="zh-TW" dirty="0" smtClean="0"/>
@@ -5721,9 +8049,66 @@
             </a:r>
           </a:p>
           <a:p>
-            <a:r>
-              <a:rPr lang="zh-TW" altLang="en-US" dirty="0" smtClean="0"/>
-              <a:t>統計話題內各文章的推噓文計算熱度</a:t>
+            <a:pPr lvl="1"/>
+            <a:r>
+              <a:rPr lang="zh-TW" altLang="en-US" dirty="0" smtClean="0"/>
+              <a:t>文</a:t>
+            </a:r>
+            <a:r>
+              <a:rPr lang="zh-TW" altLang="en-US" dirty="0"/>
+              <a:t>章</a:t>
+            </a:r>
+            <a:r>
+              <a:rPr lang="zh-TW" altLang="en-US" dirty="0" smtClean="0"/>
+              <a:t>代表向量 </a:t>
+            </a:r>
+            <a:r>
+              <a:rPr lang="en-US" altLang="zh-TW" dirty="0"/>
+              <a:t>=</a:t>
+            </a:r>
+            <a:r>
+              <a:rPr lang="zh-TW" altLang="en-US" dirty="0" smtClean="0"/>
+              <a:t> 標題斷詞後各</a:t>
+            </a:r>
+            <a:r>
+              <a:rPr lang="en-US" altLang="zh-TW" dirty="0" smtClean="0"/>
+              <a:t>vector</a:t>
+            </a:r>
+            <a:r>
+              <a:rPr lang="zh-TW" altLang="en-US" dirty="0" smtClean="0"/>
+              <a:t>取平均</a:t>
+            </a:r>
+            <a:endParaRPr lang="en-US" altLang="zh-TW" dirty="0" smtClean="0"/>
+          </a:p>
+          <a:p>
+            <a:pPr lvl="1"/>
+            <a:r>
+              <a:rPr lang="zh-TW" altLang="en-US" dirty="0" smtClean="0"/>
+              <a:t>話題代表向量 </a:t>
+            </a:r>
+            <a:r>
+              <a:rPr lang="en-US" altLang="zh-TW" dirty="0" smtClean="0"/>
+              <a:t>=</a:t>
+            </a:r>
+            <a:r>
+              <a:rPr lang="zh-TW" altLang="en-US" dirty="0" smtClean="0"/>
+              <a:t> 各文章代表向量取平均</a:t>
+            </a:r>
+            <a:endParaRPr lang="en-US" altLang="zh-TW" dirty="0" smtClean="0"/>
+          </a:p>
+          <a:p>
+            <a:pPr lvl="1"/>
+            <a:r>
+              <a:rPr lang="zh-TW" altLang="en-US" dirty="0" smtClean="0"/>
+              <a:t>兩話題相似度 </a:t>
+            </a:r>
+            <a:r>
+              <a:rPr lang="en-US" altLang="zh-TW" dirty="0" smtClean="0"/>
+              <a:t>=</a:t>
+            </a:r>
+            <a:r>
+              <a:rPr lang="zh-TW" altLang="en-US" dirty="0" smtClean="0"/>
+              <a:t> 兩話題向量內積</a:t>
             </a:r>
             <a:endParaRPr lang="en-US" altLang="zh-TW" dirty="0" smtClean="0"/>
           </a:p>
@@ -5885,9 +8270,7 @@
             <a:avLst/>
           </a:prstGeom>
           <a:solidFill>
-            <a:schemeClr val="accent1">
-              <a:lumMod val="50000"/>
-            </a:schemeClr>
+            <a:schemeClr val="accent1"/>
           </a:solidFill>
           <a:ln>
             <a:solidFill>
@@ -5975,7 +8358,9 @@
             <a:avLst/>
           </a:prstGeom>
           <a:solidFill>
-            <a:schemeClr val="accent1"/>
+            <a:schemeClr val="accent1">
+              <a:lumMod val="50000"/>
+            </a:schemeClr>
           </a:solidFill>
         </p:spPr>
         <p:style>
@@ -6137,7 +8522,7 @@
     </p:spTree>
     <p:extLst>
       <p:ext uri="{BB962C8B-B14F-4D97-AF65-F5344CB8AC3E}">
-        <p14:creationId xmlns:p14="http://schemas.microsoft.com/office/powerpoint/2010/main" val="495927893"/>
+        <p14:creationId xmlns:p14="http://schemas.microsoft.com/office/powerpoint/2010/main" val="3659847715"/>
       </p:ext>
     </p:extLst>
   </p:cSld>
@@ -6187,8 +8572,8 @@
           <a:lstStyle/>
           <a:p>
             <a:r>
-              <a:rPr lang="en-US" altLang="zh-TW" dirty="0" smtClean="0"/>
-              <a:t>Result – 2016/05/10</a:t>
+              <a:rPr lang="zh-TW" altLang="en-US" dirty="0" smtClean="0"/>
+              <a:t> </a:t>
             </a:r>
             <a:endParaRPr lang="zh-TW" altLang="en-US" dirty="0"/>
           </a:p>
@@ -6209,77 +8594,567 @@
           <a:bodyPr/>
           <a:lstStyle/>
           <a:p>
+            <a:endParaRPr lang="en-US" altLang="zh-TW" dirty="0" smtClean="0"/>
+          </a:p>
+          <a:p>
+            <a:r>
+              <a:rPr lang="zh-TW" altLang="en-US" dirty="0" smtClean="0"/>
+              <a:t>方法</a:t>
+            </a:r>
+            <a:r>
+              <a:rPr lang="zh-TW" altLang="en-US" dirty="0"/>
+              <a:t>二</a:t>
+            </a:r>
+            <a:r>
+              <a:rPr lang="zh-TW" altLang="en-US" dirty="0" smtClean="0"/>
+              <a:t> </a:t>
+            </a:r>
+            <a:r>
+              <a:rPr lang="en-US" altLang="zh-TW" dirty="0" smtClean="0"/>
+              <a:t>(</a:t>
+            </a:r>
+            <a:r>
+              <a:rPr lang="zh-TW" altLang="en-US" dirty="0" smtClean="0"/>
+              <a:t>使用標題與內容</a:t>
+            </a:r>
+            <a:r>
+              <a:rPr lang="en-US" altLang="zh-TW" dirty="0" smtClean="0"/>
+              <a:t>)</a:t>
+            </a:r>
+          </a:p>
+          <a:p>
+            <a:pPr lvl="1"/>
+            <a:r>
+              <a:rPr lang="zh-TW" altLang="en-US" dirty="0" smtClean="0"/>
+              <a:t>文</a:t>
+            </a:r>
+            <a:r>
+              <a:rPr lang="zh-TW" altLang="en-US" dirty="0"/>
+              <a:t>章</a:t>
+            </a:r>
+            <a:r>
+              <a:rPr lang="zh-TW" altLang="en-US" dirty="0" smtClean="0"/>
+              <a:t>代表向量 </a:t>
+            </a:r>
+            <a:r>
+              <a:rPr lang="en-US" altLang="zh-TW" dirty="0" smtClean="0"/>
+              <a:t>=</a:t>
+            </a:r>
+            <a:r>
+              <a:rPr lang="zh-TW" altLang="en-US" dirty="0" smtClean="0"/>
+              <a:t> 標題斷詞後各</a:t>
+            </a:r>
+            <a:r>
+              <a:rPr lang="en-US" altLang="zh-TW" dirty="0" smtClean="0"/>
+              <a:t>vector</a:t>
+            </a:r>
+            <a:r>
+              <a:rPr lang="zh-TW" altLang="en-US" dirty="0" smtClean="0"/>
+              <a:t>取平均 *</a:t>
+            </a:r>
+            <a:r>
+              <a:rPr lang="en-US" altLang="zh-TW" dirty="0" smtClean="0"/>
+              <a:t>0.7</a:t>
+            </a:r>
+            <a:r>
+              <a:rPr lang="zh-TW" altLang="en-US" dirty="0" smtClean="0"/>
+              <a:t> </a:t>
+            </a:r>
+            <a:r>
+              <a:rPr lang="en-US" altLang="zh-TW" dirty="0" smtClean="0"/>
+              <a:t>+</a:t>
+            </a:r>
+            <a:endParaRPr lang="en-US" altLang="zh-TW" dirty="0"/>
+          </a:p>
+          <a:p>
+            <a:pPr marL="457200" lvl="1" indent="0">
+              <a:buNone/>
+            </a:pPr>
+            <a:r>
+              <a:rPr lang="en-US" altLang="zh-TW" dirty="0" smtClean="0"/>
+              <a:t>			</a:t>
+            </a:r>
+            <a:r>
+              <a:rPr lang="zh-TW" altLang="en-US" dirty="0" smtClean="0"/>
+              <a:t> 內文關鍵字斷</a:t>
+            </a:r>
+            <a:r>
+              <a:rPr lang="zh-TW" altLang="en-US" dirty="0"/>
+              <a:t>詞後各</a:t>
+            </a:r>
             <a:r>
               <a:rPr lang="en-US" altLang="zh-TW" dirty="0"/>
-              <a:t>total articles :  2000</a:t>
-            </a:r>
-          </a:p>
-          <a:p>
-            <a:r>
-              <a:rPr lang="en-US" altLang="zh-TW" dirty="0" smtClean="0"/>
-              <a:t>un-repeat </a:t>
-            </a:r>
+              <a:t>vector</a:t>
+            </a:r>
+            <a:r>
+              <a:rPr lang="zh-TW" altLang="en-US" dirty="0"/>
+              <a:t>取平均 *</a:t>
+            </a:r>
+            <a:r>
+              <a:rPr lang="en-US" altLang="zh-TW" dirty="0" smtClean="0"/>
+              <a:t>0.3</a:t>
+            </a:r>
+          </a:p>
+          <a:p>
+            <a:pPr lvl="6"/>
+            <a:endParaRPr lang="en-US" altLang="zh-TW" dirty="0" smtClean="0"/>
+          </a:p>
+          <a:p>
+            <a:pPr lvl="1"/>
+            <a:r>
+              <a:rPr lang="zh-TW" altLang="en-US" dirty="0" smtClean="0"/>
+              <a:t>話題代表向量 </a:t>
+            </a:r>
+            <a:r>
+              <a:rPr lang="en-US" altLang="zh-TW" dirty="0" smtClean="0"/>
+              <a:t>=</a:t>
+            </a:r>
+            <a:r>
+              <a:rPr lang="zh-TW" altLang="en-US" dirty="0" smtClean="0"/>
+              <a:t> 各文章代表向量取平均</a:t>
+            </a:r>
+            <a:endParaRPr lang="en-US" altLang="zh-TW" dirty="0" smtClean="0"/>
+          </a:p>
+          <a:p>
+            <a:pPr lvl="1"/>
+            <a:r>
+              <a:rPr lang="zh-TW" altLang="en-US" dirty="0" smtClean="0"/>
+              <a:t>兩話題相似度 </a:t>
+            </a:r>
+            <a:r>
+              <a:rPr lang="en-US" altLang="zh-TW" dirty="0" smtClean="0"/>
+              <a:t>=</a:t>
+            </a:r>
+            <a:r>
+              <a:rPr lang="zh-TW" altLang="en-US" dirty="0" smtClean="0"/>
+              <a:t> 兩話題向量內積</a:t>
+            </a:r>
+            <a:endParaRPr lang="en-US" altLang="zh-TW" dirty="0" smtClean="0"/>
+          </a:p>
+        </p:txBody>
+      </p:sp>
+      <p:sp>
+        <p:nvSpPr>
+          <p:cNvPr id="4" name="矩形 3"/>
+          <p:cNvSpPr/>
+          <p:nvPr/>
+        </p:nvSpPr>
+        <p:spPr>
+          <a:xfrm>
+            <a:off x="838200" y="550821"/>
+            <a:ext cx="1691014" cy="1139869"/>
+          </a:xfrm>
+          <a:prstGeom prst="rect">
+            <a:avLst/>
+          </a:prstGeom>
+          <a:solidFill>
+            <a:schemeClr val="accent1">
+              <a:lumMod val="50000"/>
+            </a:schemeClr>
+          </a:solidFill>
+        </p:spPr>
+        <p:style>
+          <a:lnRef idx="2">
+            <a:schemeClr val="accent1">
+              <a:shade val="50000"/>
+            </a:schemeClr>
+          </a:lnRef>
+          <a:fillRef idx="1">
+            <a:schemeClr val="accent1"/>
+          </a:fillRef>
+          <a:effectRef idx="0">
+            <a:schemeClr val="accent1"/>
+          </a:effectRef>
+          <a:fontRef idx="minor">
+            <a:schemeClr val="lt1"/>
+          </a:fontRef>
+        </p:style>
+        <p:txBody>
+          <a:bodyPr rtlCol="0" anchor="ctr"/>
+          <a:lstStyle/>
+          <a:p>
+            <a:pPr algn="ctr"/>
+            <a:r>
+              <a:rPr lang="en-US" altLang="zh-TW" dirty="0" smtClean="0"/>
+              <a:t>Articles</a:t>
+            </a:r>
+            <a:endParaRPr lang="zh-TW" altLang="en-US" dirty="0"/>
+          </a:p>
+        </p:txBody>
+      </p:sp>
+      <p:sp>
+        <p:nvSpPr>
+          <p:cNvPr id="5" name="矩形 4"/>
+          <p:cNvSpPr/>
+          <p:nvPr/>
+        </p:nvSpPr>
+        <p:spPr>
+          <a:xfrm>
+            <a:off x="5147416" y="550819"/>
+            <a:ext cx="1691014" cy="1139869"/>
+          </a:xfrm>
+          <a:prstGeom prst="rect">
+            <a:avLst/>
+          </a:prstGeom>
+          <a:solidFill>
+            <a:schemeClr val="accent1">
+              <a:lumMod val="50000"/>
+            </a:schemeClr>
+          </a:solidFill>
+        </p:spPr>
+        <p:style>
+          <a:lnRef idx="2">
+            <a:schemeClr val="accent1">
+              <a:shade val="50000"/>
+            </a:schemeClr>
+          </a:lnRef>
+          <a:fillRef idx="1">
+            <a:schemeClr val="accent1"/>
+          </a:fillRef>
+          <a:effectRef idx="0">
+            <a:schemeClr val="accent1"/>
+          </a:effectRef>
+          <a:fontRef idx="minor">
+            <a:schemeClr val="lt1"/>
+          </a:fontRef>
+        </p:style>
+        <p:txBody>
+          <a:bodyPr rtlCol="0" anchor="ctr"/>
+          <a:lstStyle/>
+          <a:p>
+            <a:pPr algn="ctr"/>
             <a:r>
               <a:rPr lang="en-US" altLang="zh-TW" dirty="0"/>
-              <a:t>titles :  1434</a:t>
-            </a:r>
-          </a:p>
-          <a:p>
-            <a:r>
-              <a:rPr lang="en-US" altLang="zh-TW" dirty="0" smtClean="0"/>
-              <a:t>total </a:t>
-            </a:r>
-            <a:r>
+              <a:t>Article Vector</a:t>
+            </a:r>
+            <a:br>
               <a:rPr lang="en-US" altLang="zh-TW" dirty="0"/>
-              <a:t>clustering :  553</a:t>
-            </a:r>
-          </a:p>
-          <a:p>
-            <a:r>
-              <a:rPr lang="en-US" altLang="zh-TW" dirty="0" smtClean="0"/>
-              <a:t>Clustering maximum size </a:t>
-            </a:r>
+            </a:br>
             <a:r>
               <a:rPr lang="en-US" altLang="zh-TW" dirty="0"/>
-              <a:t>:  50</a:t>
-            </a:r>
-          </a:p>
-          <a:p>
-            <a:r>
-              <a:rPr lang="en-US" altLang="zh-TW" dirty="0" smtClean="0"/>
-              <a:t>Clustering with only on article : 223</a:t>
-            </a:r>
-          </a:p>
-          <a:p>
-            <a:r>
-              <a:rPr lang="zh-TW" altLang="en-US" dirty="0" smtClean="0"/>
-              <a:t>人工認定有</a:t>
-            </a:r>
-            <a:r>
-              <a:rPr lang="en-US" altLang="zh-TW" dirty="0" smtClean="0"/>
-              <a:t>174</a:t>
-            </a:r>
-            <a:r>
-              <a:rPr lang="zh-TW" altLang="en-US" dirty="0" smtClean="0"/>
-              <a:t>個群分類效果不好</a:t>
-            </a:r>
-            <a:r>
-              <a:rPr lang="en-US" altLang="zh-TW" dirty="0" smtClean="0"/>
-              <a:t>(31%)</a:t>
-            </a:r>
-          </a:p>
-        </p:txBody>
-      </p:sp>
+              <a:t>Computing</a:t>
+            </a:r>
+            <a:endParaRPr lang="zh-TW" altLang="en-US" dirty="0"/>
+          </a:p>
+        </p:txBody>
+      </p:sp>
+      <p:cxnSp>
+        <p:nvCxnSpPr>
+          <p:cNvPr id="6" name="直線單箭頭接點 5"/>
+          <p:cNvCxnSpPr>
+            <a:stCxn id="4" idx="3"/>
+            <a:endCxn id="11" idx="1"/>
+          </p:cNvCxnSpPr>
+          <p:nvPr/>
+        </p:nvCxnSpPr>
+        <p:spPr>
+          <a:xfrm flipV="1">
+            <a:off x="2529214" y="1120754"/>
+            <a:ext cx="463594" cy="2"/>
+          </a:xfrm>
+          <a:prstGeom prst="straightConnector1">
+            <a:avLst/>
+          </a:prstGeom>
+          <a:ln>
+            <a:tailEnd type="triangle"/>
+          </a:ln>
+        </p:spPr>
+        <p:style>
+          <a:lnRef idx="1">
+            <a:schemeClr val="accent1"/>
+          </a:lnRef>
+          <a:fillRef idx="0">
+            <a:schemeClr val="accent1"/>
+          </a:fillRef>
+          <a:effectRef idx="0">
+            <a:schemeClr val="accent1"/>
+          </a:effectRef>
+          <a:fontRef idx="minor">
+            <a:schemeClr val="tx1"/>
+          </a:fontRef>
+        </p:style>
+      </p:cxnSp>
+      <p:sp>
+        <p:nvSpPr>
+          <p:cNvPr id="7" name="矩形 6"/>
+          <p:cNvSpPr/>
+          <p:nvPr/>
+        </p:nvSpPr>
+        <p:spPr>
+          <a:xfrm>
+            <a:off x="7302024" y="550819"/>
+            <a:ext cx="1691014" cy="1139869"/>
+          </a:xfrm>
+          <a:prstGeom prst="rect">
+            <a:avLst/>
+          </a:prstGeom>
+          <a:solidFill>
+            <a:schemeClr val="accent1"/>
+          </a:solidFill>
+          <a:ln>
+            <a:solidFill>
+              <a:schemeClr val="accent1"/>
+            </a:solidFill>
+          </a:ln>
+        </p:spPr>
+        <p:style>
+          <a:lnRef idx="2">
+            <a:schemeClr val="accent1">
+              <a:shade val="50000"/>
+            </a:schemeClr>
+          </a:lnRef>
+          <a:fillRef idx="1">
+            <a:schemeClr val="accent1"/>
+          </a:fillRef>
+          <a:effectRef idx="0">
+            <a:schemeClr val="accent1"/>
+          </a:effectRef>
+          <a:fontRef idx="minor">
+            <a:schemeClr val="lt1"/>
+          </a:fontRef>
+        </p:style>
+        <p:txBody>
+          <a:bodyPr rtlCol="0" anchor="ctr"/>
+          <a:lstStyle/>
+          <a:p>
+            <a:pPr algn="ctr"/>
+            <a:r>
+              <a:rPr lang="en-US" altLang="zh-TW" dirty="0"/>
+              <a:t>Clustering</a:t>
+            </a:r>
+            <a:endParaRPr lang="zh-TW" altLang="en-US" dirty="0"/>
+          </a:p>
+        </p:txBody>
+      </p:sp>
+      <p:cxnSp>
+        <p:nvCxnSpPr>
+          <p:cNvPr id="8" name="直線單箭頭接點 7"/>
+          <p:cNvCxnSpPr>
+            <a:stCxn id="5" idx="3"/>
+            <a:endCxn id="7" idx="1"/>
+          </p:cNvCxnSpPr>
+          <p:nvPr/>
+        </p:nvCxnSpPr>
+        <p:spPr>
+          <a:xfrm>
+            <a:off x="6838430" y="1120754"/>
+            <a:ext cx="463594" cy="0"/>
+          </a:xfrm>
+          <a:prstGeom prst="straightConnector1">
+            <a:avLst/>
+          </a:prstGeom>
+          <a:ln>
+            <a:tailEnd type="triangle"/>
+          </a:ln>
+        </p:spPr>
+        <p:style>
+          <a:lnRef idx="1">
+            <a:schemeClr val="accent1"/>
+          </a:lnRef>
+          <a:fillRef idx="0">
+            <a:schemeClr val="accent1"/>
+          </a:fillRef>
+          <a:effectRef idx="0">
+            <a:schemeClr val="accent1"/>
+          </a:effectRef>
+          <a:fontRef idx="minor">
+            <a:schemeClr val="tx1"/>
+          </a:fontRef>
+        </p:style>
+      </p:cxnSp>
+      <p:sp>
+        <p:nvSpPr>
+          <p:cNvPr id="9" name="矩形 8"/>
+          <p:cNvSpPr/>
+          <p:nvPr/>
+        </p:nvSpPr>
+        <p:spPr>
+          <a:xfrm>
+            <a:off x="9456632" y="550819"/>
+            <a:ext cx="1691014" cy="1139869"/>
+          </a:xfrm>
+          <a:prstGeom prst="rect">
+            <a:avLst/>
+          </a:prstGeom>
+          <a:solidFill>
+            <a:schemeClr val="accent1">
+              <a:lumMod val="50000"/>
+            </a:schemeClr>
+          </a:solidFill>
+        </p:spPr>
+        <p:style>
+          <a:lnRef idx="2">
+            <a:schemeClr val="accent1">
+              <a:shade val="50000"/>
+            </a:schemeClr>
+          </a:lnRef>
+          <a:fillRef idx="1">
+            <a:schemeClr val="accent1"/>
+          </a:fillRef>
+          <a:effectRef idx="0">
+            <a:schemeClr val="accent1"/>
+          </a:effectRef>
+          <a:fontRef idx="minor">
+            <a:schemeClr val="lt1"/>
+          </a:fontRef>
+        </p:style>
+        <p:txBody>
+          <a:bodyPr rtlCol="0" anchor="ctr"/>
+          <a:lstStyle/>
+          <a:p>
+            <a:pPr algn="ctr"/>
+            <a:r>
+              <a:rPr lang="en-US" altLang="zh-TW" dirty="0" smtClean="0"/>
+              <a:t>Hotness Computing</a:t>
+            </a:r>
+            <a:endParaRPr lang="zh-TW" altLang="en-US" dirty="0"/>
+          </a:p>
+        </p:txBody>
+      </p:sp>
+      <p:cxnSp>
+        <p:nvCxnSpPr>
+          <p:cNvPr id="10" name="直線單箭頭接點 9"/>
+          <p:cNvCxnSpPr>
+            <a:stCxn id="7" idx="3"/>
+            <a:endCxn id="9" idx="1"/>
+          </p:cNvCxnSpPr>
+          <p:nvPr/>
+        </p:nvCxnSpPr>
+        <p:spPr>
+          <a:xfrm>
+            <a:off x="8993038" y="1120754"/>
+            <a:ext cx="463594" cy="0"/>
+          </a:xfrm>
+          <a:prstGeom prst="straightConnector1">
+            <a:avLst/>
+          </a:prstGeom>
+          <a:ln>
+            <a:tailEnd type="triangle"/>
+          </a:ln>
+        </p:spPr>
+        <p:style>
+          <a:lnRef idx="1">
+            <a:schemeClr val="accent1"/>
+          </a:lnRef>
+          <a:fillRef idx="0">
+            <a:schemeClr val="accent1"/>
+          </a:fillRef>
+          <a:effectRef idx="0">
+            <a:schemeClr val="accent1"/>
+          </a:effectRef>
+          <a:fontRef idx="minor">
+            <a:schemeClr val="tx1"/>
+          </a:fontRef>
+        </p:style>
+      </p:cxnSp>
+      <p:sp>
+        <p:nvSpPr>
+          <p:cNvPr id="11" name="矩形 10"/>
+          <p:cNvSpPr/>
+          <p:nvPr/>
+        </p:nvSpPr>
+        <p:spPr>
+          <a:xfrm>
+            <a:off x="2992808" y="550819"/>
+            <a:ext cx="1691014" cy="1139869"/>
+          </a:xfrm>
+          <a:prstGeom prst="rect">
+            <a:avLst/>
+          </a:prstGeom>
+          <a:solidFill>
+            <a:schemeClr val="accent1">
+              <a:lumMod val="50000"/>
+            </a:schemeClr>
+          </a:solidFill>
+        </p:spPr>
+        <p:style>
+          <a:lnRef idx="2">
+            <a:schemeClr val="accent1">
+              <a:shade val="50000"/>
+            </a:schemeClr>
+          </a:lnRef>
+          <a:fillRef idx="1">
+            <a:schemeClr val="accent1"/>
+          </a:fillRef>
+          <a:effectRef idx="0">
+            <a:schemeClr val="accent1"/>
+          </a:effectRef>
+          <a:fontRef idx="minor">
+            <a:schemeClr val="lt1"/>
+          </a:fontRef>
+        </p:style>
+        <p:txBody>
+          <a:bodyPr rtlCol="0" anchor="ctr"/>
+          <a:lstStyle/>
+          <a:p>
+            <a:pPr algn="ctr"/>
+            <a:r>
+              <a:rPr lang="en-US" altLang="zh-TW" dirty="0" smtClean="0"/>
+              <a:t>Keyword</a:t>
+            </a:r>
+            <a:br>
+              <a:rPr lang="en-US" altLang="zh-TW" dirty="0" smtClean="0"/>
+            </a:br>
+            <a:r>
+              <a:rPr lang="en-US" altLang="zh-TW" dirty="0" smtClean="0"/>
+              <a:t>Selection</a:t>
+            </a:r>
+          </a:p>
+        </p:txBody>
+      </p:sp>
+      <p:cxnSp>
+        <p:nvCxnSpPr>
+          <p:cNvPr id="12" name="直線單箭頭接點 11"/>
+          <p:cNvCxnSpPr>
+            <a:stCxn id="11" idx="3"/>
+            <a:endCxn id="5" idx="1"/>
+          </p:cNvCxnSpPr>
+          <p:nvPr/>
+        </p:nvCxnSpPr>
+        <p:spPr>
+          <a:xfrm>
+            <a:off x="4683822" y="1120754"/>
+            <a:ext cx="463594" cy="0"/>
+          </a:xfrm>
+          <a:prstGeom prst="straightConnector1">
+            <a:avLst/>
+          </a:prstGeom>
+          <a:ln>
+            <a:tailEnd type="triangle"/>
+          </a:ln>
+        </p:spPr>
+        <p:style>
+          <a:lnRef idx="1">
+            <a:schemeClr val="accent1"/>
+          </a:lnRef>
+          <a:fillRef idx="0">
+            <a:schemeClr val="accent1"/>
+          </a:fillRef>
+          <a:effectRef idx="0">
+            <a:schemeClr val="accent1"/>
+          </a:effectRef>
+          <a:fontRef idx="minor">
+            <a:schemeClr val="tx1"/>
+          </a:fontRef>
+        </p:style>
+      </p:cxnSp>
     </p:spTree>
     <p:extLst>
       <p:ext uri="{BB962C8B-B14F-4D97-AF65-F5344CB8AC3E}">
-        <p14:creationId xmlns:p14="http://schemas.microsoft.com/office/powerpoint/2010/main" val="2444501049"/>
+        <p14:creationId xmlns:p14="http://schemas.microsoft.com/office/powerpoint/2010/main" val="2115719100"/>
       </p:ext>
     </p:extLst>
   </p:cSld>
   <p:clrMapOvr>
     <a:masterClrMapping/>
   </p:clrMapOvr>
+  <p:timing>
+    <p:tnLst>
+      <p:par>
+        <p:cTn id="1" dur="indefinite" restart="never" nodeType="tmRoot"/>
+      </p:par>
+    </p:tnLst>
+  </p:timing>
 </p:sld>
 </file>
 
@@ -6317,11 +9192,7 @@
           <a:p>
             <a:r>
               <a:rPr lang="zh-TW" altLang="en-US" dirty="0" smtClean="0"/>
-              <a:t>目前遇到的困難</a:t>
-            </a:r>
-            <a:r>
-              <a:rPr lang="zh-TW" altLang="en-US" dirty="0" smtClean="0"/>
-              <a:t>與限制</a:t>
+              <a:t> </a:t>
             </a:r>
             <a:endParaRPr lang="zh-TW" altLang="en-US" dirty="0"/>
           </a:p>
@@ -6342,42 +9213,565 @@
           <a:bodyPr/>
           <a:lstStyle/>
           <a:p>
-            <a:r>
-              <a:rPr lang="zh-TW" altLang="en-US" dirty="0" smtClean="0"/>
-              <a:t>當標題斷詞後出現新詞，</a:t>
-            </a:r>
-            <a:r>
-              <a:rPr lang="en-US" altLang="zh-TW" dirty="0" smtClean="0"/>
-              <a:t>model</a:t>
-            </a:r>
-            <a:r>
-              <a:rPr lang="zh-TW" altLang="en-US" dirty="0" smtClean="0"/>
-              <a:t>無法找到對應的</a:t>
+            <a:endParaRPr lang="en-US" altLang="zh-TW" dirty="0" smtClean="0"/>
+          </a:p>
+          <a:p>
+            <a:r>
+              <a:rPr lang="zh-TW" altLang="en-US" dirty="0" smtClean="0"/>
+              <a:t>方法三 </a:t>
+            </a:r>
+            <a:r>
+              <a:rPr lang="en-US" altLang="zh-TW" dirty="0" smtClean="0"/>
+              <a:t>(</a:t>
+            </a:r>
+            <a:r>
+              <a:rPr lang="zh-TW" altLang="en-US" dirty="0" smtClean="0"/>
+              <a:t>使用標題與內容</a:t>
+            </a:r>
+            <a:r>
+              <a:rPr lang="en-US" altLang="zh-TW" dirty="0" smtClean="0"/>
+              <a:t>)</a:t>
+            </a:r>
+          </a:p>
+          <a:p>
+            <a:pPr lvl="1"/>
+            <a:r>
+              <a:rPr lang="zh-TW" altLang="en-US" dirty="0" smtClean="0"/>
+              <a:t>文</a:t>
+            </a:r>
+            <a:r>
+              <a:rPr lang="zh-TW" altLang="en-US" dirty="0"/>
+              <a:t>章</a:t>
+            </a:r>
+            <a:r>
+              <a:rPr lang="zh-TW" altLang="en-US" dirty="0" smtClean="0"/>
+              <a:t>代表向量 </a:t>
+            </a:r>
+            <a:r>
+              <a:rPr lang="en-US" altLang="zh-TW" dirty="0" smtClean="0"/>
+              <a:t>=</a:t>
+            </a:r>
+            <a:r>
+              <a:rPr lang="zh-TW" altLang="en-US" dirty="0" smtClean="0"/>
+              <a:t> 標題斷詞後各</a:t>
             </a:r>
             <a:r>
               <a:rPr lang="en-US" altLang="zh-TW" dirty="0" smtClean="0"/>
               <a:t>vector</a:t>
             </a:r>
-          </a:p>
-          <a:p>
-            <a:r>
-              <a:rPr lang="zh-TW" altLang="en-US" dirty="0" smtClean="0"/>
-              <a:t>該如何驗證效果</a:t>
+            <a:r>
+              <a:rPr lang="zh-TW" altLang="en-US" dirty="0" smtClean="0"/>
+              <a:t>取平均</a:t>
             </a:r>
             <a:endParaRPr lang="en-US" altLang="zh-TW" dirty="0" smtClean="0"/>
           </a:p>
-        </p:txBody>
-      </p:sp>
+          <a:p>
+            <a:pPr lvl="1"/>
+            <a:r>
+              <a:rPr lang="zh-TW" altLang="en-US" dirty="0" smtClean="0"/>
+              <a:t>話題代表向量 </a:t>
+            </a:r>
+            <a:r>
+              <a:rPr lang="en-US" altLang="zh-TW" dirty="0" smtClean="0"/>
+              <a:t>=</a:t>
+            </a:r>
+            <a:r>
+              <a:rPr lang="zh-TW" altLang="en-US" dirty="0" smtClean="0"/>
+              <a:t> 各文章代表向量取平均</a:t>
+            </a:r>
+            <a:r>
+              <a:rPr lang="en-US" altLang="zh-TW" dirty="0"/>
+              <a:t> </a:t>
+            </a:r>
+            <a:r>
+              <a:rPr lang="en-US" altLang="zh-TW" dirty="0" smtClean="0"/>
+              <a:t>* 0.7 +</a:t>
+            </a:r>
+          </a:p>
+          <a:p>
+            <a:pPr marL="457200" lvl="1" indent="0">
+              <a:buNone/>
+            </a:pPr>
+            <a:r>
+              <a:rPr lang="en-US" altLang="zh-TW" dirty="0"/>
+              <a:t>	</a:t>
+            </a:r>
+            <a:r>
+              <a:rPr lang="en-US" altLang="zh-TW" dirty="0" smtClean="0"/>
+              <a:t>		</a:t>
+            </a:r>
+            <a:r>
+              <a:rPr lang="zh-TW" altLang="en-US" dirty="0" smtClean="0"/>
+              <a:t> 話題關鍵字代表向量取平均 * </a:t>
+            </a:r>
+            <a:r>
+              <a:rPr lang="en-US" altLang="zh-TW" dirty="0" smtClean="0"/>
+              <a:t>0.3</a:t>
+            </a:r>
+          </a:p>
+          <a:p>
+            <a:pPr lvl="1"/>
+            <a:endParaRPr lang="en-US" altLang="zh-TW" dirty="0" smtClean="0"/>
+          </a:p>
+          <a:p>
+            <a:pPr lvl="1"/>
+            <a:r>
+              <a:rPr lang="zh-TW" altLang="en-US" dirty="0" smtClean="0"/>
+              <a:t>兩話題相似度 </a:t>
+            </a:r>
+            <a:r>
+              <a:rPr lang="en-US" altLang="zh-TW" dirty="0" smtClean="0"/>
+              <a:t>=</a:t>
+            </a:r>
+            <a:r>
+              <a:rPr lang="zh-TW" altLang="en-US" dirty="0" smtClean="0"/>
+              <a:t> 兩話題向量內積</a:t>
+            </a:r>
+            <a:endParaRPr lang="en-US" altLang="zh-TW" dirty="0" smtClean="0"/>
+          </a:p>
+          <a:p>
+            <a:pPr lvl="1"/>
+            <a:r>
+              <a:rPr lang="zh-TW" altLang="en-US" dirty="0" smtClean="0"/>
+              <a:t>每次合併話題重新計算話題關鍵字</a:t>
+            </a:r>
+            <a:r>
+              <a:rPr lang="en-US" altLang="zh-TW" dirty="0" smtClean="0"/>
+              <a:t>(</a:t>
+            </a:r>
+            <a:r>
+              <a:rPr lang="zh-TW" altLang="en-US" dirty="0" smtClean="0"/>
+              <a:t>話題所有文章跑</a:t>
+            </a:r>
+            <a:r>
+              <a:rPr lang="en-US" altLang="zh-TW" dirty="0" smtClean="0"/>
+              <a:t>LDA)</a:t>
+            </a:r>
+          </a:p>
+        </p:txBody>
+      </p:sp>
+      <p:sp>
+        <p:nvSpPr>
+          <p:cNvPr id="4" name="矩形 3"/>
+          <p:cNvSpPr/>
+          <p:nvPr/>
+        </p:nvSpPr>
+        <p:spPr>
+          <a:xfrm>
+            <a:off x="838200" y="550821"/>
+            <a:ext cx="1691014" cy="1139869"/>
+          </a:xfrm>
+          <a:prstGeom prst="rect">
+            <a:avLst/>
+          </a:prstGeom>
+          <a:solidFill>
+            <a:schemeClr val="accent1">
+              <a:lumMod val="50000"/>
+            </a:schemeClr>
+          </a:solidFill>
+        </p:spPr>
+        <p:style>
+          <a:lnRef idx="2">
+            <a:schemeClr val="accent1">
+              <a:shade val="50000"/>
+            </a:schemeClr>
+          </a:lnRef>
+          <a:fillRef idx="1">
+            <a:schemeClr val="accent1"/>
+          </a:fillRef>
+          <a:effectRef idx="0">
+            <a:schemeClr val="accent1"/>
+          </a:effectRef>
+          <a:fontRef idx="minor">
+            <a:schemeClr val="lt1"/>
+          </a:fontRef>
+        </p:style>
+        <p:txBody>
+          <a:bodyPr rtlCol="0" anchor="ctr"/>
+          <a:lstStyle/>
+          <a:p>
+            <a:pPr algn="ctr"/>
+            <a:r>
+              <a:rPr lang="en-US" altLang="zh-TW" dirty="0" smtClean="0"/>
+              <a:t>Articles</a:t>
+            </a:r>
+            <a:endParaRPr lang="zh-TW" altLang="en-US" dirty="0"/>
+          </a:p>
+        </p:txBody>
+      </p:sp>
+      <p:sp>
+        <p:nvSpPr>
+          <p:cNvPr id="5" name="矩形 4"/>
+          <p:cNvSpPr/>
+          <p:nvPr/>
+        </p:nvSpPr>
+        <p:spPr>
+          <a:xfrm>
+            <a:off x="5147416" y="550819"/>
+            <a:ext cx="1691014" cy="1139869"/>
+          </a:xfrm>
+          <a:prstGeom prst="rect">
+            <a:avLst/>
+          </a:prstGeom>
+          <a:solidFill>
+            <a:schemeClr val="accent1">
+              <a:lumMod val="50000"/>
+            </a:schemeClr>
+          </a:solidFill>
+        </p:spPr>
+        <p:style>
+          <a:lnRef idx="2">
+            <a:schemeClr val="accent1">
+              <a:shade val="50000"/>
+            </a:schemeClr>
+          </a:lnRef>
+          <a:fillRef idx="1">
+            <a:schemeClr val="accent1"/>
+          </a:fillRef>
+          <a:effectRef idx="0">
+            <a:schemeClr val="accent1"/>
+          </a:effectRef>
+          <a:fontRef idx="minor">
+            <a:schemeClr val="lt1"/>
+          </a:fontRef>
+        </p:style>
+        <p:txBody>
+          <a:bodyPr rtlCol="0" anchor="ctr"/>
+          <a:lstStyle/>
+          <a:p>
+            <a:pPr algn="ctr"/>
+            <a:r>
+              <a:rPr lang="en-US" altLang="zh-TW" dirty="0"/>
+              <a:t>Article Vector</a:t>
+            </a:r>
+            <a:br>
+              <a:rPr lang="en-US" altLang="zh-TW" dirty="0"/>
+            </a:br>
+            <a:r>
+              <a:rPr lang="en-US" altLang="zh-TW" dirty="0"/>
+              <a:t>Computing</a:t>
+            </a:r>
+            <a:endParaRPr lang="zh-TW" altLang="en-US" dirty="0"/>
+          </a:p>
+        </p:txBody>
+      </p:sp>
+      <p:cxnSp>
+        <p:nvCxnSpPr>
+          <p:cNvPr id="6" name="直線單箭頭接點 5"/>
+          <p:cNvCxnSpPr>
+            <a:stCxn id="4" idx="3"/>
+            <a:endCxn id="11" idx="1"/>
+          </p:cNvCxnSpPr>
+          <p:nvPr/>
+        </p:nvCxnSpPr>
+        <p:spPr>
+          <a:xfrm flipV="1">
+            <a:off x="2529214" y="1120754"/>
+            <a:ext cx="463594" cy="2"/>
+          </a:xfrm>
+          <a:prstGeom prst="straightConnector1">
+            <a:avLst/>
+          </a:prstGeom>
+          <a:ln>
+            <a:tailEnd type="triangle"/>
+          </a:ln>
+        </p:spPr>
+        <p:style>
+          <a:lnRef idx="1">
+            <a:schemeClr val="accent1"/>
+          </a:lnRef>
+          <a:fillRef idx="0">
+            <a:schemeClr val="accent1"/>
+          </a:fillRef>
+          <a:effectRef idx="0">
+            <a:schemeClr val="accent1"/>
+          </a:effectRef>
+          <a:fontRef idx="minor">
+            <a:schemeClr val="tx1"/>
+          </a:fontRef>
+        </p:style>
+      </p:cxnSp>
+      <p:sp>
+        <p:nvSpPr>
+          <p:cNvPr id="7" name="矩形 6"/>
+          <p:cNvSpPr/>
+          <p:nvPr/>
+        </p:nvSpPr>
+        <p:spPr>
+          <a:xfrm>
+            <a:off x="7302024" y="550819"/>
+            <a:ext cx="1691014" cy="1139869"/>
+          </a:xfrm>
+          <a:prstGeom prst="rect">
+            <a:avLst/>
+          </a:prstGeom>
+          <a:solidFill>
+            <a:schemeClr val="accent1"/>
+          </a:solidFill>
+          <a:ln>
+            <a:solidFill>
+              <a:schemeClr val="accent1"/>
+            </a:solidFill>
+          </a:ln>
+        </p:spPr>
+        <p:style>
+          <a:lnRef idx="2">
+            <a:schemeClr val="accent1">
+              <a:shade val="50000"/>
+            </a:schemeClr>
+          </a:lnRef>
+          <a:fillRef idx="1">
+            <a:schemeClr val="accent1"/>
+          </a:fillRef>
+          <a:effectRef idx="0">
+            <a:schemeClr val="accent1"/>
+          </a:effectRef>
+          <a:fontRef idx="minor">
+            <a:schemeClr val="lt1"/>
+          </a:fontRef>
+        </p:style>
+        <p:txBody>
+          <a:bodyPr rtlCol="0" anchor="ctr"/>
+          <a:lstStyle/>
+          <a:p>
+            <a:pPr algn="ctr"/>
+            <a:r>
+              <a:rPr lang="en-US" altLang="zh-TW" dirty="0"/>
+              <a:t>Clustering</a:t>
+            </a:r>
+            <a:endParaRPr lang="zh-TW" altLang="en-US" dirty="0"/>
+          </a:p>
+        </p:txBody>
+      </p:sp>
+      <p:cxnSp>
+        <p:nvCxnSpPr>
+          <p:cNvPr id="8" name="直線單箭頭接點 7"/>
+          <p:cNvCxnSpPr>
+            <a:stCxn id="5" idx="3"/>
+            <a:endCxn id="7" idx="1"/>
+          </p:cNvCxnSpPr>
+          <p:nvPr/>
+        </p:nvCxnSpPr>
+        <p:spPr>
+          <a:xfrm>
+            <a:off x="6838430" y="1120754"/>
+            <a:ext cx="463594" cy="0"/>
+          </a:xfrm>
+          <a:prstGeom prst="straightConnector1">
+            <a:avLst/>
+          </a:prstGeom>
+          <a:ln>
+            <a:tailEnd type="triangle"/>
+          </a:ln>
+        </p:spPr>
+        <p:style>
+          <a:lnRef idx="1">
+            <a:schemeClr val="accent1"/>
+          </a:lnRef>
+          <a:fillRef idx="0">
+            <a:schemeClr val="accent1"/>
+          </a:fillRef>
+          <a:effectRef idx="0">
+            <a:schemeClr val="accent1"/>
+          </a:effectRef>
+          <a:fontRef idx="minor">
+            <a:schemeClr val="tx1"/>
+          </a:fontRef>
+        </p:style>
+      </p:cxnSp>
+      <p:sp>
+        <p:nvSpPr>
+          <p:cNvPr id="9" name="矩形 8"/>
+          <p:cNvSpPr/>
+          <p:nvPr/>
+        </p:nvSpPr>
+        <p:spPr>
+          <a:xfrm>
+            <a:off x="9456632" y="550819"/>
+            <a:ext cx="1691014" cy="1139869"/>
+          </a:xfrm>
+          <a:prstGeom prst="rect">
+            <a:avLst/>
+          </a:prstGeom>
+          <a:solidFill>
+            <a:schemeClr val="accent1">
+              <a:lumMod val="50000"/>
+            </a:schemeClr>
+          </a:solidFill>
+        </p:spPr>
+        <p:style>
+          <a:lnRef idx="2">
+            <a:schemeClr val="accent1">
+              <a:shade val="50000"/>
+            </a:schemeClr>
+          </a:lnRef>
+          <a:fillRef idx="1">
+            <a:schemeClr val="accent1"/>
+          </a:fillRef>
+          <a:effectRef idx="0">
+            <a:schemeClr val="accent1"/>
+          </a:effectRef>
+          <a:fontRef idx="minor">
+            <a:schemeClr val="lt1"/>
+          </a:fontRef>
+        </p:style>
+        <p:txBody>
+          <a:bodyPr rtlCol="0" anchor="ctr"/>
+          <a:lstStyle/>
+          <a:p>
+            <a:pPr algn="ctr"/>
+            <a:r>
+              <a:rPr lang="en-US" altLang="zh-TW" dirty="0" smtClean="0"/>
+              <a:t>Hotness Computing</a:t>
+            </a:r>
+            <a:endParaRPr lang="zh-TW" altLang="en-US" dirty="0"/>
+          </a:p>
+        </p:txBody>
+      </p:sp>
+      <p:cxnSp>
+        <p:nvCxnSpPr>
+          <p:cNvPr id="10" name="直線單箭頭接點 9"/>
+          <p:cNvCxnSpPr>
+            <a:stCxn id="7" idx="3"/>
+            <a:endCxn id="9" idx="1"/>
+          </p:cNvCxnSpPr>
+          <p:nvPr/>
+        </p:nvCxnSpPr>
+        <p:spPr>
+          <a:xfrm>
+            <a:off x="8993038" y="1120754"/>
+            <a:ext cx="463594" cy="0"/>
+          </a:xfrm>
+          <a:prstGeom prst="straightConnector1">
+            <a:avLst/>
+          </a:prstGeom>
+          <a:ln>
+            <a:tailEnd type="triangle"/>
+          </a:ln>
+        </p:spPr>
+        <p:style>
+          <a:lnRef idx="1">
+            <a:schemeClr val="accent1"/>
+          </a:lnRef>
+          <a:fillRef idx="0">
+            <a:schemeClr val="accent1"/>
+          </a:fillRef>
+          <a:effectRef idx="0">
+            <a:schemeClr val="accent1"/>
+          </a:effectRef>
+          <a:fontRef idx="minor">
+            <a:schemeClr val="tx1"/>
+          </a:fontRef>
+        </p:style>
+      </p:cxnSp>
+      <p:sp>
+        <p:nvSpPr>
+          <p:cNvPr id="11" name="矩形 10"/>
+          <p:cNvSpPr/>
+          <p:nvPr/>
+        </p:nvSpPr>
+        <p:spPr>
+          <a:xfrm>
+            <a:off x="2992808" y="550819"/>
+            <a:ext cx="1691014" cy="1139869"/>
+          </a:xfrm>
+          <a:prstGeom prst="rect">
+            <a:avLst/>
+          </a:prstGeom>
+          <a:solidFill>
+            <a:schemeClr val="accent1">
+              <a:lumMod val="50000"/>
+            </a:schemeClr>
+          </a:solidFill>
+        </p:spPr>
+        <p:style>
+          <a:lnRef idx="2">
+            <a:schemeClr val="accent1">
+              <a:shade val="50000"/>
+            </a:schemeClr>
+          </a:lnRef>
+          <a:fillRef idx="1">
+            <a:schemeClr val="accent1"/>
+          </a:fillRef>
+          <a:effectRef idx="0">
+            <a:schemeClr val="accent1"/>
+          </a:effectRef>
+          <a:fontRef idx="minor">
+            <a:schemeClr val="lt1"/>
+          </a:fontRef>
+        </p:style>
+        <p:txBody>
+          <a:bodyPr rtlCol="0" anchor="ctr"/>
+          <a:lstStyle/>
+          <a:p>
+            <a:pPr algn="ctr"/>
+            <a:r>
+              <a:rPr lang="en-US" altLang="zh-TW" dirty="0" smtClean="0"/>
+              <a:t>Keyword</a:t>
+            </a:r>
+            <a:br>
+              <a:rPr lang="en-US" altLang="zh-TW" dirty="0" smtClean="0"/>
+            </a:br>
+            <a:r>
+              <a:rPr lang="en-US" altLang="zh-TW" dirty="0" smtClean="0"/>
+              <a:t>Selection</a:t>
+            </a:r>
+          </a:p>
+        </p:txBody>
+      </p:sp>
+      <p:cxnSp>
+        <p:nvCxnSpPr>
+          <p:cNvPr id="12" name="直線單箭頭接點 11"/>
+          <p:cNvCxnSpPr>
+            <a:stCxn id="11" idx="3"/>
+            <a:endCxn id="5" idx="1"/>
+          </p:cNvCxnSpPr>
+          <p:nvPr/>
+        </p:nvCxnSpPr>
+        <p:spPr>
+          <a:xfrm>
+            <a:off x="4683822" y="1120754"/>
+            <a:ext cx="463594" cy="0"/>
+          </a:xfrm>
+          <a:prstGeom prst="straightConnector1">
+            <a:avLst/>
+          </a:prstGeom>
+          <a:ln>
+            <a:tailEnd type="triangle"/>
+          </a:ln>
+        </p:spPr>
+        <p:style>
+          <a:lnRef idx="1">
+            <a:schemeClr val="accent1"/>
+          </a:lnRef>
+          <a:fillRef idx="0">
+            <a:schemeClr val="accent1"/>
+          </a:fillRef>
+          <a:effectRef idx="0">
+            <a:schemeClr val="accent1"/>
+          </a:effectRef>
+          <a:fontRef idx="minor">
+            <a:schemeClr val="tx1"/>
+          </a:fontRef>
+        </p:style>
+      </p:cxnSp>
     </p:spTree>
     <p:extLst>
       <p:ext uri="{BB962C8B-B14F-4D97-AF65-F5344CB8AC3E}">
-        <p14:creationId xmlns:p14="http://schemas.microsoft.com/office/powerpoint/2010/main" val="2659016056"/>
+        <p14:creationId xmlns:p14="http://schemas.microsoft.com/office/powerpoint/2010/main" val="4002490908"/>
       </p:ext>
     </p:extLst>
   </p:cSld>
   <p:clrMapOvr>
     <a:masterClrMapping/>
   </p:clrMapOvr>
+  <p:timing>
+    <p:tnLst>
+      <p:par>
+        <p:cTn id="1" dur="indefinite" restart="never" nodeType="tmRoot"/>
+      </p:par>
+    </p:tnLst>
+  </p:timing>
 </p:sld>
 </file>
 
@@ -6400,7 +9794,7 @@
       </p:grpSpPr>
       <p:sp>
         <p:nvSpPr>
-          <p:cNvPr id="4" name="標題 3"/>
+          <p:cNvPr id="2" name="標題 1"/>
           <p:cNvSpPr>
             <a:spLocks noGrp="1"/>
           </p:cNvSpPr>
@@ -6414,8 +9808,8 @@
           <a:lstStyle/>
           <a:p>
             <a:r>
-              <a:rPr lang="en-US" altLang="zh-TW" dirty="0" smtClean="0"/>
-              <a:t>Q&amp;A</a:t>
+              <a:rPr lang="zh-TW" altLang="en-US" dirty="0" smtClean="0"/>
+              <a:t> </a:t>
             </a:r>
             <a:endParaRPr lang="zh-TW" altLang="en-US" dirty="0"/>
           </a:p>
@@ -6423,12 +9817,12 @@
       </p:sp>
       <p:sp>
         <p:nvSpPr>
-          <p:cNvPr id="5" name="文字版面配置區 4"/>
+          <p:cNvPr id="3" name="內容版面配置區 2"/>
           <p:cNvSpPr>
             <a:spLocks noGrp="1"/>
           </p:cNvSpPr>
           <p:nvPr>
-            <p:ph type="body" idx="1"/>
+            <p:ph idx="1"/>
           </p:nvPr>
         </p:nvSpPr>
         <p:spPr/>
@@ -6436,14 +9830,505 @@
           <a:bodyPr/>
           <a:lstStyle/>
           <a:p>
-            <a:endParaRPr lang="zh-TW" altLang="en-US"/>
-          </a:p>
-        </p:txBody>
-      </p:sp>
+            <a:endParaRPr lang="en-US" altLang="zh-TW" dirty="0" smtClean="0"/>
+          </a:p>
+          <a:p>
+            <a:r>
+              <a:rPr lang="zh-TW" altLang="en-US" dirty="0" smtClean="0"/>
+              <a:t>統計話題內各文章的推噓文計算熱度</a:t>
+            </a:r>
+            <a:endParaRPr lang="en-US" altLang="zh-TW" dirty="0" smtClean="0"/>
+          </a:p>
+        </p:txBody>
+      </p:sp>
+      <p:sp>
+        <p:nvSpPr>
+          <p:cNvPr id="4" name="矩形 3"/>
+          <p:cNvSpPr/>
+          <p:nvPr/>
+        </p:nvSpPr>
+        <p:spPr>
+          <a:xfrm>
+            <a:off x="838200" y="550821"/>
+            <a:ext cx="1691014" cy="1139869"/>
+          </a:xfrm>
+          <a:prstGeom prst="rect">
+            <a:avLst/>
+          </a:prstGeom>
+          <a:solidFill>
+            <a:schemeClr val="accent1">
+              <a:lumMod val="50000"/>
+            </a:schemeClr>
+          </a:solidFill>
+        </p:spPr>
+        <p:style>
+          <a:lnRef idx="2">
+            <a:schemeClr val="accent1">
+              <a:shade val="50000"/>
+            </a:schemeClr>
+          </a:lnRef>
+          <a:fillRef idx="1">
+            <a:schemeClr val="accent1"/>
+          </a:fillRef>
+          <a:effectRef idx="0">
+            <a:schemeClr val="accent1"/>
+          </a:effectRef>
+          <a:fontRef idx="minor">
+            <a:schemeClr val="lt1"/>
+          </a:fontRef>
+        </p:style>
+        <p:txBody>
+          <a:bodyPr rtlCol="0" anchor="ctr"/>
+          <a:lstStyle/>
+          <a:p>
+            <a:pPr algn="ctr"/>
+            <a:r>
+              <a:rPr lang="en-US" altLang="zh-TW" dirty="0" smtClean="0"/>
+              <a:t>Articles</a:t>
+            </a:r>
+            <a:endParaRPr lang="zh-TW" altLang="en-US" dirty="0"/>
+          </a:p>
+        </p:txBody>
+      </p:sp>
+      <p:sp>
+        <p:nvSpPr>
+          <p:cNvPr id="5" name="矩形 4"/>
+          <p:cNvSpPr/>
+          <p:nvPr/>
+        </p:nvSpPr>
+        <p:spPr>
+          <a:xfrm>
+            <a:off x="5147416" y="550819"/>
+            <a:ext cx="1691014" cy="1139869"/>
+          </a:xfrm>
+          <a:prstGeom prst="rect">
+            <a:avLst/>
+          </a:prstGeom>
+          <a:solidFill>
+            <a:schemeClr val="accent1">
+              <a:lumMod val="50000"/>
+            </a:schemeClr>
+          </a:solidFill>
+        </p:spPr>
+        <p:style>
+          <a:lnRef idx="2">
+            <a:schemeClr val="accent1">
+              <a:shade val="50000"/>
+            </a:schemeClr>
+          </a:lnRef>
+          <a:fillRef idx="1">
+            <a:schemeClr val="accent1"/>
+          </a:fillRef>
+          <a:effectRef idx="0">
+            <a:schemeClr val="accent1"/>
+          </a:effectRef>
+          <a:fontRef idx="minor">
+            <a:schemeClr val="lt1"/>
+          </a:fontRef>
+        </p:style>
+        <p:txBody>
+          <a:bodyPr rtlCol="0" anchor="ctr"/>
+          <a:lstStyle/>
+          <a:p>
+            <a:pPr algn="ctr"/>
+            <a:r>
+              <a:rPr lang="en-US" altLang="zh-TW" dirty="0"/>
+              <a:t>Article Vector</a:t>
+            </a:r>
+            <a:br>
+              <a:rPr lang="en-US" altLang="zh-TW" dirty="0"/>
+            </a:br>
+            <a:r>
+              <a:rPr lang="en-US" altLang="zh-TW" dirty="0"/>
+              <a:t>Computing</a:t>
+            </a:r>
+            <a:endParaRPr lang="zh-TW" altLang="en-US" dirty="0"/>
+          </a:p>
+        </p:txBody>
+      </p:sp>
+      <p:cxnSp>
+        <p:nvCxnSpPr>
+          <p:cNvPr id="6" name="直線單箭頭接點 5"/>
+          <p:cNvCxnSpPr>
+            <a:stCxn id="4" idx="3"/>
+            <a:endCxn id="11" idx="1"/>
+          </p:cNvCxnSpPr>
+          <p:nvPr/>
+        </p:nvCxnSpPr>
+        <p:spPr>
+          <a:xfrm flipV="1">
+            <a:off x="2529214" y="1120754"/>
+            <a:ext cx="463594" cy="2"/>
+          </a:xfrm>
+          <a:prstGeom prst="straightConnector1">
+            <a:avLst/>
+          </a:prstGeom>
+          <a:ln>
+            <a:tailEnd type="triangle"/>
+          </a:ln>
+        </p:spPr>
+        <p:style>
+          <a:lnRef idx="1">
+            <a:schemeClr val="accent1"/>
+          </a:lnRef>
+          <a:fillRef idx="0">
+            <a:schemeClr val="accent1"/>
+          </a:fillRef>
+          <a:effectRef idx="0">
+            <a:schemeClr val="accent1"/>
+          </a:effectRef>
+          <a:fontRef idx="minor">
+            <a:schemeClr val="tx1"/>
+          </a:fontRef>
+        </p:style>
+      </p:cxnSp>
+      <p:sp>
+        <p:nvSpPr>
+          <p:cNvPr id="7" name="矩形 6"/>
+          <p:cNvSpPr/>
+          <p:nvPr/>
+        </p:nvSpPr>
+        <p:spPr>
+          <a:xfrm>
+            <a:off x="7302024" y="550819"/>
+            <a:ext cx="1691014" cy="1139869"/>
+          </a:xfrm>
+          <a:prstGeom prst="rect">
+            <a:avLst/>
+          </a:prstGeom>
+          <a:solidFill>
+            <a:schemeClr val="accent1">
+              <a:lumMod val="50000"/>
+            </a:schemeClr>
+          </a:solidFill>
+          <a:ln>
+            <a:solidFill>
+              <a:schemeClr val="accent1"/>
+            </a:solidFill>
+          </a:ln>
+        </p:spPr>
+        <p:style>
+          <a:lnRef idx="2">
+            <a:schemeClr val="accent1">
+              <a:shade val="50000"/>
+            </a:schemeClr>
+          </a:lnRef>
+          <a:fillRef idx="1">
+            <a:schemeClr val="accent1"/>
+          </a:fillRef>
+          <a:effectRef idx="0">
+            <a:schemeClr val="accent1"/>
+          </a:effectRef>
+          <a:fontRef idx="minor">
+            <a:schemeClr val="lt1"/>
+          </a:fontRef>
+        </p:style>
+        <p:txBody>
+          <a:bodyPr rtlCol="0" anchor="ctr"/>
+          <a:lstStyle/>
+          <a:p>
+            <a:pPr algn="ctr"/>
+            <a:r>
+              <a:rPr lang="en-US" altLang="zh-TW" dirty="0"/>
+              <a:t>Clustering</a:t>
+            </a:r>
+            <a:endParaRPr lang="zh-TW" altLang="en-US" dirty="0"/>
+          </a:p>
+        </p:txBody>
+      </p:sp>
+      <p:cxnSp>
+        <p:nvCxnSpPr>
+          <p:cNvPr id="8" name="直線單箭頭接點 7"/>
+          <p:cNvCxnSpPr>
+            <a:stCxn id="5" idx="3"/>
+            <a:endCxn id="7" idx="1"/>
+          </p:cNvCxnSpPr>
+          <p:nvPr/>
+        </p:nvCxnSpPr>
+        <p:spPr>
+          <a:xfrm>
+            <a:off x="6838430" y="1120754"/>
+            <a:ext cx="463594" cy="0"/>
+          </a:xfrm>
+          <a:prstGeom prst="straightConnector1">
+            <a:avLst/>
+          </a:prstGeom>
+          <a:ln>
+            <a:tailEnd type="triangle"/>
+          </a:ln>
+        </p:spPr>
+        <p:style>
+          <a:lnRef idx="1">
+            <a:schemeClr val="accent1"/>
+          </a:lnRef>
+          <a:fillRef idx="0">
+            <a:schemeClr val="accent1"/>
+          </a:fillRef>
+          <a:effectRef idx="0">
+            <a:schemeClr val="accent1"/>
+          </a:effectRef>
+          <a:fontRef idx="minor">
+            <a:schemeClr val="tx1"/>
+          </a:fontRef>
+        </p:style>
+      </p:cxnSp>
+      <p:sp>
+        <p:nvSpPr>
+          <p:cNvPr id="9" name="矩形 8"/>
+          <p:cNvSpPr/>
+          <p:nvPr/>
+        </p:nvSpPr>
+        <p:spPr>
+          <a:xfrm>
+            <a:off x="9456632" y="550819"/>
+            <a:ext cx="1691014" cy="1139869"/>
+          </a:xfrm>
+          <a:prstGeom prst="rect">
+            <a:avLst/>
+          </a:prstGeom>
+          <a:solidFill>
+            <a:schemeClr val="accent1"/>
+          </a:solidFill>
+        </p:spPr>
+        <p:style>
+          <a:lnRef idx="2">
+            <a:schemeClr val="accent1">
+              <a:shade val="50000"/>
+            </a:schemeClr>
+          </a:lnRef>
+          <a:fillRef idx="1">
+            <a:schemeClr val="accent1"/>
+          </a:fillRef>
+          <a:effectRef idx="0">
+            <a:schemeClr val="accent1"/>
+          </a:effectRef>
+          <a:fontRef idx="minor">
+            <a:schemeClr val="lt1"/>
+          </a:fontRef>
+        </p:style>
+        <p:txBody>
+          <a:bodyPr rtlCol="0" anchor="ctr"/>
+          <a:lstStyle/>
+          <a:p>
+            <a:pPr algn="ctr"/>
+            <a:r>
+              <a:rPr lang="en-US" altLang="zh-TW" dirty="0" smtClean="0"/>
+              <a:t>Hotness Computing</a:t>
+            </a:r>
+            <a:endParaRPr lang="zh-TW" altLang="en-US" dirty="0"/>
+          </a:p>
+        </p:txBody>
+      </p:sp>
+      <p:cxnSp>
+        <p:nvCxnSpPr>
+          <p:cNvPr id="10" name="直線單箭頭接點 9"/>
+          <p:cNvCxnSpPr>
+            <a:stCxn id="7" idx="3"/>
+            <a:endCxn id="9" idx="1"/>
+          </p:cNvCxnSpPr>
+          <p:nvPr/>
+        </p:nvCxnSpPr>
+        <p:spPr>
+          <a:xfrm>
+            <a:off x="8993038" y="1120754"/>
+            <a:ext cx="463594" cy="0"/>
+          </a:xfrm>
+          <a:prstGeom prst="straightConnector1">
+            <a:avLst/>
+          </a:prstGeom>
+          <a:ln>
+            <a:tailEnd type="triangle"/>
+          </a:ln>
+        </p:spPr>
+        <p:style>
+          <a:lnRef idx="1">
+            <a:schemeClr val="accent1"/>
+          </a:lnRef>
+          <a:fillRef idx="0">
+            <a:schemeClr val="accent1"/>
+          </a:fillRef>
+          <a:effectRef idx="0">
+            <a:schemeClr val="accent1"/>
+          </a:effectRef>
+          <a:fontRef idx="minor">
+            <a:schemeClr val="tx1"/>
+          </a:fontRef>
+        </p:style>
+      </p:cxnSp>
+      <p:sp>
+        <p:nvSpPr>
+          <p:cNvPr id="11" name="矩形 10"/>
+          <p:cNvSpPr/>
+          <p:nvPr/>
+        </p:nvSpPr>
+        <p:spPr>
+          <a:xfrm>
+            <a:off x="2992808" y="550819"/>
+            <a:ext cx="1691014" cy="1139869"/>
+          </a:xfrm>
+          <a:prstGeom prst="rect">
+            <a:avLst/>
+          </a:prstGeom>
+          <a:solidFill>
+            <a:schemeClr val="accent1">
+              <a:lumMod val="50000"/>
+            </a:schemeClr>
+          </a:solidFill>
+        </p:spPr>
+        <p:style>
+          <a:lnRef idx="2">
+            <a:schemeClr val="accent1">
+              <a:shade val="50000"/>
+            </a:schemeClr>
+          </a:lnRef>
+          <a:fillRef idx="1">
+            <a:schemeClr val="accent1"/>
+          </a:fillRef>
+          <a:effectRef idx="0">
+            <a:schemeClr val="accent1"/>
+          </a:effectRef>
+          <a:fontRef idx="minor">
+            <a:schemeClr val="lt1"/>
+          </a:fontRef>
+        </p:style>
+        <p:txBody>
+          <a:bodyPr rtlCol="0" anchor="ctr"/>
+          <a:lstStyle/>
+          <a:p>
+            <a:pPr algn="ctr"/>
+            <a:r>
+              <a:rPr lang="en-US" altLang="zh-TW" dirty="0" smtClean="0"/>
+              <a:t>Keyword</a:t>
+            </a:r>
+            <a:br>
+              <a:rPr lang="en-US" altLang="zh-TW" dirty="0" smtClean="0"/>
+            </a:br>
+            <a:r>
+              <a:rPr lang="en-US" altLang="zh-TW" dirty="0" smtClean="0"/>
+              <a:t>Selection</a:t>
+            </a:r>
+          </a:p>
+        </p:txBody>
+      </p:sp>
+      <p:cxnSp>
+        <p:nvCxnSpPr>
+          <p:cNvPr id="12" name="直線單箭頭接點 11"/>
+          <p:cNvCxnSpPr>
+            <a:stCxn id="11" idx="3"/>
+            <a:endCxn id="5" idx="1"/>
+          </p:cNvCxnSpPr>
+          <p:nvPr/>
+        </p:nvCxnSpPr>
+        <p:spPr>
+          <a:xfrm>
+            <a:off x="4683822" y="1120754"/>
+            <a:ext cx="463594" cy="0"/>
+          </a:xfrm>
+          <a:prstGeom prst="straightConnector1">
+            <a:avLst/>
+          </a:prstGeom>
+          <a:ln>
+            <a:tailEnd type="triangle"/>
+          </a:ln>
+        </p:spPr>
+        <p:style>
+          <a:lnRef idx="1">
+            <a:schemeClr val="accent1"/>
+          </a:lnRef>
+          <a:fillRef idx="0">
+            <a:schemeClr val="accent1"/>
+          </a:fillRef>
+          <a:effectRef idx="0">
+            <a:schemeClr val="accent1"/>
+          </a:effectRef>
+          <a:fontRef idx="minor">
+            <a:schemeClr val="tx1"/>
+          </a:fontRef>
+        </p:style>
+      </p:cxnSp>
     </p:spTree>
     <p:extLst>
       <p:ext uri="{BB962C8B-B14F-4D97-AF65-F5344CB8AC3E}">
-        <p14:creationId xmlns:p14="http://schemas.microsoft.com/office/powerpoint/2010/main" val="1492193003"/>
+        <p14:creationId xmlns:p14="http://schemas.microsoft.com/office/powerpoint/2010/main" val="495927893"/>
+      </p:ext>
+    </p:extLst>
+  </p:cSld>
+  <p:clrMapOvr>
+    <a:masterClrMapping/>
+  </p:clrMapOvr>
+  <p:timing>
+    <p:tnLst>
+      <p:par>
+        <p:cTn id="1" dur="indefinite" restart="never" nodeType="tmRoot"/>
+      </p:par>
+    </p:tnLst>
+  </p:timing>
+</p:sld>
+</file>
+
+<file path=ppt/slides/slide19.xml><?xml version="1.0" encoding="utf-8"?>
+<p:sld xmlns:a="http://schemas.openxmlformats.org/drawingml/2006/main" xmlns:r="http://schemas.openxmlformats.org/officeDocument/2006/relationships" xmlns:p="http://schemas.openxmlformats.org/presentationml/2006/main">
+  <p:cSld>
+    <p:spTree>
+      <p:nvGrpSpPr>
+        <p:cNvPr id="1" name=""/>
+        <p:cNvGrpSpPr/>
+        <p:nvPr/>
+      </p:nvGrpSpPr>
+      <p:grpSpPr>
+        <a:xfrm>
+          <a:off x="0" y="0"/>
+          <a:ext cx="0" cy="0"/>
+          <a:chOff x="0" y="0"/>
+          <a:chExt cx="0" cy="0"/>
+        </a:xfrm>
+      </p:grpSpPr>
+      <p:sp>
+        <p:nvSpPr>
+          <p:cNvPr id="4" name="標題 3"/>
+          <p:cNvSpPr>
+            <a:spLocks noGrp="1"/>
+          </p:cNvSpPr>
+          <p:nvPr>
+            <p:ph type="title"/>
+          </p:nvPr>
+        </p:nvSpPr>
+        <p:spPr/>
+        <p:txBody>
+          <a:bodyPr/>
+          <a:lstStyle/>
+          <a:p>
+            <a:r>
+              <a:rPr lang="en-US" altLang="zh-TW" dirty="0" smtClean="0"/>
+              <a:t>Testing Part</a:t>
+            </a:r>
+            <a:endParaRPr lang="zh-TW" altLang="en-US" dirty="0"/>
+          </a:p>
+        </p:txBody>
+      </p:sp>
+      <p:sp>
+        <p:nvSpPr>
+          <p:cNvPr id="5" name="文字版面配置區 4"/>
+          <p:cNvSpPr>
+            <a:spLocks noGrp="1"/>
+          </p:cNvSpPr>
+          <p:nvPr>
+            <p:ph type="body" idx="1"/>
+          </p:nvPr>
+        </p:nvSpPr>
+        <p:spPr/>
+        <p:txBody>
+          <a:bodyPr/>
+          <a:lstStyle/>
+          <a:p>
+            <a:endParaRPr lang="zh-TW" altLang="en-US"/>
+          </a:p>
+        </p:txBody>
+      </p:sp>
+    </p:spTree>
+    <p:extLst>
+      <p:ext uri="{BB962C8B-B14F-4D97-AF65-F5344CB8AC3E}">
+        <p14:creationId xmlns:p14="http://schemas.microsoft.com/office/powerpoint/2010/main" val="2484818380"/>
       </p:ext>
     </p:extLst>
   </p:cSld>
@@ -6562,6 +10447,1603 @@
 </p:sld>
 </file>
 
+<file path=ppt/slides/slide20.xml><?xml version="1.0" encoding="utf-8"?>
+<p:sld xmlns:a="http://schemas.openxmlformats.org/drawingml/2006/main" xmlns:r="http://schemas.openxmlformats.org/officeDocument/2006/relationships" xmlns:p="http://schemas.openxmlformats.org/presentationml/2006/main">
+  <p:cSld>
+    <p:spTree>
+      <p:nvGrpSpPr>
+        <p:cNvPr id="1" name=""/>
+        <p:cNvGrpSpPr/>
+        <p:nvPr/>
+      </p:nvGrpSpPr>
+      <p:grpSpPr>
+        <a:xfrm>
+          <a:off x="0" y="0"/>
+          <a:ext cx="0" cy="0"/>
+          <a:chOff x="0" y="0"/>
+          <a:chExt cx="0" cy="0"/>
+        </a:xfrm>
+      </p:grpSpPr>
+      <p:sp>
+        <p:nvSpPr>
+          <p:cNvPr id="2" name="標題 1"/>
+          <p:cNvSpPr>
+            <a:spLocks noGrp="1"/>
+          </p:cNvSpPr>
+          <p:nvPr>
+            <p:ph type="title"/>
+          </p:nvPr>
+        </p:nvSpPr>
+        <p:spPr/>
+        <p:txBody>
+          <a:bodyPr/>
+          <a:lstStyle/>
+          <a:p>
+            <a:r>
+              <a:rPr lang="en-US" altLang="zh-TW" dirty="0" smtClean="0"/>
+              <a:t>Clustering Validation – Labeled Data</a:t>
+            </a:r>
+            <a:endParaRPr lang="zh-TW" altLang="en-US" dirty="0"/>
+          </a:p>
+        </p:txBody>
+      </p:sp>
+      <p:sp>
+        <p:nvSpPr>
+          <p:cNvPr id="3" name="內容版面配置區 2"/>
+          <p:cNvSpPr>
+            <a:spLocks noGrp="1"/>
+          </p:cNvSpPr>
+          <p:nvPr>
+            <p:ph idx="1"/>
+          </p:nvPr>
+        </p:nvSpPr>
+        <p:spPr/>
+        <p:txBody>
+          <a:bodyPr>
+            <a:normAutofit/>
+          </a:bodyPr>
+          <a:lstStyle/>
+          <a:p>
+            <a:r>
+              <a:rPr lang="zh-TW" altLang="en-US" dirty="0" smtClean="0"/>
+              <a:t>人工選擇一些話題關鍵字</a:t>
+            </a:r>
+            <a:r>
+              <a:rPr lang="zh-TW" altLang="en-US" dirty="0"/>
+              <a:t>及時間</a:t>
+            </a:r>
+            <a:r>
+              <a:rPr lang="zh-TW" altLang="en-US" dirty="0" smtClean="0"/>
+              <a:t>搜尋區間，在該區間標題包含關鍵字的文章標註為該話題。</a:t>
+            </a:r>
+            <a:endParaRPr lang="en-US" altLang="zh-TW" dirty="0" smtClean="0"/>
+          </a:p>
+          <a:p>
+            <a:pPr lvl="1"/>
+            <a:r>
+              <a:rPr lang="en-US" altLang="zh-TW" dirty="0" smtClean="0"/>
+              <a:t>Ex:</a:t>
+            </a:r>
+            <a:r>
+              <a:rPr lang="zh-TW" altLang="en-US" dirty="0" smtClean="0"/>
+              <a:t>時間在</a:t>
+            </a:r>
+            <a:r>
+              <a:rPr lang="en-US" altLang="zh-TW" dirty="0" smtClean="0"/>
+              <a:t>2016</a:t>
+            </a:r>
+            <a:r>
+              <a:rPr lang="zh-TW" altLang="en-US" dirty="0" smtClean="0"/>
+              <a:t>年</a:t>
+            </a:r>
+            <a:r>
+              <a:rPr lang="en-US" altLang="zh-TW" dirty="0" smtClean="0"/>
+              <a:t>5</a:t>
+            </a:r>
+            <a:r>
+              <a:rPr lang="zh-TW" altLang="en-US" dirty="0" smtClean="0"/>
+              <a:t>月</a:t>
+            </a:r>
+            <a:r>
+              <a:rPr lang="en-US" altLang="zh-TW" dirty="0" smtClean="0"/>
+              <a:t>20</a:t>
+            </a:r>
+            <a:r>
+              <a:rPr lang="zh-TW" altLang="en-US" dirty="0" smtClean="0"/>
+              <a:t>日至</a:t>
+            </a:r>
+            <a:r>
+              <a:rPr lang="en-US" altLang="zh-TW" dirty="0" smtClean="0"/>
+              <a:t>22</a:t>
+            </a:r>
+            <a:r>
+              <a:rPr lang="zh-TW" altLang="en-US" dirty="0" smtClean="0"/>
+              <a:t>日，標題包含</a:t>
+            </a:r>
+            <a:r>
+              <a:rPr lang="en-US" altLang="zh-TW" dirty="0" smtClean="0"/>
+              <a:t>”</a:t>
+            </a:r>
+            <a:r>
+              <a:rPr lang="zh-TW" altLang="en-US" dirty="0" smtClean="0"/>
+              <a:t>安樂死</a:t>
+            </a:r>
+            <a:r>
+              <a:rPr lang="en-US" altLang="zh-TW" dirty="0" smtClean="0"/>
+              <a:t>”</a:t>
+            </a:r>
+            <a:r>
+              <a:rPr lang="zh-TW" altLang="en-US" dirty="0" smtClean="0"/>
+              <a:t>的文章標註為話題</a:t>
+            </a:r>
+            <a:r>
+              <a:rPr lang="en-US" altLang="zh-TW" dirty="0" smtClean="0"/>
+              <a:t>”</a:t>
+            </a:r>
+            <a:r>
+              <a:rPr lang="zh-TW" altLang="en-US" dirty="0" smtClean="0"/>
+              <a:t>美女</a:t>
+            </a:r>
+            <a:r>
+              <a:rPr lang="zh-TW" altLang="en-US" dirty="0"/>
+              <a:t>動保</a:t>
+            </a:r>
+            <a:r>
+              <a:rPr lang="zh-TW" altLang="en-US" dirty="0" smtClean="0"/>
+              <a:t>園長死諫</a:t>
+            </a:r>
+            <a:r>
+              <a:rPr lang="en-US" altLang="zh-TW" dirty="0" smtClean="0"/>
+              <a:t>”</a:t>
+            </a:r>
+          </a:p>
+          <a:p>
+            <a:pPr lvl="1"/>
+            <a:endParaRPr lang="en-US" altLang="zh-TW" dirty="0" smtClean="0"/>
+          </a:p>
+          <a:p>
+            <a:r>
+              <a:rPr lang="zh-TW" altLang="en-US" dirty="0" smtClean="0"/>
+              <a:t>共標註</a:t>
+            </a:r>
+            <a:r>
+              <a:rPr lang="en-US" altLang="zh-TW" dirty="0" smtClean="0"/>
+              <a:t>38</a:t>
+            </a:r>
+            <a:r>
+              <a:rPr lang="zh-TW" altLang="en-US" dirty="0" smtClean="0"/>
+              <a:t>個主題，總計</a:t>
+            </a:r>
+            <a:r>
+              <a:rPr lang="en-US" altLang="zh-TW" dirty="0" smtClean="0"/>
+              <a:t>2706</a:t>
+            </a:r>
+            <a:r>
+              <a:rPr lang="zh-TW" altLang="en-US" dirty="0" smtClean="0"/>
+              <a:t>篇文章</a:t>
+            </a:r>
+            <a:endParaRPr lang="en-US" altLang="zh-TW" dirty="0" smtClean="0"/>
+          </a:p>
+          <a:p>
+            <a:r>
+              <a:rPr lang="zh-TW" altLang="en-US" dirty="0" smtClean="0"/>
+              <a:t>每個主題文章量不超過</a:t>
+            </a:r>
+            <a:r>
+              <a:rPr lang="en-US" altLang="zh-TW" dirty="0" smtClean="0"/>
+              <a:t>200</a:t>
+            </a:r>
+            <a:r>
+              <a:rPr lang="zh-TW" altLang="en-US" dirty="0" smtClean="0"/>
+              <a:t>，不少於</a:t>
+            </a:r>
+            <a:r>
+              <a:rPr lang="en-US" altLang="zh-TW" dirty="0" smtClean="0"/>
+              <a:t>25</a:t>
+            </a:r>
+          </a:p>
+        </p:txBody>
+      </p:sp>
+    </p:spTree>
+    <p:extLst>
+      <p:ext uri="{BB962C8B-B14F-4D97-AF65-F5344CB8AC3E}">
+        <p14:creationId xmlns:p14="http://schemas.microsoft.com/office/powerpoint/2010/main" val="1341763172"/>
+      </p:ext>
+    </p:extLst>
+  </p:cSld>
+  <p:clrMapOvr>
+    <a:masterClrMapping/>
+  </p:clrMapOvr>
+</p:sld>
+</file>
+
+<file path=ppt/slides/slide21.xml><?xml version="1.0" encoding="utf-8"?>
+<p:sld xmlns:a="http://schemas.openxmlformats.org/drawingml/2006/main" xmlns:r="http://schemas.openxmlformats.org/officeDocument/2006/relationships" xmlns:p="http://schemas.openxmlformats.org/presentationml/2006/main">
+  <p:cSld>
+    <p:spTree>
+      <p:nvGrpSpPr>
+        <p:cNvPr id="1" name=""/>
+        <p:cNvGrpSpPr/>
+        <p:nvPr/>
+      </p:nvGrpSpPr>
+      <p:grpSpPr>
+        <a:xfrm>
+          <a:off x="0" y="0"/>
+          <a:ext cx="0" cy="0"/>
+          <a:chOff x="0" y="0"/>
+          <a:chExt cx="0" cy="0"/>
+        </a:xfrm>
+      </p:grpSpPr>
+      <p:sp>
+        <p:nvSpPr>
+          <p:cNvPr id="2" name="標題 1"/>
+          <p:cNvSpPr>
+            <a:spLocks noGrp="1"/>
+          </p:cNvSpPr>
+          <p:nvPr>
+            <p:ph type="title"/>
+          </p:nvPr>
+        </p:nvSpPr>
+        <p:spPr/>
+        <p:txBody>
+          <a:bodyPr/>
+          <a:lstStyle/>
+          <a:p>
+            <a:r>
+              <a:rPr lang="en-US" altLang="zh-TW" dirty="0" smtClean="0"/>
+              <a:t>Labeled Topic Keywords List</a:t>
+            </a:r>
+            <a:endParaRPr lang="zh-TW" altLang="en-US" dirty="0"/>
+          </a:p>
+        </p:txBody>
+      </p:sp>
+      <p:sp>
+        <p:nvSpPr>
+          <p:cNvPr id="3" name="內容版面配置區 2"/>
+          <p:cNvSpPr>
+            <a:spLocks noGrp="1"/>
+          </p:cNvSpPr>
+          <p:nvPr>
+            <p:ph idx="1"/>
+          </p:nvPr>
+        </p:nvSpPr>
+        <p:spPr/>
+        <p:txBody>
+          <a:bodyPr/>
+          <a:lstStyle/>
+          <a:p>
+            <a:r>
+              <a:rPr lang="zh-TW" altLang="en-US" dirty="0"/>
+              <a:t>軍冤</a:t>
+            </a:r>
+            <a:r>
+              <a:rPr lang="en-US" altLang="zh-TW" dirty="0"/>
+              <a:t>, </a:t>
+            </a:r>
+            <a:r>
+              <a:rPr lang="zh-TW" altLang="en-US" dirty="0"/>
+              <a:t>雞排</a:t>
+            </a:r>
+            <a:r>
+              <a:rPr lang="en-US" altLang="zh-TW" dirty="0"/>
+              <a:t>, </a:t>
+            </a:r>
+            <a:r>
+              <a:rPr lang="zh-TW" altLang="en-US" dirty="0"/>
+              <a:t>超商</a:t>
+            </a:r>
+            <a:r>
+              <a:rPr lang="en-US" altLang="zh-TW" dirty="0"/>
+              <a:t>, </a:t>
+            </a:r>
+            <a:r>
+              <a:rPr lang="zh-TW" altLang="en-US" dirty="0"/>
+              <a:t>薪水</a:t>
+            </a:r>
+            <a:r>
+              <a:rPr lang="en-US" altLang="zh-TW" dirty="0"/>
+              <a:t>, </a:t>
+            </a:r>
+            <a:r>
+              <a:rPr lang="zh-TW" altLang="en-US" dirty="0"/>
+              <a:t>鄭捷</a:t>
+            </a:r>
+            <a:r>
+              <a:rPr lang="en-US" altLang="zh-TW" dirty="0"/>
+              <a:t>, </a:t>
+            </a:r>
+            <a:r>
+              <a:rPr lang="zh-TW" altLang="en-US" dirty="0"/>
+              <a:t>警報</a:t>
+            </a:r>
+            <a:r>
+              <a:rPr lang="en-US" altLang="zh-TW" dirty="0"/>
+              <a:t>, </a:t>
+            </a:r>
+            <a:r>
+              <a:rPr lang="zh-TW" altLang="en-US" dirty="0"/>
+              <a:t>年紀</a:t>
+            </a:r>
+            <a:r>
+              <a:rPr lang="en-US" altLang="zh-TW" dirty="0"/>
+              <a:t>, </a:t>
+            </a:r>
+            <a:r>
+              <a:rPr lang="zh-TW" altLang="en-US" dirty="0"/>
+              <a:t>主播</a:t>
+            </a:r>
+            <a:r>
+              <a:rPr lang="en-US" altLang="zh-TW" dirty="0"/>
+              <a:t>, </a:t>
+            </a:r>
+            <a:r>
+              <a:rPr lang="zh-TW" altLang="en-US" dirty="0"/>
+              <a:t>塵爆</a:t>
+            </a:r>
+            <a:r>
+              <a:rPr lang="en-US" altLang="zh-TW" dirty="0"/>
+              <a:t>, </a:t>
+            </a:r>
+            <a:r>
+              <a:rPr lang="zh-TW" altLang="en-US" dirty="0"/>
+              <a:t>滅頂</a:t>
+            </a:r>
+            <a:r>
+              <a:rPr lang="en-US" altLang="zh-TW" dirty="0"/>
+              <a:t>, </a:t>
+            </a:r>
+            <a:r>
+              <a:rPr lang="zh-TW" altLang="en-US" dirty="0"/>
+              <a:t>肯亞</a:t>
+            </a:r>
+            <a:r>
+              <a:rPr lang="en-US" altLang="zh-TW" dirty="0"/>
+              <a:t>, </a:t>
+            </a:r>
+            <a:r>
+              <a:rPr lang="en-US" altLang="zh-TW" dirty="0" smtClean="0"/>
+              <a:t>ISIS,    </a:t>
+            </a:r>
+            <a:r>
+              <a:rPr lang="zh-TW" altLang="en-US" dirty="0" smtClean="0"/>
+              <a:t>伊</a:t>
+            </a:r>
+            <a:r>
+              <a:rPr lang="zh-TW" altLang="en-US" dirty="0"/>
+              <a:t>湄</a:t>
+            </a:r>
+            <a:r>
+              <a:rPr lang="en-US" altLang="zh-TW" dirty="0"/>
+              <a:t>, </a:t>
+            </a:r>
+            <a:r>
+              <a:rPr lang="zh-TW" altLang="en-US" dirty="0" smtClean="0"/>
+              <a:t>川普</a:t>
+            </a:r>
+            <a:r>
+              <a:rPr lang="en-US" altLang="zh-TW" dirty="0" smtClean="0"/>
+              <a:t>, </a:t>
+            </a:r>
+          </a:p>
+          <a:p>
+            <a:r>
+              <a:rPr lang="zh-TW" altLang="en-US" dirty="0" smtClean="0"/>
+              <a:t>炎</a:t>
+            </a:r>
+            <a:r>
+              <a:rPr lang="zh-TW" altLang="en-US" dirty="0"/>
+              <a:t>亞綸</a:t>
+            </a:r>
+            <a:r>
+              <a:rPr lang="en-US" altLang="zh-TW" dirty="0"/>
+              <a:t>, </a:t>
+            </a:r>
+            <a:r>
+              <a:rPr lang="zh-TW" altLang="en-US" dirty="0"/>
+              <a:t>福祿猴</a:t>
+            </a:r>
+            <a:r>
+              <a:rPr lang="en-US" altLang="zh-TW" dirty="0"/>
+              <a:t>, </a:t>
+            </a:r>
+            <a:r>
+              <a:rPr lang="zh-TW" altLang="en-US" dirty="0"/>
+              <a:t>八年級</a:t>
+            </a:r>
+            <a:r>
+              <a:rPr lang="en-US" altLang="zh-TW" dirty="0"/>
+              <a:t>, </a:t>
+            </a:r>
+            <a:r>
+              <a:rPr lang="zh-TW" altLang="en-US" dirty="0"/>
+              <a:t>應曉薇</a:t>
+            </a:r>
+            <a:r>
+              <a:rPr lang="en-US" altLang="zh-TW" dirty="0"/>
+              <a:t>, </a:t>
+            </a:r>
+            <a:r>
+              <a:rPr lang="zh-TW" altLang="en-US" dirty="0"/>
+              <a:t>謝金燕</a:t>
+            </a:r>
+            <a:r>
+              <a:rPr lang="en-US" altLang="zh-TW" dirty="0"/>
+              <a:t>, </a:t>
+            </a:r>
+            <a:r>
+              <a:rPr lang="zh-TW" altLang="en-US" dirty="0" smtClean="0"/>
+              <a:t>安樂死</a:t>
+            </a:r>
+            <a:r>
+              <a:rPr lang="en-US" altLang="zh-TW" dirty="0"/>
+              <a:t>, </a:t>
+            </a:r>
+            <a:r>
+              <a:rPr lang="zh-TW" altLang="en-US" dirty="0"/>
+              <a:t>巴拿馬</a:t>
+            </a:r>
+            <a:r>
+              <a:rPr lang="en-US" altLang="zh-TW" dirty="0"/>
+              <a:t>, </a:t>
+            </a:r>
+            <a:r>
+              <a:rPr lang="zh-TW" altLang="en-US" dirty="0"/>
+              <a:t>邊緣人</a:t>
+            </a:r>
+            <a:r>
+              <a:rPr lang="en-US" altLang="zh-TW" dirty="0"/>
+              <a:t>, </a:t>
+            </a:r>
+            <a:r>
+              <a:rPr lang="zh-TW" altLang="en-US" dirty="0"/>
+              <a:t>阿帕契</a:t>
+            </a:r>
+            <a:r>
+              <a:rPr lang="en-US" altLang="zh-TW" dirty="0"/>
+              <a:t>, </a:t>
+            </a:r>
+            <a:r>
+              <a:rPr lang="zh-TW" altLang="en-US" dirty="0"/>
+              <a:t>反服貿</a:t>
+            </a:r>
+            <a:r>
+              <a:rPr lang="en-US" altLang="zh-TW" dirty="0"/>
+              <a:t>, </a:t>
+            </a:r>
+            <a:r>
+              <a:rPr lang="zh-TW" altLang="en-US" dirty="0"/>
+              <a:t>國慶爺</a:t>
+            </a:r>
+            <a:r>
+              <a:rPr lang="en-US" altLang="zh-TW" dirty="0"/>
+              <a:t>, </a:t>
+            </a:r>
+            <a:r>
+              <a:rPr lang="zh-TW" altLang="en-US" dirty="0"/>
+              <a:t>大巨蛋</a:t>
+            </a:r>
+            <a:r>
+              <a:rPr lang="en-US" altLang="zh-TW" dirty="0"/>
+              <a:t>, </a:t>
+            </a:r>
+            <a:r>
+              <a:rPr lang="zh-TW" altLang="en-US" dirty="0"/>
+              <a:t>三姐弟</a:t>
+            </a:r>
+            <a:r>
+              <a:rPr lang="en-US" altLang="zh-TW" dirty="0"/>
+              <a:t>, </a:t>
+            </a:r>
+            <a:r>
+              <a:rPr lang="zh-TW" altLang="en-US" dirty="0"/>
+              <a:t>周子瑜</a:t>
+            </a:r>
+            <a:r>
+              <a:rPr lang="en-US" altLang="zh-TW" dirty="0"/>
+              <a:t>, </a:t>
+            </a:r>
+            <a:r>
+              <a:rPr lang="zh-TW" altLang="en-US" dirty="0"/>
+              <a:t>獵雷艦</a:t>
+            </a:r>
+            <a:r>
+              <a:rPr lang="en-US" altLang="zh-TW" dirty="0"/>
+              <a:t>, </a:t>
+            </a:r>
+            <a:r>
+              <a:rPr lang="zh-TW" altLang="en-US" dirty="0"/>
+              <a:t>李宗瑞</a:t>
+            </a:r>
+            <a:r>
+              <a:rPr lang="en-US" altLang="zh-TW" dirty="0"/>
+              <a:t>, 48</a:t>
+            </a:r>
+            <a:r>
+              <a:rPr lang="zh-TW" altLang="en-US" dirty="0"/>
+              <a:t>級</a:t>
+            </a:r>
+            <a:r>
+              <a:rPr lang="zh-TW" altLang="en-US" dirty="0" smtClean="0"/>
+              <a:t>分</a:t>
+            </a:r>
+            <a:endParaRPr lang="en-US" altLang="zh-TW" dirty="0" smtClean="0"/>
+          </a:p>
+          <a:p>
+            <a:r>
+              <a:rPr lang="en-US" altLang="zh-TW" dirty="0" err="1" smtClean="0"/>
+              <a:t>AlphaGo</a:t>
+            </a:r>
+            <a:r>
+              <a:rPr lang="en-US" altLang="zh-TW" dirty="0"/>
+              <a:t>, </a:t>
+            </a:r>
+            <a:r>
+              <a:rPr lang="zh-TW" altLang="en-US" dirty="0"/>
+              <a:t>乙武洋匡</a:t>
+            </a:r>
+            <a:r>
+              <a:rPr lang="en-US" altLang="zh-TW" dirty="0"/>
+              <a:t>, </a:t>
+            </a:r>
+            <a:r>
+              <a:rPr lang="zh-TW" altLang="en-US" dirty="0"/>
+              <a:t>違法搜索</a:t>
+            </a:r>
+            <a:r>
+              <a:rPr lang="en-US" altLang="zh-TW" dirty="0"/>
+              <a:t>, </a:t>
+            </a:r>
+            <a:r>
+              <a:rPr lang="zh-TW" altLang="en-US" dirty="0"/>
+              <a:t>一日雙塔</a:t>
+            </a:r>
+            <a:r>
+              <a:rPr lang="en-US" altLang="zh-TW" dirty="0"/>
+              <a:t>, </a:t>
+            </a:r>
+            <a:r>
+              <a:rPr lang="zh-TW" altLang="en-US" dirty="0"/>
+              <a:t>護照*貼紙</a:t>
+            </a:r>
+            <a:r>
+              <a:rPr lang="en-US" altLang="zh-TW" dirty="0"/>
+              <a:t>, </a:t>
+            </a:r>
+            <a:r>
+              <a:rPr lang="zh-TW" altLang="en-US" dirty="0"/>
+              <a:t>波多野結衣</a:t>
+            </a:r>
+            <a:r>
+              <a:rPr lang="en-US" altLang="zh-TW" dirty="0"/>
+              <a:t>, </a:t>
+            </a:r>
+            <a:endParaRPr lang="zh-TW" altLang="en-US" dirty="0"/>
+          </a:p>
+        </p:txBody>
+      </p:sp>
+    </p:spTree>
+    <p:extLst>
+      <p:ext uri="{BB962C8B-B14F-4D97-AF65-F5344CB8AC3E}">
+        <p14:creationId xmlns:p14="http://schemas.microsoft.com/office/powerpoint/2010/main" val="2961433561"/>
+      </p:ext>
+    </p:extLst>
+  </p:cSld>
+  <p:clrMapOvr>
+    <a:masterClrMapping/>
+  </p:clrMapOvr>
+</p:sld>
+</file>
+
+<file path=ppt/slides/slide22.xml><?xml version="1.0" encoding="utf-8"?>
+<p:sld xmlns:a="http://schemas.openxmlformats.org/drawingml/2006/main" xmlns:r="http://schemas.openxmlformats.org/officeDocument/2006/relationships" xmlns:p="http://schemas.openxmlformats.org/presentationml/2006/main">
+  <p:cSld>
+    <p:spTree>
+      <p:nvGrpSpPr>
+        <p:cNvPr id="1" name=""/>
+        <p:cNvGrpSpPr/>
+        <p:nvPr/>
+      </p:nvGrpSpPr>
+      <p:grpSpPr>
+        <a:xfrm>
+          <a:off x="0" y="0"/>
+          <a:ext cx="0" cy="0"/>
+          <a:chOff x="0" y="0"/>
+          <a:chExt cx="0" cy="0"/>
+        </a:xfrm>
+      </p:grpSpPr>
+      <p:sp>
+        <p:nvSpPr>
+          <p:cNvPr id="2" name="標題 1"/>
+          <p:cNvSpPr>
+            <a:spLocks noGrp="1"/>
+          </p:cNvSpPr>
+          <p:nvPr>
+            <p:ph type="title"/>
+          </p:nvPr>
+        </p:nvSpPr>
+        <p:spPr/>
+        <p:txBody>
+          <a:bodyPr/>
+          <a:lstStyle/>
+          <a:p>
+            <a:r>
+              <a:rPr lang="en-US" altLang="zh-TW" dirty="0" smtClean="0"/>
+              <a:t>Clustering Validation – using Internal </a:t>
+            </a:r>
+            <a:r>
+              <a:rPr lang="en-US" altLang="zh-TW" b="1" dirty="0" smtClean="0"/>
+              <a:t>Index</a:t>
+            </a:r>
+            <a:endParaRPr lang="zh-TW" altLang="en-US" dirty="0"/>
+          </a:p>
+        </p:txBody>
+      </p:sp>
+      <p:sp>
+        <p:nvSpPr>
+          <p:cNvPr id="3" name="內容版面配置區 2"/>
+          <p:cNvSpPr>
+            <a:spLocks noGrp="1"/>
+          </p:cNvSpPr>
+          <p:nvPr>
+            <p:ph idx="1"/>
+          </p:nvPr>
+        </p:nvSpPr>
+        <p:spPr/>
+        <p:txBody>
+          <a:bodyPr>
+            <a:normAutofit lnSpcReduction="10000"/>
+          </a:bodyPr>
+          <a:lstStyle/>
+          <a:p>
+            <a:r>
+              <a:rPr lang="en-US" altLang="zh-TW" dirty="0"/>
+              <a:t>Adjusted Rand </a:t>
+            </a:r>
+            <a:r>
+              <a:rPr lang="en-US" altLang="zh-TW" dirty="0" smtClean="0"/>
+              <a:t>index</a:t>
+            </a:r>
+          </a:p>
+          <a:p>
+            <a:pPr marL="457200" lvl="1" indent="0">
+              <a:buNone/>
+            </a:pPr>
+            <a:r>
+              <a:rPr lang="en-US" altLang="zh-TW" dirty="0"/>
+              <a:t>measures the similarity of the two assignments, ignoring permutations and with chance normalization</a:t>
+            </a:r>
+          </a:p>
+          <a:p>
+            <a:r>
+              <a:rPr lang="en-US" altLang="zh-TW" dirty="0"/>
+              <a:t>Adjusted Mutual Information(AMI</a:t>
+            </a:r>
+            <a:r>
+              <a:rPr lang="en-US" altLang="zh-TW" dirty="0" smtClean="0"/>
+              <a:t>)</a:t>
+            </a:r>
+          </a:p>
+          <a:p>
+            <a:pPr marL="457200" lvl="1" indent="0">
+              <a:buNone/>
+            </a:pPr>
+            <a:r>
+              <a:rPr lang="en-US" altLang="zh-TW" dirty="0"/>
+              <a:t>measures the agreement of the two assignments, ignoring </a:t>
+            </a:r>
+            <a:r>
+              <a:rPr lang="en-US" altLang="zh-TW" dirty="0" smtClean="0"/>
+              <a:t>permutations, and is with chance normalization</a:t>
+            </a:r>
+          </a:p>
+          <a:p>
+            <a:r>
+              <a:rPr lang="en-US" altLang="zh-TW" dirty="0"/>
+              <a:t>Homogeneity, completeness and </a:t>
+            </a:r>
+            <a:r>
+              <a:rPr lang="en-US" altLang="zh-TW" dirty="0" smtClean="0"/>
+              <a:t>V-measure</a:t>
+            </a:r>
+          </a:p>
+          <a:p>
+            <a:pPr lvl="1"/>
+            <a:r>
+              <a:rPr lang="en-US" altLang="zh-TW" dirty="0"/>
+              <a:t>homogeneity: each cluster contains only members of a single class.</a:t>
+            </a:r>
+          </a:p>
+          <a:p>
+            <a:pPr lvl="1"/>
+            <a:r>
+              <a:rPr lang="en-US" altLang="zh-TW" dirty="0"/>
+              <a:t>completeness: all members of a given class are assigned to the same cluster.</a:t>
+            </a:r>
+          </a:p>
+          <a:p>
+            <a:pPr lvl="1"/>
+            <a:r>
+              <a:rPr lang="en-US" altLang="zh-TW" dirty="0" smtClean="0"/>
+              <a:t>V-measure: evaluate </a:t>
+            </a:r>
+            <a:r>
+              <a:rPr lang="en-US" altLang="zh-TW" dirty="0"/>
+              <a:t>the agreement of two independent assignments on the same dataset.</a:t>
+            </a:r>
+          </a:p>
+          <a:p>
+            <a:endParaRPr lang="en-US" altLang="zh-TW" dirty="0" smtClean="0"/>
+          </a:p>
+        </p:txBody>
+      </p:sp>
+    </p:spTree>
+    <p:extLst>
+      <p:ext uri="{BB962C8B-B14F-4D97-AF65-F5344CB8AC3E}">
+        <p14:creationId xmlns:p14="http://schemas.microsoft.com/office/powerpoint/2010/main" val="2444501049"/>
+      </p:ext>
+    </p:extLst>
+  </p:cSld>
+  <p:clrMapOvr>
+    <a:masterClrMapping/>
+  </p:clrMapOvr>
+</p:sld>
+</file>
+
+<file path=ppt/slides/slide23.xml><?xml version="1.0" encoding="utf-8"?>
+<p:sld xmlns:a="http://schemas.openxmlformats.org/drawingml/2006/main" xmlns:r="http://schemas.openxmlformats.org/officeDocument/2006/relationships" xmlns:p="http://schemas.openxmlformats.org/presentationml/2006/main">
+  <p:cSld>
+    <p:spTree>
+      <p:nvGrpSpPr>
+        <p:cNvPr id="1" name=""/>
+        <p:cNvGrpSpPr/>
+        <p:nvPr/>
+      </p:nvGrpSpPr>
+      <p:grpSpPr>
+        <a:xfrm>
+          <a:off x="0" y="0"/>
+          <a:ext cx="0" cy="0"/>
+          <a:chOff x="0" y="0"/>
+          <a:chExt cx="0" cy="0"/>
+        </a:xfrm>
+      </p:grpSpPr>
+      <p:sp>
+        <p:nvSpPr>
+          <p:cNvPr id="2" name="標題 1"/>
+          <p:cNvSpPr>
+            <a:spLocks noGrp="1"/>
+          </p:cNvSpPr>
+          <p:nvPr>
+            <p:ph type="title"/>
+          </p:nvPr>
+        </p:nvSpPr>
+        <p:spPr/>
+        <p:txBody>
+          <a:bodyPr/>
+          <a:lstStyle/>
+          <a:p>
+            <a:r>
+              <a:rPr lang="en-US" altLang="zh-TW" dirty="0" smtClean="0"/>
+              <a:t>Method </a:t>
+            </a:r>
+            <a:r>
+              <a:rPr lang="en-US" altLang="zh-TW" dirty="0"/>
+              <a:t>1 threshold </a:t>
+            </a:r>
+            <a:r>
+              <a:rPr lang="en-US" altLang="zh-TW" dirty="0" smtClean="0"/>
+              <a:t>Experiment</a:t>
+            </a:r>
+            <a:endParaRPr lang="zh-TW" altLang="en-US" dirty="0"/>
+          </a:p>
+        </p:txBody>
+      </p:sp>
+      <p:sp>
+        <p:nvSpPr>
+          <p:cNvPr id="3" name="內容版面配置區 2"/>
+          <p:cNvSpPr>
+            <a:spLocks noGrp="1"/>
+          </p:cNvSpPr>
+          <p:nvPr>
+            <p:ph idx="1"/>
+          </p:nvPr>
+        </p:nvSpPr>
+        <p:spPr/>
+        <p:txBody>
+          <a:bodyPr/>
+          <a:lstStyle/>
+          <a:p>
+            <a:r>
+              <a:rPr lang="zh-TW" altLang="en-US" dirty="0"/>
+              <a:t>分群</a:t>
+            </a:r>
+            <a:r>
+              <a:rPr lang="en-US" altLang="zh-TW" dirty="0"/>
+              <a:t>threshold</a:t>
+            </a:r>
+            <a:r>
+              <a:rPr lang="zh-TW" altLang="en-US" dirty="0"/>
+              <a:t>參數</a:t>
+            </a:r>
+            <a:r>
+              <a:rPr lang="zh-TW" altLang="en-US" dirty="0" smtClean="0"/>
+              <a:t>為操作變因，從每一種標記完的話題裡面，隨機挑選文章作為測試資料</a:t>
+            </a:r>
+            <a:r>
+              <a:rPr lang="en-US" altLang="zh-TW" dirty="0" smtClean="0"/>
+              <a:t>(</a:t>
+            </a:r>
+            <a:r>
+              <a:rPr lang="zh-TW" altLang="en-US" dirty="0" smtClean="0"/>
+              <a:t>每一種話題至少會有一篇文章</a:t>
+            </a:r>
+            <a:r>
+              <a:rPr lang="en-US" altLang="zh-TW" dirty="0" smtClean="0"/>
+              <a:t>)</a:t>
+            </a:r>
+            <a:r>
+              <a:rPr lang="zh-TW" altLang="en-US" dirty="0" smtClean="0"/>
+              <a:t>，以該測試資料下去分群。</a:t>
+            </a:r>
+            <a:endParaRPr lang="en-US" altLang="zh-TW" dirty="0" smtClean="0"/>
+          </a:p>
+          <a:p>
+            <a:r>
+              <a:rPr lang="zh-TW" altLang="en-US" dirty="0" smtClean="0"/>
+              <a:t>重複</a:t>
+            </a:r>
+            <a:r>
+              <a:rPr lang="en-US" altLang="zh-TW" dirty="0" smtClean="0"/>
+              <a:t>1000</a:t>
+            </a:r>
+            <a:r>
+              <a:rPr lang="zh-TW" altLang="en-US" dirty="0" smtClean="0"/>
+              <a:t>次實驗觀察各項指標之平均</a:t>
+            </a:r>
+            <a:r>
+              <a:rPr lang="en-US" altLang="zh-TW" dirty="0" smtClean="0"/>
+              <a:t>, </a:t>
+            </a:r>
+            <a:r>
+              <a:rPr lang="zh-TW" altLang="en-US" dirty="0"/>
+              <a:t>極</a:t>
+            </a:r>
+            <a:r>
+              <a:rPr lang="zh-TW" altLang="en-US" dirty="0" smtClean="0"/>
+              <a:t>值及標準差</a:t>
+            </a:r>
+            <a:endParaRPr lang="en-US" altLang="zh-TW" dirty="0" smtClean="0"/>
+          </a:p>
+        </p:txBody>
+      </p:sp>
+    </p:spTree>
+    <p:extLst>
+      <p:ext uri="{BB962C8B-B14F-4D97-AF65-F5344CB8AC3E}">
+        <p14:creationId xmlns:p14="http://schemas.microsoft.com/office/powerpoint/2010/main" val="1638350898"/>
+      </p:ext>
+    </p:extLst>
+  </p:cSld>
+  <p:clrMapOvr>
+    <a:masterClrMapping/>
+  </p:clrMapOvr>
+</p:sld>
+</file>
+
+<file path=ppt/slides/slide24.xml><?xml version="1.0" encoding="utf-8"?>
+<p:sld xmlns:a="http://schemas.openxmlformats.org/drawingml/2006/main" xmlns:r="http://schemas.openxmlformats.org/officeDocument/2006/relationships" xmlns:p="http://schemas.openxmlformats.org/presentationml/2006/main">
+  <p:cSld>
+    <p:spTree>
+      <p:nvGrpSpPr>
+        <p:cNvPr id="1" name=""/>
+        <p:cNvGrpSpPr/>
+        <p:nvPr/>
+      </p:nvGrpSpPr>
+      <p:grpSpPr>
+        <a:xfrm>
+          <a:off x="0" y="0"/>
+          <a:ext cx="0" cy="0"/>
+          <a:chOff x="0" y="0"/>
+          <a:chExt cx="0" cy="0"/>
+        </a:xfrm>
+      </p:grpSpPr>
+      <p:sp>
+        <p:nvSpPr>
+          <p:cNvPr id="2" name="標題 1"/>
+          <p:cNvSpPr>
+            <a:spLocks noGrp="1"/>
+          </p:cNvSpPr>
+          <p:nvPr>
+            <p:ph type="title"/>
+          </p:nvPr>
+        </p:nvSpPr>
+        <p:spPr/>
+        <p:txBody>
+          <a:bodyPr/>
+          <a:lstStyle/>
+          <a:p>
+            <a:r>
+              <a:rPr lang="en-US" altLang="zh-TW" dirty="0" smtClean="0"/>
+              <a:t>Method </a:t>
+            </a:r>
+            <a:r>
+              <a:rPr lang="en-US" altLang="zh-TW" dirty="0"/>
+              <a:t>1 threshold </a:t>
+            </a:r>
+            <a:r>
+              <a:rPr lang="en-US" altLang="zh-TW" dirty="0" smtClean="0"/>
+              <a:t>Experiment</a:t>
+            </a:r>
+            <a:endParaRPr lang="zh-TW" altLang="en-US" dirty="0"/>
+          </a:p>
+        </p:txBody>
+      </p:sp>
+      <p:graphicFrame>
+        <p:nvGraphicFramePr>
+          <p:cNvPr id="10" name="內容版面配置區 9"/>
+          <p:cNvGraphicFramePr>
+            <a:graphicFrameLocks noGrp="1"/>
+          </p:cNvGraphicFramePr>
+          <p:nvPr>
+            <p:ph idx="1"/>
+            <p:extLst>
+              <p:ext uri="{D42A27DB-BD31-4B8C-83A1-F6EECF244321}">
+                <p14:modId xmlns:p14="http://schemas.microsoft.com/office/powerpoint/2010/main" val="1680202609"/>
+              </p:ext>
+            </p:extLst>
+          </p:nvPr>
+        </p:nvGraphicFramePr>
+        <p:xfrm>
+          <a:off x="838200" y="1825625"/>
+          <a:ext cx="10515600" cy="4351338"/>
+        </p:xfrm>
+        <a:graphic>
+          <a:graphicData uri="http://schemas.openxmlformats.org/drawingml/2006/chart">
+            <c:chart xmlns:c="http://schemas.openxmlformats.org/drawingml/2006/chart" xmlns:r="http://schemas.openxmlformats.org/officeDocument/2006/relationships" r:id="rId3"/>
+          </a:graphicData>
+        </a:graphic>
+      </p:graphicFrame>
+    </p:spTree>
+    <p:extLst>
+      <p:ext uri="{BB962C8B-B14F-4D97-AF65-F5344CB8AC3E}">
+        <p14:creationId xmlns:p14="http://schemas.microsoft.com/office/powerpoint/2010/main" val="4147123634"/>
+      </p:ext>
+    </p:extLst>
+  </p:cSld>
+  <p:clrMapOvr>
+    <a:masterClrMapping/>
+  </p:clrMapOvr>
+</p:sld>
+</file>
+
+<file path=ppt/slides/slide25.xml><?xml version="1.0" encoding="utf-8"?>
+<p:sld xmlns:a="http://schemas.openxmlformats.org/drawingml/2006/main" xmlns:r="http://schemas.openxmlformats.org/officeDocument/2006/relationships" xmlns:p="http://schemas.openxmlformats.org/presentationml/2006/main">
+  <p:cSld>
+    <p:spTree>
+      <p:nvGrpSpPr>
+        <p:cNvPr id="1" name=""/>
+        <p:cNvGrpSpPr/>
+        <p:nvPr/>
+      </p:nvGrpSpPr>
+      <p:grpSpPr>
+        <a:xfrm>
+          <a:off x="0" y="0"/>
+          <a:ext cx="0" cy="0"/>
+          <a:chOff x="0" y="0"/>
+          <a:chExt cx="0" cy="0"/>
+        </a:xfrm>
+      </p:grpSpPr>
+      <p:sp>
+        <p:nvSpPr>
+          <p:cNvPr id="2" name="標題 1"/>
+          <p:cNvSpPr>
+            <a:spLocks noGrp="1"/>
+          </p:cNvSpPr>
+          <p:nvPr>
+            <p:ph type="title"/>
+          </p:nvPr>
+        </p:nvSpPr>
+        <p:spPr/>
+        <p:txBody>
+          <a:bodyPr/>
+          <a:lstStyle/>
+          <a:p>
+            <a:r>
+              <a:rPr lang="en-US" altLang="zh-TW" dirty="0" smtClean="0"/>
+              <a:t>Method 2 Experiment</a:t>
+            </a:r>
+            <a:r>
+              <a:rPr lang="zh-TW" altLang="en-US" dirty="0" smtClean="0"/>
+              <a:t> </a:t>
+            </a:r>
+            <a:r>
+              <a:rPr lang="en-US" altLang="zh-TW" dirty="0" smtClean="0"/>
+              <a:t>-</a:t>
+            </a:r>
+            <a:r>
+              <a:rPr lang="zh-TW" altLang="en-US" dirty="0" smtClean="0"/>
+              <a:t> </a:t>
+            </a:r>
+            <a:r>
+              <a:rPr lang="en-US" altLang="zh-TW" dirty="0" smtClean="0"/>
+              <a:t>threshold</a:t>
+            </a:r>
+            <a:endParaRPr lang="zh-TW" altLang="en-US" dirty="0"/>
+          </a:p>
+        </p:txBody>
+      </p:sp>
+      <p:sp>
+        <p:nvSpPr>
+          <p:cNvPr id="3" name="內容版面配置區 2"/>
+          <p:cNvSpPr>
+            <a:spLocks noGrp="1"/>
+          </p:cNvSpPr>
+          <p:nvPr>
+            <p:ph idx="1"/>
+          </p:nvPr>
+        </p:nvSpPr>
+        <p:spPr/>
+        <p:txBody>
+          <a:bodyPr/>
+          <a:lstStyle/>
+          <a:p>
+            <a:r>
+              <a:rPr lang="zh-TW" altLang="en-US" dirty="0" smtClean="0"/>
+              <a:t>標題向量與內文關鍵字向量比例 </a:t>
+            </a:r>
+            <a:r>
+              <a:rPr lang="en-US" altLang="zh-TW" dirty="0" smtClean="0"/>
+              <a:t>9:1 , 8:2, 7:3, 6:4, 5:5</a:t>
+            </a:r>
+          </a:p>
+          <a:p>
+            <a:r>
+              <a:rPr lang="zh-TW" altLang="en-US" dirty="0" smtClean="0"/>
+              <a:t>對五種組合作</a:t>
+            </a:r>
+            <a:r>
+              <a:rPr lang="en-US" altLang="zh-TW" dirty="0" smtClean="0"/>
+              <a:t>threshold</a:t>
+            </a:r>
+            <a:r>
+              <a:rPr lang="zh-TW" altLang="en-US" dirty="0" smtClean="0"/>
+              <a:t>實驗，發現無論是哪一種組合</a:t>
+            </a:r>
+            <a:r>
+              <a:rPr lang="en-US" altLang="zh-TW" dirty="0" smtClean="0"/>
+              <a:t>threshold</a:t>
+            </a:r>
+            <a:r>
+              <a:rPr lang="zh-TW" altLang="en-US" dirty="0" smtClean="0"/>
+              <a:t>在</a:t>
+            </a:r>
+            <a:r>
+              <a:rPr lang="en-US" altLang="zh-TW" dirty="0" smtClean="0"/>
+              <a:t>0.6</a:t>
+            </a:r>
+            <a:r>
+              <a:rPr lang="zh-TW" altLang="en-US" dirty="0" smtClean="0"/>
+              <a:t>各項指標較好</a:t>
+            </a:r>
+            <a:endParaRPr lang="en-US" altLang="zh-TW" dirty="0" smtClean="0"/>
+          </a:p>
+          <a:p>
+            <a:r>
+              <a:rPr lang="en-US" altLang="zh-TW" dirty="0" smtClean="0"/>
+              <a:t>(</a:t>
+            </a:r>
+            <a:r>
+              <a:rPr lang="zh-TW" altLang="en-US" dirty="0" smtClean="0"/>
+              <a:t>待補五張圖表</a:t>
+            </a:r>
+            <a:r>
+              <a:rPr lang="en-US" altLang="zh-TW" dirty="0" smtClean="0"/>
+              <a:t>)</a:t>
+            </a:r>
+            <a:endParaRPr lang="en-US" altLang="zh-TW" dirty="0"/>
+          </a:p>
+        </p:txBody>
+      </p:sp>
+    </p:spTree>
+    <p:extLst>
+      <p:ext uri="{BB962C8B-B14F-4D97-AF65-F5344CB8AC3E}">
+        <p14:creationId xmlns:p14="http://schemas.microsoft.com/office/powerpoint/2010/main" val="2255730698"/>
+      </p:ext>
+    </p:extLst>
+  </p:cSld>
+  <p:clrMapOvr>
+    <a:masterClrMapping/>
+  </p:clrMapOvr>
+</p:sld>
+</file>
+
+<file path=ppt/slides/slide26.xml><?xml version="1.0" encoding="utf-8"?>
+<p:sld xmlns:a="http://schemas.openxmlformats.org/drawingml/2006/main" xmlns:r="http://schemas.openxmlformats.org/officeDocument/2006/relationships" xmlns:p="http://schemas.openxmlformats.org/presentationml/2006/main">
+  <p:cSld>
+    <p:spTree>
+      <p:nvGrpSpPr>
+        <p:cNvPr id="1" name=""/>
+        <p:cNvGrpSpPr/>
+        <p:nvPr/>
+      </p:nvGrpSpPr>
+      <p:grpSpPr>
+        <a:xfrm>
+          <a:off x="0" y="0"/>
+          <a:ext cx="0" cy="0"/>
+          <a:chOff x="0" y="0"/>
+          <a:chExt cx="0" cy="0"/>
+        </a:xfrm>
+      </p:grpSpPr>
+      <p:sp>
+        <p:nvSpPr>
+          <p:cNvPr id="2" name="標題 1"/>
+          <p:cNvSpPr>
+            <a:spLocks noGrp="1"/>
+          </p:cNvSpPr>
+          <p:nvPr>
+            <p:ph type="title"/>
+          </p:nvPr>
+        </p:nvSpPr>
+        <p:spPr/>
+        <p:txBody>
+          <a:bodyPr/>
+          <a:lstStyle/>
+          <a:p>
+            <a:r>
+              <a:rPr lang="en-US" altLang="zh-TW" dirty="0" smtClean="0"/>
+              <a:t>Method 2 Experiment</a:t>
+            </a:r>
+            <a:r>
+              <a:rPr lang="zh-TW" altLang="en-US" dirty="0" smtClean="0"/>
+              <a:t> </a:t>
+            </a:r>
+            <a:r>
+              <a:rPr lang="en-US" altLang="zh-TW" dirty="0" smtClean="0"/>
+              <a:t>– title &amp; content ratio</a:t>
+            </a:r>
+            <a:endParaRPr lang="zh-TW" altLang="en-US" dirty="0"/>
+          </a:p>
+        </p:txBody>
+      </p:sp>
+      <p:sp>
+        <p:nvSpPr>
+          <p:cNvPr id="3" name="內容版面配置區 2"/>
+          <p:cNvSpPr>
+            <a:spLocks noGrp="1"/>
+          </p:cNvSpPr>
+          <p:nvPr>
+            <p:ph idx="1"/>
+          </p:nvPr>
+        </p:nvSpPr>
+        <p:spPr/>
+        <p:txBody>
+          <a:bodyPr/>
+          <a:lstStyle/>
+          <a:p>
+            <a:r>
+              <a:rPr lang="zh-TW" altLang="en-US" dirty="0" smtClean="0"/>
+              <a:t>標題向量與內文關鍵字向量比例 </a:t>
+            </a:r>
+            <a:r>
+              <a:rPr lang="en-US" altLang="zh-TW" dirty="0" smtClean="0"/>
+              <a:t>9:1 , 8:2, 7:3, 6:4, 5:5</a:t>
+            </a:r>
+          </a:p>
+          <a:p>
+            <a:r>
+              <a:rPr lang="zh-TW" altLang="en-US" dirty="0" smtClean="0"/>
+              <a:t>針對每一組不同比例，利用上個實驗結果得出的最佳</a:t>
+            </a:r>
+            <a:r>
+              <a:rPr lang="en-US" altLang="zh-TW" dirty="0" smtClean="0"/>
+              <a:t>threshold</a:t>
+            </a:r>
+            <a:r>
+              <a:rPr lang="zh-TW" altLang="en-US" dirty="0" smtClean="0"/>
+              <a:t>來比較效果，發現</a:t>
+            </a:r>
+            <a:r>
+              <a:rPr lang="en-US" altLang="zh-TW" dirty="0" smtClean="0"/>
+              <a:t>8:2</a:t>
+            </a:r>
+            <a:r>
+              <a:rPr lang="zh-TW" altLang="en-US" dirty="0" smtClean="0"/>
+              <a:t>比例效果最好</a:t>
+            </a:r>
+            <a:endParaRPr lang="en-US" altLang="zh-TW" dirty="0" smtClean="0"/>
+          </a:p>
+          <a:p>
+            <a:r>
+              <a:rPr lang="en-US" altLang="zh-TW" dirty="0" smtClean="0"/>
+              <a:t>(</a:t>
+            </a:r>
+            <a:r>
+              <a:rPr lang="zh-TW" altLang="en-US" dirty="0" smtClean="0"/>
+              <a:t>待補一張圖表</a:t>
+            </a:r>
+            <a:r>
+              <a:rPr lang="en-US" altLang="zh-TW" dirty="0" smtClean="0"/>
+              <a:t>)</a:t>
+            </a:r>
+          </a:p>
+        </p:txBody>
+      </p:sp>
+    </p:spTree>
+    <p:extLst>
+      <p:ext uri="{BB962C8B-B14F-4D97-AF65-F5344CB8AC3E}">
+        <p14:creationId xmlns:p14="http://schemas.microsoft.com/office/powerpoint/2010/main" val="3360751971"/>
+      </p:ext>
+    </p:extLst>
+  </p:cSld>
+  <p:clrMapOvr>
+    <a:masterClrMapping/>
+  </p:clrMapOvr>
+</p:sld>
+</file>
+
+<file path=ppt/slides/slide27.xml><?xml version="1.0" encoding="utf-8"?>
+<p:sld xmlns:a="http://schemas.openxmlformats.org/drawingml/2006/main" xmlns:r="http://schemas.openxmlformats.org/officeDocument/2006/relationships" xmlns:p="http://schemas.openxmlformats.org/presentationml/2006/main">
+  <p:cSld>
+    <p:spTree>
+      <p:nvGrpSpPr>
+        <p:cNvPr id="1" name=""/>
+        <p:cNvGrpSpPr/>
+        <p:nvPr/>
+      </p:nvGrpSpPr>
+      <p:grpSpPr>
+        <a:xfrm>
+          <a:off x="0" y="0"/>
+          <a:ext cx="0" cy="0"/>
+          <a:chOff x="0" y="0"/>
+          <a:chExt cx="0" cy="0"/>
+        </a:xfrm>
+      </p:grpSpPr>
+      <p:sp>
+        <p:nvSpPr>
+          <p:cNvPr id="2" name="標題 1"/>
+          <p:cNvSpPr>
+            <a:spLocks noGrp="1"/>
+          </p:cNvSpPr>
+          <p:nvPr>
+            <p:ph type="title"/>
+          </p:nvPr>
+        </p:nvSpPr>
+        <p:spPr/>
+        <p:txBody>
+          <a:bodyPr/>
+          <a:lstStyle/>
+          <a:p>
+            <a:r>
+              <a:rPr lang="en-US" altLang="zh-TW" dirty="0" smtClean="0"/>
+              <a:t>Method 3 Experiment</a:t>
+            </a:r>
+            <a:endParaRPr lang="zh-TW" altLang="en-US" dirty="0"/>
+          </a:p>
+        </p:txBody>
+      </p:sp>
+      <p:sp>
+        <p:nvSpPr>
+          <p:cNvPr id="3" name="內容版面配置區 2"/>
+          <p:cNvSpPr>
+            <a:spLocks noGrp="1"/>
+          </p:cNvSpPr>
+          <p:nvPr>
+            <p:ph idx="1"/>
+          </p:nvPr>
+        </p:nvSpPr>
+        <p:spPr/>
+        <p:txBody>
+          <a:bodyPr/>
+          <a:lstStyle/>
+          <a:p>
+            <a:r>
+              <a:rPr lang="zh-TW" altLang="en-US" dirty="0" smtClean="0"/>
+              <a:t>標題向量與話題關鍵字向量比例 </a:t>
+            </a:r>
+            <a:r>
+              <a:rPr lang="en-US" altLang="zh-TW" dirty="0" smtClean="0"/>
+              <a:t>9:1 , 8:2, 7:3, 6:4, 5:5</a:t>
+            </a:r>
+          </a:p>
+          <a:p>
+            <a:r>
+              <a:rPr lang="zh-TW" altLang="en-US" dirty="0" smtClean="0"/>
+              <a:t>對五種組合作</a:t>
+            </a:r>
+            <a:r>
+              <a:rPr lang="en-US" altLang="zh-TW" dirty="0" smtClean="0"/>
+              <a:t>threshold</a:t>
+            </a:r>
+            <a:r>
+              <a:rPr lang="zh-TW" altLang="en-US" dirty="0"/>
+              <a:t>實驗</a:t>
+            </a:r>
+            <a:r>
+              <a:rPr lang="zh-TW" altLang="en-US" dirty="0" smtClean="0"/>
+              <a:t>，</a:t>
+            </a:r>
+            <a:r>
+              <a:rPr lang="zh-TW" altLang="en-US" dirty="0"/>
+              <a:t>發現無論是哪一種組合</a:t>
+            </a:r>
+            <a:r>
+              <a:rPr lang="en-US" altLang="zh-TW" dirty="0"/>
+              <a:t>threshold</a:t>
+            </a:r>
+            <a:r>
+              <a:rPr lang="zh-TW" altLang="en-US" dirty="0"/>
+              <a:t>約在</a:t>
+            </a:r>
+            <a:r>
+              <a:rPr lang="en-US" altLang="zh-TW" dirty="0" smtClean="0"/>
+              <a:t>0.6</a:t>
+            </a:r>
+            <a:r>
+              <a:rPr lang="zh-TW" altLang="en-US" dirty="0" smtClean="0"/>
+              <a:t>之後收斂</a:t>
+            </a:r>
+            <a:r>
+              <a:rPr lang="zh-TW" altLang="en-US" dirty="0"/>
+              <a:t>到極大值</a:t>
+            </a:r>
+            <a:endParaRPr lang="en-US" altLang="zh-TW" dirty="0"/>
+          </a:p>
+          <a:p>
+            <a:r>
+              <a:rPr lang="en-US" altLang="zh-TW" dirty="0" smtClean="0"/>
+              <a:t>(</a:t>
+            </a:r>
+            <a:r>
+              <a:rPr lang="zh-TW" altLang="en-US" dirty="0"/>
+              <a:t>待補五張圖表</a:t>
+            </a:r>
+            <a:r>
+              <a:rPr lang="en-US" altLang="zh-TW" dirty="0"/>
+              <a:t>)</a:t>
+            </a:r>
+          </a:p>
+          <a:p>
+            <a:endParaRPr lang="en-US" altLang="zh-TW" dirty="0" smtClean="0"/>
+          </a:p>
+        </p:txBody>
+      </p:sp>
+    </p:spTree>
+    <p:extLst>
+      <p:ext uri="{BB962C8B-B14F-4D97-AF65-F5344CB8AC3E}">
+        <p14:creationId xmlns:p14="http://schemas.microsoft.com/office/powerpoint/2010/main" val="3709447766"/>
+      </p:ext>
+    </p:extLst>
+  </p:cSld>
+  <p:clrMapOvr>
+    <a:masterClrMapping/>
+  </p:clrMapOvr>
+</p:sld>
+</file>
+
+<file path=ppt/slides/slide28.xml><?xml version="1.0" encoding="utf-8"?>
+<p:sld xmlns:a="http://schemas.openxmlformats.org/drawingml/2006/main" xmlns:r="http://schemas.openxmlformats.org/officeDocument/2006/relationships" xmlns:p="http://schemas.openxmlformats.org/presentationml/2006/main">
+  <p:cSld>
+    <p:spTree>
+      <p:nvGrpSpPr>
+        <p:cNvPr id="1" name=""/>
+        <p:cNvGrpSpPr/>
+        <p:nvPr/>
+      </p:nvGrpSpPr>
+      <p:grpSpPr>
+        <a:xfrm>
+          <a:off x="0" y="0"/>
+          <a:ext cx="0" cy="0"/>
+          <a:chOff x="0" y="0"/>
+          <a:chExt cx="0" cy="0"/>
+        </a:xfrm>
+      </p:grpSpPr>
+      <p:sp>
+        <p:nvSpPr>
+          <p:cNvPr id="2" name="標題 1"/>
+          <p:cNvSpPr>
+            <a:spLocks noGrp="1"/>
+          </p:cNvSpPr>
+          <p:nvPr>
+            <p:ph type="title"/>
+          </p:nvPr>
+        </p:nvSpPr>
+        <p:spPr/>
+        <p:txBody>
+          <a:bodyPr/>
+          <a:lstStyle/>
+          <a:p>
+            <a:r>
+              <a:rPr lang="en-US" altLang="zh-TW" dirty="0" smtClean="0"/>
+              <a:t>Method 3 Experiment</a:t>
+            </a:r>
+            <a:r>
+              <a:rPr lang="zh-TW" altLang="en-US" dirty="0" smtClean="0"/>
+              <a:t> </a:t>
+            </a:r>
+            <a:r>
+              <a:rPr lang="en-US" altLang="zh-TW" dirty="0" smtClean="0"/>
+              <a:t>– title &amp; content ratio</a:t>
+            </a:r>
+            <a:endParaRPr lang="zh-TW" altLang="en-US" dirty="0"/>
+          </a:p>
+        </p:txBody>
+      </p:sp>
+      <p:sp>
+        <p:nvSpPr>
+          <p:cNvPr id="3" name="內容版面配置區 2"/>
+          <p:cNvSpPr>
+            <a:spLocks noGrp="1"/>
+          </p:cNvSpPr>
+          <p:nvPr>
+            <p:ph idx="1"/>
+          </p:nvPr>
+        </p:nvSpPr>
+        <p:spPr/>
+        <p:txBody>
+          <a:bodyPr/>
+          <a:lstStyle/>
+          <a:p>
+            <a:r>
+              <a:rPr lang="zh-TW" altLang="en-US" dirty="0" smtClean="0"/>
+              <a:t>標題向量與</a:t>
+            </a:r>
+            <a:r>
+              <a:rPr lang="zh-TW" altLang="en-US" dirty="0"/>
+              <a:t>話題</a:t>
+            </a:r>
+            <a:r>
+              <a:rPr lang="zh-TW" altLang="en-US" dirty="0" smtClean="0"/>
+              <a:t>關鍵字向量比例 </a:t>
+            </a:r>
+            <a:r>
+              <a:rPr lang="en-US" altLang="zh-TW" dirty="0" smtClean="0"/>
+              <a:t>9:1 , 8:2, 7:3, 6:4, 5:5</a:t>
+            </a:r>
+          </a:p>
+          <a:p>
+            <a:r>
+              <a:rPr lang="zh-TW" altLang="en-US" dirty="0" smtClean="0"/>
+              <a:t>針對每一組不同比例，利用上個實驗結果得出的最佳</a:t>
+            </a:r>
+            <a:r>
+              <a:rPr lang="en-US" altLang="zh-TW" dirty="0" smtClean="0"/>
+              <a:t>threshold</a:t>
+            </a:r>
+            <a:r>
+              <a:rPr lang="zh-TW" altLang="en-US" dirty="0" smtClean="0"/>
+              <a:t>來比較效果，五種比例組合效果均相同</a:t>
+            </a:r>
+            <a:r>
+              <a:rPr lang="en-US" altLang="zh-TW" dirty="0" smtClean="0"/>
+              <a:t>(</a:t>
+            </a:r>
+            <a:r>
+              <a:rPr lang="zh-TW" altLang="en-US" dirty="0" smtClean="0"/>
+              <a:t>需再探討原因</a:t>
+            </a:r>
+            <a:r>
+              <a:rPr lang="en-US" altLang="zh-TW" dirty="0" smtClean="0"/>
+              <a:t>)</a:t>
+            </a:r>
+          </a:p>
+          <a:p>
+            <a:r>
+              <a:rPr lang="zh-TW" altLang="en-US" dirty="0" smtClean="0"/>
+              <a:t> </a:t>
+            </a:r>
+            <a:r>
+              <a:rPr lang="en-US" altLang="zh-TW" dirty="0" smtClean="0"/>
+              <a:t>(</a:t>
+            </a:r>
+            <a:r>
+              <a:rPr lang="zh-TW" altLang="en-US" dirty="0" smtClean="0"/>
+              <a:t>待補一張圖表</a:t>
+            </a:r>
+            <a:r>
+              <a:rPr lang="en-US" altLang="zh-TW" dirty="0" smtClean="0"/>
+              <a:t>)</a:t>
+            </a:r>
+          </a:p>
+        </p:txBody>
+      </p:sp>
+    </p:spTree>
+    <p:extLst>
+      <p:ext uri="{BB962C8B-B14F-4D97-AF65-F5344CB8AC3E}">
+        <p14:creationId xmlns:p14="http://schemas.microsoft.com/office/powerpoint/2010/main" val="49806570"/>
+      </p:ext>
+    </p:extLst>
+  </p:cSld>
+  <p:clrMapOvr>
+    <a:masterClrMapping/>
+  </p:clrMapOvr>
+</p:sld>
+</file>
+
+<file path=ppt/slides/slide29.xml><?xml version="1.0" encoding="utf-8"?>
+<p:sld xmlns:a="http://schemas.openxmlformats.org/drawingml/2006/main" xmlns:r="http://schemas.openxmlformats.org/officeDocument/2006/relationships" xmlns:p="http://schemas.openxmlformats.org/presentationml/2006/main">
+  <p:cSld>
+    <p:spTree>
+      <p:nvGrpSpPr>
+        <p:cNvPr id="1" name=""/>
+        <p:cNvGrpSpPr/>
+        <p:nvPr/>
+      </p:nvGrpSpPr>
+      <p:grpSpPr>
+        <a:xfrm>
+          <a:off x="0" y="0"/>
+          <a:ext cx="0" cy="0"/>
+          <a:chOff x="0" y="0"/>
+          <a:chExt cx="0" cy="0"/>
+        </a:xfrm>
+      </p:grpSpPr>
+      <p:sp>
+        <p:nvSpPr>
+          <p:cNvPr id="2" name="標題 1"/>
+          <p:cNvSpPr>
+            <a:spLocks noGrp="1"/>
+          </p:cNvSpPr>
+          <p:nvPr>
+            <p:ph type="title"/>
+          </p:nvPr>
+        </p:nvSpPr>
+        <p:spPr/>
+        <p:txBody>
+          <a:bodyPr/>
+          <a:lstStyle/>
+          <a:p>
+            <a:r>
+              <a:rPr lang="en-US" altLang="zh-TW" dirty="0"/>
+              <a:t>Clustering </a:t>
+            </a:r>
+            <a:r>
+              <a:rPr lang="en-US" altLang="zh-TW" dirty="0" smtClean="0"/>
+              <a:t>Validation-Method 1-3</a:t>
+            </a:r>
+            <a:endParaRPr lang="zh-TW" altLang="en-US" dirty="0"/>
+          </a:p>
+        </p:txBody>
+      </p:sp>
+      <p:sp>
+        <p:nvSpPr>
+          <p:cNvPr id="3" name="內容版面配置區 2"/>
+          <p:cNvSpPr>
+            <a:spLocks noGrp="1"/>
+          </p:cNvSpPr>
+          <p:nvPr>
+            <p:ph idx="1"/>
+          </p:nvPr>
+        </p:nvSpPr>
+        <p:spPr/>
+        <p:txBody>
+          <a:bodyPr/>
+          <a:lstStyle/>
+          <a:p>
+            <a:r>
+              <a:rPr lang="zh-TW" altLang="en-US" dirty="0" smtClean="0"/>
+              <a:t>利用先前實驗得出各方法的最佳參數，去比較各方法的分群效果</a:t>
+            </a:r>
+            <a:endParaRPr lang="en-US" altLang="zh-TW" dirty="0" smtClean="0"/>
+          </a:p>
+          <a:p>
+            <a:r>
+              <a:rPr lang="zh-TW" altLang="en-US" dirty="0" smtClean="0"/>
+              <a:t>尚未實作完畢</a:t>
+            </a:r>
+            <a:endParaRPr lang="en-US" altLang="zh-TW" dirty="0" smtClean="0"/>
+          </a:p>
+        </p:txBody>
+      </p:sp>
+    </p:spTree>
+    <p:extLst>
+      <p:ext uri="{BB962C8B-B14F-4D97-AF65-F5344CB8AC3E}">
+        <p14:creationId xmlns:p14="http://schemas.microsoft.com/office/powerpoint/2010/main" val="2724307453"/>
+      </p:ext>
+    </p:extLst>
+  </p:cSld>
+  <p:clrMapOvr>
+    <a:masterClrMapping/>
+  </p:clrMapOvr>
+</p:sld>
+</file>
+
 <file path=ppt/slides/slide3.xml><?xml version="1.0" encoding="utf-8"?>
 <p:sld xmlns:a="http://schemas.openxmlformats.org/drawingml/2006/main" xmlns:r="http://schemas.openxmlformats.org/officeDocument/2006/relationships" xmlns:p="http://schemas.openxmlformats.org/presentationml/2006/main">
   <p:cSld>
@@ -6666,6 +12148,979 @@
 </p:sld>
 </file>
 
+<file path=ppt/slides/slide30.xml><?xml version="1.0" encoding="utf-8"?>
+<p:sld xmlns:a="http://schemas.openxmlformats.org/drawingml/2006/main" xmlns:r="http://schemas.openxmlformats.org/officeDocument/2006/relationships" xmlns:p="http://schemas.openxmlformats.org/presentationml/2006/main">
+  <p:cSld>
+    <p:spTree>
+      <p:nvGrpSpPr>
+        <p:cNvPr id="1" name=""/>
+        <p:cNvGrpSpPr/>
+        <p:nvPr/>
+      </p:nvGrpSpPr>
+      <p:grpSpPr>
+        <a:xfrm>
+          <a:off x="0" y="0"/>
+          <a:ext cx="0" cy="0"/>
+          <a:chOff x="0" y="0"/>
+          <a:chExt cx="0" cy="0"/>
+        </a:xfrm>
+      </p:grpSpPr>
+      <p:sp>
+        <p:nvSpPr>
+          <p:cNvPr id="2" name="標題 1"/>
+          <p:cNvSpPr>
+            <a:spLocks noGrp="1"/>
+          </p:cNvSpPr>
+          <p:nvPr>
+            <p:ph type="title"/>
+          </p:nvPr>
+        </p:nvSpPr>
+        <p:spPr/>
+        <p:txBody>
+          <a:bodyPr/>
+          <a:lstStyle/>
+          <a:p>
+            <a:r>
+              <a:rPr lang="en-US" altLang="zh-TW" dirty="0"/>
+              <a:t>Clustering Validation – using </a:t>
+            </a:r>
+            <a:r>
+              <a:rPr lang="en-US" altLang="zh-TW" dirty="0" smtClean="0"/>
+              <a:t>External </a:t>
+            </a:r>
+            <a:r>
+              <a:rPr lang="en-US" altLang="zh-TW" b="1" dirty="0"/>
+              <a:t>Index</a:t>
+            </a:r>
+            <a:endParaRPr lang="zh-TW" altLang="en-US" dirty="0"/>
+          </a:p>
+        </p:txBody>
+      </p:sp>
+      <p:sp>
+        <p:nvSpPr>
+          <p:cNvPr id="3" name="內容版面配置區 2"/>
+          <p:cNvSpPr>
+            <a:spLocks noGrp="1"/>
+          </p:cNvSpPr>
+          <p:nvPr>
+            <p:ph idx="1"/>
+          </p:nvPr>
+        </p:nvSpPr>
+        <p:spPr/>
+        <p:txBody>
+          <a:bodyPr/>
+          <a:lstStyle/>
+          <a:p>
+            <a:r>
+              <a:rPr lang="zh-TW" altLang="en-US" dirty="0"/>
+              <a:t>未實</a:t>
+            </a:r>
+            <a:r>
+              <a:rPr lang="zh-TW" altLang="en-US" dirty="0" smtClean="0"/>
+              <a:t>作</a:t>
+            </a:r>
+            <a:r>
+              <a:rPr lang="en-US" altLang="zh-TW" dirty="0"/>
+              <a:t>(</a:t>
+            </a:r>
+            <a:r>
+              <a:rPr lang="zh-TW" altLang="en-US" dirty="0" smtClean="0"/>
+              <a:t>困難度較高</a:t>
+            </a:r>
+            <a:r>
+              <a:rPr lang="en-US" altLang="zh-TW" dirty="0" smtClean="0"/>
+              <a:t>)</a:t>
+            </a:r>
+          </a:p>
+          <a:p>
+            <a:endParaRPr lang="zh-TW" altLang="en-US" dirty="0"/>
+          </a:p>
+        </p:txBody>
+      </p:sp>
+    </p:spTree>
+    <p:extLst>
+      <p:ext uri="{BB962C8B-B14F-4D97-AF65-F5344CB8AC3E}">
+        <p14:creationId xmlns:p14="http://schemas.microsoft.com/office/powerpoint/2010/main" val="3762315040"/>
+      </p:ext>
+    </p:extLst>
+  </p:cSld>
+  <p:clrMapOvr>
+    <a:masterClrMapping/>
+  </p:clrMapOvr>
+</p:sld>
+</file>
+
+<file path=ppt/slides/slide31.xml><?xml version="1.0" encoding="utf-8"?>
+<p:sld xmlns:a="http://schemas.openxmlformats.org/drawingml/2006/main" xmlns:r="http://schemas.openxmlformats.org/officeDocument/2006/relationships" xmlns:p="http://schemas.openxmlformats.org/presentationml/2006/main">
+  <p:cSld>
+    <p:spTree>
+      <p:nvGrpSpPr>
+        <p:cNvPr id="1" name=""/>
+        <p:cNvGrpSpPr/>
+        <p:nvPr/>
+      </p:nvGrpSpPr>
+      <p:grpSpPr>
+        <a:xfrm>
+          <a:off x="0" y="0"/>
+          <a:ext cx="0" cy="0"/>
+          <a:chOff x="0" y="0"/>
+          <a:chExt cx="0" cy="0"/>
+        </a:xfrm>
+      </p:grpSpPr>
+      <p:sp>
+        <p:nvSpPr>
+          <p:cNvPr id="2" name="標題 1"/>
+          <p:cNvSpPr>
+            <a:spLocks noGrp="1"/>
+          </p:cNvSpPr>
+          <p:nvPr>
+            <p:ph type="title"/>
+          </p:nvPr>
+        </p:nvSpPr>
+        <p:spPr/>
+        <p:txBody>
+          <a:bodyPr/>
+          <a:lstStyle/>
+          <a:p>
+            <a:r>
+              <a:rPr lang="en-US" altLang="zh-TW" dirty="0" smtClean="0"/>
+              <a:t>Word2Vec argument Experiment</a:t>
+            </a:r>
+            <a:endParaRPr lang="zh-TW" altLang="en-US" dirty="0"/>
+          </a:p>
+        </p:txBody>
+      </p:sp>
+      <p:sp>
+        <p:nvSpPr>
+          <p:cNvPr id="3" name="內容版面配置區 2"/>
+          <p:cNvSpPr>
+            <a:spLocks noGrp="1"/>
+          </p:cNvSpPr>
+          <p:nvPr>
+            <p:ph idx="1"/>
+          </p:nvPr>
+        </p:nvSpPr>
+        <p:spPr/>
+        <p:txBody>
+          <a:bodyPr/>
+          <a:lstStyle/>
+          <a:p>
+            <a:r>
+              <a:rPr lang="en-US" altLang="zh-TW" dirty="0" smtClean="0"/>
+              <a:t>Algorithm : CBOW or Skip-Gram</a:t>
+            </a:r>
+          </a:p>
+          <a:p>
+            <a:r>
+              <a:rPr lang="en-US" altLang="zh-TW" dirty="0" err="1" smtClean="0"/>
+              <a:t>VectorSize</a:t>
+            </a:r>
+            <a:r>
+              <a:rPr lang="en-US" altLang="zh-TW" dirty="0" smtClean="0"/>
+              <a:t>: 100, 200, 300</a:t>
+            </a:r>
+          </a:p>
+          <a:p>
+            <a:r>
+              <a:rPr lang="en-US" altLang="zh-TW" dirty="0" err="1" smtClean="0"/>
+              <a:t>MinCount</a:t>
+            </a:r>
+            <a:r>
+              <a:rPr lang="en-US" altLang="zh-TW" dirty="0" smtClean="0"/>
+              <a:t> : 1, 3, 5</a:t>
+            </a:r>
+          </a:p>
+          <a:p>
+            <a:r>
+              <a:rPr lang="zh-TW" altLang="en-US" dirty="0" smtClean="0"/>
+              <a:t>訓練不同參數組合的</a:t>
+            </a:r>
+            <a:r>
+              <a:rPr lang="en-US" altLang="zh-TW" dirty="0" smtClean="0"/>
+              <a:t>model</a:t>
+            </a:r>
+            <a:r>
+              <a:rPr lang="zh-TW" altLang="en-US" dirty="0" smtClean="0"/>
+              <a:t>，並以分群方法一去驗證</a:t>
+            </a:r>
+            <a:r>
+              <a:rPr lang="en-US" altLang="zh-TW" dirty="0" smtClean="0"/>
+              <a:t>model</a:t>
+            </a:r>
+            <a:r>
+              <a:rPr lang="zh-TW" altLang="en-US" dirty="0" smtClean="0"/>
+              <a:t>效果</a:t>
+            </a:r>
+            <a:endParaRPr lang="en-US" altLang="zh-TW" dirty="0" smtClean="0"/>
+          </a:p>
+          <a:p>
+            <a:r>
+              <a:rPr lang="zh-TW" altLang="en-US" dirty="0" smtClean="0"/>
+              <a:t>發現</a:t>
+            </a:r>
+            <a:r>
+              <a:rPr lang="en-US" altLang="zh-TW" dirty="0" smtClean="0"/>
+              <a:t>Skip-Gram, vector size 300, min count 3</a:t>
+            </a:r>
+            <a:r>
+              <a:rPr lang="zh-TW" altLang="en-US" dirty="0" smtClean="0"/>
+              <a:t>的</a:t>
+            </a:r>
+            <a:r>
+              <a:rPr lang="en-US" altLang="zh-TW" dirty="0" smtClean="0"/>
+              <a:t>model</a:t>
+            </a:r>
+            <a:r>
+              <a:rPr lang="zh-TW" altLang="en-US" dirty="0" smtClean="0"/>
+              <a:t>效果會最好</a:t>
+            </a:r>
+            <a:endParaRPr lang="en-US" altLang="zh-TW" dirty="0" smtClean="0"/>
+          </a:p>
+          <a:p>
+            <a:r>
+              <a:rPr lang="zh-TW" altLang="en-US" dirty="0" smtClean="0"/>
+              <a:t>待補圖表</a:t>
+            </a:r>
+            <a:endParaRPr lang="zh-TW" altLang="en-US" dirty="0"/>
+          </a:p>
+        </p:txBody>
+      </p:sp>
+    </p:spTree>
+    <p:extLst>
+      <p:ext uri="{BB962C8B-B14F-4D97-AF65-F5344CB8AC3E}">
+        <p14:creationId xmlns:p14="http://schemas.microsoft.com/office/powerpoint/2010/main" val="3150129106"/>
+      </p:ext>
+    </p:extLst>
+  </p:cSld>
+  <p:clrMapOvr>
+    <a:masterClrMapping/>
+  </p:clrMapOvr>
+</p:sld>
+</file>
+
+<file path=ppt/slides/slide32.xml><?xml version="1.0" encoding="utf-8"?>
+<p:sld xmlns:a="http://schemas.openxmlformats.org/drawingml/2006/main" xmlns:r="http://schemas.openxmlformats.org/officeDocument/2006/relationships" xmlns:p="http://schemas.openxmlformats.org/presentationml/2006/main">
+  <p:cSld>
+    <p:spTree>
+      <p:nvGrpSpPr>
+        <p:cNvPr id="1" name=""/>
+        <p:cNvGrpSpPr/>
+        <p:nvPr/>
+      </p:nvGrpSpPr>
+      <p:grpSpPr>
+        <a:xfrm>
+          <a:off x="0" y="0"/>
+          <a:ext cx="0" cy="0"/>
+          <a:chOff x="0" y="0"/>
+          <a:chExt cx="0" cy="0"/>
+        </a:xfrm>
+      </p:grpSpPr>
+      <p:sp>
+        <p:nvSpPr>
+          <p:cNvPr id="2" name="標題 1"/>
+          <p:cNvSpPr>
+            <a:spLocks noGrp="1"/>
+          </p:cNvSpPr>
+          <p:nvPr>
+            <p:ph type="title"/>
+          </p:nvPr>
+        </p:nvSpPr>
+        <p:spPr/>
+        <p:txBody>
+          <a:bodyPr/>
+          <a:lstStyle/>
+          <a:p>
+            <a:r>
+              <a:rPr lang="en-US" altLang="zh-TW" dirty="0" smtClean="0"/>
+              <a:t>Segmentation Experiment</a:t>
+            </a:r>
+            <a:endParaRPr lang="zh-TW" altLang="en-US" dirty="0"/>
+          </a:p>
+        </p:txBody>
+      </p:sp>
+      <p:sp>
+        <p:nvSpPr>
+          <p:cNvPr id="3" name="內容版面配置區 2"/>
+          <p:cNvSpPr>
+            <a:spLocks noGrp="1"/>
+          </p:cNvSpPr>
+          <p:nvPr>
+            <p:ph idx="1"/>
+          </p:nvPr>
+        </p:nvSpPr>
+        <p:spPr/>
+        <p:txBody>
+          <a:bodyPr/>
+          <a:lstStyle/>
+          <a:p>
+            <a:r>
+              <a:rPr lang="zh-TW" altLang="en-US" dirty="0" smtClean="0"/>
+              <a:t>未實作</a:t>
+            </a:r>
+            <a:endParaRPr lang="en-US" altLang="zh-TW" dirty="0" smtClean="0"/>
+          </a:p>
+          <a:p>
+            <a:r>
+              <a:rPr lang="zh-TW" altLang="en-US" dirty="0" smtClean="0"/>
+              <a:t>利用不同分詞工具去驗證分群效果</a:t>
+            </a:r>
+            <a:endParaRPr lang="en-US" altLang="zh-TW" dirty="0" smtClean="0"/>
+          </a:p>
+          <a:p>
+            <a:r>
+              <a:rPr lang="zh-TW" altLang="en-US" dirty="0" smtClean="0"/>
+              <a:t>也許對於單純只以標題去分群的方法一來說，分詞好壞並不會影響整體效果太多</a:t>
+            </a:r>
+            <a:endParaRPr lang="en-US" altLang="zh-TW" dirty="0" smtClean="0"/>
+          </a:p>
+        </p:txBody>
+      </p:sp>
+    </p:spTree>
+    <p:extLst>
+      <p:ext uri="{BB962C8B-B14F-4D97-AF65-F5344CB8AC3E}">
+        <p14:creationId xmlns:p14="http://schemas.microsoft.com/office/powerpoint/2010/main" val="1582632052"/>
+      </p:ext>
+    </p:extLst>
+  </p:cSld>
+  <p:clrMapOvr>
+    <a:masterClrMapping/>
+  </p:clrMapOvr>
+</p:sld>
+</file>
+
+<file path=ppt/slides/slide33.xml><?xml version="1.0" encoding="utf-8"?>
+<p:sld xmlns:a="http://schemas.openxmlformats.org/drawingml/2006/main" xmlns:r="http://schemas.openxmlformats.org/officeDocument/2006/relationships" xmlns:p="http://schemas.openxmlformats.org/presentationml/2006/main">
+  <p:cSld>
+    <p:spTree>
+      <p:nvGrpSpPr>
+        <p:cNvPr id="1" name=""/>
+        <p:cNvGrpSpPr/>
+        <p:nvPr/>
+      </p:nvGrpSpPr>
+      <p:grpSpPr>
+        <a:xfrm>
+          <a:off x="0" y="0"/>
+          <a:ext cx="0" cy="0"/>
+          <a:chOff x="0" y="0"/>
+          <a:chExt cx="0" cy="0"/>
+        </a:xfrm>
+      </p:grpSpPr>
+      <p:sp>
+        <p:nvSpPr>
+          <p:cNvPr id="2" name="標題 1"/>
+          <p:cNvSpPr>
+            <a:spLocks noGrp="1"/>
+          </p:cNvSpPr>
+          <p:nvPr>
+            <p:ph type="title"/>
+          </p:nvPr>
+        </p:nvSpPr>
+        <p:spPr/>
+        <p:txBody>
+          <a:bodyPr/>
+          <a:lstStyle/>
+          <a:p>
+            <a:r>
+              <a:rPr lang="en-US" altLang="zh-TW" dirty="0" smtClean="0"/>
+              <a:t>Keyword Extraction Experiment</a:t>
+            </a:r>
+            <a:endParaRPr lang="zh-TW" altLang="en-US" dirty="0"/>
+          </a:p>
+        </p:txBody>
+      </p:sp>
+      <p:sp>
+        <p:nvSpPr>
+          <p:cNvPr id="3" name="內容版面配置區 2"/>
+          <p:cNvSpPr>
+            <a:spLocks noGrp="1"/>
+          </p:cNvSpPr>
+          <p:nvPr>
+            <p:ph idx="1"/>
+          </p:nvPr>
+        </p:nvSpPr>
+        <p:spPr/>
+        <p:txBody>
+          <a:bodyPr/>
+          <a:lstStyle/>
+          <a:p>
+            <a:r>
+              <a:rPr lang="zh-TW" altLang="en-US" dirty="0" smtClean="0"/>
+              <a:t>未實作</a:t>
+            </a:r>
+            <a:endParaRPr lang="en-US" altLang="zh-TW" dirty="0" smtClean="0"/>
+          </a:p>
+          <a:p>
+            <a:r>
+              <a:rPr lang="zh-TW" altLang="en-US" dirty="0" smtClean="0"/>
+              <a:t>對於方法二及方法三，利用常見的</a:t>
+            </a:r>
+            <a:r>
+              <a:rPr lang="en-US" altLang="zh-TW" dirty="0" smtClean="0"/>
+              <a:t>Keyword Extraction</a:t>
+            </a:r>
+            <a:r>
+              <a:rPr lang="zh-TW" altLang="en-US" dirty="0" smtClean="0"/>
+              <a:t>的方法來比較效果</a:t>
+            </a:r>
+            <a:r>
+              <a:rPr lang="en-US" altLang="zh-TW" dirty="0" smtClean="0"/>
+              <a:t>(</a:t>
+            </a:r>
+            <a:r>
+              <a:rPr lang="en-US" altLang="zh-TW" dirty="0" err="1" smtClean="0"/>
+              <a:t>tf-idf</a:t>
+            </a:r>
+            <a:r>
+              <a:rPr lang="en-US" altLang="zh-TW" dirty="0" smtClean="0"/>
+              <a:t> based, text rank based, </a:t>
+            </a:r>
+            <a:r>
+              <a:rPr lang="en-US" altLang="zh-TW" dirty="0" err="1" smtClean="0"/>
+              <a:t>lda</a:t>
+            </a:r>
+            <a:r>
+              <a:rPr lang="en-US" altLang="zh-TW" dirty="0" smtClean="0"/>
+              <a:t>)</a:t>
+            </a:r>
+          </a:p>
+          <a:p>
+            <a:r>
+              <a:rPr lang="zh-TW" altLang="en-US" dirty="0" smtClean="0"/>
+              <a:t>對於各方法所擷取的關鍵字，該取幾個來計算關鍵字向量</a:t>
+            </a:r>
+            <a:r>
+              <a:rPr lang="en-US" altLang="zh-TW" dirty="0" smtClean="0"/>
+              <a:t>?</a:t>
+            </a:r>
+          </a:p>
+        </p:txBody>
+      </p:sp>
+    </p:spTree>
+    <p:extLst>
+      <p:ext uri="{BB962C8B-B14F-4D97-AF65-F5344CB8AC3E}">
+        <p14:creationId xmlns:p14="http://schemas.microsoft.com/office/powerpoint/2010/main" val="1561290972"/>
+      </p:ext>
+    </p:extLst>
+  </p:cSld>
+  <p:clrMapOvr>
+    <a:masterClrMapping/>
+  </p:clrMapOvr>
+</p:sld>
+</file>
+
+<file path=ppt/slides/slide34.xml><?xml version="1.0" encoding="utf-8"?>
+<p:sld xmlns:a="http://schemas.openxmlformats.org/drawingml/2006/main" xmlns:r="http://schemas.openxmlformats.org/officeDocument/2006/relationships" xmlns:p="http://schemas.openxmlformats.org/presentationml/2006/main">
+  <p:cSld>
+    <p:spTree>
+      <p:nvGrpSpPr>
+        <p:cNvPr id="1" name=""/>
+        <p:cNvGrpSpPr/>
+        <p:nvPr/>
+      </p:nvGrpSpPr>
+      <p:grpSpPr>
+        <a:xfrm>
+          <a:off x="0" y="0"/>
+          <a:ext cx="0" cy="0"/>
+          <a:chOff x="0" y="0"/>
+          <a:chExt cx="0" cy="0"/>
+        </a:xfrm>
+      </p:grpSpPr>
+      <p:sp>
+        <p:nvSpPr>
+          <p:cNvPr id="2" name="標題 1"/>
+          <p:cNvSpPr>
+            <a:spLocks noGrp="1"/>
+          </p:cNvSpPr>
+          <p:nvPr>
+            <p:ph type="title"/>
+          </p:nvPr>
+        </p:nvSpPr>
+        <p:spPr/>
+        <p:txBody>
+          <a:bodyPr/>
+          <a:lstStyle/>
+          <a:p>
+            <a:r>
+              <a:rPr lang="en-US" altLang="zh-TW" dirty="0" smtClean="0"/>
+              <a:t>Word2Vector Training data Period Experiment</a:t>
+            </a:r>
+            <a:endParaRPr lang="zh-TW" altLang="en-US" dirty="0"/>
+          </a:p>
+        </p:txBody>
+      </p:sp>
+      <p:sp>
+        <p:nvSpPr>
+          <p:cNvPr id="3" name="內容版面配置區 2"/>
+          <p:cNvSpPr>
+            <a:spLocks noGrp="1"/>
+          </p:cNvSpPr>
+          <p:nvPr>
+            <p:ph idx="1"/>
+          </p:nvPr>
+        </p:nvSpPr>
+        <p:spPr/>
+        <p:txBody>
+          <a:bodyPr/>
+          <a:lstStyle/>
+          <a:p>
+            <a:r>
+              <a:rPr lang="zh-TW" altLang="en-US" dirty="0"/>
+              <a:t>未實</a:t>
+            </a:r>
+            <a:r>
+              <a:rPr lang="zh-TW" altLang="en-US" dirty="0" smtClean="0"/>
+              <a:t>作</a:t>
+            </a:r>
+            <a:endParaRPr lang="en-US" altLang="zh-TW" dirty="0" smtClean="0"/>
+          </a:p>
+          <a:p>
+            <a:r>
+              <a:rPr lang="zh-TW" altLang="en-US" dirty="0" smtClean="0"/>
+              <a:t>目前</a:t>
+            </a:r>
+            <a:r>
+              <a:rPr lang="en-US" altLang="zh-TW" dirty="0" smtClean="0"/>
+              <a:t>word2vec model</a:t>
+            </a:r>
+            <a:r>
+              <a:rPr lang="zh-TW" altLang="en-US" dirty="0" smtClean="0"/>
+              <a:t>是以過往的大量資料訓練的，系統對於新詞處理上會有一些限制，也許能以欲分群資料</a:t>
+            </a:r>
+            <a:r>
+              <a:rPr lang="en-US" altLang="zh-TW" dirty="0" smtClean="0"/>
+              <a:t>(</a:t>
+            </a:r>
+            <a:r>
+              <a:rPr lang="zh-TW" altLang="en-US" dirty="0" smtClean="0"/>
+              <a:t>一天的資料量</a:t>
+            </a:r>
+            <a:r>
+              <a:rPr lang="en-US" altLang="zh-TW" dirty="0" smtClean="0"/>
+              <a:t>)</a:t>
+            </a:r>
+            <a:r>
+              <a:rPr lang="zh-TW" altLang="en-US" dirty="0" smtClean="0"/>
+              <a:t>來訓練</a:t>
+            </a:r>
+            <a:r>
+              <a:rPr lang="en-US" altLang="zh-TW" dirty="0" smtClean="0"/>
+              <a:t>model</a:t>
+            </a:r>
+            <a:r>
+              <a:rPr lang="zh-TW" altLang="en-US" dirty="0" smtClean="0"/>
+              <a:t>，並比較效果差異</a:t>
+            </a:r>
+            <a:endParaRPr lang="en-US" altLang="zh-TW" dirty="0" smtClean="0"/>
+          </a:p>
+          <a:p>
+            <a:r>
+              <a:rPr lang="zh-TW" altLang="en-US" dirty="0" smtClean="0"/>
+              <a:t>可能性一</a:t>
+            </a:r>
+            <a:r>
+              <a:rPr lang="en-US" altLang="zh-TW" dirty="0" smtClean="0"/>
+              <a:t>:</a:t>
+            </a:r>
+            <a:r>
+              <a:rPr lang="zh-TW" altLang="en-US" dirty="0" smtClean="0"/>
+              <a:t>因為資料範圍變少，各詞彙差異度變大，有助於分群</a:t>
+            </a:r>
+            <a:endParaRPr lang="en-US" altLang="zh-TW" dirty="0" smtClean="0"/>
+          </a:p>
+          <a:p>
+            <a:r>
+              <a:rPr lang="zh-TW" altLang="en-US" dirty="0" smtClean="0"/>
+              <a:t>可能性二</a:t>
+            </a:r>
+            <a:r>
+              <a:rPr lang="en-US" altLang="zh-TW" dirty="0" smtClean="0"/>
+              <a:t>:</a:t>
+            </a:r>
+            <a:r>
+              <a:rPr lang="zh-TW" altLang="en-US" dirty="0" smtClean="0"/>
+              <a:t>訓練資料不足，即使較無新詞問題分群效果也不佳</a:t>
+            </a:r>
+            <a:endParaRPr lang="zh-TW" altLang="en-US" dirty="0"/>
+          </a:p>
+        </p:txBody>
+      </p:sp>
+    </p:spTree>
+    <p:extLst>
+      <p:ext uri="{BB962C8B-B14F-4D97-AF65-F5344CB8AC3E}">
+        <p14:creationId xmlns:p14="http://schemas.microsoft.com/office/powerpoint/2010/main" val="4258296592"/>
+      </p:ext>
+    </p:extLst>
+  </p:cSld>
+  <p:clrMapOvr>
+    <a:masterClrMapping/>
+  </p:clrMapOvr>
+</p:sld>
+</file>
+
+<file path=ppt/slides/slide35.xml><?xml version="1.0" encoding="utf-8"?>
+<p:sld xmlns:a="http://schemas.openxmlformats.org/drawingml/2006/main" xmlns:r="http://schemas.openxmlformats.org/officeDocument/2006/relationships" xmlns:p="http://schemas.openxmlformats.org/presentationml/2006/main">
+  <p:cSld>
+    <p:spTree>
+      <p:nvGrpSpPr>
+        <p:cNvPr id="1" name=""/>
+        <p:cNvGrpSpPr/>
+        <p:nvPr/>
+      </p:nvGrpSpPr>
+      <p:grpSpPr>
+        <a:xfrm>
+          <a:off x="0" y="0"/>
+          <a:ext cx="0" cy="0"/>
+          <a:chOff x="0" y="0"/>
+          <a:chExt cx="0" cy="0"/>
+        </a:xfrm>
+      </p:grpSpPr>
+      <p:sp>
+        <p:nvSpPr>
+          <p:cNvPr id="2" name="標題 1"/>
+          <p:cNvSpPr>
+            <a:spLocks noGrp="1"/>
+          </p:cNvSpPr>
+          <p:nvPr>
+            <p:ph type="title"/>
+          </p:nvPr>
+        </p:nvSpPr>
+        <p:spPr/>
+        <p:txBody>
+          <a:bodyPr/>
+          <a:lstStyle/>
+          <a:p>
+            <a:r>
+              <a:rPr lang="en-US" altLang="zh-TW" dirty="0" smtClean="0"/>
+              <a:t>Hot Topic Detection Experiment</a:t>
+            </a:r>
+            <a:endParaRPr lang="zh-TW" altLang="en-US" dirty="0"/>
+          </a:p>
+        </p:txBody>
+      </p:sp>
+      <p:sp>
+        <p:nvSpPr>
+          <p:cNvPr id="3" name="內容版面配置區 2"/>
+          <p:cNvSpPr>
+            <a:spLocks noGrp="1"/>
+          </p:cNvSpPr>
+          <p:nvPr>
+            <p:ph idx="1"/>
+          </p:nvPr>
+        </p:nvSpPr>
+        <p:spPr/>
+        <p:txBody>
+          <a:bodyPr/>
+          <a:lstStyle/>
+          <a:p>
+            <a:r>
+              <a:rPr lang="zh-TW" altLang="en-US" dirty="0"/>
+              <a:t>未實</a:t>
+            </a:r>
+            <a:r>
+              <a:rPr lang="zh-TW" altLang="en-US" dirty="0" smtClean="0"/>
+              <a:t>作</a:t>
+            </a:r>
+            <a:endParaRPr lang="en-US" altLang="zh-TW" dirty="0" smtClean="0"/>
+          </a:p>
+          <a:p>
+            <a:r>
+              <a:rPr lang="zh-TW" altLang="en-US" dirty="0" smtClean="0"/>
+              <a:t>以各方法所偵測到某一日期的前五大主題，去比對各大新聞</a:t>
+            </a:r>
+            <a:r>
+              <a:rPr lang="zh-TW" altLang="en-US" dirty="0" smtClean="0"/>
+              <a:t>頭條</a:t>
+            </a:r>
+            <a:r>
+              <a:rPr lang="zh-TW" altLang="en-US" dirty="0" smtClean="0"/>
+              <a:t>或</a:t>
+            </a:r>
+            <a:r>
+              <a:rPr lang="zh-TW" altLang="en-US" dirty="0"/>
+              <a:t>是</a:t>
+            </a:r>
+            <a:r>
+              <a:rPr lang="zh-TW" altLang="en-US" dirty="0" smtClean="0"/>
+              <a:t>人工</a:t>
+            </a:r>
+            <a:r>
+              <a:rPr lang="zh-TW" altLang="en-US" dirty="0" smtClean="0"/>
+              <a:t>挑選的熱門主題</a:t>
+            </a:r>
+            <a:r>
+              <a:rPr lang="en-US" altLang="zh-TW" dirty="0" smtClean="0"/>
+              <a:t>(</a:t>
+            </a:r>
+            <a:r>
+              <a:rPr lang="zh-TW" altLang="en-US" dirty="0" smtClean="0"/>
+              <a:t>如</a:t>
+            </a:r>
+            <a:r>
+              <a:rPr lang="en-US" altLang="zh-TW" dirty="0" err="1" smtClean="0"/>
+              <a:t>DailyView</a:t>
+            </a:r>
+            <a:r>
+              <a:rPr lang="en-US" altLang="zh-TW" dirty="0" smtClean="0"/>
+              <a:t>, JPTT</a:t>
+            </a:r>
+            <a:r>
+              <a:rPr lang="zh-TW" altLang="en-US" dirty="0" smtClean="0"/>
+              <a:t>熱門話題</a:t>
+            </a:r>
+            <a:r>
+              <a:rPr lang="en-US" altLang="zh-TW" dirty="0" smtClean="0"/>
+              <a:t>)</a:t>
+            </a:r>
+          </a:p>
+        </p:txBody>
+      </p:sp>
+    </p:spTree>
+    <p:extLst>
+      <p:ext uri="{BB962C8B-B14F-4D97-AF65-F5344CB8AC3E}">
+        <p14:creationId xmlns:p14="http://schemas.microsoft.com/office/powerpoint/2010/main" val="3283544473"/>
+      </p:ext>
+    </p:extLst>
+  </p:cSld>
+  <p:clrMapOvr>
+    <a:masterClrMapping/>
+  </p:clrMapOvr>
+</p:sld>
+</file>
+
+<file path=ppt/slides/slide36.xml><?xml version="1.0" encoding="utf-8"?>
+<p:sld xmlns:a="http://schemas.openxmlformats.org/drawingml/2006/main" xmlns:r="http://schemas.openxmlformats.org/officeDocument/2006/relationships" xmlns:p="http://schemas.openxmlformats.org/presentationml/2006/main">
+  <p:cSld>
+    <p:spTree>
+      <p:nvGrpSpPr>
+        <p:cNvPr id="1" name=""/>
+        <p:cNvGrpSpPr/>
+        <p:nvPr/>
+      </p:nvGrpSpPr>
+      <p:grpSpPr>
+        <a:xfrm>
+          <a:off x="0" y="0"/>
+          <a:ext cx="0" cy="0"/>
+          <a:chOff x="0" y="0"/>
+          <a:chExt cx="0" cy="0"/>
+        </a:xfrm>
+      </p:grpSpPr>
+      <p:sp>
+        <p:nvSpPr>
+          <p:cNvPr id="2" name="標題 1"/>
+          <p:cNvSpPr>
+            <a:spLocks noGrp="1"/>
+          </p:cNvSpPr>
+          <p:nvPr>
+            <p:ph type="title"/>
+          </p:nvPr>
+        </p:nvSpPr>
+        <p:spPr/>
+        <p:txBody>
+          <a:bodyPr/>
+          <a:lstStyle/>
+          <a:p>
+            <a:r>
+              <a:rPr lang="zh-TW" altLang="en-US" dirty="0" smtClean="0"/>
+              <a:t>目前遇到的</a:t>
+            </a:r>
+            <a:r>
+              <a:rPr lang="zh-TW" altLang="en-US" dirty="0" smtClean="0"/>
+              <a:t>困難</a:t>
+            </a:r>
+            <a:endParaRPr lang="zh-TW" altLang="en-US" dirty="0"/>
+          </a:p>
+        </p:txBody>
+      </p:sp>
+      <p:sp>
+        <p:nvSpPr>
+          <p:cNvPr id="3" name="內容版面配置區 2"/>
+          <p:cNvSpPr>
+            <a:spLocks noGrp="1"/>
+          </p:cNvSpPr>
+          <p:nvPr>
+            <p:ph idx="1"/>
+          </p:nvPr>
+        </p:nvSpPr>
+        <p:spPr/>
+        <p:txBody>
+          <a:bodyPr/>
+          <a:lstStyle/>
+          <a:p>
+            <a:r>
+              <a:rPr lang="en-US" altLang="zh-TW" dirty="0" smtClean="0"/>
+              <a:t>Internal validation Index </a:t>
+            </a:r>
+            <a:r>
+              <a:rPr lang="zh-TW" altLang="en-US" dirty="0" smtClean="0"/>
+              <a:t>會有測試資料不足以代表真實性的</a:t>
+            </a:r>
+            <a:r>
+              <a:rPr lang="zh-TW" altLang="en-US" dirty="0" smtClean="0"/>
+              <a:t>可能性，</a:t>
+            </a:r>
+            <a:r>
+              <a:rPr lang="zh-TW" altLang="en-US" dirty="0"/>
+              <a:t>若要標註更符合真實情況的資料，</a:t>
+            </a:r>
+            <a:r>
+              <a:rPr lang="zh-TW" altLang="en-US" dirty="0" smtClean="0"/>
+              <a:t>難度有點</a:t>
+            </a:r>
+            <a:r>
+              <a:rPr lang="zh-TW" altLang="en-US" dirty="0"/>
+              <a:t>高</a:t>
+            </a:r>
+            <a:endParaRPr lang="en-US" altLang="zh-TW" dirty="0" smtClean="0"/>
+          </a:p>
+          <a:p>
+            <a:r>
+              <a:rPr lang="en-US" altLang="zh-TW" dirty="0" smtClean="0"/>
+              <a:t>External validation</a:t>
+            </a:r>
+            <a:r>
+              <a:rPr lang="zh-TW" altLang="en-US" dirty="0" smtClean="0"/>
+              <a:t>實作困難度偏高，手動分群算出來的分數如果不接近</a:t>
+            </a:r>
+            <a:r>
+              <a:rPr lang="en-US" altLang="zh-TW" dirty="0" smtClean="0"/>
+              <a:t>1</a:t>
+            </a:r>
+            <a:r>
+              <a:rPr lang="zh-TW" altLang="en-US" dirty="0" smtClean="0"/>
+              <a:t>該怎麼辦呢</a:t>
+            </a:r>
+            <a:r>
+              <a:rPr lang="en-US" altLang="zh-TW" dirty="0" smtClean="0"/>
+              <a:t>?</a:t>
+            </a:r>
+          </a:p>
+          <a:p>
+            <a:r>
+              <a:rPr lang="zh-TW" altLang="en-US" dirty="0" smtClean="0"/>
+              <a:t>若單純以標題分群效果比加入內容還要好，那論文架構感覺偏簡單</a:t>
+            </a:r>
+            <a:r>
+              <a:rPr lang="en-US" altLang="zh-TW" dirty="0" smtClean="0"/>
+              <a:t>(</a:t>
+            </a:r>
+            <a:r>
+              <a:rPr lang="zh-TW" altLang="en-US" dirty="0" smtClean="0"/>
+              <a:t>或是我如果能解釋為何加入內容反而效果不好的原因，這樣論文比較不會沒內容</a:t>
+            </a:r>
+            <a:r>
+              <a:rPr lang="en-US" altLang="zh-TW" dirty="0" smtClean="0"/>
+              <a:t>?)</a:t>
+            </a:r>
+          </a:p>
+          <a:p>
+            <a:r>
+              <a:rPr lang="zh-TW" altLang="en-US" dirty="0" smtClean="0"/>
+              <a:t>有考慮與其他方法做比較，不過大部分的論文都沒有公布使用的資料集</a:t>
+            </a:r>
+            <a:r>
+              <a:rPr lang="en-US" altLang="zh-TW" dirty="0" smtClean="0"/>
+              <a:t>(</a:t>
+            </a:r>
+            <a:r>
+              <a:rPr lang="zh-TW" altLang="en-US" dirty="0" smtClean="0"/>
+              <a:t>可能要自行實作其他論文的演算法</a:t>
+            </a:r>
+            <a:r>
+              <a:rPr lang="en-US" altLang="zh-TW" dirty="0" smtClean="0"/>
+              <a:t>?)</a:t>
+            </a:r>
+            <a:endParaRPr lang="en-US" altLang="zh-TW" dirty="0" smtClean="0"/>
+          </a:p>
+          <a:p>
+            <a:endParaRPr lang="en-US" altLang="zh-TW" dirty="0" smtClean="0"/>
+          </a:p>
+        </p:txBody>
+      </p:sp>
+    </p:spTree>
+    <p:extLst>
+      <p:ext uri="{BB962C8B-B14F-4D97-AF65-F5344CB8AC3E}">
+        <p14:creationId xmlns:p14="http://schemas.microsoft.com/office/powerpoint/2010/main" val="2659016056"/>
+      </p:ext>
+    </p:extLst>
+  </p:cSld>
+  <p:clrMapOvr>
+    <a:masterClrMapping/>
+  </p:clrMapOvr>
+</p:sld>
+</file>
+
+<file path=ppt/slides/slide37.xml><?xml version="1.0" encoding="utf-8"?>
+<p:sld xmlns:a="http://schemas.openxmlformats.org/drawingml/2006/main" xmlns:r="http://schemas.openxmlformats.org/officeDocument/2006/relationships" xmlns:p="http://schemas.openxmlformats.org/presentationml/2006/main">
+  <p:cSld>
+    <p:spTree>
+      <p:nvGrpSpPr>
+        <p:cNvPr id="1" name=""/>
+        <p:cNvGrpSpPr/>
+        <p:nvPr/>
+      </p:nvGrpSpPr>
+      <p:grpSpPr>
+        <a:xfrm>
+          <a:off x="0" y="0"/>
+          <a:ext cx="0" cy="0"/>
+          <a:chOff x="0" y="0"/>
+          <a:chExt cx="0" cy="0"/>
+        </a:xfrm>
+      </p:grpSpPr>
+      <p:sp>
+        <p:nvSpPr>
+          <p:cNvPr id="4" name="標題 3"/>
+          <p:cNvSpPr>
+            <a:spLocks noGrp="1"/>
+          </p:cNvSpPr>
+          <p:nvPr>
+            <p:ph type="title"/>
+          </p:nvPr>
+        </p:nvSpPr>
+        <p:spPr/>
+        <p:txBody>
+          <a:bodyPr/>
+          <a:lstStyle/>
+          <a:p>
+            <a:r>
+              <a:rPr lang="en-US" altLang="zh-TW" dirty="0" smtClean="0"/>
+              <a:t>Q&amp;A</a:t>
+            </a:r>
+            <a:endParaRPr lang="zh-TW" altLang="en-US" dirty="0"/>
+          </a:p>
+        </p:txBody>
+      </p:sp>
+      <p:sp>
+        <p:nvSpPr>
+          <p:cNvPr id="5" name="文字版面配置區 4"/>
+          <p:cNvSpPr>
+            <a:spLocks noGrp="1"/>
+          </p:cNvSpPr>
+          <p:nvPr>
+            <p:ph type="body" idx="1"/>
+          </p:nvPr>
+        </p:nvSpPr>
+        <p:spPr/>
+        <p:txBody>
+          <a:bodyPr/>
+          <a:lstStyle/>
+          <a:p>
+            <a:endParaRPr lang="zh-TW" altLang="en-US"/>
+          </a:p>
+        </p:txBody>
+      </p:sp>
+    </p:spTree>
+    <p:extLst>
+      <p:ext uri="{BB962C8B-B14F-4D97-AF65-F5344CB8AC3E}">
+        <p14:creationId xmlns:p14="http://schemas.microsoft.com/office/powerpoint/2010/main" val="1492193003"/>
+      </p:ext>
+    </p:extLst>
+  </p:cSld>
+  <p:clrMapOvr>
+    <a:masterClrMapping/>
+  </p:clrMapOvr>
+</p:sld>
+</file>
+
 <file path=ppt/slides/slide4.xml><?xml version="1.0" encoding="utf-8"?>
 <p:sld xmlns:a="http://schemas.openxmlformats.org/drawingml/2006/main" xmlns:r="http://schemas.openxmlformats.org/officeDocument/2006/relationships" xmlns:p="http://schemas.openxmlformats.org/presentationml/2006/main">
   <p:cSld>
@@ -6727,13 +13182,74 @@
       </p:sp>
       <p:sp>
         <p:nvSpPr>
+          <p:cNvPr id="50" name="圓角矩形 49"/>
+          <p:cNvSpPr/>
+          <p:nvPr/>
+        </p:nvSpPr>
+        <p:spPr>
+          <a:xfrm>
+            <a:off x="627487" y="2084243"/>
+            <a:ext cx="4299875" cy="1845218"/>
+          </a:xfrm>
+          <a:prstGeom prst="roundRect">
+            <a:avLst/>
+          </a:prstGeom>
+        </p:spPr>
+        <p:style>
+          <a:lnRef idx="2">
+            <a:schemeClr val="accent3"/>
+          </a:lnRef>
+          <a:fillRef idx="1">
+            <a:schemeClr val="lt1"/>
+          </a:fillRef>
+          <a:effectRef idx="0">
+            <a:schemeClr val="accent3"/>
+          </a:effectRef>
+          <a:fontRef idx="minor">
+            <a:schemeClr val="dk1"/>
+          </a:fontRef>
+        </p:style>
+        <p:txBody>
+          <a:bodyPr rtlCol="0" anchor="ctr"/>
+          <a:lstStyle/>
+          <a:p>
+            <a:pPr algn="ctr"/>
+            <a:r>
+              <a:rPr lang="en-US" altLang="zh-TW" dirty="0" smtClean="0"/>
+              <a:t>Train Part</a:t>
+            </a:r>
+          </a:p>
+          <a:p>
+            <a:pPr algn="ctr"/>
+            <a:endParaRPr lang="en-US" altLang="zh-TW" dirty="0" smtClean="0"/>
+          </a:p>
+          <a:p>
+            <a:pPr algn="ctr"/>
+            <a:endParaRPr lang="en-US" altLang="zh-TW" dirty="0" smtClean="0"/>
+          </a:p>
+          <a:p>
+            <a:pPr algn="ctr"/>
+            <a:endParaRPr lang="en-US" altLang="zh-TW" dirty="0"/>
+          </a:p>
+          <a:p>
+            <a:pPr algn="ctr"/>
+            <a:endParaRPr lang="en-US" altLang="zh-TW" dirty="0" smtClean="0"/>
+          </a:p>
+          <a:p>
+            <a:pPr algn="ctr"/>
+            <a:endParaRPr lang="zh-TW" altLang="en-US" dirty="0"/>
+          </a:p>
+        </p:txBody>
+      </p:sp>
+      <p:sp>
+        <p:nvSpPr>
           <p:cNvPr id="6" name="矩形 5"/>
           <p:cNvSpPr/>
           <p:nvPr/>
         </p:nvSpPr>
         <p:spPr>
           <a:xfrm>
-            <a:off x="837749" y="1825622"/>
+            <a:off x="838199" y="4222390"/>
             <a:ext cx="1691014" cy="1139869"/>
           </a:xfrm>
           <a:prstGeom prst="rect">
@@ -6763,7 +13279,7 @@
             <a:pPr algn="ctr"/>
             <a:r>
               <a:rPr lang="en-US" altLang="zh-TW" dirty="0" smtClean="0"/>
-              <a:t>Articles</a:t>
+              <a:t>Data Set</a:t>
             </a:r>
             <a:endParaRPr lang="zh-TW" altLang="en-US" dirty="0"/>
           </a:p>
@@ -6771,13 +13287,13 @@
       </p:sp>
       <p:sp>
         <p:nvSpPr>
-          <p:cNvPr id="8" name="矩形 7"/>
+          <p:cNvPr id="13" name="矩形 12"/>
           <p:cNvSpPr/>
           <p:nvPr/>
         </p:nvSpPr>
         <p:spPr>
           <a:xfrm>
-            <a:off x="2861846" y="3266001"/>
+            <a:off x="3025637" y="4214428"/>
             <a:ext cx="1691014" cy="1139869"/>
           </a:xfrm>
           <a:prstGeom prst="rect">
@@ -6807,57 +13323,28 @@
             <a:pPr algn="ctr"/>
             <a:r>
               <a:rPr lang="en-US" altLang="zh-TW" dirty="0" smtClean="0"/>
-              <a:t>Training</a:t>
+              <a:t>Word2Vec</a:t>
+            </a:r>
+          </a:p>
+          <a:p>
+            <a:pPr algn="ctr"/>
+            <a:r>
+              <a:rPr lang="en-US" altLang="zh-TW" dirty="0" smtClean="0"/>
+              <a:t>Model</a:t>
             </a:r>
             <a:endParaRPr lang="zh-TW" altLang="en-US" dirty="0"/>
           </a:p>
         </p:txBody>
       </p:sp>
-      <p:cxnSp>
-        <p:nvCxnSpPr>
-          <p:cNvPr id="10" name="直線單箭頭接點 9"/>
-          <p:cNvCxnSpPr>
-            <a:stCxn id="6" idx="3"/>
-            <a:endCxn id="18" idx="1"/>
-          </p:cNvCxnSpPr>
+      <p:sp>
+        <p:nvSpPr>
+          <p:cNvPr id="29" name="矩形 28"/>
+          <p:cNvSpPr/>
           <p:nvPr/>
-        </p:nvCxnSpPr>
+        </p:nvSpPr>
         <p:spPr>
           <a:xfrm>
-            <a:off x="2528763" y="2395557"/>
-            <a:ext cx="333083" cy="0"/>
-          </a:xfrm>
-          <a:prstGeom prst="straightConnector1">
-            <a:avLst/>
-          </a:prstGeom>
-          <a:ln>
-            <a:tailEnd type="triangle"/>
-          </a:ln>
-        </p:spPr>
-        <p:style>
-          <a:lnRef idx="1">
-            <a:schemeClr val="accent1"/>
-          </a:lnRef>
-          <a:fillRef idx="0">
-            <a:schemeClr val="accent1"/>
-          </a:fillRef>
-          <a:effectRef idx="0">
-            <a:schemeClr val="accent1"/>
-          </a:effectRef>
-          <a:fontRef idx="minor">
-            <a:schemeClr val="tx1"/>
-          </a:fontRef>
-        </p:style>
-      </p:cxnSp>
-      <p:sp>
-        <p:nvSpPr>
-          <p:cNvPr id="13" name="矩形 12"/>
-          <p:cNvSpPr/>
-          <p:nvPr/>
-        </p:nvSpPr>
-        <p:spPr>
-          <a:xfrm>
-            <a:off x="2861846" y="4706380"/>
+            <a:off x="9614884" y="4214428"/>
             <a:ext cx="1691014" cy="1139869"/>
           </a:xfrm>
           <a:prstGeom prst="rect">
@@ -6887,14 +13374,7 @@
             <a:pPr algn="ctr"/>
             <a:r>
               <a:rPr lang="en-US" altLang="zh-TW" dirty="0" smtClean="0"/>
-              <a:t>Word2Vec</a:t>
-            </a:r>
-          </a:p>
-          <a:p>
-            <a:pPr algn="ctr"/>
-            <a:r>
-              <a:rPr lang="en-US" altLang="zh-TW" dirty="0" smtClean="0"/>
-              <a:t>Model</a:t>
+              <a:t>Hotness Computing</a:t>
             </a:r>
             <a:endParaRPr lang="zh-TW" altLang="en-US" dirty="0"/>
           </a:p>
@@ -6902,13 +13382,13 @@
       </p:sp>
       <p:sp>
         <p:nvSpPr>
-          <p:cNvPr id="29" name="矩形 28"/>
+          <p:cNvPr id="22" name="矩形 21"/>
           <p:cNvSpPr/>
           <p:nvPr/>
         </p:nvSpPr>
         <p:spPr>
           <a:xfrm>
-            <a:off x="9496790" y="4706379"/>
+            <a:off x="5213075" y="4214429"/>
             <a:ext cx="1691014" cy="1139869"/>
           </a:xfrm>
           <a:prstGeom prst="rect">
@@ -6938,7 +13418,14 @@
             <a:pPr algn="ctr"/>
             <a:r>
               <a:rPr lang="en-US" altLang="zh-TW" dirty="0" smtClean="0"/>
-              <a:t>Hotness Computing</a:t>
+              <a:t>Article Vector</a:t>
+            </a:r>
+            <a:br>
+              <a:rPr lang="en-US" altLang="zh-TW" dirty="0" smtClean="0"/>
+            </a:br>
+            <a:r>
+              <a:rPr lang="en-US" altLang="zh-TW" dirty="0" smtClean="0"/>
+              <a:t>Computing</a:t>
             </a:r>
             <a:endParaRPr lang="zh-TW" altLang="en-US" dirty="0"/>
           </a:p>
@@ -6946,13 +13433,13 @@
       </p:sp>
       <p:sp>
         <p:nvSpPr>
-          <p:cNvPr id="18" name="矩形 17"/>
+          <p:cNvPr id="24" name="矩形 23"/>
           <p:cNvSpPr/>
           <p:nvPr/>
         </p:nvSpPr>
         <p:spPr>
           <a:xfrm>
-            <a:off x="2861846" y="1825622"/>
+            <a:off x="7403236" y="4222388"/>
             <a:ext cx="1691014" cy="1139869"/>
           </a:xfrm>
           <a:prstGeom prst="rect">
@@ -6982,219 +13469,12 @@
             <a:pPr algn="ctr"/>
             <a:r>
               <a:rPr lang="en-US" altLang="zh-TW" dirty="0" smtClean="0"/>
-              <a:t>Train Data</a:t>
-            </a:r>
-          </a:p>
-          <a:p>
-            <a:pPr algn="ctr"/>
-            <a:r>
-              <a:rPr lang="en-US" altLang="zh-TW" dirty="0" smtClean="0"/>
-              <a:t>Preprocessing</a:t>
-            </a:r>
-          </a:p>
-        </p:txBody>
-      </p:sp>
-      <p:cxnSp>
-        <p:nvCxnSpPr>
-          <p:cNvPr id="30" name="直線單箭頭接點 29"/>
-          <p:cNvCxnSpPr>
-            <a:stCxn id="18" idx="2"/>
-            <a:endCxn id="8" idx="0"/>
-          </p:cNvCxnSpPr>
-          <p:nvPr/>
-        </p:nvCxnSpPr>
-        <p:spPr>
-          <a:xfrm>
-            <a:off x="3707353" y="2965491"/>
-            <a:ext cx="0" cy="300510"/>
-          </a:xfrm>
-          <a:prstGeom prst="straightConnector1">
-            <a:avLst/>
-          </a:prstGeom>
-          <a:ln>
-            <a:tailEnd type="triangle"/>
-          </a:ln>
-        </p:spPr>
-        <p:style>
-          <a:lnRef idx="1">
-            <a:schemeClr val="accent1"/>
-          </a:lnRef>
-          <a:fillRef idx="0">
-            <a:schemeClr val="accent1"/>
-          </a:fillRef>
-          <a:effectRef idx="0">
-            <a:schemeClr val="accent1"/>
-          </a:effectRef>
-          <a:fontRef idx="minor">
-            <a:schemeClr val="tx1"/>
-          </a:fontRef>
-        </p:style>
-      </p:cxnSp>
-      <p:sp>
-        <p:nvSpPr>
-          <p:cNvPr id="22" name="矩形 21"/>
-          <p:cNvSpPr/>
-          <p:nvPr/>
-        </p:nvSpPr>
-        <p:spPr>
-          <a:xfrm>
-            <a:off x="5073494" y="4706380"/>
-            <a:ext cx="1691014" cy="1139869"/>
-          </a:xfrm>
-          <a:prstGeom prst="rect">
-            <a:avLst/>
-          </a:prstGeom>
-        </p:spPr>
-        <p:style>
-          <a:lnRef idx="2">
-            <a:schemeClr val="accent1">
-              <a:shade val="50000"/>
-            </a:schemeClr>
-          </a:lnRef>
-          <a:fillRef idx="1">
-            <a:schemeClr val="accent1"/>
-          </a:fillRef>
-          <a:effectRef idx="0">
-            <a:schemeClr val="accent1"/>
-          </a:effectRef>
-          <a:fontRef idx="minor">
-            <a:schemeClr val="lt1"/>
-          </a:fontRef>
-        </p:style>
-        <p:txBody>
-          <a:bodyPr rtlCol="0" anchor="ctr"/>
-          <a:lstStyle/>
-          <a:p>
-            <a:pPr algn="ctr"/>
-            <a:r>
-              <a:rPr lang="en-US" altLang="zh-TW" dirty="0" smtClean="0"/>
-              <a:t>Article Vector</a:t>
-            </a:r>
-            <a:br>
-              <a:rPr lang="en-US" altLang="zh-TW" dirty="0" smtClean="0"/>
-            </a:br>
-            <a:r>
-              <a:rPr lang="en-US" altLang="zh-TW" dirty="0" smtClean="0"/>
-              <a:t>Computing</a:t>
+              <a:t>Clustering</a:t>
             </a:r>
             <a:endParaRPr lang="zh-TW" altLang="en-US" dirty="0"/>
           </a:p>
         </p:txBody>
       </p:sp>
-      <p:sp>
-        <p:nvSpPr>
-          <p:cNvPr id="24" name="矩形 23"/>
-          <p:cNvSpPr/>
-          <p:nvPr/>
-        </p:nvSpPr>
-        <p:spPr>
-          <a:xfrm>
-            <a:off x="7285142" y="4706380"/>
-            <a:ext cx="1691014" cy="1139869"/>
-          </a:xfrm>
-          <a:prstGeom prst="rect">
-            <a:avLst/>
-          </a:prstGeom>
-        </p:spPr>
-        <p:style>
-          <a:lnRef idx="2">
-            <a:schemeClr val="accent1">
-              <a:shade val="50000"/>
-            </a:schemeClr>
-          </a:lnRef>
-          <a:fillRef idx="1">
-            <a:schemeClr val="accent1"/>
-          </a:fillRef>
-          <a:effectRef idx="0">
-            <a:schemeClr val="accent1"/>
-          </a:effectRef>
-          <a:fontRef idx="minor">
-            <a:schemeClr val="lt1"/>
-          </a:fontRef>
-        </p:style>
-        <p:txBody>
-          <a:bodyPr rtlCol="0" anchor="ctr"/>
-          <a:lstStyle/>
-          <a:p>
-            <a:pPr algn="ctr"/>
-            <a:r>
-              <a:rPr lang="en-US" altLang="zh-TW" dirty="0" smtClean="0"/>
-              <a:t>Clustering</a:t>
-            </a:r>
-            <a:endParaRPr lang="zh-TW" altLang="en-US" dirty="0"/>
-          </a:p>
-        </p:txBody>
-      </p:sp>
-      <p:cxnSp>
-        <p:nvCxnSpPr>
-          <p:cNvPr id="57" name="直線單箭頭接點 56"/>
-          <p:cNvCxnSpPr>
-            <a:endCxn id="13" idx="0"/>
-          </p:cNvCxnSpPr>
-          <p:nvPr/>
-        </p:nvCxnSpPr>
-        <p:spPr>
-          <a:xfrm>
-            <a:off x="3707353" y="4405871"/>
-            <a:ext cx="0" cy="300509"/>
-          </a:xfrm>
-          <a:prstGeom prst="straightConnector1">
-            <a:avLst/>
-          </a:prstGeom>
-          <a:ln>
-            <a:tailEnd type="triangle"/>
-          </a:ln>
-        </p:spPr>
-        <p:style>
-          <a:lnRef idx="1">
-            <a:schemeClr val="accent1"/>
-          </a:lnRef>
-          <a:fillRef idx="0">
-            <a:schemeClr val="accent1"/>
-          </a:fillRef>
-          <a:effectRef idx="0">
-            <a:schemeClr val="accent1"/>
-          </a:effectRef>
-          <a:fontRef idx="minor">
-            <a:schemeClr val="tx1"/>
-          </a:fontRef>
-        </p:style>
-      </p:cxnSp>
-      <p:cxnSp>
-        <p:nvCxnSpPr>
-          <p:cNvPr id="60" name="直線單箭頭接點 59"/>
-          <p:cNvCxnSpPr>
-            <a:stCxn id="13" idx="3"/>
-          </p:cNvCxnSpPr>
-          <p:nvPr/>
-        </p:nvCxnSpPr>
-        <p:spPr>
-          <a:xfrm flipV="1">
-            <a:off x="4552860" y="5276313"/>
-            <a:ext cx="520634" cy="2"/>
-          </a:xfrm>
-          <a:prstGeom prst="straightConnector1">
-            <a:avLst/>
-          </a:prstGeom>
-          <a:ln>
-            <a:tailEnd type="triangle"/>
-          </a:ln>
-        </p:spPr>
-        <p:style>
-          <a:lnRef idx="1">
-            <a:schemeClr val="accent1"/>
-          </a:lnRef>
-          <a:fillRef idx="0">
-            <a:schemeClr val="accent1"/>
-          </a:fillRef>
-          <a:effectRef idx="0">
-            <a:schemeClr val="accent1"/>
-          </a:effectRef>
-          <a:fontRef idx="minor">
-            <a:schemeClr val="tx1"/>
-          </a:fontRef>
-        </p:style>
-      </p:cxnSp>
       <p:cxnSp>
         <p:nvCxnSpPr>
           <p:cNvPr id="63" name="直線單箭頭接點 62"/>
@@ -7205,7 +13485,7 @@
         </p:nvCxnSpPr>
         <p:spPr>
           <a:xfrm>
-            <a:off x="6764508" y="5276311"/>
+            <a:off x="6882602" y="4792319"/>
             <a:ext cx="520634" cy="4"/>
           </a:xfrm>
           <a:prstGeom prst="straightConnector1">
@@ -7240,7 +13520,7 @@
         </p:nvCxnSpPr>
         <p:spPr>
           <a:xfrm flipV="1">
-            <a:off x="8976156" y="5276311"/>
+            <a:off x="9094250" y="4792319"/>
             <a:ext cx="520634" cy="4"/>
           </a:xfrm>
           <a:prstGeom prst="straightConnector1">
@@ -7265,21 +13545,259 @@
           </a:fontRef>
         </p:style>
       </p:cxnSp>
+      <p:sp>
+        <p:nvSpPr>
+          <p:cNvPr id="51" name="矩形 50"/>
+          <p:cNvSpPr/>
+          <p:nvPr/>
+        </p:nvSpPr>
+        <p:spPr>
+          <a:xfrm>
+            <a:off x="838200" y="2522846"/>
+            <a:ext cx="1691013" cy="1139869"/>
+          </a:xfrm>
+          <a:prstGeom prst="rect">
+            <a:avLst/>
+          </a:prstGeom>
+        </p:spPr>
+        <p:style>
+          <a:lnRef idx="2">
+            <a:schemeClr val="accent1">
+              <a:shade val="50000"/>
+            </a:schemeClr>
+          </a:lnRef>
+          <a:fillRef idx="1">
+            <a:schemeClr val="accent1"/>
+          </a:fillRef>
+          <a:effectRef idx="0">
+            <a:schemeClr val="accent1"/>
+          </a:effectRef>
+          <a:fontRef idx="minor">
+            <a:schemeClr val="lt1"/>
+          </a:fontRef>
+        </p:style>
+        <p:txBody>
+          <a:bodyPr rtlCol="0" anchor="ctr"/>
+          <a:lstStyle/>
+          <a:p>
+            <a:pPr algn="ctr"/>
+            <a:r>
+              <a:rPr lang="en-US" altLang="zh-TW" dirty="0" smtClean="0"/>
+              <a:t>Train Data</a:t>
+            </a:r>
+          </a:p>
+          <a:p>
+            <a:pPr algn="ctr"/>
+            <a:r>
+              <a:rPr lang="en-US" altLang="zh-TW" dirty="0" smtClean="0"/>
+              <a:t>Preprocessing</a:t>
+            </a:r>
+            <a:endParaRPr lang="en-US" altLang="zh-TW" dirty="0"/>
+          </a:p>
+        </p:txBody>
+      </p:sp>
+      <p:sp>
+        <p:nvSpPr>
+          <p:cNvPr id="52" name="矩形 51"/>
+          <p:cNvSpPr/>
+          <p:nvPr/>
+        </p:nvSpPr>
+        <p:spPr>
+          <a:xfrm>
+            <a:off x="3025637" y="2522846"/>
+            <a:ext cx="1691014" cy="1139869"/>
+          </a:xfrm>
+          <a:prstGeom prst="rect">
+            <a:avLst/>
+          </a:prstGeom>
+        </p:spPr>
+        <p:style>
+          <a:lnRef idx="2">
+            <a:schemeClr val="accent1">
+              <a:shade val="50000"/>
+            </a:schemeClr>
+          </a:lnRef>
+          <a:fillRef idx="1">
+            <a:schemeClr val="accent1"/>
+          </a:fillRef>
+          <a:effectRef idx="0">
+            <a:schemeClr val="accent1"/>
+          </a:effectRef>
+          <a:fontRef idx="minor">
+            <a:schemeClr val="lt1"/>
+          </a:fontRef>
+        </p:style>
+        <p:txBody>
+          <a:bodyPr rtlCol="0" anchor="ctr"/>
+          <a:lstStyle/>
+          <a:p>
+            <a:pPr algn="ctr"/>
+            <a:r>
+              <a:rPr lang="en-US" altLang="zh-TW" dirty="0"/>
+              <a:t>Training</a:t>
+            </a:r>
+          </a:p>
+        </p:txBody>
+      </p:sp>
       <p:cxnSp>
         <p:nvCxnSpPr>
-          <p:cNvPr id="75" name="肘形接點 74"/>
+          <p:cNvPr id="54" name="直線單箭頭接點 53"/>
           <p:cNvCxnSpPr>
-            <a:stCxn id="6" idx="2"/>
+            <a:stCxn id="13" idx="3"/>
+            <a:endCxn id="22" idx="1"/>
+          </p:cNvCxnSpPr>
+          <p:nvPr/>
+        </p:nvCxnSpPr>
+        <p:spPr>
+          <a:xfrm>
+            <a:off x="4716651" y="4784363"/>
+            <a:ext cx="496424" cy="1"/>
+          </a:xfrm>
+          <a:prstGeom prst="straightConnector1">
+            <a:avLst/>
+          </a:prstGeom>
+          <a:ln>
+            <a:tailEnd type="triangle"/>
+          </a:ln>
+        </p:spPr>
+        <p:style>
+          <a:lnRef idx="1">
+            <a:schemeClr val="accent1"/>
+          </a:lnRef>
+          <a:fillRef idx="0">
+            <a:schemeClr val="accent1"/>
+          </a:fillRef>
+          <a:effectRef idx="0">
+            <a:schemeClr val="accent1"/>
+          </a:effectRef>
+          <a:fontRef idx="minor">
+            <a:schemeClr val="tx1"/>
+          </a:fontRef>
+        </p:style>
+      </p:cxnSp>
+      <p:cxnSp>
+        <p:nvCxnSpPr>
+          <p:cNvPr id="55" name="直線單箭頭接點 54"/>
+          <p:cNvCxnSpPr>
+            <a:stCxn id="6" idx="3"/>
             <a:endCxn id="13" idx="1"/>
           </p:cNvCxnSpPr>
           <p:nvPr/>
         </p:nvCxnSpPr>
         <p:spPr>
-          <a:xfrm rot="16200000" flipH="1">
-            <a:off x="1117139" y="3531608"/>
-            <a:ext cx="2310824" cy="1178590"/>
+          <a:xfrm flipV="1">
+            <a:off x="2529213" y="4784363"/>
+            <a:ext cx="496424" cy="7962"/>
           </a:xfrm>
-          <a:prstGeom prst="bentConnector2">
+          <a:prstGeom prst="straightConnector1">
+            <a:avLst/>
+          </a:prstGeom>
+          <a:ln>
+            <a:tailEnd type="triangle"/>
+          </a:ln>
+        </p:spPr>
+        <p:style>
+          <a:lnRef idx="1">
+            <a:schemeClr val="accent1"/>
+          </a:lnRef>
+          <a:fillRef idx="0">
+            <a:schemeClr val="accent1"/>
+          </a:fillRef>
+          <a:effectRef idx="0">
+            <a:schemeClr val="accent1"/>
+          </a:effectRef>
+          <a:fontRef idx="minor">
+            <a:schemeClr val="tx1"/>
+          </a:fontRef>
+        </p:style>
+      </p:cxnSp>
+      <p:cxnSp>
+        <p:nvCxnSpPr>
+          <p:cNvPr id="56" name="直線單箭頭接點 55"/>
+          <p:cNvCxnSpPr>
+            <a:stCxn id="51" idx="3"/>
+            <a:endCxn id="52" idx="1"/>
+          </p:cNvCxnSpPr>
+          <p:nvPr/>
+        </p:nvCxnSpPr>
+        <p:spPr>
+          <a:xfrm>
+            <a:off x="2529213" y="3092781"/>
+            <a:ext cx="496424" cy="0"/>
+          </a:xfrm>
+          <a:prstGeom prst="straightConnector1">
+            <a:avLst/>
+          </a:prstGeom>
+          <a:ln>
+            <a:tailEnd type="triangle"/>
+          </a:ln>
+        </p:spPr>
+        <p:style>
+          <a:lnRef idx="1">
+            <a:schemeClr val="accent1"/>
+          </a:lnRef>
+          <a:fillRef idx="0">
+            <a:schemeClr val="accent1"/>
+          </a:fillRef>
+          <a:effectRef idx="0">
+            <a:schemeClr val="accent1"/>
+          </a:effectRef>
+          <a:fontRef idx="minor">
+            <a:schemeClr val="tx1"/>
+          </a:fontRef>
+        </p:style>
+      </p:cxnSp>
+      <p:cxnSp>
+        <p:nvCxnSpPr>
+          <p:cNvPr id="59" name="直線單箭頭接點 58"/>
+          <p:cNvCxnSpPr>
+            <a:stCxn id="6" idx="0"/>
+            <a:endCxn id="51" idx="2"/>
+          </p:cNvCxnSpPr>
+          <p:nvPr/>
+        </p:nvCxnSpPr>
+        <p:spPr>
+          <a:xfrm flipV="1">
+            <a:off x="1683706" y="3662715"/>
+            <a:ext cx="1" cy="559675"/>
+          </a:xfrm>
+          <a:prstGeom prst="straightConnector1">
+            <a:avLst/>
+          </a:prstGeom>
+          <a:ln>
+            <a:tailEnd type="triangle"/>
+          </a:ln>
+        </p:spPr>
+        <p:style>
+          <a:lnRef idx="1">
+            <a:schemeClr val="accent1"/>
+          </a:lnRef>
+          <a:fillRef idx="0">
+            <a:schemeClr val="accent1"/>
+          </a:fillRef>
+          <a:effectRef idx="0">
+            <a:schemeClr val="accent1"/>
+          </a:effectRef>
+          <a:fontRef idx="minor">
+            <a:schemeClr val="tx1"/>
+          </a:fontRef>
+        </p:style>
+      </p:cxnSp>
+      <p:cxnSp>
+        <p:nvCxnSpPr>
+          <p:cNvPr id="61" name="直線單箭頭接點 60"/>
+          <p:cNvCxnSpPr>
+            <a:stCxn id="52" idx="2"/>
+            <a:endCxn id="13" idx="0"/>
+          </p:cNvCxnSpPr>
+          <p:nvPr/>
+        </p:nvCxnSpPr>
+        <p:spPr>
+          <a:xfrm>
+            <a:off x="3871144" y="3662715"/>
+            <a:ext cx="0" cy="551713"/>
+          </a:xfrm>
+          <a:prstGeom prst="straightConnector1">
             <a:avLst/>
           </a:prstGeom>
           <a:ln>
@@ -7918,6 +14436,24 @@
               <a:rPr lang="zh-TW" altLang="en-US" dirty="0" smtClean="0"/>
               <a:t>句子移除標點及特殊符號後進行斷詞</a:t>
             </a:r>
+            <a:r>
+              <a:rPr lang="en-US" altLang="zh-TW" dirty="0"/>
+              <a:t>(</a:t>
+            </a:r>
+            <a:r>
+              <a:rPr lang="en-US" altLang="zh-TW" dirty="0" err="1"/>
+              <a:t>Jieba</a:t>
+            </a:r>
+            <a:r>
+              <a:rPr lang="zh-TW" altLang="en-US" dirty="0"/>
+              <a:t>搜尋引擎模式</a:t>
+            </a:r>
+            <a:r>
+              <a:rPr lang="en-US" altLang="zh-TW" dirty="0"/>
+              <a:t>)</a:t>
+            </a:r>
+          </a:p>
+          <a:p>
             <a:endParaRPr lang="en-US" altLang="zh-TW" dirty="0" smtClean="0"/>
           </a:p>
           <a:p>
@@ -8334,6 +14870,12 @@
             <a:r>
               <a:rPr lang="en-US" altLang="zh-TW" dirty="0" smtClean="0"/>
               <a:t>Min Count</a:t>
+            </a:r>
+          </a:p>
+          <a:p>
+            <a:r>
+              <a:rPr lang="en-US" altLang="zh-TW" dirty="0" smtClean="0"/>
+              <a:t>Skip Gram algorithm, Vector size 300, Min Count 3</a:t>
             </a:r>
           </a:p>
         </p:txBody>

--- a/Hot-Topic-Detection.pptx
+++ b/Hot-Topic-Detection.pptx
@@ -2,49 +2,48 @@
 <file path=ppt/presentation.xml><?xml version="1.0" encoding="utf-8"?>
 <p:presentation xmlns:a="http://schemas.openxmlformats.org/drawingml/2006/main" xmlns:r="http://schemas.openxmlformats.org/officeDocument/2006/relationships" xmlns:p="http://schemas.openxmlformats.org/presentationml/2006/main" saveSubsetFonts="1">
   <p:sldMasterIdLst>
-    <p:sldMasterId id="2147483660" r:id="rId1"/>
+    <p:sldMasterId id="2147483804" r:id="rId1"/>
   </p:sldMasterIdLst>
   <p:notesMasterIdLst>
-    <p:notesMasterId r:id="rId39"/>
+    <p:notesMasterId r:id="rId38"/>
   </p:notesMasterIdLst>
   <p:sldIdLst>
     <p:sldId id="256" r:id="rId2"/>
     <p:sldId id="257" r:id="rId3"/>
     <p:sldId id="258" r:id="rId4"/>
     <p:sldId id="259" r:id="rId5"/>
-    <p:sldId id="284" r:id="rId6"/>
-    <p:sldId id="260" r:id="rId7"/>
-    <p:sldId id="278" r:id="rId8"/>
-    <p:sldId id="279" r:id="rId9"/>
-    <p:sldId id="280" r:id="rId10"/>
-    <p:sldId id="283" r:id="rId11"/>
-    <p:sldId id="262" r:id="rId12"/>
-    <p:sldId id="286" r:id="rId13"/>
-    <p:sldId id="263" r:id="rId14"/>
-    <p:sldId id="264" r:id="rId15"/>
-    <p:sldId id="289" r:id="rId16"/>
-    <p:sldId id="290" r:id="rId17"/>
-    <p:sldId id="291" r:id="rId18"/>
-    <p:sldId id="265" r:id="rId19"/>
-    <p:sldId id="292" r:id="rId20"/>
-    <p:sldId id="294" r:id="rId21"/>
-    <p:sldId id="295" r:id="rId22"/>
-    <p:sldId id="288" r:id="rId23"/>
-    <p:sldId id="297" r:id="rId24"/>
-    <p:sldId id="293" r:id="rId25"/>
-    <p:sldId id="296" r:id="rId26"/>
-    <p:sldId id="299" r:id="rId27"/>
-    <p:sldId id="298" r:id="rId28"/>
-    <p:sldId id="300" r:id="rId29"/>
-    <p:sldId id="301" r:id="rId30"/>
-    <p:sldId id="306" r:id="rId31"/>
-    <p:sldId id="302" r:id="rId32"/>
-    <p:sldId id="303" r:id="rId33"/>
-    <p:sldId id="307" r:id="rId34"/>
-    <p:sldId id="304" r:id="rId35"/>
-    <p:sldId id="305" r:id="rId36"/>
-    <p:sldId id="287" r:id="rId37"/>
-    <p:sldId id="285" r:id="rId38"/>
+    <p:sldId id="308" r:id="rId6"/>
+    <p:sldId id="313" r:id="rId7"/>
+    <p:sldId id="309" r:id="rId8"/>
+    <p:sldId id="310" r:id="rId9"/>
+    <p:sldId id="283" r:id="rId10"/>
+    <p:sldId id="311" r:id="rId11"/>
+    <p:sldId id="312" r:id="rId12"/>
+    <p:sldId id="314" r:id="rId13"/>
+    <p:sldId id="315" r:id="rId14"/>
+    <p:sldId id="289" r:id="rId15"/>
+    <p:sldId id="290" r:id="rId16"/>
+    <p:sldId id="291" r:id="rId17"/>
+    <p:sldId id="316" r:id="rId18"/>
+    <p:sldId id="292" r:id="rId19"/>
+    <p:sldId id="294" r:id="rId20"/>
+    <p:sldId id="295" r:id="rId21"/>
+    <p:sldId id="288" r:id="rId22"/>
+    <p:sldId id="297" r:id="rId23"/>
+    <p:sldId id="293" r:id="rId24"/>
+    <p:sldId id="296" r:id="rId25"/>
+    <p:sldId id="299" r:id="rId26"/>
+    <p:sldId id="298" r:id="rId27"/>
+    <p:sldId id="300" r:id="rId28"/>
+    <p:sldId id="301" r:id="rId29"/>
+    <p:sldId id="306" r:id="rId30"/>
+    <p:sldId id="302" r:id="rId31"/>
+    <p:sldId id="303" r:id="rId32"/>
+    <p:sldId id="307" r:id="rId33"/>
+    <p:sldId id="304" r:id="rId34"/>
+    <p:sldId id="305" r:id="rId35"/>
+    <p:sldId id="287" r:id="rId36"/>
+    <p:sldId id="285" r:id="rId37"/>
   </p:sldIdLst>
   <p:sldSz cx="12192000" cy="6858000"/>
   <p:notesSz cx="6858000" cy="9144000"/>
@@ -152,7 +151,7 @@
 </file>
 
 <file path=ppt/charts/chart1.xml><?xml version="1.0" encoding="utf-8"?>
-<c:chartSpace xmlns:c="http://schemas.openxmlformats.org/drawingml/2006/chart" xmlns:a="http://schemas.openxmlformats.org/drawingml/2006/main" xmlns:r="http://schemas.openxmlformats.org/officeDocument/2006/relationships" xmlns:c16r2="http://schemas.microsoft.com/office/drawing/2015/06/chart">
+<c:chartSpace xmlns:c="http://schemas.openxmlformats.org/drawingml/2006/chart" xmlns:a="http://schemas.openxmlformats.org/drawingml/2006/main" xmlns:r="http://schemas.openxmlformats.org/officeDocument/2006/relationships">
   <c:date1904 val="0"/>
   <c:lang val="zh-TW"/>
   <c:roundedCorners val="0"/>
@@ -318,7 +317,7 @@
             </c:numRef>
           </c:val>
           <c:smooth val="0"/>
-          <c:extLst>
+          <c:extLst xmlns:c16r2="http://schemas.microsoft.com/office/drawing/2015/06/chart">
             <c:ext xmlns:c16="http://schemas.microsoft.com/office/drawing/2014/chart" uri="{C3380CC4-5D6E-409C-BE32-E72D297353CC}">
               <c16:uniqueId val="{00000000-38E7-4F80-8616-4EAE8C5C3702}"/>
             </c:ext>
@@ -471,7 +470,7 @@
             </c:numRef>
           </c:val>
           <c:smooth val="0"/>
-          <c:extLst>
+          <c:extLst xmlns:c16r2="http://schemas.microsoft.com/office/drawing/2015/06/chart">
             <c:ext xmlns:c16="http://schemas.microsoft.com/office/drawing/2014/chart" uri="{C3380CC4-5D6E-409C-BE32-E72D297353CC}">
               <c16:uniqueId val="{00000001-38E7-4F80-8616-4EAE8C5C3702}"/>
             </c:ext>
@@ -624,7 +623,7 @@
             </c:numRef>
           </c:val>
           <c:smooth val="0"/>
-          <c:extLst>
+          <c:extLst xmlns:c16r2="http://schemas.microsoft.com/office/drawing/2015/06/chart">
             <c:ext xmlns:c16="http://schemas.microsoft.com/office/drawing/2014/chart" uri="{C3380CC4-5D6E-409C-BE32-E72D297353CC}">
               <c16:uniqueId val="{00000002-38E7-4F80-8616-4EAE8C5C3702}"/>
             </c:ext>
@@ -777,7 +776,7 @@
             </c:numRef>
           </c:val>
           <c:smooth val="0"/>
-          <c:extLst>
+          <c:extLst xmlns:c16r2="http://schemas.microsoft.com/office/drawing/2015/06/chart">
             <c:ext xmlns:c16="http://schemas.microsoft.com/office/drawing/2014/chart" uri="{C3380CC4-5D6E-409C-BE32-E72D297353CC}">
               <c16:uniqueId val="{00000003-38E7-4F80-8616-4EAE8C5C3702}"/>
             </c:ext>
@@ -930,7 +929,7 @@
             </c:numRef>
           </c:val>
           <c:smooth val="0"/>
-          <c:extLst>
+          <c:extLst xmlns:c16r2="http://schemas.microsoft.com/office/drawing/2015/06/chart">
             <c:ext xmlns:c16="http://schemas.microsoft.com/office/drawing/2014/chart" uri="{C3380CC4-5D6E-409C-BE32-E72D297353CC}">
               <c16:uniqueId val="{00000004-38E7-4F80-8616-4EAE8C5C3702}"/>
             </c:ext>
@@ -946,11 +945,11 @@
         </c:dLbls>
         <c:marker val="1"/>
         <c:smooth val="0"/>
-        <c:axId val="662873855"/>
-        <c:axId val="662881343"/>
+        <c:axId val="-127003216"/>
+        <c:axId val="-127000496"/>
       </c:lineChart>
       <c:catAx>
-        <c:axId val="662873855"/>
+        <c:axId val="-127003216"/>
         <c:scaling>
           <c:orientation val="minMax"/>
         </c:scaling>
@@ -1064,7 +1063,7 @@
             <a:endParaRPr lang="zh-TW"/>
           </a:p>
         </c:txPr>
-        <c:crossAx val="662881343"/>
+        <c:crossAx val="-127000496"/>
         <c:crosses val="autoZero"/>
         <c:auto val="1"/>
         <c:lblAlgn val="ctr"/>
@@ -1072,7 +1071,7 @@
         <c:noMultiLvlLbl val="0"/>
       </c:catAx>
       <c:valAx>
-        <c:axId val="662881343"/>
+        <c:axId val="-127000496"/>
         <c:scaling>
           <c:orientation val="minMax"/>
           <c:min val="0.75000000000000011"/>
@@ -1182,7 +1181,7 @@
             <a:endParaRPr lang="zh-TW"/>
           </a:p>
         </c:txPr>
-        <c:crossAx val="662873855"/>
+        <c:crossAx val="-127003216"/>
         <c:crosses val="autoZero"/>
         <c:crossBetween val="between"/>
       </c:valAx>
@@ -1878,7 +1877,7 @@
           <a:p>
             <a:fld id="{6EBBD1C7-ADD3-504D-BCDB-B42CF5CE97FC}" type="datetimeFigureOut">
               <a:rPr kumimoji="1" lang="zh-TW" altLang="en-US" smtClean="0"/>
-              <a:t>2016/5/26</a:t>
+              <a:t>2016/6/4</a:t>
             </a:fld>
             <a:endParaRPr kumimoji="1" lang="zh-TW" altLang="en-US"/>
           </a:p>
@@ -2165,7 +2164,7 @@
       </p:grpSpPr>
       <p:sp>
         <p:nvSpPr>
-          <p:cNvPr id="2" name="投影片影像版面配置區 1"/>
+          <p:cNvPr id="2" name="投影片圖像版面配置區 1"/>
           <p:cNvSpPr>
             <a:spLocks noGrp="1" noRot="1" noChangeAspect="1"/>
           </p:cNvSpPr>
@@ -2190,25 +2189,7 @@
           <a:bodyPr/>
           <a:lstStyle/>
           <a:p>
-            <a:r>
-              <a:rPr kumimoji="1" lang="zh-TW" altLang="en-US" dirty="0" smtClean="0"/>
-              <a:t>關鍵字關聯性怎麼計算 柯文哲？科Ｐ？</a:t>
-            </a:r>
-          </a:p>
-          <a:p>
-            <a:r>
-              <a:rPr kumimoji="1" lang="zh-TW" altLang="en-US" dirty="0" smtClean="0"/>
-              <a:t>主題偵測目的</a:t>
-            </a:r>
-          </a:p>
-          <a:p>
-            <a:r>
-              <a:rPr kumimoji="1" lang="zh-TW" altLang="en-US" dirty="0" smtClean="0"/>
-              <a:t>人工先驗證再來做</a:t>
-            </a:r>
-          </a:p>
-          <a:p>
-            <a:endParaRPr kumimoji="1" lang="zh-TW" altLang="en-US" dirty="0" smtClean="0"/>
+            <a:endParaRPr lang="zh-TW" altLang="en-US" dirty="0"/>
           </a:p>
         </p:txBody>
       </p:sp>
@@ -2229,7 +2210,7 @@
           <a:p>
             <a:fld id="{5C0E8D25-4743-8548-92C1-84EF04EA4DC0}" type="slidenum">
               <a:rPr kumimoji="1" lang="zh-TW" altLang="en-US" smtClean="0"/>
-              <a:t>13</a:t>
+              <a:t>6</a:t>
             </a:fld>
             <a:endParaRPr kumimoji="1" lang="zh-TW" altLang="en-US"/>
           </a:p>
@@ -2238,7 +2219,7 @@
     </p:spTree>
     <p:extLst>
       <p:ext uri="{BB962C8B-B14F-4D97-AF65-F5344CB8AC3E}">
-        <p14:creationId xmlns:p14="http://schemas.microsoft.com/office/powerpoint/2010/main" val="1656478042"/>
+        <p14:creationId xmlns:p14="http://schemas.microsoft.com/office/powerpoint/2010/main" val="3522007666"/>
       </p:ext>
     </p:extLst>
   </p:cSld>
@@ -2313,7 +2294,7 @@
           <a:p>
             <a:fld id="{5C0E8D25-4743-8548-92C1-84EF04EA4DC0}" type="slidenum">
               <a:rPr kumimoji="1" lang="zh-TW" altLang="en-US" smtClean="0"/>
-              <a:t>21</a:t>
+              <a:t>20</a:t>
             </a:fld>
             <a:endParaRPr kumimoji="1" lang="zh-TW" altLang="en-US"/>
           </a:p>
@@ -2417,7 +2398,7 @@
           <a:p>
             <a:fld id="{5C0E8D25-4743-8548-92C1-84EF04EA4DC0}" type="slidenum">
               <a:rPr kumimoji="1" lang="zh-TW" altLang="en-US" smtClean="0"/>
-              <a:t>23</a:t>
+              <a:t>22</a:t>
             </a:fld>
             <a:endParaRPr kumimoji="1" lang="zh-TW" altLang="en-US"/>
           </a:p>
@@ -2543,7 +2524,7 @@
           <a:p>
             <a:fld id="{5C0E8D25-4743-8548-92C1-84EF04EA4DC0}" type="slidenum">
               <a:rPr kumimoji="1" lang="zh-TW" altLang="en-US" smtClean="0"/>
-              <a:t>24</a:t>
+              <a:t>23</a:t>
             </a:fld>
             <a:endParaRPr kumimoji="1" lang="zh-TW" altLang="en-US"/>
           </a:p>
@@ -2631,7 +2612,7 @@
           <a:p>
             <a:fld id="{5C0E8D25-4743-8548-92C1-84EF04EA4DC0}" type="slidenum">
               <a:rPr kumimoji="1" lang="zh-TW" altLang="en-US" smtClean="0"/>
-              <a:t>25</a:t>
+              <a:t>24</a:t>
             </a:fld>
             <a:endParaRPr kumimoji="1" lang="zh-TW" altLang="en-US"/>
           </a:p>
@@ -2719,7 +2700,7 @@
           <a:p>
             <a:fld id="{5C0E8D25-4743-8548-92C1-84EF04EA4DC0}" type="slidenum">
               <a:rPr kumimoji="1" lang="zh-TW" altLang="en-US" smtClean="0"/>
-              <a:t>26</a:t>
+              <a:t>25</a:t>
             </a:fld>
             <a:endParaRPr kumimoji="1" lang="zh-TW" altLang="en-US"/>
           </a:p>
@@ -2803,7 +2784,7 @@
           <a:p>
             <a:fld id="{5C0E8D25-4743-8548-92C1-84EF04EA4DC0}" type="slidenum">
               <a:rPr kumimoji="1" lang="zh-TW" altLang="en-US" smtClean="0"/>
-              <a:t>27</a:t>
+              <a:t>26</a:t>
             </a:fld>
             <a:endParaRPr kumimoji="1" lang="zh-TW" altLang="en-US"/>
           </a:p>
@@ -2891,7 +2872,7 @@
           <a:p>
             <a:fld id="{5C0E8D25-4743-8548-92C1-84EF04EA4DC0}" type="slidenum">
               <a:rPr kumimoji="1" lang="zh-TW" altLang="en-US" smtClean="0"/>
-              <a:t>28</a:t>
+              <a:t>27</a:t>
             </a:fld>
             <a:endParaRPr kumimoji="1" lang="zh-TW" altLang="en-US"/>
           </a:p>
@@ -2929,7 +2910,7 @@
       </p:grpSpPr>
       <p:sp>
         <p:nvSpPr>
-          <p:cNvPr id="2" name="Title 1"/>
+          <p:cNvPr id="2" name="標題 1"/>
           <p:cNvSpPr>
             <a:spLocks noGrp="1"/>
           </p:cNvSpPr>
@@ -2955,13 +2936,13 @@
               <a:rPr lang="zh-TW" altLang="en-US" smtClean="0"/>
               <a:t>按一下以編輯母片標題樣式</a:t>
             </a:r>
-            <a:endParaRPr lang="en-US" dirty="0"/>
-          </a:p>
-        </p:txBody>
-      </p:sp>
-      <p:sp>
-        <p:nvSpPr>
-          <p:cNvPr id="3" name="Subtitle 2"/>
+            <a:endParaRPr lang="zh-TW" altLang="en-US"/>
+          </a:p>
+        </p:txBody>
+      </p:sp>
+      <p:sp>
+        <p:nvSpPr>
+          <p:cNvPr id="3" name="副標題 2"/>
           <p:cNvSpPr>
             <a:spLocks noGrp="1"/>
           </p:cNvSpPr>
@@ -3020,13 +3001,13 @@
               <a:rPr lang="zh-TW" altLang="en-US" smtClean="0"/>
               <a:t>按一下以編輯母片副標題樣式</a:t>
             </a:r>
-            <a:endParaRPr lang="en-US" dirty="0"/>
-          </a:p>
-        </p:txBody>
-      </p:sp>
-      <p:sp>
-        <p:nvSpPr>
-          <p:cNvPr id="4" name="Date Placeholder 3"/>
+            <a:endParaRPr lang="zh-TW" altLang="en-US"/>
+          </a:p>
+        </p:txBody>
+      </p:sp>
+      <p:sp>
+        <p:nvSpPr>
+          <p:cNvPr id="4" name="日期版面配置區 3"/>
           <p:cNvSpPr>
             <a:spLocks noGrp="1"/>
           </p:cNvSpPr>
@@ -3041,7 +3022,7 @@
           <a:p>
             <a:fld id="{07D37549-EB1B-4775-A7CD-5FCE3CE0385F}" type="datetimeFigureOut">
               <a:rPr lang="zh-TW" altLang="en-US" smtClean="0"/>
-              <a:t>2016/5/26</a:t>
+              <a:t>2016/6/4</a:t>
             </a:fld>
             <a:endParaRPr lang="zh-TW" altLang="en-US"/>
           </a:p>
@@ -3049,7 +3030,7 @@
       </p:sp>
       <p:sp>
         <p:nvSpPr>
-          <p:cNvPr id="5" name="Footer Placeholder 4"/>
+          <p:cNvPr id="5" name="頁尾版面配置區 4"/>
           <p:cNvSpPr>
             <a:spLocks noGrp="1"/>
           </p:cNvSpPr>
@@ -3068,7 +3049,7 @@
       </p:sp>
       <p:sp>
         <p:nvSpPr>
-          <p:cNvPr id="6" name="Slide Number Placeholder 5"/>
+          <p:cNvPr id="6" name="投影片編號版面配置區 5"/>
           <p:cNvSpPr>
             <a:spLocks noGrp="1"/>
           </p:cNvSpPr>
@@ -3092,7 +3073,7 @@
     </p:spTree>
     <p:extLst>
       <p:ext uri="{BB962C8B-B14F-4D97-AF65-F5344CB8AC3E}">
-        <p14:creationId xmlns:p14="http://schemas.microsoft.com/office/powerpoint/2010/main" val="2410474427"/>
+        <p14:creationId xmlns:p14="http://schemas.microsoft.com/office/powerpoint/2010/main" val="488336979"/>
       </p:ext>
     </p:extLst>
   </p:cSld>
@@ -3121,7 +3102,7 @@
       </p:grpSpPr>
       <p:sp>
         <p:nvSpPr>
-          <p:cNvPr id="2" name="Title 1"/>
+          <p:cNvPr id="2" name="標題 1"/>
           <p:cNvSpPr>
             <a:spLocks noGrp="1"/>
           </p:cNvSpPr>
@@ -3138,13 +3119,13 @@
               <a:rPr lang="zh-TW" altLang="en-US" smtClean="0"/>
               <a:t>按一下以編輯母片標題樣式</a:t>
             </a:r>
-            <a:endParaRPr lang="en-US" dirty="0"/>
-          </a:p>
-        </p:txBody>
-      </p:sp>
-      <p:sp>
-        <p:nvSpPr>
-          <p:cNvPr id="3" name="Vertical Text Placeholder 2"/>
+            <a:endParaRPr lang="zh-TW" altLang="en-US"/>
+          </a:p>
+        </p:txBody>
+      </p:sp>
+      <p:sp>
+        <p:nvSpPr>
+          <p:cNvPr id="3" name="直排文字版面配置區 2"/>
           <p:cNvSpPr>
             <a:spLocks noGrp="1"/>
           </p:cNvSpPr>
@@ -3190,13 +3171,13 @@
               <a:rPr lang="zh-TW" altLang="en-US" smtClean="0"/>
               <a:t>第五層</a:t>
             </a:r>
-            <a:endParaRPr lang="en-US" dirty="0"/>
-          </a:p>
-        </p:txBody>
-      </p:sp>
-      <p:sp>
-        <p:nvSpPr>
-          <p:cNvPr id="4" name="Date Placeholder 3"/>
+            <a:endParaRPr lang="zh-TW" altLang="en-US"/>
+          </a:p>
+        </p:txBody>
+      </p:sp>
+      <p:sp>
+        <p:nvSpPr>
+          <p:cNvPr id="4" name="日期版面配置區 3"/>
           <p:cNvSpPr>
             <a:spLocks noGrp="1"/>
           </p:cNvSpPr>
@@ -3211,7 +3192,7 @@
           <a:p>
             <a:fld id="{07D37549-EB1B-4775-A7CD-5FCE3CE0385F}" type="datetimeFigureOut">
               <a:rPr lang="zh-TW" altLang="en-US" smtClean="0"/>
-              <a:t>2016/5/26</a:t>
+              <a:t>2016/6/4</a:t>
             </a:fld>
             <a:endParaRPr lang="zh-TW" altLang="en-US"/>
           </a:p>
@@ -3219,7 +3200,7 @@
       </p:sp>
       <p:sp>
         <p:nvSpPr>
-          <p:cNvPr id="5" name="Footer Placeholder 4"/>
+          <p:cNvPr id="5" name="頁尾版面配置區 4"/>
           <p:cNvSpPr>
             <a:spLocks noGrp="1"/>
           </p:cNvSpPr>
@@ -3238,7 +3219,7 @@
       </p:sp>
       <p:sp>
         <p:nvSpPr>
-          <p:cNvPr id="6" name="Slide Number Placeholder 5"/>
+          <p:cNvPr id="6" name="投影片編號版面配置區 5"/>
           <p:cNvSpPr>
             <a:spLocks noGrp="1"/>
           </p:cNvSpPr>
@@ -3262,7 +3243,7 @@
     </p:spTree>
     <p:extLst>
       <p:ext uri="{BB962C8B-B14F-4D97-AF65-F5344CB8AC3E}">
-        <p14:creationId xmlns:p14="http://schemas.microsoft.com/office/powerpoint/2010/main" val="1231691514"/>
+        <p14:creationId xmlns:p14="http://schemas.microsoft.com/office/powerpoint/2010/main" val="1043554386"/>
       </p:ext>
     </p:extLst>
   </p:cSld>
@@ -3291,7 +3272,7 @@
       </p:grpSpPr>
       <p:sp>
         <p:nvSpPr>
-          <p:cNvPr id="2" name="Vertical Title 1"/>
+          <p:cNvPr id="2" name="直排標題 1"/>
           <p:cNvSpPr>
             <a:spLocks noGrp="1"/>
           </p:cNvSpPr>
@@ -3313,13 +3294,13 @@
               <a:rPr lang="zh-TW" altLang="en-US" smtClean="0"/>
               <a:t>按一下以編輯母片標題樣式</a:t>
             </a:r>
-            <a:endParaRPr lang="en-US" dirty="0"/>
-          </a:p>
-        </p:txBody>
-      </p:sp>
-      <p:sp>
-        <p:nvSpPr>
-          <p:cNvPr id="3" name="Vertical Text Placeholder 2"/>
+            <a:endParaRPr lang="zh-TW" altLang="en-US"/>
+          </a:p>
+        </p:txBody>
+      </p:sp>
+      <p:sp>
+        <p:nvSpPr>
+          <p:cNvPr id="3" name="直排文字版面配置區 2"/>
           <p:cNvSpPr>
             <a:spLocks noGrp="1"/>
           </p:cNvSpPr>
@@ -3370,13 +3351,13 @@
               <a:rPr lang="zh-TW" altLang="en-US" smtClean="0"/>
               <a:t>第五層</a:t>
             </a:r>
-            <a:endParaRPr lang="en-US" dirty="0"/>
-          </a:p>
-        </p:txBody>
-      </p:sp>
-      <p:sp>
-        <p:nvSpPr>
-          <p:cNvPr id="4" name="Date Placeholder 3"/>
+            <a:endParaRPr lang="zh-TW" altLang="en-US"/>
+          </a:p>
+        </p:txBody>
+      </p:sp>
+      <p:sp>
+        <p:nvSpPr>
+          <p:cNvPr id="4" name="日期版面配置區 3"/>
           <p:cNvSpPr>
             <a:spLocks noGrp="1"/>
           </p:cNvSpPr>
@@ -3391,7 +3372,7 @@
           <a:p>
             <a:fld id="{07D37549-EB1B-4775-A7CD-5FCE3CE0385F}" type="datetimeFigureOut">
               <a:rPr lang="zh-TW" altLang="en-US" smtClean="0"/>
-              <a:t>2016/5/26</a:t>
+              <a:t>2016/6/4</a:t>
             </a:fld>
             <a:endParaRPr lang="zh-TW" altLang="en-US"/>
           </a:p>
@@ -3399,7 +3380,7 @@
       </p:sp>
       <p:sp>
         <p:nvSpPr>
-          <p:cNvPr id="5" name="Footer Placeholder 4"/>
+          <p:cNvPr id="5" name="頁尾版面配置區 4"/>
           <p:cNvSpPr>
             <a:spLocks noGrp="1"/>
           </p:cNvSpPr>
@@ -3418,7 +3399,7 @@
       </p:sp>
       <p:sp>
         <p:nvSpPr>
-          <p:cNvPr id="6" name="Slide Number Placeholder 5"/>
+          <p:cNvPr id="6" name="投影片編號版面配置區 5"/>
           <p:cNvSpPr>
             <a:spLocks noGrp="1"/>
           </p:cNvSpPr>
@@ -3442,7 +3423,7 @@
     </p:spTree>
     <p:extLst>
       <p:ext uri="{BB962C8B-B14F-4D97-AF65-F5344CB8AC3E}">
-        <p14:creationId xmlns:p14="http://schemas.microsoft.com/office/powerpoint/2010/main" val="3207229469"/>
+        <p14:creationId xmlns:p14="http://schemas.microsoft.com/office/powerpoint/2010/main" val="593021882"/>
       </p:ext>
     </p:extLst>
   </p:cSld>
@@ -3471,7 +3452,7 @@
       </p:grpSpPr>
       <p:sp>
         <p:nvSpPr>
-          <p:cNvPr id="2" name="Title 1"/>
+          <p:cNvPr id="2" name="標題 1"/>
           <p:cNvSpPr>
             <a:spLocks noGrp="1"/>
           </p:cNvSpPr>
@@ -3488,13 +3469,13 @@
               <a:rPr lang="zh-TW" altLang="en-US" smtClean="0"/>
               <a:t>按一下以編輯母片標題樣式</a:t>
             </a:r>
-            <a:endParaRPr lang="en-US" dirty="0"/>
-          </a:p>
-        </p:txBody>
-      </p:sp>
-      <p:sp>
-        <p:nvSpPr>
-          <p:cNvPr id="3" name="Content Placeholder 2"/>
+            <a:endParaRPr lang="zh-TW" altLang="en-US"/>
+          </a:p>
+        </p:txBody>
+      </p:sp>
+      <p:sp>
+        <p:nvSpPr>
+          <p:cNvPr id="3" name="內容版面配置區 2"/>
           <p:cNvSpPr>
             <a:spLocks noGrp="1"/>
           </p:cNvSpPr>
@@ -3540,13 +3521,13 @@
               <a:rPr lang="zh-TW" altLang="en-US" smtClean="0"/>
               <a:t>第五層</a:t>
             </a:r>
-            <a:endParaRPr lang="en-US" dirty="0"/>
-          </a:p>
-        </p:txBody>
-      </p:sp>
-      <p:sp>
-        <p:nvSpPr>
-          <p:cNvPr id="4" name="Date Placeholder 3"/>
+            <a:endParaRPr lang="zh-TW" altLang="en-US"/>
+          </a:p>
+        </p:txBody>
+      </p:sp>
+      <p:sp>
+        <p:nvSpPr>
+          <p:cNvPr id="4" name="日期版面配置區 3"/>
           <p:cNvSpPr>
             <a:spLocks noGrp="1"/>
           </p:cNvSpPr>
@@ -3561,7 +3542,7 @@
           <a:p>
             <a:fld id="{07D37549-EB1B-4775-A7CD-5FCE3CE0385F}" type="datetimeFigureOut">
               <a:rPr lang="zh-TW" altLang="en-US" smtClean="0"/>
-              <a:t>2016/5/26</a:t>
+              <a:t>2016/6/4</a:t>
             </a:fld>
             <a:endParaRPr lang="zh-TW" altLang="en-US"/>
           </a:p>
@@ -3569,7 +3550,7 @@
       </p:sp>
       <p:sp>
         <p:nvSpPr>
-          <p:cNvPr id="5" name="Footer Placeholder 4"/>
+          <p:cNvPr id="5" name="頁尾版面配置區 4"/>
           <p:cNvSpPr>
             <a:spLocks noGrp="1"/>
           </p:cNvSpPr>
@@ -3588,7 +3569,7 @@
       </p:sp>
       <p:sp>
         <p:nvSpPr>
-          <p:cNvPr id="6" name="Slide Number Placeholder 5"/>
+          <p:cNvPr id="6" name="投影片編號版面配置區 5"/>
           <p:cNvSpPr>
             <a:spLocks noGrp="1"/>
           </p:cNvSpPr>
@@ -3612,7 +3593,7 @@
     </p:spTree>
     <p:extLst>
       <p:ext uri="{BB962C8B-B14F-4D97-AF65-F5344CB8AC3E}">
-        <p14:creationId xmlns:p14="http://schemas.microsoft.com/office/powerpoint/2010/main" val="3279791636"/>
+        <p14:creationId xmlns:p14="http://schemas.microsoft.com/office/powerpoint/2010/main" val="2139765296"/>
       </p:ext>
     </p:extLst>
   </p:cSld>
@@ -3641,7 +3622,7 @@
       </p:grpSpPr>
       <p:sp>
         <p:nvSpPr>
-          <p:cNvPr id="2" name="Title 1"/>
+          <p:cNvPr id="2" name="標題 1"/>
           <p:cNvSpPr>
             <a:spLocks noGrp="1"/>
           </p:cNvSpPr>
@@ -3667,13 +3648,13 @@
               <a:rPr lang="zh-TW" altLang="en-US" smtClean="0"/>
               <a:t>按一下以編輯母片標題樣式</a:t>
             </a:r>
-            <a:endParaRPr lang="en-US" dirty="0"/>
-          </a:p>
-        </p:txBody>
-      </p:sp>
-      <p:sp>
-        <p:nvSpPr>
-          <p:cNvPr id="3" name="Text Placeholder 2"/>
+            <a:endParaRPr lang="zh-TW" altLang="en-US"/>
+          </a:p>
+        </p:txBody>
+      </p:sp>
+      <p:sp>
+        <p:nvSpPr>
+          <p:cNvPr id="3" name="文字版面配置區 2"/>
           <p:cNvSpPr>
             <a:spLocks noGrp="1"/>
           </p:cNvSpPr>
@@ -3792,7 +3773,7 @@
       </p:sp>
       <p:sp>
         <p:nvSpPr>
-          <p:cNvPr id="4" name="Date Placeholder 3"/>
+          <p:cNvPr id="4" name="日期版面配置區 3"/>
           <p:cNvSpPr>
             <a:spLocks noGrp="1"/>
           </p:cNvSpPr>
@@ -3807,7 +3788,7 @@
           <a:p>
             <a:fld id="{07D37549-EB1B-4775-A7CD-5FCE3CE0385F}" type="datetimeFigureOut">
               <a:rPr lang="zh-TW" altLang="en-US" smtClean="0"/>
-              <a:t>2016/5/26</a:t>
+              <a:t>2016/6/4</a:t>
             </a:fld>
             <a:endParaRPr lang="zh-TW" altLang="en-US"/>
           </a:p>
@@ -3815,7 +3796,7 @@
       </p:sp>
       <p:sp>
         <p:nvSpPr>
-          <p:cNvPr id="5" name="Footer Placeholder 4"/>
+          <p:cNvPr id="5" name="頁尾版面配置區 4"/>
           <p:cNvSpPr>
             <a:spLocks noGrp="1"/>
           </p:cNvSpPr>
@@ -3834,7 +3815,7 @@
       </p:sp>
       <p:sp>
         <p:nvSpPr>
-          <p:cNvPr id="6" name="Slide Number Placeholder 5"/>
+          <p:cNvPr id="6" name="投影片編號版面配置區 5"/>
           <p:cNvSpPr>
             <a:spLocks noGrp="1"/>
           </p:cNvSpPr>
@@ -3858,7 +3839,7 @@
     </p:spTree>
     <p:extLst>
       <p:ext uri="{BB962C8B-B14F-4D97-AF65-F5344CB8AC3E}">
-        <p14:creationId xmlns:p14="http://schemas.microsoft.com/office/powerpoint/2010/main" val="1340305215"/>
+        <p14:creationId xmlns:p14="http://schemas.microsoft.com/office/powerpoint/2010/main" val="904825177"/>
       </p:ext>
     </p:extLst>
   </p:cSld>
@@ -3887,7 +3868,7 @@
       </p:grpSpPr>
       <p:sp>
         <p:nvSpPr>
-          <p:cNvPr id="2" name="Title 1"/>
+          <p:cNvPr id="2" name="標題 1"/>
           <p:cNvSpPr>
             <a:spLocks noGrp="1"/>
           </p:cNvSpPr>
@@ -3904,13 +3885,13 @@
               <a:rPr lang="zh-TW" altLang="en-US" smtClean="0"/>
               <a:t>按一下以編輯母片標題樣式</a:t>
             </a:r>
-            <a:endParaRPr lang="en-US" dirty="0"/>
-          </a:p>
-        </p:txBody>
-      </p:sp>
-      <p:sp>
-        <p:nvSpPr>
-          <p:cNvPr id="3" name="Content Placeholder 2"/>
+            <a:endParaRPr lang="zh-TW" altLang="en-US"/>
+          </a:p>
+        </p:txBody>
+      </p:sp>
+      <p:sp>
+        <p:nvSpPr>
+          <p:cNvPr id="3" name="內容版面配置區 2"/>
           <p:cNvSpPr>
             <a:spLocks noGrp="1"/>
           </p:cNvSpPr>
@@ -3961,13 +3942,13 @@
               <a:rPr lang="zh-TW" altLang="en-US" smtClean="0"/>
               <a:t>第五層</a:t>
             </a:r>
-            <a:endParaRPr lang="en-US" dirty="0"/>
-          </a:p>
-        </p:txBody>
-      </p:sp>
-      <p:sp>
-        <p:nvSpPr>
-          <p:cNvPr id="4" name="Content Placeholder 3"/>
+            <a:endParaRPr lang="zh-TW" altLang="en-US"/>
+          </a:p>
+        </p:txBody>
+      </p:sp>
+      <p:sp>
+        <p:nvSpPr>
+          <p:cNvPr id="4" name="內容版面配置區 3"/>
           <p:cNvSpPr>
             <a:spLocks noGrp="1"/>
           </p:cNvSpPr>
@@ -4018,13 +3999,13 @@
               <a:rPr lang="zh-TW" altLang="en-US" smtClean="0"/>
               <a:t>第五層</a:t>
             </a:r>
-            <a:endParaRPr lang="en-US" dirty="0"/>
-          </a:p>
-        </p:txBody>
-      </p:sp>
-      <p:sp>
-        <p:nvSpPr>
-          <p:cNvPr id="5" name="Date Placeholder 4"/>
+            <a:endParaRPr lang="zh-TW" altLang="en-US"/>
+          </a:p>
+        </p:txBody>
+      </p:sp>
+      <p:sp>
+        <p:nvSpPr>
+          <p:cNvPr id="5" name="日期版面配置區 4"/>
           <p:cNvSpPr>
             <a:spLocks noGrp="1"/>
           </p:cNvSpPr>
@@ -4039,7 +4020,7 @@
           <a:p>
             <a:fld id="{07D37549-EB1B-4775-A7CD-5FCE3CE0385F}" type="datetimeFigureOut">
               <a:rPr lang="zh-TW" altLang="en-US" smtClean="0"/>
-              <a:t>2016/5/26</a:t>
+              <a:t>2016/6/4</a:t>
             </a:fld>
             <a:endParaRPr lang="zh-TW" altLang="en-US"/>
           </a:p>
@@ -4047,7 +4028,7 @@
       </p:sp>
       <p:sp>
         <p:nvSpPr>
-          <p:cNvPr id="6" name="Footer Placeholder 5"/>
+          <p:cNvPr id="6" name="頁尾版面配置區 5"/>
           <p:cNvSpPr>
             <a:spLocks noGrp="1"/>
           </p:cNvSpPr>
@@ -4066,7 +4047,7 @@
       </p:sp>
       <p:sp>
         <p:nvSpPr>
-          <p:cNvPr id="7" name="Slide Number Placeholder 6"/>
+          <p:cNvPr id="7" name="投影片編號版面配置區 6"/>
           <p:cNvSpPr>
             <a:spLocks noGrp="1"/>
           </p:cNvSpPr>
@@ -4090,7 +4071,7 @@
     </p:spTree>
     <p:extLst>
       <p:ext uri="{BB962C8B-B14F-4D97-AF65-F5344CB8AC3E}">
-        <p14:creationId xmlns:p14="http://schemas.microsoft.com/office/powerpoint/2010/main" val="2837860661"/>
+        <p14:creationId xmlns:p14="http://schemas.microsoft.com/office/powerpoint/2010/main" val="3021709641"/>
       </p:ext>
     </p:extLst>
   </p:cSld>
@@ -4119,7 +4100,7 @@
       </p:grpSpPr>
       <p:sp>
         <p:nvSpPr>
-          <p:cNvPr id="2" name="Title 1"/>
+          <p:cNvPr id="2" name="標題 1"/>
           <p:cNvSpPr>
             <a:spLocks noGrp="1"/>
           </p:cNvSpPr>
@@ -4141,13 +4122,13 @@
               <a:rPr lang="zh-TW" altLang="en-US" smtClean="0"/>
               <a:t>按一下以編輯母片標題樣式</a:t>
             </a:r>
-            <a:endParaRPr lang="en-US" dirty="0"/>
-          </a:p>
-        </p:txBody>
-      </p:sp>
-      <p:sp>
-        <p:nvSpPr>
-          <p:cNvPr id="3" name="Text Placeholder 2"/>
+            <a:endParaRPr lang="zh-TW" altLang="en-US"/>
+          </a:p>
+        </p:txBody>
+      </p:sp>
+      <p:sp>
+        <p:nvSpPr>
+          <p:cNvPr id="3" name="文字版面配置區 2"/>
           <p:cNvSpPr>
             <a:spLocks noGrp="1"/>
           </p:cNvSpPr>
@@ -4212,7 +4193,7 @@
       </p:sp>
       <p:sp>
         <p:nvSpPr>
-          <p:cNvPr id="4" name="Content Placeholder 3"/>
+          <p:cNvPr id="4" name="內容版面配置區 3"/>
           <p:cNvSpPr>
             <a:spLocks noGrp="1"/>
           </p:cNvSpPr>
@@ -4263,13 +4244,13 @@
               <a:rPr lang="zh-TW" altLang="en-US" smtClean="0"/>
               <a:t>第五層</a:t>
             </a:r>
-            <a:endParaRPr lang="en-US" dirty="0"/>
-          </a:p>
-        </p:txBody>
-      </p:sp>
-      <p:sp>
-        <p:nvSpPr>
-          <p:cNvPr id="5" name="Text Placeholder 4"/>
+            <a:endParaRPr lang="zh-TW" altLang="en-US"/>
+          </a:p>
+        </p:txBody>
+      </p:sp>
+      <p:sp>
+        <p:nvSpPr>
+          <p:cNvPr id="5" name="文字版面配置區 4"/>
           <p:cNvSpPr>
             <a:spLocks noGrp="1"/>
           </p:cNvSpPr>
@@ -4334,7 +4315,7 @@
       </p:sp>
       <p:sp>
         <p:nvSpPr>
-          <p:cNvPr id="6" name="Content Placeholder 5"/>
+          <p:cNvPr id="6" name="內容版面配置區 5"/>
           <p:cNvSpPr>
             <a:spLocks noGrp="1"/>
           </p:cNvSpPr>
@@ -4385,13 +4366,13 @@
               <a:rPr lang="zh-TW" altLang="en-US" smtClean="0"/>
               <a:t>第五層</a:t>
             </a:r>
-            <a:endParaRPr lang="en-US" dirty="0"/>
-          </a:p>
-        </p:txBody>
-      </p:sp>
-      <p:sp>
-        <p:nvSpPr>
-          <p:cNvPr id="7" name="Date Placeholder 6"/>
+            <a:endParaRPr lang="zh-TW" altLang="en-US"/>
+          </a:p>
+        </p:txBody>
+      </p:sp>
+      <p:sp>
+        <p:nvSpPr>
+          <p:cNvPr id="7" name="日期版面配置區 6"/>
           <p:cNvSpPr>
             <a:spLocks noGrp="1"/>
           </p:cNvSpPr>
@@ -4406,7 +4387,7 @@
           <a:p>
             <a:fld id="{07D37549-EB1B-4775-A7CD-5FCE3CE0385F}" type="datetimeFigureOut">
               <a:rPr lang="zh-TW" altLang="en-US" smtClean="0"/>
-              <a:t>2016/5/26</a:t>
+              <a:t>2016/6/4</a:t>
             </a:fld>
             <a:endParaRPr lang="zh-TW" altLang="en-US"/>
           </a:p>
@@ -4414,7 +4395,7 @@
       </p:sp>
       <p:sp>
         <p:nvSpPr>
-          <p:cNvPr id="8" name="Footer Placeholder 7"/>
+          <p:cNvPr id="8" name="頁尾版面配置區 7"/>
           <p:cNvSpPr>
             <a:spLocks noGrp="1"/>
           </p:cNvSpPr>
@@ -4433,7 +4414,7 @@
       </p:sp>
       <p:sp>
         <p:nvSpPr>
-          <p:cNvPr id="9" name="Slide Number Placeholder 8"/>
+          <p:cNvPr id="9" name="投影片編號版面配置區 8"/>
           <p:cNvSpPr>
             <a:spLocks noGrp="1"/>
           </p:cNvSpPr>
@@ -4457,7 +4438,7 @@
     </p:spTree>
     <p:extLst>
       <p:ext uri="{BB962C8B-B14F-4D97-AF65-F5344CB8AC3E}">
-        <p14:creationId xmlns:p14="http://schemas.microsoft.com/office/powerpoint/2010/main" val="832522604"/>
+        <p14:creationId xmlns:p14="http://schemas.microsoft.com/office/powerpoint/2010/main" val="3512929030"/>
       </p:ext>
     </p:extLst>
   </p:cSld>
@@ -4486,7 +4467,7 @@
       </p:grpSpPr>
       <p:sp>
         <p:nvSpPr>
-          <p:cNvPr id="2" name="Title 1"/>
+          <p:cNvPr id="2" name="標題 1"/>
           <p:cNvSpPr>
             <a:spLocks noGrp="1"/>
           </p:cNvSpPr>
@@ -4503,13 +4484,13 @@
               <a:rPr lang="zh-TW" altLang="en-US" smtClean="0"/>
               <a:t>按一下以編輯母片標題樣式</a:t>
             </a:r>
-            <a:endParaRPr lang="en-US" dirty="0"/>
-          </a:p>
-        </p:txBody>
-      </p:sp>
-      <p:sp>
-        <p:nvSpPr>
-          <p:cNvPr id="3" name="Date Placeholder 2"/>
+            <a:endParaRPr lang="zh-TW" altLang="en-US"/>
+          </a:p>
+        </p:txBody>
+      </p:sp>
+      <p:sp>
+        <p:nvSpPr>
+          <p:cNvPr id="3" name="日期版面配置區 2"/>
           <p:cNvSpPr>
             <a:spLocks noGrp="1"/>
           </p:cNvSpPr>
@@ -4524,7 +4505,7 @@
           <a:p>
             <a:fld id="{07D37549-EB1B-4775-A7CD-5FCE3CE0385F}" type="datetimeFigureOut">
               <a:rPr lang="zh-TW" altLang="en-US" smtClean="0"/>
-              <a:t>2016/5/26</a:t>
+              <a:t>2016/6/4</a:t>
             </a:fld>
             <a:endParaRPr lang="zh-TW" altLang="en-US"/>
           </a:p>
@@ -4532,7 +4513,7 @@
       </p:sp>
       <p:sp>
         <p:nvSpPr>
-          <p:cNvPr id="4" name="Footer Placeholder 3"/>
+          <p:cNvPr id="4" name="頁尾版面配置區 3"/>
           <p:cNvSpPr>
             <a:spLocks noGrp="1"/>
           </p:cNvSpPr>
@@ -4551,7 +4532,7 @@
       </p:sp>
       <p:sp>
         <p:nvSpPr>
-          <p:cNvPr id="5" name="Slide Number Placeholder 4"/>
+          <p:cNvPr id="5" name="投影片編號版面配置區 4"/>
           <p:cNvSpPr>
             <a:spLocks noGrp="1"/>
           </p:cNvSpPr>
@@ -4575,7 +4556,7 @@
     </p:spTree>
     <p:extLst>
       <p:ext uri="{BB962C8B-B14F-4D97-AF65-F5344CB8AC3E}">
-        <p14:creationId xmlns:p14="http://schemas.microsoft.com/office/powerpoint/2010/main" val="739178063"/>
+        <p14:creationId xmlns:p14="http://schemas.microsoft.com/office/powerpoint/2010/main" val="2872101989"/>
       </p:ext>
     </p:extLst>
   </p:cSld>
@@ -4604,7 +4585,7 @@
       </p:grpSpPr>
       <p:sp>
         <p:nvSpPr>
-          <p:cNvPr id="2" name="Date Placeholder 1"/>
+          <p:cNvPr id="2" name="日期版面配置區 1"/>
           <p:cNvSpPr>
             <a:spLocks noGrp="1"/>
           </p:cNvSpPr>
@@ -4619,7 +4600,7 @@
           <a:p>
             <a:fld id="{07D37549-EB1B-4775-A7CD-5FCE3CE0385F}" type="datetimeFigureOut">
               <a:rPr lang="zh-TW" altLang="en-US" smtClean="0"/>
-              <a:t>2016/5/26</a:t>
+              <a:t>2016/6/4</a:t>
             </a:fld>
             <a:endParaRPr lang="zh-TW" altLang="en-US"/>
           </a:p>
@@ -4627,7 +4608,7 @@
       </p:sp>
       <p:sp>
         <p:nvSpPr>
-          <p:cNvPr id="3" name="Footer Placeholder 2"/>
+          <p:cNvPr id="3" name="頁尾版面配置區 2"/>
           <p:cNvSpPr>
             <a:spLocks noGrp="1"/>
           </p:cNvSpPr>
@@ -4646,7 +4627,7 @@
       </p:sp>
       <p:sp>
         <p:nvSpPr>
-          <p:cNvPr id="4" name="Slide Number Placeholder 3"/>
+          <p:cNvPr id="4" name="投影片編號版面配置區 3"/>
           <p:cNvSpPr>
             <a:spLocks noGrp="1"/>
           </p:cNvSpPr>
@@ -4670,7 +4651,7 @@
     </p:spTree>
     <p:extLst>
       <p:ext uri="{BB962C8B-B14F-4D97-AF65-F5344CB8AC3E}">
-        <p14:creationId xmlns:p14="http://schemas.microsoft.com/office/powerpoint/2010/main" val="4154490475"/>
+        <p14:creationId xmlns:p14="http://schemas.microsoft.com/office/powerpoint/2010/main" val="1064650770"/>
       </p:ext>
     </p:extLst>
   </p:cSld>
@@ -4699,7 +4680,7 @@
       </p:grpSpPr>
       <p:sp>
         <p:nvSpPr>
-          <p:cNvPr id="2" name="Title 1"/>
+          <p:cNvPr id="2" name="標題 1"/>
           <p:cNvSpPr>
             <a:spLocks noGrp="1"/>
           </p:cNvSpPr>
@@ -4725,13 +4706,13 @@
               <a:rPr lang="zh-TW" altLang="en-US" smtClean="0"/>
               <a:t>按一下以編輯母片標題樣式</a:t>
             </a:r>
-            <a:endParaRPr lang="en-US" dirty="0"/>
-          </a:p>
-        </p:txBody>
-      </p:sp>
-      <p:sp>
-        <p:nvSpPr>
-          <p:cNvPr id="3" name="Content Placeholder 2"/>
+            <a:endParaRPr lang="zh-TW" altLang="en-US"/>
+          </a:p>
+        </p:txBody>
+      </p:sp>
+      <p:sp>
+        <p:nvSpPr>
+          <p:cNvPr id="3" name="內容版面配置區 2"/>
           <p:cNvSpPr>
             <a:spLocks noGrp="1"/>
           </p:cNvSpPr>
@@ -4810,13 +4791,13 @@
               <a:rPr lang="zh-TW" altLang="en-US" smtClean="0"/>
               <a:t>第五層</a:t>
             </a:r>
-            <a:endParaRPr lang="en-US" dirty="0"/>
-          </a:p>
-        </p:txBody>
-      </p:sp>
-      <p:sp>
-        <p:nvSpPr>
-          <p:cNvPr id="4" name="Text Placeholder 3"/>
+            <a:endParaRPr lang="zh-TW" altLang="en-US"/>
+          </a:p>
+        </p:txBody>
+      </p:sp>
+      <p:sp>
+        <p:nvSpPr>
+          <p:cNvPr id="4" name="文字版面配置區 3"/>
           <p:cNvSpPr>
             <a:spLocks noGrp="1"/>
           </p:cNvSpPr>
@@ -4881,7 +4862,7 @@
       </p:sp>
       <p:sp>
         <p:nvSpPr>
-          <p:cNvPr id="5" name="Date Placeholder 4"/>
+          <p:cNvPr id="5" name="日期版面配置區 4"/>
           <p:cNvSpPr>
             <a:spLocks noGrp="1"/>
           </p:cNvSpPr>
@@ -4896,7 +4877,7 @@
           <a:p>
             <a:fld id="{07D37549-EB1B-4775-A7CD-5FCE3CE0385F}" type="datetimeFigureOut">
               <a:rPr lang="zh-TW" altLang="en-US" smtClean="0"/>
-              <a:t>2016/5/26</a:t>
+              <a:t>2016/6/4</a:t>
             </a:fld>
             <a:endParaRPr lang="zh-TW" altLang="en-US"/>
           </a:p>
@@ -4904,7 +4885,7 @@
       </p:sp>
       <p:sp>
         <p:nvSpPr>
-          <p:cNvPr id="6" name="Footer Placeholder 5"/>
+          <p:cNvPr id="6" name="頁尾版面配置區 5"/>
           <p:cNvSpPr>
             <a:spLocks noGrp="1"/>
           </p:cNvSpPr>
@@ -4923,7 +4904,7 @@
       </p:sp>
       <p:sp>
         <p:nvSpPr>
-          <p:cNvPr id="7" name="Slide Number Placeholder 6"/>
+          <p:cNvPr id="7" name="投影片編號版面配置區 6"/>
           <p:cNvSpPr>
             <a:spLocks noGrp="1"/>
           </p:cNvSpPr>
@@ -4947,7 +4928,7 @@
     </p:spTree>
     <p:extLst>
       <p:ext uri="{BB962C8B-B14F-4D97-AF65-F5344CB8AC3E}">
-        <p14:creationId xmlns:p14="http://schemas.microsoft.com/office/powerpoint/2010/main" val="4020044060"/>
+        <p14:creationId xmlns:p14="http://schemas.microsoft.com/office/powerpoint/2010/main" val="568529775"/>
       </p:ext>
     </p:extLst>
   </p:cSld>
@@ -4976,7 +4957,7 @@
       </p:grpSpPr>
       <p:sp>
         <p:nvSpPr>
-          <p:cNvPr id="2" name="Title 1"/>
+          <p:cNvPr id="2" name="標題 1"/>
           <p:cNvSpPr>
             <a:spLocks noGrp="1"/>
           </p:cNvSpPr>
@@ -5002,15 +4983,15 @@
               <a:rPr lang="zh-TW" altLang="en-US" smtClean="0"/>
               <a:t>按一下以編輯母片標題樣式</a:t>
             </a:r>
-            <a:endParaRPr lang="en-US" dirty="0"/>
-          </a:p>
-        </p:txBody>
-      </p:sp>
-      <p:sp>
-        <p:nvSpPr>
-          <p:cNvPr id="3" name="Picture Placeholder 2"/>
-          <p:cNvSpPr>
-            <a:spLocks noGrp="1" noChangeAspect="1"/>
+            <a:endParaRPr lang="zh-TW" altLang="en-US"/>
+          </a:p>
+        </p:txBody>
+      </p:sp>
+      <p:sp>
+        <p:nvSpPr>
+          <p:cNvPr id="3" name="圖片版面配置區 2"/>
+          <p:cNvSpPr>
+            <a:spLocks noGrp="1"/>
           </p:cNvSpPr>
           <p:nvPr>
             <p:ph type="pic" idx="1"/>
@@ -5023,7 +5004,7 @@
           </a:xfrm>
         </p:spPr>
         <p:txBody>
-          <a:bodyPr anchor="t"/>
+          <a:bodyPr/>
           <a:lstStyle>
             <a:lvl1pPr marL="0" indent="0">
               <a:buNone/>
@@ -5063,17 +5044,13 @@
             </a:lvl9pPr>
           </a:lstStyle>
           <a:p>
-            <a:r>
-              <a:rPr lang="zh-TW" altLang="en-US" smtClean="0"/>
-              <a:t>按一下圖示以新增圖片</a:t>
-            </a:r>
-            <a:endParaRPr lang="en-US" dirty="0"/>
-          </a:p>
-        </p:txBody>
-      </p:sp>
-      <p:sp>
-        <p:nvSpPr>
-          <p:cNvPr id="4" name="Text Placeholder 3"/>
+            <a:endParaRPr lang="zh-TW" altLang="en-US"/>
+          </a:p>
+        </p:txBody>
+      </p:sp>
+      <p:sp>
+        <p:nvSpPr>
+          <p:cNvPr id="4" name="文字版面配置區 3"/>
           <p:cNvSpPr>
             <a:spLocks noGrp="1"/>
           </p:cNvSpPr>
@@ -5138,7 +5115,7 @@
       </p:sp>
       <p:sp>
         <p:nvSpPr>
-          <p:cNvPr id="5" name="Date Placeholder 4"/>
+          <p:cNvPr id="5" name="日期版面配置區 4"/>
           <p:cNvSpPr>
             <a:spLocks noGrp="1"/>
           </p:cNvSpPr>
@@ -5153,7 +5130,7 @@
           <a:p>
             <a:fld id="{07D37549-EB1B-4775-A7CD-5FCE3CE0385F}" type="datetimeFigureOut">
               <a:rPr lang="zh-TW" altLang="en-US" smtClean="0"/>
-              <a:t>2016/5/26</a:t>
+              <a:t>2016/6/4</a:t>
             </a:fld>
             <a:endParaRPr lang="zh-TW" altLang="en-US"/>
           </a:p>
@@ -5161,7 +5138,7 @@
       </p:sp>
       <p:sp>
         <p:nvSpPr>
-          <p:cNvPr id="6" name="Footer Placeholder 5"/>
+          <p:cNvPr id="6" name="頁尾版面配置區 5"/>
           <p:cNvSpPr>
             <a:spLocks noGrp="1"/>
           </p:cNvSpPr>
@@ -5180,7 +5157,7 @@
       </p:sp>
       <p:sp>
         <p:nvSpPr>
-          <p:cNvPr id="7" name="Slide Number Placeholder 6"/>
+          <p:cNvPr id="7" name="投影片編號版面配置區 6"/>
           <p:cNvSpPr>
             <a:spLocks noGrp="1"/>
           </p:cNvSpPr>
@@ -5204,7 +5181,7 @@
     </p:spTree>
     <p:extLst>
       <p:ext uri="{BB962C8B-B14F-4D97-AF65-F5344CB8AC3E}">
-        <p14:creationId xmlns:p14="http://schemas.microsoft.com/office/powerpoint/2010/main" val="2037894237"/>
+        <p14:creationId xmlns:p14="http://schemas.microsoft.com/office/powerpoint/2010/main" val="4027391019"/>
       </p:ext>
     </p:extLst>
   </p:cSld>
@@ -5238,7 +5215,7 @@
       </p:grpSpPr>
       <p:sp>
         <p:nvSpPr>
-          <p:cNvPr id="2" name="Title Placeholder 1"/>
+          <p:cNvPr id="2" name="標題版面配置區 1"/>
           <p:cNvSpPr>
             <a:spLocks noGrp="1"/>
           </p:cNvSpPr>
@@ -5265,13 +5242,13 @@
               <a:rPr lang="zh-TW" altLang="en-US" smtClean="0"/>
               <a:t>按一下以編輯母片標題樣式</a:t>
             </a:r>
-            <a:endParaRPr lang="en-US" dirty="0"/>
-          </a:p>
-        </p:txBody>
-      </p:sp>
-      <p:sp>
-        <p:nvSpPr>
-          <p:cNvPr id="3" name="Text Placeholder 2"/>
+            <a:endParaRPr lang="zh-TW" altLang="en-US"/>
+          </a:p>
+        </p:txBody>
+      </p:sp>
+      <p:sp>
+        <p:nvSpPr>
+          <p:cNvPr id="3" name="文字版面配置區 2"/>
           <p:cNvSpPr>
             <a:spLocks noGrp="1"/>
           </p:cNvSpPr>
@@ -5327,13 +5304,13 @@
               <a:rPr lang="zh-TW" altLang="en-US" smtClean="0"/>
               <a:t>第五層</a:t>
             </a:r>
-            <a:endParaRPr lang="en-US" dirty="0"/>
-          </a:p>
-        </p:txBody>
-      </p:sp>
-      <p:sp>
-        <p:nvSpPr>
-          <p:cNvPr id="4" name="Date Placeholder 3"/>
+            <a:endParaRPr lang="zh-TW" altLang="en-US"/>
+          </a:p>
+        </p:txBody>
+      </p:sp>
+      <p:sp>
+        <p:nvSpPr>
+          <p:cNvPr id="4" name="日期版面配置區 3"/>
           <p:cNvSpPr>
             <a:spLocks noGrp="1"/>
           </p:cNvSpPr>
@@ -5366,7 +5343,7 @@
           <a:p>
             <a:fld id="{07D37549-EB1B-4775-A7CD-5FCE3CE0385F}" type="datetimeFigureOut">
               <a:rPr lang="zh-TW" altLang="en-US" smtClean="0"/>
-              <a:t>2016/5/26</a:t>
+              <a:t>2016/6/4</a:t>
             </a:fld>
             <a:endParaRPr lang="zh-TW" altLang="en-US"/>
           </a:p>
@@ -5374,7 +5351,7 @@
       </p:sp>
       <p:sp>
         <p:nvSpPr>
-          <p:cNvPr id="5" name="Footer Placeholder 4"/>
+          <p:cNvPr id="5" name="頁尾版面配置區 4"/>
           <p:cNvSpPr>
             <a:spLocks noGrp="1"/>
           </p:cNvSpPr>
@@ -5411,7 +5388,7 @@
       </p:sp>
       <p:sp>
         <p:nvSpPr>
-          <p:cNvPr id="6" name="Slide Number Placeholder 5"/>
+          <p:cNvPr id="6" name="投影片編號版面配置區 5"/>
           <p:cNvSpPr>
             <a:spLocks noGrp="1"/>
           </p:cNvSpPr>
@@ -5453,23 +5430,23 @@
     </p:spTree>
     <p:extLst>
       <p:ext uri="{BB962C8B-B14F-4D97-AF65-F5344CB8AC3E}">
-        <p14:creationId xmlns:p14="http://schemas.microsoft.com/office/powerpoint/2010/main" val="4148759797"/>
+        <p14:creationId xmlns:p14="http://schemas.microsoft.com/office/powerpoint/2010/main" val="3763588692"/>
       </p:ext>
     </p:extLst>
   </p:cSld>
-  <p:clrMap bg1="dk1" tx1="lt1" bg2="dk2" tx2="lt2" accent1="accent1" accent2="accent2" accent3="accent3" accent4="accent4" accent5="accent5" accent6="accent6" hlink="hlink" folHlink="folHlink"/>
+  <p:clrMap bg1="lt1" tx1="dk1" bg2="lt2" tx2="dk2" accent1="accent1" accent2="accent2" accent3="accent3" accent4="accent4" accent5="accent5" accent6="accent6" hlink="hlink" folHlink="folHlink"/>
   <p:sldLayoutIdLst>
-    <p:sldLayoutId id="2147483661" r:id="rId1"/>
-    <p:sldLayoutId id="2147483662" r:id="rId2"/>
-    <p:sldLayoutId id="2147483663" r:id="rId3"/>
-    <p:sldLayoutId id="2147483664" r:id="rId4"/>
-    <p:sldLayoutId id="2147483665" r:id="rId5"/>
-    <p:sldLayoutId id="2147483666" r:id="rId6"/>
-    <p:sldLayoutId id="2147483667" r:id="rId7"/>
-    <p:sldLayoutId id="2147483668" r:id="rId8"/>
-    <p:sldLayoutId id="2147483669" r:id="rId9"/>
-    <p:sldLayoutId id="2147483670" r:id="rId10"/>
-    <p:sldLayoutId id="2147483671" r:id="rId11"/>
+    <p:sldLayoutId id="2147483805" r:id="rId1"/>
+    <p:sldLayoutId id="2147483806" r:id="rId2"/>
+    <p:sldLayoutId id="2147483807" r:id="rId3"/>
+    <p:sldLayoutId id="2147483808" r:id="rId4"/>
+    <p:sldLayoutId id="2147483809" r:id="rId5"/>
+    <p:sldLayoutId id="2147483810" r:id="rId6"/>
+    <p:sldLayoutId id="2147483811" r:id="rId7"/>
+    <p:sldLayoutId id="2147483812" r:id="rId8"/>
+    <p:sldLayoutId id="2147483813" r:id="rId9"/>
+    <p:sldLayoutId id="2147483814" r:id="rId10"/>
+    <p:sldLayoutId id="2147483815" r:id="rId11"/>
   </p:sldLayoutIdLst>
   <p:txStyles>
     <p:titleStyle>
@@ -5657,7 +5634,7 @@
     </p:bodyStyle>
     <p:otherStyle>
       <a:defPPr>
-        <a:defRPr lang="en-US"/>
+        <a:defRPr lang="zh-TW"/>
       </a:defPPr>
       <a:lvl1pPr marL="0" algn="l" defTabSz="914400" rtl="0" eaLnBrk="1" latinLnBrk="0" hangingPunct="1">
         <a:defRPr sz="1800" kern="1200">
@@ -5783,21 +5760,27 @@
         </p:nvSpPr>
         <p:spPr/>
         <p:txBody>
-          <a:bodyPr/>
-          <a:lstStyle/>
-          <a:p>
-            <a:r>
-              <a:rPr lang="en-US" altLang="zh-TW" dirty="0" smtClean="0"/>
-              <a:t>Hot Topic Detection</a:t>
+          <a:bodyPr>
+            <a:noAutofit/>
+          </a:bodyPr>
+          <a:lstStyle/>
+          <a:p>
+            <a:r>
+              <a:rPr lang="en-US" altLang="zh-TW" sz="4400" dirty="0"/>
+              <a:t>Popular Topic Detection based on </a:t>
             </a:r>
             <a:br>
-              <a:rPr lang="en-US" altLang="zh-TW" dirty="0" smtClean="0"/>
+              <a:rPr lang="en-US" altLang="zh-TW" sz="4400" dirty="0"/>
             </a:br>
             <a:r>
-              <a:rPr lang="en-US" altLang="zh-TW" dirty="0" smtClean="0"/>
-              <a:t>Based on Word2Vec</a:t>
-            </a:r>
-            <a:endParaRPr lang="zh-TW" altLang="en-US" dirty="0"/>
+              <a:rPr lang="en-US" altLang="zh-TW" sz="4400" dirty="0"/>
+              <a:t>Vector Representation of </a:t>
+            </a:r>
+            <a:r>
+              <a:rPr lang="en-US" altLang="zh-TW" sz="4400" dirty="0" smtClean="0"/>
+              <a:t>Words</a:t>
+            </a:r>
+            <a:endParaRPr lang="zh-TW" altLang="en-US" sz="4400" dirty="0"/>
           </a:p>
         </p:txBody>
       </p:sp>
@@ -5813,14 +5796,31 @@
         </p:nvSpPr>
         <p:spPr/>
         <p:txBody>
-          <a:bodyPr/>
-          <a:lstStyle/>
-          <a:p>
-            <a:r>
-              <a:rPr lang="zh-TW" altLang="en-US" dirty="0" smtClean="0"/>
-              <a:t>熱門主題偵測</a:t>
-            </a:r>
-            <a:endParaRPr lang="zh-TW" altLang="en-US" dirty="0"/>
+          <a:bodyPr>
+            <a:noAutofit/>
+          </a:bodyPr>
+          <a:lstStyle/>
+          <a:p>
+            <a:endParaRPr lang="en-US" altLang="zh-TW" sz="4000" dirty="0" smtClean="0"/>
+          </a:p>
+          <a:p>
+            <a:r>
+              <a:rPr lang="zh-TW" altLang="en-US" sz="4000" dirty="0" smtClean="0"/>
+              <a:t>基於</a:t>
+            </a:r>
+            <a:r>
+              <a:rPr lang="en-US" altLang="zh-TW" sz="4000" dirty="0"/>
+              <a:t>Word2Vec</a:t>
+            </a:r>
+            <a:r>
+              <a:rPr lang="zh-TW" altLang="en-US" sz="4000" dirty="0" smtClean="0"/>
+              <a:t>之熱門</a:t>
+            </a:r>
+            <a:r>
+              <a:rPr lang="zh-TW" altLang="en-US" sz="4000" dirty="0"/>
+              <a:t>主題偵測</a:t>
+            </a:r>
+            <a:endParaRPr lang="zh-TW" altLang="en-US" sz="4000" dirty="0"/>
           </a:p>
         </p:txBody>
       </p:sp>
@@ -5863,7 +5863,7 @@
       </p:grpSpPr>
       <p:sp>
         <p:nvSpPr>
-          <p:cNvPr id="4" name="標題 3"/>
+          <p:cNvPr id="2" name="標題 1"/>
           <p:cNvSpPr>
             <a:spLocks noGrp="1"/>
           </p:cNvSpPr>
@@ -5878,7 +5878,7 @@
           <a:p>
             <a:r>
               <a:rPr lang="en-US" altLang="zh-TW" dirty="0" smtClean="0"/>
-              <a:t>Topic Clustering Part</a:t>
+              <a:t>Feature Selection</a:t>
             </a:r>
             <a:endParaRPr lang="zh-TW" altLang="en-US" dirty="0"/>
           </a:p>
@@ -5886,33 +5886,80 @@
       </p:sp>
       <p:sp>
         <p:nvSpPr>
-          <p:cNvPr id="5" name="文字版面配置區 4"/>
-          <p:cNvSpPr>
-            <a:spLocks noGrp="1"/>
-          </p:cNvSpPr>
-          <p:nvPr>
-            <p:ph type="body" idx="1"/>
-          </p:nvPr>
-        </p:nvSpPr>
-        <p:spPr/>
-        <p:txBody>
-          <a:bodyPr/>
-          <a:lstStyle/>
-          <a:p>
-            <a:endParaRPr lang="zh-TW" altLang="en-US"/>
+          <p:cNvPr id="3" name="內容版面配置區 2"/>
+          <p:cNvSpPr>
+            <a:spLocks noGrp="1"/>
+          </p:cNvSpPr>
+          <p:nvPr>
+            <p:ph idx="1"/>
+          </p:nvPr>
+        </p:nvSpPr>
+        <p:spPr/>
+        <p:txBody>
+          <a:bodyPr/>
+          <a:lstStyle/>
+          <a:p>
+            <a:r>
+              <a:rPr lang="en-US" altLang="zh-TW" dirty="0" smtClean="0"/>
+              <a:t>Article Title</a:t>
+            </a:r>
+          </a:p>
+          <a:p>
+            <a:pPr marL="457200" lvl="1" indent="0">
+              <a:buNone/>
+            </a:pPr>
+            <a:r>
+              <a:rPr lang="en-US" altLang="zh-TW" dirty="0" smtClean="0"/>
+              <a:t>Remove special title format</a:t>
+            </a:r>
+          </a:p>
+          <a:p>
+            <a:r>
+              <a:rPr lang="en-US" altLang="zh-TW" dirty="0" smtClean="0"/>
+              <a:t>Article Content</a:t>
+            </a:r>
+          </a:p>
+          <a:p>
+            <a:pPr marL="457200" lvl="1" indent="0">
+              <a:buNone/>
+            </a:pPr>
+            <a:r>
+              <a:rPr lang="en-US" altLang="zh-TW" dirty="0" smtClean="0"/>
+              <a:t>Remove quote, URLs</a:t>
+            </a:r>
+            <a:endParaRPr lang="en-US" altLang="zh-TW" dirty="0" smtClean="0"/>
+          </a:p>
+          <a:p>
+            <a:pPr marL="457200" lvl="1" indent="0">
+              <a:buNone/>
+            </a:pPr>
+            <a:r>
+              <a:rPr lang="en-US" altLang="zh-TW" dirty="0" smtClean="0"/>
+              <a:t>Keywords extraction by topic modeling (LDA)</a:t>
+            </a:r>
+          </a:p>
+          <a:p>
+            <a:endParaRPr lang="en-US" altLang="zh-TW" dirty="0" smtClean="0"/>
           </a:p>
         </p:txBody>
       </p:sp>
     </p:spTree>
     <p:extLst>
       <p:ext uri="{BB962C8B-B14F-4D97-AF65-F5344CB8AC3E}">
-        <p14:creationId xmlns:p14="http://schemas.microsoft.com/office/powerpoint/2010/main" val="3680522617"/>
+        <p14:creationId xmlns:p14="http://schemas.microsoft.com/office/powerpoint/2010/main" val="2546727372"/>
       </p:ext>
     </p:extLst>
   </p:cSld>
   <p:clrMapOvr>
     <a:masterClrMapping/>
   </p:clrMapOvr>
+  <p:timing>
+    <p:tnLst>
+      <p:par>
+        <p:cTn id="1" dur="indefinite" restart="never" nodeType="tmRoot"/>
+      </p:par>
+    </p:tnLst>
+  </p:timing>
 </p:sld>
 </file>
 
@@ -5949,447 +5996,108 @@
           <a:lstStyle/>
           <a:p>
             <a:r>
+              <a:rPr lang="en-US" altLang="zh-TW" dirty="0"/>
+              <a:t>Vector </a:t>
+            </a:r>
+            <a:r>
+              <a:rPr lang="en-US" altLang="zh-TW" dirty="0" smtClean="0"/>
+              <a:t>Representations</a:t>
+            </a:r>
+            <a:endParaRPr lang="zh-TW" altLang="en-US" dirty="0"/>
+          </a:p>
+        </p:txBody>
+      </p:sp>
+      <p:sp>
+        <p:nvSpPr>
+          <p:cNvPr id="3" name="內容版面配置區 2"/>
+          <p:cNvSpPr>
+            <a:spLocks noGrp="1"/>
+          </p:cNvSpPr>
+          <p:nvPr>
+            <p:ph idx="1"/>
+          </p:nvPr>
+        </p:nvSpPr>
+        <p:spPr/>
+        <p:txBody>
+          <a:bodyPr/>
+          <a:lstStyle/>
+          <a:p>
+            <a:r>
+              <a:rPr lang="en-US" altLang="zh-TW" dirty="0" smtClean="0"/>
+              <a:t>Of Words</a:t>
+            </a:r>
+          </a:p>
+          <a:p>
+            <a:pPr marL="457200" lvl="1" indent="0">
+              <a:buNone/>
+            </a:pPr>
+            <a:r>
+              <a:rPr lang="en-US" altLang="zh-TW" dirty="0" smtClean="0"/>
+              <a:t>Use word2vec model to map the vector representation of word</a:t>
+            </a:r>
+          </a:p>
+          <a:p>
+            <a:pPr marL="457200" lvl="1" indent="0">
+              <a:buNone/>
+            </a:pPr>
+            <a:endParaRPr lang="en-US" altLang="zh-TW" dirty="0" smtClean="0"/>
+          </a:p>
+          <a:p>
+            <a:r>
+              <a:rPr lang="en-US" altLang="zh-TW" dirty="0" smtClean="0"/>
+              <a:t>Of Articles</a:t>
+            </a:r>
+          </a:p>
+          <a:p>
+            <a:pPr marL="457200" lvl="1" indent="0">
+              <a:buNone/>
+            </a:pPr>
+            <a:r>
+              <a:rPr lang="en-US" altLang="zh-TW" dirty="0" smtClean="0"/>
+              <a:t>Mean of article features word vector</a:t>
+            </a:r>
+          </a:p>
+          <a:p>
+            <a:pPr marL="457200" lvl="1" indent="0">
+              <a:buNone/>
+            </a:pPr>
+            <a:endParaRPr lang="en-US" altLang="zh-TW" dirty="0"/>
+          </a:p>
+          <a:p>
+            <a:r>
+              <a:rPr lang="en-US" altLang="zh-TW" dirty="0" smtClean="0"/>
+              <a:t>Of Cluster(or</a:t>
+            </a:r>
+            <a:r>
               <a:rPr lang="zh-TW" altLang="en-US" dirty="0" smtClean="0"/>
               <a:t> </a:t>
             </a:r>
-            <a:endParaRPr lang="zh-TW" altLang="en-US" dirty="0"/>
-          </a:p>
-        </p:txBody>
-      </p:sp>
-      <p:sp>
-        <p:nvSpPr>
-          <p:cNvPr id="3" name="內容版面配置區 2"/>
-          <p:cNvSpPr>
-            <a:spLocks noGrp="1"/>
-          </p:cNvSpPr>
-          <p:nvPr>
-            <p:ph idx="1"/>
-          </p:nvPr>
-        </p:nvSpPr>
-        <p:spPr/>
-        <p:txBody>
-          <a:bodyPr/>
-          <a:lstStyle/>
-          <a:p>
+            <a:r>
+              <a:rPr lang="en-US" altLang="zh-TW" dirty="0" smtClean="0"/>
+              <a:t>Topic)</a:t>
+            </a:r>
+          </a:p>
+          <a:p>
+            <a:pPr marL="457200" lvl="1" indent="0">
+              <a:buNone/>
+            </a:pPr>
+            <a:r>
+              <a:rPr lang="en-US" altLang="zh-TW" dirty="0" smtClean="0"/>
+              <a:t>Mean of sub-article vector</a:t>
+            </a:r>
+          </a:p>
+          <a:p>
+            <a:pPr marL="457200" lvl="1" indent="0">
+              <a:buNone/>
+            </a:pPr>
             <a:endParaRPr lang="en-US" altLang="zh-TW" dirty="0" smtClean="0"/>
           </a:p>
-          <a:p>
-            <a:r>
-              <a:rPr lang="zh-TW" altLang="en-US" dirty="0" smtClean="0"/>
-              <a:t>以八卦版一天的文章作為資料</a:t>
-            </a:r>
-            <a:r>
-              <a:rPr lang="en-US" altLang="zh-TW" dirty="0" smtClean="0"/>
-              <a:t>(</a:t>
-            </a:r>
-            <a:r>
-              <a:rPr lang="zh-TW" altLang="en-US" dirty="0" smtClean="0"/>
-              <a:t>約兩千篇</a:t>
-            </a:r>
-            <a:endParaRPr lang="zh-TW" altLang="en-US" dirty="0"/>
-          </a:p>
-          <a:p>
-            <a:endParaRPr lang="zh-TW" altLang="en-US" dirty="0"/>
-          </a:p>
-        </p:txBody>
-      </p:sp>
-      <p:sp>
-        <p:nvSpPr>
-          <p:cNvPr id="4" name="矩形 3"/>
-          <p:cNvSpPr/>
-          <p:nvPr/>
-        </p:nvSpPr>
-        <p:spPr>
-          <a:xfrm>
-            <a:off x="838200" y="550821"/>
-            <a:ext cx="1691014" cy="1139869"/>
-          </a:xfrm>
-          <a:prstGeom prst="rect">
-            <a:avLst/>
-          </a:prstGeom>
-          <a:solidFill>
-            <a:schemeClr val="accent1"/>
-          </a:solidFill>
-        </p:spPr>
-        <p:style>
-          <a:lnRef idx="2">
-            <a:schemeClr val="accent1">
-              <a:shade val="50000"/>
-            </a:schemeClr>
-          </a:lnRef>
-          <a:fillRef idx="1">
-            <a:schemeClr val="accent1"/>
-          </a:fillRef>
-          <a:effectRef idx="0">
-            <a:schemeClr val="accent1"/>
-          </a:effectRef>
-          <a:fontRef idx="minor">
-            <a:schemeClr val="lt1"/>
-          </a:fontRef>
-        </p:style>
-        <p:txBody>
-          <a:bodyPr rtlCol="0" anchor="ctr"/>
-          <a:lstStyle/>
-          <a:p>
-            <a:pPr algn="ctr"/>
-            <a:r>
-              <a:rPr lang="en-US" altLang="zh-TW" dirty="0" smtClean="0"/>
-              <a:t>Articles</a:t>
-            </a:r>
-            <a:endParaRPr lang="zh-TW" altLang="en-US" dirty="0"/>
-          </a:p>
-        </p:txBody>
-      </p:sp>
-      <p:sp>
-        <p:nvSpPr>
-          <p:cNvPr id="5" name="矩形 4"/>
-          <p:cNvSpPr/>
-          <p:nvPr/>
-        </p:nvSpPr>
-        <p:spPr>
-          <a:xfrm>
-            <a:off x="5147416" y="550819"/>
-            <a:ext cx="1691014" cy="1139869"/>
-          </a:xfrm>
-          <a:prstGeom prst="rect">
-            <a:avLst/>
-          </a:prstGeom>
-          <a:solidFill>
-            <a:schemeClr val="accent1">
-              <a:lumMod val="50000"/>
-            </a:schemeClr>
-          </a:solidFill>
-        </p:spPr>
-        <p:style>
-          <a:lnRef idx="2">
-            <a:schemeClr val="accent1">
-              <a:shade val="50000"/>
-            </a:schemeClr>
-          </a:lnRef>
-          <a:fillRef idx="1">
-            <a:schemeClr val="accent1"/>
-          </a:fillRef>
-          <a:effectRef idx="0">
-            <a:schemeClr val="accent1"/>
-          </a:effectRef>
-          <a:fontRef idx="minor">
-            <a:schemeClr val="lt1"/>
-          </a:fontRef>
-        </p:style>
-        <p:txBody>
-          <a:bodyPr rtlCol="0" anchor="ctr"/>
-          <a:lstStyle/>
-          <a:p>
-            <a:pPr algn="ctr"/>
-            <a:r>
-              <a:rPr lang="en-US" altLang="zh-TW" dirty="0"/>
-              <a:t>Article Vector</a:t>
-            </a:r>
-            <a:br>
-              <a:rPr lang="en-US" altLang="zh-TW" dirty="0"/>
-            </a:br>
-            <a:r>
-              <a:rPr lang="en-US" altLang="zh-TW" dirty="0"/>
-              <a:t>Computing</a:t>
-            </a:r>
-            <a:endParaRPr lang="zh-TW" altLang="en-US" dirty="0"/>
-          </a:p>
-        </p:txBody>
-      </p:sp>
-      <p:cxnSp>
-        <p:nvCxnSpPr>
-          <p:cNvPr id="6" name="直線單箭頭接點 5"/>
-          <p:cNvCxnSpPr>
-            <a:stCxn id="4" idx="3"/>
-            <a:endCxn id="11" idx="1"/>
-          </p:cNvCxnSpPr>
-          <p:nvPr/>
-        </p:nvCxnSpPr>
-        <p:spPr>
-          <a:xfrm flipV="1">
-            <a:off x="2529214" y="1120754"/>
-            <a:ext cx="463594" cy="2"/>
-          </a:xfrm>
-          <a:prstGeom prst="straightConnector1">
-            <a:avLst/>
-          </a:prstGeom>
-          <a:ln>
-            <a:tailEnd type="triangle"/>
-          </a:ln>
-        </p:spPr>
-        <p:style>
-          <a:lnRef idx="1">
-            <a:schemeClr val="accent1"/>
-          </a:lnRef>
-          <a:fillRef idx="0">
-            <a:schemeClr val="accent1"/>
-          </a:fillRef>
-          <a:effectRef idx="0">
-            <a:schemeClr val="accent1"/>
-          </a:effectRef>
-          <a:fontRef idx="minor">
-            <a:schemeClr val="tx1"/>
-          </a:fontRef>
-        </p:style>
-      </p:cxnSp>
-      <p:sp>
-        <p:nvSpPr>
-          <p:cNvPr id="7" name="矩形 6"/>
-          <p:cNvSpPr/>
-          <p:nvPr/>
-        </p:nvSpPr>
-        <p:spPr>
-          <a:xfrm>
-            <a:off x="7302024" y="550819"/>
-            <a:ext cx="1691014" cy="1139869"/>
-          </a:xfrm>
-          <a:prstGeom prst="rect">
-            <a:avLst/>
-          </a:prstGeom>
-          <a:solidFill>
-            <a:schemeClr val="accent1">
-              <a:lumMod val="50000"/>
-            </a:schemeClr>
-          </a:solidFill>
-        </p:spPr>
-        <p:style>
-          <a:lnRef idx="2">
-            <a:schemeClr val="accent1">
-              <a:shade val="50000"/>
-            </a:schemeClr>
-          </a:lnRef>
-          <a:fillRef idx="1">
-            <a:schemeClr val="accent1"/>
-          </a:fillRef>
-          <a:effectRef idx="0">
-            <a:schemeClr val="accent1"/>
-          </a:effectRef>
-          <a:fontRef idx="minor">
-            <a:schemeClr val="lt1"/>
-          </a:fontRef>
-        </p:style>
-        <p:txBody>
-          <a:bodyPr rtlCol="0" anchor="ctr"/>
-          <a:lstStyle/>
-          <a:p>
-            <a:pPr algn="ctr"/>
-            <a:r>
-              <a:rPr lang="en-US" altLang="zh-TW" dirty="0"/>
-              <a:t>Clustering</a:t>
-            </a:r>
-            <a:endParaRPr lang="zh-TW" altLang="en-US" dirty="0"/>
-          </a:p>
-        </p:txBody>
-      </p:sp>
-      <p:cxnSp>
-        <p:nvCxnSpPr>
-          <p:cNvPr id="8" name="直線單箭頭接點 7"/>
-          <p:cNvCxnSpPr>
-            <a:stCxn id="5" idx="3"/>
-            <a:endCxn id="7" idx="1"/>
-          </p:cNvCxnSpPr>
-          <p:nvPr/>
-        </p:nvCxnSpPr>
-        <p:spPr>
-          <a:xfrm>
-            <a:off x="6838430" y="1120754"/>
-            <a:ext cx="463594" cy="0"/>
-          </a:xfrm>
-          <a:prstGeom prst="straightConnector1">
-            <a:avLst/>
-          </a:prstGeom>
-          <a:ln>
-            <a:tailEnd type="triangle"/>
-          </a:ln>
-        </p:spPr>
-        <p:style>
-          <a:lnRef idx="1">
-            <a:schemeClr val="accent1"/>
-          </a:lnRef>
-          <a:fillRef idx="0">
-            <a:schemeClr val="accent1"/>
-          </a:fillRef>
-          <a:effectRef idx="0">
-            <a:schemeClr val="accent1"/>
-          </a:effectRef>
-          <a:fontRef idx="minor">
-            <a:schemeClr val="tx1"/>
-          </a:fontRef>
-        </p:style>
-      </p:cxnSp>
-      <p:sp>
-        <p:nvSpPr>
-          <p:cNvPr id="9" name="矩形 8"/>
-          <p:cNvSpPr/>
-          <p:nvPr/>
-        </p:nvSpPr>
-        <p:spPr>
-          <a:xfrm>
-            <a:off x="9456632" y="550819"/>
-            <a:ext cx="1691014" cy="1139869"/>
-          </a:xfrm>
-          <a:prstGeom prst="rect">
-            <a:avLst/>
-          </a:prstGeom>
-          <a:solidFill>
-            <a:schemeClr val="accent1">
-              <a:lumMod val="50000"/>
-            </a:schemeClr>
-          </a:solidFill>
-        </p:spPr>
-        <p:style>
-          <a:lnRef idx="2">
-            <a:schemeClr val="accent1">
-              <a:shade val="50000"/>
-            </a:schemeClr>
-          </a:lnRef>
-          <a:fillRef idx="1">
-            <a:schemeClr val="accent1"/>
-          </a:fillRef>
-          <a:effectRef idx="0">
-            <a:schemeClr val="accent1"/>
-          </a:effectRef>
-          <a:fontRef idx="minor">
-            <a:schemeClr val="lt1"/>
-          </a:fontRef>
-        </p:style>
-        <p:txBody>
-          <a:bodyPr rtlCol="0" anchor="ctr"/>
-          <a:lstStyle/>
-          <a:p>
-            <a:pPr algn="ctr"/>
-            <a:r>
-              <a:rPr lang="en-US" altLang="zh-TW" dirty="0" smtClean="0"/>
-              <a:t>Hotness Computing</a:t>
-            </a:r>
-            <a:endParaRPr lang="zh-TW" altLang="en-US" dirty="0"/>
-          </a:p>
-        </p:txBody>
-      </p:sp>
-      <p:cxnSp>
-        <p:nvCxnSpPr>
-          <p:cNvPr id="10" name="直線單箭頭接點 9"/>
-          <p:cNvCxnSpPr>
-            <a:stCxn id="7" idx="3"/>
-            <a:endCxn id="9" idx="1"/>
-          </p:cNvCxnSpPr>
-          <p:nvPr/>
-        </p:nvCxnSpPr>
-        <p:spPr>
-          <a:xfrm>
-            <a:off x="8993038" y="1120754"/>
-            <a:ext cx="463594" cy="0"/>
-          </a:xfrm>
-          <a:prstGeom prst="straightConnector1">
-            <a:avLst/>
-          </a:prstGeom>
-          <a:ln>
-            <a:tailEnd type="triangle"/>
-          </a:ln>
-        </p:spPr>
-        <p:style>
-          <a:lnRef idx="1">
-            <a:schemeClr val="accent1"/>
-          </a:lnRef>
-          <a:fillRef idx="0">
-            <a:schemeClr val="accent1"/>
-          </a:fillRef>
-          <a:effectRef idx="0">
-            <a:schemeClr val="accent1"/>
-          </a:effectRef>
-          <a:fontRef idx="minor">
-            <a:schemeClr val="tx1"/>
-          </a:fontRef>
-        </p:style>
-      </p:cxnSp>
-      <p:sp>
-        <p:nvSpPr>
-          <p:cNvPr id="11" name="矩形 10"/>
-          <p:cNvSpPr/>
-          <p:nvPr/>
-        </p:nvSpPr>
-        <p:spPr>
-          <a:xfrm>
-            <a:off x="2992808" y="550819"/>
-            <a:ext cx="1691014" cy="1139869"/>
-          </a:xfrm>
-          <a:prstGeom prst="rect">
-            <a:avLst/>
-          </a:prstGeom>
-          <a:solidFill>
-            <a:schemeClr val="accent1">
-              <a:lumMod val="50000"/>
-            </a:schemeClr>
-          </a:solidFill>
-        </p:spPr>
-        <p:style>
-          <a:lnRef idx="2">
-            <a:schemeClr val="accent1">
-              <a:shade val="50000"/>
-            </a:schemeClr>
-          </a:lnRef>
-          <a:fillRef idx="1">
-            <a:schemeClr val="accent1"/>
-          </a:fillRef>
-          <a:effectRef idx="0">
-            <a:schemeClr val="accent1"/>
-          </a:effectRef>
-          <a:fontRef idx="minor">
-            <a:schemeClr val="lt1"/>
-          </a:fontRef>
-        </p:style>
-        <p:txBody>
-          <a:bodyPr rtlCol="0" anchor="ctr"/>
-          <a:lstStyle/>
-          <a:p>
-            <a:pPr algn="ctr"/>
-            <a:r>
-              <a:rPr lang="en-US" altLang="zh-TW" dirty="0" smtClean="0"/>
-              <a:t>Model</a:t>
-            </a:r>
-          </a:p>
-        </p:txBody>
-      </p:sp>
-      <p:cxnSp>
-        <p:nvCxnSpPr>
-          <p:cNvPr id="12" name="直線單箭頭接點 11"/>
-          <p:cNvCxnSpPr>
-            <a:stCxn id="11" idx="3"/>
-            <a:endCxn id="5" idx="1"/>
-          </p:cNvCxnSpPr>
-          <p:nvPr/>
-        </p:nvCxnSpPr>
-        <p:spPr>
-          <a:xfrm>
-            <a:off x="4683822" y="1120754"/>
-            <a:ext cx="463594" cy="0"/>
-          </a:xfrm>
-          <a:prstGeom prst="straightConnector1">
-            <a:avLst/>
-          </a:prstGeom>
-          <a:ln>
-            <a:tailEnd type="triangle"/>
-          </a:ln>
-        </p:spPr>
-        <p:style>
-          <a:lnRef idx="1">
-            <a:schemeClr val="accent1"/>
-          </a:lnRef>
-          <a:fillRef idx="0">
-            <a:schemeClr val="accent1"/>
-          </a:fillRef>
-          <a:effectRef idx="0">
-            <a:schemeClr val="accent1"/>
-          </a:effectRef>
-          <a:fontRef idx="minor">
-            <a:schemeClr val="tx1"/>
-          </a:fontRef>
-        </p:style>
-      </p:cxnSp>
+        </p:txBody>
+      </p:sp>
     </p:spTree>
     <p:extLst>
       <p:ext uri="{BB962C8B-B14F-4D97-AF65-F5344CB8AC3E}">
-        <p14:creationId xmlns:p14="http://schemas.microsoft.com/office/powerpoint/2010/main" val="3919225279"/>
+        <p14:creationId xmlns:p14="http://schemas.microsoft.com/office/powerpoint/2010/main" val="1230499955"/>
       </p:ext>
     </p:extLst>
   </p:cSld>
@@ -6439,8 +6147,8 @@
           <a:lstStyle/>
           <a:p>
             <a:r>
-              <a:rPr lang="zh-TW" altLang="en-US" dirty="0" smtClean="0"/>
-              <a:t> </a:t>
+              <a:rPr lang="en-US" altLang="zh-TW" dirty="0" smtClean="0"/>
+              <a:t>Clustering</a:t>
             </a:r>
             <a:endParaRPr lang="zh-TW" altLang="en-US" dirty="0"/>
           </a:p>
@@ -6461,418 +6169,25 @@
           <a:bodyPr/>
           <a:lstStyle/>
           <a:p>
+            <a:r>
+              <a:rPr lang="zh-TW" altLang="en-US" dirty="0" smtClean="0"/>
+              <a:t>話題由一群文章組成，每一個話題可以用一個向量來表示</a:t>
+            </a:r>
             <a:endParaRPr lang="en-US" altLang="zh-TW" dirty="0" smtClean="0"/>
           </a:p>
           <a:p>
             <a:r>
               <a:rPr lang="zh-TW" altLang="en-US" dirty="0" smtClean="0"/>
-              <a:t>使用預先訓練好的</a:t>
-            </a:r>
-            <a:r>
-              <a:rPr lang="en-US" altLang="zh-TW" dirty="0" smtClean="0"/>
-              <a:t>word2vec Model</a:t>
-            </a:r>
-            <a:endParaRPr lang="zh-TW" altLang="en-US" dirty="0"/>
-          </a:p>
-        </p:txBody>
-      </p:sp>
-      <p:sp>
-        <p:nvSpPr>
-          <p:cNvPr id="4" name="矩形 3"/>
-          <p:cNvSpPr/>
-          <p:nvPr/>
-        </p:nvSpPr>
-        <p:spPr>
-          <a:xfrm>
-            <a:off x="838200" y="550821"/>
-            <a:ext cx="1691014" cy="1139869"/>
-          </a:xfrm>
-          <a:prstGeom prst="rect">
-            <a:avLst/>
-          </a:prstGeom>
-          <a:solidFill>
-            <a:schemeClr val="accent1">
-              <a:lumMod val="50000"/>
-            </a:schemeClr>
-          </a:solidFill>
-        </p:spPr>
-        <p:style>
-          <a:lnRef idx="2">
-            <a:schemeClr val="accent1">
-              <a:shade val="50000"/>
-            </a:schemeClr>
-          </a:lnRef>
-          <a:fillRef idx="1">
-            <a:schemeClr val="accent1"/>
-          </a:fillRef>
-          <a:effectRef idx="0">
-            <a:schemeClr val="accent1"/>
-          </a:effectRef>
-          <a:fontRef idx="minor">
-            <a:schemeClr val="lt1"/>
-          </a:fontRef>
-        </p:style>
-        <p:txBody>
-          <a:bodyPr rtlCol="0" anchor="ctr"/>
-          <a:lstStyle/>
-          <a:p>
-            <a:pPr algn="ctr"/>
-            <a:r>
-              <a:rPr lang="en-US" altLang="zh-TW" dirty="0" smtClean="0"/>
-              <a:t>Articles</a:t>
-            </a:r>
-            <a:endParaRPr lang="zh-TW" altLang="en-US" dirty="0"/>
-          </a:p>
-        </p:txBody>
-      </p:sp>
-      <p:sp>
-        <p:nvSpPr>
-          <p:cNvPr id="5" name="矩形 4"/>
-          <p:cNvSpPr/>
-          <p:nvPr/>
-        </p:nvSpPr>
-        <p:spPr>
-          <a:xfrm>
-            <a:off x="5147416" y="550819"/>
-            <a:ext cx="1691014" cy="1139869"/>
-          </a:xfrm>
-          <a:prstGeom prst="rect">
-            <a:avLst/>
-          </a:prstGeom>
-          <a:solidFill>
-            <a:schemeClr val="accent1">
-              <a:lumMod val="50000"/>
-            </a:schemeClr>
-          </a:solidFill>
-        </p:spPr>
-        <p:style>
-          <a:lnRef idx="2">
-            <a:schemeClr val="accent1">
-              <a:shade val="50000"/>
-            </a:schemeClr>
-          </a:lnRef>
-          <a:fillRef idx="1">
-            <a:schemeClr val="accent1"/>
-          </a:fillRef>
-          <a:effectRef idx="0">
-            <a:schemeClr val="accent1"/>
-          </a:effectRef>
-          <a:fontRef idx="minor">
-            <a:schemeClr val="lt1"/>
-          </a:fontRef>
-        </p:style>
-        <p:txBody>
-          <a:bodyPr rtlCol="0" anchor="ctr"/>
-          <a:lstStyle/>
-          <a:p>
-            <a:pPr algn="ctr"/>
-            <a:r>
-              <a:rPr lang="en-US" altLang="zh-TW" dirty="0"/>
-              <a:t>Article Vector</a:t>
-            </a:r>
-            <a:br>
-              <a:rPr lang="en-US" altLang="zh-TW" dirty="0"/>
-            </a:br>
-            <a:r>
-              <a:rPr lang="en-US" altLang="zh-TW" dirty="0"/>
-              <a:t>Computing</a:t>
-            </a:r>
-            <a:endParaRPr lang="zh-TW" altLang="en-US" dirty="0"/>
-          </a:p>
-        </p:txBody>
-      </p:sp>
-      <p:cxnSp>
-        <p:nvCxnSpPr>
-          <p:cNvPr id="6" name="直線單箭頭接點 5"/>
-          <p:cNvCxnSpPr>
-            <a:stCxn id="4" idx="3"/>
-            <a:endCxn id="11" idx="1"/>
-          </p:cNvCxnSpPr>
-          <p:nvPr/>
-        </p:nvCxnSpPr>
-        <p:spPr>
-          <a:xfrm flipV="1">
-            <a:off x="2529214" y="1120754"/>
-            <a:ext cx="463594" cy="2"/>
-          </a:xfrm>
-          <a:prstGeom prst="straightConnector1">
-            <a:avLst/>
-          </a:prstGeom>
-          <a:ln>
-            <a:tailEnd type="triangle"/>
-          </a:ln>
-        </p:spPr>
-        <p:style>
-          <a:lnRef idx="1">
-            <a:schemeClr val="accent1"/>
-          </a:lnRef>
-          <a:fillRef idx="0">
-            <a:schemeClr val="accent1"/>
-          </a:fillRef>
-          <a:effectRef idx="0">
-            <a:schemeClr val="accent1"/>
-          </a:effectRef>
-          <a:fontRef idx="minor">
-            <a:schemeClr val="tx1"/>
-          </a:fontRef>
-        </p:style>
-      </p:cxnSp>
-      <p:sp>
-        <p:nvSpPr>
-          <p:cNvPr id="7" name="矩形 6"/>
-          <p:cNvSpPr/>
-          <p:nvPr/>
-        </p:nvSpPr>
-        <p:spPr>
-          <a:xfrm>
-            <a:off x="7302024" y="550819"/>
-            <a:ext cx="1691014" cy="1139869"/>
-          </a:xfrm>
-          <a:prstGeom prst="rect">
-            <a:avLst/>
-          </a:prstGeom>
-          <a:solidFill>
-            <a:schemeClr val="accent1">
-              <a:lumMod val="50000"/>
-            </a:schemeClr>
-          </a:solidFill>
-        </p:spPr>
-        <p:style>
-          <a:lnRef idx="2">
-            <a:schemeClr val="accent1">
-              <a:shade val="50000"/>
-            </a:schemeClr>
-          </a:lnRef>
-          <a:fillRef idx="1">
-            <a:schemeClr val="accent1"/>
-          </a:fillRef>
-          <a:effectRef idx="0">
-            <a:schemeClr val="accent1"/>
-          </a:effectRef>
-          <a:fontRef idx="minor">
-            <a:schemeClr val="lt1"/>
-          </a:fontRef>
-        </p:style>
-        <p:txBody>
-          <a:bodyPr rtlCol="0" anchor="ctr"/>
-          <a:lstStyle/>
-          <a:p>
-            <a:pPr algn="ctr"/>
-            <a:r>
-              <a:rPr lang="en-US" altLang="zh-TW" dirty="0"/>
-              <a:t>Clustering</a:t>
-            </a:r>
-            <a:endParaRPr lang="zh-TW" altLang="en-US" dirty="0"/>
-          </a:p>
-        </p:txBody>
-      </p:sp>
-      <p:cxnSp>
-        <p:nvCxnSpPr>
-          <p:cNvPr id="8" name="直線單箭頭接點 7"/>
-          <p:cNvCxnSpPr>
-            <a:stCxn id="5" idx="3"/>
-            <a:endCxn id="7" idx="1"/>
-          </p:cNvCxnSpPr>
-          <p:nvPr/>
-        </p:nvCxnSpPr>
-        <p:spPr>
-          <a:xfrm>
-            <a:off x="6838430" y="1120754"/>
-            <a:ext cx="463594" cy="0"/>
-          </a:xfrm>
-          <a:prstGeom prst="straightConnector1">
-            <a:avLst/>
-          </a:prstGeom>
-          <a:ln>
-            <a:tailEnd type="triangle"/>
-          </a:ln>
-        </p:spPr>
-        <p:style>
-          <a:lnRef idx="1">
-            <a:schemeClr val="accent1"/>
-          </a:lnRef>
-          <a:fillRef idx="0">
-            <a:schemeClr val="accent1"/>
-          </a:fillRef>
-          <a:effectRef idx="0">
-            <a:schemeClr val="accent1"/>
-          </a:effectRef>
-          <a:fontRef idx="minor">
-            <a:schemeClr val="tx1"/>
-          </a:fontRef>
-        </p:style>
-      </p:cxnSp>
-      <p:sp>
-        <p:nvSpPr>
-          <p:cNvPr id="9" name="矩形 8"/>
-          <p:cNvSpPr/>
-          <p:nvPr/>
-        </p:nvSpPr>
-        <p:spPr>
-          <a:xfrm>
-            <a:off x="9456632" y="550819"/>
-            <a:ext cx="1691014" cy="1139869"/>
-          </a:xfrm>
-          <a:prstGeom prst="rect">
-            <a:avLst/>
-          </a:prstGeom>
-          <a:solidFill>
-            <a:schemeClr val="accent1">
-              <a:lumMod val="50000"/>
-            </a:schemeClr>
-          </a:solidFill>
-        </p:spPr>
-        <p:style>
-          <a:lnRef idx="2">
-            <a:schemeClr val="accent1">
-              <a:shade val="50000"/>
-            </a:schemeClr>
-          </a:lnRef>
-          <a:fillRef idx="1">
-            <a:schemeClr val="accent1"/>
-          </a:fillRef>
-          <a:effectRef idx="0">
-            <a:schemeClr val="accent1"/>
-          </a:effectRef>
-          <a:fontRef idx="minor">
-            <a:schemeClr val="lt1"/>
-          </a:fontRef>
-        </p:style>
-        <p:txBody>
-          <a:bodyPr rtlCol="0" anchor="ctr"/>
-          <a:lstStyle/>
-          <a:p>
-            <a:pPr algn="ctr"/>
-            <a:r>
-              <a:rPr lang="en-US" altLang="zh-TW" dirty="0" smtClean="0"/>
-              <a:t>Hotness Computing</a:t>
-            </a:r>
-            <a:endParaRPr lang="zh-TW" altLang="en-US" dirty="0"/>
-          </a:p>
-        </p:txBody>
-      </p:sp>
-      <p:cxnSp>
-        <p:nvCxnSpPr>
-          <p:cNvPr id="10" name="直線單箭頭接點 9"/>
-          <p:cNvCxnSpPr>
-            <a:stCxn id="7" idx="3"/>
-            <a:endCxn id="9" idx="1"/>
-          </p:cNvCxnSpPr>
-          <p:nvPr/>
-        </p:nvCxnSpPr>
-        <p:spPr>
-          <a:xfrm>
-            <a:off x="8993038" y="1120754"/>
-            <a:ext cx="463594" cy="0"/>
-          </a:xfrm>
-          <a:prstGeom prst="straightConnector1">
-            <a:avLst/>
-          </a:prstGeom>
-          <a:ln>
-            <a:tailEnd type="triangle"/>
-          </a:ln>
-        </p:spPr>
-        <p:style>
-          <a:lnRef idx="1">
-            <a:schemeClr val="accent1"/>
-          </a:lnRef>
-          <a:fillRef idx="0">
-            <a:schemeClr val="accent1"/>
-          </a:fillRef>
-          <a:effectRef idx="0">
-            <a:schemeClr val="accent1"/>
-          </a:effectRef>
-          <a:fontRef idx="minor">
-            <a:schemeClr val="tx1"/>
-          </a:fontRef>
-        </p:style>
-      </p:cxnSp>
-      <p:sp>
-        <p:nvSpPr>
-          <p:cNvPr id="11" name="矩形 10"/>
-          <p:cNvSpPr/>
-          <p:nvPr/>
-        </p:nvSpPr>
-        <p:spPr>
-          <a:xfrm>
-            <a:off x="2992808" y="550819"/>
-            <a:ext cx="1691014" cy="1139869"/>
-          </a:xfrm>
-          <a:prstGeom prst="rect">
-            <a:avLst/>
-          </a:prstGeom>
-          <a:solidFill>
-            <a:schemeClr val="accent1"/>
-          </a:solidFill>
-        </p:spPr>
-        <p:style>
-          <a:lnRef idx="2">
-            <a:schemeClr val="accent1">
-              <a:shade val="50000"/>
-            </a:schemeClr>
-          </a:lnRef>
-          <a:fillRef idx="1">
-            <a:schemeClr val="accent1"/>
-          </a:fillRef>
-          <a:effectRef idx="0">
-            <a:schemeClr val="accent1"/>
-          </a:effectRef>
-          <a:fontRef idx="minor">
-            <a:schemeClr val="lt1"/>
-          </a:fontRef>
-        </p:style>
-        <p:txBody>
-          <a:bodyPr rtlCol="0" anchor="ctr"/>
-          <a:lstStyle/>
-          <a:p>
-            <a:pPr algn="ctr"/>
-            <a:r>
-              <a:rPr lang="en-US" altLang="zh-TW" dirty="0" smtClean="0"/>
-              <a:t>Model</a:t>
-            </a:r>
-          </a:p>
-        </p:txBody>
-      </p:sp>
-      <p:cxnSp>
-        <p:nvCxnSpPr>
-          <p:cNvPr id="12" name="直線單箭頭接點 11"/>
-          <p:cNvCxnSpPr>
-            <a:stCxn id="11" idx="3"/>
-            <a:endCxn id="5" idx="1"/>
-          </p:cNvCxnSpPr>
-          <p:nvPr/>
-        </p:nvCxnSpPr>
-        <p:spPr>
-          <a:xfrm>
-            <a:off x="4683822" y="1120754"/>
-            <a:ext cx="463594" cy="0"/>
-          </a:xfrm>
-          <a:prstGeom prst="straightConnector1">
-            <a:avLst/>
-          </a:prstGeom>
-          <a:ln>
-            <a:tailEnd type="triangle"/>
-          </a:ln>
-        </p:spPr>
-        <p:style>
-          <a:lnRef idx="1">
-            <a:schemeClr val="accent1"/>
-          </a:lnRef>
-          <a:fillRef idx="0">
-            <a:schemeClr val="accent1"/>
-          </a:fillRef>
-          <a:effectRef idx="0">
-            <a:schemeClr val="accent1"/>
-          </a:effectRef>
-          <a:fontRef idx="minor">
-            <a:schemeClr val="tx1"/>
-          </a:fontRef>
-        </p:style>
-      </p:cxnSp>
+              <a:t>定義一個門檻值，將含有相同標題的文章視為同一話題，對每一話題找出與該話題最為相似的話題，若相似度大於門檻值則將兩個話題合併，若相似度小於門檻值，則將話題移到分群完畢的清單，重複直到所有話題合併完畢</a:t>
+            </a:r>
+            <a:endParaRPr lang="en-US" altLang="zh-TW" dirty="0" smtClean="0"/>
+          </a:p>
+        </p:txBody>
+      </p:sp>
     </p:spTree>
     <p:extLst>
       <p:ext uri="{BB962C8B-B14F-4D97-AF65-F5344CB8AC3E}">
-        <p14:creationId xmlns:p14="http://schemas.microsoft.com/office/powerpoint/2010/main" val="2204908292"/>
+        <p14:creationId xmlns:p14="http://schemas.microsoft.com/office/powerpoint/2010/main" val="1255159738"/>
       </p:ext>
     </p:extLst>
   </p:cSld>
@@ -6922,8 +6237,8 @@
           <a:lstStyle/>
           <a:p>
             <a:r>
-              <a:rPr lang="zh-TW" altLang="en-US" dirty="0" smtClean="0"/>
-              <a:t> </a:t>
+              <a:rPr lang="en-US" altLang="zh-TW" dirty="0" smtClean="0"/>
+              <a:t>Clustering – method 1</a:t>
             </a:r>
             <a:endParaRPr lang="zh-TW" altLang="en-US" dirty="0"/>
           </a:p>
@@ -6946,516 +6261,12 @@
           <a:p>
             <a:endParaRPr lang="en-US" altLang="zh-TW" dirty="0" smtClean="0"/>
           </a:p>
-          <a:p>
-            <a:r>
-              <a:rPr lang="zh-TW" altLang="en-US" dirty="0" smtClean="0"/>
-              <a:t>以文章標題作為主</a:t>
-            </a:r>
-            <a:endParaRPr lang="en-US" altLang="zh-TW" dirty="0" smtClean="0"/>
-          </a:p>
-          <a:p>
-            <a:pPr lvl="1"/>
-            <a:r>
-              <a:rPr lang="zh-TW" altLang="en-US" dirty="0" smtClean="0"/>
-              <a:t>標題斷詞並去除 </a:t>
-            </a:r>
-            <a:r>
-              <a:rPr lang="en-US" altLang="zh-TW" dirty="0" err="1" smtClean="0"/>
-              <a:t>Stopwords</a:t>
-            </a:r>
-            <a:r>
-              <a:rPr lang="en-US" altLang="zh-TW" dirty="0" smtClean="0"/>
-              <a:t> </a:t>
-            </a:r>
-            <a:r>
-              <a:rPr lang="zh-TW" altLang="en-US" dirty="0" smtClean="0"/>
-              <a:t>以及八卦板特定標題格式</a:t>
-            </a:r>
-            <a:endParaRPr lang="en-US" altLang="zh-TW" dirty="0" smtClean="0"/>
-          </a:p>
-          <a:p>
-            <a:pPr lvl="1"/>
-            <a:r>
-              <a:rPr lang="zh-TW" altLang="en-US" dirty="0" smtClean="0"/>
-              <a:t>將斷好的詞分別去查詢對應的</a:t>
-            </a:r>
-            <a:r>
-              <a:rPr lang="en-US" altLang="zh-TW" dirty="0" smtClean="0"/>
-              <a:t>vector</a:t>
-            </a:r>
-          </a:p>
-          <a:p>
-            <a:pPr lvl="1"/>
-            <a:r>
-              <a:rPr lang="zh-TW" altLang="en-US" dirty="0" smtClean="0"/>
-              <a:t>將對應的</a:t>
-            </a:r>
-            <a:r>
-              <a:rPr lang="en-US" altLang="zh-TW" dirty="0" smtClean="0"/>
-              <a:t>vector</a:t>
-            </a:r>
-            <a:r>
-              <a:rPr lang="zh-TW" altLang="en-US" dirty="0" smtClean="0"/>
-              <a:t>相加取平均並正規化代表此文章</a:t>
-            </a:r>
-            <a:endParaRPr lang="en-US" altLang="zh-TW" dirty="0" smtClean="0"/>
-          </a:p>
-          <a:p>
-            <a:endParaRPr lang="en-US" altLang="zh-TW" dirty="0"/>
-          </a:p>
-          <a:p>
-            <a:r>
-              <a:rPr lang="zh-TW" altLang="en-US" dirty="0" smtClean="0"/>
-              <a:t>以文章內容為輔</a:t>
-            </a:r>
-            <a:endParaRPr lang="en-US" altLang="zh-TW" dirty="0"/>
-          </a:p>
-          <a:p>
-            <a:pPr lvl="1"/>
-            <a:r>
-              <a:rPr lang="zh-TW" altLang="en-US" dirty="0" smtClean="0"/>
-              <a:t>利用</a:t>
-            </a:r>
-            <a:r>
-              <a:rPr lang="en-US" altLang="zh-TW" dirty="0" smtClean="0"/>
-              <a:t>LDA</a:t>
-            </a:r>
-            <a:r>
-              <a:rPr lang="zh-TW" altLang="en-US" dirty="0" smtClean="0"/>
-              <a:t>擷取內文關鍵字</a:t>
-            </a:r>
-            <a:endParaRPr lang="en-US" altLang="zh-TW" dirty="0" smtClean="0"/>
-          </a:p>
-          <a:p>
-            <a:pPr lvl="1"/>
-            <a:r>
-              <a:rPr lang="zh-TW" altLang="en-US" dirty="0" smtClean="0"/>
-              <a:t>取前十關鍵字查詢對應</a:t>
-            </a:r>
-            <a:r>
-              <a:rPr lang="en-US" altLang="zh-TW" dirty="0" smtClean="0"/>
-              <a:t>vector</a:t>
-            </a:r>
-            <a:r>
-              <a:rPr lang="zh-TW" altLang="en-US" dirty="0" smtClean="0"/>
-              <a:t>取平均代表此文章內容</a:t>
-            </a:r>
-            <a:endParaRPr lang="en-US" altLang="zh-TW" dirty="0" smtClean="0"/>
-          </a:p>
-          <a:p>
-            <a:pPr lvl="1"/>
-            <a:endParaRPr lang="en-US" altLang="zh-TW" dirty="0" smtClean="0"/>
-          </a:p>
-          <a:p>
-            <a:pPr lvl="1"/>
-            <a:endParaRPr lang="en-US" altLang="zh-TW" dirty="0"/>
-          </a:p>
-        </p:txBody>
-      </p:sp>
-      <p:sp>
-        <p:nvSpPr>
-          <p:cNvPr id="4" name="矩形 3"/>
-          <p:cNvSpPr/>
-          <p:nvPr/>
-        </p:nvSpPr>
-        <p:spPr>
-          <a:xfrm>
-            <a:off x="838200" y="550821"/>
-            <a:ext cx="1691014" cy="1139869"/>
-          </a:xfrm>
-          <a:prstGeom prst="rect">
-            <a:avLst/>
-          </a:prstGeom>
-          <a:solidFill>
-            <a:schemeClr val="accent1">
-              <a:lumMod val="50000"/>
-            </a:schemeClr>
-          </a:solidFill>
-        </p:spPr>
-        <p:style>
-          <a:lnRef idx="2">
-            <a:schemeClr val="accent1">
-              <a:shade val="50000"/>
-            </a:schemeClr>
-          </a:lnRef>
-          <a:fillRef idx="1">
-            <a:schemeClr val="accent1"/>
-          </a:fillRef>
-          <a:effectRef idx="0">
-            <a:schemeClr val="accent1"/>
-          </a:effectRef>
-          <a:fontRef idx="minor">
-            <a:schemeClr val="lt1"/>
-          </a:fontRef>
-        </p:style>
-        <p:txBody>
-          <a:bodyPr rtlCol="0" anchor="ctr"/>
-          <a:lstStyle/>
-          <a:p>
-            <a:pPr algn="ctr"/>
-            <a:r>
-              <a:rPr lang="en-US" altLang="zh-TW" dirty="0" smtClean="0"/>
-              <a:t>Articles</a:t>
-            </a:r>
-            <a:endParaRPr lang="zh-TW" altLang="en-US" dirty="0"/>
-          </a:p>
-        </p:txBody>
-      </p:sp>
-      <p:sp>
-        <p:nvSpPr>
-          <p:cNvPr id="5" name="矩形 4"/>
-          <p:cNvSpPr/>
-          <p:nvPr/>
-        </p:nvSpPr>
-        <p:spPr>
-          <a:xfrm>
-            <a:off x="5147416" y="550819"/>
-            <a:ext cx="1691014" cy="1139869"/>
-          </a:xfrm>
-          <a:prstGeom prst="rect">
-            <a:avLst/>
-          </a:prstGeom>
-          <a:solidFill>
-            <a:schemeClr val="accent1"/>
-          </a:solidFill>
-        </p:spPr>
-        <p:style>
-          <a:lnRef idx="2">
-            <a:schemeClr val="accent1">
-              <a:shade val="50000"/>
-            </a:schemeClr>
-          </a:lnRef>
-          <a:fillRef idx="1">
-            <a:schemeClr val="accent1"/>
-          </a:fillRef>
-          <a:effectRef idx="0">
-            <a:schemeClr val="accent1"/>
-          </a:effectRef>
-          <a:fontRef idx="minor">
-            <a:schemeClr val="lt1"/>
-          </a:fontRef>
-        </p:style>
-        <p:txBody>
-          <a:bodyPr rtlCol="0" anchor="ctr"/>
-          <a:lstStyle/>
-          <a:p>
-            <a:pPr algn="ctr"/>
-            <a:r>
-              <a:rPr lang="en-US" altLang="zh-TW" dirty="0"/>
-              <a:t>Article Vector</a:t>
-            </a:r>
-            <a:br>
-              <a:rPr lang="en-US" altLang="zh-TW" dirty="0"/>
-            </a:br>
-            <a:r>
-              <a:rPr lang="en-US" altLang="zh-TW" dirty="0"/>
-              <a:t>Computing</a:t>
-            </a:r>
-            <a:endParaRPr lang="zh-TW" altLang="en-US" dirty="0"/>
-          </a:p>
-        </p:txBody>
-      </p:sp>
-      <p:cxnSp>
-        <p:nvCxnSpPr>
-          <p:cNvPr id="6" name="直線單箭頭接點 5"/>
-          <p:cNvCxnSpPr>
-            <a:stCxn id="4" idx="3"/>
-            <a:endCxn id="11" idx="1"/>
-          </p:cNvCxnSpPr>
-          <p:nvPr/>
-        </p:nvCxnSpPr>
-        <p:spPr>
-          <a:xfrm flipV="1">
-            <a:off x="2529214" y="1120754"/>
-            <a:ext cx="463594" cy="2"/>
-          </a:xfrm>
-          <a:prstGeom prst="straightConnector1">
-            <a:avLst/>
-          </a:prstGeom>
-          <a:ln>
-            <a:tailEnd type="triangle"/>
-          </a:ln>
-        </p:spPr>
-        <p:style>
-          <a:lnRef idx="1">
-            <a:schemeClr val="accent1"/>
-          </a:lnRef>
-          <a:fillRef idx="0">
-            <a:schemeClr val="accent1"/>
-          </a:fillRef>
-          <a:effectRef idx="0">
-            <a:schemeClr val="accent1"/>
-          </a:effectRef>
-          <a:fontRef idx="minor">
-            <a:schemeClr val="tx1"/>
-          </a:fontRef>
-        </p:style>
-      </p:cxnSp>
-      <p:sp>
-        <p:nvSpPr>
-          <p:cNvPr id="7" name="矩形 6"/>
-          <p:cNvSpPr/>
-          <p:nvPr/>
-        </p:nvSpPr>
-        <p:spPr>
-          <a:xfrm>
-            <a:off x="7302024" y="550819"/>
-            <a:ext cx="1691014" cy="1139869"/>
-          </a:xfrm>
-          <a:prstGeom prst="rect">
-            <a:avLst/>
-          </a:prstGeom>
-          <a:solidFill>
-            <a:schemeClr val="accent1">
-              <a:lumMod val="50000"/>
-            </a:schemeClr>
-          </a:solidFill>
-        </p:spPr>
-        <p:style>
-          <a:lnRef idx="2">
-            <a:schemeClr val="accent1">
-              <a:shade val="50000"/>
-            </a:schemeClr>
-          </a:lnRef>
-          <a:fillRef idx="1">
-            <a:schemeClr val="accent1"/>
-          </a:fillRef>
-          <a:effectRef idx="0">
-            <a:schemeClr val="accent1"/>
-          </a:effectRef>
-          <a:fontRef idx="minor">
-            <a:schemeClr val="lt1"/>
-          </a:fontRef>
-        </p:style>
-        <p:txBody>
-          <a:bodyPr rtlCol="0" anchor="ctr"/>
-          <a:lstStyle/>
-          <a:p>
-            <a:pPr algn="ctr"/>
-            <a:r>
-              <a:rPr lang="en-US" altLang="zh-TW" dirty="0"/>
-              <a:t>Clustering</a:t>
-            </a:r>
-            <a:endParaRPr lang="zh-TW" altLang="en-US" dirty="0"/>
-          </a:p>
-        </p:txBody>
-      </p:sp>
-      <p:cxnSp>
-        <p:nvCxnSpPr>
-          <p:cNvPr id="8" name="直線單箭頭接點 7"/>
-          <p:cNvCxnSpPr>
-            <a:stCxn id="5" idx="3"/>
-            <a:endCxn id="7" idx="1"/>
-          </p:cNvCxnSpPr>
-          <p:nvPr/>
-        </p:nvCxnSpPr>
-        <p:spPr>
-          <a:xfrm>
-            <a:off x="6838430" y="1120754"/>
-            <a:ext cx="463594" cy="0"/>
-          </a:xfrm>
-          <a:prstGeom prst="straightConnector1">
-            <a:avLst/>
-          </a:prstGeom>
-          <a:ln>
-            <a:tailEnd type="triangle"/>
-          </a:ln>
-        </p:spPr>
-        <p:style>
-          <a:lnRef idx="1">
-            <a:schemeClr val="accent1"/>
-          </a:lnRef>
-          <a:fillRef idx="0">
-            <a:schemeClr val="accent1"/>
-          </a:fillRef>
-          <a:effectRef idx="0">
-            <a:schemeClr val="accent1"/>
-          </a:effectRef>
-          <a:fontRef idx="minor">
-            <a:schemeClr val="tx1"/>
-          </a:fontRef>
-        </p:style>
-      </p:cxnSp>
-      <p:sp>
-        <p:nvSpPr>
-          <p:cNvPr id="9" name="矩形 8"/>
-          <p:cNvSpPr/>
-          <p:nvPr/>
-        </p:nvSpPr>
-        <p:spPr>
-          <a:xfrm>
-            <a:off x="9456632" y="550819"/>
-            <a:ext cx="1691014" cy="1139869"/>
-          </a:xfrm>
-          <a:prstGeom prst="rect">
-            <a:avLst/>
-          </a:prstGeom>
-          <a:solidFill>
-            <a:schemeClr val="accent1">
-              <a:lumMod val="50000"/>
-            </a:schemeClr>
-          </a:solidFill>
-        </p:spPr>
-        <p:style>
-          <a:lnRef idx="2">
-            <a:schemeClr val="accent1">
-              <a:shade val="50000"/>
-            </a:schemeClr>
-          </a:lnRef>
-          <a:fillRef idx="1">
-            <a:schemeClr val="accent1"/>
-          </a:fillRef>
-          <a:effectRef idx="0">
-            <a:schemeClr val="accent1"/>
-          </a:effectRef>
-          <a:fontRef idx="minor">
-            <a:schemeClr val="lt1"/>
-          </a:fontRef>
-        </p:style>
-        <p:txBody>
-          <a:bodyPr rtlCol="0" anchor="ctr"/>
-          <a:lstStyle/>
-          <a:p>
-            <a:pPr algn="ctr"/>
-            <a:r>
-              <a:rPr lang="en-US" altLang="zh-TW" dirty="0" smtClean="0"/>
-              <a:t>Hotness Computing</a:t>
-            </a:r>
-            <a:endParaRPr lang="zh-TW" altLang="en-US" dirty="0"/>
-          </a:p>
-        </p:txBody>
-      </p:sp>
-      <p:cxnSp>
-        <p:nvCxnSpPr>
-          <p:cNvPr id="10" name="直線單箭頭接點 9"/>
-          <p:cNvCxnSpPr>
-            <a:stCxn id="7" idx="3"/>
-            <a:endCxn id="9" idx="1"/>
-          </p:cNvCxnSpPr>
-          <p:nvPr/>
-        </p:nvCxnSpPr>
-        <p:spPr>
-          <a:xfrm>
-            <a:off x="8993038" y="1120754"/>
-            <a:ext cx="463594" cy="0"/>
-          </a:xfrm>
-          <a:prstGeom prst="straightConnector1">
-            <a:avLst/>
-          </a:prstGeom>
-          <a:ln>
-            <a:tailEnd type="triangle"/>
-          </a:ln>
-        </p:spPr>
-        <p:style>
-          <a:lnRef idx="1">
-            <a:schemeClr val="accent1"/>
-          </a:lnRef>
-          <a:fillRef idx="0">
-            <a:schemeClr val="accent1"/>
-          </a:fillRef>
-          <a:effectRef idx="0">
-            <a:schemeClr val="accent1"/>
-          </a:effectRef>
-          <a:fontRef idx="minor">
-            <a:schemeClr val="tx1"/>
-          </a:fontRef>
-        </p:style>
-      </p:cxnSp>
-      <p:sp>
-        <p:nvSpPr>
-          <p:cNvPr id="11" name="矩形 10"/>
-          <p:cNvSpPr/>
-          <p:nvPr/>
-        </p:nvSpPr>
-        <p:spPr>
-          <a:xfrm>
-            <a:off x="2992808" y="550819"/>
-            <a:ext cx="1691014" cy="1139869"/>
-          </a:xfrm>
-          <a:prstGeom prst="rect">
-            <a:avLst/>
-          </a:prstGeom>
-          <a:solidFill>
-            <a:schemeClr val="accent1">
-              <a:lumMod val="50000"/>
-            </a:schemeClr>
-          </a:solidFill>
-        </p:spPr>
-        <p:style>
-          <a:lnRef idx="2">
-            <a:schemeClr val="accent1">
-              <a:shade val="50000"/>
-            </a:schemeClr>
-          </a:lnRef>
-          <a:fillRef idx="1">
-            <a:schemeClr val="accent1"/>
-          </a:fillRef>
-          <a:effectRef idx="0">
-            <a:schemeClr val="accent1"/>
-          </a:effectRef>
-          <a:fontRef idx="minor">
-            <a:schemeClr val="lt1"/>
-          </a:fontRef>
-        </p:style>
-        <p:txBody>
-          <a:bodyPr rtlCol="0" anchor="ctr"/>
-          <a:lstStyle/>
-          <a:p>
-            <a:pPr algn="ctr"/>
-            <a:r>
-              <a:rPr lang="en-US" altLang="zh-TW" dirty="0" smtClean="0"/>
-              <a:t>Keyword</a:t>
-            </a:r>
-            <a:br>
-              <a:rPr lang="en-US" altLang="zh-TW" dirty="0" smtClean="0"/>
-            </a:br>
-            <a:r>
-              <a:rPr lang="en-US" altLang="zh-TW" dirty="0" smtClean="0"/>
-              <a:t>Selection</a:t>
-            </a:r>
-          </a:p>
-        </p:txBody>
-      </p:sp>
-      <p:cxnSp>
-        <p:nvCxnSpPr>
-          <p:cNvPr id="12" name="直線單箭頭接點 11"/>
-          <p:cNvCxnSpPr>
-            <a:stCxn id="11" idx="3"/>
-            <a:endCxn id="5" idx="1"/>
-          </p:cNvCxnSpPr>
-          <p:nvPr/>
-        </p:nvCxnSpPr>
-        <p:spPr>
-          <a:xfrm>
-            <a:off x="4683822" y="1120754"/>
-            <a:ext cx="463594" cy="0"/>
-          </a:xfrm>
-          <a:prstGeom prst="straightConnector1">
-            <a:avLst/>
-          </a:prstGeom>
-          <a:ln>
-            <a:tailEnd type="triangle"/>
-          </a:ln>
-        </p:spPr>
-        <p:style>
-          <a:lnRef idx="1">
-            <a:schemeClr val="accent1"/>
-          </a:lnRef>
-          <a:fillRef idx="0">
-            <a:schemeClr val="accent1"/>
-          </a:fillRef>
-          <a:effectRef idx="0">
-            <a:schemeClr val="accent1"/>
-          </a:effectRef>
-          <a:fontRef idx="minor">
-            <a:schemeClr val="tx1"/>
-          </a:fontRef>
-        </p:style>
-      </p:cxnSp>
+        </p:txBody>
+      </p:sp>
     </p:spTree>
     <p:extLst>
       <p:ext uri="{BB962C8B-B14F-4D97-AF65-F5344CB8AC3E}">
-        <p14:creationId xmlns:p14="http://schemas.microsoft.com/office/powerpoint/2010/main" val="2218174632"/>
+        <p14:creationId xmlns:p14="http://schemas.microsoft.com/office/powerpoint/2010/main" val="339305820"/>
       </p:ext>
     </p:extLst>
   </p:cSld>
@@ -7473,507 +6284,6 @@
 </file>
 
 <file path=ppt/slides/slide14.xml><?xml version="1.0" encoding="utf-8"?>
-<p:sld xmlns:a="http://schemas.openxmlformats.org/drawingml/2006/main" xmlns:r="http://schemas.openxmlformats.org/officeDocument/2006/relationships" xmlns:p="http://schemas.openxmlformats.org/presentationml/2006/main">
-  <p:cSld>
-    <p:spTree>
-      <p:nvGrpSpPr>
-        <p:cNvPr id="1" name=""/>
-        <p:cNvGrpSpPr/>
-        <p:nvPr/>
-      </p:nvGrpSpPr>
-      <p:grpSpPr>
-        <a:xfrm>
-          <a:off x="0" y="0"/>
-          <a:ext cx="0" cy="0"/>
-          <a:chOff x="0" y="0"/>
-          <a:chExt cx="0" cy="0"/>
-        </a:xfrm>
-      </p:grpSpPr>
-      <p:sp>
-        <p:nvSpPr>
-          <p:cNvPr id="2" name="標題 1"/>
-          <p:cNvSpPr>
-            <a:spLocks noGrp="1"/>
-          </p:cNvSpPr>
-          <p:nvPr>
-            <p:ph type="title"/>
-          </p:nvPr>
-        </p:nvSpPr>
-        <p:spPr/>
-        <p:txBody>
-          <a:bodyPr/>
-          <a:lstStyle/>
-          <a:p>
-            <a:r>
-              <a:rPr lang="zh-TW" altLang="en-US" dirty="0" smtClean="0"/>
-              <a:t> </a:t>
-            </a:r>
-            <a:endParaRPr lang="zh-TW" altLang="en-US" dirty="0"/>
-          </a:p>
-        </p:txBody>
-      </p:sp>
-      <p:sp>
-        <p:nvSpPr>
-          <p:cNvPr id="3" name="內容版面配置區 2"/>
-          <p:cNvSpPr>
-            <a:spLocks noGrp="1"/>
-          </p:cNvSpPr>
-          <p:nvPr>
-            <p:ph idx="1"/>
-          </p:nvPr>
-        </p:nvSpPr>
-        <p:spPr/>
-        <p:txBody>
-          <a:bodyPr/>
-          <a:lstStyle/>
-          <a:p>
-            <a:endParaRPr lang="en-US" altLang="zh-TW" dirty="0" smtClean="0"/>
-          </a:p>
-          <a:p>
-            <a:r>
-              <a:rPr lang="zh-TW" altLang="en-US" dirty="0" smtClean="0"/>
-              <a:t>話題由一群文章組成，每一個話題可以用一個向量來表示</a:t>
-            </a:r>
-            <a:endParaRPr lang="en-US" altLang="zh-TW" dirty="0" smtClean="0"/>
-          </a:p>
-          <a:p>
-            <a:r>
-              <a:rPr lang="zh-TW" altLang="en-US" dirty="0" smtClean="0"/>
-              <a:t>定義一個門檻值，將含有相同標題的文章視為同一話題，對每一話題找出與該話題最為相似的話題，若相似度大於門檻值則將兩個話題合併，若相似度小於門檻值，則將話題移到分群完畢的清單，重複直到所有話題合併完畢</a:t>
-            </a:r>
-            <a:endParaRPr lang="en-US" altLang="zh-TW" dirty="0"/>
-          </a:p>
-          <a:p>
-            <a:endParaRPr lang="en-US" altLang="zh-TW" dirty="0" smtClean="0"/>
-          </a:p>
-        </p:txBody>
-      </p:sp>
-      <p:sp>
-        <p:nvSpPr>
-          <p:cNvPr id="4" name="矩形 3"/>
-          <p:cNvSpPr/>
-          <p:nvPr/>
-        </p:nvSpPr>
-        <p:spPr>
-          <a:xfrm>
-            <a:off x="838200" y="550821"/>
-            <a:ext cx="1691014" cy="1139869"/>
-          </a:xfrm>
-          <a:prstGeom prst="rect">
-            <a:avLst/>
-          </a:prstGeom>
-          <a:solidFill>
-            <a:schemeClr val="accent1">
-              <a:lumMod val="50000"/>
-            </a:schemeClr>
-          </a:solidFill>
-        </p:spPr>
-        <p:style>
-          <a:lnRef idx="2">
-            <a:schemeClr val="accent1">
-              <a:shade val="50000"/>
-            </a:schemeClr>
-          </a:lnRef>
-          <a:fillRef idx="1">
-            <a:schemeClr val="accent1"/>
-          </a:fillRef>
-          <a:effectRef idx="0">
-            <a:schemeClr val="accent1"/>
-          </a:effectRef>
-          <a:fontRef idx="minor">
-            <a:schemeClr val="lt1"/>
-          </a:fontRef>
-        </p:style>
-        <p:txBody>
-          <a:bodyPr rtlCol="0" anchor="ctr"/>
-          <a:lstStyle/>
-          <a:p>
-            <a:pPr algn="ctr"/>
-            <a:r>
-              <a:rPr lang="en-US" altLang="zh-TW" dirty="0" smtClean="0"/>
-              <a:t>Articles</a:t>
-            </a:r>
-            <a:endParaRPr lang="zh-TW" altLang="en-US" dirty="0"/>
-          </a:p>
-        </p:txBody>
-      </p:sp>
-      <p:sp>
-        <p:nvSpPr>
-          <p:cNvPr id="5" name="矩形 4"/>
-          <p:cNvSpPr/>
-          <p:nvPr/>
-        </p:nvSpPr>
-        <p:spPr>
-          <a:xfrm>
-            <a:off x="5147416" y="550819"/>
-            <a:ext cx="1691014" cy="1139869"/>
-          </a:xfrm>
-          <a:prstGeom prst="rect">
-            <a:avLst/>
-          </a:prstGeom>
-          <a:solidFill>
-            <a:schemeClr val="accent1">
-              <a:lumMod val="50000"/>
-            </a:schemeClr>
-          </a:solidFill>
-        </p:spPr>
-        <p:style>
-          <a:lnRef idx="2">
-            <a:schemeClr val="accent1">
-              <a:shade val="50000"/>
-            </a:schemeClr>
-          </a:lnRef>
-          <a:fillRef idx="1">
-            <a:schemeClr val="accent1"/>
-          </a:fillRef>
-          <a:effectRef idx="0">
-            <a:schemeClr val="accent1"/>
-          </a:effectRef>
-          <a:fontRef idx="minor">
-            <a:schemeClr val="lt1"/>
-          </a:fontRef>
-        </p:style>
-        <p:txBody>
-          <a:bodyPr rtlCol="0" anchor="ctr"/>
-          <a:lstStyle/>
-          <a:p>
-            <a:pPr algn="ctr"/>
-            <a:r>
-              <a:rPr lang="en-US" altLang="zh-TW" dirty="0"/>
-              <a:t>Article Vector</a:t>
-            </a:r>
-            <a:br>
-              <a:rPr lang="en-US" altLang="zh-TW" dirty="0"/>
-            </a:br>
-            <a:r>
-              <a:rPr lang="en-US" altLang="zh-TW" dirty="0"/>
-              <a:t>Computing</a:t>
-            </a:r>
-            <a:endParaRPr lang="zh-TW" altLang="en-US" dirty="0"/>
-          </a:p>
-        </p:txBody>
-      </p:sp>
-      <p:cxnSp>
-        <p:nvCxnSpPr>
-          <p:cNvPr id="6" name="直線單箭頭接點 5"/>
-          <p:cNvCxnSpPr>
-            <a:stCxn id="4" idx="3"/>
-            <a:endCxn id="11" idx="1"/>
-          </p:cNvCxnSpPr>
-          <p:nvPr/>
-        </p:nvCxnSpPr>
-        <p:spPr>
-          <a:xfrm flipV="1">
-            <a:off x="2529214" y="1120754"/>
-            <a:ext cx="463594" cy="2"/>
-          </a:xfrm>
-          <a:prstGeom prst="straightConnector1">
-            <a:avLst/>
-          </a:prstGeom>
-          <a:ln>
-            <a:tailEnd type="triangle"/>
-          </a:ln>
-        </p:spPr>
-        <p:style>
-          <a:lnRef idx="1">
-            <a:schemeClr val="accent1"/>
-          </a:lnRef>
-          <a:fillRef idx="0">
-            <a:schemeClr val="accent1"/>
-          </a:fillRef>
-          <a:effectRef idx="0">
-            <a:schemeClr val="accent1"/>
-          </a:effectRef>
-          <a:fontRef idx="minor">
-            <a:schemeClr val="tx1"/>
-          </a:fontRef>
-        </p:style>
-      </p:cxnSp>
-      <p:sp>
-        <p:nvSpPr>
-          <p:cNvPr id="7" name="矩形 6"/>
-          <p:cNvSpPr/>
-          <p:nvPr/>
-        </p:nvSpPr>
-        <p:spPr>
-          <a:xfrm>
-            <a:off x="7302024" y="550819"/>
-            <a:ext cx="1691014" cy="1139869"/>
-          </a:xfrm>
-          <a:prstGeom prst="rect">
-            <a:avLst/>
-          </a:prstGeom>
-          <a:solidFill>
-            <a:schemeClr val="accent1"/>
-          </a:solidFill>
-          <a:ln>
-            <a:solidFill>
-              <a:schemeClr val="accent1"/>
-            </a:solidFill>
-          </a:ln>
-        </p:spPr>
-        <p:style>
-          <a:lnRef idx="2">
-            <a:schemeClr val="accent1">
-              <a:shade val="50000"/>
-            </a:schemeClr>
-          </a:lnRef>
-          <a:fillRef idx="1">
-            <a:schemeClr val="accent1"/>
-          </a:fillRef>
-          <a:effectRef idx="0">
-            <a:schemeClr val="accent1"/>
-          </a:effectRef>
-          <a:fontRef idx="minor">
-            <a:schemeClr val="lt1"/>
-          </a:fontRef>
-        </p:style>
-        <p:txBody>
-          <a:bodyPr rtlCol="0" anchor="ctr"/>
-          <a:lstStyle/>
-          <a:p>
-            <a:pPr algn="ctr"/>
-            <a:r>
-              <a:rPr lang="en-US" altLang="zh-TW" dirty="0"/>
-              <a:t>Clustering</a:t>
-            </a:r>
-            <a:endParaRPr lang="zh-TW" altLang="en-US" dirty="0"/>
-          </a:p>
-        </p:txBody>
-      </p:sp>
-      <p:cxnSp>
-        <p:nvCxnSpPr>
-          <p:cNvPr id="8" name="直線單箭頭接點 7"/>
-          <p:cNvCxnSpPr>
-            <a:stCxn id="5" idx="3"/>
-            <a:endCxn id="7" idx="1"/>
-          </p:cNvCxnSpPr>
-          <p:nvPr/>
-        </p:nvCxnSpPr>
-        <p:spPr>
-          <a:xfrm>
-            <a:off x="6838430" y="1120754"/>
-            <a:ext cx="463594" cy="0"/>
-          </a:xfrm>
-          <a:prstGeom prst="straightConnector1">
-            <a:avLst/>
-          </a:prstGeom>
-          <a:ln>
-            <a:tailEnd type="triangle"/>
-          </a:ln>
-        </p:spPr>
-        <p:style>
-          <a:lnRef idx="1">
-            <a:schemeClr val="accent1"/>
-          </a:lnRef>
-          <a:fillRef idx="0">
-            <a:schemeClr val="accent1"/>
-          </a:fillRef>
-          <a:effectRef idx="0">
-            <a:schemeClr val="accent1"/>
-          </a:effectRef>
-          <a:fontRef idx="minor">
-            <a:schemeClr val="tx1"/>
-          </a:fontRef>
-        </p:style>
-      </p:cxnSp>
-      <p:sp>
-        <p:nvSpPr>
-          <p:cNvPr id="9" name="矩形 8"/>
-          <p:cNvSpPr/>
-          <p:nvPr/>
-        </p:nvSpPr>
-        <p:spPr>
-          <a:xfrm>
-            <a:off x="9456632" y="550819"/>
-            <a:ext cx="1691014" cy="1139869"/>
-          </a:xfrm>
-          <a:prstGeom prst="rect">
-            <a:avLst/>
-          </a:prstGeom>
-          <a:solidFill>
-            <a:schemeClr val="accent1">
-              <a:lumMod val="50000"/>
-            </a:schemeClr>
-          </a:solidFill>
-        </p:spPr>
-        <p:style>
-          <a:lnRef idx="2">
-            <a:schemeClr val="accent1">
-              <a:shade val="50000"/>
-            </a:schemeClr>
-          </a:lnRef>
-          <a:fillRef idx="1">
-            <a:schemeClr val="accent1"/>
-          </a:fillRef>
-          <a:effectRef idx="0">
-            <a:schemeClr val="accent1"/>
-          </a:effectRef>
-          <a:fontRef idx="minor">
-            <a:schemeClr val="lt1"/>
-          </a:fontRef>
-        </p:style>
-        <p:txBody>
-          <a:bodyPr rtlCol="0" anchor="ctr"/>
-          <a:lstStyle/>
-          <a:p>
-            <a:pPr algn="ctr"/>
-            <a:r>
-              <a:rPr lang="en-US" altLang="zh-TW" dirty="0" smtClean="0"/>
-              <a:t>Hotness Computing</a:t>
-            </a:r>
-            <a:endParaRPr lang="zh-TW" altLang="en-US" dirty="0"/>
-          </a:p>
-        </p:txBody>
-      </p:sp>
-      <p:cxnSp>
-        <p:nvCxnSpPr>
-          <p:cNvPr id="10" name="直線單箭頭接點 9"/>
-          <p:cNvCxnSpPr>
-            <a:stCxn id="7" idx="3"/>
-            <a:endCxn id="9" idx="1"/>
-          </p:cNvCxnSpPr>
-          <p:nvPr/>
-        </p:nvCxnSpPr>
-        <p:spPr>
-          <a:xfrm>
-            <a:off x="8993038" y="1120754"/>
-            <a:ext cx="463594" cy="0"/>
-          </a:xfrm>
-          <a:prstGeom prst="straightConnector1">
-            <a:avLst/>
-          </a:prstGeom>
-          <a:ln>
-            <a:tailEnd type="triangle"/>
-          </a:ln>
-        </p:spPr>
-        <p:style>
-          <a:lnRef idx="1">
-            <a:schemeClr val="accent1"/>
-          </a:lnRef>
-          <a:fillRef idx="0">
-            <a:schemeClr val="accent1"/>
-          </a:fillRef>
-          <a:effectRef idx="0">
-            <a:schemeClr val="accent1"/>
-          </a:effectRef>
-          <a:fontRef idx="minor">
-            <a:schemeClr val="tx1"/>
-          </a:fontRef>
-        </p:style>
-      </p:cxnSp>
-      <p:sp>
-        <p:nvSpPr>
-          <p:cNvPr id="11" name="矩形 10"/>
-          <p:cNvSpPr/>
-          <p:nvPr/>
-        </p:nvSpPr>
-        <p:spPr>
-          <a:xfrm>
-            <a:off x="2992808" y="550819"/>
-            <a:ext cx="1691014" cy="1139869"/>
-          </a:xfrm>
-          <a:prstGeom prst="rect">
-            <a:avLst/>
-          </a:prstGeom>
-          <a:solidFill>
-            <a:schemeClr val="accent1">
-              <a:lumMod val="50000"/>
-            </a:schemeClr>
-          </a:solidFill>
-        </p:spPr>
-        <p:style>
-          <a:lnRef idx="2">
-            <a:schemeClr val="accent1">
-              <a:shade val="50000"/>
-            </a:schemeClr>
-          </a:lnRef>
-          <a:fillRef idx="1">
-            <a:schemeClr val="accent1"/>
-          </a:fillRef>
-          <a:effectRef idx="0">
-            <a:schemeClr val="accent1"/>
-          </a:effectRef>
-          <a:fontRef idx="minor">
-            <a:schemeClr val="lt1"/>
-          </a:fontRef>
-        </p:style>
-        <p:txBody>
-          <a:bodyPr rtlCol="0" anchor="ctr"/>
-          <a:lstStyle/>
-          <a:p>
-            <a:pPr algn="ctr"/>
-            <a:r>
-              <a:rPr lang="en-US" altLang="zh-TW" dirty="0" smtClean="0"/>
-              <a:t>Keyword</a:t>
-            </a:r>
-            <a:br>
-              <a:rPr lang="en-US" altLang="zh-TW" dirty="0" smtClean="0"/>
-            </a:br>
-            <a:r>
-              <a:rPr lang="en-US" altLang="zh-TW" dirty="0" smtClean="0"/>
-              <a:t>Selection</a:t>
-            </a:r>
-          </a:p>
-        </p:txBody>
-      </p:sp>
-      <p:cxnSp>
-        <p:nvCxnSpPr>
-          <p:cNvPr id="12" name="直線單箭頭接點 11"/>
-          <p:cNvCxnSpPr>
-            <a:stCxn id="11" idx="3"/>
-            <a:endCxn id="5" idx="1"/>
-          </p:cNvCxnSpPr>
-          <p:nvPr/>
-        </p:nvCxnSpPr>
-        <p:spPr>
-          <a:xfrm>
-            <a:off x="4683822" y="1120754"/>
-            <a:ext cx="463594" cy="0"/>
-          </a:xfrm>
-          <a:prstGeom prst="straightConnector1">
-            <a:avLst/>
-          </a:prstGeom>
-          <a:ln>
-            <a:tailEnd type="triangle"/>
-          </a:ln>
-        </p:spPr>
-        <p:style>
-          <a:lnRef idx="1">
-            <a:schemeClr val="accent1"/>
-          </a:lnRef>
-          <a:fillRef idx="0">
-            <a:schemeClr val="accent1"/>
-          </a:fillRef>
-          <a:effectRef idx="0">
-            <a:schemeClr val="accent1"/>
-          </a:effectRef>
-          <a:fontRef idx="minor">
-            <a:schemeClr val="tx1"/>
-          </a:fontRef>
-        </p:style>
-      </p:cxnSp>
-    </p:spTree>
-    <p:extLst>
-      <p:ext uri="{BB962C8B-B14F-4D97-AF65-F5344CB8AC3E}">
-        <p14:creationId xmlns:p14="http://schemas.microsoft.com/office/powerpoint/2010/main" val="1994891475"/>
-      </p:ext>
-    </p:extLst>
-  </p:cSld>
-  <p:clrMapOvr>
-    <a:masterClrMapping/>
-  </p:clrMapOvr>
-  <p:timing>
-    <p:tnLst>
-      <p:par>
-        <p:cTn id="1" dur="indefinite" restart="never" nodeType="tmRoot"/>
-      </p:par>
-    </p:tnLst>
-  </p:timing>
-</p:sld>
-</file>
-
-<file path=ppt/slides/slide15.xml><?xml version="1.0" encoding="utf-8"?>
 <p:sld xmlns:a="http://schemas.openxmlformats.org/drawingml/2006/main" xmlns:r="http://schemas.openxmlformats.org/officeDocument/2006/relationships" xmlns:p="http://schemas.openxmlformats.org/presentationml/2006/main">
   <p:cSld>
     <p:spTree>
@@ -8539,7 +6849,7 @@
 </p:sld>
 </file>
 
-<file path=ppt/slides/slide16.xml><?xml version="1.0" encoding="utf-8"?>
+<file path=ppt/slides/slide15.xml><?xml version="1.0" encoding="utf-8"?>
 <p:sld xmlns:a="http://schemas.openxmlformats.org/drawingml/2006/main" xmlns:r="http://schemas.openxmlformats.org/officeDocument/2006/relationships" xmlns:p="http://schemas.openxmlformats.org/presentationml/2006/main">
   <p:cSld>
     <p:spTree>
@@ -9158,7 +7468,7 @@
 </p:sld>
 </file>
 
-<file path=ppt/slides/slide17.xml><?xml version="1.0" encoding="utf-8"?>
+<file path=ppt/slides/slide16.xml><?xml version="1.0" encoding="utf-8"?>
 <p:sld xmlns:a="http://schemas.openxmlformats.org/drawingml/2006/main" xmlns:r="http://schemas.openxmlformats.org/officeDocument/2006/relationships" xmlns:p="http://schemas.openxmlformats.org/presentationml/2006/main">
   <p:cSld>
     <p:spTree>
@@ -9775,6 +8085,92 @@
 </p:sld>
 </file>
 
+<file path=ppt/slides/slide17.xml><?xml version="1.0" encoding="utf-8"?>
+<p:sld xmlns:a="http://schemas.openxmlformats.org/drawingml/2006/main" xmlns:r="http://schemas.openxmlformats.org/officeDocument/2006/relationships" xmlns:p="http://schemas.openxmlformats.org/presentationml/2006/main">
+  <p:cSld>
+    <p:spTree>
+      <p:nvGrpSpPr>
+        <p:cNvPr id="1" name=""/>
+        <p:cNvGrpSpPr/>
+        <p:nvPr/>
+      </p:nvGrpSpPr>
+      <p:grpSpPr>
+        <a:xfrm>
+          <a:off x="0" y="0"/>
+          <a:ext cx="0" cy="0"/>
+          <a:chOff x="0" y="0"/>
+          <a:chExt cx="0" cy="0"/>
+        </a:xfrm>
+      </p:grpSpPr>
+      <p:sp>
+        <p:nvSpPr>
+          <p:cNvPr id="2" name="標題 1"/>
+          <p:cNvSpPr>
+            <a:spLocks noGrp="1"/>
+          </p:cNvSpPr>
+          <p:nvPr>
+            <p:ph type="title"/>
+          </p:nvPr>
+        </p:nvSpPr>
+        <p:spPr/>
+        <p:txBody>
+          <a:bodyPr/>
+          <a:lstStyle/>
+          <a:p>
+            <a:r>
+              <a:rPr lang="en-US" altLang="zh-TW" dirty="0" smtClean="0"/>
+              <a:t>Hotness Computing</a:t>
+            </a:r>
+            <a:endParaRPr lang="zh-TW" altLang="en-US" dirty="0"/>
+          </a:p>
+        </p:txBody>
+      </p:sp>
+      <p:sp>
+        <p:nvSpPr>
+          <p:cNvPr id="3" name="內容版面配置區 2"/>
+          <p:cNvSpPr>
+            <a:spLocks noGrp="1"/>
+          </p:cNvSpPr>
+          <p:nvPr>
+            <p:ph idx="1"/>
+          </p:nvPr>
+        </p:nvSpPr>
+        <p:spPr/>
+        <p:txBody>
+          <a:bodyPr/>
+          <a:lstStyle/>
+          <a:p>
+            <a:r>
+              <a:rPr lang="zh-TW" altLang="en-US" dirty="0" smtClean="0"/>
+              <a:t>統計話題內各文章的推噓文計算熱度</a:t>
+            </a:r>
+            <a:endParaRPr lang="en-US" altLang="zh-TW" dirty="0" smtClean="0"/>
+          </a:p>
+          <a:p>
+            <a:endParaRPr lang="en-US" altLang="zh-TW" dirty="0" smtClean="0"/>
+          </a:p>
+        </p:txBody>
+      </p:sp>
+    </p:spTree>
+    <p:extLst>
+      <p:ext uri="{BB962C8B-B14F-4D97-AF65-F5344CB8AC3E}">
+        <p14:creationId xmlns:p14="http://schemas.microsoft.com/office/powerpoint/2010/main" val="2938531409"/>
+      </p:ext>
+    </p:extLst>
+  </p:cSld>
+  <p:clrMapOvr>
+    <a:masterClrMapping/>
+  </p:clrMapOvr>
+  <p:timing>
+    <p:tnLst>
+      <p:par>
+        <p:cTn id="1" dur="indefinite" restart="never" nodeType="tmRoot"/>
+      </p:par>
+    </p:tnLst>
+  </p:timing>
+</p:sld>
+</file>
+
 <file path=ppt/slides/slide18.xml><?xml version="1.0" encoding="utf-8"?>
 <p:sld xmlns:a="http://schemas.openxmlformats.org/drawingml/2006/main" xmlns:r="http://schemas.openxmlformats.org/officeDocument/2006/relationships" xmlns:p="http://schemas.openxmlformats.org/presentationml/2006/main">
   <p:cSld>
@@ -9794,7 +8190,7 @@
       </p:grpSpPr>
       <p:sp>
         <p:nvSpPr>
-          <p:cNvPr id="2" name="標題 1"/>
+          <p:cNvPr id="4" name="標題 3"/>
           <p:cNvSpPr>
             <a:spLocks noGrp="1"/>
           </p:cNvSpPr>
@@ -9808,8 +8204,8 @@
           <a:lstStyle/>
           <a:p>
             <a:r>
-              <a:rPr lang="zh-TW" altLang="en-US" dirty="0" smtClean="0"/>
-              <a:t> </a:t>
+              <a:rPr lang="en-US" altLang="zh-TW" dirty="0" smtClean="0"/>
+              <a:t>Experiment Part</a:t>
             </a:r>
             <a:endParaRPr lang="zh-TW" altLang="en-US" dirty="0"/>
           </a:p>
@@ -9817,439 +8213,27 @@
       </p:sp>
       <p:sp>
         <p:nvSpPr>
-          <p:cNvPr id="3" name="內容版面配置區 2"/>
-          <p:cNvSpPr>
-            <a:spLocks noGrp="1"/>
-          </p:cNvSpPr>
-          <p:nvPr>
-            <p:ph idx="1"/>
-          </p:nvPr>
-        </p:nvSpPr>
-        <p:spPr/>
-        <p:txBody>
-          <a:bodyPr/>
-          <a:lstStyle/>
-          <a:p>
-            <a:endParaRPr lang="en-US" altLang="zh-TW" dirty="0" smtClean="0"/>
-          </a:p>
-          <a:p>
-            <a:r>
-              <a:rPr lang="zh-TW" altLang="en-US" dirty="0" smtClean="0"/>
-              <a:t>統計話題內各文章的推噓文計算熱度</a:t>
-            </a:r>
-            <a:endParaRPr lang="en-US" altLang="zh-TW" dirty="0" smtClean="0"/>
-          </a:p>
-        </p:txBody>
-      </p:sp>
-      <p:sp>
-        <p:nvSpPr>
-          <p:cNvPr id="4" name="矩形 3"/>
-          <p:cNvSpPr/>
-          <p:nvPr/>
-        </p:nvSpPr>
-        <p:spPr>
-          <a:xfrm>
-            <a:off x="838200" y="550821"/>
-            <a:ext cx="1691014" cy="1139869"/>
-          </a:xfrm>
-          <a:prstGeom prst="rect">
-            <a:avLst/>
-          </a:prstGeom>
-          <a:solidFill>
-            <a:schemeClr val="accent1">
-              <a:lumMod val="50000"/>
-            </a:schemeClr>
-          </a:solidFill>
-        </p:spPr>
-        <p:style>
-          <a:lnRef idx="2">
-            <a:schemeClr val="accent1">
-              <a:shade val="50000"/>
-            </a:schemeClr>
-          </a:lnRef>
-          <a:fillRef idx="1">
-            <a:schemeClr val="accent1"/>
-          </a:fillRef>
-          <a:effectRef idx="0">
-            <a:schemeClr val="accent1"/>
-          </a:effectRef>
-          <a:fontRef idx="minor">
-            <a:schemeClr val="lt1"/>
-          </a:fontRef>
-        </p:style>
-        <p:txBody>
-          <a:bodyPr rtlCol="0" anchor="ctr"/>
-          <a:lstStyle/>
-          <a:p>
-            <a:pPr algn="ctr"/>
-            <a:r>
-              <a:rPr lang="en-US" altLang="zh-TW" dirty="0" smtClean="0"/>
-              <a:t>Articles</a:t>
-            </a:r>
+          <p:cNvPr id="5" name="文字版面配置區 4"/>
+          <p:cNvSpPr>
+            <a:spLocks noGrp="1"/>
+          </p:cNvSpPr>
+          <p:nvPr>
+            <p:ph type="body" idx="1"/>
+          </p:nvPr>
+        </p:nvSpPr>
+        <p:spPr/>
+        <p:txBody>
+          <a:bodyPr/>
+          <a:lstStyle/>
+          <a:p>
             <a:endParaRPr lang="zh-TW" altLang="en-US" dirty="0"/>
           </a:p>
         </p:txBody>
       </p:sp>
-      <p:sp>
-        <p:nvSpPr>
-          <p:cNvPr id="5" name="矩形 4"/>
-          <p:cNvSpPr/>
-          <p:nvPr/>
-        </p:nvSpPr>
-        <p:spPr>
-          <a:xfrm>
-            <a:off x="5147416" y="550819"/>
-            <a:ext cx="1691014" cy="1139869"/>
-          </a:xfrm>
-          <a:prstGeom prst="rect">
-            <a:avLst/>
-          </a:prstGeom>
-          <a:solidFill>
-            <a:schemeClr val="accent1">
-              <a:lumMod val="50000"/>
-            </a:schemeClr>
-          </a:solidFill>
-        </p:spPr>
-        <p:style>
-          <a:lnRef idx="2">
-            <a:schemeClr val="accent1">
-              <a:shade val="50000"/>
-            </a:schemeClr>
-          </a:lnRef>
-          <a:fillRef idx="1">
-            <a:schemeClr val="accent1"/>
-          </a:fillRef>
-          <a:effectRef idx="0">
-            <a:schemeClr val="accent1"/>
-          </a:effectRef>
-          <a:fontRef idx="minor">
-            <a:schemeClr val="lt1"/>
-          </a:fontRef>
-        </p:style>
-        <p:txBody>
-          <a:bodyPr rtlCol="0" anchor="ctr"/>
-          <a:lstStyle/>
-          <a:p>
-            <a:pPr algn="ctr"/>
-            <a:r>
-              <a:rPr lang="en-US" altLang="zh-TW" dirty="0"/>
-              <a:t>Article Vector</a:t>
-            </a:r>
-            <a:br>
-              <a:rPr lang="en-US" altLang="zh-TW" dirty="0"/>
-            </a:br>
-            <a:r>
-              <a:rPr lang="en-US" altLang="zh-TW" dirty="0"/>
-              <a:t>Computing</a:t>
-            </a:r>
-            <a:endParaRPr lang="zh-TW" altLang="en-US" dirty="0"/>
-          </a:p>
-        </p:txBody>
-      </p:sp>
-      <p:cxnSp>
-        <p:nvCxnSpPr>
-          <p:cNvPr id="6" name="直線單箭頭接點 5"/>
-          <p:cNvCxnSpPr>
-            <a:stCxn id="4" idx="3"/>
-            <a:endCxn id="11" idx="1"/>
-          </p:cNvCxnSpPr>
-          <p:nvPr/>
-        </p:nvCxnSpPr>
-        <p:spPr>
-          <a:xfrm flipV="1">
-            <a:off x="2529214" y="1120754"/>
-            <a:ext cx="463594" cy="2"/>
-          </a:xfrm>
-          <a:prstGeom prst="straightConnector1">
-            <a:avLst/>
-          </a:prstGeom>
-          <a:ln>
-            <a:tailEnd type="triangle"/>
-          </a:ln>
-        </p:spPr>
-        <p:style>
-          <a:lnRef idx="1">
-            <a:schemeClr val="accent1"/>
-          </a:lnRef>
-          <a:fillRef idx="0">
-            <a:schemeClr val="accent1"/>
-          </a:fillRef>
-          <a:effectRef idx="0">
-            <a:schemeClr val="accent1"/>
-          </a:effectRef>
-          <a:fontRef idx="minor">
-            <a:schemeClr val="tx1"/>
-          </a:fontRef>
-        </p:style>
-      </p:cxnSp>
-      <p:sp>
-        <p:nvSpPr>
-          <p:cNvPr id="7" name="矩形 6"/>
-          <p:cNvSpPr/>
-          <p:nvPr/>
-        </p:nvSpPr>
-        <p:spPr>
-          <a:xfrm>
-            <a:off x="7302024" y="550819"/>
-            <a:ext cx="1691014" cy="1139869"/>
-          </a:xfrm>
-          <a:prstGeom prst="rect">
-            <a:avLst/>
-          </a:prstGeom>
-          <a:solidFill>
-            <a:schemeClr val="accent1">
-              <a:lumMod val="50000"/>
-            </a:schemeClr>
-          </a:solidFill>
-          <a:ln>
-            <a:solidFill>
-              <a:schemeClr val="accent1"/>
-            </a:solidFill>
-          </a:ln>
-        </p:spPr>
-        <p:style>
-          <a:lnRef idx="2">
-            <a:schemeClr val="accent1">
-              <a:shade val="50000"/>
-            </a:schemeClr>
-          </a:lnRef>
-          <a:fillRef idx="1">
-            <a:schemeClr val="accent1"/>
-          </a:fillRef>
-          <a:effectRef idx="0">
-            <a:schemeClr val="accent1"/>
-          </a:effectRef>
-          <a:fontRef idx="minor">
-            <a:schemeClr val="lt1"/>
-          </a:fontRef>
-        </p:style>
-        <p:txBody>
-          <a:bodyPr rtlCol="0" anchor="ctr"/>
-          <a:lstStyle/>
-          <a:p>
-            <a:pPr algn="ctr"/>
-            <a:r>
-              <a:rPr lang="en-US" altLang="zh-TW" dirty="0"/>
-              <a:t>Clustering</a:t>
-            </a:r>
-            <a:endParaRPr lang="zh-TW" altLang="en-US" dirty="0"/>
-          </a:p>
-        </p:txBody>
-      </p:sp>
-      <p:cxnSp>
-        <p:nvCxnSpPr>
-          <p:cNvPr id="8" name="直線單箭頭接點 7"/>
-          <p:cNvCxnSpPr>
-            <a:stCxn id="5" idx="3"/>
-            <a:endCxn id="7" idx="1"/>
-          </p:cNvCxnSpPr>
-          <p:nvPr/>
-        </p:nvCxnSpPr>
-        <p:spPr>
-          <a:xfrm>
-            <a:off x="6838430" y="1120754"/>
-            <a:ext cx="463594" cy="0"/>
-          </a:xfrm>
-          <a:prstGeom prst="straightConnector1">
-            <a:avLst/>
-          </a:prstGeom>
-          <a:ln>
-            <a:tailEnd type="triangle"/>
-          </a:ln>
-        </p:spPr>
-        <p:style>
-          <a:lnRef idx="1">
-            <a:schemeClr val="accent1"/>
-          </a:lnRef>
-          <a:fillRef idx="0">
-            <a:schemeClr val="accent1"/>
-          </a:fillRef>
-          <a:effectRef idx="0">
-            <a:schemeClr val="accent1"/>
-          </a:effectRef>
-          <a:fontRef idx="minor">
-            <a:schemeClr val="tx1"/>
-          </a:fontRef>
-        </p:style>
-      </p:cxnSp>
-      <p:sp>
-        <p:nvSpPr>
-          <p:cNvPr id="9" name="矩形 8"/>
-          <p:cNvSpPr/>
-          <p:nvPr/>
-        </p:nvSpPr>
-        <p:spPr>
-          <a:xfrm>
-            <a:off x="9456632" y="550819"/>
-            <a:ext cx="1691014" cy="1139869"/>
-          </a:xfrm>
-          <a:prstGeom prst="rect">
-            <a:avLst/>
-          </a:prstGeom>
-          <a:solidFill>
-            <a:schemeClr val="accent1"/>
-          </a:solidFill>
-        </p:spPr>
-        <p:style>
-          <a:lnRef idx="2">
-            <a:schemeClr val="accent1">
-              <a:shade val="50000"/>
-            </a:schemeClr>
-          </a:lnRef>
-          <a:fillRef idx="1">
-            <a:schemeClr val="accent1"/>
-          </a:fillRef>
-          <a:effectRef idx="0">
-            <a:schemeClr val="accent1"/>
-          </a:effectRef>
-          <a:fontRef idx="minor">
-            <a:schemeClr val="lt1"/>
-          </a:fontRef>
-        </p:style>
-        <p:txBody>
-          <a:bodyPr rtlCol="0" anchor="ctr"/>
-          <a:lstStyle/>
-          <a:p>
-            <a:pPr algn="ctr"/>
-            <a:r>
-              <a:rPr lang="en-US" altLang="zh-TW" dirty="0" smtClean="0"/>
-              <a:t>Hotness Computing</a:t>
-            </a:r>
-            <a:endParaRPr lang="zh-TW" altLang="en-US" dirty="0"/>
-          </a:p>
-        </p:txBody>
-      </p:sp>
-      <p:cxnSp>
-        <p:nvCxnSpPr>
-          <p:cNvPr id="10" name="直線單箭頭接點 9"/>
-          <p:cNvCxnSpPr>
-            <a:stCxn id="7" idx="3"/>
-            <a:endCxn id="9" idx="1"/>
-          </p:cNvCxnSpPr>
-          <p:nvPr/>
-        </p:nvCxnSpPr>
-        <p:spPr>
-          <a:xfrm>
-            <a:off x="8993038" y="1120754"/>
-            <a:ext cx="463594" cy="0"/>
-          </a:xfrm>
-          <a:prstGeom prst="straightConnector1">
-            <a:avLst/>
-          </a:prstGeom>
-          <a:ln>
-            <a:tailEnd type="triangle"/>
-          </a:ln>
-        </p:spPr>
-        <p:style>
-          <a:lnRef idx="1">
-            <a:schemeClr val="accent1"/>
-          </a:lnRef>
-          <a:fillRef idx="0">
-            <a:schemeClr val="accent1"/>
-          </a:fillRef>
-          <a:effectRef idx="0">
-            <a:schemeClr val="accent1"/>
-          </a:effectRef>
-          <a:fontRef idx="minor">
-            <a:schemeClr val="tx1"/>
-          </a:fontRef>
-        </p:style>
-      </p:cxnSp>
-      <p:sp>
-        <p:nvSpPr>
-          <p:cNvPr id="11" name="矩形 10"/>
-          <p:cNvSpPr/>
-          <p:nvPr/>
-        </p:nvSpPr>
-        <p:spPr>
-          <a:xfrm>
-            <a:off x="2992808" y="550819"/>
-            <a:ext cx="1691014" cy="1139869"/>
-          </a:xfrm>
-          <a:prstGeom prst="rect">
-            <a:avLst/>
-          </a:prstGeom>
-          <a:solidFill>
-            <a:schemeClr val="accent1">
-              <a:lumMod val="50000"/>
-            </a:schemeClr>
-          </a:solidFill>
-        </p:spPr>
-        <p:style>
-          <a:lnRef idx="2">
-            <a:schemeClr val="accent1">
-              <a:shade val="50000"/>
-            </a:schemeClr>
-          </a:lnRef>
-          <a:fillRef idx="1">
-            <a:schemeClr val="accent1"/>
-          </a:fillRef>
-          <a:effectRef idx="0">
-            <a:schemeClr val="accent1"/>
-          </a:effectRef>
-          <a:fontRef idx="minor">
-            <a:schemeClr val="lt1"/>
-          </a:fontRef>
-        </p:style>
-        <p:txBody>
-          <a:bodyPr rtlCol="0" anchor="ctr"/>
-          <a:lstStyle/>
-          <a:p>
-            <a:pPr algn="ctr"/>
-            <a:r>
-              <a:rPr lang="en-US" altLang="zh-TW" dirty="0" smtClean="0"/>
-              <a:t>Keyword</a:t>
-            </a:r>
-            <a:br>
-              <a:rPr lang="en-US" altLang="zh-TW" dirty="0" smtClean="0"/>
-            </a:br>
-            <a:r>
-              <a:rPr lang="en-US" altLang="zh-TW" dirty="0" smtClean="0"/>
-              <a:t>Selection</a:t>
-            </a:r>
-          </a:p>
-        </p:txBody>
-      </p:sp>
-      <p:cxnSp>
-        <p:nvCxnSpPr>
-          <p:cNvPr id="12" name="直線單箭頭接點 11"/>
-          <p:cNvCxnSpPr>
-            <a:stCxn id="11" idx="3"/>
-            <a:endCxn id="5" idx="1"/>
-          </p:cNvCxnSpPr>
-          <p:nvPr/>
-        </p:nvCxnSpPr>
-        <p:spPr>
-          <a:xfrm>
-            <a:off x="4683822" y="1120754"/>
-            <a:ext cx="463594" cy="0"/>
-          </a:xfrm>
-          <a:prstGeom prst="straightConnector1">
-            <a:avLst/>
-          </a:prstGeom>
-          <a:ln>
-            <a:tailEnd type="triangle"/>
-          </a:ln>
-        </p:spPr>
-        <p:style>
-          <a:lnRef idx="1">
-            <a:schemeClr val="accent1"/>
-          </a:lnRef>
-          <a:fillRef idx="0">
-            <a:schemeClr val="accent1"/>
-          </a:fillRef>
-          <a:effectRef idx="0">
-            <a:schemeClr val="accent1"/>
-          </a:effectRef>
-          <a:fontRef idx="minor">
-            <a:schemeClr val="tx1"/>
-          </a:fontRef>
-        </p:style>
-      </p:cxnSp>
     </p:spTree>
     <p:extLst>
       <p:ext uri="{BB962C8B-B14F-4D97-AF65-F5344CB8AC3E}">
-        <p14:creationId xmlns:p14="http://schemas.microsoft.com/office/powerpoint/2010/main" val="495927893"/>
+        <p14:creationId xmlns:p14="http://schemas.microsoft.com/office/powerpoint/2010/main" val="2484818380"/>
       </p:ext>
     </p:extLst>
   </p:cSld>
@@ -10285,7 +8269,7 @@
       </p:grpSpPr>
       <p:sp>
         <p:nvSpPr>
-          <p:cNvPr id="4" name="標題 3"/>
+          <p:cNvPr id="2" name="標題 1"/>
           <p:cNvSpPr>
             <a:spLocks noGrp="1"/>
           </p:cNvSpPr>
@@ -10300,7 +8284,7 @@
           <a:p>
             <a:r>
               <a:rPr lang="en-US" altLang="zh-TW" dirty="0" smtClean="0"/>
-              <a:t>Testing Part</a:t>
+              <a:t>Clustering Validation – Labeled Data</a:t>
             </a:r>
             <a:endParaRPr lang="zh-TW" altLang="en-US" dirty="0"/>
           </a:p>
@@ -10308,33 +8292,178 @@
       </p:sp>
       <p:sp>
         <p:nvSpPr>
-          <p:cNvPr id="5" name="文字版面配置區 4"/>
-          <p:cNvSpPr>
-            <a:spLocks noGrp="1"/>
-          </p:cNvSpPr>
-          <p:nvPr>
-            <p:ph type="body" idx="1"/>
-          </p:nvPr>
-        </p:nvSpPr>
-        <p:spPr/>
-        <p:txBody>
-          <a:bodyPr/>
-          <a:lstStyle/>
-          <a:p>
-            <a:endParaRPr lang="zh-TW" altLang="en-US"/>
+          <p:cNvPr id="3" name="內容版面配置區 2"/>
+          <p:cNvSpPr>
+            <a:spLocks noGrp="1"/>
+          </p:cNvSpPr>
+          <p:nvPr>
+            <p:ph idx="1"/>
+          </p:nvPr>
+        </p:nvSpPr>
+        <p:spPr/>
+        <p:txBody>
+          <a:bodyPr>
+            <a:normAutofit/>
+          </a:bodyPr>
+          <a:lstStyle/>
+          <a:p>
+            <a:r>
+              <a:rPr lang="zh-TW" altLang="en-US" dirty="0" smtClean="0"/>
+              <a:t>人工選擇一些話題關鍵字</a:t>
+            </a:r>
+            <a:r>
+              <a:rPr lang="zh-TW" altLang="en-US" dirty="0"/>
+              <a:t>及時間</a:t>
+            </a:r>
+            <a:r>
+              <a:rPr lang="zh-TW" altLang="en-US" dirty="0" smtClean="0"/>
+              <a:t>搜尋區間，在該區間標題包含關鍵字的文章標註為該話題。</a:t>
+            </a:r>
+            <a:endParaRPr lang="en-US" altLang="zh-TW" dirty="0" smtClean="0"/>
+          </a:p>
+          <a:p>
+            <a:pPr lvl="1"/>
+            <a:r>
+              <a:rPr lang="en-US" altLang="zh-TW" dirty="0" smtClean="0"/>
+              <a:t>Ex:</a:t>
+            </a:r>
+            <a:r>
+              <a:rPr lang="zh-TW" altLang="en-US" dirty="0" smtClean="0"/>
+              <a:t>時間在</a:t>
+            </a:r>
+            <a:r>
+              <a:rPr lang="en-US" altLang="zh-TW" dirty="0" smtClean="0"/>
+              <a:t>2016</a:t>
+            </a:r>
+            <a:r>
+              <a:rPr lang="zh-TW" altLang="en-US" dirty="0" smtClean="0"/>
+              <a:t>年</a:t>
+            </a:r>
+            <a:r>
+              <a:rPr lang="en-US" altLang="zh-TW" dirty="0" smtClean="0"/>
+              <a:t>5</a:t>
+            </a:r>
+            <a:r>
+              <a:rPr lang="zh-TW" altLang="en-US" dirty="0" smtClean="0"/>
+              <a:t>月</a:t>
+            </a:r>
+            <a:r>
+              <a:rPr lang="en-US" altLang="zh-TW" dirty="0" smtClean="0"/>
+              <a:t>20</a:t>
+            </a:r>
+            <a:r>
+              <a:rPr lang="zh-TW" altLang="en-US" dirty="0" smtClean="0"/>
+              <a:t>日至</a:t>
+            </a:r>
+            <a:r>
+              <a:rPr lang="en-US" altLang="zh-TW" dirty="0" smtClean="0"/>
+              <a:t>22</a:t>
+            </a:r>
+            <a:r>
+              <a:rPr lang="zh-TW" altLang="en-US" dirty="0" smtClean="0"/>
+              <a:t>日，標題包含</a:t>
+            </a:r>
+            <a:r>
+              <a:rPr lang="en-US" altLang="zh-TW" dirty="0" smtClean="0"/>
+              <a:t>”</a:t>
+            </a:r>
+            <a:r>
+              <a:rPr lang="zh-TW" altLang="en-US" dirty="0" smtClean="0"/>
+              <a:t>安樂死</a:t>
+            </a:r>
+            <a:r>
+              <a:rPr lang="en-US" altLang="zh-TW" dirty="0" smtClean="0"/>
+              <a:t>”</a:t>
+            </a:r>
+            <a:r>
+              <a:rPr lang="zh-TW" altLang="en-US" dirty="0" smtClean="0"/>
+              <a:t>的文章標註為話題</a:t>
+            </a:r>
+            <a:r>
+              <a:rPr lang="en-US" altLang="zh-TW" dirty="0" smtClean="0"/>
+              <a:t>”</a:t>
+            </a:r>
+            <a:r>
+              <a:rPr lang="zh-TW" altLang="en-US" dirty="0" smtClean="0"/>
+              <a:t>美女</a:t>
+            </a:r>
+            <a:r>
+              <a:rPr lang="zh-TW" altLang="en-US" dirty="0"/>
+              <a:t>動保</a:t>
+            </a:r>
+            <a:r>
+              <a:rPr lang="zh-TW" altLang="en-US" dirty="0" smtClean="0"/>
+              <a:t>園長死諫</a:t>
+            </a:r>
+            <a:r>
+              <a:rPr lang="en-US" altLang="zh-TW" dirty="0" smtClean="0"/>
+              <a:t>”</a:t>
+            </a:r>
+          </a:p>
+          <a:p>
+            <a:pPr lvl="1"/>
+            <a:endParaRPr lang="en-US" altLang="zh-TW" dirty="0" smtClean="0"/>
+          </a:p>
+          <a:p>
+            <a:r>
+              <a:rPr lang="zh-TW" altLang="en-US" dirty="0" smtClean="0"/>
+              <a:t>共標註</a:t>
+            </a:r>
+            <a:r>
+              <a:rPr lang="en-US" altLang="zh-TW" dirty="0" smtClean="0"/>
+              <a:t>38</a:t>
+            </a:r>
+            <a:r>
+              <a:rPr lang="zh-TW" altLang="en-US" dirty="0" smtClean="0"/>
+              <a:t>個主題，總計</a:t>
+            </a:r>
+            <a:r>
+              <a:rPr lang="en-US" altLang="zh-TW" dirty="0" smtClean="0"/>
+              <a:t>2706</a:t>
+            </a:r>
+            <a:r>
+              <a:rPr lang="zh-TW" altLang="en-US" dirty="0" smtClean="0"/>
+              <a:t>篇文章</a:t>
+            </a:r>
+            <a:endParaRPr lang="en-US" altLang="zh-TW" dirty="0" smtClean="0"/>
+          </a:p>
+          <a:p>
+            <a:r>
+              <a:rPr lang="zh-TW" altLang="en-US" dirty="0" smtClean="0"/>
+              <a:t>每個主題文章量不超過</a:t>
+            </a:r>
+            <a:r>
+              <a:rPr lang="en-US" altLang="zh-TW" dirty="0" smtClean="0"/>
+              <a:t>200</a:t>
+            </a:r>
+            <a:r>
+              <a:rPr lang="zh-TW" altLang="en-US" dirty="0" smtClean="0"/>
+              <a:t>，不少於</a:t>
+            </a:r>
+            <a:r>
+              <a:rPr lang="en-US" altLang="zh-TW" dirty="0" smtClean="0"/>
+              <a:t>25</a:t>
+            </a:r>
           </a:p>
         </p:txBody>
       </p:sp>
     </p:spTree>
     <p:extLst>
       <p:ext uri="{BB962C8B-B14F-4D97-AF65-F5344CB8AC3E}">
-        <p14:creationId xmlns:p14="http://schemas.microsoft.com/office/powerpoint/2010/main" val="2484818380"/>
+        <p14:creationId xmlns:p14="http://schemas.microsoft.com/office/powerpoint/2010/main" val="1341763172"/>
       </p:ext>
     </p:extLst>
   </p:cSld>
   <p:clrMapOvr>
     <a:masterClrMapping/>
   </p:clrMapOvr>
+  <p:timing>
+    <p:tnLst>
+      <p:par>
+        <p:cTn id="1" dur="indefinite" restart="never" nodeType="tmRoot"/>
+      </p:par>
+    </p:tnLst>
+  </p:timing>
 </p:sld>
 </file>
 
@@ -10481,7 +8610,7 @@
           <a:p>
             <a:r>
               <a:rPr lang="en-US" altLang="zh-TW" dirty="0" smtClean="0"/>
-              <a:t>Clustering Validation – Labeled Data</a:t>
+              <a:t>Labeled Topic Keywords List</a:t>
             </a:r>
             <a:endParaRPr lang="zh-TW" altLang="en-US" dirty="0"/>
           </a:p>
@@ -10499,161 +8628,335 @@
         </p:nvSpPr>
         <p:spPr/>
         <p:txBody>
-          <a:bodyPr>
-            <a:normAutofit/>
-          </a:bodyPr>
-          <a:lstStyle/>
-          <a:p>
-            <a:r>
-              <a:rPr lang="zh-TW" altLang="en-US" dirty="0" smtClean="0"/>
-              <a:t>人工選擇一些話題關鍵字</a:t>
-            </a:r>
+          <a:bodyPr/>
+          <a:lstStyle/>
+          <a:p>
             <a:r>
               <a:rPr lang="zh-TW" altLang="en-US" dirty="0"/>
-              <a:t>及時間</a:t>
-            </a:r>
-            <a:r>
-              <a:rPr lang="zh-TW" altLang="en-US" dirty="0" smtClean="0"/>
-              <a:t>搜尋區間，在該區間標題包含關鍵字的文章標註為該話題。</a:t>
+              <a:t>軍冤</a:t>
+            </a:r>
+            <a:r>
+              <a:rPr lang="en-US" altLang="zh-TW" dirty="0"/>
+              <a:t>, </a:t>
+            </a:r>
+            <a:r>
+              <a:rPr lang="zh-TW" altLang="en-US" dirty="0"/>
+              <a:t>雞排</a:t>
+            </a:r>
+            <a:r>
+              <a:rPr lang="en-US" altLang="zh-TW" dirty="0"/>
+              <a:t>, </a:t>
+            </a:r>
+            <a:r>
+              <a:rPr lang="zh-TW" altLang="en-US" dirty="0"/>
+              <a:t>超商</a:t>
+            </a:r>
+            <a:r>
+              <a:rPr lang="en-US" altLang="zh-TW" dirty="0"/>
+              <a:t>, </a:t>
+            </a:r>
+            <a:r>
+              <a:rPr lang="zh-TW" altLang="en-US" dirty="0"/>
+              <a:t>薪水</a:t>
+            </a:r>
+            <a:r>
+              <a:rPr lang="en-US" altLang="zh-TW" dirty="0"/>
+              <a:t>, </a:t>
+            </a:r>
+            <a:r>
+              <a:rPr lang="zh-TW" altLang="en-US" dirty="0"/>
+              <a:t>鄭捷</a:t>
+            </a:r>
+            <a:r>
+              <a:rPr lang="en-US" altLang="zh-TW" dirty="0"/>
+              <a:t>, </a:t>
+            </a:r>
+            <a:r>
+              <a:rPr lang="zh-TW" altLang="en-US" dirty="0"/>
+              <a:t>警報</a:t>
+            </a:r>
+            <a:r>
+              <a:rPr lang="en-US" altLang="zh-TW" dirty="0"/>
+              <a:t>, </a:t>
+            </a:r>
+            <a:r>
+              <a:rPr lang="zh-TW" altLang="en-US" dirty="0"/>
+              <a:t>年紀</a:t>
+            </a:r>
+            <a:r>
+              <a:rPr lang="en-US" altLang="zh-TW" dirty="0"/>
+              <a:t>, </a:t>
+            </a:r>
+            <a:r>
+              <a:rPr lang="zh-TW" altLang="en-US" dirty="0"/>
+              <a:t>主播</a:t>
+            </a:r>
+            <a:r>
+              <a:rPr lang="en-US" altLang="zh-TW" dirty="0"/>
+              <a:t>, </a:t>
+            </a:r>
+            <a:r>
+              <a:rPr lang="zh-TW" altLang="en-US" dirty="0"/>
+              <a:t>塵爆</a:t>
+            </a:r>
+            <a:r>
+              <a:rPr lang="en-US" altLang="zh-TW" dirty="0"/>
+              <a:t>, </a:t>
+            </a:r>
+            <a:r>
+              <a:rPr lang="zh-TW" altLang="en-US" dirty="0"/>
+              <a:t>滅頂</a:t>
+            </a:r>
+            <a:r>
+              <a:rPr lang="en-US" altLang="zh-TW" dirty="0"/>
+              <a:t>, </a:t>
+            </a:r>
+            <a:r>
+              <a:rPr lang="zh-TW" altLang="en-US" dirty="0"/>
+              <a:t>肯亞</a:t>
+            </a:r>
+            <a:r>
+              <a:rPr lang="en-US" altLang="zh-TW" dirty="0"/>
+              <a:t>, </a:t>
+            </a:r>
+            <a:r>
+              <a:rPr lang="en-US" altLang="zh-TW" dirty="0" smtClean="0"/>
+              <a:t>ISIS,    </a:t>
+            </a:r>
+            <a:r>
+              <a:rPr lang="zh-TW" altLang="en-US" dirty="0" smtClean="0"/>
+              <a:t>伊</a:t>
+            </a:r>
+            <a:r>
+              <a:rPr lang="zh-TW" altLang="en-US" dirty="0"/>
+              <a:t>湄</a:t>
+            </a:r>
+            <a:r>
+              <a:rPr lang="en-US" altLang="zh-TW" dirty="0"/>
+              <a:t>, </a:t>
+            </a:r>
+            <a:r>
+              <a:rPr lang="zh-TW" altLang="en-US" dirty="0" smtClean="0"/>
+              <a:t>川普</a:t>
+            </a:r>
+            <a:r>
+              <a:rPr lang="en-US" altLang="zh-TW" dirty="0" smtClean="0"/>
+              <a:t>, </a:t>
+            </a:r>
+          </a:p>
+          <a:p>
+            <a:r>
+              <a:rPr lang="zh-TW" altLang="en-US" dirty="0" smtClean="0"/>
+              <a:t>炎</a:t>
+            </a:r>
+            <a:r>
+              <a:rPr lang="zh-TW" altLang="en-US" dirty="0"/>
+              <a:t>亞綸</a:t>
+            </a:r>
+            <a:r>
+              <a:rPr lang="en-US" altLang="zh-TW" dirty="0"/>
+              <a:t>, </a:t>
+            </a:r>
+            <a:r>
+              <a:rPr lang="zh-TW" altLang="en-US" dirty="0"/>
+              <a:t>福祿猴</a:t>
+            </a:r>
+            <a:r>
+              <a:rPr lang="en-US" altLang="zh-TW" dirty="0"/>
+              <a:t>, </a:t>
+            </a:r>
+            <a:r>
+              <a:rPr lang="zh-TW" altLang="en-US" dirty="0"/>
+              <a:t>八年級</a:t>
+            </a:r>
+            <a:r>
+              <a:rPr lang="en-US" altLang="zh-TW" dirty="0"/>
+              <a:t>, </a:t>
+            </a:r>
+            <a:r>
+              <a:rPr lang="zh-TW" altLang="en-US" dirty="0"/>
+              <a:t>應曉薇</a:t>
+            </a:r>
+            <a:r>
+              <a:rPr lang="en-US" altLang="zh-TW" dirty="0"/>
+              <a:t>, </a:t>
+            </a:r>
+            <a:r>
+              <a:rPr lang="zh-TW" altLang="en-US" dirty="0"/>
+              <a:t>謝金燕</a:t>
+            </a:r>
+            <a:r>
+              <a:rPr lang="en-US" altLang="zh-TW" dirty="0"/>
+              <a:t>, </a:t>
+            </a:r>
+            <a:r>
+              <a:rPr lang="zh-TW" altLang="en-US" dirty="0" smtClean="0"/>
+              <a:t>安樂死</a:t>
+            </a:r>
+            <a:r>
+              <a:rPr lang="en-US" altLang="zh-TW" dirty="0"/>
+              <a:t>, </a:t>
+            </a:r>
+            <a:r>
+              <a:rPr lang="zh-TW" altLang="en-US" dirty="0"/>
+              <a:t>巴拿馬</a:t>
+            </a:r>
+            <a:r>
+              <a:rPr lang="en-US" altLang="zh-TW" dirty="0"/>
+              <a:t>, </a:t>
+            </a:r>
+            <a:r>
+              <a:rPr lang="zh-TW" altLang="en-US" dirty="0"/>
+              <a:t>邊緣人</a:t>
+            </a:r>
+            <a:r>
+              <a:rPr lang="en-US" altLang="zh-TW" dirty="0"/>
+              <a:t>, </a:t>
+            </a:r>
+            <a:r>
+              <a:rPr lang="zh-TW" altLang="en-US" dirty="0"/>
+              <a:t>阿帕契</a:t>
+            </a:r>
+            <a:r>
+              <a:rPr lang="en-US" altLang="zh-TW" dirty="0"/>
+              <a:t>, </a:t>
+            </a:r>
+            <a:r>
+              <a:rPr lang="zh-TW" altLang="en-US" dirty="0"/>
+              <a:t>反服貿</a:t>
+            </a:r>
+            <a:r>
+              <a:rPr lang="en-US" altLang="zh-TW" dirty="0"/>
+              <a:t>, </a:t>
+            </a:r>
+            <a:r>
+              <a:rPr lang="zh-TW" altLang="en-US" dirty="0"/>
+              <a:t>國慶爺</a:t>
+            </a:r>
+            <a:r>
+              <a:rPr lang="en-US" altLang="zh-TW" dirty="0"/>
+              <a:t>, </a:t>
+            </a:r>
+            <a:r>
+              <a:rPr lang="zh-TW" altLang="en-US" dirty="0"/>
+              <a:t>大巨蛋</a:t>
+            </a:r>
+            <a:r>
+              <a:rPr lang="en-US" altLang="zh-TW" dirty="0"/>
+              <a:t>, </a:t>
+            </a:r>
+            <a:r>
+              <a:rPr lang="zh-TW" altLang="en-US" dirty="0"/>
+              <a:t>三姐弟</a:t>
+            </a:r>
+            <a:r>
+              <a:rPr lang="en-US" altLang="zh-TW" dirty="0"/>
+              <a:t>, </a:t>
+            </a:r>
+            <a:r>
+              <a:rPr lang="zh-TW" altLang="en-US" dirty="0"/>
+              <a:t>周子瑜</a:t>
+            </a:r>
+            <a:r>
+              <a:rPr lang="en-US" altLang="zh-TW" dirty="0"/>
+              <a:t>, </a:t>
+            </a:r>
+            <a:r>
+              <a:rPr lang="zh-TW" altLang="en-US" dirty="0"/>
+              <a:t>獵雷艦</a:t>
+            </a:r>
+            <a:r>
+              <a:rPr lang="en-US" altLang="zh-TW" dirty="0"/>
+              <a:t>, </a:t>
+            </a:r>
+            <a:r>
+              <a:rPr lang="zh-TW" altLang="en-US" dirty="0"/>
+              <a:t>李宗瑞</a:t>
+            </a:r>
+            <a:r>
+              <a:rPr lang="en-US" altLang="zh-TW" dirty="0"/>
+              <a:t>, 48</a:t>
+            </a:r>
+            <a:r>
+              <a:rPr lang="zh-TW" altLang="en-US" dirty="0"/>
+              <a:t>級</a:t>
+            </a:r>
+            <a:r>
+              <a:rPr lang="zh-TW" altLang="en-US" dirty="0" smtClean="0"/>
+              <a:t>分</a:t>
             </a:r>
             <a:endParaRPr lang="en-US" altLang="zh-TW" dirty="0" smtClean="0"/>
           </a:p>
           <a:p>
-            <a:pPr lvl="1"/>
-            <a:r>
-              <a:rPr lang="en-US" altLang="zh-TW" dirty="0" smtClean="0"/>
-              <a:t>Ex:</a:t>
-            </a:r>
-            <a:r>
-              <a:rPr lang="zh-TW" altLang="en-US" dirty="0" smtClean="0"/>
-              <a:t>時間在</a:t>
-            </a:r>
-            <a:r>
-              <a:rPr lang="en-US" altLang="zh-TW" dirty="0" smtClean="0"/>
-              <a:t>2016</a:t>
-            </a:r>
-            <a:r>
-              <a:rPr lang="zh-TW" altLang="en-US" dirty="0" smtClean="0"/>
-              <a:t>年</a:t>
-            </a:r>
-            <a:r>
-              <a:rPr lang="en-US" altLang="zh-TW" dirty="0" smtClean="0"/>
-              <a:t>5</a:t>
-            </a:r>
-            <a:r>
-              <a:rPr lang="zh-TW" altLang="en-US" dirty="0" smtClean="0"/>
-              <a:t>月</a:t>
-            </a:r>
-            <a:r>
-              <a:rPr lang="en-US" altLang="zh-TW" dirty="0" smtClean="0"/>
-              <a:t>20</a:t>
-            </a:r>
-            <a:r>
-              <a:rPr lang="zh-TW" altLang="en-US" dirty="0" smtClean="0"/>
-              <a:t>日至</a:t>
-            </a:r>
-            <a:r>
-              <a:rPr lang="en-US" altLang="zh-TW" dirty="0" smtClean="0"/>
-              <a:t>22</a:t>
-            </a:r>
-            <a:r>
-              <a:rPr lang="zh-TW" altLang="en-US" dirty="0" smtClean="0"/>
-              <a:t>日，標題包含</a:t>
-            </a:r>
-            <a:r>
-              <a:rPr lang="en-US" altLang="zh-TW" dirty="0" smtClean="0"/>
-              <a:t>”</a:t>
-            </a:r>
-            <a:r>
-              <a:rPr lang="zh-TW" altLang="en-US" dirty="0" smtClean="0"/>
-              <a:t>安樂死</a:t>
-            </a:r>
-            <a:r>
-              <a:rPr lang="en-US" altLang="zh-TW" dirty="0" smtClean="0"/>
-              <a:t>”</a:t>
-            </a:r>
-            <a:r>
-              <a:rPr lang="zh-TW" altLang="en-US" dirty="0" smtClean="0"/>
-              <a:t>的文章標註為話題</a:t>
-            </a:r>
-            <a:r>
-              <a:rPr lang="en-US" altLang="zh-TW" dirty="0" smtClean="0"/>
-              <a:t>”</a:t>
-            </a:r>
-            <a:r>
-              <a:rPr lang="zh-TW" altLang="en-US" dirty="0" smtClean="0"/>
-              <a:t>美女</a:t>
+            <a:r>
+              <a:rPr lang="en-US" altLang="zh-TW" dirty="0" err="1" smtClean="0"/>
+              <a:t>AlphaGo</a:t>
+            </a:r>
+            <a:r>
+              <a:rPr lang="en-US" altLang="zh-TW" dirty="0"/>
+              <a:t>, </a:t>
             </a:r>
             <a:r>
               <a:rPr lang="zh-TW" altLang="en-US" dirty="0"/>
-              <a:t>動保</a:t>
-            </a:r>
-            <a:r>
-              <a:rPr lang="zh-TW" altLang="en-US" dirty="0" smtClean="0"/>
-              <a:t>園長死諫</a:t>
-            </a:r>
-            <a:r>
-              <a:rPr lang="en-US" altLang="zh-TW" dirty="0" smtClean="0"/>
-              <a:t>”</a:t>
-            </a:r>
-          </a:p>
-          <a:p>
-            <a:pPr lvl="1"/>
-            <a:endParaRPr lang="en-US" altLang="zh-TW" dirty="0" smtClean="0"/>
-          </a:p>
-          <a:p>
-            <a:r>
-              <a:rPr lang="zh-TW" altLang="en-US" dirty="0" smtClean="0"/>
-              <a:t>共標註</a:t>
-            </a:r>
-            <a:r>
-              <a:rPr lang="en-US" altLang="zh-TW" dirty="0" smtClean="0"/>
-              <a:t>38</a:t>
-            </a:r>
-            <a:r>
-              <a:rPr lang="zh-TW" altLang="en-US" dirty="0" smtClean="0"/>
-              <a:t>個主題，總計</a:t>
-            </a:r>
-            <a:r>
-              <a:rPr lang="en-US" altLang="zh-TW" dirty="0" smtClean="0"/>
-              <a:t>2706</a:t>
-            </a:r>
-            <a:r>
-              <a:rPr lang="zh-TW" altLang="en-US" dirty="0" smtClean="0"/>
-              <a:t>篇文章</a:t>
-            </a:r>
-            <a:endParaRPr lang="en-US" altLang="zh-TW" dirty="0" smtClean="0"/>
-          </a:p>
-          <a:p>
-            <a:r>
-              <a:rPr lang="zh-TW" altLang="en-US" dirty="0" smtClean="0"/>
-              <a:t>每個主題文章量不超過</a:t>
-            </a:r>
-            <a:r>
-              <a:rPr lang="en-US" altLang="zh-TW" dirty="0" smtClean="0"/>
-              <a:t>200</a:t>
-            </a:r>
-            <a:r>
-              <a:rPr lang="zh-TW" altLang="en-US" dirty="0" smtClean="0"/>
-              <a:t>，不少於</a:t>
-            </a:r>
-            <a:r>
-              <a:rPr lang="en-US" altLang="zh-TW" dirty="0" smtClean="0"/>
-              <a:t>25</a:t>
-            </a:r>
+              <a:t>乙武洋匡</a:t>
+            </a:r>
+            <a:r>
+              <a:rPr lang="en-US" altLang="zh-TW" dirty="0"/>
+              <a:t>, </a:t>
+            </a:r>
+            <a:r>
+              <a:rPr lang="zh-TW" altLang="en-US" dirty="0"/>
+              <a:t>違法搜索</a:t>
+            </a:r>
+            <a:r>
+              <a:rPr lang="en-US" altLang="zh-TW" dirty="0"/>
+              <a:t>, </a:t>
+            </a:r>
+            <a:r>
+              <a:rPr lang="zh-TW" altLang="en-US" dirty="0"/>
+              <a:t>一日雙塔</a:t>
+            </a:r>
+            <a:r>
+              <a:rPr lang="en-US" altLang="zh-TW" dirty="0"/>
+              <a:t>, </a:t>
+            </a:r>
+            <a:r>
+              <a:rPr lang="zh-TW" altLang="en-US" dirty="0"/>
+              <a:t>護照*貼紙</a:t>
+            </a:r>
+            <a:r>
+              <a:rPr lang="en-US" altLang="zh-TW" dirty="0"/>
+              <a:t>, </a:t>
+            </a:r>
+            <a:r>
+              <a:rPr lang="zh-TW" altLang="en-US" dirty="0"/>
+              <a:t>波多野結衣</a:t>
+            </a:r>
+            <a:r>
+              <a:rPr lang="en-US" altLang="zh-TW" dirty="0"/>
+              <a:t>, </a:t>
+            </a:r>
+            <a:endParaRPr lang="zh-TW" altLang="en-US" dirty="0"/>
           </a:p>
         </p:txBody>
       </p:sp>
     </p:spTree>
     <p:extLst>
       <p:ext uri="{BB962C8B-B14F-4D97-AF65-F5344CB8AC3E}">
-        <p14:creationId xmlns:p14="http://schemas.microsoft.com/office/powerpoint/2010/main" val="1341763172"/>
+        <p14:creationId xmlns:p14="http://schemas.microsoft.com/office/powerpoint/2010/main" val="2961433561"/>
       </p:ext>
     </p:extLst>
   </p:cSld>
   <p:clrMapOvr>
     <a:masterClrMapping/>
   </p:clrMapOvr>
+  <p:timing>
+    <p:tnLst>
+      <p:par>
+        <p:cTn id="1" dur="indefinite" restart="never" nodeType="tmRoot"/>
+      </p:par>
+    </p:tnLst>
+  </p:timing>
 </p:sld>
 </file>
 
@@ -10691,7 +8994,11 @@
           <a:p>
             <a:r>
               <a:rPr lang="en-US" altLang="zh-TW" dirty="0" smtClean="0"/>
-              <a:t>Labeled Topic Keywords List</a:t>
+              <a:t>Clustering Validation – using Internal </a:t>
+            </a:r>
+            <a:r>
+              <a:rPr lang="en-US" altLang="zh-TW" b="1" dirty="0" smtClean="0"/>
+              <a:t>Index</a:t>
             </a:r>
             <a:endParaRPr lang="zh-TW" altLang="en-US" dirty="0"/>
           </a:p>
@@ -10709,328 +9016,109 @@
         </p:nvSpPr>
         <p:spPr/>
         <p:txBody>
-          <a:bodyPr/>
-          <a:lstStyle/>
-          <a:p>
-            <a:r>
-              <a:rPr lang="zh-TW" altLang="en-US" dirty="0"/>
-              <a:t>軍冤</a:t>
-            </a:r>
+          <a:bodyPr>
+            <a:normAutofit lnSpcReduction="10000"/>
+          </a:bodyPr>
+          <a:lstStyle/>
+          <a:p>
             <a:r>
               <a:rPr lang="en-US" altLang="zh-TW" dirty="0"/>
-              <a:t>, </a:t>
-            </a:r>
-            <a:r>
-              <a:rPr lang="zh-TW" altLang="en-US" dirty="0"/>
-              <a:t>雞排</a:t>
-            </a:r>
+              <a:t>Adjusted Rand </a:t>
+            </a:r>
+            <a:r>
+              <a:rPr lang="en-US" altLang="zh-TW" dirty="0" smtClean="0"/>
+              <a:t>index</a:t>
+            </a:r>
+          </a:p>
+          <a:p>
+            <a:pPr marL="457200" lvl="1" indent="0">
+              <a:buNone/>
+            </a:pPr>
             <a:r>
               <a:rPr lang="en-US" altLang="zh-TW" dirty="0"/>
-              <a:t>, </a:t>
-            </a:r>
-            <a:r>
-              <a:rPr lang="zh-TW" altLang="en-US" dirty="0"/>
-              <a:t>超商</a:t>
-            </a:r>
+              <a:t>measures the similarity of the two assignments, ignoring permutations and with chance normalization</a:t>
+            </a:r>
+          </a:p>
+          <a:p>
             <a:r>
               <a:rPr lang="en-US" altLang="zh-TW" dirty="0"/>
-              <a:t>, </a:t>
-            </a:r>
-            <a:r>
-              <a:rPr lang="zh-TW" altLang="en-US" dirty="0"/>
-              <a:t>薪水</a:t>
-            </a:r>
+              <a:t>Adjusted Mutual Information(AMI</a:t>
+            </a:r>
+            <a:r>
+              <a:rPr lang="en-US" altLang="zh-TW" dirty="0" smtClean="0"/>
+              <a:t>)</a:t>
+            </a:r>
+          </a:p>
+          <a:p>
+            <a:pPr marL="457200" lvl="1" indent="0">
+              <a:buNone/>
+            </a:pPr>
             <a:r>
               <a:rPr lang="en-US" altLang="zh-TW" dirty="0"/>
-              <a:t>, </a:t>
-            </a:r>
-            <a:r>
-              <a:rPr lang="zh-TW" altLang="en-US" dirty="0"/>
-              <a:t>鄭捷</a:t>
-            </a:r>
+              <a:t>measures the agreement of the two assignments, ignoring </a:t>
+            </a:r>
+            <a:r>
+              <a:rPr lang="en-US" altLang="zh-TW" dirty="0" smtClean="0"/>
+              <a:t>permutations, and is with chance normalization</a:t>
+            </a:r>
+          </a:p>
+          <a:p>
             <a:r>
               <a:rPr lang="en-US" altLang="zh-TW" dirty="0"/>
-              <a:t>, </a:t>
-            </a:r>
-            <a:r>
-              <a:rPr lang="zh-TW" altLang="en-US" dirty="0"/>
-              <a:t>警報</a:t>
-            </a:r>
+              <a:t>Homogeneity, completeness and </a:t>
+            </a:r>
+            <a:r>
+              <a:rPr lang="en-US" altLang="zh-TW" dirty="0" smtClean="0"/>
+              <a:t>V-measure</a:t>
+            </a:r>
+          </a:p>
+          <a:p>
+            <a:pPr lvl="1"/>
             <a:r>
               <a:rPr lang="en-US" altLang="zh-TW" dirty="0"/>
-              <a:t>, </a:t>
-            </a:r>
-            <a:r>
-              <a:rPr lang="zh-TW" altLang="en-US" dirty="0"/>
-              <a:t>年紀</a:t>
-            </a:r>
+              <a:t>homogeneity: each cluster contains only members of a single class.</a:t>
+            </a:r>
+          </a:p>
+          <a:p>
+            <a:pPr lvl="1"/>
             <a:r>
               <a:rPr lang="en-US" altLang="zh-TW" dirty="0"/>
-              <a:t>, </a:t>
-            </a:r>
-            <a:r>
-              <a:rPr lang="zh-TW" altLang="en-US" dirty="0"/>
-              <a:t>主播</a:t>
+              <a:t>completeness: all members of a given class are assigned to the same cluster.</a:t>
+            </a:r>
+          </a:p>
+          <a:p>
+            <a:pPr lvl="1"/>
+            <a:r>
+              <a:rPr lang="en-US" altLang="zh-TW" dirty="0" smtClean="0"/>
+              <a:t>V-measure: evaluate </a:t>
             </a:r>
             <a:r>
               <a:rPr lang="en-US" altLang="zh-TW" dirty="0"/>
-              <a:t>, </a:t>
-            </a:r>
-            <a:r>
-              <a:rPr lang="zh-TW" altLang="en-US" dirty="0"/>
-              <a:t>塵爆</a:t>
-            </a:r>
-            <a:r>
-              <a:rPr lang="en-US" altLang="zh-TW" dirty="0"/>
-              <a:t>, </a:t>
-            </a:r>
-            <a:r>
-              <a:rPr lang="zh-TW" altLang="en-US" dirty="0"/>
-              <a:t>滅頂</a:t>
-            </a:r>
-            <a:r>
-              <a:rPr lang="en-US" altLang="zh-TW" dirty="0"/>
-              <a:t>, </a:t>
-            </a:r>
-            <a:r>
-              <a:rPr lang="zh-TW" altLang="en-US" dirty="0"/>
-              <a:t>肯亞</a:t>
-            </a:r>
-            <a:r>
-              <a:rPr lang="en-US" altLang="zh-TW" dirty="0"/>
-              <a:t>, </a:t>
-            </a:r>
-            <a:r>
-              <a:rPr lang="en-US" altLang="zh-TW" dirty="0" smtClean="0"/>
-              <a:t>ISIS,    </a:t>
-            </a:r>
-            <a:r>
-              <a:rPr lang="zh-TW" altLang="en-US" dirty="0" smtClean="0"/>
-              <a:t>伊</a:t>
-            </a:r>
-            <a:r>
-              <a:rPr lang="zh-TW" altLang="en-US" dirty="0"/>
-              <a:t>湄</a:t>
-            </a:r>
-            <a:r>
-              <a:rPr lang="en-US" altLang="zh-TW" dirty="0"/>
-              <a:t>, </a:t>
-            </a:r>
-            <a:r>
-              <a:rPr lang="zh-TW" altLang="en-US" dirty="0" smtClean="0"/>
-              <a:t>川普</a:t>
-            </a:r>
-            <a:r>
-              <a:rPr lang="en-US" altLang="zh-TW" dirty="0" smtClean="0"/>
-              <a:t>, </a:t>
-            </a:r>
-          </a:p>
-          <a:p>
-            <a:r>
-              <a:rPr lang="zh-TW" altLang="en-US" dirty="0" smtClean="0"/>
-              <a:t>炎</a:t>
-            </a:r>
-            <a:r>
-              <a:rPr lang="zh-TW" altLang="en-US" dirty="0"/>
-              <a:t>亞綸</a:t>
-            </a:r>
-            <a:r>
-              <a:rPr lang="en-US" altLang="zh-TW" dirty="0"/>
-              <a:t>, </a:t>
-            </a:r>
-            <a:r>
-              <a:rPr lang="zh-TW" altLang="en-US" dirty="0"/>
-              <a:t>福祿猴</a:t>
-            </a:r>
-            <a:r>
-              <a:rPr lang="en-US" altLang="zh-TW" dirty="0"/>
-              <a:t>, </a:t>
-            </a:r>
-            <a:r>
-              <a:rPr lang="zh-TW" altLang="en-US" dirty="0"/>
-              <a:t>八年級</a:t>
-            </a:r>
-            <a:r>
-              <a:rPr lang="en-US" altLang="zh-TW" dirty="0"/>
-              <a:t>, </a:t>
-            </a:r>
-            <a:r>
-              <a:rPr lang="zh-TW" altLang="en-US" dirty="0"/>
-              <a:t>應曉薇</a:t>
-            </a:r>
-            <a:r>
-              <a:rPr lang="en-US" altLang="zh-TW" dirty="0"/>
-              <a:t>, </a:t>
-            </a:r>
-            <a:r>
-              <a:rPr lang="zh-TW" altLang="en-US" dirty="0"/>
-              <a:t>謝金燕</a:t>
-            </a:r>
-            <a:r>
-              <a:rPr lang="en-US" altLang="zh-TW" dirty="0"/>
-              <a:t>, </a:t>
-            </a:r>
-            <a:r>
-              <a:rPr lang="zh-TW" altLang="en-US" dirty="0" smtClean="0"/>
-              <a:t>安樂死</a:t>
-            </a:r>
-            <a:r>
-              <a:rPr lang="en-US" altLang="zh-TW" dirty="0"/>
-              <a:t>, </a:t>
-            </a:r>
-            <a:r>
-              <a:rPr lang="zh-TW" altLang="en-US" dirty="0"/>
-              <a:t>巴拿馬</a:t>
-            </a:r>
-            <a:r>
-              <a:rPr lang="en-US" altLang="zh-TW" dirty="0"/>
-              <a:t>, </a:t>
-            </a:r>
-            <a:r>
-              <a:rPr lang="zh-TW" altLang="en-US" dirty="0"/>
-              <a:t>邊緣人</a:t>
-            </a:r>
-            <a:r>
-              <a:rPr lang="en-US" altLang="zh-TW" dirty="0"/>
-              <a:t>, </a:t>
-            </a:r>
-            <a:r>
-              <a:rPr lang="zh-TW" altLang="en-US" dirty="0"/>
-              <a:t>阿帕契</a:t>
-            </a:r>
-            <a:r>
-              <a:rPr lang="en-US" altLang="zh-TW" dirty="0"/>
-              <a:t>, </a:t>
-            </a:r>
-            <a:r>
-              <a:rPr lang="zh-TW" altLang="en-US" dirty="0"/>
-              <a:t>反服貿</a:t>
-            </a:r>
-            <a:r>
-              <a:rPr lang="en-US" altLang="zh-TW" dirty="0"/>
-              <a:t>, </a:t>
-            </a:r>
-            <a:r>
-              <a:rPr lang="zh-TW" altLang="en-US" dirty="0"/>
-              <a:t>國慶爺</a:t>
-            </a:r>
-            <a:r>
-              <a:rPr lang="en-US" altLang="zh-TW" dirty="0"/>
-              <a:t>, </a:t>
-            </a:r>
-            <a:r>
-              <a:rPr lang="zh-TW" altLang="en-US" dirty="0"/>
-              <a:t>大巨蛋</a:t>
-            </a:r>
-            <a:r>
-              <a:rPr lang="en-US" altLang="zh-TW" dirty="0"/>
-              <a:t>, </a:t>
-            </a:r>
-            <a:r>
-              <a:rPr lang="zh-TW" altLang="en-US" dirty="0"/>
-              <a:t>三姐弟</a:t>
-            </a:r>
-            <a:r>
-              <a:rPr lang="en-US" altLang="zh-TW" dirty="0"/>
-              <a:t>, </a:t>
-            </a:r>
-            <a:r>
-              <a:rPr lang="zh-TW" altLang="en-US" dirty="0"/>
-              <a:t>周子瑜</a:t>
-            </a:r>
-            <a:r>
-              <a:rPr lang="en-US" altLang="zh-TW" dirty="0"/>
-              <a:t>, </a:t>
-            </a:r>
-            <a:r>
-              <a:rPr lang="zh-TW" altLang="en-US" dirty="0"/>
-              <a:t>獵雷艦</a:t>
-            </a:r>
-            <a:r>
-              <a:rPr lang="en-US" altLang="zh-TW" dirty="0"/>
-              <a:t>, </a:t>
-            </a:r>
-            <a:r>
-              <a:rPr lang="zh-TW" altLang="en-US" dirty="0"/>
-              <a:t>李宗瑞</a:t>
-            </a:r>
-            <a:r>
-              <a:rPr lang="en-US" altLang="zh-TW" dirty="0"/>
-              <a:t>, 48</a:t>
-            </a:r>
-            <a:r>
-              <a:rPr lang="zh-TW" altLang="en-US" dirty="0"/>
-              <a:t>級</a:t>
-            </a:r>
-            <a:r>
-              <a:rPr lang="zh-TW" altLang="en-US" dirty="0" smtClean="0"/>
-              <a:t>分</a:t>
-            </a:r>
+              <a:t>the agreement of two independent assignments on the same dataset.</a:t>
+            </a:r>
+          </a:p>
+          <a:p>
             <a:endParaRPr lang="en-US" altLang="zh-TW" dirty="0" smtClean="0"/>
-          </a:p>
-          <a:p>
-            <a:r>
-              <a:rPr lang="en-US" altLang="zh-TW" dirty="0" err="1" smtClean="0"/>
-              <a:t>AlphaGo</a:t>
-            </a:r>
-            <a:r>
-              <a:rPr lang="en-US" altLang="zh-TW" dirty="0"/>
-              <a:t>, </a:t>
-            </a:r>
-            <a:r>
-              <a:rPr lang="zh-TW" altLang="en-US" dirty="0"/>
-              <a:t>乙武洋匡</a:t>
-            </a:r>
-            <a:r>
-              <a:rPr lang="en-US" altLang="zh-TW" dirty="0"/>
-              <a:t>, </a:t>
-            </a:r>
-            <a:r>
-              <a:rPr lang="zh-TW" altLang="en-US" dirty="0"/>
-              <a:t>違法搜索</a:t>
-            </a:r>
-            <a:r>
-              <a:rPr lang="en-US" altLang="zh-TW" dirty="0"/>
-              <a:t>, </a:t>
-            </a:r>
-            <a:r>
-              <a:rPr lang="zh-TW" altLang="en-US" dirty="0"/>
-              <a:t>一日雙塔</a:t>
-            </a:r>
-            <a:r>
-              <a:rPr lang="en-US" altLang="zh-TW" dirty="0"/>
-              <a:t>, </a:t>
-            </a:r>
-            <a:r>
-              <a:rPr lang="zh-TW" altLang="en-US" dirty="0"/>
-              <a:t>護照*貼紙</a:t>
-            </a:r>
-            <a:r>
-              <a:rPr lang="en-US" altLang="zh-TW" dirty="0"/>
-              <a:t>, </a:t>
-            </a:r>
-            <a:r>
-              <a:rPr lang="zh-TW" altLang="en-US" dirty="0"/>
-              <a:t>波多野結衣</a:t>
-            </a:r>
-            <a:r>
-              <a:rPr lang="en-US" altLang="zh-TW" dirty="0"/>
-              <a:t>, </a:t>
-            </a:r>
-            <a:endParaRPr lang="zh-TW" altLang="en-US" dirty="0"/>
           </a:p>
         </p:txBody>
       </p:sp>
     </p:spTree>
     <p:extLst>
       <p:ext uri="{BB962C8B-B14F-4D97-AF65-F5344CB8AC3E}">
-        <p14:creationId xmlns:p14="http://schemas.microsoft.com/office/powerpoint/2010/main" val="2961433561"/>
+        <p14:creationId xmlns:p14="http://schemas.microsoft.com/office/powerpoint/2010/main" val="2444501049"/>
       </p:ext>
     </p:extLst>
   </p:cSld>
   <p:clrMapOvr>
     <a:masterClrMapping/>
   </p:clrMapOvr>
+  <p:timing>
+    <p:tnLst>
+      <p:par>
+        <p:cTn id="1" dur="indefinite" restart="never" nodeType="tmRoot"/>
+      </p:par>
+    </p:tnLst>
+  </p:timing>
 </p:sld>
 </file>
 
@@ -11068,11 +9156,15 @@
           <a:p>
             <a:r>
               <a:rPr lang="en-US" altLang="zh-TW" dirty="0" smtClean="0"/>
-              <a:t>Clustering Validation – using Internal </a:t>
-            </a:r>
-            <a:r>
-              <a:rPr lang="en-US" altLang="zh-TW" b="1" dirty="0" smtClean="0"/>
-              <a:t>Index</a:t>
+              <a:t>Method </a:t>
+            </a:r>
+            <a:r>
+              <a:rPr lang="en-US" altLang="zh-TW" dirty="0"/>
+              <a:t>1 threshold </a:t>
+            </a:r>
+            <a:r>
+              <a:rPr lang="en-US" altLang="zh-TW" dirty="0" smtClean="0"/>
+              <a:t>Experiment</a:t>
             </a:r>
             <a:endParaRPr lang="zh-TW" altLang="en-US" dirty="0"/>
           </a:p>
@@ -11090,88 +9182,68 @@
         </p:nvSpPr>
         <p:spPr/>
         <p:txBody>
-          <a:bodyPr>
-            <a:normAutofit lnSpcReduction="10000"/>
-          </a:bodyPr>
-          <a:lstStyle/>
-          <a:p>
+          <a:bodyPr/>
+          <a:lstStyle/>
+          <a:p>
+            <a:r>
+              <a:rPr lang="zh-TW" altLang="en-US" dirty="0"/>
+              <a:t>分群</a:t>
+            </a:r>
             <a:r>
               <a:rPr lang="en-US" altLang="zh-TW" dirty="0"/>
-              <a:t>Adjusted Rand </a:t>
-            </a:r>
-            <a:r>
-              <a:rPr lang="en-US" altLang="zh-TW" dirty="0" smtClean="0"/>
-              <a:t>index</a:t>
-            </a:r>
-          </a:p>
-          <a:p>
-            <a:pPr marL="457200" lvl="1" indent="0">
-              <a:buNone/>
-            </a:pPr>
-            <a:r>
-              <a:rPr lang="en-US" altLang="zh-TW" dirty="0"/>
-              <a:t>measures the similarity of the two assignments, ignoring permutations and with chance normalization</a:t>
-            </a:r>
-          </a:p>
-          <a:p>
-            <a:r>
-              <a:rPr lang="en-US" altLang="zh-TW" dirty="0"/>
-              <a:t>Adjusted Mutual Information(AMI</a:t>
+              <a:t>threshold</a:t>
+            </a:r>
+            <a:r>
+              <a:rPr lang="zh-TW" altLang="en-US" dirty="0"/>
+              <a:t>參數</a:t>
+            </a:r>
+            <a:r>
+              <a:rPr lang="zh-TW" altLang="en-US" dirty="0" smtClean="0"/>
+              <a:t>為操作變因，從每一種標記完的話題裡面，隨機挑選文章作為測試資料</a:t>
+            </a:r>
+            <a:r>
+              <a:rPr lang="en-US" altLang="zh-TW" dirty="0" smtClean="0"/>
+              <a:t>(</a:t>
+            </a:r>
+            <a:r>
+              <a:rPr lang="zh-TW" altLang="en-US" dirty="0" smtClean="0"/>
+              <a:t>每一種話題至少會有一篇文章</a:t>
             </a:r>
             <a:r>
               <a:rPr lang="en-US" altLang="zh-TW" dirty="0" smtClean="0"/>
               <a:t>)</a:t>
             </a:r>
-          </a:p>
-          <a:p>
-            <a:pPr marL="457200" lvl="1" indent="0">
-              <a:buNone/>
-            </a:pPr>
-            <a:r>
-              <a:rPr lang="en-US" altLang="zh-TW" dirty="0"/>
-              <a:t>measures the agreement of the two assignments, ignoring </a:t>
-            </a:r>
-            <a:r>
-              <a:rPr lang="en-US" altLang="zh-TW" dirty="0" smtClean="0"/>
-              <a:t>permutations, and is with chance normalization</a:t>
-            </a:r>
-          </a:p>
-          <a:p>
-            <a:r>
-              <a:rPr lang="en-US" altLang="zh-TW" dirty="0"/>
-              <a:t>Homogeneity, completeness and </a:t>
-            </a:r>
-            <a:r>
-              <a:rPr lang="en-US" altLang="zh-TW" dirty="0" smtClean="0"/>
-              <a:t>V-measure</a:t>
-            </a:r>
-          </a:p>
-          <a:p>
-            <a:pPr lvl="1"/>
-            <a:r>
-              <a:rPr lang="en-US" altLang="zh-TW" dirty="0"/>
-              <a:t>homogeneity: each cluster contains only members of a single class.</a:t>
-            </a:r>
-          </a:p>
-          <a:p>
-            <a:pPr lvl="1"/>
-            <a:r>
-              <a:rPr lang="en-US" altLang="zh-TW" dirty="0"/>
-              <a:t>completeness: all members of a given class are assigned to the same cluster.</a:t>
-            </a:r>
-          </a:p>
-          <a:p>
-            <a:pPr lvl="1"/>
-            <a:r>
-              <a:rPr lang="en-US" altLang="zh-TW" dirty="0" smtClean="0"/>
-              <a:t>V-measure: evaluate </a:t>
-            </a:r>
-            <a:r>
-              <a:rPr lang="en-US" altLang="zh-TW" dirty="0"/>
-              <a:t>the agreement of two independent assignments on the same dataset.</a:t>
-            </a:r>
-          </a:p>
-          <a:p>
+            <a:r>
+              <a:rPr lang="zh-TW" altLang="en-US" dirty="0" smtClean="0"/>
+              <a:t>，以該測試資料下去分群。</a:t>
+            </a:r>
+            <a:endParaRPr lang="en-US" altLang="zh-TW" dirty="0" smtClean="0"/>
+          </a:p>
+          <a:p>
+            <a:r>
+              <a:rPr lang="zh-TW" altLang="en-US" dirty="0" smtClean="0"/>
+              <a:t>重複</a:t>
+            </a:r>
+            <a:r>
+              <a:rPr lang="en-US" altLang="zh-TW" dirty="0" smtClean="0"/>
+              <a:t>1000</a:t>
+            </a:r>
+            <a:r>
+              <a:rPr lang="zh-TW" altLang="en-US" dirty="0" smtClean="0"/>
+              <a:t>次實驗觀察各項指標之平均</a:t>
+            </a:r>
+            <a:r>
+              <a:rPr lang="en-US" altLang="zh-TW" dirty="0" smtClean="0"/>
+              <a:t>, </a:t>
+            </a:r>
+            <a:r>
+              <a:rPr lang="zh-TW" altLang="en-US" dirty="0"/>
+              <a:t>極</a:t>
+            </a:r>
+            <a:r>
+              <a:rPr lang="zh-TW" altLang="en-US" dirty="0" smtClean="0"/>
+              <a:t>值及標準差</a:t>
+            </a:r>
             <a:endParaRPr lang="en-US" altLang="zh-TW" dirty="0" smtClean="0"/>
           </a:p>
         </p:txBody>
@@ -11179,13 +9251,20 @@
     </p:spTree>
     <p:extLst>
       <p:ext uri="{BB962C8B-B14F-4D97-AF65-F5344CB8AC3E}">
-        <p14:creationId xmlns:p14="http://schemas.microsoft.com/office/powerpoint/2010/main" val="2444501049"/>
+        <p14:creationId xmlns:p14="http://schemas.microsoft.com/office/powerpoint/2010/main" val="1638350898"/>
       </p:ext>
     </p:extLst>
   </p:cSld>
   <p:clrMapOvr>
     <a:masterClrMapping/>
   </p:clrMapOvr>
+  <p:timing>
+    <p:tnLst>
+      <p:par>
+        <p:cTn id="1" dur="indefinite" restart="never" nodeType="tmRoot"/>
+      </p:par>
+    </p:tnLst>
+  </p:timing>
 </p:sld>
 </file>
 
@@ -11237,88 +9316,35 @@
           </a:p>
         </p:txBody>
       </p:sp>
-      <p:sp>
-        <p:nvSpPr>
-          <p:cNvPr id="3" name="內容版面配置區 2"/>
-          <p:cNvSpPr>
-            <a:spLocks noGrp="1"/>
-          </p:cNvSpPr>
+      <p:graphicFrame>
+        <p:nvGraphicFramePr>
+          <p:cNvPr id="10" name="內容版面配置區 9"/>
+          <p:cNvGraphicFramePr>
+            <a:graphicFrameLocks noGrp="1"/>
+          </p:cNvGraphicFramePr>
           <p:nvPr>
             <p:ph idx="1"/>
-          </p:nvPr>
-        </p:nvSpPr>
-        <p:spPr/>
-        <p:txBody>
-          <a:bodyPr/>
-          <a:lstStyle/>
-          <a:p>
-            <a:r>
-              <a:rPr lang="zh-TW" altLang="en-US" dirty="0"/>
-              <a:t>分群</a:t>
-            </a:r>
-            <a:r>
-              <a:rPr lang="en-US" altLang="zh-TW" dirty="0"/>
-              <a:t>threshold</a:t>
-            </a:r>
-            <a:r>
-              <a:rPr lang="zh-TW" altLang="en-US" dirty="0"/>
-              <a:t>參數</a:t>
-            </a:r>
-            <a:r>
-              <a:rPr lang="zh-TW" altLang="en-US" dirty="0" smtClean="0"/>
-              <a:t>為操作變因，從每一種標記完的話題裡面，隨機挑選文章作為測試資料</a:t>
-            </a:r>
-            <a:r>
-              <a:rPr lang="en-US" altLang="zh-TW" dirty="0" smtClean="0"/>
-              <a:t>(</a:t>
-            </a:r>
-            <a:r>
-              <a:rPr lang="zh-TW" altLang="en-US" dirty="0" smtClean="0"/>
-              <a:t>每一種話題至少會有一篇文章</a:t>
-            </a:r>
-            <a:r>
-              <a:rPr lang="en-US" altLang="zh-TW" dirty="0" smtClean="0"/>
-              <a:t>)</a:t>
-            </a:r>
-            <a:r>
-              <a:rPr lang="zh-TW" altLang="en-US" dirty="0" smtClean="0"/>
-              <a:t>，以該測試資料下去分群。</a:t>
-            </a:r>
-            <a:endParaRPr lang="en-US" altLang="zh-TW" dirty="0" smtClean="0"/>
-          </a:p>
-          <a:p>
-            <a:r>
-              <a:rPr lang="zh-TW" altLang="en-US" dirty="0" smtClean="0"/>
-              <a:t>重複</a:t>
-            </a:r>
-            <a:r>
-              <a:rPr lang="en-US" altLang="zh-TW" dirty="0" smtClean="0"/>
-              <a:t>1000</a:t>
-            </a:r>
-            <a:r>
-              <a:rPr lang="zh-TW" altLang="en-US" dirty="0" smtClean="0"/>
-              <a:t>次實驗觀察各項指標之平均</a:t>
-            </a:r>
-            <a:r>
-              <a:rPr lang="en-US" altLang="zh-TW" dirty="0" smtClean="0"/>
-              <a:t>, </a:t>
-            </a:r>
-            <a:r>
-              <a:rPr lang="zh-TW" altLang="en-US" dirty="0"/>
-              <a:t>極</a:t>
-            </a:r>
-            <a:r>
-              <a:rPr lang="zh-TW" altLang="en-US" dirty="0" smtClean="0"/>
-              <a:t>值及標準差</a:t>
-            </a:r>
-            <a:endParaRPr lang="en-US" altLang="zh-TW" dirty="0" smtClean="0"/>
-          </a:p>
-        </p:txBody>
-      </p:sp>
+            <p:extLst>
+              <p:ext uri="{D42A27DB-BD31-4B8C-83A1-F6EECF244321}">
+                <p14:modId xmlns:p14="http://schemas.microsoft.com/office/powerpoint/2010/main" val="1680202609"/>
+              </p:ext>
+            </p:extLst>
+          </p:nvPr>
+        </p:nvGraphicFramePr>
+        <p:xfrm>
+          <a:off x="838200" y="1825625"/>
+          <a:ext cx="10515600" cy="4351338"/>
+        </p:xfrm>
+        <a:graphic>
+          <a:graphicData uri="http://schemas.openxmlformats.org/drawingml/2006/chart">
+            <c:chart xmlns:c="http://schemas.openxmlformats.org/drawingml/2006/chart" xmlns:r="http://schemas.openxmlformats.org/officeDocument/2006/relationships" r:id="rId3"/>
+          </a:graphicData>
+        </a:graphic>
+      </p:graphicFrame>
     </p:spTree>
     <p:extLst>
       <p:ext uri="{BB962C8B-B14F-4D97-AF65-F5344CB8AC3E}">
-        <p14:creationId xmlns:p14="http://schemas.microsoft.com/office/powerpoint/2010/main" val="1638350898"/>
+        <p14:creationId xmlns:p14="http://schemas.microsoft.com/office/powerpoint/2010/main" val="4147123634"/>
       </p:ext>
     </p:extLst>
   </p:cSld>
@@ -11362,55 +9388,117 @@
           <a:p>
             <a:r>
               <a:rPr lang="en-US" altLang="zh-TW" dirty="0" smtClean="0"/>
-              <a:t>Method </a:t>
-            </a:r>
-            <a:r>
-              <a:rPr lang="en-US" altLang="zh-TW" dirty="0"/>
-              <a:t>1 threshold </a:t>
-            </a:r>
-            <a:r>
-              <a:rPr lang="en-US" altLang="zh-TW" dirty="0" smtClean="0"/>
-              <a:t>Experiment</a:t>
+              <a:t>Method 2 Experiment</a:t>
+            </a:r>
+            <a:r>
+              <a:rPr lang="zh-TW" altLang="en-US" dirty="0" smtClean="0"/>
+              <a:t> </a:t>
+            </a:r>
+            <a:r>
+              <a:rPr lang="en-US" altLang="zh-TW" dirty="0" smtClean="0"/>
+              <a:t>-</a:t>
+            </a:r>
+            <a:r>
+              <a:rPr lang="zh-TW" altLang="en-US" dirty="0" smtClean="0"/>
+              <a:t> </a:t>
+            </a:r>
+            <a:r>
+              <a:rPr lang="en-US" altLang="zh-TW" dirty="0" smtClean="0"/>
+              <a:t>threshold</a:t>
             </a:r>
             <a:endParaRPr lang="zh-TW" altLang="en-US" dirty="0"/>
           </a:p>
         </p:txBody>
       </p:sp>
-      <p:graphicFrame>
-        <p:nvGraphicFramePr>
-          <p:cNvPr id="10" name="內容版面配置區 9"/>
-          <p:cNvGraphicFramePr>
-            <a:graphicFrameLocks noGrp="1"/>
-          </p:cNvGraphicFramePr>
+      <p:sp>
+        <p:nvSpPr>
+          <p:cNvPr id="3" name="內容版面配置區 2"/>
+          <p:cNvSpPr>
+            <a:spLocks noGrp="1"/>
+          </p:cNvSpPr>
           <p:nvPr>
             <p:ph idx="1"/>
-            <p:extLst>
-              <p:ext uri="{D42A27DB-BD31-4B8C-83A1-F6EECF244321}">
-                <p14:modId xmlns:p14="http://schemas.microsoft.com/office/powerpoint/2010/main" val="1680202609"/>
-              </p:ext>
-            </p:extLst>
-          </p:nvPr>
-        </p:nvGraphicFramePr>
-        <p:xfrm>
-          <a:off x="838200" y="1825625"/>
-          <a:ext cx="10515600" cy="4351338"/>
-        </p:xfrm>
-        <a:graphic>
-          <a:graphicData uri="http://schemas.openxmlformats.org/drawingml/2006/chart">
-            <c:chart xmlns:c="http://schemas.openxmlformats.org/drawingml/2006/chart" xmlns:r="http://schemas.openxmlformats.org/officeDocument/2006/relationships" r:id="rId3"/>
-          </a:graphicData>
-        </a:graphic>
-      </p:graphicFrame>
+          </p:nvPr>
+        </p:nvSpPr>
+        <p:spPr/>
+        <p:txBody>
+          <a:bodyPr/>
+          <a:lstStyle/>
+          <a:p>
+            <a:r>
+              <a:rPr lang="zh-TW" altLang="en-US" dirty="0" smtClean="0"/>
+              <a:t>標題向量與內文關鍵字向量比例 </a:t>
+            </a:r>
+            <a:r>
+              <a:rPr lang="en-US" altLang="zh-TW" dirty="0" smtClean="0"/>
+              <a:t>9:1 , 8:2, 7:3, 6:4, 5:5</a:t>
+            </a:r>
+          </a:p>
+          <a:p>
+            <a:r>
+              <a:rPr lang="zh-TW" altLang="en-US" dirty="0" smtClean="0"/>
+              <a:t>對五種組合作</a:t>
+            </a:r>
+            <a:r>
+              <a:rPr lang="en-US" altLang="zh-TW" dirty="0" smtClean="0"/>
+              <a:t>threshold</a:t>
+            </a:r>
+            <a:r>
+              <a:rPr lang="zh-TW" altLang="en-US" dirty="0" smtClean="0"/>
+              <a:t>實驗，發現無論是哪一種組合</a:t>
+            </a:r>
+            <a:r>
+              <a:rPr lang="en-US" altLang="zh-TW" dirty="0" smtClean="0"/>
+              <a:t>threshold</a:t>
+            </a:r>
+            <a:r>
+              <a:rPr lang="zh-TW" altLang="en-US" dirty="0" smtClean="0"/>
+              <a:t>在</a:t>
+            </a:r>
+            <a:r>
+              <a:rPr lang="en-US" altLang="zh-TW" dirty="0" smtClean="0"/>
+              <a:t>0.6</a:t>
+            </a:r>
+            <a:r>
+              <a:rPr lang="zh-TW" altLang="en-US" dirty="0" smtClean="0"/>
+              <a:t>各項指標較好</a:t>
+            </a:r>
+            <a:endParaRPr lang="en-US" altLang="zh-TW" dirty="0" smtClean="0"/>
+          </a:p>
+          <a:p>
+            <a:r>
+              <a:rPr lang="en-US" altLang="zh-TW" dirty="0" smtClean="0"/>
+              <a:t>(</a:t>
+            </a:r>
+            <a:r>
+              <a:rPr lang="zh-TW" altLang="en-US" dirty="0" smtClean="0"/>
+              <a:t>待補五張圖表</a:t>
+            </a:r>
+            <a:r>
+              <a:rPr lang="en-US" altLang="zh-TW" dirty="0" smtClean="0"/>
+              <a:t>)</a:t>
+            </a:r>
+            <a:endParaRPr lang="en-US" altLang="zh-TW" dirty="0"/>
+          </a:p>
+        </p:txBody>
+      </p:sp>
     </p:spTree>
     <p:extLst>
       <p:ext uri="{BB962C8B-B14F-4D97-AF65-F5344CB8AC3E}">
-        <p14:creationId xmlns:p14="http://schemas.microsoft.com/office/powerpoint/2010/main" val="4147123634"/>
+        <p14:creationId xmlns:p14="http://schemas.microsoft.com/office/powerpoint/2010/main" val="2255730698"/>
       </p:ext>
     </p:extLst>
   </p:cSld>
   <p:clrMapOvr>
     <a:masterClrMapping/>
   </p:clrMapOvr>
+  <p:timing>
+    <p:tnLst>
+      <p:par>
+        <p:cTn id="1" dur="indefinite" restart="never" nodeType="tmRoot"/>
+      </p:par>
+    </p:tnLst>
+  </p:timing>
 </p:sld>
 </file>
 
@@ -11456,72 +9544,56 @@
             </a:r>
             <a:r>
               <a:rPr lang="en-US" altLang="zh-TW" dirty="0" smtClean="0"/>
-              <a:t>-</a:t>
-            </a:r>
-            <a:r>
-              <a:rPr lang="zh-TW" altLang="en-US" dirty="0" smtClean="0"/>
-              <a:t> </a:t>
+              <a:t>– title &amp; content ratio</a:t>
+            </a:r>
+            <a:endParaRPr lang="zh-TW" altLang="en-US" dirty="0"/>
+          </a:p>
+        </p:txBody>
+      </p:sp>
+      <p:sp>
+        <p:nvSpPr>
+          <p:cNvPr id="3" name="內容版面配置區 2"/>
+          <p:cNvSpPr>
+            <a:spLocks noGrp="1"/>
+          </p:cNvSpPr>
+          <p:nvPr>
+            <p:ph idx="1"/>
+          </p:nvPr>
+        </p:nvSpPr>
+        <p:spPr/>
+        <p:txBody>
+          <a:bodyPr/>
+          <a:lstStyle/>
+          <a:p>
+            <a:r>
+              <a:rPr lang="zh-TW" altLang="en-US" dirty="0" smtClean="0"/>
+              <a:t>標題向量與內文關鍵字向量比例 </a:t>
+            </a:r>
+            <a:r>
+              <a:rPr lang="en-US" altLang="zh-TW" dirty="0" smtClean="0"/>
+              <a:t>9:1 , 8:2, 7:3, 6:4, 5:5</a:t>
+            </a:r>
+          </a:p>
+          <a:p>
+            <a:r>
+              <a:rPr lang="zh-TW" altLang="en-US" dirty="0" smtClean="0"/>
+              <a:t>針對每一組不同比例，利用上個實驗結果得出的最佳</a:t>
             </a:r>
             <a:r>
               <a:rPr lang="en-US" altLang="zh-TW" dirty="0" smtClean="0"/>
               <a:t>threshold</a:t>
             </a:r>
-            <a:endParaRPr lang="zh-TW" altLang="en-US" dirty="0"/>
-          </a:p>
-        </p:txBody>
-      </p:sp>
-      <p:sp>
-        <p:nvSpPr>
-          <p:cNvPr id="3" name="內容版面配置區 2"/>
-          <p:cNvSpPr>
-            <a:spLocks noGrp="1"/>
-          </p:cNvSpPr>
-          <p:nvPr>
-            <p:ph idx="1"/>
-          </p:nvPr>
-        </p:nvSpPr>
-        <p:spPr/>
-        <p:txBody>
-          <a:bodyPr/>
-          <a:lstStyle/>
-          <a:p>
-            <a:r>
-              <a:rPr lang="zh-TW" altLang="en-US" dirty="0" smtClean="0"/>
-              <a:t>標題向量與內文關鍵字向量比例 </a:t>
-            </a:r>
-            <a:r>
-              <a:rPr lang="en-US" altLang="zh-TW" dirty="0" smtClean="0"/>
-              <a:t>9:1 , 8:2, 7:3, 6:4, 5:5</a:t>
-            </a:r>
-          </a:p>
-          <a:p>
-            <a:r>
-              <a:rPr lang="zh-TW" altLang="en-US" dirty="0" smtClean="0"/>
-              <a:t>對五種組合作</a:t>
-            </a:r>
-            <a:r>
-              <a:rPr lang="en-US" altLang="zh-TW" dirty="0" smtClean="0"/>
-              <a:t>threshold</a:t>
-            </a:r>
-            <a:r>
-              <a:rPr lang="zh-TW" altLang="en-US" dirty="0" smtClean="0"/>
-              <a:t>實驗，發現無論是哪一種組合</a:t>
-            </a:r>
-            <a:r>
-              <a:rPr lang="en-US" altLang="zh-TW" dirty="0" smtClean="0"/>
-              <a:t>threshold</a:t>
-            </a:r>
-            <a:r>
-              <a:rPr lang="zh-TW" altLang="en-US" dirty="0" smtClean="0"/>
-              <a:t>在</a:t>
-            </a:r>
-            <a:r>
-              <a:rPr lang="en-US" altLang="zh-TW" dirty="0" smtClean="0"/>
-              <a:t>0.6</a:t>
-            </a:r>
-            <a:r>
-              <a:rPr lang="zh-TW" altLang="en-US" dirty="0" smtClean="0"/>
-              <a:t>各項指標較好</a:t>
+            <a:r>
+              <a:rPr lang="zh-TW" altLang="en-US" dirty="0" smtClean="0"/>
+              <a:t>來比較效果，發現</a:t>
+            </a:r>
+            <a:r>
+              <a:rPr lang="en-US" altLang="zh-TW" dirty="0" smtClean="0"/>
+              <a:t>8:2</a:t>
+            </a:r>
+            <a:r>
+              <a:rPr lang="zh-TW" altLang="en-US" dirty="0" smtClean="0"/>
+              <a:t>比例效果最好</a:t>
             </a:r>
             <a:endParaRPr lang="en-US" altLang="zh-TW" dirty="0" smtClean="0"/>
           </a:p>
@@ -11532,26 +9604,32 @@
             </a:r>
             <a:r>
               <a:rPr lang="zh-TW" altLang="en-US" dirty="0" smtClean="0"/>
-              <a:t>待補五張圖表</a:t>
+              <a:t>待補一張圖表</a:t>
             </a:r>
             <a:r>
               <a:rPr lang="en-US" altLang="zh-TW" dirty="0" smtClean="0"/>
               <a:t>)</a:t>
             </a:r>
-            <a:endParaRPr lang="en-US" altLang="zh-TW" dirty="0"/>
           </a:p>
         </p:txBody>
       </p:sp>
     </p:spTree>
     <p:extLst>
       <p:ext uri="{BB962C8B-B14F-4D97-AF65-F5344CB8AC3E}">
-        <p14:creationId xmlns:p14="http://schemas.microsoft.com/office/powerpoint/2010/main" val="2255730698"/>
+        <p14:creationId xmlns:p14="http://schemas.microsoft.com/office/powerpoint/2010/main" val="3360751971"/>
       </p:ext>
     </p:extLst>
   </p:cSld>
   <p:clrMapOvr>
     <a:masterClrMapping/>
   </p:clrMapOvr>
+  <p:timing>
+    <p:tnLst>
+      <p:par>
+        <p:cTn id="1" dur="indefinite" restart="never" nodeType="tmRoot"/>
+      </p:par>
+    </p:tnLst>
+  </p:timing>
 </p:sld>
 </file>
 
@@ -11589,15 +9667,7 @@
           <a:p>
             <a:r>
               <a:rPr lang="en-US" altLang="zh-TW" dirty="0" smtClean="0"/>
-              <a:t>Method 2 Experiment</a:t>
-            </a:r>
-            <a:r>
-              <a:rPr lang="zh-TW" altLang="en-US" dirty="0" smtClean="0"/>
-              <a:t> </a:t>
-            </a:r>
-            <a:r>
-              <a:rPr lang="en-US" altLang="zh-TW" dirty="0" smtClean="0"/>
-              <a:t>– title &amp; content ratio</a:t>
+              <a:t>Method 3 Experiment</a:t>
             </a:r>
             <a:endParaRPr lang="zh-TW" altLang="en-US" dirty="0"/>
           </a:p>
@@ -11620,7 +9690,7 @@
           <a:p>
             <a:r>
               <a:rPr lang="zh-TW" altLang="en-US" dirty="0" smtClean="0"/>
-              <a:t>標題向量與內文關鍵字向量比例 </a:t>
+              <a:t>標題向量與話題關鍵字向量比例 </a:t>
             </a:r>
             <a:r>
               <a:rPr lang="en-US" altLang="zh-TW" dirty="0" smtClean="0"/>
@@ -11630,52 +9700,82 @@
           <a:p>
             <a:r>
               <a:rPr lang="zh-TW" altLang="en-US" dirty="0" smtClean="0"/>
-              <a:t>針對每一組不同比例，利用上個實驗結果得出的最佳</a:t>
+              <a:t>對五種組合作</a:t>
             </a:r>
             <a:r>
               <a:rPr lang="en-US" altLang="zh-TW" dirty="0" smtClean="0"/>
               <a:t>threshold</a:t>
             </a:r>
             <a:r>
-              <a:rPr lang="zh-TW" altLang="en-US" dirty="0" smtClean="0"/>
-              <a:t>來比較效果，發現</a:t>
-            </a:r>
-            <a:r>
-              <a:rPr lang="en-US" altLang="zh-TW" dirty="0" smtClean="0"/>
-              <a:t>8:2</a:t>
-            </a:r>
-            <a:r>
-              <a:rPr lang="zh-TW" altLang="en-US" dirty="0" smtClean="0"/>
-              <a:t>比例效果最好</a:t>
-            </a:r>
+              <a:rPr lang="zh-TW" altLang="en-US" dirty="0"/>
+              <a:t>實驗</a:t>
+            </a:r>
+            <a:r>
+              <a:rPr lang="zh-TW" altLang="en-US" dirty="0" smtClean="0"/>
+              <a:t>，</a:t>
+            </a:r>
+            <a:r>
+              <a:rPr lang="zh-TW" altLang="en-US" dirty="0"/>
+              <a:t>發現無論是哪一種組合</a:t>
+            </a:r>
+            <a:r>
+              <a:rPr lang="en-US" altLang="zh-TW" dirty="0"/>
+              <a:t>threshold</a:t>
+            </a:r>
+            <a:r>
+              <a:rPr lang="zh-TW" altLang="en-US" dirty="0"/>
+              <a:t>約在</a:t>
+            </a:r>
+            <a:r>
+              <a:rPr lang="en-US" altLang="zh-TW" dirty="0" smtClean="0"/>
+              <a:t>0.6</a:t>
+            </a:r>
+            <a:r>
+              <a:rPr lang="zh-TW" altLang="en-US" dirty="0" smtClean="0"/>
+              <a:t>之後收斂</a:t>
+            </a:r>
+            <a:r>
+              <a:rPr lang="zh-TW" altLang="en-US" dirty="0"/>
+              <a:t>到極大值</a:t>
+            </a:r>
+            <a:endParaRPr lang="en-US" altLang="zh-TW" dirty="0"/>
+          </a:p>
+          <a:p>
+            <a:r>
+              <a:rPr lang="en-US" altLang="zh-TW" dirty="0" smtClean="0"/>
+              <a:t>(</a:t>
+            </a:r>
+            <a:r>
+              <a:rPr lang="zh-TW" altLang="en-US" dirty="0"/>
+              <a:t>待補五張圖表</a:t>
+            </a:r>
+            <a:r>
+              <a:rPr lang="en-US" altLang="zh-TW" dirty="0"/>
+              <a:t>)</a:t>
+            </a:r>
+          </a:p>
+          <a:p>
             <a:endParaRPr lang="en-US" altLang="zh-TW" dirty="0" smtClean="0"/>
-          </a:p>
-          <a:p>
-            <a:r>
-              <a:rPr lang="en-US" altLang="zh-TW" dirty="0" smtClean="0"/>
-              <a:t>(</a:t>
-            </a:r>
-            <a:r>
-              <a:rPr lang="zh-TW" altLang="en-US" dirty="0" smtClean="0"/>
-              <a:t>待補一張圖表</a:t>
-            </a:r>
-            <a:r>
-              <a:rPr lang="en-US" altLang="zh-TW" dirty="0" smtClean="0"/>
-              <a:t>)</a:t>
-            </a:r>
           </a:p>
         </p:txBody>
       </p:sp>
     </p:spTree>
     <p:extLst>
       <p:ext uri="{BB962C8B-B14F-4D97-AF65-F5344CB8AC3E}">
-        <p14:creationId xmlns:p14="http://schemas.microsoft.com/office/powerpoint/2010/main" val="3360751971"/>
+        <p14:creationId xmlns:p14="http://schemas.microsoft.com/office/powerpoint/2010/main" val="3709447766"/>
       </p:ext>
     </p:extLst>
   </p:cSld>
   <p:clrMapOvr>
     <a:masterClrMapping/>
   </p:clrMapOvr>
+  <p:timing>
+    <p:tnLst>
+      <p:par>
+        <p:cTn id="1" dur="indefinite" restart="never" nodeType="tmRoot"/>
+      </p:par>
+    </p:tnLst>
+  </p:timing>
 </p:sld>
 </file>
 
@@ -11715,6 +9815,14 @@
               <a:rPr lang="en-US" altLang="zh-TW" dirty="0" smtClean="0"/>
               <a:t>Method 3 Experiment</a:t>
             </a:r>
+            <a:r>
+              <a:rPr lang="zh-TW" altLang="en-US" dirty="0" smtClean="0"/>
+              <a:t> </a:t>
+            </a:r>
+            <a:r>
+              <a:rPr lang="en-US" altLang="zh-TW" dirty="0" smtClean="0"/>
+              <a:t>– title &amp; content ratio</a:t>
+            </a:r>
             <a:endParaRPr lang="zh-TW" altLang="en-US" dirty="0"/>
           </a:p>
         </p:txBody>
@@ -11736,7 +9844,15 @@
           <a:p>
             <a:r>
               <a:rPr lang="zh-TW" altLang="en-US" dirty="0" smtClean="0"/>
-              <a:t>標題向量與話題關鍵字向量比例 </a:t>
+              <a:t>標題向量與</a:t>
+            </a:r>
+            <a:r>
+              <a:rPr lang="zh-TW" altLang="en-US" dirty="0"/>
+              <a:t>話題</a:t>
+            </a:r>
+            <a:r>
+              <a:rPr lang="zh-TW" altLang="en-US" dirty="0" smtClean="0"/>
+              <a:t>關鍵字向量比例 </a:t>
             </a:r>
             <a:r>
               <a:rPr lang="en-US" altLang="zh-TW" dirty="0" smtClean="0"/>
@@ -11746,75 +9862,66 @@
           <a:p>
             <a:r>
               <a:rPr lang="zh-TW" altLang="en-US" dirty="0" smtClean="0"/>
-              <a:t>對五種組合作</a:t>
+              <a:t>針對每一組不同比例，利用上個實驗結果得出的最佳</a:t>
             </a:r>
             <a:r>
               <a:rPr lang="en-US" altLang="zh-TW" dirty="0" smtClean="0"/>
               <a:t>threshold</a:t>
             </a:r>
             <a:r>
-              <a:rPr lang="zh-TW" altLang="en-US" dirty="0"/>
-              <a:t>實驗</a:t>
-            </a:r>
-            <a:r>
-              <a:rPr lang="zh-TW" altLang="en-US" dirty="0" smtClean="0"/>
-              <a:t>，</a:t>
-            </a:r>
-            <a:r>
-              <a:rPr lang="zh-TW" altLang="en-US" dirty="0"/>
-              <a:t>發現無論是哪一種組合</a:t>
-            </a:r>
-            <a:r>
-              <a:rPr lang="en-US" altLang="zh-TW" dirty="0"/>
-              <a:t>threshold</a:t>
-            </a:r>
-            <a:r>
-              <a:rPr lang="zh-TW" altLang="en-US" dirty="0"/>
-              <a:t>約在</a:t>
-            </a:r>
-            <a:r>
-              <a:rPr lang="en-US" altLang="zh-TW" dirty="0" smtClean="0"/>
-              <a:t>0.6</a:t>
-            </a:r>
-            <a:r>
-              <a:rPr lang="zh-TW" altLang="en-US" dirty="0" smtClean="0"/>
-              <a:t>之後收斂</a:t>
-            </a:r>
-            <a:r>
-              <a:rPr lang="zh-TW" altLang="en-US" dirty="0"/>
-              <a:t>到極大值</a:t>
-            </a:r>
-            <a:endParaRPr lang="en-US" altLang="zh-TW" dirty="0"/>
-          </a:p>
-          <a:p>
+              <a:rPr lang="zh-TW" altLang="en-US" dirty="0" smtClean="0"/>
+              <a:t>來比較效果，五種比例組合效果均相同</a:t>
+            </a:r>
             <a:r>
               <a:rPr lang="en-US" altLang="zh-TW" dirty="0" smtClean="0"/>
               <a:t>(</a:t>
             </a:r>
             <a:r>
-              <a:rPr lang="zh-TW" altLang="en-US" dirty="0"/>
-              <a:t>待補五張圖表</a:t>
-            </a:r>
-            <a:r>
-              <a:rPr lang="en-US" altLang="zh-TW" dirty="0"/>
+              <a:rPr lang="zh-TW" altLang="en-US" dirty="0" smtClean="0"/>
+              <a:t>需再探討原因</a:t>
+            </a:r>
+            <a:r>
+              <a:rPr lang="en-US" altLang="zh-TW" dirty="0" smtClean="0"/>
               <a:t>)</a:t>
             </a:r>
           </a:p>
           <a:p>
-            <a:endParaRPr lang="en-US" altLang="zh-TW" dirty="0" smtClean="0"/>
+            <a:r>
+              <a:rPr lang="zh-TW" altLang="en-US" dirty="0" smtClean="0"/>
+              <a:t> </a:t>
+            </a:r>
+            <a:r>
+              <a:rPr lang="en-US" altLang="zh-TW" dirty="0" smtClean="0"/>
+              <a:t>(</a:t>
+            </a:r>
+            <a:r>
+              <a:rPr lang="zh-TW" altLang="en-US" dirty="0" smtClean="0"/>
+              <a:t>待補一張圖表</a:t>
+            </a:r>
+            <a:r>
+              <a:rPr lang="en-US" altLang="zh-TW" dirty="0" smtClean="0"/>
+              <a:t>)</a:t>
+            </a:r>
           </a:p>
         </p:txBody>
       </p:sp>
     </p:spTree>
     <p:extLst>
       <p:ext uri="{BB962C8B-B14F-4D97-AF65-F5344CB8AC3E}">
-        <p14:creationId xmlns:p14="http://schemas.microsoft.com/office/powerpoint/2010/main" val="3709447766"/>
+        <p14:creationId xmlns:p14="http://schemas.microsoft.com/office/powerpoint/2010/main" val="49806570"/>
       </p:ext>
     </p:extLst>
   </p:cSld>
   <p:clrMapOvr>
     <a:masterClrMapping/>
   </p:clrMapOvr>
+  <p:timing>
+    <p:tnLst>
+      <p:par>
+        <p:cTn id="1" dur="indefinite" restart="never" nodeType="tmRoot"/>
+      </p:par>
+    </p:tnLst>
+  </p:timing>
 </p:sld>
 </file>
 
@@ -11851,16 +9958,12 @@
           <a:lstStyle/>
           <a:p>
             <a:r>
-              <a:rPr lang="en-US" altLang="zh-TW" dirty="0" smtClean="0"/>
-              <a:t>Method 3 Experiment</a:t>
-            </a:r>
-            <a:r>
-              <a:rPr lang="zh-TW" altLang="en-US" dirty="0" smtClean="0"/>
-              <a:t> </a:t>
-            </a:r>
-            <a:r>
-              <a:rPr lang="en-US" altLang="zh-TW" dirty="0" smtClean="0"/>
-              <a:t>– title &amp; content ratio</a:t>
+              <a:rPr lang="en-US" altLang="zh-TW" dirty="0"/>
+              <a:t>Clustering </a:t>
+            </a:r>
+            <a:r>
+              <a:rPr lang="en-US" altLang="zh-TW" dirty="0" smtClean="0"/>
+              <a:t>Validation-Method 1-3</a:t>
             </a:r>
             <a:endParaRPr lang="zh-TW" altLang="en-US" dirty="0"/>
           </a:p>
@@ -11883,77 +9986,36 @@
           <a:p>
             <a:r>
               <a:rPr lang="zh-TW" altLang="en-US" dirty="0" smtClean="0"/>
-              <a:t>標題向量與</a:t>
-            </a:r>
-            <a:r>
-              <a:rPr lang="zh-TW" altLang="en-US" dirty="0"/>
-              <a:t>話題</a:t>
-            </a:r>
-            <a:r>
-              <a:rPr lang="zh-TW" altLang="en-US" dirty="0" smtClean="0"/>
-              <a:t>關鍵字向量比例 </a:t>
-            </a:r>
-            <a:r>
-              <a:rPr lang="en-US" altLang="zh-TW" dirty="0" smtClean="0"/>
-              <a:t>9:1 , 8:2, 7:3, 6:4, 5:5</a:t>
-            </a:r>
-          </a:p>
-          <a:p>
-            <a:r>
-              <a:rPr lang="zh-TW" altLang="en-US" dirty="0" smtClean="0"/>
-              <a:t>針對每一組不同比例，利用上個實驗結果得出的最佳</a:t>
-            </a:r>
-            <a:r>
-              <a:rPr lang="en-US" altLang="zh-TW" dirty="0" smtClean="0"/>
-              <a:t>threshold</a:t>
-            </a:r>
-            <a:r>
-              <a:rPr lang="zh-TW" altLang="en-US" dirty="0" smtClean="0"/>
-              <a:t>來比較效果，五種比例組合效果均相同</a:t>
-            </a:r>
-            <a:r>
-              <a:rPr lang="en-US" altLang="zh-TW" dirty="0" smtClean="0"/>
-              <a:t>(</a:t>
-            </a:r>
-            <a:r>
-              <a:rPr lang="zh-TW" altLang="en-US" dirty="0" smtClean="0"/>
-              <a:t>需再探討原因</a:t>
-            </a:r>
-            <a:r>
-              <a:rPr lang="en-US" altLang="zh-TW" dirty="0" smtClean="0"/>
-              <a:t>)</a:t>
-            </a:r>
-          </a:p>
-          <a:p>
-            <a:r>
-              <a:rPr lang="zh-TW" altLang="en-US" dirty="0" smtClean="0"/>
-              <a:t> </a:t>
-            </a:r>
-            <a:r>
-              <a:rPr lang="en-US" altLang="zh-TW" dirty="0" smtClean="0"/>
-              <a:t>(</a:t>
-            </a:r>
-            <a:r>
-              <a:rPr lang="zh-TW" altLang="en-US" dirty="0" smtClean="0"/>
-              <a:t>待補一張圖表</a:t>
-            </a:r>
-            <a:r>
-              <a:rPr lang="en-US" altLang="zh-TW" dirty="0" smtClean="0"/>
-              <a:t>)</a:t>
-            </a:r>
+              <a:t>利用先前實驗得出各方法的最佳參數，去比較各方法的分群效果</a:t>
+            </a:r>
+            <a:endParaRPr lang="en-US" altLang="zh-TW" dirty="0" smtClean="0"/>
+          </a:p>
+          <a:p>
+            <a:r>
+              <a:rPr lang="zh-TW" altLang="en-US" dirty="0" smtClean="0"/>
+              <a:t>尚未實作完畢</a:t>
+            </a:r>
+            <a:endParaRPr lang="en-US" altLang="zh-TW" dirty="0" smtClean="0"/>
           </a:p>
         </p:txBody>
       </p:sp>
     </p:spTree>
     <p:extLst>
       <p:ext uri="{BB962C8B-B14F-4D97-AF65-F5344CB8AC3E}">
-        <p14:creationId xmlns:p14="http://schemas.microsoft.com/office/powerpoint/2010/main" val="49806570"/>
+        <p14:creationId xmlns:p14="http://schemas.microsoft.com/office/powerpoint/2010/main" val="2724307453"/>
       </p:ext>
     </p:extLst>
   </p:cSld>
   <p:clrMapOvr>
     <a:masterClrMapping/>
   </p:clrMapOvr>
+  <p:timing>
+    <p:tnLst>
+      <p:par>
+        <p:cTn id="1" dur="indefinite" restart="never" nodeType="tmRoot"/>
+      </p:par>
+    </p:tnLst>
+  </p:timing>
 </p:sld>
 </file>
 
@@ -11991,11 +10053,15 @@
           <a:p>
             <a:r>
               <a:rPr lang="en-US" altLang="zh-TW" dirty="0"/>
-              <a:t>Clustering </a:t>
-            </a:r>
-            <a:r>
-              <a:rPr lang="en-US" altLang="zh-TW" dirty="0" smtClean="0"/>
-              <a:t>Validation-Method 1-3</a:t>
+              <a:t>Clustering Validation – using </a:t>
+            </a:r>
+            <a:r>
+              <a:rPr lang="en-US" altLang="zh-TW" dirty="0" smtClean="0"/>
+              <a:t>External </a:t>
+            </a:r>
+            <a:r>
+              <a:rPr lang="en-US" altLang="zh-TW" b="1" dirty="0"/>
+              <a:t>Index</a:t>
             </a:r>
             <a:endParaRPr lang="zh-TW" altLang="en-US" dirty="0"/>
           </a:p>
@@ -12017,30 +10083,48 @@
           <a:lstStyle/>
           <a:p>
             <a:r>
-              <a:rPr lang="zh-TW" altLang="en-US" dirty="0" smtClean="0"/>
-              <a:t>利用先前實驗得出各方法的最佳參數，去比較各方法的分群效果</a:t>
-            </a:r>
-            <a:endParaRPr lang="en-US" altLang="zh-TW" dirty="0" smtClean="0"/>
-          </a:p>
-          <a:p>
-            <a:r>
-              <a:rPr lang="zh-TW" altLang="en-US" dirty="0" smtClean="0"/>
-              <a:t>尚未實作完畢</a:t>
-            </a:r>
-            <a:endParaRPr lang="en-US" altLang="zh-TW" dirty="0" smtClean="0"/>
+              <a:rPr lang="zh-TW" altLang="en-US" dirty="0"/>
+              <a:t>未實</a:t>
+            </a:r>
+            <a:r>
+              <a:rPr lang="zh-TW" altLang="en-US" dirty="0" smtClean="0"/>
+              <a:t>作</a:t>
+            </a:r>
+            <a:r>
+              <a:rPr lang="en-US" altLang="zh-TW" dirty="0"/>
+              <a:t>(</a:t>
+            </a:r>
+            <a:r>
+              <a:rPr lang="zh-TW" altLang="en-US" dirty="0" smtClean="0"/>
+              <a:t>困難度較高</a:t>
+            </a:r>
+            <a:r>
+              <a:rPr lang="en-US" altLang="zh-TW" dirty="0" smtClean="0"/>
+              <a:t>)</a:t>
+            </a:r>
+          </a:p>
+          <a:p>
+            <a:endParaRPr lang="zh-TW" altLang="en-US" dirty="0"/>
           </a:p>
         </p:txBody>
       </p:sp>
     </p:spTree>
     <p:extLst>
       <p:ext uri="{BB962C8B-B14F-4D97-AF65-F5344CB8AC3E}">
-        <p14:creationId xmlns:p14="http://schemas.microsoft.com/office/powerpoint/2010/main" val="2724307453"/>
+        <p14:creationId xmlns:p14="http://schemas.microsoft.com/office/powerpoint/2010/main" val="3762315040"/>
       </p:ext>
     </p:extLst>
   </p:cSld>
   <p:clrMapOvr>
     <a:masterClrMapping/>
   </p:clrMapOvr>
+  <p:timing>
+    <p:tnLst>
+      <p:par>
+        <p:cTn id="1" dur="indefinite" restart="never" nodeType="tmRoot"/>
+      </p:par>
+    </p:tnLst>
+  </p:timing>
 </p:sld>
 </file>
 
@@ -12181,16 +10265,8 @@
           <a:lstStyle/>
           <a:p>
             <a:r>
-              <a:rPr lang="en-US" altLang="zh-TW" dirty="0"/>
-              <a:t>Clustering Validation – using </a:t>
-            </a:r>
-            <a:r>
-              <a:rPr lang="en-US" altLang="zh-TW" dirty="0" smtClean="0"/>
-              <a:t>External </a:t>
-            </a:r>
-            <a:r>
-              <a:rPr lang="en-US" altLang="zh-TW" b="1" dirty="0"/>
-              <a:t>Index</a:t>
+              <a:rPr lang="en-US" altLang="zh-TW" dirty="0" smtClean="0"/>
+              <a:t>Word2Vec argument Experiment</a:t>
             </a:r>
             <a:endParaRPr lang="zh-TW" altLang="en-US" dirty="0"/>
           </a:p>
@@ -12212,27 +10288,81 @@
           <a:lstStyle/>
           <a:p>
             <a:r>
-              <a:rPr lang="zh-TW" altLang="en-US" dirty="0"/>
-              <a:t>未實</a:t>
-            </a:r>
-            <a:r>
-              <a:rPr lang="zh-TW" altLang="en-US" dirty="0" smtClean="0"/>
-              <a:t>作</a:t>
-            </a:r>
-            <a:r>
-              <a:rPr lang="en-US" altLang="zh-TW" dirty="0"/>
-              <a:t>(</a:t>
-            </a:r>
-            <a:r>
-              <a:rPr lang="zh-TW" altLang="en-US" dirty="0" smtClean="0"/>
-              <a:t>困難度較高</a:t>
-            </a:r>
-            <a:r>
-              <a:rPr lang="en-US" altLang="zh-TW" dirty="0" smtClean="0"/>
-              <a:t>)</a:t>
-            </a:r>
-          </a:p>
-          <a:p>
+              <a:rPr lang="en-US" altLang="zh-TW" dirty="0" smtClean="0"/>
+              <a:t>Algorithm : CBOW or Skip-Gram</a:t>
+            </a:r>
+          </a:p>
+          <a:p>
+            <a:r>
+              <a:rPr lang="en-US" altLang="zh-TW" dirty="0" err="1" smtClean="0"/>
+              <a:t>VectorSize</a:t>
+            </a:r>
+            <a:r>
+              <a:rPr lang="en-US" altLang="zh-TW" dirty="0" smtClean="0"/>
+              <a:t>: 100, 200, 300</a:t>
+            </a:r>
+          </a:p>
+          <a:p>
+            <a:r>
+              <a:rPr lang="en-US" altLang="zh-TW" dirty="0" err="1" smtClean="0"/>
+              <a:t>MinCount</a:t>
+            </a:r>
+            <a:r>
+              <a:rPr lang="en-US" altLang="zh-TW" dirty="0" smtClean="0"/>
+              <a:t> : 1, 3, 5</a:t>
+            </a:r>
+          </a:p>
+          <a:p>
+            <a:r>
+              <a:rPr lang="zh-TW" altLang="en-US" dirty="0" smtClean="0"/>
+              <a:t>訓練不同參數組合的</a:t>
+            </a:r>
+            <a:r>
+              <a:rPr lang="en-US" altLang="zh-TW" dirty="0" smtClean="0"/>
+              <a:t>model</a:t>
+            </a:r>
+            <a:r>
+              <a:rPr lang="zh-TW" altLang="en-US" dirty="0" smtClean="0"/>
+              <a:t>，並以分群方法一去驗證</a:t>
+            </a:r>
+            <a:r>
+              <a:rPr lang="en-US" altLang="zh-TW" dirty="0" smtClean="0"/>
+              <a:t>model</a:t>
+            </a:r>
+            <a:r>
+              <a:rPr lang="zh-TW" altLang="en-US" dirty="0" smtClean="0"/>
+              <a:t>效果</a:t>
+            </a:r>
+            <a:endParaRPr lang="en-US" altLang="zh-TW" dirty="0" smtClean="0"/>
+          </a:p>
+          <a:p>
+            <a:r>
+              <a:rPr lang="zh-TW" altLang="en-US" dirty="0" smtClean="0"/>
+              <a:t>發現</a:t>
+            </a:r>
+            <a:r>
+              <a:rPr lang="en-US" altLang="zh-TW" dirty="0" smtClean="0"/>
+              <a:t>Skip-Gram, vector size 300, min count 3</a:t>
+            </a:r>
+            <a:r>
+              <a:rPr lang="zh-TW" altLang="en-US" dirty="0" smtClean="0"/>
+              <a:t>的</a:t>
+            </a:r>
+            <a:r>
+              <a:rPr lang="en-US" altLang="zh-TW" dirty="0" smtClean="0"/>
+              <a:t>model</a:t>
+            </a:r>
+            <a:r>
+              <a:rPr lang="zh-TW" altLang="en-US" dirty="0" smtClean="0"/>
+              <a:t>效果會最好</a:t>
+            </a:r>
+            <a:endParaRPr lang="en-US" altLang="zh-TW" dirty="0" smtClean="0"/>
+          </a:p>
+          <a:p>
+            <a:r>
+              <a:rPr lang="zh-TW" altLang="en-US" dirty="0" smtClean="0"/>
+              <a:t>待補圖表</a:t>
+            </a:r>
             <a:endParaRPr lang="zh-TW" altLang="en-US" dirty="0"/>
           </a:p>
         </p:txBody>
@@ -12240,13 +10370,20 @@
     </p:spTree>
     <p:extLst>
       <p:ext uri="{BB962C8B-B14F-4D97-AF65-F5344CB8AC3E}">
-        <p14:creationId xmlns:p14="http://schemas.microsoft.com/office/powerpoint/2010/main" val="3762315040"/>
+        <p14:creationId xmlns:p14="http://schemas.microsoft.com/office/powerpoint/2010/main" val="3150129106"/>
       </p:ext>
     </p:extLst>
   </p:cSld>
   <p:clrMapOvr>
     <a:masterClrMapping/>
   </p:clrMapOvr>
+  <p:timing>
+    <p:tnLst>
+      <p:par>
+        <p:cTn id="1" dur="indefinite" restart="never" nodeType="tmRoot"/>
+      </p:par>
+    </p:tnLst>
+  </p:timing>
 </p:sld>
 </file>
 
@@ -12284,7 +10421,7 @@
           <a:p>
             <a:r>
               <a:rPr lang="en-US" altLang="zh-TW" dirty="0" smtClean="0"/>
-              <a:t>Word2Vec argument Experiment</a:t>
+              <a:t>Segmentation Experiment</a:t>
             </a:r>
             <a:endParaRPr lang="zh-TW" altLang="en-US" dirty="0"/>
           </a:p>
@@ -12306,95 +10443,44 @@
           <a:lstStyle/>
           <a:p>
             <a:r>
-              <a:rPr lang="en-US" altLang="zh-TW" dirty="0" smtClean="0"/>
-              <a:t>Algorithm : CBOW or Skip-Gram</a:t>
-            </a:r>
-          </a:p>
-          <a:p>
-            <a:r>
-              <a:rPr lang="en-US" altLang="zh-TW" dirty="0" err="1" smtClean="0"/>
-              <a:t>VectorSize</a:t>
-            </a:r>
-            <a:r>
-              <a:rPr lang="en-US" altLang="zh-TW" dirty="0" smtClean="0"/>
-              <a:t>: 100, 200, 300</a:t>
-            </a:r>
-          </a:p>
-          <a:p>
-            <a:r>
-              <a:rPr lang="en-US" altLang="zh-TW" dirty="0" err="1" smtClean="0"/>
-              <a:t>MinCount</a:t>
-            </a:r>
-            <a:r>
-              <a:rPr lang="en-US" altLang="zh-TW" dirty="0" smtClean="0"/>
-              <a:t> : 1, 3, 5</a:t>
-            </a:r>
-          </a:p>
-          <a:p>
-            <a:r>
-              <a:rPr lang="zh-TW" altLang="en-US" dirty="0" smtClean="0"/>
-              <a:t>訓練不同參數組合的</a:t>
-            </a:r>
-            <a:r>
-              <a:rPr lang="en-US" altLang="zh-TW" dirty="0" smtClean="0"/>
-              <a:t>model</a:t>
-            </a:r>
-            <a:r>
-              <a:rPr lang="zh-TW" altLang="en-US" dirty="0" smtClean="0"/>
-              <a:t>，並以分群方法一去驗證</a:t>
-            </a:r>
-            <a:r>
-              <a:rPr lang="en-US" altLang="zh-TW" dirty="0" smtClean="0"/>
-              <a:t>model</a:t>
-            </a:r>
-            <a:r>
-              <a:rPr lang="zh-TW" altLang="en-US" dirty="0" smtClean="0"/>
-              <a:t>效果</a:t>
+              <a:rPr lang="zh-TW" altLang="en-US" dirty="0" smtClean="0"/>
+              <a:t>未實作</a:t>
             </a:r>
             <a:endParaRPr lang="en-US" altLang="zh-TW" dirty="0" smtClean="0"/>
           </a:p>
           <a:p>
             <a:r>
               <a:rPr lang="zh-TW" altLang="en-US" dirty="0" smtClean="0"/>
-              <a:t>發現</a:t>
-            </a:r>
-            <a:r>
-              <a:rPr lang="en-US" altLang="zh-TW" dirty="0" smtClean="0"/>
-              <a:t>Skip-Gram, vector size 300, min count 3</a:t>
-            </a:r>
-            <a:r>
-              <a:rPr lang="zh-TW" altLang="en-US" dirty="0" smtClean="0"/>
-              <a:t>的</a:t>
-            </a:r>
-            <a:r>
-              <a:rPr lang="en-US" altLang="zh-TW" dirty="0" smtClean="0"/>
-              <a:t>model</a:t>
-            </a:r>
-            <a:r>
-              <a:rPr lang="zh-TW" altLang="en-US" dirty="0" smtClean="0"/>
-              <a:t>效果會最好</a:t>
+              <a:t>利用不同分詞工具去驗證分群效果</a:t>
             </a:r>
             <a:endParaRPr lang="en-US" altLang="zh-TW" dirty="0" smtClean="0"/>
           </a:p>
           <a:p>
             <a:r>
               <a:rPr lang="zh-TW" altLang="en-US" dirty="0" smtClean="0"/>
-              <a:t>待補圖表</a:t>
-            </a:r>
-            <a:endParaRPr lang="zh-TW" altLang="en-US" dirty="0"/>
+              <a:t>也許對於單純只以標題去分群的方法一來說，分詞好壞並不會影響整體效果太多</a:t>
+            </a:r>
+            <a:endParaRPr lang="en-US" altLang="zh-TW" dirty="0" smtClean="0"/>
           </a:p>
         </p:txBody>
       </p:sp>
     </p:spTree>
     <p:extLst>
       <p:ext uri="{BB962C8B-B14F-4D97-AF65-F5344CB8AC3E}">
-        <p14:creationId xmlns:p14="http://schemas.microsoft.com/office/powerpoint/2010/main" val="3150129106"/>
+        <p14:creationId xmlns:p14="http://schemas.microsoft.com/office/powerpoint/2010/main" val="1582632052"/>
       </p:ext>
     </p:extLst>
   </p:cSld>
   <p:clrMapOvr>
     <a:masterClrMapping/>
   </p:clrMapOvr>
+  <p:timing>
+    <p:tnLst>
+      <p:par>
+        <p:cTn id="1" dur="indefinite" restart="never" nodeType="tmRoot"/>
+      </p:par>
+    </p:tnLst>
+  </p:timing>
 </p:sld>
 </file>
 
@@ -12432,7 +10518,7 @@
           <a:p>
             <a:r>
               <a:rPr lang="en-US" altLang="zh-TW" dirty="0" smtClean="0"/>
-              <a:t>Segmentation Experiment</a:t>
+              <a:t>Keyword Extraction Experiment</a:t>
             </a:r>
             <a:endParaRPr lang="zh-TW" altLang="en-US" dirty="0"/>
           </a:p>
@@ -12462,29 +10548,66 @@
           <a:p>
             <a:r>
               <a:rPr lang="zh-TW" altLang="en-US" dirty="0" smtClean="0"/>
-              <a:t>利用不同分詞工具去驗證分群效果</a:t>
-            </a:r>
-            <a:endParaRPr lang="en-US" altLang="zh-TW" dirty="0" smtClean="0"/>
-          </a:p>
-          <a:p>
-            <a:r>
-              <a:rPr lang="zh-TW" altLang="en-US" dirty="0" smtClean="0"/>
-              <a:t>也許對於單純只以標題去分群的方法一來說，分詞好壞並不會影響整體效果太多</a:t>
-            </a:r>
-            <a:endParaRPr lang="en-US" altLang="zh-TW" dirty="0" smtClean="0"/>
+              <a:t>對於方法二及方法三，利用常見的</a:t>
+            </a:r>
+            <a:r>
+              <a:rPr lang="en-US" altLang="zh-TW" dirty="0" smtClean="0"/>
+              <a:t>Keyword Extraction</a:t>
+            </a:r>
+            <a:r>
+              <a:rPr lang="zh-TW" altLang="en-US" dirty="0" smtClean="0"/>
+              <a:t>的方法來比較效果</a:t>
+            </a:r>
+            <a:r>
+              <a:rPr lang="en-US" altLang="zh-TW" dirty="0" smtClean="0"/>
+              <a:t>(</a:t>
+            </a:r>
+            <a:r>
+              <a:rPr lang="en-US" altLang="zh-TW" dirty="0" err="1" smtClean="0"/>
+              <a:t>tf-idf</a:t>
+            </a:r>
+            <a:r>
+              <a:rPr lang="en-US" altLang="zh-TW" dirty="0" smtClean="0"/>
+              <a:t> based, text rank based, </a:t>
+            </a:r>
+            <a:r>
+              <a:rPr lang="en-US" altLang="zh-TW" dirty="0" err="1" smtClean="0"/>
+              <a:t>lda</a:t>
+            </a:r>
+            <a:r>
+              <a:rPr lang="en-US" altLang="zh-TW" dirty="0" smtClean="0"/>
+              <a:t>)</a:t>
+            </a:r>
+          </a:p>
+          <a:p>
+            <a:r>
+              <a:rPr lang="zh-TW" altLang="en-US" dirty="0" smtClean="0"/>
+              <a:t>對於各方法所擷取的關鍵字，該取幾個來計算關鍵字向量</a:t>
+            </a:r>
+            <a:r>
+              <a:rPr lang="en-US" altLang="zh-TW" dirty="0" smtClean="0"/>
+              <a:t>?</a:t>
+            </a:r>
           </a:p>
         </p:txBody>
       </p:sp>
     </p:spTree>
     <p:extLst>
       <p:ext uri="{BB962C8B-B14F-4D97-AF65-F5344CB8AC3E}">
-        <p14:creationId xmlns:p14="http://schemas.microsoft.com/office/powerpoint/2010/main" val="1582632052"/>
+        <p14:creationId xmlns:p14="http://schemas.microsoft.com/office/powerpoint/2010/main" val="1561290972"/>
       </p:ext>
     </p:extLst>
   </p:cSld>
   <p:clrMapOvr>
     <a:masterClrMapping/>
   </p:clrMapOvr>
+  <p:timing>
+    <p:tnLst>
+      <p:par>
+        <p:cTn id="1" dur="indefinite" restart="never" nodeType="tmRoot"/>
+      </p:par>
+    </p:tnLst>
+  </p:timing>
 </p:sld>
 </file>
 
@@ -12522,7 +10645,7 @@
           <a:p>
             <a:r>
               <a:rPr lang="en-US" altLang="zh-TW" dirty="0" smtClean="0"/>
-              <a:t>Keyword Extraction Experiment</a:t>
+              <a:t>Word2Vector Training data Period Experiment</a:t>
             </a:r>
             <a:endParaRPr lang="zh-TW" altLang="en-US" dirty="0"/>
           </a:p>
@@ -12544,67 +10667,103 @@
           <a:lstStyle/>
           <a:p>
             <a:r>
-              <a:rPr lang="zh-TW" altLang="en-US" dirty="0" smtClean="0"/>
-              <a:t>未實作</a:t>
+              <a:rPr lang="zh-TW" altLang="en-US" dirty="0"/>
+              <a:t>未實</a:t>
+            </a:r>
+            <a:r>
+              <a:rPr lang="zh-TW" altLang="en-US" dirty="0" smtClean="0"/>
+              <a:t>作</a:t>
             </a:r>
             <a:endParaRPr lang="en-US" altLang="zh-TW" dirty="0" smtClean="0"/>
           </a:p>
           <a:p>
             <a:r>
               <a:rPr lang="zh-TW" altLang="en-US" dirty="0" smtClean="0"/>
-              <a:t>對於方法二及方法三，利用常見的</a:t>
-            </a:r>
-            <a:r>
-              <a:rPr lang="en-US" altLang="zh-TW" dirty="0" smtClean="0"/>
-              <a:t>Keyword Extraction</a:t>
-            </a:r>
-            <a:r>
-              <a:rPr lang="zh-TW" altLang="en-US" dirty="0" smtClean="0"/>
-              <a:t>的方法來比較效果</a:t>
+              <a:t>目前</a:t>
+            </a:r>
+            <a:r>
+              <a:rPr lang="en-US" altLang="zh-TW" dirty="0" smtClean="0"/>
+              <a:t>word2vec model</a:t>
+            </a:r>
+            <a:r>
+              <a:rPr lang="zh-TW" altLang="en-US" dirty="0" smtClean="0"/>
+              <a:t>是以過往的大量資料訓練的，系統對於新詞處理上會有一些限制，也許能以欲分群資料</a:t>
             </a:r>
             <a:r>
               <a:rPr lang="en-US" altLang="zh-TW" dirty="0" smtClean="0"/>
               <a:t>(</a:t>
             </a:r>
             <a:r>
-              <a:rPr lang="en-US" altLang="zh-TW" dirty="0" err="1" smtClean="0"/>
-              <a:t>tf-idf</a:t>
-            </a:r>
-            <a:r>
-              <a:rPr lang="en-US" altLang="zh-TW" dirty="0" smtClean="0"/>
-              <a:t> based, text rank based, </a:t>
-            </a:r>
-            <a:r>
-              <a:rPr lang="en-US" altLang="zh-TW" dirty="0" err="1" smtClean="0"/>
-              <a:t>lda</a:t>
+              <a:rPr lang="zh-TW" altLang="en-US" dirty="0" smtClean="0"/>
+              <a:t>一天的資料量</a:t>
             </a:r>
             <a:r>
               <a:rPr lang="en-US" altLang="zh-TW" dirty="0" smtClean="0"/>
               <a:t>)</a:t>
             </a:r>
-          </a:p>
-          <a:p>
-            <a:r>
-              <a:rPr lang="zh-TW" altLang="en-US" dirty="0" smtClean="0"/>
-              <a:t>對於各方法所擷取的關鍵字，該取幾個來計算關鍵字向量</a:t>
-            </a:r>
-            <a:r>
-              <a:rPr lang="en-US" altLang="zh-TW" dirty="0" smtClean="0"/>
-              <a:t>?</a:t>
-            </a:r>
+            <a:r>
+              <a:rPr lang="zh-TW" altLang="en-US" dirty="0" smtClean="0"/>
+              <a:t>來訓練</a:t>
+            </a:r>
+            <a:r>
+              <a:rPr lang="en-US" altLang="zh-TW" dirty="0" smtClean="0"/>
+              <a:t>model</a:t>
+            </a:r>
+            <a:r>
+              <a:rPr lang="zh-TW" altLang="en-US" dirty="0" smtClean="0"/>
+              <a:t>，並比較效果差異</a:t>
+            </a:r>
+            <a:endParaRPr lang="en-US" altLang="zh-TW" dirty="0" smtClean="0"/>
+          </a:p>
+          <a:p>
+            <a:r>
+              <a:rPr lang="zh-TW" altLang="en-US" dirty="0" smtClean="0"/>
+              <a:t>可能性一</a:t>
+            </a:r>
+            <a:r>
+              <a:rPr lang="en-US" altLang="zh-TW" dirty="0" smtClean="0"/>
+              <a:t>:</a:t>
+            </a:r>
+            <a:r>
+              <a:rPr lang="zh-TW" altLang="en-US" dirty="0" smtClean="0"/>
+              <a:t>因為資料範圍變少，各詞彙差異度變大，有助於分群</a:t>
+            </a:r>
+            <a:endParaRPr lang="en-US" altLang="zh-TW" dirty="0" smtClean="0"/>
+          </a:p>
+          <a:p>
+            <a:r>
+              <a:rPr lang="zh-TW" altLang="en-US" dirty="0" smtClean="0"/>
+              <a:t>可能性二</a:t>
+            </a:r>
+            <a:r>
+              <a:rPr lang="en-US" altLang="zh-TW" dirty="0" smtClean="0"/>
+              <a:t>:</a:t>
+            </a:r>
+            <a:r>
+              <a:rPr lang="zh-TW" altLang="en-US" dirty="0" smtClean="0"/>
+              <a:t>訓練資料不足，即使較無新詞問題分群效果也不佳</a:t>
+            </a:r>
+            <a:endParaRPr lang="zh-TW" altLang="en-US" dirty="0"/>
           </a:p>
         </p:txBody>
       </p:sp>
     </p:spTree>
     <p:extLst>
       <p:ext uri="{BB962C8B-B14F-4D97-AF65-F5344CB8AC3E}">
-        <p14:creationId xmlns:p14="http://schemas.microsoft.com/office/powerpoint/2010/main" val="1561290972"/>
+        <p14:creationId xmlns:p14="http://schemas.microsoft.com/office/powerpoint/2010/main" val="4258296592"/>
       </p:ext>
     </p:extLst>
   </p:cSld>
   <p:clrMapOvr>
     <a:masterClrMapping/>
   </p:clrMapOvr>
+  <p:timing>
+    <p:tnLst>
+      <p:par>
+        <p:cTn id="1" dur="indefinite" restart="never" nodeType="tmRoot"/>
+      </p:par>
+    </p:tnLst>
+  </p:timing>
 </p:sld>
 </file>
 
@@ -12642,7 +10801,7 @@
           <a:p>
             <a:r>
               <a:rPr lang="en-US" altLang="zh-TW" dirty="0" smtClean="0"/>
-              <a:t>Word2Vector Training data Period Experiment</a:t>
+              <a:t>Hot Topic Detection Experiment</a:t>
             </a:r>
             <a:endParaRPr lang="zh-TW" altLang="en-US" dirty="0"/>
           </a:p>
@@ -12676,15 +10835,15 @@
           <a:p>
             <a:r>
               <a:rPr lang="zh-TW" altLang="en-US" dirty="0" smtClean="0"/>
-              <a:t>目前</a:t>
-            </a:r>
-            <a:r>
-              <a:rPr lang="en-US" altLang="zh-TW" dirty="0" smtClean="0"/>
-              <a:t>word2vec model</a:t>
-            </a:r>
-            <a:r>
-              <a:rPr lang="zh-TW" altLang="en-US" dirty="0" smtClean="0"/>
-              <a:t>是以過往的大量資料訓練的，系統對於新詞處理上會有一些限制，也許能以欲分群資料</a:t>
+              <a:t>以各方法所偵測到某一日期的前五大主題，去比對各大新聞頭條或</a:t>
+            </a:r>
+            <a:r>
+              <a:rPr lang="zh-TW" altLang="en-US" dirty="0"/>
+              <a:t>是</a:t>
+            </a:r>
+            <a:r>
+              <a:rPr lang="zh-TW" altLang="en-US" dirty="0" smtClean="0"/>
+              <a:t>人工挑選的熱門主題</a:t>
             </a:r>
             <a:r>
               <a:rPr lang="en-US" altLang="zh-TW" dirty="0" smtClean="0"/>
@@ -12692,68 +10851,44 @@
             </a:r>
             <a:r>
               <a:rPr lang="zh-TW" altLang="en-US" dirty="0" smtClean="0"/>
-              <a:t>一天的資料量</a:t>
+              <a:t>如</a:t>
+            </a:r>
+            <a:r>
+              <a:rPr lang="en-US" altLang="zh-TW" dirty="0" err="1" smtClean="0"/>
+              <a:t>DailyView</a:t>
+            </a:r>
+            <a:r>
+              <a:rPr lang="en-US" altLang="zh-TW" dirty="0" smtClean="0"/>
+              <a:t>, JPTT</a:t>
+            </a:r>
+            <a:r>
+              <a:rPr lang="zh-TW" altLang="en-US" dirty="0" smtClean="0"/>
+              <a:t>熱門話題</a:t>
             </a:r>
             <a:r>
               <a:rPr lang="en-US" altLang="zh-TW" dirty="0" smtClean="0"/>
               <a:t>)</a:t>
             </a:r>
-            <a:r>
-              <a:rPr lang="zh-TW" altLang="en-US" dirty="0" smtClean="0"/>
-              <a:t>來訓練</a:t>
-            </a:r>
-            <a:r>
-              <a:rPr lang="en-US" altLang="zh-TW" dirty="0" smtClean="0"/>
-              <a:t>model</a:t>
-            </a:r>
-            <a:r>
-              <a:rPr lang="zh-TW" altLang="en-US" dirty="0" smtClean="0"/>
-              <a:t>，並比較效果差異</a:t>
-            </a:r>
-            <a:endParaRPr lang="en-US" altLang="zh-TW" dirty="0" smtClean="0"/>
-          </a:p>
-          <a:p>
-            <a:r>
-              <a:rPr lang="zh-TW" altLang="en-US" dirty="0" smtClean="0"/>
-              <a:t>可能性一</a:t>
-            </a:r>
-            <a:r>
-              <a:rPr lang="en-US" altLang="zh-TW" dirty="0" smtClean="0"/>
-              <a:t>:</a:t>
-            </a:r>
-            <a:r>
-              <a:rPr lang="zh-TW" altLang="en-US" dirty="0" smtClean="0"/>
-              <a:t>因為資料範圍變少，各詞彙差異度變大，有助於分群</a:t>
-            </a:r>
-            <a:endParaRPr lang="en-US" altLang="zh-TW" dirty="0" smtClean="0"/>
-          </a:p>
-          <a:p>
-            <a:r>
-              <a:rPr lang="zh-TW" altLang="en-US" dirty="0" smtClean="0"/>
-              <a:t>可能性二</a:t>
-            </a:r>
-            <a:r>
-              <a:rPr lang="en-US" altLang="zh-TW" dirty="0" smtClean="0"/>
-              <a:t>:</a:t>
-            </a:r>
-            <a:r>
-              <a:rPr lang="zh-TW" altLang="en-US" dirty="0" smtClean="0"/>
-              <a:t>訓練資料不足，即使較無新詞問題分群效果也不佳</a:t>
-            </a:r>
-            <a:endParaRPr lang="zh-TW" altLang="en-US" dirty="0"/>
           </a:p>
         </p:txBody>
       </p:sp>
     </p:spTree>
     <p:extLst>
       <p:ext uri="{BB962C8B-B14F-4D97-AF65-F5344CB8AC3E}">
-        <p14:creationId xmlns:p14="http://schemas.microsoft.com/office/powerpoint/2010/main" val="4258296592"/>
+        <p14:creationId xmlns:p14="http://schemas.microsoft.com/office/powerpoint/2010/main" val="3283544473"/>
       </p:ext>
     </p:extLst>
   </p:cSld>
   <p:clrMapOvr>
     <a:masterClrMapping/>
   </p:clrMapOvr>
+  <p:timing>
+    <p:tnLst>
+      <p:par>
+        <p:cTn id="1" dur="indefinite" restart="never" nodeType="tmRoot"/>
+      </p:par>
+    </p:tnLst>
+  </p:timing>
 </p:sld>
 </file>
 
@@ -12790,8 +10925,8 @@
           <a:lstStyle/>
           <a:p>
             <a:r>
-              <a:rPr lang="en-US" altLang="zh-TW" dirty="0" smtClean="0"/>
-              <a:t>Hot Topic Detection Experiment</a:t>
+              <a:rPr lang="zh-TW" altLang="en-US" dirty="0" smtClean="0"/>
+              <a:t>目前遇到的困難</a:t>
             </a:r>
             <a:endParaRPr lang="zh-TW" altLang="en-US" dirty="0"/>
           </a:p>
@@ -12813,150 +10948,12 @@
           <a:lstStyle/>
           <a:p>
             <a:r>
-              <a:rPr lang="zh-TW" altLang="en-US" dirty="0"/>
-              <a:t>未實</a:t>
-            </a:r>
-            <a:r>
-              <a:rPr lang="zh-TW" altLang="en-US" dirty="0" smtClean="0"/>
-              <a:t>作</a:t>
-            </a:r>
-            <a:endParaRPr lang="en-US" altLang="zh-TW" dirty="0" smtClean="0"/>
-          </a:p>
-          <a:p>
-            <a:r>
-              <a:rPr lang="zh-TW" altLang="en-US" dirty="0" smtClean="0"/>
-              <a:t>以各方法所偵測到某一日期的前五大主題，去比對各大新聞</a:t>
-            </a:r>
-            <a:r>
-              <a:rPr lang="zh-TW" altLang="en-US" dirty="0" smtClean="0"/>
-              <a:t>頭條</a:t>
-            </a:r>
-            <a:r>
-              <a:rPr lang="zh-TW" altLang="en-US" dirty="0" smtClean="0"/>
-              <a:t>或</a:t>
-            </a:r>
-            <a:r>
-              <a:rPr lang="zh-TW" altLang="en-US" dirty="0"/>
-              <a:t>是</a:t>
-            </a:r>
-            <a:r>
-              <a:rPr lang="zh-TW" altLang="en-US" dirty="0" smtClean="0"/>
-              <a:t>人工</a:t>
-            </a:r>
-            <a:r>
-              <a:rPr lang="zh-TW" altLang="en-US" dirty="0" smtClean="0"/>
-              <a:t>挑選的熱門主題</a:t>
-            </a:r>
-            <a:r>
-              <a:rPr lang="en-US" altLang="zh-TW" dirty="0" smtClean="0"/>
-              <a:t>(</a:t>
-            </a:r>
-            <a:r>
-              <a:rPr lang="zh-TW" altLang="en-US" dirty="0" smtClean="0"/>
-              <a:t>如</a:t>
-            </a:r>
-            <a:r>
-              <a:rPr lang="en-US" altLang="zh-TW" dirty="0" err="1" smtClean="0"/>
-              <a:t>DailyView</a:t>
-            </a:r>
-            <a:r>
-              <a:rPr lang="en-US" altLang="zh-TW" dirty="0" smtClean="0"/>
-              <a:t>, JPTT</a:t>
-            </a:r>
-            <a:r>
-              <a:rPr lang="zh-TW" altLang="en-US" dirty="0" smtClean="0"/>
-              <a:t>熱門話題</a:t>
-            </a:r>
-            <a:r>
-              <a:rPr lang="en-US" altLang="zh-TW" dirty="0" smtClean="0"/>
-              <a:t>)</a:t>
-            </a:r>
-          </a:p>
-        </p:txBody>
-      </p:sp>
-    </p:spTree>
-    <p:extLst>
-      <p:ext uri="{BB962C8B-B14F-4D97-AF65-F5344CB8AC3E}">
-        <p14:creationId xmlns:p14="http://schemas.microsoft.com/office/powerpoint/2010/main" val="3283544473"/>
-      </p:ext>
-    </p:extLst>
-  </p:cSld>
-  <p:clrMapOvr>
-    <a:masterClrMapping/>
-  </p:clrMapOvr>
-</p:sld>
-</file>
-
-<file path=ppt/slides/slide36.xml><?xml version="1.0" encoding="utf-8"?>
-<p:sld xmlns:a="http://schemas.openxmlformats.org/drawingml/2006/main" xmlns:r="http://schemas.openxmlformats.org/officeDocument/2006/relationships" xmlns:p="http://schemas.openxmlformats.org/presentationml/2006/main">
-  <p:cSld>
-    <p:spTree>
-      <p:nvGrpSpPr>
-        <p:cNvPr id="1" name=""/>
-        <p:cNvGrpSpPr/>
-        <p:nvPr/>
-      </p:nvGrpSpPr>
-      <p:grpSpPr>
-        <a:xfrm>
-          <a:off x="0" y="0"/>
-          <a:ext cx="0" cy="0"/>
-          <a:chOff x="0" y="0"/>
-          <a:chExt cx="0" cy="0"/>
-        </a:xfrm>
-      </p:grpSpPr>
-      <p:sp>
-        <p:nvSpPr>
-          <p:cNvPr id="2" name="標題 1"/>
-          <p:cNvSpPr>
-            <a:spLocks noGrp="1"/>
-          </p:cNvSpPr>
-          <p:nvPr>
-            <p:ph type="title"/>
-          </p:nvPr>
-        </p:nvSpPr>
-        <p:spPr/>
-        <p:txBody>
-          <a:bodyPr/>
-          <a:lstStyle/>
-          <a:p>
-            <a:r>
-              <a:rPr lang="zh-TW" altLang="en-US" dirty="0" smtClean="0"/>
-              <a:t>目前遇到的</a:t>
-            </a:r>
-            <a:r>
-              <a:rPr lang="zh-TW" altLang="en-US" dirty="0" smtClean="0"/>
-              <a:t>困難</a:t>
-            </a:r>
-            <a:endParaRPr lang="zh-TW" altLang="en-US" dirty="0"/>
-          </a:p>
-        </p:txBody>
-      </p:sp>
-      <p:sp>
-        <p:nvSpPr>
-          <p:cNvPr id="3" name="內容版面配置區 2"/>
-          <p:cNvSpPr>
-            <a:spLocks noGrp="1"/>
-          </p:cNvSpPr>
-          <p:nvPr>
-            <p:ph idx="1"/>
-          </p:nvPr>
-        </p:nvSpPr>
-        <p:spPr/>
-        <p:txBody>
-          <a:bodyPr/>
-          <a:lstStyle/>
-          <a:p>
-            <a:r>
               <a:rPr lang="en-US" altLang="zh-TW" dirty="0" smtClean="0"/>
               <a:t>Internal validation Index </a:t>
             </a:r>
             <a:r>
               <a:rPr lang="zh-TW" altLang="en-US" dirty="0" smtClean="0"/>
-              <a:t>會有測試資料不足以代表真實性的</a:t>
-            </a:r>
-            <a:r>
-              <a:rPr lang="zh-TW" altLang="en-US" dirty="0" smtClean="0"/>
-              <a:t>可能性，</a:t>
+              <a:t>會有測試資料不足以代表真實性的可能性，</a:t>
             </a:r>
             <a:r>
               <a:rPr lang="zh-TW" altLang="en-US" dirty="0"/>
@@ -13029,7 +11026,6 @@
               <a:rPr lang="en-US" altLang="zh-TW" dirty="0" smtClean="0"/>
               <a:t>?)</a:t>
             </a:r>
-            <a:endParaRPr lang="en-US" altLang="zh-TW" dirty="0" smtClean="0"/>
           </a:p>
           <a:p>
             <a:endParaRPr lang="en-US" altLang="zh-TW" dirty="0" smtClean="0"/>
@@ -13046,10 +11042,17 @@
   <p:clrMapOvr>
     <a:masterClrMapping/>
   </p:clrMapOvr>
+  <p:timing>
+    <p:tnLst>
+      <p:par>
+        <p:cTn id="1" dur="indefinite" restart="never" nodeType="tmRoot"/>
+      </p:par>
+    </p:tnLst>
+  </p:timing>
 </p:sld>
 </file>
 
-<file path=ppt/slides/slide37.xml><?xml version="1.0" encoding="utf-8"?>
+<file path=ppt/slides/slide36.xml><?xml version="1.0" encoding="utf-8"?>
 <p:sld xmlns:a="http://schemas.openxmlformats.org/drawingml/2006/main" xmlns:r="http://schemas.openxmlformats.org/officeDocument/2006/relationships" xmlns:p="http://schemas.openxmlformats.org/presentationml/2006/main">
   <p:cSld>
     <p:spTree>
@@ -13161,664 +11164,35 @@
           </a:p>
         </p:txBody>
       </p:sp>
-      <p:sp>
-        <p:nvSpPr>
-          <p:cNvPr id="3" name="內容版面配置區 2"/>
-          <p:cNvSpPr>
-            <a:spLocks noGrp="1"/>
-          </p:cNvSpPr>
+      <p:pic>
+        <p:nvPicPr>
+          <p:cNvPr id="18" name="內容版面配置區 17"/>
+          <p:cNvPicPr>
+            <a:picLocks noGrp="1" noChangeAspect="1"/>
+          </p:cNvPicPr>
           <p:nvPr>
             <p:ph idx="1"/>
           </p:nvPr>
-        </p:nvSpPr>
-        <p:spPr/>
-        <p:txBody>
-          <a:bodyPr/>
-          <a:lstStyle/>
-          <a:p>
-            <a:endParaRPr lang="zh-TW" altLang="en-US" dirty="0"/>
-          </a:p>
-        </p:txBody>
-      </p:sp>
-      <p:sp>
-        <p:nvSpPr>
-          <p:cNvPr id="50" name="圓角矩形 49"/>
-          <p:cNvSpPr/>
-          <p:nvPr/>
-        </p:nvSpPr>
+        </p:nvPicPr>
+        <p:blipFill>
+          <a:blip r:embed="rId2">
+            <a:extLst>
+              <a:ext uri="{28A0092B-C50C-407E-A947-70E740481C1C}">
+                <a14:useLocalDpi xmlns:a14="http://schemas.microsoft.com/office/drawing/2010/main" val="0"/>
+              </a:ext>
+            </a:extLst>
+          </a:blip>
+          <a:stretch>
+            <a:fillRect/>
+          </a:stretch>
+        </p:blipFill>
         <p:spPr>
           <a:xfrm>
-            <a:off x="627487" y="2084243"/>
-            <a:ext cx="4299875" cy="1845218"/>
+            <a:off x="838200" y="2924305"/>
+            <a:ext cx="10515600" cy="2153977"/>
           </a:xfrm>
-          <a:prstGeom prst="roundRect">
-            <a:avLst/>
-          </a:prstGeom>
         </p:spPr>
-        <p:style>
-          <a:lnRef idx="2">
-            <a:schemeClr val="accent3"/>
-          </a:lnRef>
-          <a:fillRef idx="1">
-            <a:schemeClr val="lt1"/>
-          </a:fillRef>
-          <a:effectRef idx="0">
-            <a:schemeClr val="accent3"/>
-          </a:effectRef>
-          <a:fontRef idx="minor">
-            <a:schemeClr val="dk1"/>
-          </a:fontRef>
-        </p:style>
-        <p:txBody>
-          <a:bodyPr rtlCol="0" anchor="ctr"/>
-          <a:lstStyle/>
-          <a:p>
-            <a:pPr algn="ctr"/>
-            <a:r>
-              <a:rPr lang="en-US" altLang="zh-TW" dirty="0" smtClean="0"/>
-              <a:t>Train Part</a:t>
-            </a:r>
-          </a:p>
-          <a:p>
-            <a:pPr algn="ctr"/>
-            <a:endParaRPr lang="en-US" altLang="zh-TW" dirty="0" smtClean="0"/>
-          </a:p>
-          <a:p>
-            <a:pPr algn="ctr"/>
-            <a:endParaRPr lang="en-US" altLang="zh-TW" dirty="0" smtClean="0"/>
-          </a:p>
-          <a:p>
-            <a:pPr algn="ctr"/>
-            <a:endParaRPr lang="en-US" altLang="zh-TW" dirty="0"/>
-          </a:p>
-          <a:p>
-            <a:pPr algn="ctr"/>
-            <a:endParaRPr lang="en-US" altLang="zh-TW" dirty="0" smtClean="0"/>
-          </a:p>
-          <a:p>
-            <a:pPr algn="ctr"/>
-            <a:endParaRPr lang="zh-TW" altLang="en-US" dirty="0"/>
-          </a:p>
-        </p:txBody>
-      </p:sp>
-      <p:sp>
-        <p:nvSpPr>
-          <p:cNvPr id="6" name="矩形 5"/>
-          <p:cNvSpPr/>
-          <p:nvPr/>
-        </p:nvSpPr>
-        <p:spPr>
-          <a:xfrm>
-            <a:off x="838199" y="4222390"/>
-            <a:ext cx="1691014" cy="1139869"/>
-          </a:xfrm>
-          <a:prstGeom prst="rect">
-            <a:avLst/>
-          </a:prstGeom>
-        </p:spPr>
-        <p:style>
-          <a:lnRef idx="2">
-            <a:schemeClr val="accent1">
-              <a:shade val="50000"/>
-            </a:schemeClr>
-          </a:lnRef>
-          <a:fillRef idx="1">
-            <a:schemeClr val="accent1"/>
-          </a:fillRef>
-          <a:effectRef idx="0">
-            <a:schemeClr val="accent1"/>
-          </a:effectRef>
-          <a:fontRef idx="minor">
-            <a:schemeClr val="lt1"/>
-          </a:fontRef>
-        </p:style>
-        <p:txBody>
-          <a:bodyPr rtlCol="0" anchor="ctr"/>
-          <a:lstStyle/>
-          <a:p>
-            <a:pPr algn="ctr"/>
-            <a:r>
-              <a:rPr lang="en-US" altLang="zh-TW" dirty="0" smtClean="0"/>
-              <a:t>Data Set</a:t>
-            </a:r>
-            <a:endParaRPr lang="zh-TW" altLang="en-US" dirty="0"/>
-          </a:p>
-        </p:txBody>
-      </p:sp>
-      <p:sp>
-        <p:nvSpPr>
-          <p:cNvPr id="13" name="矩形 12"/>
-          <p:cNvSpPr/>
-          <p:nvPr/>
-        </p:nvSpPr>
-        <p:spPr>
-          <a:xfrm>
-            <a:off x="3025637" y="4214428"/>
-            <a:ext cx="1691014" cy="1139869"/>
-          </a:xfrm>
-          <a:prstGeom prst="rect">
-            <a:avLst/>
-          </a:prstGeom>
-        </p:spPr>
-        <p:style>
-          <a:lnRef idx="2">
-            <a:schemeClr val="accent1">
-              <a:shade val="50000"/>
-            </a:schemeClr>
-          </a:lnRef>
-          <a:fillRef idx="1">
-            <a:schemeClr val="accent1"/>
-          </a:fillRef>
-          <a:effectRef idx="0">
-            <a:schemeClr val="accent1"/>
-          </a:effectRef>
-          <a:fontRef idx="minor">
-            <a:schemeClr val="lt1"/>
-          </a:fontRef>
-        </p:style>
-        <p:txBody>
-          <a:bodyPr rtlCol="0" anchor="ctr"/>
-          <a:lstStyle/>
-          <a:p>
-            <a:pPr algn="ctr"/>
-            <a:r>
-              <a:rPr lang="en-US" altLang="zh-TW" dirty="0" smtClean="0"/>
-              <a:t>Word2Vec</a:t>
-            </a:r>
-          </a:p>
-          <a:p>
-            <a:pPr algn="ctr"/>
-            <a:r>
-              <a:rPr lang="en-US" altLang="zh-TW" dirty="0" smtClean="0"/>
-              <a:t>Model</a:t>
-            </a:r>
-            <a:endParaRPr lang="zh-TW" altLang="en-US" dirty="0"/>
-          </a:p>
-        </p:txBody>
-      </p:sp>
-      <p:sp>
-        <p:nvSpPr>
-          <p:cNvPr id="29" name="矩形 28"/>
-          <p:cNvSpPr/>
-          <p:nvPr/>
-        </p:nvSpPr>
-        <p:spPr>
-          <a:xfrm>
-            <a:off x="9614884" y="4214428"/>
-            <a:ext cx="1691014" cy="1139869"/>
-          </a:xfrm>
-          <a:prstGeom prst="rect">
-            <a:avLst/>
-          </a:prstGeom>
-        </p:spPr>
-        <p:style>
-          <a:lnRef idx="2">
-            <a:schemeClr val="accent1">
-              <a:shade val="50000"/>
-            </a:schemeClr>
-          </a:lnRef>
-          <a:fillRef idx="1">
-            <a:schemeClr val="accent1"/>
-          </a:fillRef>
-          <a:effectRef idx="0">
-            <a:schemeClr val="accent1"/>
-          </a:effectRef>
-          <a:fontRef idx="minor">
-            <a:schemeClr val="lt1"/>
-          </a:fontRef>
-        </p:style>
-        <p:txBody>
-          <a:bodyPr rtlCol="0" anchor="ctr"/>
-          <a:lstStyle/>
-          <a:p>
-            <a:pPr algn="ctr"/>
-            <a:r>
-              <a:rPr lang="en-US" altLang="zh-TW" dirty="0" smtClean="0"/>
-              <a:t>Hotness Computing</a:t>
-            </a:r>
-            <a:endParaRPr lang="zh-TW" altLang="en-US" dirty="0"/>
-          </a:p>
-        </p:txBody>
-      </p:sp>
-      <p:sp>
-        <p:nvSpPr>
-          <p:cNvPr id="22" name="矩形 21"/>
-          <p:cNvSpPr/>
-          <p:nvPr/>
-        </p:nvSpPr>
-        <p:spPr>
-          <a:xfrm>
-            <a:off x="5213075" y="4214429"/>
-            <a:ext cx="1691014" cy="1139869"/>
-          </a:xfrm>
-          <a:prstGeom prst="rect">
-            <a:avLst/>
-          </a:prstGeom>
-        </p:spPr>
-        <p:style>
-          <a:lnRef idx="2">
-            <a:schemeClr val="accent1">
-              <a:shade val="50000"/>
-            </a:schemeClr>
-          </a:lnRef>
-          <a:fillRef idx="1">
-            <a:schemeClr val="accent1"/>
-          </a:fillRef>
-          <a:effectRef idx="0">
-            <a:schemeClr val="accent1"/>
-          </a:effectRef>
-          <a:fontRef idx="minor">
-            <a:schemeClr val="lt1"/>
-          </a:fontRef>
-        </p:style>
-        <p:txBody>
-          <a:bodyPr rtlCol="0" anchor="ctr"/>
-          <a:lstStyle/>
-          <a:p>
-            <a:pPr algn="ctr"/>
-            <a:r>
-              <a:rPr lang="en-US" altLang="zh-TW" dirty="0" smtClean="0"/>
-              <a:t>Article Vector</a:t>
-            </a:r>
-            <a:br>
-              <a:rPr lang="en-US" altLang="zh-TW" dirty="0" smtClean="0"/>
-            </a:br>
-            <a:r>
-              <a:rPr lang="en-US" altLang="zh-TW" dirty="0" smtClean="0"/>
-              <a:t>Computing</a:t>
-            </a:r>
-            <a:endParaRPr lang="zh-TW" altLang="en-US" dirty="0"/>
-          </a:p>
-        </p:txBody>
-      </p:sp>
-      <p:sp>
-        <p:nvSpPr>
-          <p:cNvPr id="24" name="矩形 23"/>
-          <p:cNvSpPr/>
-          <p:nvPr/>
-        </p:nvSpPr>
-        <p:spPr>
-          <a:xfrm>
-            <a:off x="7403236" y="4222388"/>
-            <a:ext cx="1691014" cy="1139869"/>
-          </a:xfrm>
-          <a:prstGeom prst="rect">
-            <a:avLst/>
-          </a:prstGeom>
-        </p:spPr>
-        <p:style>
-          <a:lnRef idx="2">
-            <a:schemeClr val="accent1">
-              <a:shade val="50000"/>
-            </a:schemeClr>
-          </a:lnRef>
-          <a:fillRef idx="1">
-            <a:schemeClr val="accent1"/>
-          </a:fillRef>
-          <a:effectRef idx="0">
-            <a:schemeClr val="accent1"/>
-          </a:effectRef>
-          <a:fontRef idx="minor">
-            <a:schemeClr val="lt1"/>
-          </a:fontRef>
-        </p:style>
-        <p:txBody>
-          <a:bodyPr rtlCol="0" anchor="ctr"/>
-          <a:lstStyle/>
-          <a:p>
-            <a:pPr algn="ctr"/>
-            <a:r>
-              <a:rPr lang="en-US" altLang="zh-TW" dirty="0" smtClean="0"/>
-              <a:t>Clustering</a:t>
-            </a:r>
-            <a:endParaRPr lang="zh-TW" altLang="en-US" dirty="0"/>
-          </a:p>
-        </p:txBody>
-      </p:sp>
-      <p:cxnSp>
-        <p:nvCxnSpPr>
-          <p:cNvPr id="63" name="直線單箭頭接點 62"/>
-          <p:cNvCxnSpPr>
-            <a:endCxn id="24" idx="1"/>
-          </p:cNvCxnSpPr>
-          <p:nvPr/>
-        </p:nvCxnSpPr>
-        <p:spPr>
-          <a:xfrm>
-            <a:off x="6882602" y="4792319"/>
-            <a:ext cx="520634" cy="4"/>
-          </a:xfrm>
-          <a:prstGeom prst="straightConnector1">
-            <a:avLst/>
-          </a:prstGeom>
-          <a:ln>
-            <a:tailEnd type="triangle"/>
-          </a:ln>
-        </p:spPr>
-        <p:style>
-          <a:lnRef idx="1">
-            <a:schemeClr val="accent1"/>
-          </a:lnRef>
-          <a:fillRef idx="0">
-            <a:schemeClr val="accent1"/>
-          </a:fillRef>
-          <a:effectRef idx="0">
-            <a:schemeClr val="accent1"/>
-          </a:effectRef>
-          <a:fontRef idx="minor">
-            <a:schemeClr val="tx1"/>
-          </a:fontRef>
-        </p:style>
-      </p:cxnSp>
-      <p:cxnSp>
-        <p:nvCxnSpPr>
-          <p:cNvPr id="64" name="直線單箭頭接點 63"/>
-          <p:cNvCxnSpPr>
-            <a:stCxn id="24" idx="3"/>
-          </p:cNvCxnSpPr>
-          <p:nvPr/>
-        </p:nvCxnSpPr>
-        <p:spPr>
-          <a:xfrm flipV="1">
-            <a:off x="9094250" y="4792319"/>
-            <a:ext cx="520634" cy="4"/>
-          </a:xfrm>
-          <a:prstGeom prst="straightConnector1">
-            <a:avLst/>
-          </a:prstGeom>
-          <a:ln>
-            <a:tailEnd type="triangle"/>
-          </a:ln>
-        </p:spPr>
-        <p:style>
-          <a:lnRef idx="1">
-            <a:schemeClr val="accent1"/>
-          </a:lnRef>
-          <a:fillRef idx="0">
-            <a:schemeClr val="accent1"/>
-          </a:fillRef>
-          <a:effectRef idx="0">
-            <a:schemeClr val="accent1"/>
-          </a:effectRef>
-          <a:fontRef idx="minor">
-            <a:schemeClr val="tx1"/>
-          </a:fontRef>
-        </p:style>
-      </p:cxnSp>
-      <p:sp>
-        <p:nvSpPr>
-          <p:cNvPr id="51" name="矩形 50"/>
-          <p:cNvSpPr/>
-          <p:nvPr/>
-        </p:nvSpPr>
-        <p:spPr>
-          <a:xfrm>
-            <a:off x="838200" y="2522846"/>
-            <a:ext cx="1691013" cy="1139869"/>
-          </a:xfrm>
-          <a:prstGeom prst="rect">
-            <a:avLst/>
-          </a:prstGeom>
-        </p:spPr>
-        <p:style>
-          <a:lnRef idx="2">
-            <a:schemeClr val="accent1">
-              <a:shade val="50000"/>
-            </a:schemeClr>
-          </a:lnRef>
-          <a:fillRef idx="1">
-            <a:schemeClr val="accent1"/>
-          </a:fillRef>
-          <a:effectRef idx="0">
-            <a:schemeClr val="accent1"/>
-          </a:effectRef>
-          <a:fontRef idx="minor">
-            <a:schemeClr val="lt1"/>
-          </a:fontRef>
-        </p:style>
-        <p:txBody>
-          <a:bodyPr rtlCol="0" anchor="ctr"/>
-          <a:lstStyle/>
-          <a:p>
-            <a:pPr algn="ctr"/>
-            <a:r>
-              <a:rPr lang="en-US" altLang="zh-TW" dirty="0" smtClean="0"/>
-              <a:t>Train Data</a:t>
-            </a:r>
-          </a:p>
-          <a:p>
-            <a:pPr algn="ctr"/>
-            <a:r>
-              <a:rPr lang="en-US" altLang="zh-TW" dirty="0" smtClean="0"/>
-              <a:t>Preprocessing</a:t>
-            </a:r>
-            <a:endParaRPr lang="en-US" altLang="zh-TW" dirty="0"/>
-          </a:p>
-        </p:txBody>
-      </p:sp>
-      <p:sp>
-        <p:nvSpPr>
-          <p:cNvPr id="52" name="矩形 51"/>
-          <p:cNvSpPr/>
-          <p:nvPr/>
-        </p:nvSpPr>
-        <p:spPr>
-          <a:xfrm>
-            <a:off x="3025637" y="2522846"/>
-            <a:ext cx="1691014" cy="1139869"/>
-          </a:xfrm>
-          <a:prstGeom prst="rect">
-            <a:avLst/>
-          </a:prstGeom>
-        </p:spPr>
-        <p:style>
-          <a:lnRef idx="2">
-            <a:schemeClr val="accent1">
-              <a:shade val="50000"/>
-            </a:schemeClr>
-          </a:lnRef>
-          <a:fillRef idx="1">
-            <a:schemeClr val="accent1"/>
-          </a:fillRef>
-          <a:effectRef idx="0">
-            <a:schemeClr val="accent1"/>
-          </a:effectRef>
-          <a:fontRef idx="minor">
-            <a:schemeClr val="lt1"/>
-          </a:fontRef>
-        </p:style>
-        <p:txBody>
-          <a:bodyPr rtlCol="0" anchor="ctr"/>
-          <a:lstStyle/>
-          <a:p>
-            <a:pPr algn="ctr"/>
-            <a:r>
-              <a:rPr lang="en-US" altLang="zh-TW" dirty="0"/>
-              <a:t>Training</a:t>
-            </a:r>
-          </a:p>
-        </p:txBody>
-      </p:sp>
-      <p:cxnSp>
-        <p:nvCxnSpPr>
-          <p:cNvPr id="54" name="直線單箭頭接點 53"/>
-          <p:cNvCxnSpPr>
-            <a:stCxn id="13" idx="3"/>
-            <a:endCxn id="22" idx="1"/>
-          </p:cNvCxnSpPr>
-          <p:nvPr/>
-        </p:nvCxnSpPr>
-        <p:spPr>
-          <a:xfrm>
-            <a:off x="4716651" y="4784363"/>
-            <a:ext cx="496424" cy="1"/>
-          </a:xfrm>
-          <a:prstGeom prst="straightConnector1">
-            <a:avLst/>
-          </a:prstGeom>
-          <a:ln>
-            <a:tailEnd type="triangle"/>
-          </a:ln>
-        </p:spPr>
-        <p:style>
-          <a:lnRef idx="1">
-            <a:schemeClr val="accent1"/>
-          </a:lnRef>
-          <a:fillRef idx="0">
-            <a:schemeClr val="accent1"/>
-          </a:fillRef>
-          <a:effectRef idx="0">
-            <a:schemeClr val="accent1"/>
-          </a:effectRef>
-          <a:fontRef idx="minor">
-            <a:schemeClr val="tx1"/>
-          </a:fontRef>
-        </p:style>
-      </p:cxnSp>
-      <p:cxnSp>
-        <p:nvCxnSpPr>
-          <p:cNvPr id="55" name="直線單箭頭接點 54"/>
-          <p:cNvCxnSpPr>
-            <a:stCxn id="6" idx="3"/>
-            <a:endCxn id="13" idx="1"/>
-          </p:cNvCxnSpPr>
-          <p:nvPr/>
-        </p:nvCxnSpPr>
-        <p:spPr>
-          <a:xfrm flipV="1">
-            <a:off x="2529213" y="4784363"/>
-            <a:ext cx="496424" cy="7962"/>
-          </a:xfrm>
-          <a:prstGeom prst="straightConnector1">
-            <a:avLst/>
-          </a:prstGeom>
-          <a:ln>
-            <a:tailEnd type="triangle"/>
-          </a:ln>
-        </p:spPr>
-        <p:style>
-          <a:lnRef idx="1">
-            <a:schemeClr val="accent1"/>
-          </a:lnRef>
-          <a:fillRef idx="0">
-            <a:schemeClr val="accent1"/>
-          </a:fillRef>
-          <a:effectRef idx="0">
-            <a:schemeClr val="accent1"/>
-          </a:effectRef>
-          <a:fontRef idx="minor">
-            <a:schemeClr val="tx1"/>
-          </a:fontRef>
-        </p:style>
-      </p:cxnSp>
-      <p:cxnSp>
-        <p:nvCxnSpPr>
-          <p:cNvPr id="56" name="直線單箭頭接點 55"/>
-          <p:cNvCxnSpPr>
-            <a:stCxn id="51" idx="3"/>
-            <a:endCxn id="52" idx="1"/>
-          </p:cNvCxnSpPr>
-          <p:nvPr/>
-        </p:nvCxnSpPr>
-        <p:spPr>
-          <a:xfrm>
-            <a:off x="2529213" y="3092781"/>
-            <a:ext cx="496424" cy="0"/>
-          </a:xfrm>
-          <a:prstGeom prst="straightConnector1">
-            <a:avLst/>
-          </a:prstGeom>
-          <a:ln>
-            <a:tailEnd type="triangle"/>
-          </a:ln>
-        </p:spPr>
-        <p:style>
-          <a:lnRef idx="1">
-            <a:schemeClr val="accent1"/>
-          </a:lnRef>
-          <a:fillRef idx="0">
-            <a:schemeClr val="accent1"/>
-          </a:fillRef>
-          <a:effectRef idx="0">
-            <a:schemeClr val="accent1"/>
-          </a:effectRef>
-          <a:fontRef idx="minor">
-            <a:schemeClr val="tx1"/>
-          </a:fontRef>
-        </p:style>
-      </p:cxnSp>
-      <p:cxnSp>
-        <p:nvCxnSpPr>
-          <p:cNvPr id="59" name="直線單箭頭接點 58"/>
-          <p:cNvCxnSpPr>
-            <a:stCxn id="6" idx="0"/>
-            <a:endCxn id="51" idx="2"/>
-          </p:cNvCxnSpPr>
-          <p:nvPr/>
-        </p:nvCxnSpPr>
-        <p:spPr>
-          <a:xfrm flipV="1">
-            <a:off x="1683706" y="3662715"/>
-            <a:ext cx="1" cy="559675"/>
-          </a:xfrm>
-          <a:prstGeom prst="straightConnector1">
-            <a:avLst/>
-          </a:prstGeom>
-          <a:ln>
-            <a:tailEnd type="triangle"/>
-          </a:ln>
-        </p:spPr>
-        <p:style>
-          <a:lnRef idx="1">
-            <a:schemeClr val="accent1"/>
-          </a:lnRef>
-          <a:fillRef idx="0">
-            <a:schemeClr val="accent1"/>
-          </a:fillRef>
-          <a:effectRef idx="0">
-            <a:schemeClr val="accent1"/>
-          </a:effectRef>
-          <a:fontRef idx="minor">
-            <a:schemeClr val="tx1"/>
-          </a:fontRef>
-        </p:style>
-      </p:cxnSp>
-      <p:cxnSp>
-        <p:nvCxnSpPr>
-          <p:cNvPr id="61" name="直線單箭頭接點 60"/>
-          <p:cNvCxnSpPr>
-            <a:stCxn id="52" idx="2"/>
-            <a:endCxn id="13" idx="0"/>
-          </p:cNvCxnSpPr>
-          <p:nvPr/>
-        </p:nvCxnSpPr>
-        <p:spPr>
-          <a:xfrm>
-            <a:off x="3871144" y="3662715"/>
-            <a:ext cx="0" cy="551713"/>
-          </a:xfrm>
-          <a:prstGeom prst="straightConnector1">
-            <a:avLst/>
-          </a:prstGeom>
-          <a:ln>
-            <a:tailEnd type="triangle"/>
-          </a:ln>
-        </p:spPr>
-        <p:style>
-          <a:lnRef idx="1">
-            <a:schemeClr val="accent1"/>
-          </a:lnRef>
-          <a:fillRef idx="0">
-            <a:schemeClr val="accent1"/>
-          </a:fillRef>
-          <a:effectRef idx="0">
-            <a:schemeClr val="accent1"/>
-          </a:effectRef>
-          <a:fontRef idx="minor">
-            <a:schemeClr val="tx1"/>
-          </a:fontRef>
-        </p:style>
-      </p:cxnSp>
+      </p:pic>
     </p:spTree>
     <p:extLst>
       <p:ext uri="{BB962C8B-B14F-4D97-AF65-F5344CB8AC3E}">
@@ -13858,7 +11232,7 @@
       </p:grpSpPr>
       <p:sp>
         <p:nvSpPr>
-          <p:cNvPr id="4" name="標題 3"/>
+          <p:cNvPr id="2" name="標題 1"/>
           <p:cNvSpPr>
             <a:spLocks noGrp="1"/>
           </p:cNvSpPr>
@@ -13873,7 +11247,7 @@
           <a:p>
             <a:r>
               <a:rPr lang="en-US" altLang="zh-TW" dirty="0" smtClean="0"/>
-              <a:t>Training Part</a:t>
+              <a:t>Data Set</a:t>
             </a:r>
             <a:endParaRPr lang="zh-TW" altLang="en-US" dirty="0"/>
           </a:p>
@@ -13881,33 +11255,84 @@
       </p:sp>
       <p:sp>
         <p:nvSpPr>
-          <p:cNvPr id="5" name="文字版面配置區 4"/>
-          <p:cNvSpPr>
-            <a:spLocks noGrp="1"/>
-          </p:cNvSpPr>
-          <p:nvPr>
-            <p:ph type="body" idx="1"/>
-          </p:nvPr>
-        </p:nvSpPr>
-        <p:spPr/>
-        <p:txBody>
-          <a:bodyPr/>
-          <a:lstStyle/>
-          <a:p>
-            <a:endParaRPr lang="zh-TW" altLang="en-US"/>
+          <p:cNvPr id="3" name="內容版面配置區 2"/>
+          <p:cNvSpPr>
+            <a:spLocks noGrp="1"/>
+          </p:cNvSpPr>
+          <p:nvPr>
+            <p:ph idx="1"/>
+          </p:nvPr>
+        </p:nvSpPr>
+        <p:spPr/>
+        <p:txBody>
+          <a:bodyPr/>
+          <a:lstStyle/>
+          <a:p>
+            <a:r>
+              <a:rPr lang="en-US" altLang="zh-TW" dirty="0" smtClean="0"/>
+              <a:t>PTT</a:t>
+            </a:r>
+            <a:r>
+              <a:rPr lang="zh-TW" altLang="en-US" dirty="0" smtClean="0"/>
+              <a:t> </a:t>
+            </a:r>
+            <a:r>
+              <a:rPr lang="en-US" altLang="zh-TW" dirty="0" smtClean="0"/>
+              <a:t>Gossiping</a:t>
+            </a:r>
+          </a:p>
+          <a:p>
+            <a:r>
+              <a:rPr lang="en-US" altLang="zh-TW" dirty="0" smtClean="0"/>
+              <a:t>2014/04/04</a:t>
+            </a:r>
+            <a:r>
+              <a:rPr lang="zh-TW" altLang="en-US" dirty="0" smtClean="0"/>
+              <a:t> </a:t>
+            </a:r>
+            <a:r>
+              <a:rPr lang="en-US" altLang="zh-TW" dirty="0" smtClean="0"/>
+              <a:t>~</a:t>
+            </a:r>
+            <a:r>
+              <a:rPr lang="zh-TW" altLang="en-US" dirty="0" smtClean="0"/>
+              <a:t> </a:t>
+            </a:r>
+            <a:r>
+              <a:rPr lang="en-US" altLang="zh-TW" dirty="0" smtClean="0"/>
+              <a:t>2016/05/10</a:t>
+            </a:r>
+            <a:endParaRPr lang="en-US" altLang="zh-TW" dirty="0"/>
+          </a:p>
+          <a:p>
+            <a:r>
+              <a:rPr lang="en-US" altLang="zh-TW" dirty="0" smtClean="0"/>
+              <a:t>about 820,000 articles</a:t>
+            </a:r>
+            <a:endParaRPr lang="zh-TW" altLang="en-US" dirty="0" smtClean="0"/>
+          </a:p>
+          <a:p>
+            <a:endParaRPr lang="zh-TW" altLang="en-US" dirty="0"/>
           </a:p>
         </p:txBody>
       </p:sp>
     </p:spTree>
     <p:extLst>
       <p:ext uri="{BB962C8B-B14F-4D97-AF65-F5344CB8AC3E}">
-        <p14:creationId xmlns:p14="http://schemas.microsoft.com/office/powerpoint/2010/main" val="1241001"/>
+        <p14:creationId xmlns:p14="http://schemas.microsoft.com/office/powerpoint/2010/main" val="1586791221"/>
       </p:ext>
     </p:extLst>
   </p:cSld>
   <p:clrMapOvr>
     <a:masterClrMapping/>
   </p:clrMapOvr>
+  <p:timing>
+    <p:tnLst>
+      <p:par>
+        <p:cTn id="1" dur="indefinite" restart="never" nodeType="tmRoot"/>
+      </p:par>
+    </p:tnLst>
+  </p:timing>
 </p:sld>
 </file>
 
@@ -13930,7 +11355,7 @@
       </p:grpSpPr>
       <p:sp>
         <p:nvSpPr>
-          <p:cNvPr id="2" name="標題 1"/>
+          <p:cNvPr id="4" name="標題 3"/>
           <p:cNvSpPr>
             <a:spLocks noGrp="1"/>
           </p:cNvSpPr>
@@ -13944,8 +11369,8 @@
           <a:lstStyle/>
           <a:p>
             <a:r>
-              <a:rPr lang="zh-TW" altLang="en-US" dirty="0" smtClean="0"/>
-              <a:t> </a:t>
+              <a:rPr lang="en-US" altLang="zh-TW" dirty="0" smtClean="0"/>
+              <a:t>Training Part</a:t>
             </a:r>
             <a:endParaRPr lang="zh-TW" altLang="en-US" dirty="0"/>
           </a:p>
@@ -13953,390 +11378,27 @@
       </p:sp>
       <p:sp>
         <p:nvSpPr>
-          <p:cNvPr id="3" name="內容版面配置區 2"/>
-          <p:cNvSpPr>
-            <a:spLocks noGrp="1"/>
-          </p:cNvSpPr>
-          <p:nvPr>
-            <p:ph idx="1"/>
-          </p:nvPr>
-        </p:nvSpPr>
-        <p:spPr/>
-        <p:txBody>
-          <a:bodyPr/>
-          <a:lstStyle/>
-          <a:p>
-            <a:endParaRPr lang="en-US" altLang="zh-TW" dirty="0" smtClean="0"/>
-          </a:p>
-          <a:p>
-            <a:r>
-              <a:rPr lang="zh-TW" altLang="en-US" dirty="0" smtClean="0"/>
-              <a:t>以</a:t>
-            </a:r>
-            <a:r>
-              <a:rPr lang="en-US" altLang="zh-TW" dirty="0" smtClean="0"/>
-              <a:t>PTT</a:t>
-            </a:r>
-            <a:r>
-              <a:rPr lang="zh-TW" altLang="en-US" dirty="0" smtClean="0"/>
-              <a:t> 八卦版的文章為資料來源</a:t>
-            </a:r>
-            <a:endParaRPr lang="en-US" altLang="zh-TW" dirty="0" smtClean="0"/>
-          </a:p>
-          <a:p>
-            <a:r>
-              <a:rPr lang="en-US" altLang="zh-TW" dirty="0" smtClean="0"/>
-              <a:t>2014/04/04</a:t>
-            </a:r>
-            <a:r>
-              <a:rPr lang="zh-TW" altLang="en-US" dirty="0" smtClean="0"/>
-              <a:t> </a:t>
-            </a:r>
-            <a:r>
-              <a:rPr lang="en-US" altLang="zh-TW" dirty="0" smtClean="0"/>
-              <a:t>~</a:t>
-            </a:r>
-            <a:r>
-              <a:rPr lang="zh-TW" altLang="en-US" dirty="0" smtClean="0"/>
-              <a:t> </a:t>
-            </a:r>
-            <a:r>
-              <a:rPr lang="en-US" altLang="zh-TW" dirty="0" smtClean="0"/>
-              <a:t>2016/05/10</a:t>
-            </a:r>
-            <a:r>
-              <a:rPr lang="zh-TW" altLang="en-US" dirty="0" smtClean="0"/>
-              <a:t> 約</a:t>
-            </a:r>
-            <a:r>
-              <a:rPr lang="en-US" altLang="zh-TW" dirty="0" smtClean="0"/>
-              <a:t>82</a:t>
-            </a:r>
-            <a:r>
-              <a:rPr lang="zh-TW" altLang="en-US" dirty="0" smtClean="0"/>
-              <a:t>萬篇文章</a:t>
-            </a:r>
+          <p:cNvPr id="5" name="文字版面配置區 4"/>
+          <p:cNvSpPr>
+            <a:spLocks noGrp="1"/>
+          </p:cNvSpPr>
+          <p:nvPr>
+            <p:ph type="body" idx="1"/>
+          </p:nvPr>
+        </p:nvSpPr>
+        <p:spPr/>
+        <p:txBody>
+          <a:bodyPr/>
+          <a:lstStyle/>
+          <a:p>
             <a:endParaRPr lang="zh-TW" altLang="en-US" dirty="0"/>
           </a:p>
         </p:txBody>
       </p:sp>
-      <p:sp>
-        <p:nvSpPr>
-          <p:cNvPr id="4" name="矩形 3"/>
-          <p:cNvSpPr/>
-          <p:nvPr/>
-        </p:nvSpPr>
-        <p:spPr>
-          <a:xfrm>
-            <a:off x="838200" y="550821"/>
-            <a:ext cx="1691014" cy="1139869"/>
-          </a:xfrm>
-          <a:prstGeom prst="rect">
-            <a:avLst/>
-          </a:prstGeom>
-        </p:spPr>
-        <p:style>
-          <a:lnRef idx="2">
-            <a:schemeClr val="accent1">
-              <a:shade val="50000"/>
-            </a:schemeClr>
-          </a:lnRef>
-          <a:fillRef idx="1">
-            <a:schemeClr val="accent1"/>
-          </a:fillRef>
-          <a:effectRef idx="0">
-            <a:schemeClr val="accent1"/>
-          </a:effectRef>
-          <a:fontRef idx="minor">
-            <a:schemeClr val="lt1"/>
-          </a:fontRef>
-        </p:style>
-        <p:txBody>
-          <a:bodyPr rtlCol="0" anchor="ctr"/>
-          <a:lstStyle/>
-          <a:p>
-            <a:pPr algn="ctr"/>
-            <a:r>
-              <a:rPr lang="en-US" altLang="zh-TW" dirty="0" smtClean="0"/>
-              <a:t>Articles</a:t>
-            </a:r>
-            <a:endParaRPr lang="zh-TW" altLang="en-US" dirty="0"/>
-          </a:p>
-        </p:txBody>
-      </p:sp>
-      <p:sp>
-        <p:nvSpPr>
-          <p:cNvPr id="5" name="矩形 4"/>
-          <p:cNvSpPr/>
-          <p:nvPr/>
-        </p:nvSpPr>
-        <p:spPr>
-          <a:xfrm>
-            <a:off x="5674954" y="550818"/>
-            <a:ext cx="1691014" cy="1139869"/>
-          </a:xfrm>
-          <a:prstGeom prst="rect">
-            <a:avLst/>
-          </a:prstGeom>
-          <a:solidFill>
-            <a:schemeClr val="accent1">
-              <a:lumMod val="50000"/>
-            </a:schemeClr>
-          </a:solidFill>
-        </p:spPr>
-        <p:style>
-          <a:lnRef idx="2">
-            <a:schemeClr val="accent1">
-              <a:shade val="50000"/>
-            </a:schemeClr>
-          </a:lnRef>
-          <a:fillRef idx="1">
-            <a:schemeClr val="accent1"/>
-          </a:fillRef>
-          <a:effectRef idx="0">
-            <a:schemeClr val="accent1"/>
-          </a:effectRef>
-          <a:fontRef idx="minor">
-            <a:schemeClr val="lt1"/>
-          </a:fontRef>
-        </p:style>
-        <p:txBody>
-          <a:bodyPr rtlCol="0" anchor="ctr"/>
-          <a:lstStyle/>
-          <a:p>
-            <a:pPr algn="ctr"/>
-            <a:r>
-              <a:rPr lang="en-US" altLang="zh-TW" dirty="0" smtClean="0"/>
-              <a:t>Training</a:t>
-            </a:r>
-            <a:endParaRPr lang="zh-TW" altLang="en-US" dirty="0"/>
-          </a:p>
-        </p:txBody>
-      </p:sp>
-      <p:cxnSp>
-        <p:nvCxnSpPr>
-          <p:cNvPr id="6" name="直線單箭頭接點 5"/>
-          <p:cNvCxnSpPr>
-            <a:stCxn id="4" idx="3"/>
-            <a:endCxn id="11" idx="1"/>
-          </p:cNvCxnSpPr>
-          <p:nvPr/>
-        </p:nvCxnSpPr>
-        <p:spPr>
-          <a:xfrm flipV="1">
-            <a:off x="2529214" y="1120754"/>
-            <a:ext cx="727363" cy="2"/>
-          </a:xfrm>
-          <a:prstGeom prst="straightConnector1">
-            <a:avLst/>
-          </a:prstGeom>
-          <a:ln>
-            <a:tailEnd type="triangle"/>
-          </a:ln>
-        </p:spPr>
-        <p:style>
-          <a:lnRef idx="1">
-            <a:schemeClr val="accent1"/>
-          </a:lnRef>
-          <a:fillRef idx="0">
-            <a:schemeClr val="accent1"/>
-          </a:fillRef>
-          <a:effectRef idx="0">
-            <a:schemeClr val="accent1"/>
-          </a:effectRef>
-          <a:fontRef idx="minor">
-            <a:schemeClr val="tx1"/>
-          </a:fontRef>
-        </p:style>
-      </p:cxnSp>
-      <p:sp>
-        <p:nvSpPr>
-          <p:cNvPr id="7" name="矩形 6"/>
-          <p:cNvSpPr/>
-          <p:nvPr/>
-        </p:nvSpPr>
-        <p:spPr>
-          <a:xfrm>
-            <a:off x="8093331" y="550818"/>
-            <a:ext cx="1691014" cy="1139869"/>
-          </a:xfrm>
-          <a:prstGeom prst="rect">
-            <a:avLst/>
-          </a:prstGeom>
-          <a:solidFill>
-            <a:schemeClr val="accent1">
-              <a:lumMod val="50000"/>
-            </a:schemeClr>
-          </a:solidFill>
-        </p:spPr>
-        <p:style>
-          <a:lnRef idx="2">
-            <a:schemeClr val="accent1">
-              <a:shade val="50000"/>
-            </a:schemeClr>
-          </a:lnRef>
-          <a:fillRef idx="1">
-            <a:schemeClr val="accent1"/>
-          </a:fillRef>
-          <a:effectRef idx="0">
-            <a:schemeClr val="accent1"/>
-          </a:effectRef>
-          <a:fontRef idx="minor">
-            <a:schemeClr val="lt1"/>
-          </a:fontRef>
-        </p:style>
-        <p:txBody>
-          <a:bodyPr rtlCol="0" anchor="ctr"/>
-          <a:lstStyle/>
-          <a:p>
-            <a:pPr algn="ctr"/>
-            <a:r>
-              <a:rPr lang="en-US" altLang="zh-TW" dirty="0" smtClean="0"/>
-              <a:t>Model</a:t>
-            </a:r>
-            <a:endParaRPr lang="zh-TW" altLang="en-US" dirty="0"/>
-          </a:p>
-        </p:txBody>
-      </p:sp>
-      <p:cxnSp>
-        <p:nvCxnSpPr>
-          <p:cNvPr id="8" name="直線單箭頭接點 7"/>
-          <p:cNvCxnSpPr>
-            <a:stCxn id="5" idx="3"/>
-            <a:endCxn id="7" idx="1"/>
-          </p:cNvCxnSpPr>
-          <p:nvPr/>
-        </p:nvCxnSpPr>
-        <p:spPr>
-          <a:xfrm>
-            <a:off x="7365968" y="1120753"/>
-            <a:ext cx="727363" cy="0"/>
-          </a:xfrm>
-          <a:prstGeom prst="straightConnector1">
-            <a:avLst/>
-          </a:prstGeom>
-          <a:ln>
-            <a:tailEnd type="triangle"/>
-          </a:ln>
-        </p:spPr>
-        <p:style>
-          <a:lnRef idx="1">
-            <a:schemeClr val="accent1"/>
-          </a:lnRef>
-          <a:fillRef idx="0">
-            <a:schemeClr val="accent1"/>
-          </a:fillRef>
-          <a:effectRef idx="0">
-            <a:schemeClr val="accent1"/>
-          </a:effectRef>
-          <a:fontRef idx="minor">
-            <a:schemeClr val="tx1"/>
-          </a:fontRef>
-        </p:style>
-      </p:cxnSp>
-      <p:sp>
-        <p:nvSpPr>
-          <p:cNvPr id="11" name="矩形 10"/>
-          <p:cNvSpPr/>
-          <p:nvPr/>
-        </p:nvSpPr>
-        <p:spPr>
-          <a:xfrm>
-            <a:off x="3256577" y="550819"/>
-            <a:ext cx="1691014" cy="1139869"/>
-          </a:xfrm>
-          <a:prstGeom prst="rect">
-            <a:avLst/>
-          </a:prstGeom>
-          <a:solidFill>
-            <a:schemeClr val="accent1">
-              <a:lumMod val="50000"/>
-            </a:schemeClr>
-          </a:solidFill>
-        </p:spPr>
-        <p:style>
-          <a:lnRef idx="2">
-            <a:schemeClr val="accent1">
-              <a:shade val="50000"/>
-            </a:schemeClr>
-          </a:lnRef>
-          <a:fillRef idx="1">
-            <a:schemeClr val="accent1"/>
-          </a:fillRef>
-          <a:effectRef idx="0">
-            <a:schemeClr val="accent1"/>
-          </a:effectRef>
-          <a:fontRef idx="minor">
-            <a:schemeClr val="lt1"/>
-          </a:fontRef>
-        </p:style>
-        <p:txBody>
-          <a:bodyPr rtlCol="0" anchor="ctr"/>
-          <a:lstStyle/>
-          <a:p>
-            <a:pPr algn="ctr"/>
-            <a:r>
-              <a:rPr lang="en-US" altLang="zh-TW" dirty="0" smtClean="0"/>
-              <a:t>Train</a:t>
-            </a:r>
-            <a:r>
-              <a:rPr lang="zh-TW" altLang="en-US" dirty="0" smtClean="0"/>
-              <a:t> </a:t>
-            </a:r>
-            <a:r>
-              <a:rPr lang="en-US" altLang="zh-TW" dirty="0" smtClean="0"/>
-              <a:t>Data</a:t>
-            </a:r>
-          </a:p>
-          <a:p>
-            <a:pPr algn="ctr"/>
-            <a:r>
-              <a:rPr lang="en-US" altLang="zh-TW" dirty="0" smtClean="0"/>
-              <a:t>Preprocessing</a:t>
-            </a:r>
-          </a:p>
-        </p:txBody>
-      </p:sp>
-      <p:cxnSp>
-        <p:nvCxnSpPr>
-          <p:cNvPr id="12" name="直線單箭頭接點 11"/>
-          <p:cNvCxnSpPr>
-            <a:stCxn id="11" idx="3"/>
-            <a:endCxn id="5" idx="1"/>
-          </p:cNvCxnSpPr>
-          <p:nvPr/>
-        </p:nvCxnSpPr>
-        <p:spPr>
-          <a:xfrm flipV="1">
-            <a:off x="4947591" y="1120753"/>
-            <a:ext cx="727363" cy="1"/>
-          </a:xfrm>
-          <a:prstGeom prst="straightConnector1">
-            <a:avLst/>
-          </a:prstGeom>
-          <a:ln>
-            <a:tailEnd type="triangle"/>
-          </a:ln>
-        </p:spPr>
-        <p:style>
-          <a:lnRef idx="1">
-            <a:schemeClr val="accent1"/>
-          </a:lnRef>
-          <a:fillRef idx="0">
-            <a:schemeClr val="accent1"/>
-          </a:fillRef>
-          <a:effectRef idx="0">
-            <a:schemeClr val="accent1"/>
-          </a:effectRef>
-          <a:fontRef idx="minor">
-            <a:schemeClr val="tx1"/>
-          </a:fontRef>
-        </p:style>
-      </p:cxnSp>
     </p:spTree>
     <p:extLst>
       <p:ext uri="{BB962C8B-B14F-4D97-AF65-F5344CB8AC3E}">
-        <p14:creationId xmlns:p14="http://schemas.microsoft.com/office/powerpoint/2010/main" val="158754373"/>
+        <p14:creationId xmlns:p14="http://schemas.microsoft.com/office/powerpoint/2010/main" val="2963628546"/>
       </p:ext>
     </p:extLst>
   </p:cSld>
@@ -14386,8 +11448,8 @@
           <a:lstStyle/>
           <a:p>
             <a:r>
-              <a:rPr lang="zh-TW" altLang="en-US" dirty="0" smtClean="0"/>
-              <a:t> </a:t>
+              <a:rPr lang="en-US" altLang="zh-TW" dirty="0" smtClean="0"/>
+              <a:t>Training Data Preprocessing</a:t>
             </a:r>
             <a:endParaRPr lang="zh-TW" altLang="en-US" dirty="0"/>
           </a:p>
@@ -14408,379 +11470,58 @@
           <a:bodyPr/>
           <a:lstStyle/>
           <a:p>
+            <a:r>
+              <a:rPr lang="en-US" altLang="zh-TW" dirty="0" smtClean="0"/>
+              <a:t>Title, Article Content</a:t>
+            </a:r>
+          </a:p>
+          <a:p>
+            <a:r>
+              <a:rPr lang="en-US" altLang="zh-TW" dirty="0" smtClean="0"/>
+              <a:t>Remove quote, URLs</a:t>
+            </a:r>
+          </a:p>
+          <a:p>
+            <a:r>
+              <a:rPr lang="zh-TW" altLang="en-US" dirty="0" smtClean="0"/>
+              <a:t>內文斷句</a:t>
+            </a:r>
             <a:endParaRPr lang="en-US" altLang="zh-TW" dirty="0" smtClean="0"/>
           </a:p>
           <a:p>
             <a:r>
               <a:rPr lang="zh-TW" altLang="en-US" dirty="0" smtClean="0"/>
-              <a:t>取文章標題以及文章內文當訓練資料</a:t>
-            </a:r>
+              <a:t>句子移除標點及特殊符號後進行斷詞</a:t>
+            </a:r>
+            <a:r>
+              <a:rPr lang="en-US" altLang="zh-TW" dirty="0" smtClean="0"/>
+              <a:t>(</a:t>
+            </a:r>
+            <a:r>
+              <a:rPr lang="en-US" altLang="zh-TW" dirty="0" err="1" smtClean="0"/>
+              <a:t>Jieba</a:t>
+            </a:r>
+            <a:r>
+              <a:rPr lang="zh-TW" altLang="en-US" dirty="0" smtClean="0"/>
+              <a:t>搜尋引擎模式</a:t>
+            </a:r>
+            <a:r>
+              <a:rPr lang="en-US" altLang="zh-TW" dirty="0" smtClean="0"/>
+              <a:t>)</a:t>
+            </a:r>
+          </a:p>
+          <a:p>
             <a:endParaRPr lang="en-US" altLang="zh-TW" dirty="0" smtClean="0"/>
           </a:p>
           <a:p>
-            <a:r>
-              <a:rPr lang="zh-TW" altLang="en-US" dirty="0" smtClean="0"/>
-              <a:t>內文部分濾除引言、網址、以及其它非相關資訊</a:t>
-            </a:r>
             <a:endParaRPr lang="en-US" altLang="zh-TW" dirty="0" smtClean="0"/>
           </a:p>
-          <a:p>
-            <a:r>
-              <a:rPr lang="zh-TW" altLang="en-US" dirty="0" smtClean="0"/>
-              <a:t>內文斷句</a:t>
-            </a:r>
-            <a:endParaRPr lang="en-US" altLang="zh-TW" dirty="0" smtClean="0"/>
-          </a:p>
-          <a:p>
-            <a:r>
-              <a:rPr lang="zh-TW" altLang="en-US" dirty="0" smtClean="0"/>
-              <a:t>句子移除標點及特殊符號後進行斷詞</a:t>
-            </a:r>
-            <a:r>
-              <a:rPr lang="en-US" altLang="zh-TW" dirty="0"/>
-              <a:t>(</a:t>
-            </a:r>
-            <a:r>
-              <a:rPr lang="en-US" altLang="zh-TW" dirty="0" err="1"/>
-              <a:t>Jieba</a:t>
-            </a:r>
-            <a:r>
-              <a:rPr lang="zh-TW" altLang="en-US" dirty="0"/>
-              <a:t>搜尋引擎模式</a:t>
-            </a:r>
-            <a:r>
-              <a:rPr lang="en-US" altLang="zh-TW" dirty="0"/>
-              <a:t>)</a:t>
-            </a:r>
-          </a:p>
-          <a:p>
-            <a:endParaRPr lang="en-US" altLang="zh-TW" dirty="0" smtClean="0"/>
-          </a:p>
-          <a:p>
-            <a:endParaRPr lang="en-US" altLang="zh-TW" dirty="0" smtClean="0"/>
-          </a:p>
-        </p:txBody>
-      </p:sp>
-      <p:sp>
-        <p:nvSpPr>
-          <p:cNvPr id="4" name="矩形 3"/>
-          <p:cNvSpPr/>
-          <p:nvPr/>
-        </p:nvSpPr>
-        <p:spPr>
-          <a:xfrm>
-            <a:off x="838200" y="550821"/>
-            <a:ext cx="1691014" cy="1139869"/>
-          </a:xfrm>
-          <a:prstGeom prst="rect">
-            <a:avLst/>
-          </a:prstGeom>
-          <a:solidFill>
-            <a:schemeClr val="accent1">
-              <a:lumMod val="50000"/>
-            </a:schemeClr>
-          </a:solidFill>
-        </p:spPr>
-        <p:style>
-          <a:lnRef idx="2">
-            <a:schemeClr val="accent1">
-              <a:shade val="50000"/>
-            </a:schemeClr>
-          </a:lnRef>
-          <a:fillRef idx="1">
-            <a:schemeClr val="accent1"/>
-          </a:fillRef>
-          <a:effectRef idx="0">
-            <a:schemeClr val="accent1"/>
-          </a:effectRef>
-          <a:fontRef idx="minor">
-            <a:schemeClr val="lt1"/>
-          </a:fontRef>
-        </p:style>
-        <p:txBody>
-          <a:bodyPr rtlCol="0" anchor="ctr"/>
-          <a:lstStyle/>
-          <a:p>
-            <a:pPr algn="ctr"/>
-            <a:r>
-              <a:rPr lang="en-US" altLang="zh-TW" dirty="0" smtClean="0"/>
-              <a:t>Articles</a:t>
-            </a:r>
-            <a:endParaRPr lang="zh-TW" altLang="en-US" dirty="0"/>
-          </a:p>
-        </p:txBody>
-      </p:sp>
-      <p:sp>
-        <p:nvSpPr>
-          <p:cNvPr id="5" name="矩形 4"/>
-          <p:cNvSpPr/>
-          <p:nvPr/>
-        </p:nvSpPr>
-        <p:spPr>
-          <a:xfrm>
-            <a:off x="5674954" y="550818"/>
-            <a:ext cx="1691014" cy="1139869"/>
-          </a:xfrm>
-          <a:prstGeom prst="rect">
-            <a:avLst/>
-          </a:prstGeom>
-          <a:solidFill>
-            <a:schemeClr val="accent1">
-              <a:lumMod val="50000"/>
-            </a:schemeClr>
-          </a:solidFill>
-        </p:spPr>
-        <p:style>
-          <a:lnRef idx="2">
-            <a:schemeClr val="accent1">
-              <a:shade val="50000"/>
-            </a:schemeClr>
-          </a:lnRef>
-          <a:fillRef idx="1">
-            <a:schemeClr val="accent1"/>
-          </a:fillRef>
-          <a:effectRef idx="0">
-            <a:schemeClr val="accent1"/>
-          </a:effectRef>
-          <a:fontRef idx="minor">
-            <a:schemeClr val="lt1"/>
-          </a:fontRef>
-        </p:style>
-        <p:txBody>
-          <a:bodyPr rtlCol="0" anchor="ctr"/>
-          <a:lstStyle/>
-          <a:p>
-            <a:pPr algn="ctr"/>
-            <a:r>
-              <a:rPr lang="en-US" altLang="zh-TW" dirty="0" smtClean="0"/>
-              <a:t>Training</a:t>
-            </a:r>
-            <a:endParaRPr lang="zh-TW" altLang="en-US" dirty="0"/>
-          </a:p>
-        </p:txBody>
-      </p:sp>
-      <p:cxnSp>
-        <p:nvCxnSpPr>
-          <p:cNvPr id="6" name="直線單箭頭接點 5"/>
-          <p:cNvCxnSpPr>
-            <a:stCxn id="4" idx="3"/>
-            <a:endCxn id="11" idx="1"/>
-          </p:cNvCxnSpPr>
-          <p:nvPr/>
-        </p:nvCxnSpPr>
-        <p:spPr>
-          <a:xfrm flipV="1">
-            <a:off x="2529214" y="1120754"/>
-            <a:ext cx="727363" cy="2"/>
-          </a:xfrm>
-          <a:prstGeom prst="straightConnector1">
-            <a:avLst/>
-          </a:prstGeom>
-          <a:ln>
-            <a:tailEnd type="triangle"/>
-          </a:ln>
-        </p:spPr>
-        <p:style>
-          <a:lnRef idx="1">
-            <a:schemeClr val="accent1"/>
-          </a:lnRef>
-          <a:fillRef idx="0">
-            <a:schemeClr val="accent1"/>
-          </a:fillRef>
-          <a:effectRef idx="0">
-            <a:schemeClr val="accent1"/>
-          </a:effectRef>
-          <a:fontRef idx="minor">
-            <a:schemeClr val="tx1"/>
-          </a:fontRef>
-        </p:style>
-      </p:cxnSp>
-      <p:sp>
-        <p:nvSpPr>
-          <p:cNvPr id="7" name="矩形 6"/>
-          <p:cNvSpPr/>
-          <p:nvPr/>
-        </p:nvSpPr>
-        <p:spPr>
-          <a:xfrm>
-            <a:off x="8093331" y="550818"/>
-            <a:ext cx="1691014" cy="1139869"/>
-          </a:xfrm>
-          <a:prstGeom prst="rect">
-            <a:avLst/>
-          </a:prstGeom>
-          <a:solidFill>
-            <a:schemeClr val="accent1">
-              <a:lumMod val="50000"/>
-            </a:schemeClr>
-          </a:solidFill>
-        </p:spPr>
-        <p:style>
-          <a:lnRef idx="2">
-            <a:schemeClr val="accent1">
-              <a:shade val="50000"/>
-            </a:schemeClr>
-          </a:lnRef>
-          <a:fillRef idx="1">
-            <a:schemeClr val="accent1"/>
-          </a:fillRef>
-          <a:effectRef idx="0">
-            <a:schemeClr val="accent1"/>
-          </a:effectRef>
-          <a:fontRef idx="minor">
-            <a:schemeClr val="lt1"/>
-          </a:fontRef>
-        </p:style>
-        <p:txBody>
-          <a:bodyPr rtlCol="0" anchor="ctr"/>
-          <a:lstStyle/>
-          <a:p>
-            <a:pPr algn="ctr"/>
-            <a:r>
-              <a:rPr lang="en-US" altLang="zh-TW" dirty="0" smtClean="0"/>
-              <a:t>Model</a:t>
-            </a:r>
-            <a:endParaRPr lang="zh-TW" altLang="en-US" dirty="0"/>
-          </a:p>
-        </p:txBody>
-      </p:sp>
-      <p:cxnSp>
-        <p:nvCxnSpPr>
-          <p:cNvPr id="8" name="直線單箭頭接點 7"/>
-          <p:cNvCxnSpPr>
-            <a:stCxn id="5" idx="3"/>
-            <a:endCxn id="7" idx="1"/>
-          </p:cNvCxnSpPr>
-          <p:nvPr/>
-        </p:nvCxnSpPr>
-        <p:spPr>
-          <a:xfrm>
-            <a:off x="7365968" y="1120753"/>
-            <a:ext cx="727363" cy="0"/>
-          </a:xfrm>
-          <a:prstGeom prst="straightConnector1">
-            <a:avLst/>
-          </a:prstGeom>
-          <a:ln>
-            <a:tailEnd type="triangle"/>
-          </a:ln>
-        </p:spPr>
-        <p:style>
-          <a:lnRef idx="1">
-            <a:schemeClr val="accent1"/>
-          </a:lnRef>
-          <a:fillRef idx="0">
-            <a:schemeClr val="accent1"/>
-          </a:fillRef>
-          <a:effectRef idx="0">
-            <a:schemeClr val="accent1"/>
-          </a:effectRef>
-          <a:fontRef idx="minor">
-            <a:schemeClr val="tx1"/>
-          </a:fontRef>
-        </p:style>
-      </p:cxnSp>
-      <p:sp>
-        <p:nvSpPr>
-          <p:cNvPr id="11" name="矩形 10"/>
-          <p:cNvSpPr/>
-          <p:nvPr/>
-        </p:nvSpPr>
-        <p:spPr>
-          <a:xfrm>
-            <a:off x="3256577" y="550819"/>
-            <a:ext cx="1691014" cy="1139869"/>
-          </a:xfrm>
-          <a:prstGeom prst="rect">
-            <a:avLst/>
-          </a:prstGeom>
-          <a:solidFill>
-            <a:schemeClr val="accent1"/>
-          </a:solidFill>
-        </p:spPr>
-        <p:style>
-          <a:lnRef idx="2">
-            <a:schemeClr val="accent1">
-              <a:shade val="50000"/>
-            </a:schemeClr>
-          </a:lnRef>
-          <a:fillRef idx="1">
-            <a:schemeClr val="accent1"/>
-          </a:fillRef>
-          <a:effectRef idx="0">
-            <a:schemeClr val="accent1"/>
-          </a:effectRef>
-          <a:fontRef idx="minor">
-            <a:schemeClr val="lt1"/>
-          </a:fontRef>
-        </p:style>
-        <p:txBody>
-          <a:bodyPr rtlCol="0" anchor="ctr"/>
-          <a:lstStyle/>
-          <a:p>
-            <a:pPr algn="ctr"/>
-            <a:r>
-              <a:rPr lang="en-US" altLang="zh-TW" dirty="0" smtClean="0"/>
-              <a:t>Train</a:t>
-            </a:r>
-            <a:r>
-              <a:rPr lang="zh-TW" altLang="en-US" dirty="0" smtClean="0"/>
-              <a:t> </a:t>
-            </a:r>
-            <a:r>
-              <a:rPr lang="en-US" altLang="zh-TW" dirty="0" smtClean="0"/>
-              <a:t>Data</a:t>
-            </a:r>
-          </a:p>
-          <a:p>
-            <a:pPr algn="ctr"/>
-            <a:r>
-              <a:rPr lang="en-US" altLang="zh-TW" dirty="0" smtClean="0"/>
-              <a:t>Preprocessing</a:t>
-            </a:r>
-          </a:p>
-        </p:txBody>
-      </p:sp>
-      <p:cxnSp>
-        <p:nvCxnSpPr>
-          <p:cNvPr id="12" name="直線單箭頭接點 11"/>
-          <p:cNvCxnSpPr>
-            <a:stCxn id="11" idx="3"/>
-            <a:endCxn id="5" idx="1"/>
-          </p:cNvCxnSpPr>
-          <p:nvPr/>
-        </p:nvCxnSpPr>
-        <p:spPr>
-          <a:xfrm flipV="1">
-            <a:off x="4947591" y="1120753"/>
-            <a:ext cx="727363" cy="1"/>
-          </a:xfrm>
-          <a:prstGeom prst="straightConnector1">
-            <a:avLst/>
-          </a:prstGeom>
-          <a:ln>
-            <a:tailEnd type="triangle"/>
-          </a:ln>
-        </p:spPr>
-        <p:style>
-          <a:lnRef idx="1">
-            <a:schemeClr val="accent1"/>
-          </a:lnRef>
-          <a:fillRef idx="0">
-            <a:schemeClr val="accent1"/>
-          </a:fillRef>
-          <a:effectRef idx="0">
-            <a:schemeClr val="accent1"/>
-          </a:effectRef>
-          <a:fontRef idx="minor">
-            <a:schemeClr val="tx1"/>
-          </a:fontRef>
-        </p:style>
-      </p:cxnSp>
+        </p:txBody>
+      </p:sp>
     </p:spTree>
     <p:extLst>
       <p:ext uri="{BB962C8B-B14F-4D97-AF65-F5344CB8AC3E}">
-        <p14:creationId xmlns:p14="http://schemas.microsoft.com/office/powerpoint/2010/main" val="1675122020"/>
+        <p14:creationId xmlns:p14="http://schemas.microsoft.com/office/powerpoint/2010/main" val="868381618"/>
       </p:ext>
     </p:extLst>
   </p:cSld>
@@ -14830,8 +11571,8 @@
           <a:lstStyle/>
           <a:p>
             <a:r>
-              <a:rPr lang="zh-TW" altLang="en-US" dirty="0" smtClean="0"/>
-              <a:t> </a:t>
+              <a:rPr lang="en-US" altLang="zh-TW" dirty="0" smtClean="0"/>
+              <a:t>Word2Vec Model Training</a:t>
             </a:r>
             <a:endParaRPr lang="zh-TW" altLang="en-US" dirty="0"/>
           </a:p>
@@ -14852,354 +11593,42 @@
           <a:bodyPr/>
           <a:lstStyle/>
           <a:p>
+            <a:r>
+              <a:rPr lang="en-US" altLang="zh-TW" dirty="0" smtClean="0"/>
+              <a:t>CBOW vs Skip Gram</a:t>
+            </a:r>
+          </a:p>
+          <a:p>
+            <a:r>
+              <a:rPr lang="en-US" altLang="zh-TW" dirty="0" smtClean="0"/>
+              <a:t>Vector size</a:t>
+            </a:r>
+          </a:p>
+          <a:p>
+            <a:r>
+              <a:rPr lang="en-US" altLang="zh-TW" dirty="0" smtClean="0"/>
+              <a:t>Min Count</a:t>
+            </a:r>
+          </a:p>
+          <a:p>
+            <a:r>
+              <a:rPr lang="en-US" altLang="zh-TW" dirty="0" smtClean="0"/>
+              <a:t>Skip Gram algorithm, Vector size 300, Min Count 3</a:t>
+            </a:r>
+          </a:p>
+          <a:p>
+            <a:r>
+              <a:rPr lang="en-US" altLang="zh-TW" dirty="0" smtClean="0"/>
+              <a:t>1398775 words</a:t>
+            </a:r>
             <a:endParaRPr lang="en-US" altLang="zh-TW" dirty="0" smtClean="0"/>
           </a:p>
-          <a:p>
-            <a:r>
-              <a:rPr lang="en-US" altLang="zh-TW" dirty="0" smtClean="0"/>
-              <a:t>CBOW vs Skip Gram</a:t>
-            </a:r>
-          </a:p>
-          <a:p>
-            <a:r>
-              <a:rPr lang="en-US" altLang="zh-TW" dirty="0" smtClean="0"/>
-              <a:t>Vector size</a:t>
-            </a:r>
-          </a:p>
-          <a:p>
-            <a:r>
-              <a:rPr lang="en-US" altLang="zh-TW" dirty="0" smtClean="0"/>
-              <a:t>Min Count</a:t>
-            </a:r>
-          </a:p>
-          <a:p>
-            <a:r>
-              <a:rPr lang="en-US" altLang="zh-TW" dirty="0" smtClean="0"/>
-              <a:t>Skip Gram algorithm, Vector size 300, Min Count 3</a:t>
-            </a:r>
-          </a:p>
-        </p:txBody>
-      </p:sp>
-      <p:sp>
-        <p:nvSpPr>
-          <p:cNvPr id="4" name="矩形 3"/>
-          <p:cNvSpPr/>
-          <p:nvPr/>
-        </p:nvSpPr>
-        <p:spPr>
-          <a:xfrm>
-            <a:off x="838200" y="550821"/>
-            <a:ext cx="1691014" cy="1139869"/>
-          </a:xfrm>
-          <a:prstGeom prst="rect">
-            <a:avLst/>
-          </a:prstGeom>
-          <a:solidFill>
-            <a:schemeClr val="accent1">
-              <a:lumMod val="50000"/>
-            </a:schemeClr>
-          </a:solidFill>
-        </p:spPr>
-        <p:style>
-          <a:lnRef idx="2">
-            <a:schemeClr val="accent1">
-              <a:shade val="50000"/>
-            </a:schemeClr>
-          </a:lnRef>
-          <a:fillRef idx="1">
-            <a:schemeClr val="accent1"/>
-          </a:fillRef>
-          <a:effectRef idx="0">
-            <a:schemeClr val="accent1"/>
-          </a:effectRef>
-          <a:fontRef idx="minor">
-            <a:schemeClr val="lt1"/>
-          </a:fontRef>
-        </p:style>
-        <p:txBody>
-          <a:bodyPr rtlCol="0" anchor="ctr"/>
-          <a:lstStyle/>
-          <a:p>
-            <a:pPr algn="ctr"/>
-            <a:r>
-              <a:rPr lang="en-US" altLang="zh-TW" dirty="0" smtClean="0"/>
-              <a:t>Articles</a:t>
-            </a:r>
-            <a:endParaRPr lang="zh-TW" altLang="en-US" dirty="0"/>
-          </a:p>
-        </p:txBody>
-      </p:sp>
-      <p:sp>
-        <p:nvSpPr>
-          <p:cNvPr id="5" name="矩形 4"/>
-          <p:cNvSpPr/>
-          <p:nvPr/>
-        </p:nvSpPr>
-        <p:spPr>
-          <a:xfrm>
-            <a:off x="5674954" y="550818"/>
-            <a:ext cx="1691014" cy="1139869"/>
-          </a:xfrm>
-          <a:prstGeom prst="rect">
-            <a:avLst/>
-          </a:prstGeom>
-          <a:solidFill>
-            <a:schemeClr val="accent1"/>
-          </a:solidFill>
-        </p:spPr>
-        <p:style>
-          <a:lnRef idx="2">
-            <a:schemeClr val="accent1">
-              <a:shade val="50000"/>
-            </a:schemeClr>
-          </a:lnRef>
-          <a:fillRef idx="1">
-            <a:schemeClr val="accent1"/>
-          </a:fillRef>
-          <a:effectRef idx="0">
-            <a:schemeClr val="accent1"/>
-          </a:effectRef>
-          <a:fontRef idx="minor">
-            <a:schemeClr val="lt1"/>
-          </a:fontRef>
-        </p:style>
-        <p:txBody>
-          <a:bodyPr rtlCol="0" anchor="ctr"/>
-          <a:lstStyle/>
-          <a:p>
-            <a:pPr algn="ctr"/>
-            <a:r>
-              <a:rPr lang="en-US" altLang="zh-TW" dirty="0" smtClean="0"/>
-              <a:t>Training</a:t>
-            </a:r>
-            <a:endParaRPr lang="zh-TW" altLang="en-US" dirty="0"/>
-          </a:p>
-        </p:txBody>
-      </p:sp>
-      <p:cxnSp>
-        <p:nvCxnSpPr>
-          <p:cNvPr id="6" name="直線單箭頭接點 5"/>
-          <p:cNvCxnSpPr>
-            <a:stCxn id="4" idx="3"/>
-            <a:endCxn id="11" idx="1"/>
-          </p:cNvCxnSpPr>
-          <p:nvPr/>
-        </p:nvCxnSpPr>
-        <p:spPr>
-          <a:xfrm flipV="1">
-            <a:off x="2529214" y="1120754"/>
-            <a:ext cx="727363" cy="2"/>
-          </a:xfrm>
-          <a:prstGeom prst="straightConnector1">
-            <a:avLst/>
-          </a:prstGeom>
-          <a:ln>
-            <a:tailEnd type="triangle"/>
-          </a:ln>
-        </p:spPr>
-        <p:style>
-          <a:lnRef idx="1">
-            <a:schemeClr val="accent1"/>
-          </a:lnRef>
-          <a:fillRef idx="0">
-            <a:schemeClr val="accent1"/>
-          </a:fillRef>
-          <a:effectRef idx="0">
-            <a:schemeClr val="accent1"/>
-          </a:effectRef>
-          <a:fontRef idx="minor">
-            <a:schemeClr val="tx1"/>
-          </a:fontRef>
-        </p:style>
-      </p:cxnSp>
-      <p:sp>
-        <p:nvSpPr>
-          <p:cNvPr id="7" name="矩形 6"/>
-          <p:cNvSpPr/>
-          <p:nvPr/>
-        </p:nvSpPr>
-        <p:spPr>
-          <a:xfrm>
-            <a:off x="8093331" y="550818"/>
-            <a:ext cx="1691014" cy="1139869"/>
-          </a:xfrm>
-          <a:prstGeom prst="rect">
-            <a:avLst/>
-          </a:prstGeom>
-          <a:solidFill>
-            <a:schemeClr val="accent1">
-              <a:lumMod val="50000"/>
-            </a:schemeClr>
-          </a:solidFill>
-        </p:spPr>
-        <p:style>
-          <a:lnRef idx="2">
-            <a:schemeClr val="accent1">
-              <a:shade val="50000"/>
-            </a:schemeClr>
-          </a:lnRef>
-          <a:fillRef idx="1">
-            <a:schemeClr val="accent1"/>
-          </a:fillRef>
-          <a:effectRef idx="0">
-            <a:schemeClr val="accent1"/>
-          </a:effectRef>
-          <a:fontRef idx="minor">
-            <a:schemeClr val="lt1"/>
-          </a:fontRef>
-        </p:style>
-        <p:txBody>
-          <a:bodyPr rtlCol="0" anchor="ctr"/>
-          <a:lstStyle/>
-          <a:p>
-            <a:pPr algn="ctr"/>
-            <a:r>
-              <a:rPr lang="en-US" altLang="zh-TW" dirty="0" smtClean="0"/>
-              <a:t>Model</a:t>
-            </a:r>
-            <a:endParaRPr lang="zh-TW" altLang="en-US" dirty="0"/>
-          </a:p>
-        </p:txBody>
-      </p:sp>
-      <p:cxnSp>
-        <p:nvCxnSpPr>
-          <p:cNvPr id="8" name="直線單箭頭接點 7"/>
-          <p:cNvCxnSpPr>
-            <a:stCxn id="5" idx="3"/>
-            <a:endCxn id="7" idx="1"/>
-          </p:cNvCxnSpPr>
-          <p:nvPr/>
-        </p:nvCxnSpPr>
-        <p:spPr>
-          <a:xfrm>
-            <a:off x="7365968" y="1120753"/>
-            <a:ext cx="727363" cy="0"/>
-          </a:xfrm>
-          <a:prstGeom prst="straightConnector1">
-            <a:avLst/>
-          </a:prstGeom>
-          <a:ln>
-            <a:tailEnd type="triangle"/>
-          </a:ln>
-        </p:spPr>
-        <p:style>
-          <a:lnRef idx="1">
-            <a:schemeClr val="accent1"/>
-          </a:lnRef>
-          <a:fillRef idx="0">
-            <a:schemeClr val="accent1"/>
-          </a:fillRef>
-          <a:effectRef idx="0">
-            <a:schemeClr val="accent1"/>
-          </a:effectRef>
-          <a:fontRef idx="minor">
-            <a:schemeClr val="tx1"/>
-          </a:fontRef>
-        </p:style>
-      </p:cxnSp>
-      <p:sp>
-        <p:nvSpPr>
-          <p:cNvPr id="11" name="矩形 10"/>
-          <p:cNvSpPr/>
-          <p:nvPr/>
-        </p:nvSpPr>
-        <p:spPr>
-          <a:xfrm>
-            <a:off x="3256577" y="550819"/>
-            <a:ext cx="1691014" cy="1139869"/>
-          </a:xfrm>
-          <a:prstGeom prst="rect">
-            <a:avLst/>
-          </a:prstGeom>
-          <a:solidFill>
-            <a:schemeClr val="accent1">
-              <a:lumMod val="50000"/>
-            </a:schemeClr>
-          </a:solidFill>
-        </p:spPr>
-        <p:style>
-          <a:lnRef idx="2">
-            <a:schemeClr val="accent1">
-              <a:shade val="50000"/>
-            </a:schemeClr>
-          </a:lnRef>
-          <a:fillRef idx="1">
-            <a:schemeClr val="accent1"/>
-          </a:fillRef>
-          <a:effectRef idx="0">
-            <a:schemeClr val="accent1"/>
-          </a:effectRef>
-          <a:fontRef idx="minor">
-            <a:schemeClr val="lt1"/>
-          </a:fontRef>
-        </p:style>
-        <p:txBody>
-          <a:bodyPr rtlCol="0" anchor="ctr"/>
-          <a:lstStyle/>
-          <a:p>
-            <a:pPr algn="ctr"/>
-            <a:r>
-              <a:rPr lang="en-US" altLang="zh-TW" dirty="0" smtClean="0"/>
-              <a:t>Train</a:t>
-            </a:r>
-            <a:r>
-              <a:rPr lang="zh-TW" altLang="en-US" dirty="0" smtClean="0"/>
-              <a:t> </a:t>
-            </a:r>
-            <a:r>
-              <a:rPr lang="en-US" altLang="zh-TW" dirty="0" smtClean="0"/>
-              <a:t>Data</a:t>
-            </a:r>
-          </a:p>
-          <a:p>
-            <a:pPr algn="ctr"/>
-            <a:r>
-              <a:rPr lang="en-US" altLang="zh-TW" dirty="0" smtClean="0"/>
-              <a:t>Preprocessing</a:t>
-            </a:r>
-          </a:p>
-        </p:txBody>
-      </p:sp>
-      <p:cxnSp>
-        <p:nvCxnSpPr>
-          <p:cNvPr id="12" name="直線單箭頭接點 11"/>
-          <p:cNvCxnSpPr>
-            <a:stCxn id="11" idx="3"/>
-            <a:endCxn id="5" idx="1"/>
-          </p:cNvCxnSpPr>
-          <p:nvPr/>
-        </p:nvCxnSpPr>
-        <p:spPr>
-          <a:xfrm flipV="1">
-            <a:off x="4947591" y="1120753"/>
-            <a:ext cx="727363" cy="1"/>
-          </a:xfrm>
-          <a:prstGeom prst="straightConnector1">
-            <a:avLst/>
-          </a:prstGeom>
-          <a:ln>
-            <a:tailEnd type="triangle"/>
-          </a:ln>
-        </p:spPr>
-        <p:style>
-          <a:lnRef idx="1">
-            <a:schemeClr val="accent1"/>
-          </a:lnRef>
-          <a:fillRef idx="0">
-            <a:schemeClr val="accent1"/>
-          </a:fillRef>
-          <a:effectRef idx="0">
-            <a:schemeClr val="accent1"/>
-          </a:effectRef>
-          <a:fontRef idx="minor">
-            <a:schemeClr val="tx1"/>
-          </a:fontRef>
-        </p:style>
-      </p:cxnSp>
+        </p:txBody>
+      </p:sp>
     </p:spTree>
     <p:extLst>
       <p:ext uri="{BB962C8B-B14F-4D97-AF65-F5344CB8AC3E}">
-        <p14:creationId xmlns:p14="http://schemas.microsoft.com/office/powerpoint/2010/main" val="4088785453"/>
+        <p14:creationId xmlns:p14="http://schemas.microsoft.com/office/powerpoint/2010/main" val="4136220327"/>
       </p:ext>
     </p:extLst>
   </p:cSld>
@@ -15235,7 +11664,7 @@
       </p:grpSpPr>
       <p:sp>
         <p:nvSpPr>
-          <p:cNvPr id="2" name="標題 1"/>
+          <p:cNvPr id="4" name="標題 3"/>
           <p:cNvSpPr>
             <a:spLocks noGrp="1"/>
           </p:cNvSpPr>
@@ -15249,8 +11678,12 @@
           <a:lstStyle/>
           <a:p>
             <a:r>
-              <a:rPr lang="zh-TW" altLang="en-US" dirty="0" smtClean="0"/>
-              <a:t> </a:t>
+              <a:rPr lang="en-US" altLang="zh-TW" dirty="0" smtClean="0"/>
+              <a:t>Clustering </a:t>
+            </a:r>
+            <a:r>
+              <a:rPr lang="en-US" altLang="zh-TW" dirty="0" smtClean="0"/>
+              <a:t>Part</a:t>
             </a:r>
             <a:endParaRPr lang="zh-TW" altLang="en-US" dirty="0"/>
           </a:p>
@@ -15258,358 +11691,27 @@
       </p:sp>
       <p:sp>
         <p:nvSpPr>
-          <p:cNvPr id="3" name="內容版面配置區 2"/>
-          <p:cNvSpPr>
-            <a:spLocks noGrp="1"/>
-          </p:cNvSpPr>
-          <p:nvPr>
-            <p:ph idx="1"/>
-          </p:nvPr>
-        </p:nvSpPr>
-        <p:spPr/>
-        <p:txBody>
-          <a:bodyPr/>
-          <a:lstStyle/>
-          <a:p>
-            <a:endParaRPr lang="en-US" altLang="zh-TW" dirty="0" smtClean="0"/>
-          </a:p>
-          <a:p>
-            <a:r>
-              <a:rPr lang="zh-TW" altLang="en-US" dirty="0" smtClean="0"/>
-              <a:t>包含</a:t>
-            </a:r>
-            <a:r>
-              <a:rPr lang="en-US" altLang="zh-TW" dirty="0" smtClean="0"/>
-              <a:t>1398775</a:t>
-            </a:r>
-            <a:r>
-              <a:rPr lang="zh-TW" altLang="en-US" dirty="0" smtClean="0"/>
-              <a:t>個詞彙</a:t>
-            </a:r>
-            <a:endParaRPr lang="en-US" altLang="zh-TW" dirty="0" smtClean="0"/>
-          </a:p>
-        </p:txBody>
-      </p:sp>
-      <p:sp>
-        <p:nvSpPr>
-          <p:cNvPr id="4" name="矩形 3"/>
-          <p:cNvSpPr/>
-          <p:nvPr/>
-        </p:nvSpPr>
-        <p:spPr>
-          <a:xfrm>
-            <a:off x="838200" y="550821"/>
-            <a:ext cx="1691014" cy="1139869"/>
-          </a:xfrm>
-          <a:prstGeom prst="rect">
-            <a:avLst/>
-          </a:prstGeom>
-          <a:solidFill>
-            <a:schemeClr val="accent1">
-              <a:lumMod val="50000"/>
-            </a:schemeClr>
-          </a:solidFill>
-        </p:spPr>
-        <p:style>
-          <a:lnRef idx="2">
-            <a:schemeClr val="accent1">
-              <a:shade val="50000"/>
-            </a:schemeClr>
-          </a:lnRef>
-          <a:fillRef idx="1">
-            <a:schemeClr val="accent1"/>
-          </a:fillRef>
-          <a:effectRef idx="0">
-            <a:schemeClr val="accent1"/>
-          </a:effectRef>
-          <a:fontRef idx="minor">
-            <a:schemeClr val="lt1"/>
-          </a:fontRef>
-        </p:style>
-        <p:txBody>
-          <a:bodyPr rtlCol="0" anchor="ctr"/>
-          <a:lstStyle/>
-          <a:p>
-            <a:pPr algn="ctr"/>
-            <a:r>
-              <a:rPr lang="en-US" altLang="zh-TW" dirty="0" smtClean="0"/>
-              <a:t>Articles</a:t>
-            </a:r>
-            <a:endParaRPr lang="zh-TW" altLang="en-US" dirty="0"/>
-          </a:p>
-        </p:txBody>
-      </p:sp>
-      <p:sp>
-        <p:nvSpPr>
-          <p:cNvPr id="5" name="矩形 4"/>
-          <p:cNvSpPr/>
-          <p:nvPr/>
-        </p:nvSpPr>
-        <p:spPr>
-          <a:xfrm>
-            <a:off x="5674954" y="550818"/>
-            <a:ext cx="1691014" cy="1139869"/>
-          </a:xfrm>
-          <a:prstGeom prst="rect">
-            <a:avLst/>
-          </a:prstGeom>
-          <a:solidFill>
-            <a:schemeClr val="accent1">
-              <a:lumMod val="50000"/>
-            </a:schemeClr>
-          </a:solidFill>
-        </p:spPr>
-        <p:style>
-          <a:lnRef idx="2">
-            <a:schemeClr val="accent1">
-              <a:shade val="50000"/>
-            </a:schemeClr>
-          </a:lnRef>
-          <a:fillRef idx="1">
-            <a:schemeClr val="accent1"/>
-          </a:fillRef>
-          <a:effectRef idx="0">
-            <a:schemeClr val="accent1"/>
-          </a:effectRef>
-          <a:fontRef idx="minor">
-            <a:schemeClr val="lt1"/>
-          </a:fontRef>
-        </p:style>
-        <p:txBody>
-          <a:bodyPr rtlCol="0" anchor="ctr"/>
-          <a:lstStyle/>
-          <a:p>
-            <a:pPr algn="ctr"/>
-            <a:r>
-              <a:rPr lang="en-US" altLang="zh-TW" dirty="0" smtClean="0"/>
-              <a:t>Training</a:t>
-            </a:r>
-            <a:endParaRPr lang="zh-TW" altLang="en-US" dirty="0"/>
-          </a:p>
-        </p:txBody>
-      </p:sp>
-      <p:cxnSp>
-        <p:nvCxnSpPr>
-          <p:cNvPr id="6" name="直線單箭頭接點 5"/>
-          <p:cNvCxnSpPr>
-            <a:stCxn id="4" idx="3"/>
-            <a:endCxn id="11" idx="1"/>
-          </p:cNvCxnSpPr>
-          <p:nvPr/>
-        </p:nvCxnSpPr>
-        <p:spPr>
-          <a:xfrm flipV="1">
-            <a:off x="2529214" y="1120754"/>
-            <a:ext cx="727363" cy="2"/>
-          </a:xfrm>
-          <a:prstGeom prst="straightConnector1">
-            <a:avLst/>
-          </a:prstGeom>
-          <a:ln>
-            <a:tailEnd type="triangle"/>
-          </a:ln>
-        </p:spPr>
-        <p:style>
-          <a:lnRef idx="1">
-            <a:schemeClr val="accent1"/>
-          </a:lnRef>
-          <a:fillRef idx="0">
-            <a:schemeClr val="accent1"/>
-          </a:fillRef>
-          <a:effectRef idx="0">
-            <a:schemeClr val="accent1"/>
-          </a:effectRef>
-          <a:fontRef idx="minor">
-            <a:schemeClr val="tx1"/>
-          </a:fontRef>
-        </p:style>
-      </p:cxnSp>
-      <p:sp>
-        <p:nvSpPr>
-          <p:cNvPr id="7" name="矩形 6"/>
-          <p:cNvSpPr/>
-          <p:nvPr/>
-        </p:nvSpPr>
-        <p:spPr>
-          <a:xfrm>
-            <a:off x="8093331" y="550818"/>
-            <a:ext cx="1691014" cy="1139869"/>
-          </a:xfrm>
-          <a:prstGeom prst="rect">
-            <a:avLst/>
-          </a:prstGeom>
-          <a:solidFill>
-            <a:schemeClr val="accent1"/>
-          </a:solidFill>
-        </p:spPr>
-        <p:style>
-          <a:lnRef idx="2">
-            <a:schemeClr val="accent1">
-              <a:shade val="50000"/>
-            </a:schemeClr>
-          </a:lnRef>
-          <a:fillRef idx="1">
-            <a:schemeClr val="accent1"/>
-          </a:fillRef>
-          <a:effectRef idx="0">
-            <a:schemeClr val="accent1"/>
-          </a:effectRef>
-          <a:fontRef idx="minor">
-            <a:schemeClr val="lt1"/>
-          </a:fontRef>
-        </p:style>
-        <p:txBody>
-          <a:bodyPr rtlCol="0" anchor="ctr"/>
-          <a:lstStyle/>
-          <a:p>
-            <a:pPr algn="ctr"/>
-            <a:r>
-              <a:rPr lang="en-US" altLang="zh-TW" dirty="0" smtClean="0"/>
-              <a:t>Model</a:t>
-            </a:r>
-            <a:endParaRPr lang="zh-TW" altLang="en-US" dirty="0"/>
-          </a:p>
-        </p:txBody>
-      </p:sp>
-      <p:cxnSp>
-        <p:nvCxnSpPr>
-          <p:cNvPr id="8" name="直線單箭頭接點 7"/>
-          <p:cNvCxnSpPr>
-            <a:stCxn id="5" idx="3"/>
-            <a:endCxn id="7" idx="1"/>
-          </p:cNvCxnSpPr>
-          <p:nvPr/>
-        </p:nvCxnSpPr>
-        <p:spPr>
-          <a:xfrm>
-            <a:off x="7365968" y="1120753"/>
-            <a:ext cx="727363" cy="0"/>
-          </a:xfrm>
-          <a:prstGeom prst="straightConnector1">
-            <a:avLst/>
-          </a:prstGeom>
-          <a:ln>
-            <a:tailEnd type="triangle"/>
-          </a:ln>
-        </p:spPr>
-        <p:style>
-          <a:lnRef idx="1">
-            <a:schemeClr val="accent1"/>
-          </a:lnRef>
-          <a:fillRef idx="0">
-            <a:schemeClr val="accent1"/>
-          </a:fillRef>
-          <a:effectRef idx="0">
-            <a:schemeClr val="accent1"/>
-          </a:effectRef>
-          <a:fontRef idx="minor">
-            <a:schemeClr val="tx1"/>
-          </a:fontRef>
-        </p:style>
-      </p:cxnSp>
-      <p:sp>
-        <p:nvSpPr>
-          <p:cNvPr id="11" name="矩形 10"/>
-          <p:cNvSpPr/>
-          <p:nvPr/>
-        </p:nvSpPr>
-        <p:spPr>
-          <a:xfrm>
-            <a:off x="3256577" y="550819"/>
-            <a:ext cx="1691014" cy="1139869"/>
-          </a:xfrm>
-          <a:prstGeom prst="rect">
-            <a:avLst/>
-          </a:prstGeom>
-          <a:solidFill>
-            <a:schemeClr val="accent1">
-              <a:lumMod val="50000"/>
-            </a:schemeClr>
-          </a:solidFill>
-        </p:spPr>
-        <p:style>
-          <a:lnRef idx="2">
-            <a:schemeClr val="accent1">
-              <a:shade val="50000"/>
-            </a:schemeClr>
-          </a:lnRef>
-          <a:fillRef idx="1">
-            <a:schemeClr val="accent1"/>
-          </a:fillRef>
-          <a:effectRef idx="0">
-            <a:schemeClr val="accent1"/>
-          </a:effectRef>
-          <a:fontRef idx="minor">
-            <a:schemeClr val="lt1"/>
-          </a:fontRef>
-        </p:style>
-        <p:txBody>
-          <a:bodyPr rtlCol="0" anchor="ctr"/>
-          <a:lstStyle/>
-          <a:p>
-            <a:pPr algn="ctr"/>
-            <a:r>
-              <a:rPr lang="en-US" altLang="zh-TW" dirty="0" smtClean="0"/>
-              <a:t>Train</a:t>
-            </a:r>
-            <a:r>
-              <a:rPr lang="zh-TW" altLang="en-US" dirty="0" smtClean="0"/>
-              <a:t> </a:t>
-            </a:r>
-            <a:r>
-              <a:rPr lang="en-US" altLang="zh-TW" dirty="0" smtClean="0"/>
-              <a:t>Data</a:t>
-            </a:r>
-          </a:p>
-          <a:p>
-            <a:pPr algn="ctr"/>
-            <a:r>
-              <a:rPr lang="en-US" altLang="zh-TW" dirty="0" smtClean="0"/>
-              <a:t>Preprocessing</a:t>
-            </a:r>
-          </a:p>
-        </p:txBody>
-      </p:sp>
-      <p:cxnSp>
-        <p:nvCxnSpPr>
-          <p:cNvPr id="12" name="直線單箭頭接點 11"/>
-          <p:cNvCxnSpPr>
-            <a:stCxn id="11" idx="3"/>
-            <a:endCxn id="5" idx="1"/>
-          </p:cNvCxnSpPr>
-          <p:nvPr/>
-        </p:nvCxnSpPr>
-        <p:spPr>
-          <a:xfrm flipV="1">
-            <a:off x="4947591" y="1120753"/>
-            <a:ext cx="727363" cy="1"/>
-          </a:xfrm>
-          <a:prstGeom prst="straightConnector1">
-            <a:avLst/>
-          </a:prstGeom>
-          <a:ln>
-            <a:tailEnd type="triangle"/>
-          </a:ln>
-        </p:spPr>
-        <p:style>
-          <a:lnRef idx="1">
-            <a:schemeClr val="accent1"/>
-          </a:lnRef>
-          <a:fillRef idx="0">
-            <a:schemeClr val="accent1"/>
-          </a:fillRef>
-          <a:effectRef idx="0">
-            <a:schemeClr val="accent1"/>
-          </a:effectRef>
-          <a:fontRef idx="minor">
-            <a:schemeClr val="tx1"/>
-          </a:fontRef>
-        </p:style>
-      </p:cxnSp>
+          <p:cNvPr id="5" name="文字版面配置區 4"/>
+          <p:cNvSpPr>
+            <a:spLocks noGrp="1"/>
+          </p:cNvSpPr>
+          <p:nvPr>
+            <p:ph type="body" idx="1"/>
+          </p:nvPr>
+        </p:nvSpPr>
+        <p:spPr/>
+        <p:txBody>
+          <a:bodyPr/>
+          <a:lstStyle/>
+          <a:p>
+            <a:endParaRPr lang="zh-TW" altLang="en-US"/>
+          </a:p>
+        </p:txBody>
+      </p:sp>
     </p:spTree>
     <p:extLst>
       <p:ext uri="{BB962C8B-B14F-4D97-AF65-F5344CB8AC3E}">
-        <p14:creationId xmlns:p14="http://schemas.microsoft.com/office/powerpoint/2010/main" val="2399091153"/>
+        <p14:creationId xmlns:p14="http://schemas.microsoft.com/office/powerpoint/2010/main" val="3680522617"/>
       </p:ext>
     </p:extLst>
   </p:cSld>
@@ -15627,9 +11729,9 @@
 </file>
 
 <file path=ppt/theme/theme1.xml><?xml version="1.0" encoding="utf-8"?>
-<a:theme xmlns:a="http://schemas.openxmlformats.org/drawingml/2006/main" name="Office Theme">
+<a:theme xmlns:a="http://schemas.openxmlformats.org/drawingml/2006/main" name="Office 佈景主題">
   <a:themeElements>
-    <a:clrScheme name="Office 佈景主題">
+    <a:clrScheme name="Office">
       <a:dk1>
         <a:sysClr val="windowText" lastClr="000000"/>
       </a:dk1>
@@ -15643,22 +11745,22 @@
         <a:srgbClr val="E7E6E6"/>
       </a:lt2>
       <a:accent1>
-        <a:srgbClr val="29AF8C"/>
+        <a:srgbClr val="5B9BD5"/>
       </a:accent1>
       <a:accent2>
-        <a:srgbClr val="97BE49"/>
+        <a:srgbClr val="ED7D31"/>
       </a:accent2>
       <a:accent3>
-        <a:srgbClr val="3D9CCC"/>
+        <a:srgbClr val="A5A5A5"/>
       </a:accent3>
       <a:accent4>
-        <a:srgbClr val="7C60C6"/>
+        <a:srgbClr val="FFC000"/>
       </a:accent4>
       <a:accent5>
-        <a:srgbClr val="C9492C"/>
+        <a:srgbClr val="4472C4"/>
       </a:accent5>
       <a:accent6>
-        <a:srgbClr val="D58C2E"/>
+        <a:srgbClr val="70AD47"/>
       </a:accent6>
       <a:hlink>
         <a:srgbClr val="0563C1"/>
@@ -15667,7 +11769,7 @@
         <a:srgbClr val="954F72"/>
       </a:folHlink>
     </a:clrScheme>
-    <a:fontScheme name="Office 佈景主題">
+    <a:fontScheme name="Office">
       <a:majorFont>
         <a:latin typeface="Calibri Light" panose="020F0302020204030204"/>
         <a:ea typeface=""/>
@@ -15739,7 +11841,7 @@
         <a:font script="Geor" typeface="Sylfaen"/>
       </a:minorFont>
     </a:fontScheme>
-    <a:fmtScheme name="Office 佈景主題">
+    <a:fmtScheme name="Office">
       <a:fillStyleLst>
         <a:solidFill>
           <a:schemeClr val="phClr"/>
@@ -15881,7 +11983,7 @@
   <a:extraClrSchemeLst/>
   <a:extLst>
     <a:ext uri="{05A4C25C-085E-4340-85A3-A5531E510DB2}">
-      <thm15:themeFamily xmlns:thm15="http://schemas.microsoft.com/office/thememl/2012/main" name="Office Theme" id="{62F939B6-93AF-4DB8-9C6B-D6C7DFDC589F}" vid="{3E4F19A7-A959-40BB-972C-4880BAF8EB09}"/>
+      <thm15:themeFamily xmlns:thm15="http://schemas.microsoft.com/office/thememl/2012/main" name="Office Theme" id="{62F939B6-93AF-4DB8-9C6B-D6C7DFDC589F}" vid="{4A3C46E8-61CC-4603-A589-7422A47A8E4A}"/>
     </a:ext>
   </a:extLst>
 </a:theme>

--- a/Hot-Topic-Detection.pptx
+++ b/Hot-Topic-Detection.pptx
@@ -21,9 +21,9 @@
     <p:sldId id="312" r:id="rId12"/>
     <p:sldId id="314" r:id="rId13"/>
     <p:sldId id="315" r:id="rId14"/>
-    <p:sldId id="289" r:id="rId15"/>
-    <p:sldId id="290" r:id="rId16"/>
-    <p:sldId id="291" r:id="rId17"/>
+    <p:sldId id="317" r:id="rId15"/>
+    <p:sldId id="318" r:id="rId16"/>
+    <p:sldId id="319" r:id="rId17"/>
     <p:sldId id="316" r:id="rId18"/>
     <p:sldId id="292" r:id="rId19"/>
     <p:sldId id="294" r:id="rId20"/>
@@ -945,11 +945,11 @@
         </c:dLbls>
         <c:marker val="1"/>
         <c:smooth val="0"/>
-        <c:axId val="-127003216"/>
-        <c:axId val="-127000496"/>
+        <c:axId val="-1855864480"/>
+        <c:axId val="-1855854688"/>
       </c:lineChart>
       <c:catAx>
-        <c:axId val="-127003216"/>
+        <c:axId val="-1855864480"/>
         <c:scaling>
           <c:orientation val="minMax"/>
         </c:scaling>
@@ -996,7 +996,6 @@
               </a:p>
             </c:rich>
           </c:tx>
-          <c:layout/>
           <c:overlay val="0"/>
           <c:spPr>
             <a:noFill/>
@@ -1063,7 +1062,7 @@
             <a:endParaRPr lang="zh-TW"/>
           </a:p>
         </c:txPr>
-        <c:crossAx val="-127000496"/>
+        <c:crossAx val="-1855854688"/>
         <c:crosses val="autoZero"/>
         <c:auto val="1"/>
         <c:lblAlgn val="ctr"/>
@@ -1071,7 +1070,7 @@
         <c:noMultiLvlLbl val="0"/>
       </c:catAx>
       <c:valAx>
-        <c:axId val="-127000496"/>
+        <c:axId val="-1855854688"/>
         <c:scaling>
           <c:orientation val="minMax"/>
           <c:min val="0.75000000000000011"/>
@@ -1118,7 +1117,6 @@
               </a:p>
             </c:rich>
           </c:tx>
-          <c:layout/>
           <c:overlay val="0"/>
           <c:spPr>
             <a:noFill/>
@@ -1181,7 +1179,7 @@
             <a:endParaRPr lang="zh-TW"/>
           </a:p>
         </c:txPr>
-        <c:crossAx val="-127003216"/>
+        <c:crossAx val="-1855864480"/>
         <c:crosses val="autoZero"/>
         <c:crossBetween val="between"/>
       </c:valAx>
@@ -1195,7 +1193,6 @@
     </c:plotArea>
     <c:legend>
       <c:legendPos val="t"/>
-      <c:layout/>
       <c:overlay val="0"/>
       <c:spPr>
         <a:noFill/>
@@ -1877,7 +1874,7 @@
           <a:p>
             <a:fld id="{6EBBD1C7-ADD3-504D-BCDB-B42CF5CE97FC}" type="datetimeFigureOut">
               <a:rPr kumimoji="1" lang="zh-TW" altLang="en-US" smtClean="0"/>
-              <a:t>2016/6/4</a:t>
+              <a:t>2016/6/6</a:t>
             </a:fld>
             <a:endParaRPr kumimoji="1" lang="zh-TW" altLang="en-US"/>
           </a:p>
@@ -3022,7 +3019,7 @@
           <a:p>
             <a:fld id="{07D37549-EB1B-4775-A7CD-5FCE3CE0385F}" type="datetimeFigureOut">
               <a:rPr lang="zh-TW" altLang="en-US" smtClean="0"/>
-              <a:t>2016/6/4</a:t>
+              <a:t>2016/6/6</a:t>
             </a:fld>
             <a:endParaRPr lang="zh-TW" altLang="en-US"/>
           </a:p>
@@ -3192,7 +3189,7 @@
           <a:p>
             <a:fld id="{07D37549-EB1B-4775-A7CD-5FCE3CE0385F}" type="datetimeFigureOut">
               <a:rPr lang="zh-TW" altLang="en-US" smtClean="0"/>
-              <a:t>2016/6/4</a:t>
+              <a:t>2016/6/6</a:t>
             </a:fld>
             <a:endParaRPr lang="zh-TW" altLang="en-US"/>
           </a:p>
@@ -3372,7 +3369,7 @@
           <a:p>
             <a:fld id="{07D37549-EB1B-4775-A7CD-5FCE3CE0385F}" type="datetimeFigureOut">
               <a:rPr lang="zh-TW" altLang="en-US" smtClean="0"/>
-              <a:t>2016/6/4</a:t>
+              <a:t>2016/6/6</a:t>
             </a:fld>
             <a:endParaRPr lang="zh-TW" altLang="en-US"/>
           </a:p>
@@ -3542,7 +3539,7 @@
           <a:p>
             <a:fld id="{07D37549-EB1B-4775-A7CD-5FCE3CE0385F}" type="datetimeFigureOut">
               <a:rPr lang="zh-TW" altLang="en-US" smtClean="0"/>
-              <a:t>2016/6/4</a:t>
+              <a:t>2016/6/6</a:t>
             </a:fld>
             <a:endParaRPr lang="zh-TW" altLang="en-US"/>
           </a:p>
@@ -3788,7 +3785,7 @@
           <a:p>
             <a:fld id="{07D37549-EB1B-4775-A7CD-5FCE3CE0385F}" type="datetimeFigureOut">
               <a:rPr lang="zh-TW" altLang="en-US" smtClean="0"/>
-              <a:t>2016/6/4</a:t>
+              <a:t>2016/6/6</a:t>
             </a:fld>
             <a:endParaRPr lang="zh-TW" altLang="en-US"/>
           </a:p>
@@ -4020,7 +4017,7 @@
           <a:p>
             <a:fld id="{07D37549-EB1B-4775-A7CD-5FCE3CE0385F}" type="datetimeFigureOut">
               <a:rPr lang="zh-TW" altLang="en-US" smtClean="0"/>
-              <a:t>2016/6/4</a:t>
+              <a:t>2016/6/6</a:t>
             </a:fld>
             <a:endParaRPr lang="zh-TW" altLang="en-US"/>
           </a:p>
@@ -4387,7 +4384,7 @@
           <a:p>
             <a:fld id="{07D37549-EB1B-4775-A7CD-5FCE3CE0385F}" type="datetimeFigureOut">
               <a:rPr lang="zh-TW" altLang="en-US" smtClean="0"/>
-              <a:t>2016/6/4</a:t>
+              <a:t>2016/6/6</a:t>
             </a:fld>
             <a:endParaRPr lang="zh-TW" altLang="en-US"/>
           </a:p>
@@ -4505,7 +4502,7 @@
           <a:p>
             <a:fld id="{07D37549-EB1B-4775-A7CD-5FCE3CE0385F}" type="datetimeFigureOut">
               <a:rPr lang="zh-TW" altLang="en-US" smtClean="0"/>
-              <a:t>2016/6/4</a:t>
+              <a:t>2016/6/6</a:t>
             </a:fld>
             <a:endParaRPr lang="zh-TW" altLang="en-US"/>
           </a:p>
@@ -4600,7 +4597,7 @@
           <a:p>
             <a:fld id="{07D37549-EB1B-4775-A7CD-5FCE3CE0385F}" type="datetimeFigureOut">
               <a:rPr lang="zh-TW" altLang="en-US" smtClean="0"/>
-              <a:t>2016/6/4</a:t>
+              <a:t>2016/6/6</a:t>
             </a:fld>
             <a:endParaRPr lang="zh-TW" altLang="en-US"/>
           </a:p>
@@ -4877,7 +4874,7 @@
           <a:p>
             <a:fld id="{07D37549-EB1B-4775-A7CD-5FCE3CE0385F}" type="datetimeFigureOut">
               <a:rPr lang="zh-TW" altLang="en-US" smtClean="0"/>
-              <a:t>2016/6/4</a:t>
+              <a:t>2016/6/6</a:t>
             </a:fld>
             <a:endParaRPr lang="zh-TW" altLang="en-US"/>
           </a:p>
@@ -5130,7 +5127,7 @@
           <a:p>
             <a:fld id="{07D37549-EB1B-4775-A7CD-5FCE3CE0385F}" type="datetimeFigureOut">
               <a:rPr lang="zh-TW" altLang="en-US" smtClean="0"/>
-              <a:t>2016/6/4</a:t>
+              <a:t>2016/6/6</a:t>
             </a:fld>
             <a:endParaRPr lang="zh-TW" altLang="en-US"/>
           </a:p>
@@ -5343,7 +5340,7 @@
           <a:p>
             <a:fld id="{07D37549-EB1B-4775-A7CD-5FCE3CE0385F}" type="datetimeFigureOut">
               <a:rPr lang="zh-TW" altLang="en-US" smtClean="0"/>
-              <a:t>2016/6/4</a:t>
+              <a:t>2016/6/6</a:t>
             </a:fld>
             <a:endParaRPr lang="zh-TW" altLang="en-US"/>
           </a:p>
@@ -5820,7 +5817,6 @@
               <a:rPr lang="zh-TW" altLang="en-US" sz="4000" dirty="0"/>
               <a:t>主題偵測</a:t>
             </a:r>
-            <a:endParaRPr lang="zh-TW" altLang="en-US" sz="4000" dirty="0"/>
           </a:p>
         </p:txBody>
       </p:sp>
@@ -5927,7 +5923,6 @@
               <a:rPr lang="en-US" altLang="zh-TW" dirty="0" smtClean="0"/>
               <a:t>Remove quote, URLs</a:t>
             </a:r>
-            <a:endParaRPr lang="en-US" altLang="zh-TW" dirty="0" smtClean="0"/>
           </a:p>
           <a:p>
             <a:pPr marL="457200" lvl="1" indent="0">
@@ -6083,7 +6078,15 @@
             </a:pPr>
             <a:r>
               <a:rPr lang="en-US" altLang="zh-TW" dirty="0" smtClean="0"/>
-              <a:t>Mean of sub-article vector</a:t>
+              <a:t>Mean of </a:t>
+            </a:r>
+            <a:r>
+              <a:rPr lang="en-US" altLang="zh-TW" dirty="0" smtClean="0"/>
+              <a:t>sub-articles </a:t>
+            </a:r>
+            <a:r>
+              <a:rPr lang="en-US" altLang="zh-TW" dirty="0" smtClean="0"/>
+              <a:t>vector</a:t>
             </a:r>
           </a:p>
           <a:p>
@@ -6171,14 +6174,64 @@
           <a:p>
             <a:r>
               <a:rPr lang="zh-TW" altLang="en-US" dirty="0" smtClean="0"/>
-              <a:t>話題由一群文章組成，每一個話題可以用一個向量來表示</a:t>
+              <a:t>話題由一群文章組成，</a:t>
+            </a:r>
+            <a:r>
+              <a:rPr lang="zh-TW" altLang="en-US" dirty="0" smtClean="0"/>
+              <a:t>每篇文章及話題</a:t>
+            </a:r>
+            <a:r>
+              <a:rPr lang="zh-TW" altLang="en-US" dirty="0" smtClean="0"/>
+              <a:t>可以用一個向量來表示</a:t>
             </a:r>
             <a:endParaRPr lang="en-US" altLang="zh-TW" dirty="0" smtClean="0"/>
           </a:p>
           <a:p>
             <a:r>
               <a:rPr lang="zh-TW" altLang="en-US" dirty="0" smtClean="0"/>
-              <a:t>定義一個門檻值，將含有相同標題的文章視為同一話題，對每一話題找出與該話題最為相似的話題，若相似度大於門檻值則將兩個話題合併，若相似度小於門檻值，則將話題移到分群完畢的清單，重複直到所有話題合併完畢</a:t>
+              <a:t>首先將</a:t>
+            </a:r>
+            <a:r>
+              <a:rPr lang="zh-TW" altLang="en-US" dirty="0"/>
+              <a:t>含有相同標題的文章視為同一</a:t>
+            </a:r>
+            <a:r>
+              <a:rPr lang="zh-TW" altLang="en-US" dirty="0" smtClean="0"/>
+              <a:t>話題。接著定義</a:t>
+            </a:r>
+            <a:r>
+              <a:rPr lang="zh-TW" altLang="en-US" dirty="0" smtClean="0"/>
+              <a:t>一個門檻值</a:t>
+            </a:r>
+            <a:r>
+              <a:rPr lang="zh-TW" altLang="en-US" dirty="0" smtClean="0"/>
+              <a:t>，對</a:t>
+            </a:r>
+            <a:r>
+              <a:rPr lang="zh-TW" altLang="en-US" dirty="0" smtClean="0"/>
+              <a:t>每一話題找出與該話題最為相似的話題，若相似度大於門檻值則將兩個話題合併，若相似度小於門檻值，則將話題移到分群完畢的清單，重複直到所有話題合併</a:t>
+            </a:r>
+            <a:r>
+              <a:rPr lang="zh-TW" altLang="en-US" dirty="0" smtClean="0"/>
+              <a:t>完畢</a:t>
+            </a:r>
+            <a:endParaRPr lang="en-US" altLang="zh-TW" dirty="0" smtClean="0"/>
+          </a:p>
+          <a:p>
+            <a:endParaRPr lang="en-US" altLang="zh-TW" dirty="0"/>
+          </a:p>
+          <a:p>
+            <a:r>
+              <a:rPr lang="zh-TW" altLang="en-US" dirty="0" smtClean="0"/>
+              <a:t>話題相似度 </a:t>
+            </a:r>
+            <a:r>
+              <a:rPr lang="en-US" altLang="zh-TW" dirty="0" smtClean="0"/>
+              <a:t>=</a:t>
+            </a:r>
+            <a:r>
+              <a:rPr lang="zh-TW" altLang="en-US" dirty="0" smtClean="0"/>
+              <a:t> 兩話題特徵向量取內積</a:t>
             </a:r>
             <a:endParaRPr lang="en-US" altLang="zh-TW" dirty="0" smtClean="0"/>
           </a:p>
@@ -6238,7 +6291,11 @@
           <a:p>
             <a:r>
               <a:rPr lang="en-US" altLang="zh-TW" dirty="0" smtClean="0"/>
-              <a:t>Clustering – method 1</a:t>
+              <a:t>Clustering – method </a:t>
+            </a:r>
+            <a:r>
+              <a:rPr lang="en-US" altLang="zh-TW" dirty="0" smtClean="0"/>
+              <a:t>1</a:t>
             </a:r>
             <a:endParaRPr lang="zh-TW" altLang="en-US" dirty="0"/>
           </a:p>
@@ -6259,7 +6316,72 @@
           <a:bodyPr/>
           <a:lstStyle/>
           <a:p>
-            <a:endParaRPr lang="en-US" altLang="zh-TW" dirty="0" smtClean="0"/>
+            <a:r>
+              <a:rPr lang="zh-TW" altLang="en-US" dirty="0"/>
+              <a:t>文章特徵向量 </a:t>
+            </a:r>
+            <a:r>
+              <a:rPr lang="en-US" altLang="zh-TW" dirty="0"/>
+              <a:t>=</a:t>
+            </a:r>
+            <a:r>
+              <a:rPr lang="zh-TW" altLang="en-US" dirty="0"/>
+              <a:t> 標題斷詞後各向量的平均</a:t>
+            </a:r>
+            <a:endParaRPr lang="en-US" altLang="zh-TW" dirty="0"/>
+          </a:p>
+          <a:p>
+            <a:r>
+              <a:rPr lang="zh-TW" altLang="en-US" dirty="0"/>
+              <a:t>話題關鍵字特徵向量 </a:t>
+            </a:r>
+            <a:r>
+              <a:rPr lang="en-US" altLang="zh-TW" dirty="0"/>
+              <a:t>=</a:t>
+            </a:r>
+            <a:r>
+              <a:rPr lang="zh-TW" altLang="en-US" dirty="0"/>
+              <a:t> </a:t>
+            </a:r>
+            <a:r>
+              <a:rPr lang="zh-TW" altLang="en-US" dirty="0" smtClean="0"/>
+              <a:t>討論</a:t>
+            </a:r>
+            <a:r>
+              <a:rPr lang="zh-TW" altLang="en-US" dirty="0"/>
+              <a:t>串內文前十關鍵字向量的平均</a:t>
+            </a:r>
+            <a:endParaRPr lang="en-US" altLang="zh-TW" dirty="0"/>
+          </a:p>
+          <a:p>
+            <a:r>
+              <a:rPr lang="zh-TW" altLang="en-US" dirty="0"/>
+              <a:t>話題特徵向量 </a:t>
+            </a:r>
+            <a:r>
+              <a:rPr lang="en-US" altLang="zh-TW" dirty="0"/>
+              <a:t>=</a:t>
+            </a:r>
+            <a:r>
+              <a:rPr lang="zh-TW" altLang="en-US" dirty="0"/>
+              <a:t> 子文章特徵向量平均 </a:t>
+            </a:r>
+            <a:r>
+              <a:rPr lang="en-US" altLang="zh-TW" dirty="0"/>
+              <a:t>+</a:t>
+            </a:r>
+            <a:r>
+              <a:rPr lang="zh-TW" altLang="en-US" dirty="0"/>
+              <a:t> 話題關鍵字特徵向量</a:t>
+            </a:r>
+            <a:endParaRPr lang="en-US" altLang="zh-TW" dirty="0"/>
+          </a:p>
+          <a:p>
+            <a:r>
+              <a:rPr lang="zh-TW" altLang="en-US" dirty="0"/>
+              <a:t>每次合併話題時重新計算話題關鍵字特徵向量</a:t>
+            </a:r>
+            <a:endParaRPr lang="en-US" altLang="zh-TW" dirty="0"/>
           </a:p>
         </p:txBody>
       </p:sp>
@@ -6316,8 +6438,12 @@
           <a:lstStyle/>
           <a:p>
             <a:r>
-              <a:rPr lang="zh-TW" altLang="en-US" dirty="0" smtClean="0"/>
-              <a:t> </a:t>
+              <a:rPr lang="en-US" altLang="zh-TW" dirty="0" smtClean="0"/>
+              <a:t>Clustering – method </a:t>
+            </a:r>
+            <a:r>
+              <a:rPr lang="en-US" altLang="zh-TW" dirty="0" smtClean="0"/>
+              <a:t>2</a:t>
             </a:r>
             <a:endParaRPr lang="zh-TW" altLang="en-US" dirty="0"/>
           </a:p>
@@ -6338,501 +6464,41 @@
           <a:bodyPr/>
           <a:lstStyle/>
           <a:p>
+            <a:r>
+              <a:rPr lang="zh-TW" altLang="en-US" dirty="0" smtClean="0"/>
+              <a:t>文章特徵向量 </a:t>
+            </a:r>
+            <a:r>
+              <a:rPr lang="en-US" altLang="zh-TW" dirty="0" smtClean="0"/>
+              <a:t>=</a:t>
+            </a:r>
+            <a:r>
+              <a:rPr lang="zh-TW" altLang="en-US" dirty="0" smtClean="0"/>
+              <a:t> 標題斷詞後各向量的平均</a:t>
+            </a:r>
             <a:endParaRPr lang="en-US" altLang="zh-TW" dirty="0" smtClean="0"/>
           </a:p>
           <a:p>
             <a:r>
               <a:rPr lang="zh-TW" altLang="en-US" dirty="0" smtClean="0"/>
-              <a:t>方法一 </a:t>
-            </a:r>
-            <a:r>
-              <a:rPr lang="en-US" altLang="zh-TW" dirty="0" smtClean="0"/>
-              <a:t>(</a:t>
-            </a:r>
-            <a:r>
-              <a:rPr lang="zh-TW" altLang="en-US" dirty="0" smtClean="0"/>
-              <a:t>只依據標題來分群</a:t>
-            </a:r>
-            <a:r>
-              <a:rPr lang="en-US" altLang="zh-TW" dirty="0" smtClean="0"/>
-              <a:t>)</a:t>
-            </a:r>
-          </a:p>
-          <a:p>
-            <a:pPr lvl="1"/>
-            <a:r>
-              <a:rPr lang="zh-TW" altLang="en-US" dirty="0" smtClean="0"/>
-              <a:t>文</a:t>
-            </a:r>
-            <a:r>
-              <a:rPr lang="zh-TW" altLang="en-US" dirty="0"/>
-              <a:t>章</a:t>
-            </a:r>
-            <a:r>
-              <a:rPr lang="zh-TW" altLang="en-US" dirty="0" smtClean="0"/>
-              <a:t>代表向量 </a:t>
-            </a:r>
-            <a:r>
-              <a:rPr lang="en-US" altLang="zh-TW" dirty="0"/>
+              <a:t>話題特徵向量 </a:t>
+            </a:r>
+            <a:r>
+              <a:rPr lang="en-US" altLang="zh-TW" dirty="0" smtClean="0"/>
               <a:t>=</a:t>
             </a:r>
             <a:r>
               <a:rPr lang="zh-TW" altLang="en-US" dirty="0" smtClean="0"/>
-              <a:t> 標題斷詞後各</a:t>
-            </a:r>
-            <a:r>
-              <a:rPr lang="en-US" altLang="zh-TW" dirty="0" smtClean="0"/>
-              <a:t>vector</a:t>
-            </a:r>
-            <a:r>
-              <a:rPr lang="zh-TW" altLang="en-US" dirty="0" smtClean="0"/>
-              <a:t>取平均</a:t>
+              <a:t> 子文章特徵向量平均</a:t>
             </a:r>
             <a:endParaRPr lang="en-US" altLang="zh-TW" dirty="0" smtClean="0"/>
           </a:p>
-          <a:p>
-            <a:pPr lvl="1"/>
-            <a:r>
-              <a:rPr lang="zh-TW" altLang="en-US" dirty="0" smtClean="0"/>
-              <a:t>話題代表向量 </a:t>
-            </a:r>
-            <a:r>
-              <a:rPr lang="en-US" altLang="zh-TW" dirty="0" smtClean="0"/>
-              <a:t>=</a:t>
-            </a:r>
-            <a:r>
-              <a:rPr lang="zh-TW" altLang="en-US" dirty="0" smtClean="0"/>
-              <a:t> 各文章代表向量取平均</a:t>
-            </a:r>
-            <a:endParaRPr lang="en-US" altLang="zh-TW" dirty="0" smtClean="0"/>
-          </a:p>
-          <a:p>
-            <a:pPr lvl="1"/>
-            <a:r>
-              <a:rPr lang="zh-TW" altLang="en-US" dirty="0" smtClean="0"/>
-              <a:t>兩話題相似度 </a:t>
-            </a:r>
-            <a:r>
-              <a:rPr lang="en-US" altLang="zh-TW" dirty="0" smtClean="0"/>
-              <a:t>=</a:t>
-            </a:r>
-            <a:r>
-              <a:rPr lang="zh-TW" altLang="en-US" dirty="0" smtClean="0"/>
-              <a:t> 兩話題向量內積</a:t>
-            </a:r>
-            <a:endParaRPr lang="en-US" altLang="zh-TW" dirty="0" smtClean="0"/>
-          </a:p>
-        </p:txBody>
-      </p:sp>
-      <p:sp>
-        <p:nvSpPr>
-          <p:cNvPr id="4" name="矩形 3"/>
-          <p:cNvSpPr/>
-          <p:nvPr/>
-        </p:nvSpPr>
-        <p:spPr>
-          <a:xfrm>
-            <a:off x="838200" y="550821"/>
-            <a:ext cx="1691014" cy="1139869"/>
-          </a:xfrm>
-          <a:prstGeom prst="rect">
-            <a:avLst/>
-          </a:prstGeom>
-          <a:solidFill>
-            <a:schemeClr val="accent1">
-              <a:lumMod val="50000"/>
-            </a:schemeClr>
-          </a:solidFill>
-        </p:spPr>
-        <p:style>
-          <a:lnRef idx="2">
-            <a:schemeClr val="accent1">
-              <a:shade val="50000"/>
-            </a:schemeClr>
-          </a:lnRef>
-          <a:fillRef idx="1">
-            <a:schemeClr val="accent1"/>
-          </a:fillRef>
-          <a:effectRef idx="0">
-            <a:schemeClr val="accent1"/>
-          </a:effectRef>
-          <a:fontRef idx="minor">
-            <a:schemeClr val="lt1"/>
-          </a:fontRef>
-        </p:style>
-        <p:txBody>
-          <a:bodyPr rtlCol="0" anchor="ctr"/>
-          <a:lstStyle/>
-          <a:p>
-            <a:pPr algn="ctr"/>
-            <a:r>
-              <a:rPr lang="en-US" altLang="zh-TW" dirty="0" smtClean="0"/>
-              <a:t>Articles</a:t>
-            </a:r>
-            <a:endParaRPr lang="zh-TW" altLang="en-US" dirty="0"/>
-          </a:p>
-        </p:txBody>
-      </p:sp>
-      <p:sp>
-        <p:nvSpPr>
-          <p:cNvPr id="5" name="矩形 4"/>
-          <p:cNvSpPr/>
-          <p:nvPr/>
-        </p:nvSpPr>
-        <p:spPr>
-          <a:xfrm>
-            <a:off x="5147416" y="550819"/>
-            <a:ext cx="1691014" cy="1139869"/>
-          </a:xfrm>
-          <a:prstGeom prst="rect">
-            <a:avLst/>
-          </a:prstGeom>
-          <a:solidFill>
-            <a:schemeClr val="accent1">
-              <a:lumMod val="50000"/>
-            </a:schemeClr>
-          </a:solidFill>
-        </p:spPr>
-        <p:style>
-          <a:lnRef idx="2">
-            <a:schemeClr val="accent1">
-              <a:shade val="50000"/>
-            </a:schemeClr>
-          </a:lnRef>
-          <a:fillRef idx="1">
-            <a:schemeClr val="accent1"/>
-          </a:fillRef>
-          <a:effectRef idx="0">
-            <a:schemeClr val="accent1"/>
-          </a:effectRef>
-          <a:fontRef idx="minor">
-            <a:schemeClr val="lt1"/>
-          </a:fontRef>
-        </p:style>
-        <p:txBody>
-          <a:bodyPr rtlCol="0" anchor="ctr"/>
-          <a:lstStyle/>
-          <a:p>
-            <a:pPr algn="ctr"/>
-            <a:r>
-              <a:rPr lang="en-US" altLang="zh-TW" dirty="0"/>
-              <a:t>Article Vector</a:t>
-            </a:r>
-            <a:br>
-              <a:rPr lang="en-US" altLang="zh-TW" dirty="0"/>
-            </a:br>
-            <a:r>
-              <a:rPr lang="en-US" altLang="zh-TW" dirty="0"/>
-              <a:t>Computing</a:t>
-            </a:r>
-            <a:endParaRPr lang="zh-TW" altLang="en-US" dirty="0"/>
-          </a:p>
-        </p:txBody>
-      </p:sp>
-      <p:cxnSp>
-        <p:nvCxnSpPr>
-          <p:cNvPr id="6" name="直線單箭頭接點 5"/>
-          <p:cNvCxnSpPr>
-            <a:stCxn id="4" idx="3"/>
-            <a:endCxn id="11" idx="1"/>
-          </p:cNvCxnSpPr>
-          <p:nvPr/>
-        </p:nvCxnSpPr>
-        <p:spPr>
-          <a:xfrm flipV="1">
-            <a:off x="2529214" y="1120754"/>
-            <a:ext cx="463594" cy="2"/>
-          </a:xfrm>
-          <a:prstGeom prst="straightConnector1">
-            <a:avLst/>
-          </a:prstGeom>
-          <a:ln>
-            <a:tailEnd type="triangle"/>
-          </a:ln>
-        </p:spPr>
-        <p:style>
-          <a:lnRef idx="1">
-            <a:schemeClr val="accent1"/>
-          </a:lnRef>
-          <a:fillRef idx="0">
-            <a:schemeClr val="accent1"/>
-          </a:fillRef>
-          <a:effectRef idx="0">
-            <a:schemeClr val="accent1"/>
-          </a:effectRef>
-          <a:fontRef idx="minor">
-            <a:schemeClr val="tx1"/>
-          </a:fontRef>
-        </p:style>
-      </p:cxnSp>
-      <p:sp>
-        <p:nvSpPr>
-          <p:cNvPr id="7" name="矩形 6"/>
-          <p:cNvSpPr/>
-          <p:nvPr/>
-        </p:nvSpPr>
-        <p:spPr>
-          <a:xfrm>
-            <a:off x="7302024" y="550819"/>
-            <a:ext cx="1691014" cy="1139869"/>
-          </a:xfrm>
-          <a:prstGeom prst="rect">
-            <a:avLst/>
-          </a:prstGeom>
-          <a:solidFill>
-            <a:schemeClr val="accent1"/>
-          </a:solidFill>
-          <a:ln>
-            <a:solidFill>
-              <a:schemeClr val="accent1"/>
-            </a:solidFill>
-          </a:ln>
-        </p:spPr>
-        <p:style>
-          <a:lnRef idx="2">
-            <a:schemeClr val="accent1">
-              <a:shade val="50000"/>
-            </a:schemeClr>
-          </a:lnRef>
-          <a:fillRef idx="1">
-            <a:schemeClr val="accent1"/>
-          </a:fillRef>
-          <a:effectRef idx="0">
-            <a:schemeClr val="accent1"/>
-          </a:effectRef>
-          <a:fontRef idx="minor">
-            <a:schemeClr val="lt1"/>
-          </a:fontRef>
-        </p:style>
-        <p:txBody>
-          <a:bodyPr rtlCol="0" anchor="ctr"/>
-          <a:lstStyle/>
-          <a:p>
-            <a:pPr algn="ctr"/>
-            <a:r>
-              <a:rPr lang="en-US" altLang="zh-TW" dirty="0"/>
-              <a:t>Clustering</a:t>
-            </a:r>
-            <a:endParaRPr lang="zh-TW" altLang="en-US" dirty="0"/>
-          </a:p>
-        </p:txBody>
-      </p:sp>
-      <p:cxnSp>
-        <p:nvCxnSpPr>
-          <p:cNvPr id="8" name="直線單箭頭接點 7"/>
-          <p:cNvCxnSpPr>
-            <a:stCxn id="5" idx="3"/>
-            <a:endCxn id="7" idx="1"/>
-          </p:cNvCxnSpPr>
-          <p:nvPr/>
-        </p:nvCxnSpPr>
-        <p:spPr>
-          <a:xfrm>
-            <a:off x="6838430" y="1120754"/>
-            <a:ext cx="463594" cy="0"/>
-          </a:xfrm>
-          <a:prstGeom prst="straightConnector1">
-            <a:avLst/>
-          </a:prstGeom>
-          <a:ln>
-            <a:tailEnd type="triangle"/>
-          </a:ln>
-        </p:spPr>
-        <p:style>
-          <a:lnRef idx="1">
-            <a:schemeClr val="accent1"/>
-          </a:lnRef>
-          <a:fillRef idx="0">
-            <a:schemeClr val="accent1"/>
-          </a:fillRef>
-          <a:effectRef idx="0">
-            <a:schemeClr val="accent1"/>
-          </a:effectRef>
-          <a:fontRef idx="minor">
-            <a:schemeClr val="tx1"/>
-          </a:fontRef>
-        </p:style>
-      </p:cxnSp>
-      <p:sp>
-        <p:nvSpPr>
-          <p:cNvPr id="9" name="矩形 8"/>
-          <p:cNvSpPr/>
-          <p:nvPr/>
-        </p:nvSpPr>
-        <p:spPr>
-          <a:xfrm>
-            <a:off x="9456632" y="550819"/>
-            <a:ext cx="1691014" cy="1139869"/>
-          </a:xfrm>
-          <a:prstGeom prst="rect">
-            <a:avLst/>
-          </a:prstGeom>
-          <a:solidFill>
-            <a:schemeClr val="accent1">
-              <a:lumMod val="50000"/>
-            </a:schemeClr>
-          </a:solidFill>
-        </p:spPr>
-        <p:style>
-          <a:lnRef idx="2">
-            <a:schemeClr val="accent1">
-              <a:shade val="50000"/>
-            </a:schemeClr>
-          </a:lnRef>
-          <a:fillRef idx="1">
-            <a:schemeClr val="accent1"/>
-          </a:fillRef>
-          <a:effectRef idx="0">
-            <a:schemeClr val="accent1"/>
-          </a:effectRef>
-          <a:fontRef idx="minor">
-            <a:schemeClr val="lt1"/>
-          </a:fontRef>
-        </p:style>
-        <p:txBody>
-          <a:bodyPr rtlCol="0" anchor="ctr"/>
-          <a:lstStyle/>
-          <a:p>
-            <a:pPr algn="ctr"/>
-            <a:r>
-              <a:rPr lang="en-US" altLang="zh-TW" dirty="0" smtClean="0"/>
-              <a:t>Hotness Computing</a:t>
-            </a:r>
-            <a:endParaRPr lang="zh-TW" altLang="en-US" dirty="0"/>
-          </a:p>
-        </p:txBody>
-      </p:sp>
-      <p:cxnSp>
-        <p:nvCxnSpPr>
-          <p:cNvPr id="10" name="直線單箭頭接點 9"/>
-          <p:cNvCxnSpPr>
-            <a:stCxn id="7" idx="3"/>
-            <a:endCxn id="9" idx="1"/>
-          </p:cNvCxnSpPr>
-          <p:nvPr/>
-        </p:nvCxnSpPr>
-        <p:spPr>
-          <a:xfrm>
-            <a:off x="8993038" y="1120754"/>
-            <a:ext cx="463594" cy="0"/>
-          </a:xfrm>
-          <a:prstGeom prst="straightConnector1">
-            <a:avLst/>
-          </a:prstGeom>
-          <a:ln>
-            <a:tailEnd type="triangle"/>
-          </a:ln>
-        </p:spPr>
-        <p:style>
-          <a:lnRef idx="1">
-            <a:schemeClr val="accent1"/>
-          </a:lnRef>
-          <a:fillRef idx="0">
-            <a:schemeClr val="accent1"/>
-          </a:fillRef>
-          <a:effectRef idx="0">
-            <a:schemeClr val="accent1"/>
-          </a:effectRef>
-          <a:fontRef idx="minor">
-            <a:schemeClr val="tx1"/>
-          </a:fontRef>
-        </p:style>
-      </p:cxnSp>
-      <p:sp>
-        <p:nvSpPr>
-          <p:cNvPr id="11" name="矩形 10"/>
-          <p:cNvSpPr/>
-          <p:nvPr/>
-        </p:nvSpPr>
-        <p:spPr>
-          <a:xfrm>
-            <a:off x="2992808" y="550819"/>
-            <a:ext cx="1691014" cy="1139869"/>
-          </a:xfrm>
-          <a:prstGeom prst="rect">
-            <a:avLst/>
-          </a:prstGeom>
-          <a:solidFill>
-            <a:schemeClr val="accent1">
-              <a:lumMod val="50000"/>
-            </a:schemeClr>
-          </a:solidFill>
-        </p:spPr>
-        <p:style>
-          <a:lnRef idx="2">
-            <a:schemeClr val="accent1">
-              <a:shade val="50000"/>
-            </a:schemeClr>
-          </a:lnRef>
-          <a:fillRef idx="1">
-            <a:schemeClr val="accent1"/>
-          </a:fillRef>
-          <a:effectRef idx="0">
-            <a:schemeClr val="accent1"/>
-          </a:effectRef>
-          <a:fontRef idx="minor">
-            <a:schemeClr val="lt1"/>
-          </a:fontRef>
-        </p:style>
-        <p:txBody>
-          <a:bodyPr rtlCol="0" anchor="ctr"/>
-          <a:lstStyle/>
-          <a:p>
-            <a:pPr algn="ctr"/>
-            <a:r>
-              <a:rPr lang="en-US" altLang="zh-TW" dirty="0" smtClean="0"/>
-              <a:t>Keyword</a:t>
-            </a:r>
-            <a:br>
-              <a:rPr lang="en-US" altLang="zh-TW" dirty="0" smtClean="0"/>
-            </a:br>
-            <a:r>
-              <a:rPr lang="en-US" altLang="zh-TW" dirty="0" smtClean="0"/>
-              <a:t>Selection</a:t>
-            </a:r>
-          </a:p>
-        </p:txBody>
-      </p:sp>
-      <p:cxnSp>
-        <p:nvCxnSpPr>
-          <p:cNvPr id="12" name="直線單箭頭接點 11"/>
-          <p:cNvCxnSpPr>
-            <a:stCxn id="11" idx="3"/>
-            <a:endCxn id="5" idx="1"/>
-          </p:cNvCxnSpPr>
-          <p:nvPr/>
-        </p:nvCxnSpPr>
-        <p:spPr>
-          <a:xfrm>
-            <a:off x="4683822" y="1120754"/>
-            <a:ext cx="463594" cy="0"/>
-          </a:xfrm>
-          <a:prstGeom prst="straightConnector1">
-            <a:avLst/>
-          </a:prstGeom>
-          <a:ln>
-            <a:tailEnd type="triangle"/>
-          </a:ln>
-        </p:spPr>
-        <p:style>
-          <a:lnRef idx="1">
-            <a:schemeClr val="accent1"/>
-          </a:lnRef>
-          <a:fillRef idx="0">
-            <a:schemeClr val="accent1"/>
-          </a:fillRef>
-          <a:effectRef idx="0">
-            <a:schemeClr val="accent1"/>
-          </a:effectRef>
-          <a:fontRef idx="minor">
-            <a:schemeClr val="tx1"/>
-          </a:fontRef>
-        </p:style>
-      </p:cxnSp>
+        </p:txBody>
+      </p:sp>
     </p:spTree>
     <p:extLst>
       <p:ext uri="{BB962C8B-B14F-4D97-AF65-F5344CB8AC3E}">
-        <p14:creationId xmlns:p14="http://schemas.microsoft.com/office/powerpoint/2010/main" val="3659847715"/>
+        <p14:creationId xmlns:p14="http://schemas.microsoft.com/office/powerpoint/2010/main" val="754972749"/>
       </p:ext>
     </p:extLst>
   </p:cSld>
@@ -6882,8 +6548,12 @@
           <a:lstStyle/>
           <a:p>
             <a:r>
-              <a:rPr lang="zh-TW" altLang="en-US" dirty="0" smtClean="0"/>
-              <a:t> </a:t>
+              <a:rPr lang="en-US" altLang="zh-TW" dirty="0" smtClean="0"/>
+              <a:t>Clustering – method </a:t>
+            </a:r>
+            <a:r>
+              <a:rPr lang="en-US" altLang="zh-TW" dirty="0" smtClean="0"/>
+              <a:t>3</a:t>
             </a:r>
             <a:endParaRPr lang="zh-TW" altLang="en-US" dirty="0"/>
           </a:p>
@@ -6904,554 +6574,69 @@
           <a:bodyPr/>
           <a:lstStyle/>
           <a:p>
+            <a:r>
+              <a:rPr lang="en-US" altLang="zh-TW" dirty="0" smtClean="0"/>
+              <a:t>Method2 </a:t>
+            </a:r>
+            <a:r>
+              <a:rPr lang="zh-TW" altLang="en-US" dirty="0" smtClean="0"/>
+              <a:t>分完群後的結果為基準再分一次群</a:t>
+            </a:r>
             <a:endParaRPr lang="en-US" altLang="zh-TW" dirty="0" smtClean="0"/>
           </a:p>
           <a:p>
             <a:r>
               <a:rPr lang="zh-TW" altLang="en-US" dirty="0" smtClean="0"/>
-              <a:t>方法</a:t>
+              <a:t>第二次分群之文章</a:t>
             </a:r>
             <a:r>
               <a:rPr lang="zh-TW" altLang="en-US" dirty="0"/>
-              <a:t>二</a:t>
-            </a:r>
-            <a:r>
-              <a:rPr lang="zh-TW" altLang="en-US" dirty="0" smtClean="0"/>
-              <a:t> </a:t>
-            </a:r>
-            <a:r>
-              <a:rPr lang="en-US" altLang="zh-TW" dirty="0" smtClean="0"/>
-              <a:t>(</a:t>
-            </a:r>
-            <a:r>
-              <a:rPr lang="zh-TW" altLang="en-US" dirty="0" smtClean="0"/>
-              <a:t>使用標題與內容</a:t>
-            </a:r>
-            <a:r>
-              <a:rPr lang="en-US" altLang="zh-TW" dirty="0" smtClean="0"/>
-              <a:t>)</a:t>
-            </a:r>
-          </a:p>
-          <a:p>
-            <a:pPr lvl="1"/>
-            <a:r>
-              <a:rPr lang="zh-TW" altLang="en-US" dirty="0" smtClean="0"/>
-              <a:t>文</a:t>
+              <a:t>特徵向量 </a:t>
+            </a:r>
+            <a:r>
+              <a:rPr lang="en-US" altLang="zh-TW" dirty="0" smtClean="0"/>
+              <a:t>=</a:t>
             </a:r>
             <a:r>
               <a:rPr lang="zh-TW" altLang="en-US" dirty="0"/>
-              <a:t>章</a:t>
-            </a:r>
-            <a:r>
-              <a:rPr lang="zh-TW" altLang="en-US" dirty="0" smtClean="0"/>
-              <a:t>代表向量 </a:t>
-            </a:r>
-            <a:r>
-              <a:rPr lang="en-US" altLang="zh-TW" dirty="0" smtClean="0"/>
+              <a:t>內文關鍵字各向量</a:t>
+            </a:r>
+            <a:r>
+              <a:rPr lang="zh-TW" altLang="en-US" dirty="0" smtClean="0"/>
+              <a:t>平均</a:t>
+            </a:r>
+            <a:endParaRPr lang="en-US" altLang="zh-TW" dirty="0" smtClean="0"/>
+          </a:p>
+          <a:p>
+            <a:r>
+              <a:rPr lang="zh-TW" altLang="en-US" dirty="0"/>
+              <a:t>話題特徵向量 </a:t>
+            </a:r>
+            <a:r>
+              <a:rPr lang="en-US" altLang="zh-TW" dirty="0"/>
               <a:t>=</a:t>
             </a:r>
             <a:r>
-              <a:rPr lang="zh-TW" altLang="en-US" dirty="0" smtClean="0"/>
-              <a:t> 標題斷詞後各</a:t>
-            </a:r>
-            <a:r>
-              <a:rPr lang="en-US" altLang="zh-TW" dirty="0" smtClean="0"/>
-              <a:t>vector</a:t>
-            </a:r>
-            <a:r>
-              <a:rPr lang="zh-TW" altLang="en-US" dirty="0" smtClean="0"/>
-              <a:t>取平均 *</a:t>
-            </a:r>
-            <a:r>
-              <a:rPr lang="en-US" altLang="zh-TW" dirty="0" smtClean="0"/>
-              <a:t>0.7</a:t>
-            </a:r>
-            <a:r>
-              <a:rPr lang="zh-TW" altLang="en-US" dirty="0" smtClean="0"/>
-              <a:t> </a:t>
-            </a:r>
-            <a:r>
-              <a:rPr lang="en-US" altLang="zh-TW" dirty="0" smtClean="0"/>
-              <a:t>+</a:t>
+              <a:rPr lang="zh-TW" altLang="en-US" dirty="0"/>
+              <a:t> 子文章特徵向量平均</a:t>
             </a:r>
             <a:endParaRPr lang="en-US" altLang="zh-TW" dirty="0"/>
           </a:p>
           <a:p>
-            <a:pPr marL="457200" lvl="1" indent="0">
-              <a:buNone/>
-            </a:pPr>
-            <a:r>
-              <a:rPr lang="en-US" altLang="zh-TW" dirty="0" smtClean="0"/>
-              <a:t>			</a:t>
-            </a:r>
-            <a:r>
-              <a:rPr lang="zh-TW" altLang="en-US" dirty="0" smtClean="0"/>
-              <a:t> 內文關鍵字斷</a:t>
-            </a:r>
-            <a:r>
-              <a:rPr lang="zh-TW" altLang="en-US" dirty="0"/>
-              <a:t>詞後各</a:t>
-            </a:r>
-            <a:r>
-              <a:rPr lang="en-US" altLang="zh-TW" dirty="0"/>
-              <a:t>vector</a:t>
-            </a:r>
-            <a:r>
-              <a:rPr lang="zh-TW" altLang="en-US" dirty="0"/>
-              <a:t>取平均 *</a:t>
-            </a:r>
-            <a:r>
-              <a:rPr lang="en-US" altLang="zh-TW" dirty="0" smtClean="0"/>
-              <a:t>0.3</a:t>
-            </a:r>
-          </a:p>
-          <a:p>
-            <a:pPr lvl="6"/>
+            <a:endParaRPr lang="en-US" altLang="zh-TW" dirty="0"/>
+          </a:p>
+          <a:p>
             <a:endParaRPr lang="en-US" altLang="zh-TW" dirty="0" smtClean="0"/>
           </a:p>
           <a:p>
-            <a:pPr lvl="1"/>
-            <a:r>
-              <a:rPr lang="zh-TW" altLang="en-US" dirty="0" smtClean="0"/>
-              <a:t>話題代表向量 </a:t>
-            </a:r>
-            <a:r>
-              <a:rPr lang="en-US" altLang="zh-TW" dirty="0" smtClean="0"/>
-              <a:t>=</a:t>
-            </a:r>
-            <a:r>
-              <a:rPr lang="zh-TW" altLang="en-US" dirty="0" smtClean="0"/>
-              <a:t> 各文章代表向量取平均</a:t>
-            </a:r>
             <a:endParaRPr lang="en-US" altLang="zh-TW" dirty="0" smtClean="0"/>
           </a:p>
-          <a:p>
-            <a:pPr lvl="1"/>
-            <a:r>
-              <a:rPr lang="zh-TW" altLang="en-US" dirty="0" smtClean="0"/>
-              <a:t>兩話題相似度 </a:t>
-            </a:r>
-            <a:r>
-              <a:rPr lang="en-US" altLang="zh-TW" dirty="0" smtClean="0"/>
-              <a:t>=</a:t>
-            </a:r>
-            <a:r>
-              <a:rPr lang="zh-TW" altLang="en-US" dirty="0" smtClean="0"/>
-              <a:t> 兩話題向量內積</a:t>
-            </a:r>
-            <a:endParaRPr lang="en-US" altLang="zh-TW" dirty="0" smtClean="0"/>
-          </a:p>
-        </p:txBody>
-      </p:sp>
-      <p:sp>
-        <p:nvSpPr>
-          <p:cNvPr id="4" name="矩形 3"/>
-          <p:cNvSpPr/>
-          <p:nvPr/>
-        </p:nvSpPr>
-        <p:spPr>
-          <a:xfrm>
-            <a:off x="838200" y="550821"/>
-            <a:ext cx="1691014" cy="1139869"/>
-          </a:xfrm>
-          <a:prstGeom prst="rect">
-            <a:avLst/>
-          </a:prstGeom>
-          <a:solidFill>
-            <a:schemeClr val="accent1">
-              <a:lumMod val="50000"/>
-            </a:schemeClr>
-          </a:solidFill>
-        </p:spPr>
-        <p:style>
-          <a:lnRef idx="2">
-            <a:schemeClr val="accent1">
-              <a:shade val="50000"/>
-            </a:schemeClr>
-          </a:lnRef>
-          <a:fillRef idx="1">
-            <a:schemeClr val="accent1"/>
-          </a:fillRef>
-          <a:effectRef idx="0">
-            <a:schemeClr val="accent1"/>
-          </a:effectRef>
-          <a:fontRef idx="minor">
-            <a:schemeClr val="lt1"/>
-          </a:fontRef>
-        </p:style>
-        <p:txBody>
-          <a:bodyPr rtlCol="0" anchor="ctr"/>
-          <a:lstStyle/>
-          <a:p>
-            <a:pPr algn="ctr"/>
-            <a:r>
-              <a:rPr lang="en-US" altLang="zh-TW" dirty="0" smtClean="0"/>
-              <a:t>Articles</a:t>
-            </a:r>
-            <a:endParaRPr lang="zh-TW" altLang="en-US" dirty="0"/>
-          </a:p>
-        </p:txBody>
-      </p:sp>
-      <p:sp>
-        <p:nvSpPr>
-          <p:cNvPr id="5" name="矩形 4"/>
-          <p:cNvSpPr/>
-          <p:nvPr/>
-        </p:nvSpPr>
-        <p:spPr>
-          <a:xfrm>
-            <a:off x="5147416" y="550819"/>
-            <a:ext cx="1691014" cy="1139869"/>
-          </a:xfrm>
-          <a:prstGeom prst="rect">
-            <a:avLst/>
-          </a:prstGeom>
-          <a:solidFill>
-            <a:schemeClr val="accent1">
-              <a:lumMod val="50000"/>
-            </a:schemeClr>
-          </a:solidFill>
-        </p:spPr>
-        <p:style>
-          <a:lnRef idx="2">
-            <a:schemeClr val="accent1">
-              <a:shade val="50000"/>
-            </a:schemeClr>
-          </a:lnRef>
-          <a:fillRef idx="1">
-            <a:schemeClr val="accent1"/>
-          </a:fillRef>
-          <a:effectRef idx="0">
-            <a:schemeClr val="accent1"/>
-          </a:effectRef>
-          <a:fontRef idx="minor">
-            <a:schemeClr val="lt1"/>
-          </a:fontRef>
-        </p:style>
-        <p:txBody>
-          <a:bodyPr rtlCol="0" anchor="ctr"/>
-          <a:lstStyle/>
-          <a:p>
-            <a:pPr algn="ctr"/>
-            <a:r>
-              <a:rPr lang="en-US" altLang="zh-TW" dirty="0"/>
-              <a:t>Article Vector</a:t>
-            </a:r>
-            <a:br>
-              <a:rPr lang="en-US" altLang="zh-TW" dirty="0"/>
-            </a:br>
-            <a:r>
-              <a:rPr lang="en-US" altLang="zh-TW" dirty="0"/>
-              <a:t>Computing</a:t>
-            </a:r>
-            <a:endParaRPr lang="zh-TW" altLang="en-US" dirty="0"/>
-          </a:p>
-        </p:txBody>
-      </p:sp>
-      <p:cxnSp>
-        <p:nvCxnSpPr>
-          <p:cNvPr id="6" name="直線單箭頭接點 5"/>
-          <p:cNvCxnSpPr>
-            <a:stCxn id="4" idx="3"/>
-            <a:endCxn id="11" idx="1"/>
-          </p:cNvCxnSpPr>
-          <p:nvPr/>
-        </p:nvCxnSpPr>
-        <p:spPr>
-          <a:xfrm flipV="1">
-            <a:off x="2529214" y="1120754"/>
-            <a:ext cx="463594" cy="2"/>
-          </a:xfrm>
-          <a:prstGeom prst="straightConnector1">
-            <a:avLst/>
-          </a:prstGeom>
-          <a:ln>
-            <a:tailEnd type="triangle"/>
-          </a:ln>
-        </p:spPr>
-        <p:style>
-          <a:lnRef idx="1">
-            <a:schemeClr val="accent1"/>
-          </a:lnRef>
-          <a:fillRef idx="0">
-            <a:schemeClr val="accent1"/>
-          </a:fillRef>
-          <a:effectRef idx="0">
-            <a:schemeClr val="accent1"/>
-          </a:effectRef>
-          <a:fontRef idx="minor">
-            <a:schemeClr val="tx1"/>
-          </a:fontRef>
-        </p:style>
-      </p:cxnSp>
-      <p:sp>
-        <p:nvSpPr>
-          <p:cNvPr id="7" name="矩形 6"/>
-          <p:cNvSpPr/>
-          <p:nvPr/>
-        </p:nvSpPr>
-        <p:spPr>
-          <a:xfrm>
-            <a:off x="7302024" y="550819"/>
-            <a:ext cx="1691014" cy="1139869"/>
-          </a:xfrm>
-          <a:prstGeom prst="rect">
-            <a:avLst/>
-          </a:prstGeom>
-          <a:solidFill>
-            <a:schemeClr val="accent1"/>
-          </a:solidFill>
-          <a:ln>
-            <a:solidFill>
-              <a:schemeClr val="accent1"/>
-            </a:solidFill>
-          </a:ln>
-        </p:spPr>
-        <p:style>
-          <a:lnRef idx="2">
-            <a:schemeClr val="accent1">
-              <a:shade val="50000"/>
-            </a:schemeClr>
-          </a:lnRef>
-          <a:fillRef idx="1">
-            <a:schemeClr val="accent1"/>
-          </a:fillRef>
-          <a:effectRef idx="0">
-            <a:schemeClr val="accent1"/>
-          </a:effectRef>
-          <a:fontRef idx="minor">
-            <a:schemeClr val="lt1"/>
-          </a:fontRef>
-        </p:style>
-        <p:txBody>
-          <a:bodyPr rtlCol="0" anchor="ctr"/>
-          <a:lstStyle/>
-          <a:p>
-            <a:pPr algn="ctr"/>
-            <a:r>
-              <a:rPr lang="en-US" altLang="zh-TW" dirty="0"/>
-              <a:t>Clustering</a:t>
-            </a:r>
-            <a:endParaRPr lang="zh-TW" altLang="en-US" dirty="0"/>
-          </a:p>
-        </p:txBody>
-      </p:sp>
-      <p:cxnSp>
-        <p:nvCxnSpPr>
-          <p:cNvPr id="8" name="直線單箭頭接點 7"/>
-          <p:cNvCxnSpPr>
-            <a:stCxn id="5" idx="3"/>
-            <a:endCxn id="7" idx="1"/>
-          </p:cNvCxnSpPr>
-          <p:nvPr/>
-        </p:nvCxnSpPr>
-        <p:spPr>
-          <a:xfrm>
-            <a:off x="6838430" y="1120754"/>
-            <a:ext cx="463594" cy="0"/>
-          </a:xfrm>
-          <a:prstGeom prst="straightConnector1">
-            <a:avLst/>
-          </a:prstGeom>
-          <a:ln>
-            <a:tailEnd type="triangle"/>
-          </a:ln>
-        </p:spPr>
-        <p:style>
-          <a:lnRef idx="1">
-            <a:schemeClr val="accent1"/>
-          </a:lnRef>
-          <a:fillRef idx="0">
-            <a:schemeClr val="accent1"/>
-          </a:fillRef>
-          <a:effectRef idx="0">
-            <a:schemeClr val="accent1"/>
-          </a:effectRef>
-          <a:fontRef idx="minor">
-            <a:schemeClr val="tx1"/>
-          </a:fontRef>
-        </p:style>
-      </p:cxnSp>
-      <p:sp>
-        <p:nvSpPr>
-          <p:cNvPr id="9" name="矩形 8"/>
-          <p:cNvSpPr/>
-          <p:nvPr/>
-        </p:nvSpPr>
-        <p:spPr>
-          <a:xfrm>
-            <a:off x="9456632" y="550819"/>
-            <a:ext cx="1691014" cy="1139869"/>
-          </a:xfrm>
-          <a:prstGeom prst="rect">
-            <a:avLst/>
-          </a:prstGeom>
-          <a:solidFill>
-            <a:schemeClr val="accent1">
-              <a:lumMod val="50000"/>
-            </a:schemeClr>
-          </a:solidFill>
-        </p:spPr>
-        <p:style>
-          <a:lnRef idx="2">
-            <a:schemeClr val="accent1">
-              <a:shade val="50000"/>
-            </a:schemeClr>
-          </a:lnRef>
-          <a:fillRef idx="1">
-            <a:schemeClr val="accent1"/>
-          </a:fillRef>
-          <a:effectRef idx="0">
-            <a:schemeClr val="accent1"/>
-          </a:effectRef>
-          <a:fontRef idx="minor">
-            <a:schemeClr val="lt1"/>
-          </a:fontRef>
-        </p:style>
-        <p:txBody>
-          <a:bodyPr rtlCol="0" anchor="ctr"/>
-          <a:lstStyle/>
-          <a:p>
-            <a:pPr algn="ctr"/>
-            <a:r>
-              <a:rPr lang="en-US" altLang="zh-TW" dirty="0" smtClean="0"/>
-              <a:t>Hotness Computing</a:t>
-            </a:r>
-            <a:endParaRPr lang="zh-TW" altLang="en-US" dirty="0"/>
-          </a:p>
-        </p:txBody>
-      </p:sp>
-      <p:cxnSp>
-        <p:nvCxnSpPr>
-          <p:cNvPr id="10" name="直線單箭頭接點 9"/>
-          <p:cNvCxnSpPr>
-            <a:stCxn id="7" idx="3"/>
-            <a:endCxn id="9" idx="1"/>
-          </p:cNvCxnSpPr>
-          <p:nvPr/>
-        </p:nvCxnSpPr>
-        <p:spPr>
-          <a:xfrm>
-            <a:off x="8993038" y="1120754"/>
-            <a:ext cx="463594" cy="0"/>
-          </a:xfrm>
-          <a:prstGeom prst="straightConnector1">
-            <a:avLst/>
-          </a:prstGeom>
-          <a:ln>
-            <a:tailEnd type="triangle"/>
-          </a:ln>
-        </p:spPr>
-        <p:style>
-          <a:lnRef idx="1">
-            <a:schemeClr val="accent1"/>
-          </a:lnRef>
-          <a:fillRef idx="0">
-            <a:schemeClr val="accent1"/>
-          </a:fillRef>
-          <a:effectRef idx="0">
-            <a:schemeClr val="accent1"/>
-          </a:effectRef>
-          <a:fontRef idx="minor">
-            <a:schemeClr val="tx1"/>
-          </a:fontRef>
-        </p:style>
-      </p:cxnSp>
-      <p:sp>
-        <p:nvSpPr>
-          <p:cNvPr id="11" name="矩形 10"/>
-          <p:cNvSpPr/>
-          <p:nvPr/>
-        </p:nvSpPr>
-        <p:spPr>
-          <a:xfrm>
-            <a:off x="2992808" y="550819"/>
-            <a:ext cx="1691014" cy="1139869"/>
-          </a:xfrm>
-          <a:prstGeom prst="rect">
-            <a:avLst/>
-          </a:prstGeom>
-          <a:solidFill>
-            <a:schemeClr val="accent1">
-              <a:lumMod val="50000"/>
-            </a:schemeClr>
-          </a:solidFill>
-        </p:spPr>
-        <p:style>
-          <a:lnRef idx="2">
-            <a:schemeClr val="accent1">
-              <a:shade val="50000"/>
-            </a:schemeClr>
-          </a:lnRef>
-          <a:fillRef idx="1">
-            <a:schemeClr val="accent1"/>
-          </a:fillRef>
-          <a:effectRef idx="0">
-            <a:schemeClr val="accent1"/>
-          </a:effectRef>
-          <a:fontRef idx="minor">
-            <a:schemeClr val="lt1"/>
-          </a:fontRef>
-        </p:style>
-        <p:txBody>
-          <a:bodyPr rtlCol="0" anchor="ctr"/>
-          <a:lstStyle/>
-          <a:p>
-            <a:pPr algn="ctr"/>
-            <a:r>
-              <a:rPr lang="en-US" altLang="zh-TW" dirty="0" smtClean="0"/>
-              <a:t>Keyword</a:t>
-            </a:r>
-            <a:br>
-              <a:rPr lang="en-US" altLang="zh-TW" dirty="0" smtClean="0"/>
-            </a:br>
-            <a:r>
-              <a:rPr lang="en-US" altLang="zh-TW" dirty="0" smtClean="0"/>
-              <a:t>Selection</a:t>
-            </a:r>
-          </a:p>
-        </p:txBody>
-      </p:sp>
-      <p:cxnSp>
-        <p:nvCxnSpPr>
-          <p:cNvPr id="12" name="直線單箭頭接點 11"/>
-          <p:cNvCxnSpPr>
-            <a:stCxn id="11" idx="3"/>
-            <a:endCxn id="5" idx="1"/>
-          </p:cNvCxnSpPr>
-          <p:nvPr/>
-        </p:nvCxnSpPr>
-        <p:spPr>
-          <a:xfrm>
-            <a:off x="4683822" y="1120754"/>
-            <a:ext cx="463594" cy="0"/>
-          </a:xfrm>
-          <a:prstGeom prst="straightConnector1">
-            <a:avLst/>
-          </a:prstGeom>
-          <a:ln>
-            <a:tailEnd type="triangle"/>
-          </a:ln>
-        </p:spPr>
-        <p:style>
-          <a:lnRef idx="1">
-            <a:schemeClr val="accent1"/>
-          </a:lnRef>
-          <a:fillRef idx="0">
-            <a:schemeClr val="accent1"/>
-          </a:fillRef>
-          <a:effectRef idx="0">
-            <a:schemeClr val="accent1"/>
-          </a:effectRef>
-          <a:fontRef idx="minor">
-            <a:schemeClr val="tx1"/>
-          </a:fontRef>
-        </p:style>
-      </p:cxnSp>
+        </p:txBody>
+      </p:sp>
     </p:spTree>
     <p:extLst>
       <p:ext uri="{BB962C8B-B14F-4D97-AF65-F5344CB8AC3E}">
-        <p14:creationId xmlns:p14="http://schemas.microsoft.com/office/powerpoint/2010/main" val="2115719100"/>
+        <p14:creationId xmlns:p14="http://schemas.microsoft.com/office/powerpoint/2010/main" val="1773045221"/>
       </p:ext>
     </p:extLst>
   </p:cSld>
@@ -7501,8 +6686,12 @@
           <a:lstStyle/>
           <a:p>
             <a:r>
-              <a:rPr lang="zh-TW" altLang="en-US" dirty="0" smtClean="0"/>
-              <a:t> </a:t>
+              <a:rPr lang="en-US" altLang="zh-TW" dirty="0" smtClean="0"/>
+              <a:t>Clustering – method </a:t>
+            </a:r>
+            <a:r>
+              <a:rPr lang="en-US" altLang="zh-TW" dirty="0" smtClean="0"/>
+              <a:t>4</a:t>
             </a:r>
             <a:endParaRPr lang="zh-TW" altLang="en-US" dirty="0"/>
           </a:p>
@@ -7523,39 +6712,32 @@
           <a:bodyPr/>
           <a:lstStyle/>
           <a:p>
+            <a:r>
+              <a:rPr lang="zh-TW" altLang="en-US" dirty="0" smtClean="0"/>
+              <a:t>文章特徵向量 </a:t>
+            </a:r>
+            <a:r>
+              <a:rPr lang="en-US" altLang="zh-TW" dirty="0" smtClean="0"/>
+              <a:t>=</a:t>
+            </a:r>
+            <a:r>
+              <a:rPr lang="zh-TW" altLang="en-US" dirty="0" smtClean="0"/>
+              <a:t> 標題斷詞後各向量平均 </a:t>
+            </a:r>
+            <a:r>
+              <a:rPr lang="en-US" altLang="zh-TW" dirty="0" smtClean="0"/>
+              <a:t>+</a:t>
+            </a:r>
+            <a:r>
+              <a:rPr lang="zh-TW" altLang="en-US" dirty="0" smtClean="0"/>
+              <a:t> 內文關鍵字各向量平均</a:t>
+            </a:r>
             <a:endParaRPr lang="en-US" altLang="zh-TW" dirty="0" smtClean="0"/>
           </a:p>
           <a:p>
             <a:r>
               <a:rPr lang="zh-TW" altLang="en-US" dirty="0" smtClean="0"/>
-              <a:t>方法三 </a:t>
-            </a:r>
-            <a:r>
-              <a:rPr lang="en-US" altLang="zh-TW" dirty="0" smtClean="0"/>
-              <a:t>(</a:t>
-            </a:r>
-            <a:r>
-              <a:rPr lang="zh-TW" altLang="en-US" dirty="0" smtClean="0"/>
-              <a:t>使用標題與內容</a:t>
-            </a:r>
-            <a:r>
-              <a:rPr lang="en-US" altLang="zh-TW" dirty="0" smtClean="0"/>
-              <a:t>)</a:t>
-            </a:r>
-          </a:p>
-          <a:p>
-            <a:pPr lvl="1"/>
-            <a:r>
-              <a:rPr lang="zh-TW" altLang="en-US" dirty="0" smtClean="0"/>
-              <a:t>文</a:t>
-            </a:r>
-            <a:r>
-              <a:rPr lang="zh-TW" altLang="en-US" dirty="0"/>
-              <a:t>章</a:t>
-            </a:r>
-            <a:r>
-              <a:rPr lang="zh-TW" altLang="en-US" dirty="0" smtClean="0"/>
-              <a:t>代表向量 </a:t>
+              <a:t>話題特徵向量 </a:t>
             </a:r>
             <a:r>
               <a:rPr lang="en-US" altLang="zh-TW" dirty="0" smtClean="0"/>
@@ -7563,512 +6745,16 @@
             </a:r>
             <a:r>
               <a:rPr lang="zh-TW" altLang="en-US" dirty="0" smtClean="0"/>
-              <a:t> 標題斷詞後各</a:t>
-            </a:r>
-            <a:r>
-              <a:rPr lang="en-US" altLang="zh-TW" dirty="0" smtClean="0"/>
-              <a:t>vector</a:t>
-            </a:r>
-            <a:r>
-              <a:rPr lang="zh-TW" altLang="en-US" dirty="0" smtClean="0"/>
-              <a:t>取平均</a:t>
+              <a:t> 子文章特徵向量平均</a:t>
             </a:r>
             <a:endParaRPr lang="en-US" altLang="zh-TW" dirty="0" smtClean="0"/>
           </a:p>
-          <a:p>
-            <a:pPr lvl="1"/>
-            <a:r>
-              <a:rPr lang="zh-TW" altLang="en-US" dirty="0" smtClean="0"/>
-              <a:t>話題代表向量 </a:t>
-            </a:r>
-            <a:r>
-              <a:rPr lang="en-US" altLang="zh-TW" dirty="0" smtClean="0"/>
-              <a:t>=</a:t>
-            </a:r>
-            <a:r>
-              <a:rPr lang="zh-TW" altLang="en-US" dirty="0" smtClean="0"/>
-              <a:t> 各文章代表向量取平均</a:t>
-            </a:r>
-            <a:r>
-              <a:rPr lang="en-US" altLang="zh-TW" dirty="0"/>
-              <a:t> </a:t>
-            </a:r>
-            <a:r>
-              <a:rPr lang="en-US" altLang="zh-TW" dirty="0" smtClean="0"/>
-              <a:t>* 0.7 +</a:t>
-            </a:r>
-          </a:p>
-          <a:p>
-            <a:pPr marL="457200" lvl="1" indent="0">
-              <a:buNone/>
-            </a:pPr>
-            <a:r>
-              <a:rPr lang="en-US" altLang="zh-TW" dirty="0"/>
-              <a:t>	</a:t>
-            </a:r>
-            <a:r>
-              <a:rPr lang="en-US" altLang="zh-TW" dirty="0" smtClean="0"/>
-              <a:t>		</a:t>
-            </a:r>
-            <a:r>
-              <a:rPr lang="zh-TW" altLang="en-US" dirty="0" smtClean="0"/>
-              <a:t> 話題關鍵字代表向量取平均 * </a:t>
-            </a:r>
-            <a:r>
-              <a:rPr lang="en-US" altLang="zh-TW" dirty="0" smtClean="0"/>
-              <a:t>0.3</a:t>
-            </a:r>
-          </a:p>
-          <a:p>
-            <a:pPr lvl="1"/>
-            <a:endParaRPr lang="en-US" altLang="zh-TW" dirty="0" smtClean="0"/>
-          </a:p>
-          <a:p>
-            <a:pPr lvl="1"/>
-            <a:r>
-              <a:rPr lang="zh-TW" altLang="en-US" dirty="0" smtClean="0"/>
-              <a:t>兩話題相似度 </a:t>
-            </a:r>
-            <a:r>
-              <a:rPr lang="en-US" altLang="zh-TW" dirty="0" smtClean="0"/>
-              <a:t>=</a:t>
-            </a:r>
-            <a:r>
-              <a:rPr lang="zh-TW" altLang="en-US" dirty="0" smtClean="0"/>
-              <a:t> 兩話題向量內積</a:t>
-            </a:r>
-            <a:endParaRPr lang="en-US" altLang="zh-TW" dirty="0" smtClean="0"/>
-          </a:p>
-          <a:p>
-            <a:pPr lvl="1"/>
-            <a:r>
-              <a:rPr lang="zh-TW" altLang="en-US" dirty="0" smtClean="0"/>
-              <a:t>每次合併話題重新計算話題關鍵字</a:t>
-            </a:r>
-            <a:r>
-              <a:rPr lang="en-US" altLang="zh-TW" dirty="0" smtClean="0"/>
-              <a:t>(</a:t>
-            </a:r>
-            <a:r>
-              <a:rPr lang="zh-TW" altLang="en-US" dirty="0" smtClean="0"/>
-              <a:t>話題所有文章跑</a:t>
-            </a:r>
-            <a:r>
-              <a:rPr lang="en-US" altLang="zh-TW" dirty="0" smtClean="0"/>
-              <a:t>LDA)</a:t>
-            </a:r>
-          </a:p>
-        </p:txBody>
-      </p:sp>
-      <p:sp>
-        <p:nvSpPr>
-          <p:cNvPr id="4" name="矩形 3"/>
-          <p:cNvSpPr/>
-          <p:nvPr/>
-        </p:nvSpPr>
-        <p:spPr>
-          <a:xfrm>
-            <a:off x="838200" y="550821"/>
-            <a:ext cx="1691014" cy="1139869"/>
-          </a:xfrm>
-          <a:prstGeom prst="rect">
-            <a:avLst/>
-          </a:prstGeom>
-          <a:solidFill>
-            <a:schemeClr val="accent1">
-              <a:lumMod val="50000"/>
-            </a:schemeClr>
-          </a:solidFill>
-        </p:spPr>
-        <p:style>
-          <a:lnRef idx="2">
-            <a:schemeClr val="accent1">
-              <a:shade val="50000"/>
-            </a:schemeClr>
-          </a:lnRef>
-          <a:fillRef idx="1">
-            <a:schemeClr val="accent1"/>
-          </a:fillRef>
-          <a:effectRef idx="0">
-            <a:schemeClr val="accent1"/>
-          </a:effectRef>
-          <a:fontRef idx="minor">
-            <a:schemeClr val="lt1"/>
-          </a:fontRef>
-        </p:style>
-        <p:txBody>
-          <a:bodyPr rtlCol="0" anchor="ctr"/>
-          <a:lstStyle/>
-          <a:p>
-            <a:pPr algn="ctr"/>
-            <a:r>
-              <a:rPr lang="en-US" altLang="zh-TW" dirty="0" smtClean="0"/>
-              <a:t>Articles</a:t>
-            </a:r>
-            <a:endParaRPr lang="zh-TW" altLang="en-US" dirty="0"/>
-          </a:p>
-        </p:txBody>
-      </p:sp>
-      <p:sp>
-        <p:nvSpPr>
-          <p:cNvPr id="5" name="矩形 4"/>
-          <p:cNvSpPr/>
-          <p:nvPr/>
-        </p:nvSpPr>
-        <p:spPr>
-          <a:xfrm>
-            <a:off x="5147416" y="550819"/>
-            <a:ext cx="1691014" cy="1139869"/>
-          </a:xfrm>
-          <a:prstGeom prst="rect">
-            <a:avLst/>
-          </a:prstGeom>
-          <a:solidFill>
-            <a:schemeClr val="accent1">
-              <a:lumMod val="50000"/>
-            </a:schemeClr>
-          </a:solidFill>
-        </p:spPr>
-        <p:style>
-          <a:lnRef idx="2">
-            <a:schemeClr val="accent1">
-              <a:shade val="50000"/>
-            </a:schemeClr>
-          </a:lnRef>
-          <a:fillRef idx="1">
-            <a:schemeClr val="accent1"/>
-          </a:fillRef>
-          <a:effectRef idx="0">
-            <a:schemeClr val="accent1"/>
-          </a:effectRef>
-          <a:fontRef idx="minor">
-            <a:schemeClr val="lt1"/>
-          </a:fontRef>
-        </p:style>
-        <p:txBody>
-          <a:bodyPr rtlCol="0" anchor="ctr"/>
-          <a:lstStyle/>
-          <a:p>
-            <a:pPr algn="ctr"/>
-            <a:r>
-              <a:rPr lang="en-US" altLang="zh-TW" dirty="0"/>
-              <a:t>Article Vector</a:t>
-            </a:r>
-            <a:br>
-              <a:rPr lang="en-US" altLang="zh-TW" dirty="0"/>
-            </a:br>
-            <a:r>
-              <a:rPr lang="en-US" altLang="zh-TW" dirty="0"/>
-              <a:t>Computing</a:t>
-            </a:r>
-            <a:endParaRPr lang="zh-TW" altLang="en-US" dirty="0"/>
-          </a:p>
-        </p:txBody>
-      </p:sp>
-      <p:cxnSp>
-        <p:nvCxnSpPr>
-          <p:cNvPr id="6" name="直線單箭頭接點 5"/>
-          <p:cNvCxnSpPr>
-            <a:stCxn id="4" idx="3"/>
-            <a:endCxn id="11" idx="1"/>
-          </p:cNvCxnSpPr>
-          <p:nvPr/>
-        </p:nvCxnSpPr>
-        <p:spPr>
-          <a:xfrm flipV="1">
-            <a:off x="2529214" y="1120754"/>
-            <a:ext cx="463594" cy="2"/>
-          </a:xfrm>
-          <a:prstGeom prst="straightConnector1">
-            <a:avLst/>
-          </a:prstGeom>
-          <a:ln>
-            <a:tailEnd type="triangle"/>
-          </a:ln>
-        </p:spPr>
-        <p:style>
-          <a:lnRef idx="1">
-            <a:schemeClr val="accent1"/>
-          </a:lnRef>
-          <a:fillRef idx="0">
-            <a:schemeClr val="accent1"/>
-          </a:fillRef>
-          <a:effectRef idx="0">
-            <a:schemeClr val="accent1"/>
-          </a:effectRef>
-          <a:fontRef idx="minor">
-            <a:schemeClr val="tx1"/>
-          </a:fontRef>
-        </p:style>
-      </p:cxnSp>
-      <p:sp>
-        <p:nvSpPr>
-          <p:cNvPr id="7" name="矩形 6"/>
-          <p:cNvSpPr/>
-          <p:nvPr/>
-        </p:nvSpPr>
-        <p:spPr>
-          <a:xfrm>
-            <a:off x="7302024" y="550819"/>
-            <a:ext cx="1691014" cy="1139869"/>
-          </a:xfrm>
-          <a:prstGeom prst="rect">
-            <a:avLst/>
-          </a:prstGeom>
-          <a:solidFill>
-            <a:schemeClr val="accent1"/>
-          </a:solidFill>
-          <a:ln>
-            <a:solidFill>
-              <a:schemeClr val="accent1"/>
-            </a:solidFill>
-          </a:ln>
-        </p:spPr>
-        <p:style>
-          <a:lnRef idx="2">
-            <a:schemeClr val="accent1">
-              <a:shade val="50000"/>
-            </a:schemeClr>
-          </a:lnRef>
-          <a:fillRef idx="1">
-            <a:schemeClr val="accent1"/>
-          </a:fillRef>
-          <a:effectRef idx="0">
-            <a:schemeClr val="accent1"/>
-          </a:effectRef>
-          <a:fontRef idx="minor">
-            <a:schemeClr val="lt1"/>
-          </a:fontRef>
-        </p:style>
-        <p:txBody>
-          <a:bodyPr rtlCol="0" anchor="ctr"/>
-          <a:lstStyle/>
-          <a:p>
-            <a:pPr algn="ctr"/>
-            <a:r>
-              <a:rPr lang="en-US" altLang="zh-TW" dirty="0"/>
-              <a:t>Clustering</a:t>
-            </a:r>
-            <a:endParaRPr lang="zh-TW" altLang="en-US" dirty="0"/>
-          </a:p>
-        </p:txBody>
-      </p:sp>
-      <p:cxnSp>
-        <p:nvCxnSpPr>
-          <p:cNvPr id="8" name="直線單箭頭接點 7"/>
-          <p:cNvCxnSpPr>
-            <a:stCxn id="5" idx="3"/>
-            <a:endCxn id="7" idx="1"/>
-          </p:cNvCxnSpPr>
-          <p:nvPr/>
-        </p:nvCxnSpPr>
-        <p:spPr>
-          <a:xfrm>
-            <a:off x="6838430" y="1120754"/>
-            <a:ext cx="463594" cy="0"/>
-          </a:xfrm>
-          <a:prstGeom prst="straightConnector1">
-            <a:avLst/>
-          </a:prstGeom>
-          <a:ln>
-            <a:tailEnd type="triangle"/>
-          </a:ln>
-        </p:spPr>
-        <p:style>
-          <a:lnRef idx="1">
-            <a:schemeClr val="accent1"/>
-          </a:lnRef>
-          <a:fillRef idx="0">
-            <a:schemeClr val="accent1"/>
-          </a:fillRef>
-          <a:effectRef idx="0">
-            <a:schemeClr val="accent1"/>
-          </a:effectRef>
-          <a:fontRef idx="minor">
-            <a:schemeClr val="tx1"/>
-          </a:fontRef>
-        </p:style>
-      </p:cxnSp>
-      <p:sp>
-        <p:nvSpPr>
-          <p:cNvPr id="9" name="矩形 8"/>
-          <p:cNvSpPr/>
-          <p:nvPr/>
-        </p:nvSpPr>
-        <p:spPr>
-          <a:xfrm>
-            <a:off x="9456632" y="550819"/>
-            <a:ext cx="1691014" cy="1139869"/>
-          </a:xfrm>
-          <a:prstGeom prst="rect">
-            <a:avLst/>
-          </a:prstGeom>
-          <a:solidFill>
-            <a:schemeClr val="accent1">
-              <a:lumMod val="50000"/>
-            </a:schemeClr>
-          </a:solidFill>
-        </p:spPr>
-        <p:style>
-          <a:lnRef idx="2">
-            <a:schemeClr val="accent1">
-              <a:shade val="50000"/>
-            </a:schemeClr>
-          </a:lnRef>
-          <a:fillRef idx="1">
-            <a:schemeClr val="accent1"/>
-          </a:fillRef>
-          <a:effectRef idx="0">
-            <a:schemeClr val="accent1"/>
-          </a:effectRef>
-          <a:fontRef idx="minor">
-            <a:schemeClr val="lt1"/>
-          </a:fontRef>
-        </p:style>
-        <p:txBody>
-          <a:bodyPr rtlCol="0" anchor="ctr"/>
-          <a:lstStyle/>
-          <a:p>
-            <a:pPr algn="ctr"/>
-            <a:r>
-              <a:rPr lang="en-US" altLang="zh-TW" dirty="0" smtClean="0"/>
-              <a:t>Hotness Computing</a:t>
-            </a:r>
-            <a:endParaRPr lang="zh-TW" altLang="en-US" dirty="0"/>
-          </a:p>
-        </p:txBody>
-      </p:sp>
-      <p:cxnSp>
-        <p:nvCxnSpPr>
-          <p:cNvPr id="10" name="直線單箭頭接點 9"/>
-          <p:cNvCxnSpPr>
-            <a:stCxn id="7" idx="3"/>
-            <a:endCxn id="9" idx="1"/>
-          </p:cNvCxnSpPr>
-          <p:nvPr/>
-        </p:nvCxnSpPr>
-        <p:spPr>
-          <a:xfrm>
-            <a:off x="8993038" y="1120754"/>
-            <a:ext cx="463594" cy="0"/>
-          </a:xfrm>
-          <a:prstGeom prst="straightConnector1">
-            <a:avLst/>
-          </a:prstGeom>
-          <a:ln>
-            <a:tailEnd type="triangle"/>
-          </a:ln>
-        </p:spPr>
-        <p:style>
-          <a:lnRef idx="1">
-            <a:schemeClr val="accent1"/>
-          </a:lnRef>
-          <a:fillRef idx="0">
-            <a:schemeClr val="accent1"/>
-          </a:fillRef>
-          <a:effectRef idx="0">
-            <a:schemeClr val="accent1"/>
-          </a:effectRef>
-          <a:fontRef idx="minor">
-            <a:schemeClr val="tx1"/>
-          </a:fontRef>
-        </p:style>
-      </p:cxnSp>
-      <p:sp>
-        <p:nvSpPr>
-          <p:cNvPr id="11" name="矩形 10"/>
-          <p:cNvSpPr/>
-          <p:nvPr/>
-        </p:nvSpPr>
-        <p:spPr>
-          <a:xfrm>
-            <a:off x="2992808" y="550819"/>
-            <a:ext cx="1691014" cy="1139869"/>
-          </a:xfrm>
-          <a:prstGeom prst="rect">
-            <a:avLst/>
-          </a:prstGeom>
-          <a:solidFill>
-            <a:schemeClr val="accent1">
-              <a:lumMod val="50000"/>
-            </a:schemeClr>
-          </a:solidFill>
-        </p:spPr>
-        <p:style>
-          <a:lnRef idx="2">
-            <a:schemeClr val="accent1">
-              <a:shade val="50000"/>
-            </a:schemeClr>
-          </a:lnRef>
-          <a:fillRef idx="1">
-            <a:schemeClr val="accent1"/>
-          </a:fillRef>
-          <a:effectRef idx="0">
-            <a:schemeClr val="accent1"/>
-          </a:effectRef>
-          <a:fontRef idx="minor">
-            <a:schemeClr val="lt1"/>
-          </a:fontRef>
-        </p:style>
-        <p:txBody>
-          <a:bodyPr rtlCol="0" anchor="ctr"/>
-          <a:lstStyle/>
-          <a:p>
-            <a:pPr algn="ctr"/>
-            <a:r>
-              <a:rPr lang="en-US" altLang="zh-TW" dirty="0" smtClean="0"/>
-              <a:t>Keyword</a:t>
-            </a:r>
-            <a:br>
-              <a:rPr lang="en-US" altLang="zh-TW" dirty="0" smtClean="0"/>
-            </a:br>
-            <a:r>
-              <a:rPr lang="en-US" altLang="zh-TW" dirty="0" smtClean="0"/>
-              <a:t>Selection</a:t>
-            </a:r>
-          </a:p>
-        </p:txBody>
-      </p:sp>
-      <p:cxnSp>
-        <p:nvCxnSpPr>
-          <p:cNvPr id="12" name="直線單箭頭接點 11"/>
-          <p:cNvCxnSpPr>
-            <a:stCxn id="11" idx="3"/>
-            <a:endCxn id="5" idx="1"/>
-          </p:cNvCxnSpPr>
-          <p:nvPr/>
-        </p:nvCxnSpPr>
-        <p:spPr>
-          <a:xfrm>
-            <a:off x="4683822" y="1120754"/>
-            <a:ext cx="463594" cy="0"/>
-          </a:xfrm>
-          <a:prstGeom prst="straightConnector1">
-            <a:avLst/>
-          </a:prstGeom>
-          <a:ln>
-            <a:tailEnd type="triangle"/>
-          </a:ln>
-        </p:spPr>
-        <p:style>
-          <a:lnRef idx="1">
-            <a:schemeClr val="accent1"/>
-          </a:lnRef>
-          <a:fillRef idx="0">
-            <a:schemeClr val="accent1"/>
-          </a:fillRef>
-          <a:effectRef idx="0">
-            <a:schemeClr val="accent1"/>
-          </a:effectRef>
-          <a:fontRef idx="minor">
-            <a:schemeClr val="tx1"/>
-          </a:fontRef>
-        </p:style>
-      </p:cxnSp>
+        </p:txBody>
+      </p:sp>
     </p:spTree>
     <p:extLst>
       <p:ext uri="{BB962C8B-B14F-4D97-AF65-F5344CB8AC3E}">
-        <p14:creationId xmlns:p14="http://schemas.microsoft.com/office/powerpoint/2010/main" val="4002490908"/>
+        <p14:creationId xmlns:p14="http://schemas.microsoft.com/office/powerpoint/2010/main" val="877882343"/>
       </p:ext>
     </p:extLst>
   </p:cSld>
@@ -11621,7 +10307,6 @@
               <a:rPr lang="en-US" altLang="zh-TW" dirty="0" smtClean="0"/>
               <a:t>1398775 words</a:t>
             </a:r>
-            <a:endParaRPr lang="en-US" altLang="zh-TW" dirty="0" smtClean="0"/>
           </a:p>
         </p:txBody>
       </p:sp>
@@ -11679,11 +10364,7 @@
           <a:p>
             <a:r>
               <a:rPr lang="en-US" altLang="zh-TW" dirty="0" smtClean="0"/>
-              <a:t>Clustering </a:t>
-            </a:r>
-            <a:r>
-              <a:rPr lang="en-US" altLang="zh-TW" dirty="0" smtClean="0"/>
-              <a:t>Part</a:t>
+              <a:t>Clustering Part</a:t>
             </a:r>
             <a:endParaRPr lang="zh-TW" altLang="en-US" dirty="0"/>
           </a:p>

--- a/Hot-Topic-Detection.pptx
+++ b/Hot-Topic-Detection.pptx
@@ -187,7 +187,6 @@
           </a:p>
         </c:rich>
       </c:tx>
-      <c:layout/>
       <c:overlay val="0"/>
       <c:spPr>
         <a:noFill/>
@@ -977,7 +976,6 @@
     </c:plotArea>
     <c:legend>
       <c:legendPos val="b"/>
-      <c:layout/>
       <c:overlay val="0"/>
       <c:spPr>
         <a:noFill/>
@@ -1079,7 +1077,6 @@
           </a:p>
         </c:rich>
       </c:tx>
-      <c:layout/>
       <c:overlay val="0"/>
       <c:spPr>
         <a:noFill/>
@@ -1790,7 +1787,6 @@
     </c:plotArea>
     <c:legend>
       <c:legendPos val="b"/>
-      <c:layout/>
       <c:overlay val="0"/>
       <c:spPr>
         <a:noFill/>
@@ -3015,7 +3011,7 @@
           <a:p>
             <a:fld id="{6EBBD1C7-ADD3-504D-BCDB-B42CF5CE97FC}" type="datetimeFigureOut">
               <a:rPr kumimoji="1" lang="zh-TW" altLang="en-US" smtClean="0"/>
-              <a:t>2016/6/13</a:t>
+              <a:t>2016/6/16</a:t>
             </a:fld>
             <a:endParaRPr kumimoji="1" lang="zh-TW" altLang="en-US"/>
           </a:p>
@@ -4117,7 +4113,7 @@
           <a:p>
             <a:fld id="{07D37549-EB1B-4775-A7CD-5FCE3CE0385F}" type="datetimeFigureOut">
               <a:rPr lang="zh-TW" altLang="en-US" smtClean="0"/>
-              <a:t>2016/6/13</a:t>
+              <a:t>2016/6/16</a:t>
             </a:fld>
             <a:endParaRPr lang="zh-TW" altLang="en-US"/>
           </a:p>
@@ -4287,7 +4283,7 @@
           <a:p>
             <a:fld id="{07D37549-EB1B-4775-A7CD-5FCE3CE0385F}" type="datetimeFigureOut">
               <a:rPr lang="zh-TW" altLang="en-US" smtClean="0"/>
-              <a:t>2016/6/13</a:t>
+              <a:t>2016/6/16</a:t>
             </a:fld>
             <a:endParaRPr lang="zh-TW" altLang="en-US"/>
           </a:p>
@@ -4467,7 +4463,7 @@
           <a:p>
             <a:fld id="{07D37549-EB1B-4775-A7CD-5FCE3CE0385F}" type="datetimeFigureOut">
               <a:rPr lang="zh-TW" altLang="en-US" smtClean="0"/>
-              <a:t>2016/6/13</a:t>
+              <a:t>2016/6/16</a:t>
             </a:fld>
             <a:endParaRPr lang="zh-TW" altLang="en-US"/>
           </a:p>
@@ -4637,7 +4633,7 @@
           <a:p>
             <a:fld id="{07D37549-EB1B-4775-A7CD-5FCE3CE0385F}" type="datetimeFigureOut">
               <a:rPr lang="zh-TW" altLang="en-US" smtClean="0"/>
-              <a:t>2016/6/13</a:t>
+              <a:t>2016/6/16</a:t>
             </a:fld>
             <a:endParaRPr lang="zh-TW" altLang="en-US"/>
           </a:p>
@@ -4883,7 +4879,7 @@
           <a:p>
             <a:fld id="{07D37549-EB1B-4775-A7CD-5FCE3CE0385F}" type="datetimeFigureOut">
               <a:rPr lang="zh-TW" altLang="en-US" smtClean="0"/>
-              <a:t>2016/6/13</a:t>
+              <a:t>2016/6/16</a:t>
             </a:fld>
             <a:endParaRPr lang="zh-TW" altLang="en-US"/>
           </a:p>
@@ -5115,7 +5111,7 @@
           <a:p>
             <a:fld id="{07D37549-EB1B-4775-A7CD-5FCE3CE0385F}" type="datetimeFigureOut">
               <a:rPr lang="zh-TW" altLang="en-US" smtClean="0"/>
-              <a:t>2016/6/13</a:t>
+              <a:t>2016/6/16</a:t>
             </a:fld>
             <a:endParaRPr lang="zh-TW" altLang="en-US"/>
           </a:p>
@@ -5482,7 +5478,7 @@
           <a:p>
             <a:fld id="{07D37549-EB1B-4775-A7CD-5FCE3CE0385F}" type="datetimeFigureOut">
               <a:rPr lang="zh-TW" altLang="en-US" smtClean="0"/>
-              <a:t>2016/6/13</a:t>
+              <a:t>2016/6/16</a:t>
             </a:fld>
             <a:endParaRPr lang="zh-TW" altLang="en-US"/>
           </a:p>
@@ -5600,7 +5596,7 @@
           <a:p>
             <a:fld id="{07D37549-EB1B-4775-A7CD-5FCE3CE0385F}" type="datetimeFigureOut">
               <a:rPr lang="zh-TW" altLang="en-US" smtClean="0"/>
-              <a:t>2016/6/13</a:t>
+              <a:t>2016/6/16</a:t>
             </a:fld>
             <a:endParaRPr lang="zh-TW" altLang="en-US"/>
           </a:p>
@@ -5695,7 +5691,7 @@
           <a:p>
             <a:fld id="{07D37549-EB1B-4775-A7CD-5FCE3CE0385F}" type="datetimeFigureOut">
               <a:rPr lang="zh-TW" altLang="en-US" smtClean="0"/>
-              <a:t>2016/6/13</a:t>
+              <a:t>2016/6/16</a:t>
             </a:fld>
             <a:endParaRPr lang="zh-TW" altLang="en-US"/>
           </a:p>
@@ -5972,7 +5968,7 @@
           <a:p>
             <a:fld id="{07D37549-EB1B-4775-A7CD-5FCE3CE0385F}" type="datetimeFigureOut">
               <a:rPr lang="zh-TW" altLang="en-US" smtClean="0"/>
-              <a:t>2016/6/13</a:t>
+              <a:t>2016/6/16</a:t>
             </a:fld>
             <a:endParaRPr lang="zh-TW" altLang="en-US"/>
           </a:p>
@@ -6225,7 +6221,7 @@
           <a:p>
             <a:fld id="{07D37549-EB1B-4775-A7CD-5FCE3CE0385F}" type="datetimeFigureOut">
               <a:rPr lang="zh-TW" altLang="en-US" smtClean="0"/>
-              <a:t>2016/6/13</a:t>
+              <a:t>2016/6/16</a:t>
             </a:fld>
             <a:endParaRPr lang="zh-TW" altLang="en-US"/>
           </a:p>
@@ -6438,7 +6434,7 @@
           <a:p>
             <a:fld id="{07D37549-EB1B-4775-A7CD-5FCE3CE0385F}" type="datetimeFigureOut">
               <a:rPr lang="zh-TW" altLang="en-US" smtClean="0"/>
-              <a:t>2016/6/13</a:t>
+              <a:t>2016/6/16</a:t>
             </a:fld>
             <a:endParaRPr lang="zh-TW" altLang="en-US"/>
           </a:p>
@@ -9781,11 +9777,7 @@
             </a:r>
             <a:r>
               <a:rPr lang="en-US" altLang="zh-TW" dirty="0" err="1" smtClean="0"/>
-              <a:t>tf</a:t>
-            </a:r>
-            <a:r>
-              <a:rPr lang="en-US" altLang="zh-TW" dirty="0" err="1" smtClean="0"/>
-              <a:t>-idf</a:t>
+              <a:t>tf-idf</a:t>
             </a:r>
             <a:r>
               <a:rPr lang="en-US" altLang="zh-TW" dirty="0" smtClean="0"/>
@@ -10329,11 +10321,7 @@
           <a:p>
             <a:r>
               <a:rPr lang="zh-TW" altLang="en-US" dirty="0" smtClean="0"/>
-              <a:t>若不考慮以文章標題作為特徵的話</a:t>
-            </a:r>
-            <a:r>
-              <a:rPr lang="zh-TW" altLang="en-US" dirty="0" smtClean="0"/>
-              <a:t>，單純以文章斷詞後各</a:t>
+              <a:t>若不考慮以文章標題作為特徵的話，單純以文章斷詞後各</a:t>
             </a:r>
             <a:r>
               <a:rPr lang="en-US" altLang="zh-TW" dirty="0" smtClean="0"/>
@@ -10394,7 +10382,6 @@
               <a:rPr lang="en-US" altLang="zh-TW" dirty="0" smtClean="0"/>
               <a:t>…</a:t>
             </a:r>
-            <a:endParaRPr lang="en-US" altLang="zh-TW" dirty="0" smtClean="0"/>
           </a:p>
         </p:txBody>
       </p:sp>
@@ -10746,7 +10733,7 @@
       </p:sp>
       <p:pic>
         <p:nvPicPr>
-          <p:cNvPr id="4" name="內容版面配置區 3"/>
+          <p:cNvPr id="5" name="內容版面配置區 4"/>
           <p:cNvPicPr>
             <a:picLocks noGrp="1" noChangeAspect="1"/>
           </p:cNvPicPr>
